--- a/presentation-book-exchange.pptx
+++ b/presentation-book-exchange.pptx
@@ -268,7 +268,7 @@
           <a:p>
             <a:fld id="{1706A504-8EB3-452A-98D0-9F946B298832}" type="datetimeFigureOut">
               <a:rPr lang="zh-CN" altLang="en-US" smtClean="0"/>
-              <a:t>2022/4/20</a:t>
+              <a:t>2022/5/4</a:t>
             </a:fld>
             <a:endParaRPr lang="zh-CN" altLang="en-US"/>
           </a:p>
@@ -468,7 +468,7 @@
           <a:p>
             <a:fld id="{1706A504-8EB3-452A-98D0-9F946B298832}" type="datetimeFigureOut">
               <a:rPr lang="zh-CN" altLang="en-US" smtClean="0"/>
-              <a:t>2022/4/20</a:t>
+              <a:t>2022/5/4</a:t>
             </a:fld>
             <a:endParaRPr lang="zh-CN" altLang="en-US"/>
           </a:p>
@@ -678,7 +678,7 @@
           <a:p>
             <a:fld id="{1706A504-8EB3-452A-98D0-9F946B298832}" type="datetimeFigureOut">
               <a:rPr lang="zh-CN" altLang="en-US" smtClean="0"/>
-              <a:t>2022/4/20</a:t>
+              <a:t>2022/5/4</a:t>
             </a:fld>
             <a:endParaRPr lang="zh-CN" altLang="en-US"/>
           </a:p>
@@ -878,7 +878,7 @@
           <a:p>
             <a:fld id="{1706A504-8EB3-452A-98D0-9F946B298832}" type="datetimeFigureOut">
               <a:rPr lang="zh-CN" altLang="en-US" smtClean="0"/>
-              <a:t>2022/4/20</a:t>
+              <a:t>2022/5/4</a:t>
             </a:fld>
             <a:endParaRPr lang="zh-CN" altLang="en-US"/>
           </a:p>
@@ -1154,7 +1154,7 @@
           <a:p>
             <a:fld id="{1706A504-8EB3-452A-98D0-9F946B298832}" type="datetimeFigureOut">
               <a:rPr lang="zh-CN" altLang="en-US" smtClean="0"/>
-              <a:t>2022/4/20</a:t>
+              <a:t>2022/5/4</a:t>
             </a:fld>
             <a:endParaRPr lang="zh-CN" altLang="en-US"/>
           </a:p>
@@ -1422,7 +1422,7 @@
           <a:p>
             <a:fld id="{1706A504-8EB3-452A-98D0-9F946B298832}" type="datetimeFigureOut">
               <a:rPr lang="zh-CN" altLang="en-US" smtClean="0"/>
-              <a:t>2022/4/20</a:t>
+              <a:t>2022/5/4</a:t>
             </a:fld>
             <a:endParaRPr lang="zh-CN" altLang="en-US"/>
           </a:p>
@@ -1837,7 +1837,7 @@
           <a:p>
             <a:fld id="{1706A504-8EB3-452A-98D0-9F946B298832}" type="datetimeFigureOut">
               <a:rPr lang="zh-CN" altLang="en-US" smtClean="0"/>
-              <a:t>2022/4/20</a:t>
+              <a:t>2022/5/4</a:t>
             </a:fld>
             <a:endParaRPr lang="zh-CN" altLang="en-US"/>
           </a:p>
@@ -1979,7 +1979,7 @@
           <a:p>
             <a:fld id="{1706A504-8EB3-452A-98D0-9F946B298832}" type="datetimeFigureOut">
               <a:rPr lang="zh-CN" altLang="en-US" smtClean="0"/>
-              <a:t>2022/4/20</a:t>
+              <a:t>2022/5/4</a:t>
             </a:fld>
             <a:endParaRPr lang="zh-CN" altLang="en-US"/>
           </a:p>
@@ -2092,7 +2092,7 @@
           <a:p>
             <a:fld id="{1706A504-8EB3-452A-98D0-9F946B298832}" type="datetimeFigureOut">
               <a:rPr lang="zh-CN" altLang="en-US" smtClean="0"/>
-              <a:t>2022/4/20</a:t>
+              <a:t>2022/5/4</a:t>
             </a:fld>
             <a:endParaRPr lang="zh-CN" altLang="en-US"/>
           </a:p>
@@ -2405,7 +2405,7 @@
           <a:p>
             <a:fld id="{1706A504-8EB3-452A-98D0-9F946B298832}" type="datetimeFigureOut">
               <a:rPr lang="zh-CN" altLang="en-US" smtClean="0"/>
-              <a:t>2022/4/20</a:t>
+              <a:t>2022/5/4</a:t>
             </a:fld>
             <a:endParaRPr lang="zh-CN" altLang="en-US"/>
           </a:p>
@@ -2694,7 +2694,7 @@
           <a:p>
             <a:fld id="{1706A504-8EB3-452A-98D0-9F946B298832}" type="datetimeFigureOut">
               <a:rPr lang="zh-CN" altLang="en-US" smtClean="0"/>
-              <a:t>2022/4/20</a:t>
+              <a:t>2022/5/4</a:t>
             </a:fld>
             <a:endParaRPr lang="zh-CN" altLang="en-US"/>
           </a:p>
@@ -2937,7 +2937,7 @@
           <a:p>
             <a:fld id="{1706A504-8EB3-452A-98D0-9F946B298832}" type="datetimeFigureOut">
               <a:rPr lang="zh-CN" altLang="en-US" smtClean="0"/>
-              <a:t>2022/4/20</a:t>
+              <a:t>2022/5/4</a:t>
             </a:fld>
             <a:endParaRPr lang="zh-CN" altLang="en-US"/>
           </a:p>
@@ -3376,10 +3376,38 @@
           <a:lstStyle/>
           <a:p>
             <a:r>
-              <a:rPr lang="en-US" altLang="zh-CN" dirty="0"/>
-              <a:t>Book Exchange</a:t>
-            </a:r>
-            <a:endParaRPr lang="zh-CN" altLang="en-US" dirty="0"/>
+              <a:rPr lang="en-US" altLang="zh-CN" b="1" dirty="0">
+                <a:effectLst>
+                  <a:outerShdw blurRad="38100" dist="38100" dir="2700000" algn="tl">
+                    <a:srgbClr val="000000">
+                      <a:alpha val="43137"/>
+                    </a:srgbClr>
+                  </a:outerShdw>
+                </a:effectLst>
+              </a:rPr>
+              <a:t>Book </a:t>
+            </a:r>
+            <a:r>
+              <a:rPr lang="en-US" altLang="zh-CN" b="1" i="1" dirty="0">
+                <a:effectLst>
+                  <a:outerShdw blurRad="38100" dist="38100" dir="2700000" algn="tl">
+                    <a:srgbClr val="000000">
+                      <a:alpha val="43137"/>
+                    </a:srgbClr>
+                  </a:outerShdw>
+                </a:effectLst>
+              </a:rPr>
+              <a:t>Exchange</a:t>
+            </a:r>
+            <a:endParaRPr lang="zh-CN" altLang="en-US" b="1" i="1" dirty="0">
+              <a:effectLst>
+                <a:outerShdw blurRad="38100" dist="38100" dir="2700000" algn="tl">
+                  <a:srgbClr val="000000">
+                    <a:alpha val="43137"/>
+                  </a:srgbClr>
+                </a:outerShdw>
+              </a:effectLst>
+            </a:endParaRPr>
           </a:p>
         </p:txBody>
       </p:sp>
@@ -3466,15 +3494,15 @@
         </p:spPr>
         <p:txBody>
           <a:bodyPr>
-            <a:normAutofit fontScale="90000"/>
+            <a:noAutofit/>
           </a:bodyPr>
           <a:lstStyle/>
           <a:p>
             <a:r>
-              <a:rPr lang="en-US" altLang="zh-CN" dirty="0"/>
+              <a:rPr lang="en-US" altLang="zh-CN" sz="4000" dirty="0"/>
               <a:t>Structure Overview</a:t>
             </a:r>
-            <a:endParaRPr lang="zh-CN" altLang="en-US" dirty="0"/>
+            <a:endParaRPr lang="zh-CN" altLang="en-US" sz="4000" dirty="0"/>
           </a:p>
         </p:txBody>
       </p:sp>
@@ -3532,15 +3560,15 @@
         </p:spPr>
         <p:txBody>
           <a:bodyPr>
-            <a:normAutofit fontScale="90000"/>
+            <a:normAutofit/>
           </a:bodyPr>
           <a:lstStyle/>
           <a:p>
             <a:r>
-              <a:rPr lang="en-US" altLang="zh-CN" dirty="0"/>
+              <a:rPr lang="en-US" altLang="zh-CN" sz="4000" dirty="0"/>
               <a:t>Motivation &amp; Main Functions</a:t>
             </a:r>
-            <a:endParaRPr lang="zh-CN" altLang="en-US" dirty="0"/>
+            <a:endParaRPr lang="zh-CN" altLang="en-US" sz="4000" dirty="0"/>
           </a:p>
         </p:txBody>
       </p:sp>
@@ -3603,10 +3631,10 @@
           <a:lstStyle/>
           <a:p>
             <a:r>
-              <a:rPr lang="en-US" altLang="zh-CN" dirty="0"/>
+              <a:rPr lang="en-US" altLang="zh-CN" sz="4000" dirty="0"/>
               <a:t>Front-End</a:t>
             </a:r>
-            <a:endParaRPr lang="zh-CN" altLang="en-US" dirty="0"/>
+            <a:endParaRPr lang="zh-CN" altLang="en-US" sz="4000" dirty="0"/>
           </a:p>
         </p:txBody>
       </p:sp>
@@ -3642,37 +3670,265 @@
       </p:grpSpPr>
       <p:sp>
         <p:nvSpPr>
-          <p:cNvPr id="2" name="Title 1">
-            <a:extLst>
-              <a:ext uri="{FF2B5EF4-FFF2-40B4-BE49-F238E27FC236}">
-                <a16:creationId xmlns:a16="http://schemas.microsoft.com/office/drawing/2014/main" id="{290B4422-890A-4ACF-BA33-FE39F4EAEF58}"/>
-              </a:ext>
-            </a:extLst>
-          </p:cNvPr>
-          <p:cNvSpPr>
-            <a:spLocks noGrp="1"/>
-          </p:cNvSpPr>
-          <p:nvPr>
-            <p:ph type="ctrTitle"/>
-          </p:nvPr>
+          <p:cNvPr id="4" name="Rectangle: Rounded Corners 3">
+            <a:extLst>
+              <a:ext uri="{FF2B5EF4-FFF2-40B4-BE49-F238E27FC236}">
+                <a16:creationId xmlns:a16="http://schemas.microsoft.com/office/drawing/2014/main" id="{85FE837D-E5DB-5919-FE04-44BF5226CA28}"/>
+              </a:ext>
+            </a:extLst>
+          </p:cNvPr>
+          <p:cNvSpPr/>
+          <p:nvPr/>
         </p:nvSpPr>
         <p:spPr>
           <a:xfrm>
-            <a:off x="1524000" y="640523"/>
+            <a:off x="498266" y="947358"/>
+            <a:ext cx="5130496" cy="5650558"/>
+          </a:xfrm>
+          <a:prstGeom prst="roundRect">
+            <a:avLst/>
+          </a:prstGeom>
+          <a:solidFill>
+            <a:schemeClr val="accent1">
+              <a:lumMod val="75000"/>
+            </a:schemeClr>
+          </a:solidFill>
+          <a:ln>
+            <a:noFill/>
+          </a:ln>
+        </p:spPr>
+        <p:style>
+          <a:lnRef idx="2">
+            <a:schemeClr val="accent1">
+              <a:shade val="50000"/>
+            </a:schemeClr>
+          </a:lnRef>
+          <a:fillRef idx="1">
+            <a:schemeClr val="accent1"/>
+          </a:fillRef>
+          <a:effectRef idx="0">
+            <a:schemeClr val="accent1"/>
+          </a:effectRef>
+          <a:fontRef idx="minor">
+            <a:schemeClr val="lt1"/>
+          </a:fontRef>
+        </p:style>
+        <p:txBody>
+          <a:bodyPr rtlCol="0" anchor="ctr"/>
+          <a:lstStyle/>
+          <a:p>
+            <a:pPr algn="ctr"/>
+            <a:endParaRPr lang="zh-CN" altLang="en-US"/>
+          </a:p>
+        </p:txBody>
+      </p:sp>
+      <p:sp>
+        <p:nvSpPr>
+          <p:cNvPr id="2" name="Title 1">
+            <a:extLst>
+              <a:ext uri="{FF2B5EF4-FFF2-40B4-BE49-F238E27FC236}">
+                <a16:creationId xmlns:a16="http://schemas.microsoft.com/office/drawing/2014/main" id="{290B4422-890A-4ACF-BA33-FE39F4EAEF58}"/>
+              </a:ext>
+            </a:extLst>
+          </p:cNvPr>
+          <p:cNvSpPr>
+            <a:spLocks noGrp="1"/>
+          </p:cNvSpPr>
+          <p:nvPr>
+            <p:ph type="ctrTitle"/>
+          </p:nvPr>
+        </p:nvSpPr>
+        <p:spPr>
+          <a:xfrm>
+            <a:off x="1392589" y="0"/>
             <a:ext cx="9144000" cy="947357"/>
           </a:xfrm>
         </p:spPr>
         <p:txBody>
           <a:bodyPr>
-            <a:normAutofit fontScale="90000"/>
+            <a:normAutofit/>
           </a:bodyPr>
           <a:lstStyle/>
           <a:p>
             <a:r>
-              <a:rPr lang="en-US" altLang="zh-CN" dirty="0"/>
+              <a:rPr lang="en-US" altLang="zh-CN" sz="4000" dirty="0"/>
               <a:t>Donate &amp; Request a second-hand book</a:t>
             </a:r>
-            <a:endParaRPr lang="zh-CN" altLang="en-US" dirty="0"/>
+            <a:endParaRPr lang="zh-CN" altLang="en-US" sz="4000" dirty="0"/>
+          </a:p>
+        </p:txBody>
+      </p:sp>
+      <p:sp>
+        <p:nvSpPr>
+          <p:cNvPr id="3" name="TextBox 2">
+            <a:extLst>
+              <a:ext uri="{FF2B5EF4-FFF2-40B4-BE49-F238E27FC236}">
+                <a16:creationId xmlns:a16="http://schemas.microsoft.com/office/drawing/2014/main" id="{17463EC7-20E1-9D15-BD5D-054D0462CA79}"/>
+              </a:ext>
+            </a:extLst>
+          </p:cNvPr>
+          <p:cNvSpPr txBox="1"/>
+          <p:nvPr/>
+        </p:nvSpPr>
+        <p:spPr>
+          <a:xfrm>
+            <a:off x="665267" y="5161123"/>
+            <a:ext cx="4796494" cy="1200329"/>
+          </a:xfrm>
+          <a:prstGeom prst="rect">
+            <a:avLst/>
+          </a:prstGeom>
+          <a:noFill/>
+        </p:spPr>
+        <p:txBody>
+          <a:bodyPr wrap="square" rtlCol="0">
+            <a:spAutoFit/>
+          </a:bodyPr>
+          <a:lstStyle/>
+          <a:p>
+            <a:pPr marL="285750" indent="-285750">
+              <a:buFont typeface="Arial" panose="020B0604020202020204" pitchFamily="34" charset="0"/>
+              <a:buChar char="•"/>
+            </a:pPr>
+            <a:r>
+              <a:rPr lang="en-US" altLang="zh-CN" sz="1200" dirty="0">
+                <a:solidFill>
+                  <a:schemeClr val="bg1"/>
+                </a:solidFill>
+              </a:rPr>
+              <a:t>Using API Gateway to pass the photos directly to a S3 bucket</a:t>
+            </a:r>
+          </a:p>
+          <a:p>
+            <a:pPr marL="285750" indent="-285750">
+              <a:buFont typeface="Arial" panose="020B0604020202020204" pitchFamily="34" charset="0"/>
+              <a:buChar char="•"/>
+            </a:pPr>
+            <a:r>
+              <a:rPr lang="en-US" altLang="zh-CN" sz="1200" dirty="0">
+                <a:solidFill>
+                  <a:schemeClr val="bg1"/>
+                </a:solidFill>
+              </a:rPr>
+              <a:t>Using a Lambda Function to add the donation information to DynamoDB and OpenSearch.</a:t>
+            </a:r>
+          </a:p>
+          <a:p>
+            <a:pPr marL="285750" indent="-285750">
+              <a:buFont typeface="Arial" panose="020B0604020202020204" pitchFamily="34" charset="0"/>
+              <a:buChar char="•"/>
+            </a:pPr>
+            <a:r>
+              <a:rPr lang="en-US" altLang="zh-CN" sz="1200" dirty="0">
+                <a:solidFill>
+                  <a:schemeClr val="bg1"/>
+                </a:solidFill>
+              </a:rPr>
+              <a:t>The lambda function automatically generates the genre information for the donated book by using Open Library API. This can</a:t>
+            </a:r>
+            <a:r>
+              <a:rPr lang="zh-CN" altLang="en-US" sz="1200" dirty="0">
+                <a:solidFill>
+                  <a:schemeClr val="bg1"/>
+                </a:solidFill>
+              </a:rPr>
+              <a:t> </a:t>
+            </a:r>
+            <a:r>
+              <a:rPr lang="en-US" altLang="zh-CN" sz="1200" dirty="0">
+                <a:solidFill>
+                  <a:schemeClr val="bg1"/>
+                </a:solidFill>
+              </a:rPr>
+              <a:t>help other users find the book they want by genre.</a:t>
+            </a:r>
+            <a:endParaRPr lang="zh-CN" altLang="en-US" sz="1200" dirty="0">
+              <a:solidFill>
+                <a:schemeClr val="bg1"/>
+              </a:solidFill>
+            </a:endParaRPr>
+          </a:p>
+        </p:txBody>
+      </p:sp>
+      <p:pic>
+        <p:nvPicPr>
+          <p:cNvPr id="6" name="Picture 5">
+            <a:extLst>
+              <a:ext uri="{FF2B5EF4-FFF2-40B4-BE49-F238E27FC236}">
+                <a16:creationId xmlns:a16="http://schemas.microsoft.com/office/drawing/2014/main" id="{CBDFCF6D-DC62-DED4-F273-DB87B144859F}"/>
+              </a:ext>
+            </a:extLst>
+          </p:cNvPr>
+          <p:cNvPicPr>
+            <a:picLocks noChangeAspect="1"/>
+          </p:cNvPicPr>
+          <p:nvPr/>
+        </p:nvPicPr>
+        <p:blipFill>
+          <a:blip r:embed="rId2">
+            <a:extLst>
+              <a:ext uri="{28A0092B-C50C-407E-A947-70E740481C1C}">
+                <a14:useLocalDpi xmlns:a14="http://schemas.microsoft.com/office/drawing/2010/main" val="0"/>
+              </a:ext>
+            </a:extLst>
+          </a:blip>
+          <a:stretch>
+            <a:fillRect/>
+          </a:stretch>
+        </p:blipFill>
+        <p:spPr>
+          <a:xfrm>
+            <a:off x="1486222" y="1919401"/>
+            <a:ext cx="2968417" cy="3096309"/>
+          </a:xfrm>
+          <a:prstGeom prst="rect">
+            <a:avLst/>
+          </a:prstGeom>
+        </p:spPr>
+      </p:pic>
+      <p:sp>
+        <p:nvSpPr>
+          <p:cNvPr id="7" name="TextBox 6">
+            <a:extLst>
+              <a:ext uri="{FF2B5EF4-FFF2-40B4-BE49-F238E27FC236}">
+                <a16:creationId xmlns:a16="http://schemas.microsoft.com/office/drawing/2014/main" id="{A379F5CD-A9D7-C52E-B67E-BFF5FD9A84F1}"/>
+              </a:ext>
+            </a:extLst>
+          </p:cNvPr>
+          <p:cNvSpPr txBox="1"/>
+          <p:nvPr/>
+        </p:nvSpPr>
+        <p:spPr>
+          <a:xfrm>
+            <a:off x="2427449" y="1226423"/>
+            <a:ext cx="1394415" cy="461665"/>
+          </a:xfrm>
+          <a:prstGeom prst="rect">
+            <a:avLst/>
+          </a:prstGeom>
+          <a:noFill/>
+        </p:spPr>
+        <p:txBody>
+          <a:bodyPr wrap="square" rtlCol="0">
+            <a:spAutoFit/>
+          </a:bodyPr>
+          <a:lstStyle/>
+          <a:p>
+            <a:r>
+              <a:rPr lang="en-US" altLang="zh-CN" sz="2400" dirty="0">
+                <a:solidFill>
+                  <a:schemeClr val="bg1"/>
+                </a:solidFill>
+                <a:latin typeface="Arial Black" panose="020B0A04020102020204" pitchFamily="34" charset="0"/>
+              </a:rPr>
+              <a:t>Donate</a:t>
+            </a:r>
+            <a:endParaRPr lang="zh-CN" altLang="en-US" sz="2400" dirty="0">
+              <a:solidFill>
+                <a:schemeClr val="bg1"/>
+              </a:solidFill>
+              <a:latin typeface="Arial Black" panose="020B0A04020102020204" pitchFamily="34" charset="0"/>
+            </a:endParaRPr>
           </a:p>
         </p:txBody>
       </p:sp>
@@ -3735,10 +3991,10 @@
           <a:lstStyle/>
           <a:p>
             <a:r>
-              <a:rPr lang="en-US" altLang="zh-CN" dirty="0"/>
+              <a:rPr lang="en-US" altLang="zh-CN" sz="4000" dirty="0"/>
               <a:t>Search for a donated book</a:t>
             </a:r>
-            <a:endParaRPr lang="zh-CN" altLang="en-US" dirty="0"/>
+            <a:endParaRPr lang="zh-CN" altLang="en-US" sz="4000" dirty="0"/>
           </a:p>
         </p:txBody>
       </p:sp>
@@ -3801,10 +4057,10 @@
           <a:lstStyle/>
           <a:p>
             <a:r>
-              <a:rPr lang="en-US" altLang="zh-CN" dirty="0"/>
+              <a:rPr lang="en-US" altLang="zh-CN" sz="4000" dirty="0"/>
               <a:t>Show user information</a:t>
             </a:r>
-            <a:endParaRPr lang="zh-CN" altLang="en-US" dirty="0"/>
+            <a:endParaRPr lang="zh-CN" altLang="en-US" sz="4000" dirty="0"/>
           </a:p>
         </p:txBody>
       </p:sp>
@@ -3867,10 +4123,10 @@
           <a:lstStyle/>
           <a:p>
             <a:r>
-              <a:rPr lang="en-US" altLang="zh-CN" dirty="0"/>
+              <a:rPr lang="en-US" altLang="zh-CN" sz="4000" dirty="0"/>
               <a:t>Add a book to a favorite list</a:t>
             </a:r>
-            <a:endParaRPr lang="zh-CN" altLang="en-US" dirty="0"/>
+            <a:endParaRPr lang="zh-CN" altLang="en-US" sz="4000" dirty="0"/>
           </a:p>
         </p:txBody>
       </p:sp>

--- a/presentation-book-exchange.pptx
+++ b/presentation-book-exchange.pptx
@@ -3638,6 +3638,48 @@
           </a:p>
         </p:txBody>
       </p:sp>
+      <p:sp>
+        <p:nvSpPr>
+          <p:cNvPr id="3" name="TextBox 2">
+            <a:extLst>
+              <a:ext uri="{FF2B5EF4-FFF2-40B4-BE49-F238E27FC236}">
+                <a16:creationId xmlns:a16="http://schemas.microsoft.com/office/drawing/2014/main" id="{4D1C98AB-98A7-D877-475F-F0D2ACC1DE01}"/>
+              </a:ext>
+            </a:extLst>
+          </p:cNvPr>
+          <p:cNvSpPr txBox="1"/>
+          <p:nvPr/>
+        </p:nvSpPr>
+        <p:spPr>
+          <a:xfrm>
+            <a:off x="1242927" y="1259353"/>
+            <a:ext cx="9669643" cy="646331"/>
+          </a:xfrm>
+          <a:prstGeom prst="rect">
+            <a:avLst/>
+          </a:prstGeom>
+          <a:noFill/>
+        </p:spPr>
+        <p:txBody>
+          <a:bodyPr wrap="square" rtlCol="0">
+            <a:spAutoFit/>
+          </a:bodyPr>
+          <a:lstStyle/>
+          <a:p>
+            <a:r>
+              <a:rPr lang="en-US" altLang="zh-CN" dirty="0"/>
+              <a:t>Login/Registration Panel</a:t>
+            </a:r>
+          </a:p>
+          <a:p>
+            <a:r>
+              <a:rPr lang="en-US" altLang="zh-CN" dirty="0"/>
+              <a:t>Donation Panel: The user can only donate a book when they have logged in.</a:t>
+            </a:r>
+            <a:endParaRPr lang="zh-CN" altLang="en-US" dirty="0"/>
+          </a:p>
+        </p:txBody>
+      </p:sp>
     </p:spTree>
     <p:extLst>
       <p:ext uri="{BB962C8B-B14F-4D97-AF65-F5344CB8AC3E}">

--- a/presentation-book-exchange.pptx
+++ b/presentation-book-exchange.pptx
@@ -7,12 +7,11 @@
   <p:sldIdLst>
     <p:sldId id="256" r:id="rId2"/>
     <p:sldId id="257" r:id="rId3"/>
-    <p:sldId id="258" r:id="rId4"/>
-    <p:sldId id="262" r:id="rId5"/>
-    <p:sldId id="259" r:id="rId6"/>
-    <p:sldId id="260" r:id="rId7"/>
-    <p:sldId id="261" r:id="rId8"/>
-    <p:sldId id="263" r:id="rId9"/>
+    <p:sldId id="262" r:id="rId4"/>
+    <p:sldId id="259" r:id="rId5"/>
+    <p:sldId id="260" r:id="rId6"/>
+    <p:sldId id="263" r:id="rId7"/>
+    <p:sldId id="264" r:id="rId8"/>
   </p:sldIdLst>
   <p:sldSz cx="12192000" cy="6858000"/>
   <p:notesSz cx="6858000" cy="9144000"/>
@@ -268,7 +267,7 @@
           <a:p>
             <a:fld id="{1706A504-8EB3-452A-98D0-9F946B298832}" type="datetimeFigureOut">
               <a:rPr lang="zh-CN" altLang="en-US" smtClean="0"/>
-              <a:t>2022/5/4</a:t>
+              <a:t>2022/5/6</a:t>
             </a:fld>
             <a:endParaRPr lang="zh-CN" altLang="en-US"/>
           </a:p>
@@ -468,7 +467,7 @@
           <a:p>
             <a:fld id="{1706A504-8EB3-452A-98D0-9F946B298832}" type="datetimeFigureOut">
               <a:rPr lang="zh-CN" altLang="en-US" smtClean="0"/>
-              <a:t>2022/5/4</a:t>
+              <a:t>2022/5/6</a:t>
             </a:fld>
             <a:endParaRPr lang="zh-CN" altLang="en-US"/>
           </a:p>
@@ -678,7 +677,7 @@
           <a:p>
             <a:fld id="{1706A504-8EB3-452A-98D0-9F946B298832}" type="datetimeFigureOut">
               <a:rPr lang="zh-CN" altLang="en-US" smtClean="0"/>
-              <a:t>2022/5/4</a:t>
+              <a:t>2022/5/6</a:t>
             </a:fld>
             <a:endParaRPr lang="zh-CN" altLang="en-US"/>
           </a:p>
@@ -878,7 +877,7 @@
           <a:p>
             <a:fld id="{1706A504-8EB3-452A-98D0-9F946B298832}" type="datetimeFigureOut">
               <a:rPr lang="zh-CN" altLang="en-US" smtClean="0"/>
-              <a:t>2022/5/4</a:t>
+              <a:t>2022/5/6</a:t>
             </a:fld>
             <a:endParaRPr lang="zh-CN" altLang="en-US"/>
           </a:p>
@@ -1154,7 +1153,7 @@
           <a:p>
             <a:fld id="{1706A504-8EB3-452A-98D0-9F946B298832}" type="datetimeFigureOut">
               <a:rPr lang="zh-CN" altLang="en-US" smtClean="0"/>
-              <a:t>2022/5/4</a:t>
+              <a:t>2022/5/6</a:t>
             </a:fld>
             <a:endParaRPr lang="zh-CN" altLang="en-US"/>
           </a:p>
@@ -1422,7 +1421,7 @@
           <a:p>
             <a:fld id="{1706A504-8EB3-452A-98D0-9F946B298832}" type="datetimeFigureOut">
               <a:rPr lang="zh-CN" altLang="en-US" smtClean="0"/>
-              <a:t>2022/5/4</a:t>
+              <a:t>2022/5/6</a:t>
             </a:fld>
             <a:endParaRPr lang="zh-CN" altLang="en-US"/>
           </a:p>
@@ -1837,7 +1836,7 @@
           <a:p>
             <a:fld id="{1706A504-8EB3-452A-98D0-9F946B298832}" type="datetimeFigureOut">
               <a:rPr lang="zh-CN" altLang="en-US" smtClean="0"/>
-              <a:t>2022/5/4</a:t>
+              <a:t>2022/5/6</a:t>
             </a:fld>
             <a:endParaRPr lang="zh-CN" altLang="en-US"/>
           </a:p>
@@ -1979,7 +1978,7 @@
           <a:p>
             <a:fld id="{1706A504-8EB3-452A-98D0-9F946B298832}" type="datetimeFigureOut">
               <a:rPr lang="zh-CN" altLang="en-US" smtClean="0"/>
-              <a:t>2022/5/4</a:t>
+              <a:t>2022/5/6</a:t>
             </a:fld>
             <a:endParaRPr lang="zh-CN" altLang="en-US"/>
           </a:p>
@@ -2092,7 +2091,7 @@
           <a:p>
             <a:fld id="{1706A504-8EB3-452A-98D0-9F946B298832}" type="datetimeFigureOut">
               <a:rPr lang="zh-CN" altLang="en-US" smtClean="0"/>
-              <a:t>2022/5/4</a:t>
+              <a:t>2022/5/6</a:t>
             </a:fld>
             <a:endParaRPr lang="zh-CN" altLang="en-US"/>
           </a:p>
@@ -2405,7 +2404,7 @@
           <a:p>
             <a:fld id="{1706A504-8EB3-452A-98D0-9F946B298832}" type="datetimeFigureOut">
               <a:rPr lang="zh-CN" altLang="en-US" smtClean="0"/>
-              <a:t>2022/5/4</a:t>
+              <a:t>2022/5/6</a:t>
             </a:fld>
             <a:endParaRPr lang="zh-CN" altLang="en-US"/>
           </a:p>
@@ -2694,7 +2693,7 @@
           <a:p>
             <a:fld id="{1706A504-8EB3-452A-98D0-9F946B298832}" type="datetimeFigureOut">
               <a:rPr lang="zh-CN" altLang="en-US" smtClean="0"/>
-              <a:t>2022/5/4</a:t>
+              <a:t>2022/5/6</a:t>
             </a:fld>
             <a:endParaRPr lang="zh-CN" altLang="en-US"/>
           </a:p>
@@ -2937,7 +2936,7 @@
           <a:p>
             <a:fld id="{1706A504-8EB3-452A-98D0-9F946B298832}" type="datetimeFigureOut">
               <a:rPr lang="zh-CN" altLang="en-US" smtClean="0"/>
-              <a:t>2022/5/4</a:t>
+              <a:t>2022/5/6</a:t>
             </a:fld>
             <a:endParaRPr lang="zh-CN" altLang="en-US"/>
           </a:p>
@@ -3370,9 +3369,16 @@
             <p:ph type="ctrTitle"/>
           </p:nvPr>
         </p:nvSpPr>
-        <p:spPr/>
-        <p:txBody>
-          <a:bodyPr/>
+        <p:spPr>
+          <a:xfrm>
+            <a:off x="1124292" y="470887"/>
+            <a:ext cx="9144000" cy="848895"/>
+          </a:xfrm>
+        </p:spPr>
+        <p:txBody>
+          <a:bodyPr>
+            <a:normAutofit fontScale="90000"/>
+          </a:bodyPr>
           <a:lstStyle/>
           <a:p>
             <a:r>
@@ -3427,7 +3433,12 @@
             <p:ph type="subTitle" idx="1"/>
           </p:nvPr>
         </p:nvSpPr>
-        <p:spPr/>
+        <p:spPr>
+          <a:xfrm>
+            <a:off x="1458294" y="1734910"/>
+            <a:ext cx="9144000" cy="564779"/>
+          </a:xfrm>
+        </p:spPr>
         <p:txBody>
           <a:bodyPr/>
           <a:lstStyle/>
@@ -3435,6 +3446,42 @@
             <a:r>
               <a:rPr lang="en-US" altLang="zh-CN" dirty="0"/>
               <a:t>A web service for exchanging second-hand books</a:t>
+            </a:r>
+            <a:endParaRPr lang="zh-CN" altLang="en-US" dirty="0"/>
+          </a:p>
+        </p:txBody>
+      </p:sp>
+      <p:sp>
+        <p:nvSpPr>
+          <p:cNvPr id="5" name="TextBox 4">
+            <a:extLst>
+              <a:ext uri="{FF2B5EF4-FFF2-40B4-BE49-F238E27FC236}">
+                <a16:creationId xmlns:a16="http://schemas.microsoft.com/office/drawing/2014/main" id="{8364F89D-F8DC-6482-FF7B-CB2E0773A04F}"/>
+              </a:ext>
+            </a:extLst>
+          </p:cNvPr>
+          <p:cNvSpPr txBox="1"/>
+          <p:nvPr/>
+        </p:nvSpPr>
+        <p:spPr>
+          <a:xfrm>
+            <a:off x="1225131" y="3059668"/>
+            <a:ext cx="6096912" cy="369332"/>
+          </a:xfrm>
+          <a:prstGeom prst="rect">
+            <a:avLst/>
+          </a:prstGeom>
+          <a:noFill/>
+        </p:spPr>
+        <p:txBody>
+          <a:bodyPr wrap="square">
+            <a:spAutoFit/>
+          </a:bodyPr>
+          <a:lstStyle/>
+          <a:p>
+            <a:r>
+              <a:rPr lang="en-US" altLang="zh-CN" sz="1800" dirty="0"/>
+              <a:t>Motivation &amp; Main Functions:</a:t>
             </a:r>
             <a:endParaRPr lang="zh-CN" altLang="en-US" dirty="0"/>
           </a:p>
@@ -3554,72 +3601,6 @@
         </p:nvSpPr>
         <p:spPr>
           <a:xfrm>
-            <a:off x="1524000" y="16333"/>
-            <a:ext cx="9144000" cy="947357"/>
-          </a:xfrm>
-        </p:spPr>
-        <p:txBody>
-          <a:bodyPr>
-            <a:normAutofit/>
-          </a:bodyPr>
-          <a:lstStyle/>
-          <a:p>
-            <a:r>
-              <a:rPr lang="en-US" altLang="zh-CN" sz="4000" dirty="0"/>
-              <a:t>Motivation &amp; Main Functions</a:t>
-            </a:r>
-            <a:endParaRPr lang="zh-CN" altLang="en-US" sz="4000" dirty="0"/>
-          </a:p>
-        </p:txBody>
-      </p:sp>
-    </p:spTree>
-    <p:extLst>
-      <p:ext uri="{BB962C8B-B14F-4D97-AF65-F5344CB8AC3E}">
-        <p14:creationId xmlns:p14="http://schemas.microsoft.com/office/powerpoint/2010/main" val="231119377"/>
-      </p:ext>
-    </p:extLst>
-  </p:cSld>
-  <p:clrMapOvr>
-    <a:masterClrMapping/>
-  </p:clrMapOvr>
-</p:sld>
-</file>
-
-<file path=ppt/slides/slide4.xml><?xml version="1.0" encoding="utf-8"?>
-<p:sld xmlns:a="http://schemas.openxmlformats.org/drawingml/2006/main" xmlns:r="http://schemas.openxmlformats.org/officeDocument/2006/relationships" xmlns:p="http://schemas.openxmlformats.org/presentationml/2006/main">
-  <p:cSld>
-    <p:spTree>
-      <p:nvGrpSpPr>
-        <p:cNvPr id="1" name=""/>
-        <p:cNvGrpSpPr/>
-        <p:nvPr/>
-      </p:nvGrpSpPr>
-      <p:grpSpPr>
-        <a:xfrm>
-          <a:off x="0" y="0"/>
-          <a:ext cx="0" cy="0"/>
-          <a:chOff x="0" y="0"/>
-          <a:chExt cx="0" cy="0"/>
-        </a:xfrm>
-      </p:grpSpPr>
-      <p:sp>
-        <p:nvSpPr>
-          <p:cNvPr id="2" name="Title 1">
-            <a:extLst>
-              <a:ext uri="{FF2B5EF4-FFF2-40B4-BE49-F238E27FC236}">
-                <a16:creationId xmlns:a16="http://schemas.microsoft.com/office/drawing/2014/main" id="{290B4422-890A-4ACF-BA33-FE39F4EAEF58}"/>
-              </a:ext>
-            </a:extLst>
-          </p:cNvPr>
-          <p:cNvSpPr>
-            <a:spLocks noGrp="1"/>
-          </p:cNvSpPr>
-          <p:nvPr>
-            <p:ph type="ctrTitle"/>
-          </p:nvPr>
-        </p:nvSpPr>
-        <p:spPr>
-          <a:xfrm>
             <a:off x="1524000" y="1"/>
             <a:ext cx="9144000" cy="1023908"/>
           </a:xfrm>
@@ -3693,7 +3674,7 @@
 </p:sld>
 </file>
 
-<file path=ppt/slides/slide5.xml><?xml version="1.0" encoding="utf-8"?>
+<file path=ppt/slides/slide4.xml><?xml version="1.0" encoding="utf-8"?>
 <p:sld xmlns:a="http://schemas.openxmlformats.org/drawingml/2006/main" xmlns:r="http://schemas.openxmlformats.org/officeDocument/2006/relationships" xmlns:p="http://schemas.openxmlformats.org/presentationml/2006/main">
   <p:cSld>
     <p:spTree>
@@ -3987,6 +3968,72 @@
 </p:sld>
 </file>
 
+<file path=ppt/slides/slide5.xml><?xml version="1.0" encoding="utf-8"?>
+<p:sld xmlns:a="http://schemas.openxmlformats.org/drawingml/2006/main" xmlns:r="http://schemas.openxmlformats.org/officeDocument/2006/relationships" xmlns:p="http://schemas.openxmlformats.org/presentationml/2006/main">
+  <p:cSld>
+    <p:spTree>
+      <p:nvGrpSpPr>
+        <p:cNvPr id="1" name=""/>
+        <p:cNvGrpSpPr/>
+        <p:nvPr/>
+      </p:nvGrpSpPr>
+      <p:grpSpPr>
+        <a:xfrm>
+          <a:off x="0" y="0"/>
+          <a:ext cx="0" cy="0"/>
+          <a:chOff x="0" y="0"/>
+          <a:chExt cx="0" cy="0"/>
+        </a:xfrm>
+      </p:grpSpPr>
+      <p:sp>
+        <p:nvSpPr>
+          <p:cNvPr id="2" name="Title 1">
+            <a:extLst>
+              <a:ext uri="{FF2B5EF4-FFF2-40B4-BE49-F238E27FC236}">
+                <a16:creationId xmlns:a16="http://schemas.microsoft.com/office/drawing/2014/main" id="{290B4422-890A-4ACF-BA33-FE39F4EAEF58}"/>
+              </a:ext>
+            </a:extLst>
+          </p:cNvPr>
+          <p:cNvSpPr>
+            <a:spLocks noGrp="1"/>
+          </p:cNvSpPr>
+          <p:nvPr>
+            <p:ph type="ctrTitle"/>
+          </p:nvPr>
+        </p:nvSpPr>
+        <p:spPr>
+          <a:xfrm>
+            <a:off x="1524000" y="0"/>
+            <a:ext cx="9144000" cy="947357"/>
+          </a:xfrm>
+        </p:spPr>
+        <p:txBody>
+          <a:bodyPr>
+            <a:normAutofit/>
+          </a:bodyPr>
+          <a:lstStyle/>
+          <a:p>
+            <a:r>
+              <a:rPr lang="en-US" altLang="zh-CN" sz="4000" dirty="0"/>
+              <a:t>Search for a donated book</a:t>
+            </a:r>
+            <a:endParaRPr lang="zh-CN" altLang="en-US" sz="4000" dirty="0"/>
+          </a:p>
+        </p:txBody>
+      </p:sp>
+    </p:spTree>
+    <p:extLst>
+      <p:ext uri="{BB962C8B-B14F-4D97-AF65-F5344CB8AC3E}">
+        <p14:creationId xmlns:p14="http://schemas.microsoft.com/office/powerpoint/2010/main" val="3465263031"/>
+      </p:ext>
+    </p:extLst>
+  </p:cSld>
+  <p:clrMapOvr>
+    <a:masterClrMapping/>
+  </p:clrMapOvr>
+</p:sld>
+</file>
+
 <file path=ppt/slides/slide6.xml><?xml version="1.0" encoding="utf-8"?>
 <p:sld xmlns:a="http://schemas.openxmlformats.org/drawingml/2006/main" xmlns:r="http://schemas.openxmlformats.org/officeDocument/2006/relationships" xmlns:p="http://schemas.openxmlformats.org/presentationml/2006/main">
   <p:cSld>
@@ -4022,19 +4069,27 @@
         </p:nvSpPr>
         <p:spPr>
           <a:xfrm>
-            <a:off x="1524000" y="0"/>
+            <a:off x="1376163" y="224493"/>
             <a:ext cx="9144000" cy="947357"/>
           </a:xfrm>
         </p:spPr>
         <p:txBody>
           <a:bodyPr>
-            <a:normAutofit/>
+            <a:normAutofit fontScale="90000"/>
           </a:bodyPr>
           <a:lstStyle/>
           <a:p>
             <a:r>
               <a:rPr lang="en-US" altLang="zh-CN" sz="4000" dirty="0"/>
-              <a:t>Search for a donated book</a:t>
+              <a:t>Show user’s</a:t>
+            </a:r>
+            <a:r>
+              <a:rPr lang="zh-CN" altLang="en-US" sz="4000" dirty="0"/>
+              <a:t> </a:t>
+            </a:r>
+            <a:r>
+              <a:rPr lang="en-US" altLang="zh-CN" sz="4000" dirty="0"/>
+              <a:t>information &amp; add a book to a user’s favorite list</a:t>
             </a:r>
             <a:endParaRPr lang="zh-CN" altLang="en-US" sz="4000" dirty="0"/>
           </a:p>
@@ -4043,7 +4098,7 @@
     </p:spTree>
     <p:extLst>
       <p:ext uri="{BB962C8B-B14F-4D97-AF65-F5344CB8AC3E}">
-        <p14:creationId xmlns:p14="http://schemas.microsoft.com/office/powerpoint/2010/main" val="3465263031"/>
+        <p14:creationId xmlns:p14="http://schemas.microsoft.com/office/powerpoint/2010/main" val="4123721389"/>
       </p:ext>
     </p:extLst>
   </p:cSld>
@@ -4088,7 +4143,7 @@
         </p:nvSpPr>
         <p:spPr>
           <a:xfrm>
-            <a:off x="1524000" y="0"/>
+            <a:off x="1376163" y="224493"/>
             <a:ext cx="9144000" cy="947357"/>
           </a:xfrm>
         </p:spPr>
@@ -4100,82 +4155,87 @@
           <a:p>
             <a:r>
               <a:rPr lang="en-US" altLang="zh-CN" sz="4000" dirty="0"/>
-              <a:t>Show user information</a:t>
+              <a:t>Some Design Choice</a:t>
             </a:r>
             <a:endParaRPr lang="zh-CN" altLang="en-US" sz="4000" dirty="0"/>
+          </a:p>
+        </p:txBody>
+      </p:sp>
+      <p:sp>
+        <p:nvSpPr>
+          <p:cNvPr id="3" name="TextBox 2">
+            <a:extLst>
+              <a:ext uri="{FF2B5EF4-FFF2-40B4-BE49-F238E27FC236}">
+                <a16:creationId xmlns:a16="http://schemas.microsoft.com/office/drawing/2014/main" id="{4FDAB2DD-1894-2C1D-36C0-D6CBC2D59FFE}"/>
+              </a:ext>
+            </a:extLst>
+          </p:cNvPr>
+          <p:cNvSpPr txBox="1"/>
+          <p:nvPr/>
+        </p:nvSpPr>
+        <p:spPr>
+          <a:xfrm>
+            <a:off x="574922" y="1242927"/>
+            <a:ext cx="10184335" cy="1785104"/>
+          </a:xfrm>
+          <a:prstGeom prst="rect">
+            <a:avLst/>
+          </a:prstGeom>
+          <a:noFill/>
+        </p:spPr>
+        <p:txBody>
+          <a:bodyPr wrap="square" rtlCol="0">
+            <a:spAutoFit/>
+          </a:bodyPr>
+          <a:lstStyle/>
+          <a:p>
+            <a:r>
+              <a:rPr lang="en-US" altLang="zh-CN" dirty="0"/>
+              <a:t>Although we can link user’s account and their information directly in Cognito (which is convenient and good for keeping user’s information secure!), we decided to use DynamoDB to store the users’ non-sensitive information, rather than storing them in Cognito.</a:t>
+            </a:r>
+          </a:p>
+          <a:p>
+            <a:r>
+              <a:rPr lang="en-US" altLang="zh-CN" sz="1400" dirty="0"/>
+              <a:t>-   The attributes stored in Cognito has to be key-value(string) pair, not good for complicated data structures.</a:t>
+            </a:r>
+          </a:p>
+          <a:p>
+            <a:pPr marL="285750" indent="-285750">
+              <a:buFontTx/>
+              <a:buChar char="-"/>
+            </a:pPr>
+            <a:r>
+              <a:rPr lang="en-US" altLang="zh-CN" sz="1400" dirty="0"/>
+              <a:t>We need to store many users’ requested/donate books, this list could be large and Cognito is not scalable as the DynamoDB.</a:t>
+            </a:r>
+          </a:p>
+          <a:p>
+            <a:pPr marL="285750" indent="-285750">
+              <a:buFontTx/>
+              <a:buChar char="-"/>
+            </a:pPr>
+            <a:r>
+              <a:rPr lang="en-US" altLang="zh-CN" sz="1400" dirty="0"/>
+              <a:t>The DynamoDB can handle query much more efficient than Cognito</a:t>
+            </a:r>
+          </a:p>
+          <a:p>
+            <a:pPr marL="285750" indent="-285750">
+              <a:buFontTx/>
+              <a:buChar char="-"/>
+            </a:pPr>
+            <a:r>
+              <a:rPr lang="en-US" altLang="zh-CN" sz="1400" dirty="0"/>
+              <a:t>We realized this is the pattern often done in the industry after searching the online information</a:t>
+            </a:r>
           </a:p>
         </p:txBody>
       </p:sp>
     </p:spTree>
     <p:extLst>
       <p:ext uri="{BB962C8B-B14F-4D97-AF65-F5344CB8AC3E}">
-        <p14:creationId xmlns:p14="http://schemas.microsoft.com/office/powerpoint/2010/main" val="6343395"/>
-      </p:ext>
-    </p:extLst>
-  </p:cSld>
-  <p:clrMapOvr>
-    <a:masterClrMapping/>
-  </p:clrMapOvr>
-</p:sld>
-</file>
-
-<file path=ppt/slides/slide8.xml><?xml version="1.0" encoding="utf-8"?>
-<p:sld xmlns:a="http://schemas.openxmlformats.org/drawingml/2006/main" xmlns:r="http://schemas.openxmlformats.org/officeDocument/2006/relationships" xmlns:p="http://schemas.openxmlformats.org/presentationml/2006/main">
-  <p:cSld>
-    <p:spTree>
-      <p:nvGrpSpPr>
-        <p:cNvPr id="1" name=""/>
-        <p:cNvGrpSpPr/>
-        <p:nvPr/>
-      </p:nvGrpSpPr>
-      <p:grpSpPr>
-        <a:xfrm>
-          <a:off x="0" y="0"/>
-          <a:ext cx="0" cy="0"/>
-          <a:chOff x="0" y="0"/>
-          <a:chExt cx="0" cy="0"/>
-        </a:xfrm>
-      </p:grpSpPr>
-      <p:sp>
-        <p:nvSpPr>
-          <p:cNvPr id="2" name="Title 1">
-            <a:extLst>
-              <a:ext uri="{FF2B5EF4-FFF2-40B4-BE49-F238E27FC236}">
-                <a16:creationId xmlns:a16="http://schemas.microsoft.com/office/drawing/2014/main" id="{290B4422-890A-4ACF-BA33-FE39F4EAEF58}"/>
-              </a:ext>
-            </a:extLst>
-          </p:cNvPr>
-          <p:cNvSpPr>
-            <a:spLocks noGrp="1"/>
-          </p:cNvSpPr>
-          <p:nvPr>
-            <p:ph type="ctrTitle"/>
-          </p:nvPr>
-        </p:nvSpPr>
-        <p:spPr>
-          <a:xfrm>
-            <a:off x="1524000" y="0"/>
-            <a:ext cx="9144000" cy="947357"/>
-          </a:xfrm>
-        </p:spPr>
-        <p:txBody>
-          <a:bodyPr>
-            <a:normAutofit/>
-          </a:bodyPr>
-          <a:lstStyle/>
-          <a:p>
-            <a:r>
-              <a:rPr lang="en-US" altLang="zh-CN" sz="4000" dirty="0"/>
-              <a:t>Add a book to a favorite list</a:t>
-            </a:r>
-            <a:endParaRPr lang="zh-CN" altLang="en-US" sz="4000" dirty="0"/>
-          </a:p>
-        </p:txBody>
-      </p:sp>
-    </p:spTree>
-    <p:extLst>
-      <p:ext uri="{BB962C8B-B14F-4D97-AF65-F5344CB8AC3E}">
-        <p14:creationId xmlns:p14="http://schemas.microsoft.com/office/powerpoint/2010/main" val="4123721389"/>
+        <p14:creationId xmlns:p14="http://schemas.microsoft.com/office/powerpoint/2010/main" val="601453579"/>
       </p:ext>
     </p:extLst>
   </p:cSld>

--- a/presentation-book-exchange.pptx
+++ b/presentation-book-exchange.pptx
@@ -267,7 +267,7 @@
           <a:p>
             <a:fld id="{1706A504-8EB3-452A-98D0-9F946B298832}" type="datetimeFigureOut">
               <a:rPr lang="zh-CN" altLang="en-US" smtClean="0"/>
-              <a:t>2022/5/6</a:t>
+              <a:t>2022/5/9</a:t>
             </a:fld>
             <a:endParaRPr lang="zh-CN" altLang="en-US"/>
           </a:p>
@@ -467,7 +467,7 @@
           <a:p>
             <a:fld id="{1706A504-8EB3-452A-98D0-9F946B298832}" type="datetimeFigureOut">
               <a:rPr lang="zh-CN" altLang="en-US" smtClean="0"/>
-              <a:t>2022/5/6</a:t>
+              <a:t>2022/5/9</a:t>
             </a:fld>
             <a:endParaRPr lang="zh-CN" altLang="en-US"/>
           </a:p>
@@ -677,7 +677,7 @@
           <a:p>
             <a:fld id="{1706A504-8EB3-452A-98D0-9F946B298832}" type="datetimeFigureOut">
               <a:rPr lang="zh-CN" altLang="en-US" smtClean="0"/>
-              <a:t>2022/5/6</a:t>
+              <a:t>2022/5/9</a:t>
             </a:fld>
             <a:endParaRPr lang="zh-CN" altLang="en-US"/>
           </a:p>
@@ -877,7 +877,7 @@
           <a:p>
             <a:fld id="{1706A504-8EB3-452A-98D0-9F946B298832}" type="datetimeFigureOut">
               <a:rPr lang="zh-CN" altLang="en-US" smtClean="0"/>
-              <a:t>2022/5/6</a:t>
+              <a:t>2022/5/9</a:t>
             </a:fld>
             <a:endParaRPr lang="zh-CN" altLang="en-US"/>
           </a:p>
@@ -1153,7 +1153,7 @@
           <a:p>
             <a:fld id="{1706A504-8EB3-452A-98D0-9F946B298832}" type="datetimeFigureOut">
               <a:rPr lang="zh-CN" altLang="en-US" smtClean="0"/>
-              <a:t>2022/5/6</a:t>
+              <a:t>2022/5/9</a:t>
             </a:fld>
             <a:endParaRPr lang="zh-CN" altLang="en-US"/>
           </a:p>
@@ -1421,7 +1421,7 @@
           <a:p>
             <a:fld id="{1706A504-8EB3-452A-98D0-9F946B298832}" type="datetimeFigureOut">
               <a:rPr lang="zh-CN" altLang="en-US" smtClean="0"/>
-              <a:t>2022/5/6</a:t>
+              <a:t>2022/5/9</a:t>
             </a:fld>
             <a:endParaRPr lang="zh-CN" altLang="en-US"/>
           </a:p>
@@ -1836,7 +1836,7 @@
           <a:p>
             <a:fld id="{1706A504-8EB3-452A-98D0-9F946B298832}" type="datetimeFigureOut">
               <a:rPr lang="zh-CN" altLang="en-US" smtClean="0"/>
-              <a:t>2022/5/6</a:t>
+              <a:t>2022/5/9</a:t>
             </a:fld>
             <a:endParaRPr lang="zh-CN" altLang="en-US"/>
           </a:p>
@@ -1978,7 +1978,7 @@
           <a:p>
             <a:fld id="{1706A504-8EB3-452A-98D0-9F946B298832}" type="datetimeFigureOut">
               <a:rPr lang="zh-CN" altLang="en-US" smtClean="0"/>
-              <a:t>2022/5/6</a:t>
+              <a:t>2022/5/9</a:t>
             </a:fld>
             <a:endParaRPr lang="zh-CN" altLang="en-US"/>
           </a:p>
@@ -2091,7 +2091,7 @@
           <a:p>
             <a:fld id="{1706A504-8EB3-452A-98D0-9F946B298832}" type="datetimeFigureOut">
               <a:rPr lang="zh-CN" altLang="en-US" smtClean="0"/>
-              <a:t>2022/5/6</a:t>
+              <a:t>2022/5/9</a:t>
             </a:fld>
             <a:endParaRPr lang="zh-CN" altLang="en-US"/>
           </a:p>
@@ -2404,7 +2404,7 @@
           <a:p>
             <a:fld id="{1706A504-8EB3-452A-98D0-9F946B298832}" type="datetimeFigureOut">
               <a:rPr lang="zh-CN" altLang="en-US" smtClean="0"/>
-              <a:t>2022/5/6</a:t>
+              <a:t>2022/5/9</a:t>
             </a:fld>
             <a:endParaRPr lang="zh-CN" altLang="en-US"/>
           </a:p>
@@ -2693,7 +2693,7 @@
           <a:p>
             <a:fld id="{1706A504-8EB3-452A-98D0-9F946B298832}" type="datetimeFigureOut">
               <a:rPr lang="zh-CN" altLang="en-US" smtClean="0"/>
-              <a:t>2022/5/6</a:t>
+              <a:t>2022/5/9</a:t>
             </a:fld>
             <a:endParaRPr lang="zh-CN" altLang="en-US"/>
           </a:p>
@@ -2936,7 +2936,7 @@
           <a:p>
             <a:fld id="{1706A504-8EB3-452A-98D0-9F946B298832}" type="datetimeFigureOut">
               <a:rPr lang="zh-CN" altLang="en-US" smtClean="0"/>
-              <a:t>2022/5/6</a:t>
+              <a:t>2022/5/9</a:t>
             </a:fld>
             <a:endParaRPr lang="zh-CN" altLang="en-US"/>
           </a:p>
@@ -3547,7 +3547,11 @@
           <a:p>
             <a:r>
               <a:rPr lang="en-US" altLang="zh-CN" sz="4000" dirty="0"/>
-              <a:t>Structure Overview</a:t>
+              <a:t>Structure Overview-</a:t>
+            </a:r>
+            <a:r>
+              <a:rPr lang="en-US" altLang="zh-CN" sz="4000" dirty="0" err="1"/>
+              <a:t>Dantong</a:t>
             </a:r>
             <a:endParaRPr lang="zh-CN" altLang="en-US" sz="4000" dirty="0"/>
           </a:p>
@@ -3613,7 +3617,11 @@
           <a:p>
             <a:r>
               <a:rPr lang="en-US" altLang="zh-CN" sz="4000" dirty="0"/>
-              <a:t>Front-End</a:t>
+              <a:t>Front-End-</a:t>
+            </a:r>
+            <a:r>
+              <a:rPr lang="en-US" altLang="zh-CN" sz="4000" dirty="0" err="1"/>
+              <a:t>Dantong</a:t>
             </a:r>
             <a:endParaRPr lang="zh-CN" altLang="en-US" sz="4000" dirty="0"/>
           </a:p>
@@ -3924,7 +3932,7 @@
         <p:spPr>
           <a:xfrm>
             <a:off x="2427449" y="1226423"/>
-            <a:ext cx="1394415" cy="461665"/>
+            <a:ext cx="2248585" cy="830997"/>
           </a:xfrm>
           <a:prstGeom prst="rect">
             <a:avLst/>
@@ -3944,7 +3952,116 @@
                 </a:solidFill>
                 <a:latin typeface="Arial Black" panose="020B0A04020102020204" pitchFamily="34" charset="0"/>
               </a:rPr>
-              <a:t>Donate</a:t>
+              <a:t>Donate-</a:t>
+            </a:r>
+            <a:r>
+              <a:rPr lang="en-US" altLang="zh-CN" sz="2400" dirty="0" err="1">
+                <a:solidFill>
+                  <a:schemeClr val="bg1"/>
+                </a:solidFill>
+                <a:latin typeface="Arial Black" panose="020B0A04020102020204" pitchFamily="34" charset="0"/>
+              </a:rPr>
+              <a:t>Tianhang</a:t>
+            </a:r>
+            <a:endParaRPr lang="zh-CN" altLang="en-US" sz="2400" dirty="0">
+              <a:solidFill>
+                <a:schemeClr val="bg1"/>
+              </a:solidFill>
+              <a:latin typeface="Arial Black" panose="020B0A04020102020204" pitchFamily="34" charset="0"/>
+            </a:endParaRPr>
+          </a:p>
+        </p:txBody>
+      </p:sp>
+      <p:sp>
+        <p:nvSpPr>
+          <p:cNvPr id="8" name="Rectangle: Rounded Corners 7">
+            <a:extLst>
+              <a:ext uri="{FF2B5EF4-FFF2-40B4-BE49-F238E27FC236}">
+                <a16:creationId xmlns:a16="http://schemas.microsoft.com/office/drawing/2014/main" id="{CFC3787D-EC5F-B46B-D4C4-67B2E2632532}"/>
+              </a:ext>
+            </a:extLst>
+          </p:cNvPr>
+          <p:cNvSpPr/>
+          <p:nvPr/>
+        </p:nvSpPr>
+        <p:spPr>
+          <a:xfrm>
+            <a:off x="5964589" y="947358"/>
+            <a:ext cx="5130496" cy="5650558"/>
+          </a:xfrm>
+          <a:prstGeom prst="roundRect">
+            <a:avLst/>
+          </a:prstGeom>
+          <a:solidFill>
+            <a:schemeClr val="accent1">
+              <a:lumMod val="75000"/>
+            </a:schemeClr>
+          </a:solidFill>
+          <a:ln>
+            <a:noFill/>
+          </a:ln>
+        </p:spPr>
+        <p:style>
+          <a:lnRef idx="2">
+            <a:schemeClr val="accent1">
+              <a:shade val="50000"/>
+            </a:schemeClr>
+          </a:lnRef>
+          <a:fillRef idx="1">
+            <a:schemeClr val="accent1"/>
+          </a:fillRef>
+          <a:effectRef idx="0">
+            <a:schemeClr val="accent1"/>
+          </a:effectRef>
+          <a:fontRef idx="minor">
+            <a:schemeClr val="lt1"/>
+          </a:fontRef>
+        </p:style>
+        <p:txBody>
+          <a:bodyPr rtlCol="0" anchor="ctr"/>
+          <a:lstStyle/>
+          <a:p>
+            <a:pPr algn="ctr"/>
+            <a:endParaRPr lang="zh-CN" altLang="en-US"/>
+          </a:p>
+        </p:txBody>
+      </p:sp>
+      <p:sp>
+        <p:nvSpPr>
+          <p:cNvPr id="9" name="TextBox 8">
+            <a:extLst>
+              <a:ext uri="{FF2B5EF4-FFF2-40B4-BE49-F238E27FC236}">
+                <a16:creationId xmlns:a16="http://schemas.microsoft.com/office/drawing/2014/main" id="{FB81A955-D5FD-E977-60EE-1C648DE151B6}"/>
+              </a:ext>
+            </a:extLst>
+          </p:cNvPr>
+          <p:cNvSpPr txBox="1"/>
+          <p:nvPr/>
+        </p:nvSpPr>
+        <p:spPr>
+          <a:xfrm>
+            <a:off x="7622738" y="1274790"/>
+            <a:ext cx="1822412" cy="830997"/>
+          </a:xfrm>
+          <a:prstGeom prst="rect">
+            <a:avLst/>
+          </a:prstGeom>
+          <a:noFill/>
+        </p:spPr>
+        <p:txBody>
+          <a:bodyPr wrap="square" rtlCol="0">
+            <a:spAutoFit/>
+          </a:bodyPr>
+          <a:lstStyle/>
+          <a:p>
+            <a:r>
+              <a:rPr lang="en-US" altLang="zh-CN" sz="2400" dirty="0">
+                <a:solidFill>
+                  <a:schemeClr val="bg1"/>
+                </a:solidFill>
+                <a:latin typeface="Arial Black" panose="020B0A04020102020204" pitchFamily="34" charset="0"/>
+              </a:rPr>
+              <a:t>Request-Anni</a:t>
             </a:r>
             <a:endParaRPr lang="zh-CN" altLang="en-US" sz="2400" dirty="0">
               <a:solidFill>
@@ -4015,7 +4132,11 @@
           <a:p>
             <a:r>
               <a:rPr lang="en-US" altLang="zh-CN" sz="4000" dirty="0"/>
-              <a:t>Search for a donated book</a:t>
+              <a:t>Search for a donated book-</a:t>
+            </a:r>
+            <a:r>
+              <a:rPr lang="en-US" altLang="zh-CN" sz="4000" dirty="0" err="1"/>
+              <a:t>Zhenrui</a:t>
             </a:r>
             <a:endParaRPr lang="zh-CN" altLang="en-US" sz="4000" dirty="0"/>
           </a:p>
@@ -4089,7 +4210,7 @@
             </a:r>
             <a:r>
               <a:rPr lang="en-US" altLang="zh-CN" sz="4000" dirty="0"/>
-              <a:t>information &amp; add a book to a user’s favorite list</a:t>
+              <a:t>information &amp; add a book to a user’s favorite list-Anni</a:t>
             </a:r>
             <a:endParaRPr lang="zh-CN" altLang="en-US" sz="4000" dirty="0"/>
           </a:p>
@@ -4155,7 +4276,11 @@
           <a:p>
             <a:r>
               <a:rPr lang="en-US" altLang="zh-CN" sz="4000" dirty="0"/>
-              <a:t>Some Design Choice</a:t>
+              <a:t>Some Design Choice-</a:t>
+            </a:r>
+            <a:r>
+              <a:rPr lang="en-US" altLang="zh-CN" sz="4000" dirty="0" err="1"/>
+              <a:t>Tianhang</a:t>
             </a:r>
             <a:endParaRPr lang="zh-CN" altLang="en-US" sz="4000" dirty="0"/>
           </a:p>

--- a/presentation-book-exchange.pptx
+++ b/presentation-book-exchange.pptx
@@ -1,17 +1,17 @@
 
 <file path=ppt/presentation.xml><?xml version="1.0" encoding="utf-8"?>
-<p:presentation xmlns:a="http://schemas.openxmlformats.org/drawingml/2006/main" xmlns:r="http://schemas.openxmlformats.org/officeDocument/2006/relationships" xmlns:p="http://schemas.openxmlformats.org/presentationml/2006/main" saveSubsetFonts="1">
+<p:presentation xmlns:a="http://schemas.openxmlformats.org/drawingml/2006/main" xmlns:r="http://schemas.openxmlformats.org/officeDocument/2006/relationships" xmlns:p="http://schemas.openxmlformats.org/presentationml/2006/main">
   <p:sldMasterIdLst>
     <p:sldMasterId id="2147483648" r:id="rId1"/>
   </p:sldMasterIdLst>
   <p:sldIdLst>
-    <p:sldId id="256" r:id="rId2"/>
-    <p:sldId id="257" r:id="rId3"/>
-    <p:sldId id="262" r:id="rId4"/>
-    <p:sldId id="259" r:id="rId5"/>
-    <p:sldId id="260" r:id="rId6"/>
-    <p:sldId id="263" r:id="rId7"/>
-    <p:sldId id="264" r:id="rId8"/>
+    <p:sldId id="256" r:id="rId3"/>
+    <p:sldId id="257" r:id="rId4"/>
+    <p:sldId id="262" r:id="rId5"/>
+    <p:sldId id="259" r:id="rId6"/>
+    <p:sldId id="260" r:id="rId7"/>
+    <p:sldId id="263" r:id="rId8"/>
+    <p:sldId id="264" r:id="rId9"/>
   </p:sldIdLst>
   <p:sldSz cx="12192000" cy="6858000"/>
   <p:notesSz cx="6858000" cy="9144000"/>
@@ -110,11 +110,6 @@
       </a:defRPr>
     </a:lvl9pPr>
   </p:defaultTextStyle>
-  <p:extLst>
-    <p:ext uri="{EFAFB233-063F-42B5-8137-9DF3F51BA10A}">
-      <p15:sldGuideLst xmlns:p15="http://schemas.microsoft.com/office/powerpoint/2012/main"/>
-    </p:ext>
-  </p:extLst>
 </p:presentation>
 </file>
 
@@ -137,13 +132,7 @@
       </p:grpSpPr>
       <p:sp>
         <p:nvSpPr>
-          <p:cNvPr id="2" name="Title 1">
-            <a:extLst>
-              <a:ext uri="{FF2B5EF4-FFF2-40B4-BE49-F238E27FC236}">
-                <a16:creationId xmlns:a16="http://schemas.microsoft.com/office/drawing/2014/main" id="{F439C497-15A6-4C11-A3FF-6B35F9E95F1B}"/>
-              </a:ext>
-            </a:extLst>
-          </p:cNvPr>
+          <p:cNvPr id="2" name="Title 1"/>
           <p:cNvSpPr>
             <a:spLocks noGrp="1"/>
           </p:cNvSpPr>
@@ -175,13 +164,7 @@
       </p:sp>
       <p:sp>
         <p:nvSpPr>
-          <p:cNvPr id="3" name="Subtitle 2">
-            <a:extLst>
-              <a:ext uri="{FF2B5EF4-FFF2-40B4-BE49-F238E27FC236}">
-                <a16:creationId xmlns:a16="http://schemas.microsoft.com/office/drawing/2014/main" id="{E060F068-1DDE-4253-9B5A-6B60D1C903EA}"/>
-              </a:ext>
-            </a:extLst>
-          </p:cNvPr>
+          <p:cNvPr id="3" name="Subtitle 2"/>
           <p:cNvSpPr>
             <a:spLocks noGrp="1"/>
           </p:cNvSpPr>
@@ -246,13 +229,7 @@
       </p:sp>
       <p:sp>
         <p:nvSpPr>
-          <p:cNvPr id="4" name="Date Placeholder 3">
-            <a:extLst>
-              <a:ext uri="{FF2B5EF4-FFF2-40B4-BE49-F238E27FC236}">
-                <a16:creationId xmlns:a16="http://schemas.microsoft.com/office/drawing/2014/main" id="{868F537E-E623-40F2-B322-0E951934428A}"/>
-              </a:ext>
-            </a:extLst>
-          </p:cNvPr>
+          <p:cNvPr id="4" name="Date Placeholder 3"/>
           <p:cNvSpPr>
             <a:spLocks noGrp="1"/>
           </p:cNvSpPr>
@@ -267,7 +244,6 @@
           <a:p>
             <a:fld id="{1706A504-8EB3-452A-98D0-9F946B298832}" type="datetimeFigureOut">
               <a:rPr lang="zh-CN" altLang="en-US" smtClean="0"/>
-              <a:t>2022/5/9</a:t>
             </a:fld>
             <a:endParaRPr lang="zh-CN" altLang="en-US"/>
           </a:p>
@@ -275,13 +251,7 @@
       </p:sp>
       <p:sp>
         <p:nvSpPr>
-          <p:cNvPr id="5" name="Footer Placeholder 4">
-            <a:extLst>
-              <a:ext uri="{FF2B5EF4-FFF2-40B4-BE49-F238E27FC236}">
-                <a16:creationId xmlns:a16="http://schemas.microsoft.com/office/drawing/2014/main" id="{54541E8E-D28A-43CF-BB16-6105187C26D8}"/>
-              </a:ext>
-            </a:extLst>
-          </p:cNvPr>
+          <p:cNvPr id="5" name="Footer Placeholder 4"/>
           <p:cNvSpPr>
             <a:spLocks noGrp="1"/>
           </p:cNvSpPr>
@@ -300,13 +270,7 @@
       </p:sp>
       <p:sp>
         <p:nvSpPr>
-          <p:cNvPr id="6" name="Slide Number Placeholder 5">
-            <a:extLst>
-              <a:ext uri="{FF2B5EF4-FFF2-40B4-BE49-F238E27FC236}">
-                <a16:creationId xmlns:a16="http://schemas.microsoft.com/office/drawing/2014/main" id="{DD78D4F2-AAD3-444B-A928-063994C22B1A}"/>
-              </a:ext>
-            </a:extLst>
-          </p:cNvPr>
+          <p:cNvPr id="6" name="Slide Number Placeholder 5"/>
           <p:cNvSpPr>
             <a:spLocks noGrp="1"/>
           </p:cNvSpPr>
@@ -321,18 +285,12 @@
           <a:p>
             <a:fld id="{75EA26F6-AC47-4D2A-8C6F-B74EB619C868}" type="slidenum">
               <a:rPr lang="zh-CN" altLang="en-US" smtClean="0"/>
-              <a:t>‹#›</a:t>
             </a:fld>
             <a:endParaRPr lang="zh-CN" altLang="en-US"/>
           </a:p>
         </p:txBody>
       </p:sp>
     </p:spTree>
-    <p:extLst>
-      <p:ext uri="{BB962C8B-B14F-4D97-AF65-F5344CB8AC3E}">
-        <p14:creationId xmlns:p14="http://schemas.microsoft.com/office/powerpoint/2010/main" val="3647117552"/>
-      </p:ext>
-    </p:extLst>
   </p:cSld>
   <p:clrMapOvr>
     <a:masterClrMapping/>
@@ -359,13 +317,7 @@
       </p:grpSpPr>
       <p:sp>
         <p:nvSpPr>
-          <p:cNvPr id="2" name="Title 1">
-            <a:extLst>
-              <a:ext uri="{FF2B5EF4-FFF2-40B4-BE49-F238E27FC236}">
-                <a16:creationId xmlns:a16="http://schemas.microsoft.com/office/drawing/2014/main" id="{750CAD69-D201-4987-9613-2E4345427539}"/>
-              </a:ext>
-            </a:extLst>
-          </p:cNvPr>
+          <p:cNvPr id="2" name="Title 1"/>
           <p:cNvSpPr>
             <a:spLocks noGrp="1"/>
           </p:cNvSpPr>
@@ -388,13 +340,7 @@
       </p:sp>
       <p:sp>
         <p:nvSpPr>
-          <p:cNvPr id="3" name="Vertical Text Placeholder 2">
-            <a:extLst>
-              <a:ext uri="{FF2B5EF4-FFF2-40B4-BE49-F238E27FC236}">
-                <a16:creationId xmlns:a16="http://schemas.microsoft.com/office/drawing/2014/main" id="{DAAD4AB9-1DFF-4F70-AE55-E5D985556A6C}"/>
-              </a:ext>
-            </a:extLst>
-          </p:cNvPr>
+          <p:cNvPr id="3" name="Vertical Text Placeholder 2"/>
           <p:cNvSpPr>
             <a:spLocks noGrp="1"/>
           </p:cNvSpPr>
@@ -412,6 +358,7 @@
               <a:rPr lang="en-US" altLang="zh-CN"/>
               <a:t>Click to edit Master text styles</a:t>
             </a:r>
+            <a:endParaRPr lang="en-US" altLang="zh-CN"/>
           </a:p>
           <a:p>
             <a:pPr lvl="1"/>
@@ -419,6 +366,7 @@
               <a:rPr lang="en-US" altLang="zh-CN"/>
               <a:t>Second level</a:t>
             </a:r>
+            <a:endParaRPr lang="en-US" altLang="zh-CN"/>
           </a:p>
           <a:p>
             <a:pPr lvl="2"/>
@@ -426,6 +374,7 @@
               <a:rPr lang="en-US" altLang="zh-CN"/>
               <a:t>Third level</a:t>
             </a:r>
+            <a:endParaRPr lang="en-US" altLang="zh-CN"/>
           </a:p>
           <a:p>
             <a:pPr lvl="3"/>
@@ -433,6 +382,7 @@
               <a:rPr lang="en-US" altLang="zh-CN"/>
               <a:t>Fourth level</a:t>
             </a:r>
+            <a:endParaRPr lang="en-US" altLang="zh-CN"/>
           </a:p>
           <a:p>
             <a:pPr lvl="4"/>
@@ -446,13 +396,7 @@
       </p:sp>
       <p:sp>
         <p:nvSpPr>
-          <p:cNvPr id="4" name="Date Placeholder 3">
-            <a:extLst>
-              <a:ext uri="{FF2B5EF4-FFF2-40B4-BE49-F238E27FC236}">
-                <a16:creationId xmlns:a16="http://schemas.microsoft.com/office/drawing/2014/main" id="{1A98A9A7-94B4-435D-9118-F51C6715BF4D}"/>
-              </a:ext>
-            </a:extLst>
-          </p:cNvPr>
+          <p:cNvPr id="4" name="Date Placeholder 3"/>
           <p:cNvSpPr>
             <a:spLocks noGrp="1"/>
           </p:cNvSpPr>
@@ -467,7 +411,6 @@
           <a:p>
             <a:fld id="{1706A504-8EB3-452A-98D0-9F946B298832}" type="datetimeFigureOut">
               <a:rPr lang="zh-CN" altLang="en-US" smtClean="0"/>
-              <a:t>2022/5/9</a:t>
             </a:fld>
             <a:endParaRPr lang="zh-CN" altLang="en-US"/>
           </a:p>
@@ -475,13 +418,7 @@
       </p:sp>
       <p:sp>
         <p:nvSpPr>
-          <p:cNvPr id="5" name="Footer Placeholder 4">
-            <a:extLst>
-              <a:ext uri="{FF2B5EF4-FFF2-40B4-BE49-F238E27FC236}">
-                <a16:creationId xmlns:a16="http://schemas.microsoft.com/office/drawing/2014/main" id="{FA2FDFBA-6C07-443F-8BD0-33B724981179}"/>
-              </a:ext>
-            </a:extLst>
-          </p:cNvPr>
+          <p:cNvPr id="5" name="Footer Placeholder 4"/>
           <p:cNvSpPr>
             <a:spLocks noGrp="1"/>
           </p:cNvSpPr>
@@ -500,13 +437,7 @@
       </p:sp>
       <p:sp>
         <p:nvSpPr>
-          <p:cNvPr id="6" name="Slide Number Placeholder 5">
-            <a:extLst>
-              <a:ext uri="{FF2B5EF4-FFF2-40B4-BE49-F238E27FC236}">
-                <a16:creationId xmlns:a16="http://schemas.microsoft.com/office/drawing/2014/main" id="{01591114-8000-4AA7-8E88-917E70212C07}"/>
-              </a:ext>
-            </a:extLst>
-          </p:cNvPr>
+          <p:cNvPr id="6" name="Slide Number Placeholder 5"/>
           <p:cNvSpPr>
             <a:spLocks noGrp="1"/>
           </p:cNvSpPr>
@@ -521,18 +452,12 @@
           <a:p>
             <a:fld id="{75EA26F6-AC47-4D2A-8C6F-B74EB619C868}" type="slidenum">
               <a:rPr lang="zh-CN" altLang="en-US" smtClean="0"/>
-              <a:t>‹#›</a:t>
             </a:fld>
             <a:endParaRPr lang="zh-CN" altLang="en-US"/>
           </a:p>
         </p:txBody>
       </p:sp>
     </p:spTree>
-    <p:extLst>
-      <p:ext uri="{BB962C8B-B14F-4D97-AF65-F5344CB8AC3E}">
-        <p14:creationId xmlns:p14="http://schemas.microsoft.com/office/powerpoint/2010/main" val="2879947702"/>
-      </p:ext>
-    </p:extLst>
   </p:cSld>
   <p:clrMapOvr>
     <a:masterClrMapping/>
@@ -559,13 +484,7 @@
       </p:grpSpPr>
       <p:sp>
         <p:nvSpPr>
-          <p:cNvPr id="2" name="Vertical Title 1">
-            <a:extLst>
-              <a:ext uri="{FF2B5EF4-FFF2-40B4-BE49-F238E27FC236}">
-                <a16:creationId xmlns:a16="http://schemas.microsoft.com/office/drawing/2014/main" id="{4C9F1D16-2A88-4465-BF4B-424686712A2F}"/>
-              </a:ext>
-            </a:extLst>
-          </p:cNvPr>
+          <p:cNvPr id="2" name="Vertical Title 1"/>
           <p:cNvSpPr>
             <a:spLocks noGrp="1"/>
           </p:cNvSpPr>
@@ -593,13 +512,7 @@
       </p:sp>
       <p:sp>
         <p:nvSpPr>
-          <p:cNvPr id="3" name="Vertical Text Placeholder 2">
-            <a:extLst>
-              <a:ext uri="{FF2B5EF4-FFF2-40B4-BE49-F238E27FC236}">
-                <a16:creationId xmlns:a16="http://schemas.microsoft.com/office/drawing/2014/main" id="{FFC5738F-F00B-468D-B389-6108FC9A8421}"/>
-              </a:ext>
-            </a:extLst>
-          </p:cNvPr>
+          <p:cNvPr id="3" name="Vertical Text Placeholder 2"/>
           <p:cNvSpPr>
             <a:spLocks noGrp="1"/>
           </p:cNvSpPr>
@@ -622,6 +535,7 @@
               <a:rPr lang="en-US" altLang="zh-CN"/>
               <a:t>Click to edit Master text styles</a:t>
             </a:r>
+            <a:endParaRPr lang="en-US" altLang="zh-CN"/>
           </a:p>
           <a:p>
             <a:pPr lvl="1"/>
@@ -629,6 +543,7 @@
               <a:rPr lang="en-US" altLang="zh-CN"/>
               <a:t>Second level</a:t>
             </a:r>
+            <a:endParaRPr lang="en-US" altLang="zh-CN"/>
           </a:p>
           <a:p>
             <a:pPr lvl="2"/>
@@ -636,6 +551,7 @@
               <a:rPr lang="en-US" altLang="zh-CN"/>
               <a:t>Third level</a:t>
             </a:r>
+            <a:endParaRPr lang="en-US" altLang="zh-CN"/>
           </a:p>
           <a:p>
             <a:pPr lvl="3"/>
@@ -643,6 +559,7 @@
               <a:rPr lang="en-US" altLang="zh-CN"/>
               <a:t>Fourth level</a:t>
             </a:r>
+            <a:endParaRPr lang="en-US" altLang="zh-CN"/>
           </a:p>
           <a:p>
             <a:pPr lvl="4"/>
@@ -656,13 +573,7 @@
       </p:sp>
       <p:sp>
         <p:nvSpPr>
-          <p:cNvPr id="4" name="Date Placeholder 3">
-            <a:extLst>
-              <a:ext uri="{FF2B5EF4-FFF2-40B4-BE49-F238E27FC236}">
-                <a16:creationId xmlns:a16="http://schemas.microsoft.com/office/drawing/2014/main" id="{7132C6C1-A378-403E-A267-B4737F2991EA}"/>
-              </a:ext>
-            </a:extLst>
-          </p:cNvPr>
+          <p:cNvPr id="4" name="Date Placeholder 3"/>
           <p:cNvSpPr>
             <a:spLocks noGrp="1"/>
           </p:cNvSpPr>
@@ -677,7 +588,6 @@
           <a:p>
             <a:fld id="{1706A504-8EB3-452A-98D0-9F946B298832}" type="datetimeFigureOut">
               <a:rPr lang="zh-CN" altLang="en-US" smtClean="0"/>
-              <a:t>2022/5/9</a:t>
             </a:fld>
             <a:endParaRPr lang="zh-CN" altLang="en-US"/>
           </a:p>
@@ -685,13 +595,7 @@
       </p:sp>
       <p:sp>
         <p:nvSpPr>
-          <p:cNvPr id="5" name="Footer Placeholder 4">
-            <a:extLst>
-              <a:ext uri="{FF2B5EF4-FFF2-40B4-BE49-F238E27FC236}">
-                <a16:creationId xmlns:a16="http://schemas.microsoft.com/office/drawing/2014/main" id="{FF42A026-2E6A-49E7-AC9E-1477E1B44329}"/>
-              </a:ext>
-            </a:extLst>
-          </p:cNvPr>
+          <p:cNvPr id="5" name="Footer Placeholder 4"/>
           <p:cNvSpPr>
             <a:spLocks noGrp="1"/>
           </p:cNvSpPr>
@@ -710,13 +614,7 @@
       </p:sp>
       <p:sp>
         <p:nvSpPr>
-          <p:cNvPr id="6" name="Slide Number Placeholder 5">
-            <a:extLst>
-              <a:ext uri="{FF2B5EF4-FFF2-40B4-BE49-F238E27FC236}">
-                <a16:creationId xmlns:a16="http://schemas.microsoft.com/office/drawing/2014/main" id="{891B91C1-3720-4192-97C2-FD4CE6D1F563}"/>
-              </a:ext>
-            </a:extLst>
-          </p:cNvPr>
+          <p:cNvPr id="6" name="Slide Number Placeholder 5"/>
           <p:cNvSpPr>
             <a:spLocks noGrp="1"/>
           </p:cNvSpPr>
@@ -731,18 +629,12 @@
           <a:p>
             <a:fld id="{75EA26F6-AC47-4D2A-8C6F-B74EB619C868}" type="slidenum">
               <a:rPr lang="zh-CN" altLang="en-US" smtClean="0"/>
-              <a:t>‹#›</a:t>
             </a:fld>
             <a:endParaRPr lang="zh-CN" altLang="en-US"/>
           </a:p>
         </p:txBody>
       </p:sp>
     </p:spTree>
-    <p:extLst>
-      <p:ext uri="{BB962C8B-B14F-4D97-AF65-F5344CB8AC3E}">
-        <p14:creationId xmlns:p14="http://schemas.microsoft.com/office/powerpoint/2010/main" val="2548202340"/>
-      </p:ext>
-    </p:extLst>
   </p:cSld>
   <p:clrMapOvr>
     <a:masterClrMapping/>
@@ -769,13 +661,7 @@
       </p:grpSpPr>
       <p:sp>
         <p:nvSpPr>
-          <p:cNvPr id="2" name="Title 1">
-            <a:extLst>
-              <a:ext uri="{FF2B5EF4-FFF2-40B4-BE49-F238E27FC236}">
-                <a16:creationId xmlns:a16="http://schemas.microsoft.com/office/drawing/2014/main" id="{A3238AA9-FE9F-4A0C-8DA1-526A624E0686}"/>
-              </a:ext>
-            </a:extLst>
-          </p:cNvPr>
+          <p:cNvPr id="2" name="Title 1"/>
           <p:cNvSpPr>
             <a:spLocks noGrp="1"/>
           </p:cNvSpPr>
@@ -798,13 +684,7 @@
       </p:sp>
       <p:sp>
         <p:nvSpPr>
-          <p:cNvPr id="3" name="Content Placeholder 2">
-            <a:extLst>
-              <a:ext uri="{FF2B5EF4-FFF2-40B4-BE49-F238E27FC236}">
-                <a16:creationId xmlns:a16="http://schemas.microsoft.com/office/drawing/2014/main" id="{0F38C7C2-5D4E-4228-BB9A-54D403C19329}"/>
-              </a:ext>
-            </a:extLst>
-          </p:cNvPr>
+          <p:cNvPr id="3" name="Content Placeholder 2"/>
           <p:cNvSpPr>
             <a:spLocks noGrp="1"/>
           </p:cNvSpPr>
@@ -822,6 +702,7 @@
               <a:rPr lang="en-US" altLang="zh-CN"/>
               <a:t>Click to edit Master text styles</a:t>
             </a:r>
+            <a:endParaRPr lang="en-US" altLang="zh-CN"/>
           </a:p>
           <a:p>
             <a:pPr lvl="1"/>
@@ -829,6 +710,7 @@
               <a:rPr lang="en-US" altLang="zh-CN"/>
               <a:t>Second level</a:t>
             </a:r>
+            <a:endParaRPr lang="en-US" altLang="zh-CN"/>
           </a:p>
           <a:p>
             <a:pPr lvl="2"/>
@@ -836,6 +718,7 @@
               <a:rPr lang="en-US" altLang="zh-CN"/>
               <a:t>Third level</a:t>
             </a:r>
+            <a:endParaRPr lang="en-US" altLang="zh-CN"/>
           </a:p>
           <a:p>
             <a:pPr lvl="3"/>
@@ -843,6 +726,7 @@
               <a:rPr lang="en-US" altLang="zh-CN"/>
               <a:t>Fourth level</a:t>
             </a:r>
+            <a:endParaRPr lang="en-US" altLang="zh-CN"/>
           </a:p>
           <a:p>
             <a:pPr lvl="4"/>
@@ -856,13 +740,7 @@
       </p:sp>
       <p:sp>
         <p:nvSpPr>
-          <p:cNvPr id="4" name="Date Placeholder 3">
-            <a:extLst>
-              <a:ext uri="{FF2B5EF4-FFF2-40B4-BE49-F238E27FC236}">
-                <a16:creationId xmlns:a16="http://schemas.microsoft.com/office/drawing/2014/main" id="{D3426518-68AB-43AB-96E2-8C2160E37362}"/>
-              </a:ext>
-            </a:extLst>
-          </p:cNvPr>
+          <p:cNvPr id="4" name="Date Placeholder 3"/>
           <p:cNvSpPr>
             <a:spLocks noGrp="1"/>
           </p:cNvSpPr>
@@ -877,7 +755,6 @@
           <a:p>
             <a:fld id="{1706A504-8EB3-452A-98D0-9F946B298832}" type="datetimeFigureOut">
               <a:rPr lang="zh-CN" altLang="en-US" smtClean="0"/>
-              <a:t>2022/5/9</a:t>
             </a:fld>
             <a:endParaRPr lang="zh-CN" altLang="en-US"/>
           </a:p>
@@ -885,13 +762,7 @@
       </p:sp>
       <p:sp>
         <p:nvSpPr>
-          <p:cNvPr id="5" name="Footer Placeholder 4">
-            <a:extLst>
-              <a:ext uri="{FF2B5EF4-FFF2-40B4-BE49-F238E27FC236}">
-                <a16:creationId xmlns:a16="http://schemas.microsoft.com/office/drawing/2014/main" id="{9DD63419-5856-40E2-AEA0-A0EE74D0A947}"/>
-              </a:ext>
-            </a:extLst>
-          </p:cNvPr>
+          <p:cNvPr id="5" name="Footer Placeholder 4"/>
           <p:cNvSpPr>
             <a:spLocks noGrp="1"/>
           </p:cNvSpPr>
@@ -910,13 +781,7 @@
       </p:sp>
       <p:sp>
         <p:nvSpPr>
-          <p:cNvPr id="6" name="Slide Number Placeholder 5">
-            <a:extLst>
-              <a:ext uri="{FF2B5EF4-FFF2-40B4-BE49-F238E27FC236}">
-                <a16:creationId xmlns:a16="http://schemas.microsoft.com/office/drawing/2014/main" id="{95BAC5FF-D5A1-4C60-9703-CA945F36B95B}"/>
-              </a:ext>
-            </a:extLst>
-          </p:cNvPr>
+          <p:cNvPr id="6" name="Slide Number Placeholder 5"/>
           <p:cNvSpPr>
             <a:spLocks noGrp="1"/>
           </p:cNvSpPr>
@@ -931,18 +796,12 @@
           <a:p>
             <a:fld id="{75EA26F6-AC47-4D2A-8C6F-B74EB619C868}" type="slidenum">
               <a:rPr lang="zh-CN" altLang="en-US" smtClean="0"/>
-              <a:t>‹#›</a:t>
             </a:fld>
             <a:endParaRPr lang="zh-CN" altLang="en-US"/>
           </a:p>
         </p:txBody>
       </p:sp>
     </p:spTree>
-    <p:extLst>
-      <p:ext uri="{BB962C8B-B14F-4D97-AF65-F5344CB8AC3E}">
-        <p14:creationId xmlns:p14="http://schemas.microsoft.com/office/powerpoint/2010/main" val="540002074"/>
-      </p:ext>
-    </p:extLst>
   </p:cSld>
   <p:clrMapOvr>
     <a:masterClrMapping/>
@@ -969,13 +828,7 @@
       </p:grpSpPr>
       <p:sp>
         <p:nvSpPr>
-          <p:cNvPr id="2" name="Title 1">
-            <a:extLst>
-              <a:ext uri="{FF2B5EF4-FFF2-40B4-BE49-F238E27FC236}">
-                <a16:creationId xmlns:a16="http://schemas.microsoft.com/office/drawing/2014/main" id="{D9D95A50-2DB6-4DC7-9BA6-6A1D21C8F6CD}"/>
-              </a:ext>
-            </a:extLst>
-          </p:cNvPr>
+          <p:cNvPr id="2" name="Title 1"/>
           <p:cNvSpPr>
             <a:spLocks noGrp="1"/>
           </p:cNvSpPr>
@@ -1007,13 +860,7 @@
       </p:sp>
       <p:sp>
         <p:nvSpPr>
-          <p:cNvPr id="3" name="Text Placeholder 2">
-            <a:extLst>
-              <a:ext uri="{FF2B5EF4-FFF2-40B4-BE49-F238E27FC236}">
-                <a16:creationId xmlns:a16="http://schemas.microsoft.com/office/drawing/2014/main" id="{78EDACE6-55C8-409C-9F15-A223B078997F}"/>
-              </a:ext>
-            </a:extLst>
-          </p:cNvPr>
+          <p:cNvPr id="3" name="Text Placeholder 2"/>
           <p:cNvSpPr>
             <a:spLocks noGrp="1"/>
           </p:cNvSpPr>
@@ -1127,18 +974,13 @@
               <a:rPr lang="en-US" altLang="zh-CN"/>
               <a:t>Click to edit Master text styles</a:t>
             </a:r>
-          </a:p>
-        </p:txBody>
-      </p:sp>
-      <p:sp>
-        <p:nvSpPr>
-          <p:cNvPr id="4" name="Date Placeholder 3">
-            <a:extLst>
-              <a:ext uri="{FF2B5EF4-FFF2-40B4-BE49-F238E27FC236}">
-                <a16:creationId xmlns:a16="http://schemas.microsoft.com/office/drawing/2014/main" id="{D7834FBA-02B0-4CCB-ADE2-40DE32808CA4}"/>
-              </a:ext>
-            </a:extLst>
-          </p:cNvPr>
+            <a:endParaRPr lang="en-US" altLang="zh-CN"/>
+          </a:p>
+        </p:txBody>
+      </p:sp>
+      <p:sp>
+        <p:nvSpPr>
+          <p:cNvPr id="4" name="Date Placeholder 3"/>
           <p:cNvSpPr>
             <a:spLocks noGrp="1"/>
           </p:cNvSpPr>
@@ -1153,7 +995,6 @@
           <a:p>
             <a:fld id="{1706A504-8EB3-452A-98D0-9F946B298832}" type="datetimeFigureOut">
               <a:rPr lang="zh-CN" altLang="en-US" smtClean="0"/>
-              <a:t>2022/5/9</a:t>
             </a:fld>
             <a:endParaRPr lang="zh-CN" altLang="en-US"/>
           </a:p>
@@ -1161,13 +1002,7 @@
       </p:sp>
       <p:sp>
         <p:nvSpPr>
-          <p:cNvPr id="5" name="Footer Placeholder 4">
-            <a:extLst>
-              <a:ext uri="{FF2B5EF4-FFF2-40B4-BE49-F238E27FC236}">
-                <a16:creationId xmlns:a16="http://schemas.microsoft.com/office/drawing/2014/main" id="{81700C30-09D2-4402-BBEC-6A136DDEABEC}"/>
-              </a:ext>
-            </a:extLst>
-          </p:cNvPr>
+          <p:cNvPr id="5" name="Footer Placeholder 4"/>
           <p:cNvSpPr>
             <a:spLocks noGrp="1"/>
           </p:cNvSpPr>
@@ -1186,13 +1021,7 @@
       </p:sp>
       <p:sp>
         <p:nvSpPr>
-          <p:cNvPr id="6" name="Slide Number Placeholder 5">
-            <a:extLst>
-              <a:ext uri="{FF2B5EF4-FFF2-40B4-BE49-F238E27FC236}">
-                <a16:creationId xmlns:a16="http://schemas.microsoft.com/office/drawing/2014/main" id="{38777910-1931-410A-8977-5CA89489D994}"/>
-              </a:ext>
-            </a:extLst>
-          </p:cNvPr>
+          <p:cNvPr id="6" name="Slide Number Placeholder 5"/>
           <p:cNvSpPr>
             <a:spLocks noGrp="1"/>
           </p:cNvSpPr>
@@ -1207,18 +1036,12 @@
           <a:p>
             <a:fld id="{75EA26F6-AC47-4D2A-8C6F-B74EB619C868}" type="slidenum">
               <a:rPr lang="zh-CN" altLang="en-US" smtClean="0"/>
-              <a:t>‹#›</a:t>
             </a:fld>
             <a:endParaRPr lang="zh-CN" altLang="en-US"/>
           </a:p>
         </p:txBody>
       </p:sp>
     </p:spTree>
-    <p:extLst>
-      <p:ext uri="{BB962C8B-B14F-4D97-AF65-F5344CB8AC3E}">
-        <p14:creationId xmlns:p14="http://schemas.microsoft.com/office/powerpoint/2010/main" val="4028483816"/>
-      </p:ext>
-    </p:extLst>
   </p:cSld>
   <p:clrMapOvr>
     <a:masterClrMapping/>
@@ -1245,13 +1068,7 @@
       </p:grpSpPr>
       <p:sp>
         <p:nvSpPr>
-          <p:cNvPr id="2" name="Title 1">
-            <a:extLst>
-              <a:ext uri="{FF2B5EF4-FFF2-40B4-BE49-F238E27FC236}">
-                <a16:creationId xmlns:a16="http://schemas.microsoft.com/office/drawing/2014/main" id="{6A7B9572-3ABA-4043-B78B-6ACA9108A5C8}"/>
-              </a:ext>
-            </a:extLst>
-          </p:cNvPr>
+          <p:cNvPr id="2" name="Title 1"/>
           <p:cNvSpPr>
             <a:spLocks noGrp="1"/>
           </p:cNvSpPr>
@@ -1274,13 +1091,7 @@
       </p:sp>
       <p:sp>
         <p:nvSpPr>
-          <p:cNvPr id="3" name="Content Placeholder 2">
-            <a:extLst>
-              <a:ext uri="{FF2B5EF4-FFF2-40B4-BE49-F238E27FC236}">
-                <a16:creationId xmlns:a16="http://schemas.microsoft.com/office/drawing/2014/main" id="{8F9BBEB2-F60F-402E-83A8-A085CFCBE80E}"/>
-              </a:ext>
-            </a:extLst>
-          </p:cNvPr>
+          <p:cNvPr id="3" name="Content Placeholder 2"/>
           <p:cNvSpPr>
             <a:spLocks noGrp="1"/>
           </p:cNvSpPr>
@@ -1303,6 +1114,7 @@
               <a:rPr lang="en-US" altLang="zh-CN"/>
               <a:t>Click to edit Master text styles</a:t>
             </a:r>
+            <a:endParaRPr lang="en-US" altLang="zh-CN"/>
           </a:p>
           <a:p>
             <a:pPr lvl="1"/>
@@ -1310,6 +1122,7 @@
               <a:rPr lang="en-US" altLang="zh-CN"/>
               <a:t>Second level</a:t>
             </a:r>
+            <a:endParaRPr lang="en-US" altLang="zh-CN"/>
           </a:p>
           <a:p>
             <a:pPr lvl="2"/>
@@ -1317,6 +1130,7 @@
               <a:rPr lang="en-US" altLang="zh-CN"/>
               <a:t>Third level</a:t>
             </a:r>
+            <a:endParaRPr lang="en-US" altLang="zh-CN"/>
           </a:p>
           <a:p>
             <a:pPr lvl="3"/>
@@ -1324,6 +1138,7 @@
               <a:rPr lang="en-US" altLang="zh-CN"/>
               <a:t>Fourth level</a:t>
             </a:r>
+            <a:endParaRPr lang="en-US" altLang="zh-CN"/>
           </a:p>
           <a:p>
             <a:pPr lvl="4"/>
@@ -1337,13 +1152,7 @@
       </p:sp>
       <p:sp>
         <p:nvSpPr>
-          <p:cNvPr id="4" name="Content Placeholder 3">
-            <a:extLst>
-              <a:ext uri="{FF2B5EF4-FFF2-40B4-BE49-F238E27FC236}">
-                <a16:creationId xmlns:a16="http://schemas.microsoft.com/office/drawing/2014/main" id="{F6A994DB-B2D5-495E-9248-081B64DB9A63}"/>
-              </a:ext>
-            </a:extLst>
-          </p:cNvPr>
+          <p:cNvPr id="4" name="Content Placeholder 3"/>
           <p:cNvSpPr>
             <a:spLocks noGrp="1"/>
           </p:cNvSpPr>
@@ -1366,6 +1175,7 @@
               <a:rPr lang="en-US" altLang="zh-CN"/>
               <a:t>Click to edit Master text styles</a:t>
             </a:r>
+            <a:endParaRPr lang="en-US" altLang="zh-CN"/>
           </a:p>
           <a:p>
             <a:pPr lvl="1"/>
@@ -1373,6 +1183,7 @@
               <a:rPr lang="en-US" altLang="zh-CN"/>
               <a:t>Second level</a:t>
             </a:r>
+            <a:endParaRPr lang="en-US" altLang="zh-CN"/>
           </a:p>
           <a:p>
             <a:pPr lvl="2"/>
@@ -1380,6 +1191,7 @@
               <a:rPr lang="en-US" altLang="zh-CN"/>
               <a:t>Third level</a:t>
             </a:r>
+            <a:endParaRPr lang="en-US" altLang="zh-CN"/>
           </a:p>
           <a:p>
             <a:pPr lvl="3"/>
@@ -1387,6 +1199,7 @@
               <a:rPr lang="en-US" altLang="zh-CN"/>
               <a:t>Fourth level</a:t>
             </a:r>
+            <a:endParaRPr lang="en-US" altLang="zh-CN"/>
           </a:p>
           <a:p>
             <a:pPr lvl="4"/>
@@ -1400,13 +1213,7 @@
       </p:sp>
       <p:sp>
         <p:nvSpPr>
-          <p:cNvPr id="5" name="Date Placeholder 4">
-            <a:extLst>
-              <a:ext uri="{FF2B5EF4-FFF2-40B4-BE49-F238E27FC236}">
-                <a16:creationId xmlns:a16="http://schemas.microsoft.com/office/drawing/2014/main" id="{2FCC3D0A-0A45-442D-B4E8-95CF25B7C797}"/>
-              </a:ext>
-            </a:extLst>
-          </p:cNvPr>
+          <p:cNvPr id="5" name="Date Placeholder 4"/>
           <p:cNvSpPr>
             <a:spLocks noGrp="1"/>
           </p:cNvSpPr>
@@ -1421,7 +1228,6 @@
           <a:p>
             <a:fld id="{1706A504-8EB3-452A-98D0-9F946B298832}" type="datetimeFigureOut">
               <a:rPr lang="zh-CN" altLang="en-US" smtClean="0"/>
-              <a:t>2022/5/9</a:t>
             </a:fld>
             <a:endParaRPr lang="zh-CN" altLang="en-US"/>
           </a:p>
@@ -1429,13 +1235,7 @@
       </p:sp>
       <p:sp>
         <p:nvSpPr>
-          <p:cNvPr id="6" name="Footer Placeholder 5">
-            <a:extLst>
-              <a:ext uri="{FF2B5EF4-FFF2-40B4-BE49-F238E27FC236}">
-                <a16:creationId xmlns:a16="http://schemas.microsoft.com/office/drawing/2014/main" id="{F64760AC-62B2-4F48-8D34-07C15AC941F0}"/>
-              </a:ext>
-            </a:extLst>
-          </p:cNvPr>
+          <p:cNvPr id="6" name="Footer Placeholder 5"/>
           <p:cNvSpPr>
             <a:spLocks noGrp="1"/>
           </p:cNvSpPr>
@@ -1454,13 +1254,7 @@
       </p:sp>
       <p:sp>
         <p:nvSpPr>
-          <p:cNvPr id="7" name="Slide Number Placeholder 6">
-            <a:extLst>
-              <a:ext uri="{FF2B5EF4-FFF2-40B4-BE49-F238E27FC236}">
-                <a16:creationId xmlns:a16="http://schemas.microsoft.com/office/drawing/2014/main" id="{0B72FA07-70AF-4740-8AB6-C28EABAD98DE}"/>
-              </a:ext>
-            </a:extLst>
-          </p:cNvPr>
+          <p:cNvPr id="7" name="Slide Number Placeholder 6"/>
           <p:cNvSpPr>
             <a:spLocks noGrp="1"/>
           </p:cNvSpPr>
@@ -1475,18 +1269,12 @@
           <a:p>
             <a:fld id="{75EA26F6-AC47-4D2A-8C6F-B74EB619C868}" type="slidenum">
               <a:rPr lang="zh-CN" altLang="en-US" smtClean="0"/>
-              <a:t>‹#›</a:t>
             </a:fld>
             <a:endParaRPr lang="zh-CN" altLang="en-US"/>
           </a:p>
         </p:txBody>
       </p:sp>
     </p:spTree>
-    <p:extLst>
-      <p:ext uri="{BB962C8B-B14F-4D97-AF65-F5344CB8AC3E}">
-        <p14:creationId xmlns:p14="http://schemas.microsoft.com/office/powerpoint/2010/main" val="2040627744"/>
-      </p:ext>
-    </p:extLst>
   </p:cSld>
   <p:clrMapOvr>
     <a:masterClrMapping/>
@@ -1513,13 +1301,7 @@
       </p:grpSpPr>
       <p:sp>
         <p:nvSpPr>
-          <p:cNvPr id="2" name="Title 1">
-            <a:extLst>
-              <a:ext uri="{FF2B5EF4-FFF2-40B4-BE49-F238E27FC236}">
-                <a16:creationId xmlns:a16="http://schemas.microsoft.com/office/drawing/2014/main" id="{5E048620-AA2C-4185-A6BE-C0D189F49D1E}"/>
-              </a:ext>
-            </a:extLst>
-          </p:cNvPr>
+          <p:cNvPr id="2" name="Title 1"/>
           <p:cNvSpPr>
             <a:spLocks noGrp="1"/>
           </p:cNvSpPr>
@@ -1547,13 +1329,7 @@
       </p:sp>
       <p:sp>
         <p:nvSpPr>
-          <p:cNvPr id="3" name="Text Placeholder 2">
-            <a:extLst>
-              <a:ext uri="{FF2B5EF4-FFF2-40B4-BE49-F238E27FC236}">
-                <a16:creationId xmlns:a16="http://schemas.microsoft.com/office/drawing/2014/main" id="{AD5A1567-0B41-4B55-9476-91FD75A8AE05}"/>
-              </a:ext>
-            </a:extLst>
-          </p:cNvPr>
+          <p:cNvPr id="3" name="Text Placeholder 2"/>
           <p:cNvSpPr>
             <a:spLocks noGrp="1"/>
           </p:cNvSpPr>
@@ -1613,18 +1389,13 @@
               <a:rPr lang="en-US" altLang="zh-CN"/>
               <a:t>Click to edit Master text styles</a:t>
             </a:r>
-          </a:p>
-        </p:txBody>
-      </p:sp>
-      <p:sp>
-        <p:nvSpPr>
-          <p:cNvPr id="4" name="Content Placeholder 3">
-            <a:extLst>
-              <a:ext uri="{FF2B5EF4-FFF2-40B4-BE49-F238E27FC236}">
-                <a16:creationId xmlns:a16="http://schemas.microsoft.com/office/drawing/2014/main" id="{74CE9D3C-660E-4128-B816-63FF485180EF}"/>
-              </a:ext>
-            </a:extLst>
-          </p:cNvPr>
+            <a:endParaRPr lang="en-US" altLang="zh-CN"/>
+          </a:p>
+        </p:txBody>
+      </p:sp>
+      <p:sp>
+        <p:nvSpPr>
+          <p:cNvPr id="4" name="Content Placeholder 3"/>
           <p:cNvSpPr>
             <a:spLocks noGrp="1"/>
           </p:cNvSpPr>
@@ -1647,6 +1418,7 @@
               <a:rPr lang="en-US" altLang="zh-CN"/>
               <a:t>Click to edit Master text styles</a:t>
             </a:r>
+            <a:endParaRPr lang="en-US" altLang="zh-CN"/>
           </a:p>
           <a:p>
             <a:pPr lvl="1"/>
@@ -1654,6 +1426,7 @@
               <a:rPr lang="en-US" altLang="zh-CN"/>
               <a:t>Second level</a:t>
             </a:r>
+            <a:endParaRPr lang="en-US" altLang="zh-CN"/>
           </a:p>
           <a:p>
             <a:pPr lvl="2"/>
@@ -1661,6 +1434,7 @@
               <a:rPr lang="en-US" altLang="zh-CN"/>
               <a:t>Third level</a:t>
             </a:r>
+            <a:endParaRPr lang="en-US" altLang="zh-CN"/>
           </a:p>
           <a:p>
             <a:pPr lvl="3"/>
@@ -1668,6 +1442,7 @@
               <a:rPr lang="en-US" altLang="zh-CN"/>
               <a:t>Fourth level</a:t>
             </a:r>
+            <a:endParaRPr lang="en-US" altLang="zh-CN"/>
           </a:p>
           <a:p>
             <a:pPr lvl="4"/>
@@ -1681,13 +1456,7 @@
       </p:sp>
       <p:sp>
         <p:nvSpPr>
-          <p:cNvPr id="5" name="Text Placeholder 4">
-            <a:extLst>
-              <a:ext uri="{FF2B5EF4-FFF2-40B4-BE49-F238E27FC236}">
-                <a16:creationId xmlns:a16="http://schemas.microsoft.com/office/drawing/2014/main" id="{2D97A1AA-DF34-4995-AD0A-68B8D323F65B}"/>
-              </a:ext>
-            </a:extLst>
-          </p:cNvPr>
+          <p:cNvPr id="5" name="Text Placeholder 4"/>
           <p:cNvSpPr>
             <a:spLocks noGrp="1"/>
           </p:cNvSpPr>
@@ -1747,18 +1516,13 @@
               <a:rPr lang="en-US" altLang="zh-CN"/>
               <a:t>Click to edit Master text styles</a:t>
             </a:r>
-          </a:p>
-        </p:txBody>
-      </p:sp>
-      <p:sp>
-        <p:nvSpPr>
-          <p:cNvPr id="6" name="Content Placeholder 5">
-            <a:extLst>
-              <a:ext uri="{FF2B5EF4-FFF2-40B4-BE49-F238E27FC236}">
-                <a16:creationId xmlns:a16="http://schemas.microsoft.com/office/drawing/2014/main" id="{DDA26CAB-DF4B-4E0D-93E6-66F14D5DD32A}"/>
-              </a:ext>
-            </a:extLst>
-          </p:cNvPr>
+            <a:endParaRPr lang="en-US" altLang="zh-CN"/>
+          </a:p>
+        </p:txBody>
+      </p:sp>
+      <p:sp>
+        <p:nvSpPr>
+          <p:cNvPr id="6" name="Content Placeholder 5"/>
           <p:cNvSpPr>
             <a:spLocks noGrp="1"/>
           </p:cNvSpPr>
@@ -1781,6 +1545,7 @@
               <a:rPr lang="en-US" altLang="zh-CN"/>
               <a:t>Click to edit Master text styles</a:t>
             </a:r>
+            <a:endParaRPr lang="en-US" altLang="zh-CN"/>
           </a:p>
           <a:p>
             <a:pPr lvl="1"/>
@@ -1788,6 +1553,7 @@
               <a:rPr lang="en-US" altLang="zh-CN"/>
               <a:t>Second level</a:t>
             </a:r>
+            <a:endParaRPr lang="en-US" altLang="zh-CN"/>
           </a:p>
           <a:p>
             <a:pPr lvl="2"/>
@@ -1795,6 +1561,7 @@
               <a:rPr lang="en-US" altLang="zh-CN"/>
               <a:t>Third level</a:t>
             </a:r>
+            <a:endParaRPr lang="en-US" altLang="zh-CN"/>
           </a:p>
           <a:p>
             <a:pPr lvl="3"/>
@@ -1802,6 +1569,7 @@
               <a:rPr lang="en-US" altLang="zh-CN"/>
               <a:t>Fourth level</a:t>
             </a:r>
+            <a:endParaRPr lang="en-US" altLang="zh-CN"/>
           </a:p>
           <a:p>
             <a:pPr lvl="4"/>
@@ -1815,13 +1583,7 @@
       </p:sp>
       <p:sp>
         <p:nvSpPr>
-          <p:cNvPr id="7" name="Date Placeholder 6">
-            <a:extLst>
-              <a:ext uri="{FF2B5EF4-FFF2-40B4-BE49-F238E27FC236}">
-                <a16:creationId xmlns:a16="http://schemas.microsoft.com/office/drawing/2014/main" id="{61AA75E3-97AC-4417-A915-74888DC02F2E}"/>
-              </a:ext>
-            </a:extLst>
-          </p:cNvPr>
+          <p:cNvPr id="7" name="Date Placeholder 6"/>
           <p:cNvSpPr>
             <a:spLocks noGrp="1"/>
           </p:cNvSpPr>
@@ -1836,7 +1598,6 @@
           <a:p>
             <a:fld id="{1706A504-8EB3-452A-98D0-9F946B298832}" type="datetimeFigureOut">
               <a:rPr lang="zh-CN" altLang="en-US" smtClean="0"/>
-              <a:t>2022/5/9</a:t>
             </a:fld>
             <a:endParaRPr lang="zh-CN" altLang="en-US"/>
           </a:p>
@@ -1844,13 +1605,7 @@
       </p:sp>
       <p:sp>
         <p:nvSpPr>
-          <p:cNvPr id="8" name="Footer Placeholder 7">
-            <a:extLst>
-              <a:ext uri="{FF2B5EF4-FFF2-40B4-BE49-F238E27FC236}">
-                <a16:creationId xmlns:a16="http://schemas.microsoft.com/office/drawing/2014/main" id="{2F98AC7F-9C36-4EA8-9DDB-F6401841CCF6}"/>
-              </a:ext>
-            </a:extLst>
-          </p:cNvPr>
+          <p:cNvPr id="8" name="Footer Placeholder 7"/>
           <p:cNvSpPr>
             <a:spLocks noGrp="1"/>
           </p:cNvSpPr>
@@ -1869,13 +1624,7 @@
       </p:sp>
       <p:sp>
         <p:nvSpPr>
-          <p:cNvPr id="9" name="Slide Number Placeholder 8">
-            <a:extLst>
-              <a:ext uri="{FF2B5EF4-FFF2-40B4-BE49-F238E27FC236}">
-                <a16:creationId xmlns:a16="http://schemas.microsoft.com/office/drawing/2014/main" id="{8018D2D3-AD9D-4025-BCFC-086202107B48}"/>
-              </a:ext>
-            </a:extLst>
-          </p:cNvPr>
+          <p:cNvPr id="9" name="Slide Number Placeholder 8"/>
           <p:cNvSpPr>
             <a:spLocks noGrp="1"/>
           </p:cNvSpPr>
@@ -1890,18 +1639,12 @@
           <a:p>
             <a:fld id="{75EA26F6-AC47-4D2A-8C6F-B74EB619C868}" type="slidenum">
               <a:rPr lang="zh-CN" altLang="en-US" smtClean="0"/>
-              <a:t>‹#›</a:t>
             </a:fld>
             <a:endParaRPr lang="zh-CN" altLang="en-US"/>
           </a:p>
         </p:txBody>
       </p:sp>
     </p:spTree>
-    <p:extLst>
-      <p:ext uri="{BB962C8B-B14F-4D97-AF65-F5344CB8AC3E}">
-        <p14:creationId xmlns:p14="http://schemas.microsoft.com/office/powerpoint/2010/main" val="2377817711"/>
-      </p:ext>
-    </p:extLst>
   </p:cSld>
   <p:clrMapOvr>
     <a:masterClrMapping/>
@@ -1928,13 +1671,7 @@
       </p:grpSpPr>
       <p:sp>
         <p:nvSpPr>
-          <p:cNvPr id="2" name="Title 1">
-            <a:extLst>
-              <a:ext uri="{FF2B5EF4-FFF2-40B4-BE49-F238E27FC236}">
-                <a16:creationId xmlns:a16="http://schemas.microsoft.com/office/drawing/2014/main" id="{4D110954-3FA6-47D3-9AB1-7CE63AB1C822}"/>
-              </a:ext>
-            </a:extLst>
-          </p:cNvPr>
+          <p:cNvPr id="2" name="Title 1"/>
           <p:cNvSpPr>
             <a:spLocks noGrp="1"/>
           </p:cNvSpPr>
@@ -1957,13 +1694,7 @@
       </p:sp>
       <p:sp>
         <p:nvSpPr>
-          <p:cNvPr id="3" name="Date Placeholder 2">
-            <a:extLst>
-              <a:ext uri="{FF2B5EF4-FFF2-40B4-BE49-F238E27FC236}">
-                <a16:creationId xmlns:a16="http://schemas.microsoft.com/office/drawing/2014/main" id="{81146694-132C-4C97-9256-E602BA5F800A}"/>
-              </a:ext>
-            </a:extLst>
-          </p:cNvPr>
+          <p:cNvPr id="3" name="Date Placeholder 2"/>
           <p:cNvSpPr>
             <a:spLocks noGrp="1"/>
           </p:cNvSpPr>
@@ -1978,7 +1709,6 @@
           <a:p>
             <a:fld id="{1706A504-8EB3-452A-98D0-9F946B298832}" type="datetimeFigureOut">
               <a:rPr lang="zh-CN" altLang="en-US" smtClean="0"/>
-              <a:t>2022/5/9</a:t>
             </a:fld>
             <a:endParaRPr lang="zh-CN" altLang="en-US"/>
           </a:p>
@@ -1986,13 +1716,7 @@
       </p:sp>
       <p:sp>
         <p:nvSpPr>
-          <p:cNvPr id="4" name="Footer Placeholder 3">
-            <a:extLst>
-              <a:ext uri="{FF2B5EF4-FFF2-40B4-BE49-F238E27FC236}">
-                <a16:creationId xmlns:a16="http://schemas.microsoft.com/office/drawing/2014/main" id="{B77259C2-F33F-4EC7-BFA5-8A4F232B8563}"/>
-              </a:ext>
-            </a:extLst>
-          </p:cNvPr>
+          <p:cNvPr id="4" name="Footer Placeholder 3"/>
           <p:cNvSpPr>
             <a:spLocks noGrp="1"/>
           </p:cNvSpPr>
@@ -2011,13 +1735,7 @@
       </p:sp>
       <p:sp>
         <p:nvSpPr>
-          <p:cNvPr id="5" name="Slide Number Placeholder 4">
-            <a:extLst>
-              <a:ext uri="{FF2B5EF4-FFF2-40B4-BE49-F238E27FC236}">
-                <a16:creationId xmlns:a16="http://schemas.microsoft.com/office/drawing/2014/main" id="{E47BEC87-D149-4439-B834-1357F5DAADE2}"/>
-              </a:ext>
-            </a:extLst>
-          </p:cNvPr>
+          <p:cNvPr id="5" name="Slide Number Placeholder 4"/>
           <p:cNvSpPr>
             <a:spLocks noGrp="1"/>
           </p:cNvSpPr>
@@ -2032,18 +1750,12 @@
           <a:p>
             <a:fld id="{75EA26F6-AC47-4D2A-8C6F-B74EB619C868}" type="slidenum">
               <a:rPr lang="zh-CN" altLang="en-US" smtClean="0"/>
-              <a:t>‹#›</a:t>
             </a:fld>
             <a:endParaRPr lang="zh-CN" altLang="en-US"/>
           </a:p>
         </p:txBody>
       </p:sp>
     </p:spTree>
-    <p:extLst>
-      <p:ext uri="{BB962C8B-B14F-4D97-AF65-F5344CB8AC3E}">
-        <p14:creationId xmlns:p14="http://schemas.microsoft.com/office/powerpoint/2010/main" val="2257442514"/>
-      </p:ext>
-    </p:extLst>
   </p:cSld>
   <p:clrMapOvr>
     <a:masterClrMapping/>
@@ -2070,13 +1782,7 @@
       </p:grpSpPr>
       <p:sp>
         <p:nvSpPr>
-          <p:cNvPr id="2" name="Date Placeholder 1">
-            <a:extLst>
-              <a:ext uri="{FF2B5EF4-FFF2-40B4-BE49-F238E27FC236}">
-                <a16:creationId xmlns:a16="http://schemas.microsoft.com/office/drawing/2014/main" id="{A6F1404A-C02E-4AAC-8B2F-5DA8D0EF9479}"/>
-              </a:ext>
-            </a:extLst>
-          </p:cNvPr>
+          <p:cNvPr id="2" name="Date Placeholder 1"/>
           <p:cNvSpPr>
             <a:spLocks noGrp="1"/>
           </p:cNvSpPr>
@@ -2091,7 +1797,6 @@
           <a:p>
             <a:fld id="{1706A504-8EB3-452A-98D0-9F946B298832}" type="datetimeFigureOut">
               <a:rPr lang="zh-CN" altLang="en-US" smtClean="0"/>
-              <a:t>2022/5/9</a:t>
             </a:fld>
             <a:endParaRPr lang="zh-CN" altLang="en-US"/>
           </a:p>
@@ -2099,13 +1804,7 @@
       </p:sp>
       <p:sp>
         <p:nvSpPr>
-          <p:cNvPr id="3" name="Footer Placeholder 2">
-            <a:extLst>
-              <a:ext uri="{FF2B5EF4-FFF2-40B4-BE49-F238E27FC236}">
-                <a16:creationId xmlns:a16="http://schemas.microsoft.com/office/drawing/2014/main" id="{FEBCC798-47BA-4B3A-BD14-C60541EF35D4}"/>
-              </a:ext>
-            </a:extLst>
-          </p:cNvPr>
+          <p:cNvPr id="3" name="Footer Placeholder 2"/>
           <p:cNvSpPr>
             <a:spLocks noGrp="1"/>
           </p:cNvSpPr>
@@ -2124,13 +1823,7 @@
       </p:sp>
       <p:sp>
         <p:nvSpPr>
-          <p:cNvPr id="4" name="Slide Number Placeholder 3">
-            <a:extLst>
-              <a:ext uri="{FF2B5EF4-FFF2-40B4-BE49-F238E27FC236}">
-                <a16:creationId xmlns:a16="http://schemas.microsoft.com/office/drawing/2014/main" id="{64C0D6BA-A977-40E5-9BB3-1F30C13E1716}"/>
-              </a:ext>
-            </a:extLst>
-          </p:cNvPr>
+          <p:cNvPr id="4" name="Slide Number Placeholder 3"/>
           <p:cNvSpPr>
             <a:spLocks noGrp="1"/>
           </p:cNvSpPr>
@@ -2145,18 +1838,12 @@
           <a:p>
             <a:fld id="{75EA26F6-AC47-4D2A-8C6F-B74EB619C868}" type="slidenum">
               <a:rPr lang="zh-CN" altLang="en-US" smtClean="0"/>
-              <a:t>‹#›</a:t>
             </a:fld>
             <a:endParaRPr lang="zh-CN" altLang="en-US"/>
           </a:p>
         </p:txBody>
       </p:sp>
     </p:spTree>
-    <p:extLst>
-      <p:ext uri="{BB962C8B-B14F-4D97-AF65-F5344CB8AC3E}">
-        <p14:creationId xmlns:p14="http://schemas.microsoft.com/office/powerpoint/2010/main" val="2659889124"/>
-      </p:ext>
-    </p:extLst>
   </p:cSld>
   <p:clrMapOvr>
     <a:masterClrMapping/>
@@ -2183,13 +1870,7 @@
       </p:grpSpPr>
       <p:sp>
         <p:nvSpPr>
-          <p:cNvPr id="2" name="Title 1">
-            <a:extLst>
-              <a:ext uri="{FF2B5EF4-FFF2-40B4-BE49-F238E27FC236}">
-                <a16:creationId xmlns:a16="http://schemas.microsoft.com/office/drawing/2014/main" id="{389822D3-009B-4FF4-A649-A55093C12F01}"/>
-              </a:ext>
-            </a:extLst>
-          </p:cNvPr>
+          <p:cNvPr id="2" name="Title 1"/>
           <p:cNvSpPr>
             <a:spLocks noGrp="1"/>
           </p:cNvSpPr>
@@ -2221,13 +1902,7 @@
       </p:sp>
       <p:sp>
         <p:nvSpPr>
-          <p:cNvPr id="3" name="Content Placeholder 2">
-            <a:extLst>
-              <a:ext uri="{FF2B5EF4-FFF2-40B4-BE49-F238E27FC236}">
-                <a16:creationId xmlns:a16="http://schemas.microsoft.com/office/drawing/2014/main" id="{ED8AD2E2-0B85-4B4C-A0D1-8B0DF50CF69F}"/>
-              </a:ext>
-            </a:extLst>
-          </p:cNvPr>
+          <p:cNvPr id="3" name="Content Placeholder 2"/>
           <p:cNvSpPr>
             <a:spLocks noGrp="1"/>
           </p:cNvSpPr>
@@ -2278,6 +1953,7 @@
               <a:rPr lang="en-US" altLang="zh-CN"/>
               <a:t>Click to edit Master text styles</a:t>
             </a:r>
+            <a:endParaRPr lang="en-US" altLang="zh-CN"/>
           </a:p>
           <a:p>
             <a:pPr lvl="1"/>
@@ -2285,6 +1961,7 @@
               <a:rPr lang="en-US" altLang="zh-CN"/>
               <a:t>Second level</a:t>
             </a:r>
+            <a:endParaRPr lang="en-US" altLang="zh-CN"/>
           </a:p>
           <a:p>
             <a:pPr lvl="2"/>
@@ -2292,6 +1969,7 @@
               <a:rPr lang="en-US" altLang="zh-CN"/>
               <a:t>Third level</a:t>
             </a:r>
+            <a:endParaRPr lang="en-US" altLang="zh-CN"/>
           </a:p>
           <a:p>
             <a:pPr lvl="3"/>
@@ -2299,6 +1977,7 @@
               <a:rPr lang="en-US" altLang="zh-CN"/>
               <a:t>Fourth level</a:t>
             </a:r>
+            <a:endParaRPr lang="en-US" altLang="zh-CN"/>
           </a:p>
           <a:p>
             <a:pPr lvl="4"/>
@@ -2312,13 +1991,7 @@
       </p:sp>
       <p:sp>
         <p:nvSpPr>
-          <p:cNvPr id="4" name="Text Placeholder 3">
-            <a:extLst>
-              <a:ext uri="{FF2B5EF4-FFF2-40B4-BE49-F238E27FC236}">
-                <a16:creationId xmlns:a16="http://schemas.microsoft.com/office/drawing/2014/main" id="{3FC56236-4B04-431B-9E3B-A003FF5DA92C}"/>
-              </a:ext>
-            </a:extLst>
-          </p:cNvPr>
+          <p:cNvPr id="4" name="Text Placeholder 3"/>
           <p:cNvSpPr>
             <a:spLocks noGrp="1"/>
           </p:cNvSpPr>
@@ -2378,18 +2051,13 @@
               <a:rPr lang="en-US" altLang="zh-CN"/>
               <a:t>Click to edit Master text styles</a:t>
             </a:r>
-          </a:p>
-        </p:txBody>
-      </p:sp>
-      <p:sp>
-        <p:nvSpPr>
-          <p:cNvPr id="5" name="Date Placeholder 4">
-            <a:extLst>
-              <a:ext uri="{FF2B5EF4-FFF2-40B4-BE49-F238E27FC236}">
-                <a16:creationId xmlns:a16="http://schemas.microsoft.com/office/drawing/2014/main" id="{CF5FCA9B-C623-4DBF-A99E-E01C5A1EFCE7}"/>
-              </a:ext>
-            </a:extLst>
-          </p:cNvPr>
+            <a:endParaRPr lang="en-US" altLang="zh-CN"/>
+          </a:p>
+        </p:txBody>
+      </p:sp>
+      <p:sp>
+        <p:nvSpPr>
+          <p:cNvPr id="5" name="Date Placeholder 4"/>
           <p:cNvSpPr>
             <a:spLocks noGrp="1"/>
           </p:cNvSpPr>
@@ -2404,7 +2072,6 @@
           <a:p>
             <a:fld id="{1706A504-8EB3-452A-98D0-9F946B298832}" type="datetimeFigureOut">
               <a:rPr lang="zh-CN" altLang="en-US" smtClean="0"/>
-              <a:t>2022/5/9</a:t>
             </a:fld>
             <a:endParaRPr lang="zh-CN" altLang="en-US"/>
           </a:p>
@@ -2412,13 +2079,7 @@
       </p:sp>
       <p:sp>
         <p:nvSpPr>
-          <p:cNvPr id="6" name="Footer Placeholder 5">
-            <a:extLst>
-              <a:ext uri="{FF2B5EF4-FFF2-40B4-BE49-F238E27FC236}">
-                <a16:creationId xmlns:a16="http://schemas.microsoft.com/office/drawing/2014/main" id="{18B89C00-739D-4910-8A23-443CCEAA32E7}"/>
-              </a:ext>
-            </a:extLst>
-          </p:cNvPr>
+          <p:cNvPr id="6" name="Footer Placeholder 5"/>
           <p:cNvSpPr>
             <a:spLocks noGrp="1"/>
           </p:cNvSpPr>
@@ -2437,13 +2098,7 @@
       </p:sp>
       <p:sp>
         <p:nvSpPr>
-          <p:cNvPr id="7" name="Slide Number Placeholder 6">
-            <a:extLst>
-              <a:ext uri="{FF2B5EF4-FFF2-40B4-BE49-F238E27FC236}">
-                <a16:creationId xmlns:a16="http://schemas.microsoft.com/office/drawing/2014/main" id="{00D85984-82B5-4082-A5D9-F0DC6B627587}"/>
-              </a:ext>
-            </a:extLst>
-          </p:cNvPr>
+          <p:cNvPr id="7" name="Slide Number Placeholder 6"/>
           <p:cNvSpPr>
             <a:spLocks noGrp="1"/>
           </p:cNvSpPr>
@@ -2458,18 +2113,12 @@
           <a:p>
             <a:fld id="{75EA26F6-AC47-4D2A-8C6F-B74EB619C868}" type="slidenum">
               <a:rPr lang="zh-CN" altLang="en-US" smtClean="0"/>
-              <a:t>‹#›</a:t>
             </a:fld>
             <a:endParaRPr lang="zh-CN" altLang="en-US"/>
           </a:p>
         </p:txBody>
       </p:sp>
     </p:spTree>
-    <p:extLst>
-      <p:ext uri="{BB962C8B-B14F-4D97-AF65-F5344CB8AC3E}">
-        <p14:creationId xmlns:p14="http://schemas.microsoft.com/office/powerpoint/2010/main" val="945412638"/>
-      </p:ext>
-    </p:extLst>
   </p:cSld>
   <p:clrMapOvr>
     <a:masterClrMapping/>
@@ -2496,13 +2145,7 @@
       </p:grpSpPr>
       <p:sp>
         <p:nvSpPr>
-          <p:cNvPr id="2" name="Title 1">
-            <a:extLst>
-              <a:ext uri="{FF2B5EF4-FFF2-40B4-BE49-F238E27FC236}">
-                <a16:creationId xmlns:a16="http://schemas.microsoft.com/office/drawing/2014/main" id="{9251469C-5595-47AF-861C-AABD316E42EC}"/>
-              </a:ext>
-            </a:extLst>
-          </p:cNvPr>
+          <p:cNvPr id="2" name="Title 1"/>
           <p:cNvSpPr>
             <a:spLocks noGrp="1"/>
           </p:cNvSpPr>
@@ -2534,13 +2177,7 @@
       </p:sp>
       <p:sp>
         <p:nvSpPr>
-          <p:cNvPr id="3" name="Picture Placeholder 2">
-            <a:extLst>
-              <a:ext uri="{FF2B5EF4-FFF2-40B4-BE49-F238E27FC236}">
-                <a16:creationId xmlns:a16="http://schemas.microsoft.com/office/drawing/2014/main" id="{47FFEA6A-4366-4C95-831F-C7373BD7DA01}"/>
-              </a:ext>
-            </a:extLst>
-          </p:cNvPr>
+          <p:cNvPr id="3" name="Picture Placeholder 2"/>
           <p:cNvSpPr>
             <a:spLocks noGrp="1"/>
           </p:cNvSpPr>
@@ -2601,13 +2238,7 @@
       </p:sp>
       <p:sp>
         <p:nvSpPr>
-          <p:cNvPr id="4" name="Text Placeholder 3">
-            <a:extLst>
-              <a:ext uri="{FF2B5EF4-FFF2-40B4-BE49-F238E27FC236}">
-                <a16:creationId xmlns:a16="http://schemas.microsoft.com/office/drawing/2014/main" id="{41E344FB-0F54-4A93-B6C1-E84BAC1C2C69}"/>
-              </a:ext>
-            </a:extLst>
-          </p:cNvPr>
+          <p:cNvPr id="4" name="Text Placeholder 3"/>
           <p:cNvSpPr>
             <a:spLocks noGrp="1"/>
           </p:cNvSpPr>
@@ -2667,18 +2298,13 @@
               <a:rPr lang="en-US" altLang="zh-CN"/>
               <a:t>Click to edit Master text styles</a:t>
             </a:r>
-          </a:p>
-        </p:txBody>
-      </p:sp>
-      <p:sp>
-        <p:nvSpPr>
-          <p:cNvPr id="5" name="Date Placeholder 4">
-            <a:extLst>
-              <a:ext uri="{FF2B5EF4-FFF2-40B4-BE49-F238E27FC236}">
-                <a16:creationId xmlns:a16="http://schemas.microsoft.com/office/drawing/2014/main" id="{2EC3A9CD-75C7-4280-9180-5BC406121268}"/>
-              </a:ext>
-            </a:extLst>
-          </p:cNvPr>
+            <a:endParaRPr lang="en-US" altLang="zh-CN"/>
+          </a:p>
+        </p:txBody>
+      </p:sp>
+      <p:sp>
+        <p:nvSpPr>
+          <p:cNvPr id="5" name="Date Placeholder 4"/>
           <p:cNvSpPr>
             <a:spLocks noGrp="1"/>
           </p:cNvSpPr>
@@ -2693,7 +2319,6 @@
           <a:p>
             <a:fld id="{1706A504-8EB3-452A-98D0-9F946B298832}" type="datetimeFigureOut">
               <a:rPr lang="zh-CN" altLang="en-US" smtClean="0"/>
-              <a:t>2022/5/9</a:t>
             </a:fld>
             <a:endParaRPr lang="zh-CN" altLang="en-US"/>
           </a:p>
@@ -2701,13 +2326,7 @@
       </p:sp>
       <p:sp>
         <p:nvSpPr>
-          <p:cNvPr id="6" name="Footer Placeholder 5">
-            <a:extLst>
-              <a:ext uri="{FF2B5EF4-FFF2-40B4-BE49-F238E27FC236}">
-                <a16:creationId xmlns:a16="http://schemas.microsoft.com/office/drawing/2014/main" id="{5FE334E7-E3DC-403A-99E0-DCF1AF01BDAE}"/>
-              </a:ext>
-            </a:extLst>
-          </p:cNvPr>
+          <p:cNvPr id="6" name="Footer Placeholder 5"/>
           <p:cNvSpPr>
             <a:spLocks noGrp="1"/>
           </p:cNvSpPr>
@@ -2726,13 +2345,7 @@
       </p:sp>
       <p:sp>
         <p:nvSpPr>
-          <p:cNvPr id="7" name="Slide Number Placeholder 6">
-            <a:extLst>
-              <a:ext uri="{FF2B5EF4-FFF2-40B4-BE49-F238E27FC236}">
-                <a16:creationId xmlns:a16="http://schemas.microsoft.com/office/drawing/2014/main" id="{72B42696-0A2C-432F-B861-3B25200B54EF}"/>
-              </a:ext>
-            </a:extLst>
-          </p:cNvPr>
+          <p:cNvPr id="7" name="Slide Number Placeholder 6"/>
           <p:cNvSpPr>
             <a:spLocks noGrp="1"/>
           </p:cNvSpPr>
@@ -2747,18 +2360,12 @@
           <a:p>
             <a:fld id="{75EA26F6-AC47-4D2A-8C6F-B74EB619C868}" type="slidenum">
               <a:rPr lang="zh-CN" altLang="en-US" smtClean="0"/>
-              <a:t>‹#›</a:t>
             </a:fld>
             <a:endParaRPr lang="zh-CN" altLang="en-US"/>
           </a:p>
         </p:txBody>
       </p:sp>
     </p:spTree>
-    <p:extLst>
-      <p:ext uri="{BB962C8B-B14F-4D97-AF65-F5344CB8AC3E}">
-        <p14:creationId xmlns:p14="http://schemas.microsoft.com/office/powerpoint/2010/main" val="1926004023"/>
-      </p:ext>
-    </p:extLst>
   </p:cSld>
   <p:clrMapOvr>
     <a:masterClrMapping/>
@@ -2790,13 +2397,7 @@
       </p:grpSpPr>
       <p:sp>
         <p:nvSpPr>
-          <p:cNvPr id="2" name="Title Placeholder 1">
-            <a:extLst>
-              <a:ext uri="{FF2B5EF4-FFF2-40B4-BE49-F238E27FC236}">
-                <a16:creationId xmlns:a16="http://schemas.microsoft.com/office/drawing/2014/main" id="{1C0ADC11-F33B-48B9-976A-3420F02D90DA}"/>
-              </a:ext>
-            </a:extLst>
-          </p:cNvPr>
+          <p:cNvPr id="2" name="Title Placeholder 1"/>
           <p:cNvSpPr>
             <a:spLocks noGrp="1"/>
           </p:cNvSpPr>
@@ -2829,13 +2430,7 @@
       </p:sp>
       <p:sp>
         <p:nvSpPr>
-          <p:cNvPr id="3" name="Text Placeholder 2">
-            <a:extLst>
-              <a:ext uri="{FF2B5EF4-FFF2-40B4-BE49-F238E27FC236}">
-                <a16:creationId xmlns:a16="http://schemas.microsoft.com/office/drawing/2014/main" id="{A1E18F6B-4F08-41CA-8AF5-D3DE9889C67F}"/>
-              </a:ext>
-            </a:extLst>
-          </p:cNvPr>
+          <p:cNvPr id="3" name="Text Placeholder 2"/>
           <p:cNvSpPr>
             <a:spLocks noGrp="1"/>
           </p:cNvSpPr>
@@ -2863,6 +2458,7 @@
               <a:rPr lang="en-US" altLang="zh-CN"/>
               <a:t>Click to edit Master text styles</a:t>
             </a:r>
+            <a:endParaRPr lang="en-US" altLang="zh-CN"/>
           </a:p>
           <a:p>
             <a:pPr lvl="1"/>
@@ -2870,6 +2466,7 @@
               <a:rPr lang="en-US" altLang="zh-CN"/>
               <a:t>Second level</a:t>
             </a:r>
+            <a:endParaRPr lang="en-US" altLang="zh-CN"/>
           </a:p>
           <a:p>
             <a:pPr lvl="2"/>
@@ -2877,6 +2474,7 @@
               <a:rPr lang="en-US" altLang="zh-CN"/>
               <a:t>Third level</a:t>
             </a:r>
+            <a:endParaRPr lang="en-US" altLang="zh-CN"/>
           </a:p>
           <a:p>
             <a:pPr lvl="3"/>
@@ -2884,6 +2482,7 @@
               <a:rPr lang="en-US" altLang="zh-CN"/>
               <a:t>Fourth level</a:t>
             </a:r>
+            <a:endParaRPr lang="en-US" altLang="zh-CN"/>
           </a:p>
           <a:p>
             <a:pPr lvl="4"/>
@@ -2897,13 +2496,7 @@
       </p:sp>
       <p:sp>
         <p:nvSpPr>
-          <p:cNvPr id="4" name="Date Placeholder 3">
-            <a:extLst>
-              <a:ext uri="{FF2B5EF4-FFF2-40B4-BE49-F238E27FC236}">
-                <a16:creationId xmlns:a16="http://schemas.microsoft.com/office/drawing/2014/main" id="{E6748B31-A5F5-4360-8B18-D98EE62EF0F0}"/>
-              </a:ext>
-            </a:extLst>
-          </p:cNvPr>
+          <p:cNvPr id="4" name="Date Placeholder 3"/>
           <p:cNvSpPr>
             <a:spLocks noGrp="1"/>
           </p:cNvSpPr>
@@ -2936,7 +2529,6 @@
           <a:p>
             <a:fld id="{1706A504-8EB3-452A-98D0-9F946B298832}" type="datetimeFigureOut">
               <a:rPr lang="zh-CN" altLang="en-US" smtClean="0"/>
-              <a:t>2022/5/9</a:t>
             </a:fld>
             <a:endParaRPr lang="zh-CN" altLang="en-US"/>
           </a:p>
@@ -2944,13 +2536,7 @@
       </p:sp>
       <p:sp>
         <p:nvSpPr>
-          <p:cNvPr id="5" name="Footer Placeholder 4">
-            <a:extLst>
-              <a:ext uri="{FF2B5EF4-FFF2-40B4-BE49-F238E27FC236}">
-                <a16:creationId xmlns:a16="http://schemas.microsoft.com/office/drawing/2014/main" id="{96DF1717-7514-4F81-9DDC-F6A3F036CF7A}"/>
-              </a:ext>
-            </a:extLst>
-          </p:cNvPr>
+          <p:cNvPr id="5" name="Footer Placeholder 4"/>
           <p:cNvSpPr>
             <a:spLocks noGrp="1"/>
           </p:cNvSpPr>
@@ -2987,13 +2573,7 @@
       </p:sp>
       <p:sp>
         <p:nvSpPr>
-          <p:cNvPr id="6" name="Slide Number Placeholder 5">
-            <a:extLst>
-              <a:ext uri="{FF2B5EF4-FFF2-40B4-BE49-F238E27FC236}">
-                <a16:creationId xmlns:a16="http://schemas.microsoft.com/office/drawing/2014/main" id="{0C032189-CC88-45FE-AE2F-AAF8C8A0BBD6}"/>
-              </a:ext>
-            </a:extLst>
-          </p:cNvPr>
+          <p:cNvPr id="6" name="Slide Number Placeholder 5"/>
           <p:cNvSpPr>
             <a:spLocks noGrp="1"/>
           </p:cNvSpPr>
@@ -3026,18 +2606,12 @@
           <a:p>
             <a:fld id="{75EA26F6-AC47-4D2A-8C6F-B74EB619C868}" type="slidenum">
               <a:rPr lang="zh-CN" altLang="en-US" smtClean="0"/>
-              <a:t>‹#›</a:t>
             </a:fld>
             <a:endParaRPr lang="zh-CN" altLang="en-US"/>
           </a:p>
         </p:txBody>
       </p:sp>
     </p:spTree>
-    <p:extLst>
-      <p:ext uri="{BB962C8B-B14F-4D97-AF65-F5344CB8AC3E}">
-        <p14:creationId xmlns:p14="http://schemas.microsoft.com/office/powerpoint/2010/main" val="1483753537"/>
-      </p:ext>
-    </p:extLst>
   </p:cSld>
   <p:clrMap bg1="lt1" tx1="dk1" bg2="lt2" tx2="dk2" accent1="accent1" accent2="accent2" accent3="accent3" accent4="accent4" accent5="accent5" accent6="accent6" hlink="hlink" folHlink="folHlink"/>
   <p:sldLayoutIdLst>
@@ -3081,7 +2655,7 @@
         <a:spcBef>
           <a:spcPts val="1000"/>
         </a:spcBef>
-        <a:buFont typeface="Arial" panose="020B0604020202020204" pitchFamily="34" charset="0"/>
+        <a:buFont typeface="Arial" panose="020B0604020202090204" pitchFamily="34" charset="0"/>
         <a:buChar char="•"/>
         <a:defRPr sz="2800" kern="1200">
           <a:solidFill>
@@ -3099,7 +2673,7 @@
         <a:spcBef>
           <a:spcPts val="500"/>
         </a:spcBef>
-        <a:buFont typeface="Arial" panose="020B0604020202020204" pitchFamily="34" charset="0"/>
+        <a:buFont typeface="Arial" panose="020B0604020202090204" pitchFamily="34" charset="0"/>
         <a:buChar char="•"/>
         <a:defRPr sz="2400" kern="1200">
           <a:solidFill>
@@ -3117,7 +2691,7 @@
         <a:spcBef>
           <a:spcPts val="500"/>
         </a:spcBef>
-        <a:buFont typeface="Arial" panose="020B0604020202020204" pitchFamily="34" charset="0"/>
+        <a:buFont typeface="Arial" panose="020B0604020202090204" pitchFamily="34" charset="0"/>
         <a:buChar char="•"/>
         <a:defRPr sz="2000" kern="1200">
           <a:solidFill>
@@ -3135,7 +2709,7 @@
         <a:spcBef>
           <a:spcPts val="500"/>
         </a:spcBef>
-        <a:buFont typeface="Arial" panose="020B0604020202020204" pitchFamily="34" charset="0"/>
+        <a:buFont typeface="Arial" panose="020B0604020202090204" pitchFamily="34" charset="0"/>
         <a:buChar char="•"/>
         <a:defRPr sz="1800" kern="1200">
           <a:solidFill>
@@ -3153,7 +2727,7 @@
         <a:spcBef>
           <a:spcPts val="500"/>
         </a:spcBef>
-        <a:buFont typeface="Arial" panose="020B0604020202020204" pitchFamily="34" charset="0"/>
+        <a:buFont typeface="Arial" panose="020B0604020202090204" pitchFamily="34" charset="0"/>
         <a:buChar char="•"/>
         <a:defRPr sz="1800" kern="1200">
           <a:solidFill>
@@ -3171,7 +2745,7 @@
         <a:spcBef>
           <a:spcPts val="500"/>
         </a:spcBef>
-        <a:buFont typeface="Arial" panose="020B0604020202020204" pitchFamily="34" charset="0"/>
+        <a:buFont typeface="Arial" panose="020B0604020202090204" pitchFamily="34" charset="0"/>
         <a:buChar char="•"/>
         <a:defRPr sz="1800" kern="1200">
           <a:solidFill>
@@ -3189,7 +2763,7 @@
         <a:spcBef>
           <a:spcPts val="500"/>
         </a:spcBef>
-        <a:buFont typeface="Arial" panose="020B0604020202020204" pitchFamily="34" charset="0"/>
+        <a:buFont typeface="Arial" panose="020B0604020202090204" pitchFamily="34" charset="0"/>
         <a:buChar char="•"/>
         <a:defRPr sz="1800" kern="1200">
           <a:solidFill>
@@ -3207,7 +2781,7 @@
         <a:spcBef>
           <a:spcPts val="500"/>
         </a:spcBef>
-        <a:buFont typeface="Arial" panose="020B0604020202020204" pitchFamily="34" charset="0"/>
+        <a:buFont typeface="Arial" panose="020B0604020202090204" pitchFamily="34" charset="0"/>
         <a:buChar char="•"/>
         <a:defRPr sz="1800" kern="1200">
           <a:solidFill>
@@ -3225,7 +2799,7 @@
         <a:spcBef>
           <a:spcPts val="500"/>
         </a:spcBef>
-        <a:buFont typeface="Arial" panose="020B0604020202020204" pitchFamily="34" charset="0"/>
+        <a:buFont typeface="Arial" panose="020B0604020202090204" pitchFamily="34" charset="0"/>
         <a:buChar char="•"/>
         <a:defRPr sz="1800" kern="1200">
           <a:solidFill>
@@ -3355,13 +2929,7 @@
       </p:grpSpPr>
       <p:sp>
         <p:nvSpPr>
-          <p:cNvPr id="2" name="Title 1">
-            <a:extLst>
-              <a:ext uri="{FF2B5EF4-FFF2-40B4-BE49-F238E27FC236}">
-                <a16:creationId xmlns:a16="http://schemas.microsoft.com/office/drawing/2014/main" id="{290B4422-890A-4ACF-BA33-FE39F4EAEF58}"/>
-              </a:ext>
-            </a:extLst>
-          </p:cNvPr>
+          <p:cNvPr id="2" name="Title 1"/>
           <p:cNvSpPr>
             <a:spLocks noGrp="1"/>
           </p:cNvSpPr>
@@ -3419,13 +2987,7 @@
       </p:sp>
       <p:sp>
         <p:nvSpPr>
-          <p:cNvPr id="3" name="Subtitle 2">
-            <a:extLst>
-              <a:ext uri="{FF2B5EF4-FFF2-40B4-BE49-F238E27FC236}">
-                <a16:creationId xmlns:a16="http://schemas.microsoft.com/office/drawing/2014/main" id="{5DB38CF5-4725-45FC-A0AA-1F66AC61ED14}"/>
-              </a:ext>
-            </a:extLst>
-          </p:cNvPr>
+          <p:cNvPr id="3" name="Subtitle 2"/>
           <p:cNvSpPr>
             <a:spLocks noGrp="1"/>
           </p:cNvSpPr>
@@ -3453,13 +3015,7 @@
       </p:sp>
       <p:sp>
         <p:nvSpPr>
-          <p:cNvPr id="5" name="TextBox 4">
-            <a:extLst>
-              <a:ext uri="{FF2B5EF4-FFF2-40B4-BE49-F238E27FC236}">
-                <a16:creationId xmlns:a16="http://schemas.microsoft.com/office/drawing/2014/main" id="{8364F89D-F8DC-6482-FF7B-CB2E0773A04F}"/>
-              </a:ext>
-            </a:extLst>
-          </p:cNvPr>
+          <p:cNvPr id="5" name="TextBox 4"/>
           <p:cNvSpPr txBox="1"/>
           <p:nvPr/>
         </p:nvSpPr>
@@ -3488,11 +3044,6 @@
         </p:txBody>
       </p:sp>
     </p:spTree>
-    <p:extLst>
-      <p:ext uri="{BB962C8B-B14F-4D97-AF65-F5344CB8AC3E}">
-        <p14:creationId xmlns:p14="http://schemas.microsoft.com/office/powerpoint/2010/main" val="1870670271"/>
-      </p:ext>
-    </p:extLst>
   </p:cSld>
   <p:clrMapOvr>
     <a:masterClrMapping/>
@@ -3519,13 +3070,7 @@
       </p:grpSpPr>
       <p:sp>
         <p:nvSpPr>
-          <p:cNvPr id="2" name="Title 1">
-            <a:extLst>
-              <a:ext uri="{FF2B5EF4-FFF2-40B4-BE49-F238E27FC236}">
-                <a16:creationId xmlns:a16="http://schemas.microsoft.com/office/drawing/2014/main" id="{290B4422-890A-4ACF-BA33-FE39F4EAEF58}"/>
-              </a:ext>
-            </a:extLst>
-          </p:cNvPr>
+          <p:cNvPr id="2" name="Title 1"/>
           <p:cNvSpPr>
             <a:spLocks noGrp="1"/>
           </p:cNvSpPr>
@@ -3558,11 +3103,6 @@
         </p:txBody>
       </p:sp>
     </p:spTree>
-    <p:extLst>
-      <p:ext uri="{BB962C8B-B14F-4D97-AF65-F5344CB8AC3E}">
-        <p14:creationId xmlns:p14="http://schemas.microsoft.com/office/powerpoint/2010/main" val="1146267088"/>
-      </p:ext>
-    </p:extLst>
   </p:cSld>
   <p:clrMapOvr>
     <a:masterClrMapping/>
@@ -3589,13 +3129,7 @@
       </p:grpSpPr>
       <p:sp>
         <p:nvSpPr>
-          <p:cNvPr id="2" name="Title 1">
-            <a:extLst>
-              <a:ext uri="{FF2B5EF4-FFF2-40B4-BE49-F238E27FC236}">
-                <a16:creationId xmlns:a16="http://schemas.microsoft.com/office/drawing/2014/main" id="{290B4422-890A-4ACF-BA33-FE39F4EAEF58}"/>
-              </a:ext>
-            </a:extLst>
-          </p:cNvPr>
+          <p:cNvPr id="2" name="Title 1"/>
           <p:cNvSpPr>
             <a:spLocks noGrp="1"/>
           </p:cNvSpPr>
@@ -3629,13 +3163,7 @@
       </p:sp>
       <p:sp>
         <p:nvSpPr>
-          <p:cNvPr id="3" name="TextBox 2">
-            <a:extLst>
-              <a:ext uri="{FF2B5EF4-FFF2-40B4-BE49-F238E27FC236}">
-                <a16:creationId xmlns:a16="http://schemas.microsoft.com/office/drawing/2014/main" id="{4D1C98AB-98A7-D877-475F-F0D2ACC1DE01}"/>
-              </a:ext>
-            </a:extLst>
-          </p:cNvPr>
+          <p:cNvPr id="3" name="TextBox 2"/>
           <p:cNvSpPr txBox="1"/>
           <p:nvPr/>
         </p:nvSpPr>
@@ -3659,6 +3187,7 @@
               <a:rPr lang="en-US" altLang="zh-CN" dirty="0"/>
               <a:t>Login/Registration Panel</a:t>
             </a:r>
+            <a:endParaRPr lang="en-US" altLang="zh-CN" dirty="0"/>
           </a:p>
           <a:p>
             <a:r>
@@ -3670,11 +3199,6 @@
         </p:txBody>
       </p:sp>
     </p:spTree>
-    <p:extLst>
-      <p:ext uri="{BB962C8B-B14F-4D97-AF65-F5344CB8AC3E}">
-        <p14:creationId xmlns:p14="http://schemas.microsoft.com/office/powerpoint/2010/main" val="367874768"/>
-      </p:ext>
-    </p:extLst>
   </p:cSld>
   <p:clrMapOvr>
     <a:masterClrMapping/>
@@ -3701,19 +3225,13 @@
       </p:grpSpPr>
       <p:sp>
         <p:nvSpPr>
-          <p:cNvPr id="4" name="Rectangle: Rounded Corners 3">
-            <a:extLst>
-              <a:ext uri="{FF2B5EF4-FFF2-40B4-BE49-F238E27FC236}">
-                <a16:creationId xmlns:a16="http://schemas.microsoft.com/office/drawing/2014/main" id="{85FE837D-E5DB-5919-FE04-44BF5226CA28}"/>
-              </a:ext>
-            </a:extLst>
-          </p:cNvPr>
+          <p:cNvPr id="4" name="Rectangle: Rounded Corners 3"/>
           <p:cNvSpPr/>
           <p:nvPr/>
         </p:nvSpPr>
         <p:spPr>
           <a:xfrm>
-            <a:off x="498266" y="947358"/>
+            <a:off x="840531" y="947358"/>
             <a:ext cx="5130496" cy="5650558"/>
           </a:xfrm>
           <a:prstGeom prst="roundRect">
@@ -3755,13 +3273,7 @@
       </p:sp>
       <p:sp>
         <p:nvSpPr>
-          <p:cNvPr id="2" name="Title 1">
-            <a:extLst>
-              <a:ext uri="{FF2B5EF4-FFF2-40B4-BE49-F238E27FC236}">
-                <a16:creationId xmlns:a16="http://schemas.microsoft.com/office/drawing/2014/main" id="{290B4422-890A-4ACF-BA33-FE39F4EAEF58}"/>
-              </a:ext>
-            </a:extLst>
-          </p:cNvPr>
+          <p:cNvPr id="2" name="Title 1"/>
           <p:cNvSpPr>
             <a:spLocks noGrp="1"/>
           </p:cNvSpPr>
@@ -3771,8 +3283,8 @@
         </p:nvSpPr>
         <p:spPr>
           <a:xfrm>
-            <a:off x="1392589" y="0"/>
-            <a:ext cx="9144000" cy="947357"/>
+            <a:off x="1158875" y="0"/>
+            <a:ext cx="9874885" cy="947420"/>
           </a:xfrm>
         </p:spPr>
         <p:txBody>
@@ -3791,19 +3303,13 @@
       </p:sp>
       <p:sp>
         <p:nvSpPr>
-          <p:cNvPr id="3" name="TextBox 2">
-            <a:extLst>
-              <a:ext uri="{FF2B5EF4-FFF2-40B4-BE49-F238E27FC236}">
-                <a16:creationId xmlns:a16="http://schemas.microsoft.com/office/drawing/2014/main" id="{17463EC7-20E1-9D15-BD5D-054D0462CA79}"/>
-              </a:ext>
-            </a:extLst>
-          </p:cNvPr>
+          <p:cNvPr id="3" name="TextBox 2"/>
           <p:cNvSpPr txBox="1"/>
           <p:nvPr/>
         </p:nvSpPr>
         <p:spPr>
           <a:xfrm>
-            <a:off x="665267" y="5161123"/>
+            <a:off x="1007532" y="5161123"/>
             <a:ext cx="4796494" cy="1200329"/>
           </a:xfrm>
           <a:prstGeom prst="rect">
@@ -3818,7 +3324,7 @@
           <a:lstStyle/>
           <a:p>
             <a:pPr marL="285750" indent="-285750">
-              <a:buFont typeface="Arial" panose="020B0604020202020204" pitchFamily="34" charset="0"/>
+              <a:buFont typeface="Arial" panose="020B0604020202090204" pitchFamily="34" charset="0"/>
               <a:buChar char="•"/>
             </a:pPr>
             <a:r>
@@ -3829,10 +3335,15 @@
               </a:rPr>
               <a:t>Using API Gateway to pass the photos directly to a S3 bucket</a:t>
             </a:r>
+            <a:endParaRPr lang="en-US" altLang="zh-CN" sz="1200" dirty="0">
+              <a:solidFill>
+                <a:schemeClr val="bg1"/>
+              </a:solidFill>
+            </a:endParaRPr>
           </a:p>
           <a:p>
             <a:pPr marL="285750" indent="-285750">
-              <a:buFont typeface="Arial" panose="020B0604020202020204" pitchFamily="34" charset="0"/>
+              <a:buFont typeface="Arial" panose="020B0604020202090204" pitchFamily="34" charset="0"/>
               <a:buChar char="•"/>
             </a:pPr>
             <a:r>
@@ -3843,10 +3354,15 @@
               </a:rPr>
               <a:t>Using a Lambda Function to add the donation information to DynamoDB and OpenSearch.</a:t>
             </a:r>
+            <a:endParaRPr lang="en-US" altLang="zh-CN" sz="1200" dirty="0">
+              <a:solidFill>
+                <a:schemeClr val="bg1"/>
+              </a:solidFill>
+            </a:endParaRPr>
           </a:p>
           <a:p>
             <a:pPr marL="285750" indent="-285750">
-              <a:buFont typeface="Arial" panose="020B0604020202020204" pitchFamily="34" charset="0"/>
+              <a:buFont typeface="Arial" panose="020B0604020202090204" pitchFamily="34" charset="0"/>
               <a:buChar char="•"/>
             </a:pPr>
             <a:r>
@@ -3883,20 +3399,14 @@
       </p:sp>
       <p:pic>
         <p:nvPicPr>
-          <p:cNvPr id="6" name="Picture 5">
-            <a:extLst>
-              <a:ext uri="{FF2B5EF4-FFF2-40B4-BE49-F238E27FC236}">
-                <a16:creationId xmlns:a16="http://schemas.microsoft.com/office/drawing/2014/main" id="{CBDFCF6D-DC62-DED4-F273-DB87B144859F}"/>
-              </a:ext>
-            </a:extLst>
-          </p:cNvPr>
+          <p:cNvPr id="6" name="Picture 5"/>
           <p:cNvPicPr>
             <a:picLocks noChangeAspect="1"/>
           </p:cNvPicPr>
           <p:nvPr/>
         </p:nvPicPr>
         <p:blipFill>
-          <a:blip r:embed="rId2">
+          <a:blip r:embed="rId1">
             <a:extLst>
               <a:ext uri="{28A0092B-C50C-407E-A947-70E740481C1C}">
                 <a14:useLocalDpi xmlns:a14="http://schemas.microsoft.com/office/drawing/2010/main" val="0"/>
@@ -3909,7 +3419,7 @@
         </p:blipFill>
         <p:spPr>
           <a:xfrm>
-            <a:off x="1486222" y="1919401"/>
+            <a:off x="1734507" y="1918131"/>
             <a:ext cx="2968417" cy="3096309"/>
           </a:xfrm>
           <a:prstGeom prst="rect">
@@ -3919,19 +3429,13 @@
       </p:pic>
       <p:sp>
         <p:nvSpPr>
-          <p:cNvPr id="7" name="TextBox 6">
-            <a:extLst>
-              <a:ext uri="{FF2B5EF4-FFF2-40B4-BE49-F238E27FC236}">
-                <a16:creationId xmlns:a16="http://schemas.microsoft.com/office/drawing/2014/main" id="{A379F5CD-A9D7-C52E-B67E-BFF5FD9A84F1}"/>
-              </a:ext>
-            </a:extLst>
-          </p:cNvPr>
+          <p:cNvPr id="7" name="TextBox 6"/>
           <p:cNvSpPr txBox="1"/>
           <p:nvPr/>
         </p:nvSpPr>
         <p:spPr>
           <a:xfrm>
-            <a:off x="2427449" y="1226423"/>
+            <a:off x="2281399" y="1087358"/>
             <a:ext cx="2248585" cy="830997"/>
           </a:xfrm>
           <a:prstGeom prst="rect">
@@ -3974,19 +3478,13 @@
       </p:sp>
       <p:sp>
         <p:nvSpPr>
-          <p:cNvPr id="8" name="Rectangle: Rounded Corners 7">
-            <a:extLst>
-              <a:ext uri="{FF2B5EF4-FFF2-40B4-BE49-F238E27FC236}">
-                <a16:creationId xmlns:a16="http://schemas.microsoft.com/office/drawing/2014/main" id="{CFC3787D-EC5F-B46B-D4C4-67B2E2632532}"/>
-              </a:ext>
-            </a:extLst>
-          </p:cNvPr>
+          <p:cNvPr id="8" name="Rectangle: Rounded Corners 7"/>
           <p:cNvSpPr/>
           <p:nvPr/>
         </p:nvSpPr>
         <p:spPr>
           <a:xfrm>
-            <a:off x="5964589" y="947358"/>
+            <a:off x="6306854" y="947358"/>
             <a:ext cx="5130496" cy="5650558"/>
           </a:xfrm>
           <a:prstGeom prst="roundRect">
@@ -4028,19 +3526,13 @@
       </p:sp>
       <p:sp>
         <p:nvSpPr>
-          <p:cNvPr id="9" name="TextBox 8">
-            <a:extLst>
-              <a:ext uri="{FF2B5EF4-FFF2-40B4-BE49-F238E27FC236}">
-                <a16:creationId xmlns:a16="http://schemas.microsoft.com/office/drawing/2014/main" id="{FB81A955-D5FD-E977-60EE-1C648DE151B6}"/>
-              </a:ext>
-            </a:extLst>
-          </p:cNvPr>
+          <p:cNvPr id="9" name="TextBox 8"/>
           <p:cNvSpPr txBox="1"/>
           <p:nvPr/>
         </p:nvSpPr>
         <p:spPr>
           <a:xfrm>
-            <a:off x="7622738" y="1274790"/>
+            <a:off x="7965003" y="1274790"/>
             <a:ext cx="1822412" cy="830997"/>
           </a:xfrm>
           <a:prstGeom prst="rect">
@@ -4073,11 +3565,6 @@
         </p:txBody>
       </p:sp>
     </p:spTree>
-    <p:extLst>
-      <p:ext uri="{BB962C8B-B14F-4D97-AF65-F5344CB8AC3E}">
-        <p14:creationId xmlns:p14="http://schemas.microsoft.com/office/powerpoint/2010/main" val="17305869"/>
-      </p:ext>
-    </p:extLst>
   </p:cSld>
   <p:clrMapOvr>
     <a:masterClrMapping/>
@@ -4104,13 +3591,7 @@
       </p:grpSpPr>
       <p:sp>
         <p:nvSpPr>
-          <p:cNvPr id="2" name="Title 1">
-            <a:extLst>
-              <a:ext uri="{FF2B5EF4-FFF2-40B4-BE49-F238E27FC236}">
-                <a16:creationId xmlns:a16="http://schemas.microsoft.com/office/drawing/2014/main" id="{290B4422-890A-4ACF-BA33-FE39F4EAEF58}"/>
-              </a:ext>
-            </a:extLst>
-          </p:cNvPr>
+          <p:cNvPr id="2" name="Title 1"/>
           <p:cNvSpPr>
             <a:spLocks noGrp="1"/>
           </p:cNvSpPr>
@@ -4142,12 +3623,304 @@
           </a:p>
         </p:txBody>
       </p:sp>
+      <p:sp>
+        <p:nvSpPr>
+          <p:cNvPr id="8" name="Rectangle: Rounded Corners 7"/>
+          <p:cNvSpPr/>
+          <p:nvPr/>
+        </p:nvSpPr>
+        <p:spPr>
+          <a:xfrm>
+            <a:off x="1172879" y="947358"/>
+            <a:ext cx="5130496" cy="5650558"/>
+          </a:xfrm>
+          <a:prstGeom prst="roundRect">
+            <a:avLst/>
+          </a:prstGeom>
+          <a:solidFill>
+            <a:schemeClr val="accent1">
+              <a:lumMod val="75000"/>
+            </a:schemeClr>
+          </a:solidFill>
+          <a:ln>
+            <a:noFill/>
+          </a:ln>
+        </p:spPr>
+        <p:style>
+          <a:lnRef idx="2">
+            <a:schemeClr val="accent1">
+              <a:shade val="50000"/>
+            </a:schemeClr>
+          </a:lnRef>
+          <a:fillRef idx="1">
+            <a:schemeClr val="accent1"/>
+          </a:fillRef>
+          <a:effectRef idx="0">
+            <a:schemeClr val="accent1"/>
+          </a:effectRef>
+          <a:fontRef idx="minor">
+            <a:schemeClr val="lt1"/>
+          </a:fontRef>
+        </p:style>
+        <p:txBody>
+          <a:bodyPr rtlCol="0" anchor="ctr"/>
+          <a:p>
+            <a:pPr algn="ctr"/>
+            <a:endParaRPr lang="zh-CN" altLang="en-US"/>
+          </a:p>
+        </p:txBody>
+      </p:sp>
+      <p:sp>
+        <p:nvSpPr>
+          <p:cNvPr id="9" name="TextBox 8"/>
+          <p:cNvSpPr txBox="1"/>
+          <p:nvPr/>
+        </p:nvSpPr>
+        <p:spPr>
+          <a:xfrm>
+            <a:off x="2827218" y="1095720"/>
+            <a:ext cx="1822412" cy="829945"/>
+          </a:xfrm>
+          <a:prstGeom prst="rect">
+            <a:avLst/>
+          </a:prstGeom>
+          <a:noFill/>
+        </p:spPr>
+        <p:txBody>
+          <a:bodyPr wrap="square" rtlCol="0">
+            <a:spAutoFit/>
+          </a:bodyPr>
+          <a:p>
+            <a:r>
+              <a:rPr lang="en-US" altLang="zh-CN" sz="2400" dirty="0">
+                <a:solidFill>
+                  <a:schemeClr val="bg1"/>
+                </a:solidFill>
+                <a:latin typeface="Arial Black" panose="020B0A04020102020204" pitchFamily="34" charset="0"/>
+              </a:rPr>
+              <a:t>Search-Zhenrui</a:t>
+            </a:r>
+            <a:endParaRPr lang="zh-CN" altLang="en-US" sz="2400" dirty="0">
+              <a:solidFill>
+                <a:schemeClr val="bg1"/>
+              </a:solidFill>
+              <a:latin typeface="Arial Black" panose="020B0A04020102020204" pitchFamily="34" charset="0"/>
+            </a:endParaRPr>
+          </a:p>
+        </p:txBody>
+      </p:sp>
+      <p:sp>
+        <p:nvSpPr>
+          <p:cNvPr id="3" name="Text Box 2"/>
+          <p:cNvSpPr txBox="1"/>
+          <p:nvPr/>
+        </p:nvSpPr>
+        <p:spPr>
+          <a:xfrm>
+            <a:off x="3890645" y="1998345"/>
+            <a:ext cx="2199640" cy="3969385"/>
+          </a:xfrm>
+          <a:prstGeom prst="rect">
+            <a:avLst/>
+          </a:prstGeom>
+          <a:noFill/>
+        </p:spPr>
+        <p:txBody>
+          <a:bodyPr wrap="square" rtlCol="0" anchor="t">
+            <a:spAutoFit/>
+          </a:bodyPr>
+          <a:p>
+            <a:pPr marL="285750" indent="-285750">
+              <a:buFont typeface="Arial" panose="020B0604020202090204" pitchFamily="34" charset="0"/>
+              <a:buChar char="•"/>
+            </a:pPr>
+            <a:r>
+              <a:rPr lang="en-US" altLang="zh-CN" sz="1200" dirty="0">
+                <a:solidFill>
+                  <a:schemeClr val="bg1"/>
+                </a:solidFill>
+                <a:sym typeface="+mn-ea"/>
+              </a:rPr>
+              <a:t>Using API Gateway to pass the query infomation from frontend input to lambda function</a:t>
+            </a:r>
+            <a:endParaRPr lang="en-US" altLang="zh-CN" sz="1200" dirty="0">
+              <a:solidFill>
+                <a:schemeClr val="bg1"/>
+              </a:solidFill>
+              <a:sym typeface="+mn-ea"/>
+            </a:endParaRPr>
+          </a:p>
+          <a:p>
+            <a:pPr marL="285750" indent="-285750">
+              <a:buFont typeface="Arial" panose="020B0604020202090204" pitchFamily="34" charset="0"/>
+              <a:buChar char="•"/>
+            </a:pPr>
+            <a:endParaRPr lang="en-US" altLang="zh-CN" sz="1200" dirty="0">
+              <a:solidFill>
+                <a:schemeClr val="bg1"/>
+              </a:solidFill>
+              <a:sym typeface="+mn-ea"/>
+            </a:endParaRPr>
+          </a:p>
+          <a:p>
+            <a:pPr marL="285750" indent="-285750">
+              <a:buFont typeface="Arial" panose="020B0604020202090204" pitchFamily="34" charset="0"/>
+              <a:buChar char="•"/>
+            </a:pPr>
+            <a:r>
+              <a:rPr lang="en-US" altLang="zh-CN" sz="1200" dirty="0">
+                <a:solidFill>
+                  <a:schemeClr val="bg1"/>
+                </a:solidFill>
+                <a:sym typeface="+mn-ea"/>
+              </a:rPr>
+              <a:t>Using a lambda function to query corrsponding available donation books ftom DynamoDB through OpenSearch.</a:t>
+            </a:r>
+            <a:endParaRPr lang="en-US" altLang="zh-CN" sz="1200" dirty="0">
+              <a:solidFill>
+                <a:schemeClr val="bg1"/>
+              </a:solidFill>
+              <a:sym typeface="+mn-ea"/>
+            </a:endParaRPr>
+          </a:p>
+          <a:p>
+            <a:pPr marL="285750" indent="-285750">
+              <a:buFont typeface="Arial" panose="020B0604020202090204" pitchFamily="34" charset="0"/>
+              <a:buChar char="•"/>
+            </a:pPr>
+            <a:endParaRPr lang="en-US" altLang="zh-CN" sz="1200" dirty="0">
+              <a:solidFill>
+                <a:schemeClr val="bg1"/>
+              </a:solidFill>
+              <a:sym typeface="+mn-ea"/>
+            </a:endParaRPr>
+          </a:p>
+          <a:p>
+            <a:pPr marL="285750" indent="-285750">
+              <a:buFont typeface="Arial" panose="020B0604020202090204" pitchFamily="34" charset="0"/>
+              <a:buChar char="•"/>
+            </a:pPr>
+            <a:r>
+              <a:rPr lang="en-US" altLang="zh-CN" sz="1200" dirty="0">
+                <a:solidFill>
+                  <a:schemeClr val="bg1"/>
+                </a:solidFill>
+                <a:sym typeface="+mn-ea"/>
+              </a:rPr>
+              <a:t>The lambda function also automatically get the book cover by using Open Library API</a:t>
+            </a:r>
+            <a:endParaRPr lang="en-US" altLang="zh-CN" sz="1200" dirty="0">
+              <a:solidFill>
+                <a:schemeClr val="bg1"/>
+              </a:solidFill>
+              <a:sym typeface="+mn-ea"/>
+            </a:endParaRPr>
+          </a:p>
+          <a:p>
+            <a:pPr marL="285750" indent="-285750">
+              <a:buFont typeface="Arial" panose="020B0604020202090204" pitchFamily="34" charset="0"/>
+              <a:buChar char="•"/>
+            </a:pPr>
+            <a:endParaRPr lang="en-US" sz="1200">
+              <a:solidFill>
+                <a:schemeClr val="bg1"/>
+              </a:solidFill>
+            </a:endParaRPr>
+          </a:p>
+          <a:p>
+            <a:pPr marL="285750" indent="-285750">
+              <a:buFont typeface="Arial" panose="020B0604020202090204" pitchFamily="34" charset="0"/>
+              <a:buChar char="•"/>
+            </a:pPr>
+            <a:r>
+              <a:rPr lang="en-US" sz="1200">
+                <a:solidFill>
+                  <a:schemeClr val="bg1"/>
+                </a:solidFill>
+              </a:rPr>
+              <a:t>Frontend get the response from the image and display it under the search bar</a:t>
+            </a:r>
+            <a:endParaRPr lang="en-US" sz="1200">
+              <a:solidFill>
+                <a:schemeClr val="bg1"/>
+              </a:solidFill>
+            </a:endParaRPr>
+          </a:p>
+        </p:txBody>
+      </p:sp>
+      <p:pic>
+        <p:nvPicPr>
+          <p:cNvPr id="4" name="Picture 3" descr="SearchService.drawio"/>
+          <p:cNvPicPr>
+            <a:picLocks noChangeAspect="1"/>
+          </p:cNvPicPr>
+          <p:nvPr/>
+        </p:nvPicPr>
+        <p:blipFill>
+          <a:blip r:embed="rId1"/>
+          <a:stretch>
+            <a:fillRect/>
+          </a:stretch>
+        </p:blipFill>
+        <p:spPr>
+          <a:xfrm>
+            <a:off x="1422400" y="1925955"/>
+            <a:ext cx="2468245" cy="4332605"/>
+          </a:xfrm>
+          <a:prstGeom prst="rect">
+            <a:avLst/>
+          </a:prstGeom>
+        </p:spPr>
+      </p:pic>
+      <p:pic>
+        <p:nvPicPr>
+          <p:cNvPr id="5" name="Picture 4"/>
+          <p:cNvPicPr>
+            <a:picLocks noChangeAspect="1"/>
+          </p:cNvPicPr>
+          <p:nvPr/>
+        </p:nvPicPr>
+        <p:blipFill>
+          <a:blip r:embed="rId2"/>
+          <a:stretch>
+            <a:fillRect/>
+          </a:stretch>
+        </p:blipFill>
+        <p:spPr>
+          <a:xfrm>
+            <a:off x="6726555" y="1096010"/>
+            <a:ext cx="4578350" cy="1983740"/>
+          </a:xfrm>
+          <a:prstGeom prst="rect">
+            <a:avLst/>
+          </a:prstGeom>
+        </p:spPr>
+      </p:pic>
+      <p:pic>
+        <p:nvPicPr>
+          <p:cNvPr id="6" name="Picture 5"/>
+          <p:cNvPicPr>
+            <a:picLocks noChangeAspect="1"/>
+          </p:cNvPicPr>
+          <p:nvPr/>
+        </p:nvPicPr>
+        <p:blipFill>
+          <a:blip r:embed="rId3"/>
+          <a:stretch>
+            <a:fillRect/>
+          </a:stretch>
+        </p:blipFill>
+        <p:spPr>
+          <a:xfrm>
+            <a:off x="6726555" y="3719195"/>
+            <a:ext cx="4576445" cy="2248535"/>
+          </a:xfrm>
+          <a:prstGeom prst="rect">
+            <a:avLst/>
+          </a:prstGeom>
+        </p:spPr>
+      </p:pic>
     </p:spTree>
-    <p:extLst>
-      <p:ext uri="{BB962C8B-B14F-4D97-AF65-F5344CB8AC3E}">
-        <p14:creationId xmlns:p14="http://schemas.microsoft.com/office/powerpoint/2010/main" val="3465263031"/>
-      </p:ext>
-    </p:extLst>
   </p:cSld>
   <p:clrMapOvr>
     <a:masterClrMapping/>
@@ -4174,13 +3947,7 @@
       </p:grpSpPr>
       <p:sp>
         <p:nvSpPr>
-          <p:cNvPr id="2" name="Title 1">
-            <a:extLst>
-              <a:ext uri="{FF2B5EF4-FFF2-40B4-BE49-F238E27FC236}">
-                <a16:creationId xmlns:a16="http://schemas.microsoft.com/office/drawing/2014/main" id="{290B4422-890A-4ACF-BA33-FE39F4EAEF58}"/>
-              </a:ext>
-            </a:extLst>
-          </p:cNvPr>
+          <p:cNvPr id="2" name="Title 1"/>
           <p:cNvSpPr>
             <a:spLocks noGrp="1"/>
           </p:cNvSpPr>
@@ -4217,11 +3984,6 @@
         </p:txBody>
       </p:sp>
     </p:spTree>
-    <p:extLst>
-      <p:ext uri="{BB962C8B-B14F-4D97-AF65-F5344CB8AC3E}">
-        <p14:creationId xmlns:p14="http://schemas.microsoft.com/office/powerpoint/2010/main" val="4123721389"/>
-      </p:ext>
-    </p:extLst>
   </p:cSld>
   <p:clrMapOvr>
     <a:masterClrMapping/>
@@ -4248,13 +4010,7 @@
       </p:grpSpPr>
       <p:sp>
         <p:nvSpPr>
-          <p:cNvPr id="2" name="Title 1">
-            <a:extLst>
-              <a:ext uri="{FF2B5EF4-FFF2-40B4-BE49-F238E27FC236}">
-                <a16:creationId xmlns:a16="http://schemas.microsoft.com/office/drawing/2014/main" id="{290B4422-890A-4ACF-BA33-FE39F4EAEF58}"/>
-              </a:ext>
-            </a:extLst>
-          </p:cNvPr>
+          <p:cNvPr id="2" name="Title 1"/>
           <p:cNvSpPr>
             <a:spLocks noGrp="1"/>
           </p:cNvSpPr>
@@ -4288,13 +4044,7 @@
       </p:sp>
       <p:sp>
         <p:nvSpPr>
-          <p:cNvPr id="3" name="TextBox 2">
-            <a:extLst>
-              <a:ext uri="{FF2B5EF4-FFF2-40B4-BE49-F238E27FC236}">
-                <a16:creationId xmlns:a16="http://schemas.microsoft.com/office/drawing/2014/main" id="{4FDAB2DD-1894-2C1D-36C0-D6CBC2D59FFE}"/>
-              </a:ext>
-            </a:extLst>
-          </p:cNvPr>
+          <p:cNvPr id="3" name="TextBox 2"/>
           <p:cNvSpPr txBox="1"/>
           <p:nvPr/>
         </p:nvSpPr>
@@ -4318,12 +4068,14 @@
               <a:rPr lang="en-US" altLang="zh-CN" dirty="0"/>
               <a:t>Although we can link user’s account and their information directly in Cognito (which is convenient and good for keeping user’s information secure!), we decided to use DynamoDB to store the users’ non-sensitive information, rather than storing them in Cognito.</a:t>
             </a:r>
+            <a:endParaRPr lang="en-US" altLang="zh-CN" dirty="0"/>
           </a:p>
           <a:p>
             <a:r>
               <a:rPr lang="en-US" altLang="zh-CN" sz="1400" dirty="0"/>
               <a:t>-   The attributes stored in Cognito has to be key-value(string) pair, not good for complicated data structures.</a:t>
             </a:r>
+            <a:endParaRPr lang="en-US" altLang="zh-CN" sz="1400" dirty="0"/>
           </a:p>
           <a:p>
             <a:pPr marL="285750" indent="-285750">
@@ -4334,6 +4086,7 @@
               <a:rPr lang="en-US" altLang="zh-CN" sz="1400" dirty="0"/>
               <a:t>We need to store many users’ requested/donate books, this list could be large and Cognito is not scalable as the DynamoDB.</a:t>
             </a:r>
+            <a:endParaRPr lang="en-US" altLang="zh-CN" sz="1400" dirty="0"/>
           </a:p>
           <a:p>
             <a:pPr marL="285750" indent="-285750">
@@ -4344,6 +4097,7 @@
               <a:rPr lang="en-US" altLang="zh-CN" sz="1400" dirty="0"/>
               <a:t>The DynamoDB can handle query much more efficient than Cognito</a:t>
             </a:r>
+            <a:endParaRPr lang="en-US" altLang="zh-CN" sz="1400" dirty="0"/>
           </a:p>
           <a:p>
             <a:pPr marL="285750" indent="-285750">
@@ -4354,15 +4108,11 @@
               <a:rPr lang="en-US" altLang="zh-CN" sz="1400" dirty="0"/>
               <a:t>We realized this is the pattern often done in the industry after searching the online information</a:t>
             </a:r>
+            <a:endParaRPr lang="en-US" altLang="zh-CN" sz="1400" dirty="0"/>
           </a:p>
         </p:txBody>
       </p:sp>
     </p:spTree>
-    <p:extLst>
-      <p:ext uri="{BB962C8B-B14F-4D97-AF65-F5344CB8AC3E}">
-        <p14:creationId xmlns:p14="http://schemas.microsoft.com/office/powerpoint/2010/main" val="601453579"/>
-      </p:ext>
-    </p:extLst>
   </p:cSld>
   <p:clrMapOvr>
     <a:masterClrMapping/>
@@ -4413,7 +4163,7 @@
     </a:clrScheme>
     <a:fontScheme name="Office">
       <a:majorFont>
-        <a:latin typeface="等线 Light" panose="020F0302020204030204"/>
+        <a:latin typeface="等线 Light"/>
         <a:ea typeface=""/>
         <a:cs typeface=""/>
         <a:font script="Jpan" typeface="游ゴシック Light"/>
@@ -4446,26 +4196,9 @@
         <a:font script="Viet" typeface="Times New Roman"/>
         <a:font script="Uigh" typeface="Microsoft Uighur"/>
         <a:font script="Geor" typeface="Sylfaen"/>
-        <a:font script="Armn" typeface="Arial"/>
-        <a:font script="Bugi" typeface="Leelawadee UI"/>
-        <a:font script="Bopo" typeface="Microsoft JhengHei"/>
-        <a:font script="Java" typeface="Javanese Text"/>
-        <a:font script="Lisu" typeface="Segoe UI"/>
-        <a:font script="Mymr" typeface="Myanmar Text"/>
-        <a:font script="Nkoo" typeface="Ebrima"/>
-        <a:font script="Olck" typeface="Nirmala UI"/>
-        <a:font script="Osma" typeface="Ebrima"/>
-        <a:font script="Phag" typeface="Phagspa"/>
-        <a:font script="Syrn" typeface="Estrangelo Edessa"/>
-        <a:font script="Syrj" typeface="Estrangelo Edessa"/>
-        <a:font script="Syre" typeface="Estrangelo Edessa"/>
-        <a:font script="Sora" typeface="Nirmala UI"/>
-        <a:font script="Tale" typeface="Microsoft Tai Le"/>
-        <a:font script="Talu" typeface="Microsoft New Tai Lue"/>
-        <a:font script="Tfng" typeface="Ebrima"/>
       </a:majorFont>
       <a:minorFont>
-        <a:latin typeface="等线" panose="020F0502020204030204"/>
+        <a:latin typeface="等线"/>
         <a:ea typeface=""/>
         <a:cs typeface=""/>
         <a:font script="Jpan" typeface="游ゴシック"/>
@@ -4498,23 +4231,6 @@
         <a:font script="Viet" typeface="Arial"/>
         <a:font script="Uigh" typeface="Microsoft Uighur"/>
         <a:font script="Geor" typeface="Sylfaen"/>
-        <a:font script="Armn" typeface="Arial"/>
-        <a:font script="Bugi" typeface="Leelawadee UI"/>
-        <a:font script="Bopo" typeface="Microsoft JhengHei"/>
-        <a:font script="Java" typeface="Javanese Text"/>
-        <a:font script="Lisu" typeface="Segoe UI"/>
-        <a:font script="Mymr" typeface="Myanmar Text"/>
-        <a:font script="Nkoo" typeface="Ebrima"/>
-        <a:font script="Olck" typeface="Nirmala UI"/>
-        <a:font script="Osma" typeface="Ebrima"/>
-        <a:font script="Phag" typeface="Phagspa"/>
-        <a:font script="Syrn" typeface="Estrangelo Edessa"/>
-        <a:font script="Syrj" typeface="Estrangelo Edessa"/>
-        <a:font script="Syre" typeface="Estrangelo Edessa"/>
-        <a:font script="Sora" typeface="Nirmala UI"/>
-        <a:font script="Tale" typeface="Microsoft Tai Le"/>
-        <a:font script="Talu" typeface="Microsoft New Tai Lue"/>
-        <a:font script="Tfng" typeface="Ebrima"/>
       </a:minorFont>
     </a:fontScheme>
     <a:fmtScheme name="Office">
@@ -4655,8 +4371,6 @@
       </a:bgFillStyleLst>
     </a:fmtScheme>
   </a:themeElements>
-  <a:objectDefaults/>
-  <a:extraClrSchemeLst/>
   <a:extLst>
     <a:ext uri="{05A4C25C-085E-4340-85A3-A5531E510DB2}">
       <thm15:themeFamily xmlns:thm15="http://schemas.microsoft.com/office/thememl/2012/main" name="Office Theme" id="{62F939B6-93AF-4DB8-9C6B-D6C7DFDC589F}" vid="{4A3C46E8-61CC-4603-A589-7422A47A8E4A}"/>

--- a/presentation-book-exchange.pptx
+++ b/presentation-book-exchange.pptx
@@ -2655,7 +2655,7 @@
         <a:spcBef>
           <a:spcPts val="1000"/>
         </a:spcBef>
-        <a:buFont typeface="Arial" panose="020B0604020202090204" pitchFamily="34" charset="0"/>
+        <a:buFont typeface="Arial" panose="020B0604020202020204" pitchFamily="34" charset="0"/>
         <a:buChar char="•"/>
         <a:defRPr sz="2800" kern="1200">
           <a:solidFill>
@@ -2673,7 +2673,7 @@
         <a:spcBef>
           <a:spcPts val="500"/>
         </a:spcBef>
-        <a:buFont typeface="Arial" panose="020B0604020202090204" pitchFamily="34" charset="0"/>
+        <a:buFont typeface="Arial" panose="020B0604020202020204" pitchFamily="34" charset="0"/>
         <a:buChar char="•"/>
         <a:defRPr sz="2400" kern="1200">
           <a:solidFill>
@@ -2691,7 +2691,7 @@
         <a:spcBef>
           <a:spcPts val="500"/>
         </a:spcBef>
-        <a:buFont typeface="Arial" panose="020B0604020202090204" pitchFamily="34" charset="0"/>
+        <a:buFont typeface="Arial" panose="020B0604020202020204" pitchFamily="34" charset="0"/>
         <a:buChar char="•"/>
         <a:defRPr sz="2000" kern="1200">
           <a:solidFill>
@@ -2709,7 +2709,7 @@
         <a:spcBef>
           <a:spcPts val="500"/>
         </a:spcBef>
-        <a:buFont typeface="Arial" panose="020B0604020202090204" pitchFamily="34" charset="0"/>
+        <a:buFont typeface="Arial" panose="020B0604020202020204" pitchFamily="34" charset="0"/>
         <a:buChar char="•"/>
         <a:defRPr sz="1800" kern="1200">
           <a:solidFill>
@@ -2727,7 +2727,7 @@
         <a:spcBef>
           <a:spcPts val="500"/>
         </a:spcBef>
-        <a:buFont typeface="Arial" panose="020B0604020202090204" pitchFamily="34" charset="0"/>
+        <a:buFont typeface="Arial" panose="020B0604020202020204" pitchFamily="34" charset="0"/>
         <a:buChar char="•"/>
         <a:defRPr sz="1800" kern="1200">
           <a:solidFill>
@@ -2745,7 +2745,7 @@
         <a:spcBef>
           <a:spcPts val="500"/>
         </a:spcBef>
-        <a:buFont typeface="Arial" panose="020B0604020202090204" pitchFamily="34" charset="0"/>
+        <a:buFont typeface="Arial" panose="020B0604020202020204" pitchFamily="34" charset="0"/>
         <a:buChar char="•"/>
         <a:defRPr sz="1800" kern="1200">
           <a:solidFill>
@@ -2763,7 +2763,7 @@
         <a:spcBef>
           <a:spcPts val="500"/>
         </a:spcBef>
-        <a:buFont typeface="Arial" panose="020B0604020202090204" pitchFamily="34" charset="0"/>
+        <a:buFont typeface="Arial" panose="020B0604020202020204" pitchFamily="34" charset="0"/>
         <a:buChar char="•"/>
         <a:defRPr sz="1800" kern="1200">
           <a:solidFill>
@@ -2781,7 +2781,7 @@
         <a:spcBef>
           <a:spcPts val="500"/>
         </a:spcBef>
-        <a:buFont typeface="Arial" panose="020B0604020202090204" pitchFamily="34" charset="0"/>
+        <a:buFont typeface="Arial" panose="020B0604020202020204" pitchFamily="34" charset="0"/>
         <a:buChar char="•"/>
         <a:defRPr sz="1800" kern="1200">
           <a:solidFill>
@@ -2799,7 +2799,7 @@
         <a:spcBef>
           <a:spcPts val="500"/>
         </a:spcBef>
-        <a:buFont typeface="Arial" panose="020B0604020202090204" pitchFamily="34" charset="0"/>
+        <a:buFont typeface="Arial" panose="020B0604020202020204" pitchFamily="34" charset="0"/>
         <a:buChar char="•"/>
         <a:defRPr sz="1800" kern="1200">
           <a:solidFill>
@@ -3324,7 +3324,7 @@
           <a:lstStyle/>
           <a:p>
             <a:pPr marL="285750" indent="-285750">
-              <a:buFont typeface="Arial" panose="020B0604020202090204" pitchFamily="34" charset="0"/>
+              <a:buFont typeface="Arial" panose="020B0604020202020204" pitchFamily="34" charset="0"/>
               <a:buChar char="•"/>
             </a:pPr>
             <a:r>
@@ -3343,7 +3343,7 @@
           </a:p>
           <a:p>
             <a:pPr marL="285750" indent="-285750">
-              <a:buFont typeface="Arial" panose="020B0604020202090204" pitchFamily="34" charset="0"/>
+              <a:buFont typeface="Arial" panose="020B0604020202020204" pitchFamily="34" charset="0"/>
               <a:buChar char="•"/>
             </a:pPr>
             <a:r>
@@ -3362,7 +3362,7 @@
           </a:p>
           <a:p>
             <a:pPr marL="285750" indent="-285750">
-              <a:buFont typeface="Arial" panose="020B0604020202090204" pitchFamily="34" charset="0"/>
+              <a:buFont typeface="Arial" panose="020B0604020202020204" pitchFamily="34" charset="0"/>
               <a:buChar char="•"/>
             </a:pPr>
             <a:r>
@@ -3731,7 +3731,7 @@
           </a:bodyPr>
           <a:p>
             <a:pPr marL="285750" indent="-285750">
-              <a:buFont typeface="Arial" panose="020B0604020202090204" pitchFamily="34" charset="0"/>
+              <a:buFont typeface="Arial" panose="020B0604020202020204" pitchFamily="34" charset="0"/>
               <a:buChar char="•"/>
             </a:pPr>
             <a:r>
@@ -3752,7 +3752,7 @@
           </a:p>
           <a:p>
             <a:pPr marL="285750" indent="-285750">
-              <a:buFont typeface="Arial" panose="020B0604020202090204" pitchFamily="34" charset="0"/>
+              <a:buFont typeface="Arial" panose="020B0604020202020204" pitchFamily="34" charset="0"/>
               <a:buChar char="•"/>
             </a:pPr>
             <a:endParaRPr lang="en-US" altLang="zh-CN" sz="1200" dirty="0">
@@ -3764,7 +3764,7 @@
           </a:p>
           <a:p>
             <a:pPr marL="285750" indent="-285750">
-              <a:buFont typeface="Arial" panose="020B0604020202090204" pitchFamily="34" charset="0"/>
+              <a:buFont typeface="Arial" panose="020B0604020202020204" pitchFamily="34" charset="0"/>
               <a:buChar char="•"/>
             </a:pPr>
             <a:r>
@@ -3785,7 +3785,7 @@
           </a:p>
           <a:p>
             <a:pPr marL="285750" indent="-285750">
-              <a:buFont typeface="Arial" panose="020B0604020202090204" pitchFamily="34" charset="0"/>
+              <a:buFont typeface="Arial" panose="020B0604020202020204" pitchFamily="34" charset="0"/>
               <a:buChar char="•"/>
             </a:pPr>
             <a:endParaRPr lang="en-US" altLang="zh-CN" sz="1200" dirty="0">
@@ -3797,7 +3797,7 @@
           </a:p>
           <a:p>
             <a:pPr marL="285750" indent="-285750">
-              <a:buFont typeface="Arial" panose="020B0604020202090204" pitchFamily="34" charset="0"/>
+              <a:buFont typeface="Arial" panose="020B0604020202020204" pitchFamily="34" charset="0"/>
               <a:buChar char="•"/>
             </a:pPr>
             <a:r>
@@ -3807,7 +3807,7 @@
                 </a:solidFill>
                 <a:sym typeface="+mn-ea"/>
               </a:rPr>
-              <a:t>The lambda function also automatically get the book cover by using Open Library API</a:t>
+              <a:t>The lambda function also automatically get the book cover by using Open Library API and upload pic from S3</a:t>
             </a:r>
             <a:endParaRPr lang="en-US" altLang="zh-CN" sz="1200" dirty="0">
               <a:solidFill>
@@ -3818,7 +3818,7 @@
           </a:p>
           <a:p>
             <a:pPr marL="285750" indent="-285750">
-              <a:buFont typeface="Arial" panose="020B0604020202090204" pitchFamily="34" charset="0"/>
+              <a:buFont typeface="Arial" panose="020B0604020202020204" pitchFamily="34" charset="0"/>
               <a:buChar char="•"/>
             </a:pPr>
             <a:endParaRPr lang="en-US" sz="1200">
@@ -3829,7 +3829,7 @@
           </a:p>
           <a:p>
             <a:pPr marL="285750" indent="-285750">
-              <a:buFont typeface="Arial" panose="020B0604020202090204" pitchFamily="34" charset="0"/>
+              <a:buFont typeface="Arial" panose="020B0604020202020204" pitchFamily="34" charset="0"/>
               <a:buChar char="•"/>
             </a:pPr>
             <a:r>
@@ -3850,7 +3850,7 @@
       </p:sp>
       <p:pic>
         <p:nvPicPr>
-          <p:cNvPr id="4" name="Picture 3" descr="SearchService.drawio"/>
+          <p:cNvPr id="5" name="Picture 4"/>
           <p:cNvPicPr>
             <a:picLocks noChangeAspect="1"/>
           </p:cNvPicPr>
@@ -3864,8 +3864,8 @@
         </p:blipFill>
         <p:spPr>
           <a:xfrm>
-            <a:off x="1422400" y="1925955"/>
-            <a:ext cx="2468245" cy="4332605"/>
+            <a:off x="6726555" y="1096010"/>
+            <a:ext cx="4578350" cy="1983740"/>
           </a:xfrm>
           <a:prstGeom prst="rect">
             <a:avLst/>
@@ -3874,7 +3874,7 @@
       </p:pic>
       <p:pic>
         <p:nvPicPr>
-          <p:cNvPr id="5" name="Picture 4"/>
+          <p:cNvPr id="6" name="Picture 5"/>
           <p:cNvPicPr>
             <a:picLocks noChangeAspect="1"/>
           </p:cNvPicPr>
@@ -3888,8 +3888,8 @@
         </p:blipFill>
         <p:spPr>
           <a:xfrm>
-            <a:off x="6726555" y="1096010"/>
-            <a:ext cx="4578350" cy="1983740"/>
+            <a:off x="6726555" y="3719195"/>
+            <a:ext cx="4576445" cy="2248535"/>
           </a:xfrm>
           <a:prstGeom prst="rect">
             <a:avLst/>
@@ -3898,7 +3898,7 @@
       </p:pic>
       <p:pic>
         <p:nvPicPr>
-          <p:cNvPr id="6" name="Picture 5"/>
+          <p:cNvPr id="11" name="Picture 10" descr="SearchService.drawio"/>
           <p:cNvPicPr>
             <a:picLocks noChangeAspect="1"/>
           </p:cNvPicPr>
@@ -3912,8 +3912,8 @@
         </p:blipFill>
         <p:spPr>
           <a:xfrm>
-            <a:off x="6726555" y="3719195"/>
-            <a:ext cx="4576445" cy="2248535"/>
+            <a:off x="1492885" y="2074545"/>
+            <a:ext cx="2397760" cy="3758565"/>
           </a:xfrm>
           <a:prstGeom prst="rect">
             <a:avLst/>

--- a/presentation-book-exchange.pptx
+++ b/presentation-book-exchange.pptx
@@ -22,15 +22,9 @@
     <p:embeddedFont>
       <p:font typeface="SimSun" panose="02010600030101010101" pitchFamily="2" charset="-122"/>
       <p:regular r:id="rId14"/>
-    </p:embeddedFont>
-    <p:embeddedFont>
-      <p:font typeface="Arial Black" panose="020B0A04020102020204" pitchFamily="34" charset="0"/>
       <p:bold r:id="rId15"/>
     </p:embeddedFont>
   </p:embeddedFontLst>
-  <p:custDataLst>
-    <p:tags r:id="rId16"/>
-  </p:custDataLst>
   <p:defaultTextStyle>
     <a:defPPr marR="0" lvl="0" algn="l" rtl="0">
       <a:lnSpc>
@@ -56,15 +50,15 @@
       <a:buClr>
         <a:srgbClr val="000000"/>
       </a:buClr>
-      <a:buFont typeface="Arial" panose="020B0604020202020204"/>
+      <a:buFont typeface="Arial" panose="020B0604020202090204"/>
       <a:defRPr sz="1400" b="0" i="0" u="none" strike="noStrike" cap="none">
         <a:solidFill>
           <a:srgbClr val="000000"/>
         </a:solidFill>
-        <a:latin typeface="Arial" panose="020B0604020202020204"/>
-        <a:ea typeface="Arial" panose="020B0604020202020204"/>
-        <a:cs typeface="Arial" panose="020B0604020202020204"/>
-        <a:sym typeface="Arial" panose="020B0604020202020204"/>
+        <a:latin typeface="Arial" panose="020B0604020202090204"/>
+        <a:ea typeface="Arial" panose="020B0604020202090204"/>
+        <a:cs typeface="Arial" panose="020B0604020202090204"/>
+        <a:sym typeface="Arial" panose="020B0604020202090204"/>
       </a:defRPr>
     </a:lvl1pPr>
     <a:lvl2pPr marR="0" lvl="1" algn="l" rtl="0">
@@ -80,15 +74,15 @@
       <a:buClr>
         <a:srgbClr val="000000"/>
       </a:buClr>
-      <a:buFont typeface="Arial" panose="020B0604020202020204"/>
+      <a:buFont typeface="Arial" panose="020B0604020202090204"/>
       <a:defRPr sz="1400" b="0" i="0" u="none" strike="noStrike" cap="none">
         <a:solidFill>
           <a:srgbClr val="000000"/>
         </a:solidFill>
-        <a:latin typeface="Arial" panose="020B0604020202020204"/>
-        <a:ea typeface="Arial" panose="020B0604020202020204"/>
-        <a:cs typeface="Arial" panose="020B0604020202020204"/>
-        <a:sym typeface="Arial" panose="020B0604020202020204"/>
+        <a:latin typeface="Arial" panose="020B0604020202090204"/>
+        <a:ea typeface="Arial" panose="020B0604020202090204"/>
+        <a:cs typeface="Arial" panose="020B0604020202090204"/>
+        <a:sym typeface="Arial" panose="020B0604020202090204"/>
       </a:defRPr>
     </a:lvl2pPr>
     <a:lvl3pPr marR="0" lvl="2" algn="l" rtl="0">
@@ -104,15 +98,15 @@
       <a:buClr>
         <a:srgbClr val="000000"/>
       </a:buClr>
-      <a:buFont typeface="Arial" panose="020B0604020202020204"/>
+      <a:buFont typeface="Arial" panose="020B0604020202090204"/>
       <a:defRPr sz="1400" b="0" i="0" u="none" strike="noStrike" cap="none">
         <a:solidFill>
           <a:srgbClr val="000000"/>
         </a:solidFill>
-        <a:latin typeface="Arial" panose="020B0604020202020204"/>
-        <a:ea typeface="Arial" panose="020B0604020202020204"/>
-        <a:cs typeface="Arial" panose="020B0604020202020204"/>
-        <a:sym typeface="Arial" panose="020B0604020202020204"/>
+        <a:latin typeface="Arial" panose="020B0604020202090204"/>
+        <a:ea typeface="Arial" panose="020B0604020202090204"/>
+        <a:cs typeface="Arial" panose="020B0604020202090204"/>
+        <a:sym typeface="Arial" panose="020B0604020202090204"/>
       </a:defRPr>
     </a:lvl3pPr>
     <a:lvl4pPr marR="0" lvl="3" algn="l" rtl="0">
@@ -128,15 +122,15 @@
       <a:buClr>
         <a:srgbClr val="000000"/>
       </a:buClr>
-      <a:buFont typeface="Arial" panose="020B0604020202020204"/>
+      <a:buFont typeface="Arial" panose="020B0604020202090204"/>
       <a:defRPr sz="1400" b="0" i="0" u="none" strike="noStrike" cap="none">
         <a:solidFill>
           <a:srgbClr val="000000"/>
         </a:solidFill>
-        <a:latin typeface="Arial" panose="020B0604020202020204"/>
-        <a:ea typeface="Arial" panose="020B0604020202020204"/>
-        <a:cs typeface="Arial" panose="020B0604020202020204"/>
-        <a:sym typeface="Arial" panose="020B0604020202020204"/>
+        <a:latin typeface="Arial" panose="020B0604020202090204"/>
+        <a:ea typeface="Arial" panose="020B0604020202090204"/>
+        <a:cs typeface="Arial" panose="020B0604020202090204"/>
+        <a:sym typeface="Arial" panose="020B0604020202090204"/>
       </a:defRPr>
     </a:lvl4pPr>
     <a:lvl5pPr marR="0" lvl="4" algn="l" rtl="0">
@@ -152,15 +146,15 @@
       <a:buClr>
         <a:srgbClr val="000000"/>
       </a:buClr>
-      <a:buFont typeface="Arial" panose="020B0604020202020204"/>
+      <a:buFont typeface="Arial" panose="020B0604020202090204"/>
       <a:defRPr sz="1400" b="0" i="0" u="none" strike="noStrike" cap="none">
         <a:solidFill>
           <a:srgbClr val="000000"/>
         </a:solidFill>
-        <a:latin typeface="Arial" panose="020B0604020202020204"/>
-        <a:ea typeface="Arial" panose="020B0604020202020204"/>
-        <a:cs typeface="Arial" panose="020B0604020202020204"/>
-        <a:sym typeface="Arial" panose="020B0604020202020204"/>
+        <a:latin typeface="Arial" panose="020B0604020202090204"/>
+        <a:ea typeface="Arial" panose="020B0604020202090204"/>
+        <a:cs typeface="Arial" panose="020B0604020202090204"/>
+        <a:sym typeface="Arial" panose="020B0604020202090204"/>
       </a:defRPr>
     </a:lvl5pPr>
     <a:lvl6pPr marR="0" lvl="5" algn="l" rtl="0">
@@ -176,15 +170,15 @@
       <a:buClr>
         <a:srgbClr val="000000"/>
       </a:buClr>
-      <a:buFont typeface="Arial" panose="020B0604020202020204"/>
+      <a:buFont typeface="Arial" panose="020B0604020202090204"/>
       <a:defRPr sz="1400" b="0" i="0" u="none" strike="noStrike" cap="none">
         <a:solidFill>
           <a:srgbClr val="000000"/>
         </a:solidFill>
-        <a:latin typeface="Arial" panose="020B0604020202020204"/>
-        <a:ea typeface="Arial" panose="020B0604020202020204"/>
-        <a:cs typeface="Arial" panose="020B0604020202020204"/>
-        <a:sym typeface="Arial" panose="020B0604020202020204"/>
+        <a:latin typeface="Arial" panose="020B0604020202090204"/>
+        <a:ea typeface="Arial" panose="020B0604020202090204"/>
+        <a:cs typeface="Arial" panose="020B0604020202090204"/>
+        <a:sym typeface="Arial" panose="020B0604020202090204"/>
       </a:defRPr>
     </a:lvl6pPr>
     <a:lvl7pPr marR="0" lvl="6" algn="l" rtl="0">
@@ -200,15 +194,15 @@
       <a:buClr>
         <a:srgbClr val="000000"/>
       </a:buClr>
-      <a:buFont typeface="Arial" panose="020B0604020202020204"/>
+      <a:buFont typeface="Arial" panose="020B0604020202090204"/>
       <a:defRPr sz="1400" b="0" i="0" u="none" strike="noStrike" cap="none">
         <a:solidFill>
           <a:srgbClr val="000000"/>
         </a:solidFill>
-        <a:latin typeface="Arial" panose="020B0604020202020204"/>
-        <a:ea typeface="Arial" panose="020B0604020202020204"/>
-        <a:cs typeface="Arial" panose="020B0604020202020204"/>
-        <a:sym typeface="Arial" panose="020B0604020202020204"/>
+        <a:latin typeface="Arial" panose="020B0604020202090204"/>
+        <a:ea typeface="Arial" panose="020B0604020202090204"/>
+        <a:cs typeface="Arial" panose="020B0604020202090204"/>
+        <a:sym typeface="Arial" panose="020B0604020202090204"/>
       </a:defRPr>
     </a:lvl7pPr>
     <a:lvl8pPr marR="0" lvl="7" algn="l" rtl="0">
@@ -224,15 +218,15 @@
       <a:buClr>
         <a:srgbClr val="000000"/>
       </a:buClr>
-      <a:buFont typeface="Arial" panose="020B0604020202020204"/>
+      <a:buFont typeface="Arial" panose="020B0604020202090204"/>
       <a:defRPr sz="1400" b="0" i="0" u="none" strike="noStrike" cap="none">
         <a:solidFill>
           <a:srgbClr val="000000"/>
         </a:solidFill>
-        <a:latin typeface="Arial" panose="020B0604020202020204"/>
-        <a:ea typeface="Arial" panose="020B0604020202020204"/>
-        <a:cs typeface="Arial" panose="020B0604020202020204"/>
-        <a:sym typeface="Arial" panose="020B0604020202020204"/>
+        <a:latin typeface="Arial" panose="020B0604020202090204"/>
+        <a:ea typeface="Arial" panose="020B0604020202090204"/>
+        <a:cs typeface="Arial" panose="020B0604020202090204"/>
+        <a:sym typeface="Arial" panose="020B0604020202090204"/>
       </a:defRPr>
     </a:lvl8pPr>
     <a:lvl9pPr marR="0" lvl="8" algn="l" rtl="0">
@@ -248,15 +242,15 @@
       <a:buClr>
         <a:srgbClr val="000000"/>
       </a:buClr>
-      <a:buFont typeface="Arial" panose="020B0604020202020204"/>
+      <a:buFont typeface="Arial" panose="020B0604020202090204"/>
       <a:defRPr sz="1400" b="0" i="0" u="none" strike="noStrike" cap="none">
         <a:solidFill>
           <a:srgbClr val="000000"/>
         </a:solidFill>
-        <a:latin typeface="Arial" panose="020B0604020202020204"/>
-        <a:ea typeface="Arial" panose="020B0604020202020204"/>
-        <a:cs typeface="Arial" panose="020B0604020202020204"/>
-        <a:sym typeface="Arial" panose="020B0604020202020204"/>
+        <a:latin typeface="Arial" panose="020B0604020202090204"/>
+        <a:ea typeface="Arial" panose="020B0604020202090204"/>
+        <a:cs typeface="Arial" panose="020B0604020202090204"/>
+        <a:sym typeface="Arial" panose="020B0604020202090204"/>
       </a:defRPr>
     </a:lvl9pPr>
   </p:defaultTextStyle>
@@ -330,10 +324,10 @@
                 <a:solidFill>
                   <a:srgbClr val="000000"/>
                 </a:solidFill>
-                <a:latin typeface="Arial" panose="020B0604020202020204"/>
-                <a:ea typeface="Arial" panose="020B0604020202020204"/>
-                <a:cs typeface="Arial" panose="020B0604020202020204"/>
-                <a:sym typeface="Arial" panose="020B0604020202020204"/>
+                <a:latin typeface="Arial" panose="020B0604020202090204"/>
+                <a:ea typeface="Arial" panose="020B0604020202090204"/>
+                <a:cs typeface="Arial" panose="020B0604020202090204"/>
+                <a:sym typeface="Arial" panose="020B0604020202090204"/>
               </a:defRPr>
             </a:lvl1pPr>
             <a:lvl2pPr marL="457200" marR="0" lvl="1" indent="0" algn="l" rtl="0">
@@ -352,10 +346,10 @@
                 <a:solidFill>
                   <a:srgbClr val="000000"/>
                 </a:solidFill>
-                <a:latin typeface="Arial" panose="020B0604020202020204"/>
-                <a:ea typeface="Arial" panose="020B0604020202020204"/>
-                <a:cs typeface="Arial" panose="020B0604020202020204"/>
-                <a:sym typeface="Arial" panose="020B0604020202020204"/>
+                <a:latin typeface="Arial" panose="020B0604020202090204"/>
+                <a:ea typeface="Arial" panose="020B0604020202090204"/>
+                <a:cs typeface="Arial" panose="020B0604020202090204"/>
+                <a:sym typeface="Arial" panose="020B0604020202090204"/>
               </a:defRPr>
             </a:lvl2pPr>
             <a:lvl3pPr marL="914400" marR="0" lvl="2" indent="0" algn="l" rtl="0">
@@ -374,10 +368,10 @@
                 <a:solidFill>
                   <a:srgbClr val="000000"/>
                 </a:solidFill>
-                <a:latin typeface="Arial" panose="020B0604020202020204"/>
-                <a:ea typeface="Arial" panose="020B0604020202020204"/>
-                <a:cs typeface="Arial" panose="020B0604020202020204"/>
-                <a:sym typeface="Arial" panose="020B0604020202020204"/>
+                <a:latin typeface="Arial" panose="020B0604020202090204"/>
+                <a:ea typeface="Arial" panose="020B0604020202090204"/>
+                <a:cs typeface="Arial" panose="020B0604020202090204"/>
+                <a:sym typeface="Arial" panose="020B0604020202090204"/>
               </a:defRPr>
             </a:lvl3pPr>
             <a:lvl4pPr marL="1371600" marR="0" lvl="3" indent="0" algn="l" rtl="0">
@@ -396,10 +390,10 @@
                 <a:solidFill>
                   <a:srgbClr val="000000"/>
                 </a:solidFill>
-                <a:latin typeface="Arial" panose="020B0604020202020204"/>
-                <a:ea typeface="Arial" panose="020B0604020202020204"/>
-                <a:cs typeface="Arial" panose="020B0604020202020204"/>
-                <a:sym typeface="Arial" panose="020B0604020202020204"/>
+                <a:latin typeface="Arial" panose="020B0604020202090204"/>
+                <a:ea typeface="Arial" panose="020B0604020202090204"/>
+                <a:cs typeface="Arial" panose="020B0604020202090204"/>
+                <a:sym typeface="Arial" panose="020B0604020202090204"/>
               </a:defRPr>
             </a:lvl4pPr>
             <a:lvl5pPr marL="1828800" marR="0" lvl="4" indent="0" algn="l" rtl="0">
@@ -418,10 +412,10 @@
                 <a:solidFill>
                   <a:srgbClr val="000000"/>
                 </a:solidFill>
-                <a:latin typeface="Arial" panose="020B0604020202020204"/>
-                <a:ea typeface="Arial" panose="020B0604020202020204"/>
-                <a:cs typeface="Arial" panose="020B0604020202020204"/>
-                <a:sym typeface="Arial" panose="020B0604020202020204"/>
+                <a:latin typeface="Arial" panose="020B0604020202090204"/>
+                <a:ea typeface="Arial" panose="020B0604020202090204"/>
+                <a:cs typeface="Arial" panose="020B0604020202090204"/>
+                <a:sym typeface="Arial" panose="020B0604020202090204"/>
               </a:defRPr>
             </a:lvl5pPr>
             <a:lvl6pPr marL="2286000" marR="0" lvl="5" indent="0" algn="l" rtl="0">
@@ -440,10 +434,10 @@
                 <a:solidFill>
                   <a:srgbClr val="000000"/>
                 </a:solidFill>
-                <a:latin typeface="Arial" panose="020B0604020202020204"/>
-                <a:ea typeface="Arial" panose="020B0604020202020204"/>
-                <a:cs typeface="Arial" panose="020B0604020202020204"/>
-                <a:sym typeface="Arial" panose="020B0604020202020204"/>
+                <a:latin typeface="Arial" panose="020B0604020202090204"/>
+                <a:ea typeface="Arial" panose="020B0604020202090204"/>
+                <a:cs typeface="Arial" panose="020B0604020202090204"/>
+                <a:sym typeface="Arial" panose="020B0604020202090204"/>
               </a:defRPr>
             </a:lvl6pPr>
             <a:lvl7pPr marL="3200400" marR="0" lvl="6" indent="0" algn="l" rtl="0">
@@ -462,10 +456,10 @@
                 <a:solidFill>
                   <a:srgbClr val="000000"/>
                 </a:solidFill>
-                <a:latin typeface="Arial" panose="020B0604020202020204"/>
-                <a:ea typeface="Arial" panose="020B0604020202020204"/>
-                <a:cs typeface="Arial" panose="020B0604020202020204"/>
-                <a:sym typeface="Arial" panose="020B0604020202020204"/>
+                <a:latin typeface="Arial" panose="020B0604020202090204"/>
+                <a:ea typeface="Arial" panose="020B0604020202090204"/>
+                <a:cs typeface="Arial" panose="020B0604020202090204"/>
+                <a:sym typeface="Arial" panose="020B0604020202090204"/>
               </a:defRPr>
             </a:lvl7pPr>
             <a:lvl8pPr marL="4572000" marR="0" lvl="7" indent="0" algn="l" rtl="0">
@@ -484,10 +478,10 @@
                 <a:solidFill>
                   <a:srgbClr val="000000"/>
                 </a:solidFill>
-                <a:latin typeface="Arial" panose="020B0604020202020204"/>
-                <a:ea typeface="Arial" panose="020B0604020202020204"/>
-                <a:cs typeface="Arial" panose="020B0604020202020204"/>
-                <a:sym typeface="Arial" panose="020B0604020202020204"/>
+                <a:latin typeface="Arial" panose="020B0604020202090204"/>
+                <a:ea typeface="Arial" panose="020B0604020202090204"/>
+                <a:cs typeface="Arial" panose="020B0604020202090204"/>
+                <a:sym typeface="Arial" panose="020B0604020202090204"/>
               </a:defRPr>
             </a:lvl8pPr>
             <a:lvl9pPr marL="6400800" marR="0" lvl="8" indent="0" algn="l" rtl="0">
@@ -506,10 +500,10 @@
                 <a:solidFill>
                   <a:srgbClr val="000000"/>
                 </a:solidFill>
-                <a:latin typeface="Arial" panose="020B0604020202020204"/>
-                <a:ea typeface="Arial" panose="020B0604020202020204"/>
-                <a:cs typeface="Arial" panose="020B0604020202020204"/>
-                <a:sym typeface="Arial" panose="020B0604020202020204"/>
+                <a:latin typeface="Arial" panose="020B0604020202090204"/>
+                <a:ea typeface="Arial" panose="020B0604020202090204"/>
+                <a:cs typeface="Arial" panose="020B0604020202090204"/>
+                <a:sym typeface="Arial" panose="020B0604020202090204"/>
               </a:defRPr>
             </a:lvl9pPr>
           </a:lstStyle>
@@ -558,10 +552,10 @@
                 <a:solidFill>
                   <a:srgbClr val="000000"/>
                 </a:solidFill>
-                <a:latin typeface="Arial" panose="020B0604020202020204"/>
-                <a:ea typeface="Arial" panose="020B0604020202020204"/>
-                <a:cs typeface="Arial" panose="020B0604020202020204"/>
-                <a:sym typeface="Arial" panose="020B0604020202020204"/>
+                <a:latin typeface="Arial" panose="020B0604020202090204"/>
+                <a:ea typeface="Arial" panose="020B0604020202090204"/>
+                <a:cs typeface="Arial" panose="020B0604020202090204"/>
+                <a:sym typeface="Arial" panose="020B0604020202090204"/>
               </a:defRPr>
             </a:lvl1pPr>
             <a:lvl2pPr marL="457200" marR="0" lvl="1" indent="0" algn="l" rtl="0">
@@ -580,10 +574,10 @@
                 <a:solidFill>
                   <a:srgbClr val="000000"/>
                 </a:solidFill>
-                <a:latin typeface="Arial" panose="020B0604020202020204"/>
-                <a:ea typeface="Arial" panose="020B0604020202020204"/>
-                <a:cs typeface="Arial" panose="020B0604020202020204"/>
-                <a:sym typeface="Arial" panose="020B0604020202020204"/>
+                <a:latin typeface="Arial" panose="020B0604020202090204"/>
+                <a:ea typeface="Arial" panose="020B0604020202090204"/>
+                <a:cs typeface="Arial" panose="020B0604020202090204"/>
+                <a:sym typeface="Arial" panose="020B0604020202090204"/>
               </a:defRPr>
             </a:lvl2pPr>
             <a:lvl3pPr marL="914400" marR="0" lvl="2" indent="0" algn="l" rtl="0">
@@ -602,10 +596,10 @@
                 <a:solidFill>
                   <a:srgbClr val="000000"/>
                 </a:solidFill>
-                <a:latin typeface="Arial" panose="020B0604020202020204"/>
-                <a:ea typeface="Arial" panose="020B0604020202020204"/>
-                <a:cs typeface="Arial" panose="020B0604020202020204"/>
-                <a:sym typeface="Arial" panose="020B0604020202020204"/>
+                <a:latin typeface="Arial" panose="020B0604020202090204"/>
+                <a:ea typeface="Arial" panose="020B0604020202090204"/>
+                <a:cs typeface="Arial" panose="020B0604020202090204"/>
+                <a:sym typeface="Arial" panose="020B0604020202090204"/>
               </a:defRPr>
             </a:lvl3pPr>
             <a:lvl4pPr marL="1371600" marR="0" lvl="3" indent="0" algn="l" rtl="0">
@@ -624,10 +618,10 @@
                 <a:solidFill>
                   <a:srgbClr val="000000"/>
                 </a:solidFill>
-                <a:latin typeface="Arial" panose="020B0604020202020204"/>
-                <a:ea typeface="Arial" panose="020B0604020202020204"/>
-                <a:cs typeface="Arial" panose="020B0604020202020204"/>
-                <a:sym typeface="Arial" panose="020B0604020202020204"/>
+                <a:latin typeface="Arial" panose="020B0604020202090204"/>
+                <a:ea typeface="Arial" panose="020B0604020202090204"/>
+                <a:cs typeface="Arial" panose="020B0604020202090204"/>
+                <a:sym typeface="Arial" panose="020B0604020202090204"/>
               </a:defRPr>
             </a:lvl4pPr>
             <a:lvl5pPr marL="1828800" marR="0" lvl="4" indent="0" algn="l" rtl="0">
@@ -646,10 +640,10 @@
                 <a:solidFill>
                   <a:srgbClr val="000000"/>
                 </a:solidFill>
-                <a:latin typeface="Arial" panose="020B0604020202020204"/>
-                <a:ea typeface="Arial" panose="020B0604020202020204"/>
-                <a:cs typeface="Arial" panose="020B0604020202020204"/>
-                <a:sym typeface="Arial" panose="020B0604020202020204"/>
+                <a:latin typeface="Arial" panose="020B0604020202090204"/>
+                <a:ea typeface="Arial" panose="020B0604020202090204"/>
+                <a:cs typeface="Arial" panose="020B0604020202090204"/>
+                <a:sym typeface="Arial" panose="020B0604020202090204"/>
               </a:defRPr>
             </a:lvl5pPr>
             <a:lvl6pPr marL="2286000" marR="0" lvl="5" indent="0" algn="l" rtl="0">
@@ -668,10 +662,10 @@
                 <a:solidFill>
                   <a:srgbClr val="000000"/>
                 </a:solidFill>
-                <a:latin typeface="Arial" panose="020B0604020202020204"/>
-                <a:ea typeface="Arial" panose="020B0604020202020204"/>
-                <a:cs typeface="Arial" panose="020B0604020202020204"/>
-                <a:sym typeface="Arial" panose="020B0604020202020204"/>
+                <a:latin typeface="Arial" panose="020B0604020202090204"/>
+                <a:ea typeface="Arial" panose="020B0604020202090204"/>
+                <a:cs typeface="Arial" panose="020B0604020202090204"/>
+                <a:sym typeface="Arial" panose="020B0604020202090204"/>
               </a:defRPr>
             </a:lvl6pPr>
             <a:lvl7pPr marL="3200400" marR="0" lvl="6" indent="0" algn="l" rtl="0">
@@ -690,10 +684,10 @@
                 <a:solidFill>
                   <a:srgbClr val="000000"/>
                 </a:solidFill>
-                <a:latin typeface="Arial" panose="020B0604020202020204"/>
-                <a:ea typeface="Arial" panose="020B0604020202020204"/>
-                <a:cs typeface="Arial" panose="020B0604020202020204"/>
-                <a:sym typeface="Arial" panose="020B0604020202020204"/>
+                <a:latin typeface="Arial" panose="020B0604020202090204"/>
+                <a:ea typeface="Arial" panose="020B0604020202090204"/>
+                <a:cs typeface="Arial" panose="020B0604020202090204"/>
+                <a:sym typeface="Arial" panose="020B0604020202090204"/>
               </a:defRPr>
             </a:lvl7pPr>
             <a:lvl8pPr marL="4572000" marR="0" lvl="7" indent="0" algn="l" rtl="0">
@@ -712,10 +706,10 @@
                 <a:solidFill>
                   <a:srgbClr val="000000"/>
                 </a:solidFill>
-                <a:latin typeface="Arial" panose="020B0604020202020204"/>
-                <a:ea typeface="Arial" panose="020B0604020202020204"/>
-                <a:cs typeface="Arial" panose="020B0604020202020204"/>
-                <a:sym typeface="Arial" panose="020B0604020202020204"/>
+                <a:latin typeface="Arial" panose="020B0604020202090204"/>
+                <a:ea typeface="Arial" panose="020B0604020202090204"/>
+                <a:cs typeface="Arial" panose="020B0604020202090204"/>
+                <a:sym typeface="Arial" panose="020B0604020202090204"/>
               </a:defRPr>
             </a:lvl8pPr>
             <a:lvl9pPr marL="6400800" marR="0" lvl="8" indent="0" algn="l" rtl="0">
@@ -734,10 +728,10 @@
                 <a:solidFill>
                   <a:srgbClr val="000000"/>
                 </a:solidFill>
-                <a:latin typeface="Arial" panose="020B0604020202020204"/>
-                <a:ea typeface="Arial" panose="020B0604020202020204"/>
-                <a:cs typeface="Arial" panose="020B0604020202020204"/>
-                <a:sym typeface="Arial" panose="020B0604020202020204"/>
+                <a:latin typeface="Arial" panose="020B0604020202090204"/>
+                <a:ea typeface="Arial" panose="020B0604020202090204"/>
+                <a:cs typeface="Arial" panose="020B0604020202090204"/>
+                <a:sym typeface="Arial" panose="020B0604020202090204"/>
               </a:defRPr>
             </a:lvl9pPr>
           </a:lstStyle>
@@ -964,10 +958,10 @@
                 <a:solidFill>
                   <a:srgbClr val="000000"/>
                 </a:solidFill>
-                <a:latin typeface="Arial" panose="020B0604020202020204"/>
-                <a:ea typeface="Arial" panose="020B0604020202020204"/>
-                <a:cs typeface="Arial" panose="020B0604020202020204"/>
-                <a:sym typeface="Arial" panose="020B0604020202020204"/>
+                <a:latin typeface="Arial" panose="020B0604020202090204"/>
+                <a:ea typeface="Arial" panose="020B0604020202090204"/>
+                <a:cs typeface="Arial" panose="020B0604020202090204"/>
+                <a:sym typeface="Arial" panose="020B0604020202090204"/>
               </a:defRPr>
             </a:lvl1pPr>
             <a:lvl2pPr marL="457200" marR="0" lvl="1" indent="0" algn="l" rtl="0">
@@ -986,10 +980,10 @@
                 <a:solidFill>
                   <a:srgbClr val="000000"/>
                 </a:solidFill>
-                <a:latin typeface="Arial" panose="020B0604020202020204"/>
-                <a:ea typeface="Arial" panose="020B0604020202020204"/>
-                <a:cs typeface="Arial" panose="020B0604020202020204"/>
-                <a:sym typeface="Arial" panose="020B0604020202020204"/>
+                <a:latin typeface="Arial" panose="020B0604020202090204"/>
+                <a:ea typeface="Arial" panose="020B0604020202090204"/>
+                <a:cs typeface="Arial" panose="020B0604020202090204"/>
+                <a:sym typeface="Arial" panose="020B0604020202090204"/>
               </a:defRPr>
             </a:lvl2pPr>
             <a:lvl3pPr marL="914400" marR="0" lvl="2" indent="0" algn="l" rtl="0">
@@ -1008,10 +1002,10 @@
                 <a:solidFill>
                   <a:srgbClr val="000000"/>
                 </a:solidFill>
-                <a:latin typeface="Arial" panose="020B0604020202020204"/>
-                <a:ea typeface="Arial" panose="020B0604020202020204"/>
-                <a:cs typeface="Arial" panose="020B0604020202020204"/>
-                <a:sym typeface="Arial" panose="020B0604020202020204"/>
+                <a:latin typeface="Arial" panose="020B0604020202090204"/>
+                <a:ea typeface="Arial" panose="020B0604020202090204"/>
+                <a:cs typeface="Arial" panose="020B0604020202090204"/>
+                <a:sym typeface="Arial" panose="020B0604020202090204"/>
               </a:defRPr>
             </a:lvl3pPr>
             <a:lvl4pPr marL="1371600" marR="0" lvl="3" indent="0" algn="l" rtl="0">
@@ -1030,10 +1024,10 @@
                 <a:solidFill>
                   <a:srgbClr val="000000"/>
                 </a:solidFill>
-                <a:latin typeface="Arial" panose="020B0604020202020204"/>
-                <a:ea typeface="Arial" panose="020B0604020202020204"/>
-                <a:cs typeface="Arial" panose="020B0604020202020204"/>
-                <a:sym typeface="Arial" panose="020B0604020202020204"/>
+                <a:latin typeface="Arial" panose="020B0604020202090204"/>
+                <a:ea typeface="Arial" panose="020B0604020202090204"/>
+                <a:cs typeface="Arial" panose="020B0604020202090204"/>
+                <a:sym typeface="Arial" panose="020B0604020202090204"/>
               </a:defRPr>
             </a:lvl4pPr>
             <a:lvl5pPr marL="1828800" marR="0" lvl="4" indent="0" algn="l" rtl="0">
@@ -1052,10 +1046,10 @@
                 <a:solidFill>
                   <a:srgbClr val="000000"/>
                 </a:solidFill>
-                <a:latin typeface="Arial" panose="020B0604020202020204"/>
-                <a:ea typeface="Arial" panose="020B0604020202020204"/>
-                <a:cs typeface="Arial" panose="020B0604020202020204"/>
-                <a:sym typeface="Arial" panose="020B0604020202020204"/>
+                <a:latin typeface="Arial" panose="020B0604020202090204"/>
+                <a:ea typeface="Arial" panose="020B0604020202090204"/>
+                <a:cs typeface="Arial" panose="020B0604020202090204"/>
+                <a:sym typeface="Arial" panose="020B0604020202090204"/>
               </a:defRPr>
             </a:lvl5pPr>
             <a:lvl6pPr marL="2286000" marR="0" lvl="5" indent="0" algn="l" rtl="0">
@@ -1074,10 +1068,10 @@
                 <a:solidFill>
                   <a:srgbClr val="000000"/>
                 </a:solidFill>
-                <a:latin typeface="Arial" panose="020B0604020202020204"/>
-                <a:ea typeface="Arial" panose="020B0604020202020204"/>
-                <a:cs typeface="Arial" panose="020B0604020202020204"/>
-                <a:sym typeface="Arial" panose="020B0604020202020204"/>
+                <a:latin typeface="Arial" panose="020B0604020202090204"/>
+                <a:ea typeface="Arial" panose="020B0604020202090204"/>
+                <a:cs typeface="Arial" panose="020B0604020202090204"/>
+                <a:sym typeface="Arial" panose="020B0604020202090204"/>
               </a:defRPr>
             </a:lvl6pPr>
             <a:lvl7pPr marL="3200400" marR="0" lvl="6" indent="0" algn="l" rtl="0">
@@ -1096,10 +1090,10 @@
                 <a:solidFill>
                   <a:srgbClr val="000000"/>
                 </a:solidFill>
-                <a:latin typeface="Arial" panose="020B0604020202020204"/>
-                <a:ea typeface="Arial" panose="020B0604020202020204"/>
-                <a:cs typeface="Arial" panose="020B0604020202020204"/>
-                <a:sym typeface="Arial" panose="020B0604020202020204"/>
+                <a:latin typeface="Arial" panose="020B0604020202090204"/>
+                <a:ea typeface="Arial" panose="020B0604020202090204"/>
+                <a:cs typeface="Arial" panose="020B0604020202090204"/>
+                <a:sym typeface="Arial" panose="020B0604020202090204"/>
               </a:defRPr>
             </a:lvl7pPr>
             <a:lvl8pPr marL="4572000" marR="0" lvl="7" indent="0" algn="l" rtl="0">
@@ -1118,10 +1112,10 @@
                 <a:solidFill>
                   <a:srgbClr val="000000"/>
                 </a:solidFill>
-                <a:latin typeface="Arial" panose="020B0604020202020204"/>
-                <a:ea typeface="Arial" panose="020B0604020202020204"/>
-                <a:cs typeface="Arial" panose="020B0604020202020204"/>
-                <a:sym typeface="Arial" panose="020B0604020202020204"/>
+                <a:latin typeface="Arial" panose="020B0604020202090204"/>
+                <a:ea typeface="Arial" panose="020B0604020202090204"/>
+                <a:cs typeface="Arial" panose="020B0604020202090204"/>
+                <a:sym typeface="Arial" panose="020B0604020202090204"/>
               </a:defRPr>
             </a:lvl8pPr>
             <a:lvl9pPr marL="6400800" marR="0" lvl="8" indent="0" algn="l" rtl="0">
@@ -1140,10 +1134,10 @@
                 <a:solidFill>
                   <a:srgbClr val="000000"/>
                 </a:solidFill>
-                <a:latin typeface="Arial" panose="020B0604020202020204"/>
-                <a:ea typeface="Arial" panose="020B0604020202020204"/>
-                <a:cs typeface="Arial" panose="020B0604020202020204"/>
-                <a:sym typeface="Arial" panose="020B0604020202020204"/>
+                <a:latin typeface="Arial" panose="020B0604020202090204"/>
+                <a:ea typeface="Arial" panose="020B0604020202090204"/>
+                <a:cs typeface="Arial" panose="020B0604020202090204"/>
+                <a:sym typeface="Arial" panose="020B0604020202090204"/>
               </a:defRPr>
             </a:lvl9pPr>
           </a:lstStyle>
@@ -1190,7 +1184,7 @@
               <a:buClr>
                 <a:srgbClr val="000000"/>
               </a:buClr>
-              <a:buFont typeface="Arial" panose="020B0604020202020204"/>
+              <a:buFont typeface="Arial" panose="020B0604020202090204"/>
               <a:buNone/>
             </a:pPr>
             <a:fld id="{00000000-1234-1234-1234-123412341234}" type="slidenum">
@@ -1198,20 +1192,20 @@
                 <a:solidFill>
                   <a:srgbClr val="000000"/>
                 </a:solidFill>
-                <a:latin typeface="Arial" panose="020B0604020202020204"/>
-                <a:ea typeface="Arial" panose="020B0604020202020204"/>
-                <a:cs typeface="Arial" panose="020B0604020202020204"/>
-                <a:sym typeface="Arial" panose="020B0604020202020204"/>
+                <a:latin typeface="Arial" panose="020B0604020202090204"/>
+                <a:ea typeface="Arial" panose="020B0604020202090204"/>
+                <a:cs typeface="Arial" panose="020B0604020202090204"/>
+                <a:sym typeface="Arial" panose="020B0604020202090204"/>
               </a:rPr>
             </a:fld>
             <a:endParaRPr lang="en-US" sz="1200" b="0" i="0" u="none" strike="noStrike" cap="none">
               <a:solidFill>
                 <a:srgbClr val="000000"/>
               </a:solidFill>
-              <a:latin typeface="Arial" panose="020B0604020202020204"/>
-              <a:ea typeface="Arial" panose="020B0604020202020204"/>
-              <a:cs typeface="Arial" panose="020B0604020202020204"/>
-              <a:sym typeface="Arial" panose="020B0604020202020204"/>
+              <a:latin typeface="Arial" panose="020B0604020202090204"/>
+              <a:ea typeface="Arial" panose="020B0604020202090204"/>
+              <a:cs typeface="Arial" panose="020B0604020202090204"/>
+              <a:sym typeface="Arial" panose="020B0604020202090204"/>
             </a:endParaRPr>
           </a:p>
         </p:txBody>
@@ -1244,15 +1238,15 @@
       <a:buClr>
         <a:srgbClr val="000000"/>
       </a:buClr>
-      <a:buFont typeface="Arial" panose="020B0604020202020204"/>
+      <a:buFont typeface="Arial" panose="020B0604020202090204"/>
       <a:defRPr sz="1400" b="0" i="0" u="none" strike="noStrike" cap="none">
         <a:solidFill>
           <a:srgbClr val="000000"/>
         </a:solidFill>
-        <a:latin typeface="Arial" panose="020B0604020202020204"/>
-        <a:ea typeface="Arial" panose="020B0604020202020204"/>
-        <a:cs typeface="Arial" panose="020B0604020202020204"/>
-        <a:sym typeface="Arial" panose="020B0604020202020204"/>
+        <a:latin typeface="Arial" panose="020B0604020202090204"/>
+        <a:ea typeface="Arial" panose="020B0604020202090204"/>
+        <a:cs typeface="Arial" panose="020B0604020202090204"/>
+        <a:sym typeface="Arial" panose="020B0604020202090204"/>
       </a:defRPr>
     </a:lvl1pPr>
     <a:lvl2pPr marR="0" lvl="1" algn="l" rtl="0">
@@ -1268,15 +1262,15 @@
       <a:buClr>
         <a:srgbClr val="000000"/>
       </a:buClr>
-      <a:buFont typeface="Arial" panose="020B0604020202020204"/>
+      <a:buFont typeface="Arial" panose="020B0604020202090204"/>
       <a:defRPr sz="1400" b="0" i="0" u="none" strike="noStrike" cap="none">
         <a:solidFill>
           <a:srgbClr val="000000"/>
         </a:solidFill>
-        <a:latin typeface="Arial" panose="020B0604020202020204"/>
-        <a:ea typeface="Arial" panose="020B0604020202020204"/>
-        <a:cs typeface="Arial" panose="020B0604020202020204"/>
-        <a:sym typeface="Arial" panose="020B0604020202020204"/>
+        <a:latin typeface="Arial" panose="020B0604020202090204"/>
+        <a:ea typeface="Arial" panose="020B0604020202090204"/>
+        <a:cs typeface="Arial" panose="020B0604020202090204"/>
+        <a:sym typeface="Arial" panose="020B0604020202090204"/>
       </a:defRPr>
     </a:lvl2pPr>
     <a:lvl3pPr marR="0" lvl="2" algn="l" rtl="0">
@@ -1292,15 +1286,15 @@
       <a:buClr>
         <a:srgbClr val="000000"/>
       </a:buClr>
-      <a:buFont typeface="Arial" panose="020B0604020202020204"/>
+      <a:buFont typeface="Arial" panose="020B0604020202090204"/>
       <a:defRPr sz="1400" b="0" i="0" u="none" strike="noStrike" cap="none">
         <a:solidFill>
           <a:srgbClr val="000000"/>
         </a:solidFill>
-        <a:latin typeface="Arial" panose="020B0604020202020204"/>
-        <a:ea typeface="Arial" panose="020B0604020202020204"/>
-        <a:cs typeface="Arial" panose="020B0604020202020204"/>
-        <a:sym typeface="Arial" panose="020B0604020202020204"/>
+        <a:latin typeface="Arial" panose="020B0604020202090204"/>
+        <a:ea typeface="Arial" panose="020B0604020202090204"/>
+        <a:cs typeface="Arial" panose="020B0604020202090204"/>
+        <a:sym typeface="Arial" panose="020B0604020202090204"/>
       </a:defRPr>
     </a:lvl3pPr>
     <a:lvl4pPr marR="0" lvl="3" algn="l" rtl="0">
@@ -1316,15 +1310,15 @@
       <a:buClr>
         <a:srgbClr val="000000"/>
       </a:buClr>
-      <a:buFont typeface="Arial" panose="020B0604020202020204"/>
+      <a:buFont typeface="Arial" panose="020B0604020202090204"/>
       <a:defRPr sz="1400" b="0" i="0" u="none" strike="noStrike" cap="none">
         <a:solidFill>
           <a:srgbClr val="000000"/>
         </a:solidFill>
-        <a:latin typeface="Arial" panose="020B0604020202020204"/>
-        <a:ea typeface="Arial" panose="020B0604020202020204"/>
-        <a:cs typeface="Arial" panose="020B0604020202020204"/>
-        <a:sym typeface="Arial" panose="020B0604020202020204"/>
+        <a:latin typeface="Arial" panose="020B0604020202090204"/>
+        <a:ea typeface="Arial" panose="020B0604020202090204"/>
+        <a:cs typeface="Arial" panose="020B0604020202090204"/>
+        <a:sym typeface="Arial" panose="020B0604020202090204"/>
       </a:defRPr>
     </a:lvl4pPr>
     <a:lvl5pPr marR="0" lvl="4" algn="l" rtl="0">
@@ -1340,15 +1334,15 @@
       <a:buClr>
         <a:srgbClr val="000000"/>
       </a:buClr>
-      <a:buFont typeface="Arial" panose="020B0604020202020204"/>
+      <a:buFont typeface="Arial" panose="020B0604020202090204"/>
       <a:defRPr sz="1400" b="0" i="0" u="none" strike="noStrike" cap="none">
         <a:solidFill>
           <a:srgbClr val="000000"/>
         </a:solidFill>
-        <a:latin typeface="Arial" panose="020B0604020202020204"/>
-        <a:ea typeface="Arial" panose="020B0604020202020204"/>
-        <a:cs typeface="Arial" panose="020B0604020202020204"/>
-        <a:sym typeface="Arial" panose="020B0604020202020204"/>
+        <a:latin typeface="Arial" panose="020B0604020202090204"/>
+        <a:ea typeface="Arial" panose="020B0604020202090204"/>
+        <a:cs typeface="Arial" panose="020B0604020202090204"/>
+        <a:sym typeface="Arial" panose="020B0604020202090204"/>
       </a:defRPr>
     </a:lvl5pPr>
     <a:lvl6pPr marR="0" lvl="5" algn="l" rtl="0">
@@ -1364,15 +1358,15 @@
       <a:buClr>
         <a:srgbClr val="000000"/>
       </a:buClr>
-      <a:buFont typeface="Arial" panose="020B0604020202020204"/>
+      <a:buFont typeface="Arial" panose="020B0604020202090204"/>
       <a:defRPr sz="1400" b="0" i="0" u="none" strike="noStrike" cap="none">
         <a:solidFill>
           <a:srgbClr val="000000"/>
         </a:solidFill>
-        <a:latin typeface="Arial" panose="020B0604020202020204"/>
-        <a:ea typeface="Arial" panose="020B0604020202020204"/>
-        <a:cs typeface="Arial" panose="020B0604020202020204"/>
-        <a:sym typeface="Arial" panose="020B0604020202020204"/>
+        <a:latin typeface="Arial" panose="020B0604020202090204"/>
+        <a:ea typeface="Arial" panose="020B0604020202090204"/>
+        <a:cs typeface="Arial" panose="020B0604020202090204"/>
+        <a:sym typeface="Arial" panose="020B0604020202090204"/>
       </a:defRPr>
     </a:lvl6pPr>
     <a:lvl7pPr marR="0" lvl="6" algn="l" rtl="0">
@@ -1388,15 +1382,15 @@
       <a:buClr>
         <a:srgbClr val="000000"/>
       </a:buClr>
-      <a:buFont typeface="Arial" panose="020B0604020202020204"/>
+      <a:buFont typeface="Arial" panose="020B0604020202090204"/>
       <a:defRPr sz="1400" b="0" i="0" u="none" strike="noStrike" cap="none">
         <a:solidFill>
           <a:srgbClr val="000000"/>
         </a:solidFill>
-        <a:latin typeface="Arial" panose="020B0604020202020204"/>
-        <a:ea typeface="Arial" panose="020B0604020202020204"/>
-        <a:cs typeface="Arial" panose="020B0604020202020204"/>
-        <a:sym typeface="Arial" panose="020B0604020202020204"/>
+        <a:latin typeface="Arial" panose="020B0604020202090204"/>
+        <a:ea typeface="Arial" panose="020B0604020202090204"/>
+        <a:cs typeface="Arial" panose="020B0604020202090204"/>
+        <a:sym typeface="Arial" panose="020B0604020202090204"/>
       </a:defRPr>
     </a:lvl7pPr>
     <a:lvl8pPr marR="0" lvl="7" algn="l" rtl="0">
@@ -1412,15 +1406,15 @@
       <a:buClr>
         <a:srgbClr val="000000"/>
       </a:buClr>
-      <a:buFont typeface="Arial" panose="020B0604020202020204"/>
+      <a:buFont typeface="Arial" panose="020B0604020202090204"/>
       <a:defRPr sz="1400" b="0" i="0" u="none" strike="noStrike" cap="none">
         <a:solidFill>
           <a:srgbClr val="000000"/>
         </a:solidFill>
-        <a:latin typeface="Arial" panose="020B0604020202020204"/>
-        <a:ea typeface="Arial" panose="020B0604020202020204"/>
-        <a:cs typeface="Arial" panose="020B0604020202020204"/>
-        <a:sym typeface="Arial" panose="020B0604020202020204"/>
+        <a:latin typeface="Arial" panose="020B0604020202090204"/>
+        <a:ea typeface="Arial" panose="020B0604020202090204"/>
+        <a:cs typeface="Arial" panose="020B0604020202090204"/>
+        <a:sym typeface="Arial" panose="020B0604020202090204"/>
       </a:defRPr>
     </a:lvl8pPr>
     <a:lvl9pPr marR="0" lvl="8" algn="l" rtl="0">
@@ -1436,15 +1430,15 @@
       <a:buClr>
         <a:srgbClr val="000000"/>
       </a:buClr>
-      <a:buFont typeface="Arial" panose="020B0604020202020204"/>
+      <a:buFont typeface="Arial" panose="020B0604020202090204"/>
       <a:defRPr sz="1400" b="0" i="0" u="none" strike="noStrike" cap="none">
         <a:solidFill>
           <a:srgbClr val="000000"/>
         </a:solidFill>
-        <a:latin typeface="Arial" panose="020B0604020202020204"/>
-        <a:ea typeface="Arial" panose="020B0604020202020204"/>
-        <a:cs typeface="Arial" panose="020B0604020202020204"/>
-        <a:sym typeface="Arial" panose="020B0604020202020204"/>
+        <a:latin typeface="Arial" panose="020B0604020202090204"/>
+        <a:ea typeface="Arial" panose="020B0604020202090204"/>
+        <a:cs typeface="Arial" panose="020B0604020202090204"/>
+        <a:sym typeface="Arial" panose="020B0604020202090204"/>
       </a:defRPr>
     </a:lvl9pPr>
   </p:notesStyle>
@@ -1575,7 +1569,7 @@
               <a:buClr>
                 <a:srgbClr val="000000"/>
               </a:buClr>
-              <a:buFont typeface="Arial" panose="020B0604020202020204"/>
+              <a:buFont typeface="Arial" panose="020B0604020202090204"/>
               <a:buNone/>
             </a:pPr>
             <a:fld id="{00000000-1234-1234-1234-123412341234}" type="slidenum">
@@ -1647,16 +1641,16 @@
                 <a:schemeClr val="dk1"/>
               </a:buClr>
               <a:buSzPts val="3200"/>
-              <a:buFont typeface="Arial" panose="020B0604020202020204"/>
+              <a:buFont typeface="Arial" panose="020B0604020202090204"/>
               <a:buChar char="•"/>
               <a:defRPr sz="3200" b="0" i="0" u="none" strike="noStrike" cap="none">
                 <a:solidFill>
                   <a:schemeClr val="dk1"/>
                 </a:solidFill>
-                <a:latin typeface="Arial" panose="020B0604020202020204"/>
-                <a:ea typeface="Arial" panose="020B0604020202020204"/>
-                <a:cs typeface="Arial" panose="020B0604020202020204"/>
-                <a:sym typeface="Arial" panose="020B0604020202020204"/>
+                <a:latin typeface="Arial" panose="020B0604020202090204"/>
+                <a:ea typeface="Arial" panose="020B0604020202090204"/>
+                <a:cs typeface="Arial" panose="020B0604020202090204"/>
+                <a:sym typeface="Arial" panose="020B0604020202090204"/>
               </a:defRPr>
             </a:lvl1pPr>
             <a:lvl2pPr marL="914400" marR="0" lvl="1" indent="-406400" algn="l" rtl="0">
@@ -1670,16 +1664,16 @@
                 <a:schemeClr val="dk1"/>
               </a:buClr>
               <a:buSzPts val="2800"/>
-              <a:buFont typeface="Arial" panose="020B0604020202020204"/>
+              <a:buFont typeface="Arial" panose="020B0604020202090204"/>
               <a:buChar char="–"/>
               <a:defRPr sz="2800" b="0" i="0" u="none" strike="noStrike" cap="none">
                 <a:solidFill>
                   <a:schemeClr val="dk1"/>
                 </a:solidFill>
-                <a:latin typeface="Arial" panose="020B0604020202020204"/>
-                <a:ea typeface="Arial" panose="020B0604020202020204"/>
-                <a:cs typeface="Arial" panose="020B0604020202020204"/>
-                <a:sym typeface="Arial" panose="020B0604020202020204"/>
+                <a:latin typeface="Arial" panose="020B0604020202090204"/>
+                <a:ea typeface="Arial" panose="020B0604020202090204"/>
+                <a:cs typeface="Arial" panose="020B0604020202090204"/>
+                <a:sym typeface="Arial" panose="020B0604020202090204"/>
               </a:defRPr>
             </a:lvl2pPr>
             <a:lvl3pPr marL="1371600" marR="0" lvl="2" indent="-381000" algn="l" rtl="0">
@@ -1693,16 +1687,16 @@
                 <a:schemeClr val="dk1"/>
               </a:buClr>
               <a:buSzPts val="2400"/>
-              <a:buFont typeface="Arial" panose="020B0604020202020204"/>
+              <a:buFont typeface="Arial" panose="020B0604020202090204"/>
               <a:buChar char="•"/>
               <a:defRPr sz="2400" b="0" i="0" u="none" strike="noStrike" cap="none">
                 <a:solidFill>
                   <a:schemeClr val="dk1"/>
                 </a:solidFill>
-                <a:latin typeface="Arial" panose="020B0604020202020204"/>
-                <a:ea typeface="Arial" panose="020B0604020202020204"/>
-                <a:cs typeface="Arial" panose="020B0604020202020204"/>
-                <a:sym typeface="Arial" panose="020B0604020202020204"/>
+                <a:latin typeface="Arial" panose="020B0604020202090204"/>
+                <a:ea typeface="Arial" panose="020B0604020202090204"/>
+                <a:cs typeface="Arial" panose="020B0604020202090204"/>
+                <a:sym typeface="Arial" panose="020B0604020202090204"/>
               </a:defRPr>
             </a:lvl3pPr>
             <a:lvl4pPr marL="1828800" marR="0" lvl="3" indent="-355600" algn="l" rtl="0">
@@ -1716,16 +1710,16 @@
                 <a:schemeClr val="dk1"/>
               </a:buClr>
               <a:buSzPts val="2000"/>
-              <a:buFont typeface="Arial" panose="020B0604020202020204"/>
+              <a:buFont typeface="Arial" panose="020B0604020202090204"/>
               <a:buChar char="–"/>
               <a:defRPr sz="2000" b="0" i="0" u="none" strike="noStrike" cap="none">
                 <a:solidFill>
                   <a:schemeClr val="dk1"/>
                 </a:solidFill>
-                <a:latin typeface="Arial" panose="020B0604020202020204"/>
-                <a:ea typeface="Arial" panose="020B0604020202020204"/>
-                <a:cs typeface="Arial" panose="020B0604020202020204"/>
-                <a:sym typeface="Arial" panose="020B0604020202020204"/>
+                <a:latin typeface="Arial" panose="020B0604020202090204"/>
+                <a:ea typeface="Arial" panose="020B0604020202090204"/>
+                <a:cs typeface="Arial" panose="020B0604020202090204"/>
+                <a:sym typeface="Arial" panose="020B0604020202090204"/>
               </a:defRPr>
             </a:lvl4pPr>
             <a:lvl5pPr marL="2286000" marR="0" lvl="4" indent="-355600" algn="l" rtl="0">
@@ -1739,16 +1733,16 @@
                 <a:schemeClr val="dk1"/>
               </a:buClr>
               <a:buSzPts val="2000"/>
-              <a:buFont typeface="Arial" panose="020B0604020202020204"/>
+              <a:buFont typeface="Arial" panose="020B0604020202090204"/>
               <a:buChar char="»"/>
               <a:defRPr sz="2000" b="0" i="0" u="none" strike="noStrike" cap="none">
                 <a:solidFill>
                   <a:schemeClr val="dk1"/>
                 </a:solidFill>
-                <a:latin typeface="Arial" panose="020B0604020202020204"/>
-                <a:ea typeface="Arial" panose="020B0604020202020204"/>
-                <a:cs typeface="Arial" panose="020B0604020202020204"/>
-                <a:sym typeface="Arial" panose="020B0604020202020204"/>
+                <a:latin typeface="Arial" panose="020B0604020202090204"/>
+                <a:ea typeface="Arial" panose="020B0604020202090204"/>
+                <a:cs typeface="Arial" panose="020B0604020202090204"/>
+                <a:sym typeface="Arial" panose="020B0604020202090204"/>
               </a:defRPr>
             </a:lvl5pPr>
             <a:lvl6pPr marL="2743200" marR="0" lvl="5" indent="-355600" algn="l" rtl="0">
@@ -1762,16 +1756,16 @@
                 <a:schemeClr val="dk1"/>
               </a:buClr>
               <a:buSzPts val="2000"/>
-              <a:buFont typeface="Arial" panose="020B0604020202020204"/>
+              <a:buFont typeface="Arial" panose="020B0604020202090204"/>
               <a:buChar char="»"/>
               <a:defRPr sz="2000" b="0" i="0" u="none" strike="noStrike" cap="none">
                 <a:solidFill>
                   <a:schemeClr val="dk1"/>
                 </a:solidFill>
-                <a:latin typeface="Arial" panose="020B0604020202020204"/>
-                <a:ea typeface="Arial" panose="020B0604020202020204"/>
-                <a:cs typeface="Arial" panose="020B0604020202020204"/>
-                <a:sym typeface="Arial" panose="020B0604020202020204"/>
+                <a:latin typeface="Arial" panose="020B0604020202090204"/>
+                <a:ea typeface="Arial" panose="020B0604020202090204"/>
+                <a:cs typeface="Arial" panose="020B0604020202090204"/>
+                <a:sym typeface="Arial" panose="020B0604020202090204"/>
               </a:defRPr>
             </a:lvl6pPr>
             <a:lvl7pPr marL="3200400" marR="0" lvl="6" indent="-355600" algn="l" rtl="0">
@@ -1785,16 +1779,16 @@
                 <a:schemeClr val="dk1"/>
               </a:buClr>
               <a:buSzPts val="2000"/>
-              <a:buFont typeface="Arial" panose="020B0604020202020204"/>
+              <a:buFont typeface="Arial" panose="020B0604020202090204"/>
               <a:buChar char="»"/>
               <a:defRPr sz="2000" b="0" i="0" u="none" strike="noStrike" cap="none">
                 <a:solidFill>
                   <a:schemeClr val="dk1"/>
                 </a:solidFill>
-                <a:latin typeface="Arial" panose="020B0604020202020204"/>
-                <a:ea typeface="Arial" panose="020B0604020202020204"/>
-                <a:cs typeface="Arial" panose="020B0604020202020204"/>
-                <a:sym typeface="Arial" panose="020B0604020202020204"/>
+                <a:latin typeface="Arial" panose="020B0604020202090204"/>
+                <a:ea typeface="Arial" panose="020B0604020202090204"/>
+                <a:cs typeface="Arial" panose="020B0604020202090204"/>
+                <a:sym typeface="Arial" panose="020B0604020202090204"/>
               </a:defRPr>
             </a:lvl7pPr>
             <a:lvl8pPr marL="3657600" marR="0" lvl="7" indent="-355600" algn="l" rtl="0">
@@ -1808,16 +1802,16 @@
                 <a:schemeClr val="dk1"/>
               </a:buClr>
               <a:buSzPts val="2000"/>
-              <a:buFont typeface="Arial" panose="020B0604020202020204"/>
+              <a:buFont typeface="Arial" panose="020B0604020202090204"/>
               <a:buChar char="»"/>
               <a:defRPr sz="2000" b="0" i="0" u="none" strike="noStrike" cap="none">
                 <a:solidFill>
                   <a:schemeClr val="dk1"/>
                 </a:solidFill>
-                <a:latin typeface="Arial" panose="020B0604020202020204"/>
-                <a:ea typeface="Arial" panose="020B0604020202020204"/>
-                <a:cs typeface="Arial" panose="020B0604020202020204"/>
-                <a:sym typeface="Arial" panose="020B0604020202020204"/>
+                <a:latin typeface="Arial" panose="020B0604020202090204"/>
+                <a:ea typeface="Arial" panose="020B0604020202090204"/>
+                <a:cs typeface="Arial" panose="020B0604020202090204"/>
+                <a:sym typeface="Arial" panose="020B0604020202090204"/>
               </a:defRPr>
             </a:lvl8pPr>
             <a:lvl9pPr marL="4114800" marR="0" lvl="8" indent="-355600" algn="l" rtl="0">
@@ -1831,16 +1825,16 @@
                 <a:schemeClr val="dk1"/>
               </a:buClr>
               <a:buSzPts val="2000"/>
-              <a:buFont typeface="Arial" panose="020B0604020202020204"/>
+              <a:buFont typeface="Arial" panose="020B0604020202090204"/>
               <a:buChar char="»"/>
               <a:defRPr sz="2000" b="0" i="0" u="none" strike="noStrike" cap="none">
                 <a:solidFill>
                   <a:schemeClr val="dk1"/>
                 </a:solidFill>
-                <a:latin typeface="Arial" panose="020B0604020202020204"/>
-                <a:ea typeface="Arial" panose="020B0604020202020204"/>
-                <a:cs typeface="Arial" panose="020B0604020202020204"/>
-                <a:sym typeface="Arial" panose="020B0604020202020204"/>
+                <a:latin typeface="Arial" panose="020B0604020202090204"/>
+                <a:ea typeface="Arial" panose="020B0604020202090204"/>
+                <a:cs typeface="Arial" panose="020B0604020202090204"/>
+                <a:sym typeface="Arial" panose="020B0604020202090204"/>
               </a:defRPr>
             </a:lvl9pPr>
           </a:lstStyle>
@@ -1911,10 +1905,10 @@
                 <a:solidFill>
                   <a:schemeClr val="dk2"/>
                 </a:solidFill>
-                <a:latin typeface="Arial" panose="020B0604020202020204"/>
-                <a:ea typeface="Arial" panose="020B0604020202020204"/>
-                <a:cs typeface="Arial" panose="020B0604020202020204"/>
-                <a:sym typeface="Arial" panose="020B0604020202020204"/>
+                <a:latin typeface="Arial" panose="020B0604020202090204"/>
+                <a:ea typeface="Arial" panose="020B0604020202090204"/>
+                <a:cs typeface="Arial" panose="020B0604020202090204"/>
+                <a:sym typeface="Arial" panose="020B0604020202090204"/>
               </a:defRPr>
             </a:lvl1pPr>
             <a:lvl2pPr marL="0" marR="0" lvl="1" indent="0" algn="ctr" rtl="0">
@@ -1930,10 +1924,10 @@
                 <a:solidFill>
                   <a:schemeClr val="dk2"/>
                 </a:solidFill>
-                <a:latin typeface="Arial" panose="020B0604020202020204"/>
-                <a:ea typeface="Arial" panose="020B0604020202020204"/>
-                <a:cs typeface="Arial" panose="020B0604020202020204"/>
-                <a:sym typeface="Arial" panose="020B0604020202020204"/>
+                <a:latin typeface="Arial" panose="020B0604020202090204"/>
+                <a:ea typeface="Arial" panose="020B0604020202090204"/>
+                <a:cs typeface="Arial" panose="020B0604020202090204"/>
+                <a:sym typeface="Arial" panose="020B0604020202090204"/>
               </a:defRPr>
             </a:lvl2pPr>
             <a:lvl3pPr marL="0" marR="0" lvl="2" indent="0" algn="ctr" rtl="0">
@@ -1949,10 +1943,10 @@
                 <a:solidFill>
                   <a:schemeClr val="dk2"/>
                 </a:solidFill>
-                <a:latin typeface="Arial" panose="020B0604020202020204"/>
-                <a:ea typeface="Arial" panose="020B0604020202020204"/>
-                <a:cs typeface="Arial" panose="020B0604020202020204"/>
-                <a:sym typeface="Arial" panose="020B0604020202020204"/>
+                <a:latin typeface="Arial" panose="020B0604020202090204"/>
+                <a:ea typeface="Arial" panose="020B0604020202090204"/>
+                <a:cs typeface="Arial" panose="020B0604020202090204"/>
+                <a:sym typeface="Arial" panose="020B0604020202090204"/>
               </a:defRPr>
             </a:lvl3pPr>
             <a:lvl4pPr marL="0" marR="0" lvl="3" indent="0" algn="ctr" rtl="0">
@@ -1968,10 +1962,10 @@
                 <a:solidFill>
                   <a:schemeClr val="dk2"/>
                 </a:solidFill>
-                <a:latin typeface="Arial" panose="020B0604020202020204"/>
-                <a:ea typeface="Arial" panose="020B0604020202020204"/>
-                <a:cs typeface="Arial" panose="020B0604020202020204"/>
-                <a:sym typeface="Arial" panose="020B0604020202020204"/>
+                <a:latin typeface="Arial" panose="020B0604020202090204"/>
+                <a:ea typeface="Arial" panose="020B0604020202090204"/>
+                <a:cs typeface="Arial" panose="020B0604020202090204"/>
+                <a:sym typeface="Arial" panose="020B0604020202090204"/>
               </a:defRPr>
             </a:lvl4pPr>
             <a:lvl5pPr marL="0" marR="0" lvl="4" indent="0" algn="ctr" rtl="0">
@@ -1987,10 +1981,10 @@
                 <a:solidFill>
                   <a:schemeClr val="dk2"/>
                 </a:solidFill>
-                <a:latin typeface="Arial" panose="020B0604020202020204"/>
-                <a:ea typeface="Arial" panose="020B0604020202020204"/>
-                <a:cs typeface="Arial" panose="020B0604020202020204"/>
-                <a:sym typeface="Arial" panose="020B0604020202020204"/>
+                <a:latin typeface="Arial" panose="020B0604020202090204"/>
+                <a:ea typeface="Arial" panose="020B0604020202090204"/>
+                <a:cs typeface="Arial" panose="020B0604020202090204"/>
+                <a:sym typeface="Arial" panose="020B0604020202090204"/>
               </a:defRPr>
             </a:lvl5pPr>
             <a:lvl6pPr marL="457200" marR="0" lvl="5" indent="0" algn="ctr" rtl="0">
@@ -2006,10 +2000,10 @@
                 <a:solidFill>
                   <a:schemeClr val="dk2"/>
                 </a:solidFill>
-                <a:latin typeface="Arial" panose="020B0604020202020204"/>
-                <a:ea typeface="Arial" panose="020B0604020202020204"/>
-                <a:cs typeface="Arial" panose="020B0604020202020204"/>
-                <a:sym typeface="Arial" panose="020B0604020202020204"/>
+                <a:latin typeface="Arial" panose="020B0604020202090204"/>
+                <a:ea typeface="Arial" panose="020B0604020202090204"/>
+                <a:cs typeface="Arial" panose="020B0604020202090204"/>
+                <a:sym typeface="Arial" panose="020B0604020202090204"/>
               </a:defRPr>
             </a:lvl6pPr>
             <a:lvl7pPr marL="914400" marR="0" lvl="6" indent="0" algn="ctr" rtl="0">
@@ -2025,10 +2019,10 @@
                 <a:solidFill>
                   <a:schemeClr val="dk2"/>
                 </a:solidFill>
-                <a:latin typeface="Arial" panose="020B0604020202020204"/>
-                <a:ea typeface="Arial" panose="020B0604020202020204"/>
-                <a:cs typeface="Arial" panose="020B0604020202020204"/>
-                <a:sym typeface="Arial" panose="020B0604020202020204"/>
+                <a:latin typeface="Arial" panose="020B0604020202090204"/>
+                <a:ea typeface="Arial" panose="020B0604020202090204"/>
+                <a:cs typeface="Arial" panose="020B0604020202090204"/>
+                <a:sym typeface="Arial" panose="020B0604020202090204"/>
               </a:defRPr>
             </a:lvl7pPr>
             <a:lvl8pPr marL="1371600" marR="0" lvl="7" indent="0" algn="ctr" rtl="0">
@@ -2044,10 +2038,10 @@
                 <a:solidFill>
                   <a:schemeClr val="dk2"/>
                 </a:solidFill>
-                <a:latin typeface="Arial" panose="020B0604020202020204"/>
-                <a:ea typeface="Arial" panose="020B0604020202020204"/>
-                <a:cs typeface="Arial" panose="020B0604020202020204"/>
-                <a:sym typeface="Arial" panose="020B0604020202020204"/>
+                <a:latin typeface="Arial" panose="020B0604020202090204"/>
+                <a:ea typeface="Arial" panose="020B0604020202090204"/>
+                <a:cs typeface="Arial" panose="020B0604020202090204"/>
+                <a:sym typeface="Arial" panose="020B0604020202090204"/>
               </a:defRPr>
             </a:lvl8pPr>
             <a:lvl9pPr marL="1828800" marR="0" lvl="8" indent="0" algn="ctr" rtl="0">
@@ -2063,10 +2057,10 @@
                 <a:solidFill>
                   <a:schemeClr val="dk2"/>
                 </a:solidFill>
-                <a:latin typeface="Arial" panose="020B0604020202020204"/>
-                <a:ea typeface="Arial" panose="020B0604020202020204"/>
-                <a:cs typeface="Arial" panose="020B0604020202020204"/>
-                <a:sym typeface="Arial" panose="020B0604020202020204"/>
+                <a:latin typeface="Arial" panose="020B0604020202090204"/>
+                <a:ea typeface="Arial" panose="020B0604020202090204"/>
+                <a:cs typeface="Arial" panose="020B0604020202090204"/>
+                <a:sym typeface="Arial" panose="020B0604020202090204"/>
               </a:defRPr>
             </a:lvl9pPr>
           </a:lstStyle>
@@ -2137,10 +2131,10 @@
                 <a:solidFill>
                   <a:schemeClr val="dk2"/>
                 </a:solidFill>
-                <a:latin typeface="Arial" panose="020B0604020202020204"/>
-                <a:ea typeface="Arial" panose="020B0604020202020204"/>
-                <a:cs typeface="Arial" panose="020B0604020202020204"/>
-                <a:sym typeface="Arial" panose="020B0604020202020204"/>
+                <a:latin typeface="Arial" panose="020B0604020202090204"/>
+                <a:ea typeface="Arial" panose="020B0604020202090204"/>
+                <a:cs typeface="Arial" panose="020B0604020202090204"/>
+                <a:sym typeface="Arial" panose="020B0604020202090204"/>
               </a:defRPr>
             </a:lvl1pPr>
             <a:lvl2pPr marL="0" marR="0" lvl="1" indent="0" algn="ctr" rtl="0">
@@ -2156,10 +2150,10 @@
                 <a:solidFill>
                   <a:schemeClr val="dk2"/>
                 </a:solidFill>
-                <a:latin typeface="Arial" panose="020B0604020202020204"/>
-                <a:ea typeface="Arial" panose="020B0604020202020204"/>
-                <a:cs typeface="Arial" panose="020B0604020202020204"/>
-                <a:sym typeface="Arial" panose="020B0604020202020204"/>
+                <a:latin typeface="Arial" panose="020B0604020202090204"/>
+                <a:ea typeface="Arial" panose="020B0604020202090204"/>
+                <a:cs typeface="Arial" panose="020B0604020202090204"/>
+                <a:sym typeface="Arial" panose="020B0604020202090204"/>
               </a:defRPr>
             </a:lvl2pPr>
             <a:lvl3pPr marL="0" marR="0" lvl="2" indent="0" algn="ctr" rtl="0">
@@ -2175,10 +2169,10 @@
                 <a:solidFill>
                   <a:schemeClr val="dk2"/>
                 </a:solidFill>
-                <a:latin typeface="Arial" panose="020B0604020202020204"/>
-                <a:ea typeface="Arial" panose="020B0604020202020204"/>
-                <a:cs typeface="Arial" panose="020B0604020202020204"/>
-                <a:sym typeface="Arial" panose="020B0604020202020204"/>
+                <a:latin typeface="Arial" panose="020B0604020202090204"/>
+                <a:ea typeface="Arial" panose="020B0604020202090204"/>
+                <a:cs typeface="Arial" panose="020B0604020202090204"/>
+                <a:sym typeface="Arial" panose="020B0604020202090204"/>
               </a:defRPr>
             </a:lvl3pPr>
             <a:lvl4pPr marL="0" marR="0" lvl="3" indent="0" algn="ctr" rtl="0">
@@ -2194,10 +2188,10 @@
                 <a:solidFill>
                   <a:schemeClr val="dk2"/>
                 </a:solidFill>
-                <a:latin typeface="Arial" panose="020B0604020202020204"/>
-                <a:ea typeface="Arial" panose="020B0604020202020204"/>
-                <a:cs typeface="Arial" panose="020B0604020202020204"/>
-                <a:sym typeface="Arial" panose="020B0604020202020204"/>
+                <a:latin typeface="Arial" panose="020B0604020202090204"/>
+                <a:ea typeface="Arial" panose="020B0604020202090204"/>
+                <a:cs typeface="Arial" panose="020B0604020202090204"/>
+                <a:sym typeface="Arial" panose="020B0604020202090204"/>
               </a:defRPr>
             </a:lvl4pPr>
             <a:lvl5pPr marL="0" marR="0" lvl="4" indent="0" algn="ctr" rtl="0">
@@ -2213,10 +2207,10 @@
                 <a:solidFill>
                   <a:schemeClr val="dk2"/>
                 </a:solidFill>
-                <a:latin typeface="Arial" panose="020B0604020202020204"/>
-                <a:ea typeface="Arial" panose="020B0604020202020204"/>
-                <a:cs typeface="Arial" panose="020B0604020202020204"/>
-                <a:sym typeface="Arial" panose="020B0604020202020204"/>
+                <a:latin typeface="Arial" panose="020B0604020202090204"/>
+                <a:ea typeface="Arial" panose="020B0604020202090204"/>
+                <a:cs typeface="Arial" panose="020B0604020202090204"/>
+                <a:sym typeface="Arial" panose="020B0604020202090204"/>
               </a:defRPr>
             </a:lvl5pPr>
             <a:lvl6pPr marL="457200" marR="0" lvl="5" indent="0" algn="ctr" rtl="0">
@@ -2232,10 +2226,10 @@
                 <a:solidFill>
                   <a:schemeClr val="dk2"/>
                 </a:solidFill>
-                <a:latin typeface="Arial" panose="020B0604020202020204"/>
-                <a:ea typeface="Arial" panose="020B0604020202020204"/>
-                <a:cs typeface="Arial" panose="020B0604020202020204"/>
-                <a:sym typeface="Arial" panose="020B0604020202020204"/>
+                <a:latin typeface="Arial" panose="020B0604020202090204"/>
+                <a:ea typeface="Arial" panose="020B0604020202090204"/>
+                <a:cs typeface="Arial" panose="020B0604020202090204"/>
+                <a:sym typeface="Arial" panose="020B0604020202090204"/>
               </a:defRPr>
             </a:lvl6pPr>
             <a:lvl7pPr marL="914400" marR="0" lvl="6" indent="0" algn="ctr" rtl="0">
@@ -2251,10 +2245,10 @@
                 <a:solidFill>
                   <a:schemeClr val="dk2"/>
                 </a:solidFill>
-                <a:latin typeface="Arial" panose="020B0604020202020204"/>
-                <a:ea typeface="Arial" panose="020B0604020202020204"/>
-                <a:cs typeface="Arial" panose="020B0604020202020204"/>
-                <a:sym typeface="Arial" panose="020B0604020202020204"/>
+                <a:latin typeface="Arial" panose="020B0604020202090204"/>
+                <a:ea typeface="Arial" panose="020B0604020202090204"/>
+                <a:cs typeface="Arial" panose="020B0604020202090204"/>
+                <a:sym typeface="Arial" panose="020B0604020202090204"/>
               </a:defRPr>
             </a:lvl7pPr>
             <a:lvl8pPr marL="1371600" marR="0" lvl="7" indent="0" algn="ctr" rtl="0">
@@ -2270,10 +2264,10 @@
                 <a:solidFill>
                   <a:schemeClr val="dk2"/>
                 </a:solidFill>
-                <a:latin typeface="Arial" panose="020B0604020202020204"/>
-                <a:ea typeface="Arial" panose="020B0604020202020204"/>
-                <a:cs typeface="Arial" panose="020B0604020202020204"/>
-                <a:sym typeface="Arial" panose="020B0604020202020204"/>
+                <a:latin typeface="Arial" panose="020B0604020202090204"/>
+                <a:ea typeface="Arial" panose="020B0604020202090204"/>
+                <a:cs typeface="Arial" panose="020B0604020202090204"/>
+                <a:sym typeface="Arial" panose="020B0604020202090204"/>
               </a:defRPr>
             </a:lvl8pPr>
             <a:lvl9pPr marL="1828800" marR="0" lvl="8" indent="0" algn="ctr" rtl="0">
@@ -2289,10 +2283,10 @@
                 <a:solidFill>
                   <a:schemeClr val="dk2"/>
                 </a:solidFill>
-                <a:latin typeface="Arial" panose="020B0604020202020204"/>
-                <a:ea typeface="Arial" panose="020B0604020202020204"/>
-                <a:cs typeface="Arial" panose="020B0604020202020204"/>
-                <a:sym typeface="Arial" panose="020B0604020202020204"/>
+                <a:latin typeface="Arial" panose="020B0604020202090204"/>
+                <a:ea typeface="Arial" panose="020B0604020202090204"/>
+                <a:cs typeface="Arial" panose="020B0604020202090204"/>
+                <a:sym typeface="Arial" panose="020B0604020202090204"/>
               </a:defRPr>
             </a:lvl9pPr>
           </a:lstStyle>
@@ -2336,16 +2330,16 @@
                 <a:schemeClr val="dk1"/>
               </a:buClr>
               <a:buSzPts val="1400"/>
-              <a:buFont typeface="Arial" panose="020B0604020202020204"/>
+              <a:buFont typeface="Arial" panose="020B0604020202090204"/>
               <a:buNone/>
               <a:defRPr sz="2400" b="1" i="0" u="none" strike="noStrike" cap="none">
                 <a:solidFill>
                   <a:schemeClr val="dk1"/>
                 </a:solidFill>
-                <a:latin typeface="Arial" panose="020B0604020202020204"/>
-                <a:ea typeface="Arial" panose="020B0604020202020204"/>
-                <a:cs typeface="Arial" panose="020B0604020202020204"/>
-                <a:sym typeface="Arial" panose="020B0604020202020204"/>
+                <a:latin typeface="Arial" panose="020B0604020202090204"/>
+                <a:ea typeface="Arial" panose="020B0604020202090204"/>
+                <a:cs typeface="Arial" panose="020B0604020202090204"/>
+                <a:sym typeface="Arial" panose="020B0604020202090204"/>
               </a:defRPr>
             </a:lvl1pPr>
             <a:lvl2pPr marL="914400" marR="0" lvl="1" indent="-228600" algn="l" rtl="0">
@@ -2359,16 +2353,16 @@
                 <a:schemeClr val="dk1"/>
               </a:buClr>
               <a:buSzPts val="1400"/>
-              <a:buFont typeface="Arial" panose="020B0604020202020204"/>
+              <a:buFont typeface="Arial" panose="020B0604020202090204"/>
               <a:buNone/>
               <a:defRPr sz="2000" b="1" i="0" u="none" strike="noStrike" cap="none">
                 <a:solidFill>
                   <a:schemeClr val="dk1"/>
                 </a:solidFill>
-                <a:latin typeface="Arial" panose="020B0604020202020204"/>
-                <a:ea typeface="Arial" panose="020B0604020202020204"/>
-                <a:cs typeface="Arial" panose="020B0604020202020204"/>
-                <a:sym typeface="Arial" panose="020B0604020202020204"/>
+                <a:latin typeface="Arial" panose="020B0604020202090204"/>
+                <a:ea typeface="Arial" panose="020B0604020202090204"/>
+                <a:cs typeface="Arial" panose="020B0604020202090204"/>
+                <a:sym typeface="Arial" panose="020B0604020202090204"/>
               </a:defRPr>
             </a:lvl2pPr>
             <a:lvl3pPr marL="1371600" marR="0" lvl="2" indent="-228600" algn="l" rtl="0">
@@ -2382,16 +2376,16 @@
                 <a:schemeClr val="dk1"/>
               </a:buClr>
               <a:buSzPts val="1400"/>
-              <a:buFont typeface="Arial" panose="020B0604020202020204"/>
+              <a:buFont typeface="Arial" panose="020B0604020202090204"/>
               <a:buNone/>
               <a:defRPr sz="1800" b="1" i="0" u="none" strike="noStrike" cap="none">
                 <a:solidFill>
                   <a:schemeClr val="dk1"/>
                 </a:solidFill>
-                <a:latin typeface="Arial" panose="020B0604020202020204"/>
-                <a:ea typeface="Arial" panose="020B0604020202020204"/>
-                <a:cs typeface="Arial" panose="020B0604020202020204"/>
-                <a:sym typeface="Arial" panose="020B0604020202020204"/>
+                <a:latin typeface="Arial" panose="020B0604020202090204"/>
+                <a:ea typeface="Arial" panose="020B0604020202090204"/>
+                <a:cs typeface="Arial" panose="020B0604020202090204"/>
+                <a:sym typeface="Arial" panose="020B0604020202090204"/>
               </a:defRPr>
             </a:lvl3pPr>
             <a:lvl4pPr marL="1828800" marR="0" lvl="3" indent="-228600" algn="l" rtl="0">
@@ -2405,16 +2399,16 @@
                 <a:schemeClr val="dk1"/>
               </a:buClr>
               <a:buSzPts val="1400"/>
-              <a:buFont typeface="Arial" panose="020B0604020202020204"/>
+              <a:buFont typeface="Arial" panose="020B0604020202090204"/>
               <a:buNone/>
               <a:defRPr sz="1600" b="1" i="0" u="none" strike="noStrike" cap="none">
                 <a:solidFill>
                   <a:schemeClr val="dk1"/>
                 </a:solidFill>
-                <a:latin typeface="Arial" panose="020B0604020202020204"/>
-                <a:ea typeface="Arial" panose="020B0604020202020204"/>
-                <a:cs typeface="Arial" panose="020B0604020202020204"/>
-                <a:sym typeface="Arial" panose="020B0604020202020204"/>
+                <a:latin typeface="Arial" panose="020B0604020202090204"/>
+                <a:ea typeface="Arial" panose="020B0604020202090204"/>
+                <a:cs typeface="Arial" panose="020B0604020202090204"/>
+                <a:sym typeface="Arial" panose="020B0604020202090204"/>
               </a:defRPr>
             </a:lvl4pPr>
             <a:lvl5pPr marL="2286000" marR="0" lvl="4" indent="-228600" algn="l" rtl="0">
@@ -2428,16 +2422,16 @@
                 <a:schemeClr val="dk1"/>
               </a:buClr>
               <a:buSzPts val="1400"/>
-              <a:buFont typeface="Arial" panose="020B0604020202020204"/>
+              <a:buFont typeface="Arial" panose="020B0604020202090204"/>
               <a:buNone/>
               <a:defRPr sz="1600" b="1" i="0" u="none" strike="noStrike" cap="none">
                 <a:solidFill>
                   <a:schemeClr val="dk1"/>
                 </a:solidFill>
-                <a:latin typeface="Arial" panose="020B0604020202020204"/>
-                <a:ea typeface="Arial" panose="020B0604020202020204"/>
-                <a:cs typeface="Arial" panose="020B0604020202020204"/>
-                <a:sym typeface="Arial" panose="020B0604020202020204"/>
+                <a:latin typeface="Arial" panose="020B0604020202090204"/>
+                <a:ea typeface="Arial" panose="020B0604020202090204"/>
+                <a:cs typeface="Arial" panose="020B0604020202090204"/>
+                <a:sym typeface="Arial" panose="020B0604020202090204"/>
               </a:defRPr>
             </a:lvl5pPr>
             <a:lvl6pPr marL="2743200" marR="0" lvl="5" indent="-228600" algn="l" rtl="0">
@@ -2451,16 +2445,16 @@
                 <a:schemeClr val="dk1"/>
               </a:buClr>
               <a:buSzPts val="1400"/>
-              <a:buFont typeface="Arial" panose="020B0604020202020204"/>
+              <a:buFont typeface="Arial" panose="020B0604020202090204"/>
               <a:buNone/>
               <a:defRPr sz="1600" b="1" i="0" u="none" strike="noStrike" cap="none">
                 <a:solidFill>
                   <a:schemeClr val="dk1"/>
                 </a:solidFill>
-                <a:latin typeface="Arial" panose="020B0604020202020204"/>
-                <a:ea typeface="Arial" panose="020B0604020202020204"/>
-                <a:cs typeface="Arial" panose="020B0604020202020204"/>
-                <a:sym typeface="Arial" panose="020B0604020202020204"/>
+                <a:latin typeface="Arial" panose="020B0604020202090204"/>
+                <a:ea typeface="Arial" panose="020B0604020202090204"/>
+                <a:cs typeface="Arial" panose="020B0604020202090204"/>
+                <a:sym typeface="Arial" panose="020B0604020202090204"/>
               </a:defRPr>
             </a:lvl6pPr>
             <a:lvl7pPr marL="3200400" marR="0" lvl="6" indent="-228600" algn="l" rtl="0">
@@ -2474,16 +2468,16 @@
                 <a:schemeClr val="dk1"/>
               </a:buClr>
               <a:buSzPts val="1400"/>
-              <a:buFont typeface="Arial" panose="020B0604020202020204"/>
+              <a:buFont typeface="Arial" panose="020B0604020202090204"/>
               <a:buNone/>
               <a:defRPr sz="1600" b="1" i="0" u="none" strike="noStrike" cap="none">
                 <a:solidFill>
                   <a:schemeClr val="dk1"/>
                 </a:solidFill>
-                <a:latin typeface="Arial" panose="020B0604020202020204"/>
-                <a:ea typeface="Arial" panose="020B0604020202020204"/>
-                <a:cs typeface="Arial" panose="020B0604020202020204"/>
-                <a:sym typeface="Arial" panose="020B0604020202020204"/>
+                <a:latin typeface="Arial" panose="020B0604020202090204"/>
+                <a:ea typeface="Arial" panose="020B0604020202090204"/>
+                <a:cs typeface="Arial" panose="020B0604020202090204"/>
+                <a:sym typeface="Arial" panose="020B0604020202090204"/>
               </a:defRPr>
             </a:lvl7pPr>
             <a:lvl8pPr marL="3657600" marR="0" lvl="7" indent="-228600" algn="l" rtl="0">
@@ -2497,16 +2491,16 @@
                 <a:schemeClr val="dk1"/>
               </a:buClr>
               <a:buSzPts val="1400"/>
-              <a:buFont typeface="Arial" panose="020B0604020202020204"/>
+              <a:buFont typeface="Arial" panose="020B0604020202090204"/>
               <a:buNone/>
               <a:defRPr sz="1600" b="1" i="0" u="none" strike="noStrike" cap="none">
                 <a:solidFill>
                   <a:schemeClr val="dk1"/>
                 </a:solidFill>
-                <a:latin typeface="Arial" panose="020B0604020202020204"/>
-                <a:ea typeface="Arial" panose="020B0604020202020204"/>
-                <a:cs typeface="Arial" panose="020B0604020202020204"/>
-                <a:sym typeface="Arial" panose="020B0604020202020204"/>
+                <a:latin typeface="Arial" panose="020B0604020202090204"/>
+                <a:ea typeface="Arial" panose="020B0604020202090204"/>
+                <a:cs typeface="Arial" panose="020B0604020202090204"/>
+                <a:sym typeface="Arial" panose="020B0604020202090204"/>
               </a:defRPr>
             </a:lvl8pPr>
             <a:lvl9pPr marL="4114800" marR="0" lvl="8" indent="-228600" algn="l" rtl="0">
@@ -2520,16 +2514,16 @@
                 <a:schemeClr val="dk1"/>
               </a:buClr>
               <a:buSzPts val="1400"/>
-              <a:buFont typeface="Arial" panose="020B0604020202020204"/>
+              <a:buFont typeface="Arial" panose="020B0604020202090204"/>
               <a:buNone/>
               <a:defRPr sz="1600" b="1" i="0" u="none" strike="noStrike" cap="none">
                 <a:solidFill>
                   <a:schemeClr val="dk1"/>
                 </a:solidFill>
-                <a:latin typeface="Arial" panose="020B0604020202020204"/>
-                <a:ea typeface="Arial" panose="020B0604020202020204"/>
-                <a:cs typeface="Arial" panose="020B0604020202020204"/>
-                <a:sym typeface="Arial" panose="020B0604020202020204"/>
+                <a:latin typeface="Arial" panose="020B0604020202090204"/>
+                <a:ea typeface="Arial" panose="020B0604020202090204"/>
+                <a:cs typeface="Arial" panose="020B0604020202090204"/>
+                <a:sym typeface="Arial" panose="020B0604020202090204"/>
               </a:defRPr>
             </a:lvl9pPr>
           </a:lstStyle>
@@ -2573,16 +2567,16 @@
                 <a:schemeClr val="dk1"/>
               </a:buClr>
               <a:buSzPts val="2400"/>
-              <a:buFont typeface="Arial" panose="020B0604020202020204"/>
+              <a:buFont typeface="Arial" panose="020B0604020202090204"/>
               <a:buChar char="•"/>
               <a:defRPr sz="2400" b="0" i="0" u="none" strike="noStrike" cap="none">
                 <a:solidFill>
                   <a:schemeClr val="dk1"/>
                 </a:solidFill>
-                <a:latin typeface="Arial" panose="020B0604020202020204"/>
-                <a:ea typeface="Arial" panose="020B0604020202020204"/>
-                <a:cs typeface="Arial" panose="020B0604020202020204"/>
-                <a:sym typeface="Arial" panose="020B0604020202020204"/>
+                <a:latin typeface="Arial" panose="020B0604020202090204"/>
+                <a:ea typeface="Arial" panose="020B0604020202090204"/>
+                <a:cs typeface="Arial" panose="020B0604020202090204"/>
+                <a:sym typeface="Arial" panose="020B0604020202090204"/>
               </a:defRPr>
             </a:lvl1pPr>
             <a:lvl2pPr marL="914400" marR="0" lvl="1" indent="-355600" algn="l" rtl="0">
@@ -2596,16 +2590,16 @@
                 <a:schemeClr val="dk1"/>
               </a:buClr>
               <a:buSzPts val="2000"/>
-              <a:buFont typeface="Arial" panose="020B0604020202020204"/>
+              <a:buFont typeface="Arial" panose="020B0604020202090204"/>
               <a:buChar char="–"/>
               <a:defRPr sz="2000" b="0" i="0" u="none" strike="noStrike" cap="none">
                 <a:solidFill>
                   <a:schemeClr val="dk1"/>
                 </a:solidFill>
-                <a:latin typeface="Arial" panose="020B0604020202020204"/>
-                <a:ea typeface="Arial" panose="020B0604020202020204"/>
-                <a:cs typeface="Arial" panose="020B0604020202020204"/>
-                <a:sym typeface="Arial" panose="020B0604020202020204"/>
+                <a:latin typeface="Arial" panose="020B0604020202090204"/>
+                <a:ea typeface="Arial" panose="020B0604020202090204"/>
+                <a:cs typeface="Arial" panose="020B0604020202090204"/>
+                <a:sym typeface="Arial" panose="020B0604020202090204"/>
               </a:defRPr>
             </a:lvl2pPr>
             <a:lvl3pPr marL="1371600" marR="0" lvl="2" indent="-342900" algn="l" rtl="0">
@@ -2619,16 +2613,16 @@
                 <a:schemeClr val="dk1"/>
               </a:buClr>
               <a:buSzPts val="1800"/>
-              <a:buFont typeface="Arial" panose="020B0604020202020204"/>
+              <a:buFont typeface="Arial" panose="020B0604020202090204"/>
               <a:buChar char="•"/>
               <a:defRPr sz="1800" b="0" i="0" u="none" strike="noStrike" cap="none">
                 <a:solidFill>
                   <a:schemeClr val="dk1"/>
                 </a:solidFill>
-                <a:latin typeface="Arial" panose="020B0604020202020204"/>
-                <a:ea typeface="Arial" panose="020B0604020202020204"/>
-                <a:cs typeface="Arial" panose="020B0604020202020204"/>
-                <a:sym typeface="Arial" panose="020B0604020202020204"/>
+                <a:latin typeface="Arial" panose="020B0604020202090204"/>
+                <a:ea typeface="Arial" panose="020B0604020202090204"/>
+                <a:cs typeface="Arial" panose="020B0604020202090204"/>
+                <a:sym typeface="Arial" panose="020B0604020202090204"/>
               </a:defRPr>
             </a:lvl3pPr>
             <a:lvl4pPr marL="1828800" marR="0" lvl="3" indent="-330200" algn="l" rtl="0">
@@ -2642,16 +2636,16 @@
                 <a:schemeClr val="dk1"/>
               </a:buClr>
               <a:buSzPts val="1600"/>
-              <a:buFont typeface="Arial" panose="020B0604020202020204"/>
+              <a:buFont typeface="Arial" panose="020B0604020202090204"/>
               <a:buChar char="–"/>
               <a:defRPr sz="1600" b="0" i="0" u="none" strike="noStrike" cap="none">
                 <a:solidFill>
                   <a:schemeClr val="dk1"/>
                 </a:solidFill>
-                <a:latin typeface="Arial" panose="020B0604020202020204"/>
-                <a:ea typeface="Arial" panose="020B0604020202020204"/>
-                <a:cs typeface="Arial" panose="020B0604020202020204"/>
-                <a:sym typeface="Arial" panose="020B0604020202020204"/>
+                <a:latin typeface="Arial" panose="020B0604020202090204"/>
+                <a:ea typeface="Arial" panose="020B0604020202090204"/>
+                <a:cs typeface="Arial" panose="020B0604020202090204"/>
+                <a:sym typeface="Arial" panose="020B0604020202090204"/>
               </a:defRPr>
             </a:lvl4pPr>
             <a:lvl5pPr marL="2286000" marR="0" lvl="4" indent="-330200" algn="l" rtl="0">
@@ -2665,16 +2659,16 @@
                 <a:schemeClr val="dk1"/>
               </a:buClr>
               <a:buSzPts val="1600"/>
-              <a:buFont typeface="Arial" panose="020B0604020202020204"/>
+              <a:buFont typeface="Arial" panose="020B0604020202090204"/>
               <a:buChar char="»"/>
               <a:defRPr sz="1600" b="0" i="0" u="none" strike="noStrike" cap="none">
                 <a:solidFill>
                   <a:schemeClr val="dk1"/>
                 </a:solidFill>
-                <a:latin typeface="Arial" panose="020B0604020202020204"/>
-                <a:ea typeface="Arial" panose="020B0604020202020204"/>
-                <a:cs typeface="Arial" panose="020B0604020202020204"/>
-                <a:sym typeface="Arial" panose="020B0604020202020204"/>
+                <a:latin typeface="Arial" panose="020B0604020202090204"/>
+                <a:ea typeface="Arial" panose="020B0604020202090204"/>
+                <a:cs typeface="Arial" panose="020B0604020202090204"/>
+                <a:sym typeface="Arial" panose="020B0604020202090204"/>
               </a:defRPr>
             </a:lvl5pPr>
             <a:lvl6pPr marL="2743200" marR="0" lvl="5" indent="-330200" algn="l" rtl="0">
@@ -2688,16 +2682,16 @@
                 <a:schemeClr val="dk1"/>
               </a:buClr>
               <a:buSzPts val="1600"/>
-              <a:buFont typeface="Arial" panose="020B0604020202020204"/>
+              <a:buFont typeface="Arial" panose="020B0604020202090204"/>
               <a:buChar char="»"/>
               <a:defRPr sz="1600" b="0" i="0" u="none" strike="noStrike" cap="none">
                 <a:solidFill>
                   <a:schemeClr val="dk1"/>
                 </a:solidFill>
-                <a:latin typeface="Arial" panose="020B0604020202020204"/>
-                <a:ea typeface="Arial" panose="020B0604020202020204"/>
-                <a:cs typeface="Arial" panose="020B0604020202020204"/>
-                <a:sym typeface="Arial" panose="020B0604020202020204"/>
+                <a:latin typeface="Arial" panose="020B0604020202090204"/>
+                <a:ea typeface="Arial" panose="020B0604020202090204"/>
+                <a:cs typeface="Arial" panose="020B0604020202090204"/>
+                <a:sym typeface="Arial" panose="020B0604020202090204"/>
               </a:defRPr>
             </a:lvl6pPr>
             <a:lvl7pPr marL="3200400" marR="0" lvl="6" indent="-330200" algn="l" rtl="0">
@@ -2711,16 +2705,16 @@
                 <a:schemeClr val="dk1"/>
               </a:buClr>
               <a:buSzPts val="1600"/>
-              <a:buFont typeface="Arial" panose="020B0604020202020204"/>
+              <a:buFont typeface="Arial" panose="020B0604020202090204"/>
               <a:buChar char="»"/>
               <a:defRPr sz="1600" b="0" i="0" u="none" strike="noStrike" cap="none">
                 <a:solidFill>
                   <a:schemeClr val="dk1"/>
                 </a:solidFill>
-                <a:latin typeface="Arial" panose="020B0604020202020204"/>
-                <a:ea typeface="Arial" panose="020B0604020202020204"/>
-                <a:cs typeface="Arial" panose="020B0604020202020204"/>
-                <a:sym typeface="Arial" panose="020B0604020202020204"/>
+                <a:latin typeface="Arial" panose="020B0604020202090204"/>
+                <a:ea typeface="Arial" panose="020B0604020202090204"/>
+                <a:cs typeface="Arial" panose="020B0604020202090204"/>
+                <a:sym typeface="Arial" panose="020B0604020202090204"/>
               </a:defRPr>
             </a:lvl7pPr>
             <a:lvl8pPr marL="3657600" marR="0" lvl="7" indent="-330200" algn="l" rtl="0">
@@ -2734,16 +2728,16 @@
                 <a:schemeClr val="dk1"/>
               </a:buClr>
               <a:buSzPts val="1600"/>
-              <a:buFont typeface="Arial" panose="020B0604020202020204"/>
+              <a:buFont typeface="Arial" panose="020B0604020202090204"/>
               <a:buChar char="»"/>
               <a:defRPr sz="1600" b="0" i="0" u="none" strike="noStrike" cap="none">
                 <a:solidFill>
                   <a:schemeClr val="dk1"/>
                 </a:solidFill>
-                <a:latin typeface="Arial" panose="020B0604020202020204"/>
-                <a:ea typeface="Arial" panose="020B0604020202020204"/>
-                <a:cs typeface="Arial" panose="020B0604020202020204"/>
-                <a:sym typeface="Arial" panose="020B0604020202020204"/>
+                <a:latin typeface="Arial" panose="020B0604020202090204"/>
+                <a:ea typeface="Arial" panose="020B0604020202090204"/>
+                <a:cs typeface="Arial" panose="020B0604020202090204"/>
+                <a:sym typeface="Arial" panose="020B0604020202090204"/>
               </a:defRPr>
             </a:lvl8pPr>
             <a:lvl9pPr marL="4114800" marR="0" lvl="8" indent="-330200" algn="l" rtl="0">
@@ -2757,16 +2751,16 @@
                 <a:schemeClr val="dk1"/>
               </a:buClr>
               <a:buSzPts val="1600"/>
-              <a:buFont typeface="Arial" panose="020B0604020202020204"/>
+              <a:buFont typeface="Arial" panose="020B0604020202090204"/>
               <a:buChar char="»"/>
               <a:defRPr sz="1600" b="0" i="0" u="none" strike="noStrike" cap="none">
                 <a:solidFill>
                   <a:schemeClr val="dk1"/>
                 </a:solidFill>
-                <a:latin typeface="Arial" panose="020B0604020202020204"/>
-                <a:ea typeface="Arial" panose="020B0604020202020204"/>
-                <a:cs typeface="Arial" panose="020B0604020202020204"/>
-                <a:sym typeface="Arial" panose="020B0604020202020204"/>
+                <a:latin typeface="Arial" panose="020B0604020202090204"/>
+                <a:ea typeface="Arial" panose="020B0604020202090204"/>
+                <a:cs typeface="Arial" panose="020B0604020202090204"/>
+                <a:sym typeface="Arial" panose="020B0604020202090204"/>
               </a:defRPr>
             </a:lvl9pPr>
           </a:lstStyle>
@@ -2810,16 +2804,16 @@
                 <a:schemeClr val="dk1"/>
               </a:buClr>
               <a:buSzPts val="1400"/>
-              <a:buFont typeface="Arial" panose="020B0604020202020204"/>
+              <a:buFont typeface="Arial" panose="020B0604020202090204"/>
               <a:buNone/>
               <a:defRPr sz="2400" b="1" i="0" u="none" strike="noStrike" cap="none">
                 <a:solidFill>
                   <a:schemeClr val="dk1"/>
                 </a:solidFill>
-                <a:latin typeface="Arial" panose="020B0604020202020204"/>
-                <a:ea typeface="Arial" panose="020B0604020202020204"/>
-                <a:cs typeface="Arial" panose="020B0604020202020204"/>
-                <a:sym typeface="Arial" panose="020B0604020202020204"/>
+                <a:latin typeface="Arial" panose="020B0604020202090204"/>
+                <a:ea typeface="Arial" panose="020B0604020202090204"/>
+                <a:cs typeface="Arial" panose="020B0604020202090204"/>
+                <a:sym typeface="Arial" panose="020B0604020202090204"/>
               </a:defRPr>
             </a:lvl1pPr>
             <a:lvl2pPr marL="914400" marR="0" lvl="1" indent="-228600" algn="l" rtl="0">
@@ -2833,16 +2827,16 @@
                 <a:schemeClr val="dk1"/>
               </a:buClr>
               <a:buSzPts val="1400"/>
-              <a:buFont typeface="Arial" panose="020B0604020202020204"/>
+              <a:buFont typeface="Arial" panose="020B0604020202090204"/>
               <a:buNone/>
               <a:defRPr sz="2000" b="1" i="0" u="none" strike="noStrike" cap="none">
                 <a:solidFill>
                   <a:schemeClr val="dk1"/>
                 </a:solidFill>
-                <a:latin typeface="Arial" panose="020B0604020202020204"/>
-                <a:ea typeface="Arial" panose="020B0604020202020204"/>
-                <a:cs typeface="Arial" panose="020B0604020202020204"/>
-                <a:sym typeface="Arial" panose="020B0604020202020204"/>
+                <a:latin typeface="Arial" panose="020B0604020202090204"/>
+                <a:ea typeface="Arial" panose="020B0604020202090204"/>
+                <a:cs typeface="Arial" panose="020B0604020202090204"/>
+                <a:sym typeface="Arial" panose="020B0604020202090204"/>
               </a:defRPr>
             </a:lvl2pPr>
             <a:lvl3pPr marL="1371600" marR="0" lvl="2" indent="-228600" algn="l" rtl="0">
@@ -2856,16 +2850,16 @@
                 <a:schemeClr val="dk1"/>
               </a:buClr>
               <a:buSzPts val="1400"/>
-              <a:buFont typeface="Arial" panose="020B0604020202020204"/>
+              <a:buFont typeface="Arial" panose="020B0604020202090204"/>
               <a:buNone/>
               <a:defRPr sz="1800" b="1" i="0" u="none" strike="noStrike" cap="none">
                 <a:solidFill>
                   <a:schemeClr val="dk1"/>
                 </a:solidFill>
-                <a:latin typeface="Arial" panose="020B0604020202020204"/>
-                <a:ea typeface="Arial" panose="020B0604020202020204"/>
-                <a:cs typeface="Arial" panose="020B0604020202020204"/>
-                <a:sym typeface="Arial" panose="020B0604020202020204"/>
+                <a:latin typeface="Arial" panose="020B0604020202090204"/>
+                <a:ea typeface="Arial" panose="020B0604020202090204"/>
+                <a:cs typeface="Arial" panose="020B0604020202090204"/>
+                <a:sym typeface="Arial" panose="020B0604020202090204"/>
               </a:defRPr>
             </a:lvl3pPr>
             <a:lvl4pPr marL="1828800" marR="0" lvl="3" indent="-228600" algn="l" rtl="0">
@@ -2879,16 +2873,16 @@
                 <a:schemeClr val="dk1"/>
               </a:buClr>
               <a:buSzPts val="1400"/>
-              <a:buFont typeface="Arial" panose="020B0604020202020204"/>
+              <a:buFont typeface="Arial" panose="020B0604020202090204"/>
               <a:buNone/>
               <a:defRPr sz="1600" b="1" i="0" u="none" strike="noStrike" cap="none">
                 <a:solidFill>
                   <a:schemeClr val="dk1"/>
                 </a:solidFill>
-                <a:latin typeface="Arial" panose="020B0604020202020204"/>
-                <a:ea typeface="Arial" panose="020B0604020202020204"/>
-                <a:cs typeface="Arial" panose="020B0604020202020204"/>
-                <a:sym typeface="Arial" panose="020B0604020202020204"/>
+                <a:latin typeface="Arial" panose="020B0604020202090204"/>
+                <a:ea typeface="Arial" panose="020B0604020202090204"/>
+                <a:cs typeface="Arial" panose="020B0604020202090204"/>
+                <a:sym typeface="Arial" panose="020B0604020202090204"/>
               </a:defRPr>
             </a:lvl4pPr>
             <a:lvl5pPr marL="2286000" marR="0" lvl="4" indent="-228600" algn="l" rtl="0">
@@ -2902,16 +2896,16 @@
                 <a:schemeClr val="dk1"/>
               </a:buClr>
               <a:buSzPts val="1400"/>
-              <a:buFont typeface="Arial" panose="020B0604020202020204"/>
+              <a:buFont typeface="Arial" panose="020B0604020202090204"/>
               <a:buNone/>
               <a:defRPr sz="1600" b="1" i="0" u="none" strike="noStrike" cap="none">
                 <a:solidFill>
                   <a:schemeClr val="dk1"/>
                 </a:solidFill>
-                <a:latin typeface="Arial" panose="020B0604020202020204"/>
-                <a:ea typeface="Arial" panose="020B0604020202020204"/>
-                <a:cs typeface="Arial" panose="020B0604020202020204"/>
-                <a:sym typeface="Arial" panose="020B0604020202020204"/>
+                <a:latin typeface="Arial" panose="020B0604020202090204"/>
+                <a:ea typeface="Arial" panose="020B0604020202090204"/>
+                <a:cs typeface="Arial" panose="020B0604020202090204"/>
+                <a:sym typeface="Arial" panose="020B0604020202090204"/>
               </a:defRPr>
             </a:lvl5pPr>
             <a:lvl6pPr marL="2743200" marR="0" lvl="5" indent="-228600" algn="l" rtl="0">
@@ -2925,16 +2919,16 @@
                 <a:schemeClr val="dk1"/>
               </a:buClr>
               <a:buSzPts val="1400"/>
-              <a:buFont typeface="Arial" panose="020B0604020202020204"/>
+              <a:buFont typeface="Arial" panose="020B0604020202090204"/>
               <a:buNone/>
               <a:defRPr sz="1600" b="1" i="0" u="none" strike="noStrike" cap="none">
                 <a:solidFill>
                   <a:schemeClr val="dk1"/>
                 </a:solidFill>
-                <a:latin typeface="Arial" panose="020B0604020202020204"/>
-                <a:ea typeface="Arial" panose="020B0604020202020204"/>
-                <a:cs typeface="Arial" panose="020B0604020202020204"/>
-                <a:sym typeface="Arial" panose="020B0604020202020204"/>
+                <a:latin typeface="Arial" panose="020B0604020202090204"/>
+                <a:ea typeface="Arial" panose="020B0604020202090204"/>
+                <a:cs typeface="Arial" panose="020B0604020202090204"/>
+                <a:sym typeface="Arial" panose="020B0604020202090204"/>
               </a:defRPr>
             </a:lvl6pPr>
             <a:lvl7pPr marL="3200400" marR="0" lvl="6" indent="-228600" algn="l" rtl="0">
@@ -2948,16 +2942,16 @@
                 <a:schemeClr val="dk1"/>
               </a:buClr>
               <a:buSzPts val="1400"/>
-              <a:buFont typeface="Arial" panose="020B0604020202020204"/>
+              <a:buFont typeface="Arial" panose="020B0604020202090204"/>
               <a:buNone/>
               <a:defRPr sz="1600" b="1" i="0" u="none" strike="noStrike" cap="none">
                 <a:solidFill>
                   <a:schemeClr val="dk1"/>
                 </a:solidFill>
-                <a:latin typeface="Arial" panose="020B0604020202020204"/>
-                <a:ea typeface="Arial" panose="020B0604020202020204"/>
-                <a:cs typeface="Arial" panose="020B0604020202020204"/>
-                <a:sym typeface="Arial" panose="020B0604020202020204"/>
+                <a:latin typeface="Arial" panose="020B0604020202090204"/>
+                <a:ea typeface="Arial" panose="020B0604020202090204"/>
+                <a:cs typeface="Arial" panose="020B0604020202090204"/>
+                <a:sym typeface="Arial" panose="020B0604020202090204"/>
               </a:defRPr>
             </a:lvl7pPr>
             <a:lvl8pPr marL="3657600" marR="0" lvl="7" indent="-228600" algn="l" rtl="0">
@@ -2971,16 +2965,16 @@
                 <a:schemeClr val="dk1"/>
               </a:buClr>
               <a:buSzPts val="1400"/>
-              <a:buFont typeface="Arial" panose="020B0604020202020204"/>
+              <a:buFont typeface="Arial" panose="020B0604020202090204"/>
               <a:buNone/>
               <a:defRPr sz="1600" b="1" i="0" u="none" strike="noStrike" cap="none">
                 <a:solidFill>
                   <a:schemeClr val="dk1"/>
                 </a:solidFill>
-                <a:latin typeface="Arial" panose="020B0604020202020204"/>
-                <a:ea typeface="Arial" panose="020B0604020202020204"/>
-                <a:cs typeface="Arial" panose="020B0604020202020204"/>
-                <a:sym typeface="Arial" panose="020B0604020202020204"/>
+                <a:latin typeface="Arial" panose="020B0604020202090204"/>
+                <a:ea typeface="Arial" panose="020B0604020202090204"/>
+                <a:cs typeface="Arial" panose="020B0604020202090204"/>
+                <a:sym typeface="Arial" panose="020B0604020202090204"/>
               </a:defRPr>
             </a:lvl8pPr>
             <a:lvl9pPr marL="4114800" marR="0" lvl="8" indent="-228600" algn="l" rtl="0">
@@ -2994,16 +2988,16 @@
                 <a:schemeClr val="dk1"/>
               </a:buClr>
               <a:buSzPts val="1400"/>
-              <a:buFont typeface="Arial" panose="020B0604020202020204"/>
+              <a:buFont typeface="Arial" panose="020B0604020202090204"/>
               <a:buNone/>
               <a:defRPr sz="1600" b="1" i="0" u="none" strike="noStrike" cap="none">
                 <a:solidFill>
                   <a:schemeClr val="dk1"/>
                 </a:solidFill>
-                <a:latin typeface="Arial" panose="020B0604020202020204"/>
-                <a:ea typeface="Arial" panose="020B0604020202020204"/>
-                <a:cs typeface="Arial" panose="020B0604020202020204"/>
-                <a:sym typeface="Arial" panose="020B0604020202020204"/>
+                <a:latin typeface="Arial" panose="020B0604020202090204"/>
+                <a:ea typeface="Arial" panose="020B0604020202090204"/>
+                <a:cs typeface="Arial" panose="020B0604020202090204"/>
+                <a:sym typeface="Arial" panose="020B0604020202090204"/>
               </a:defRPr>
             </a:lvl9pPr>
           </a:lstStyle>
@@ -3047,16 +3041,16 @@
                 <a:schemeClr val="dk1"/>
               </a:buClr>
               <a:buSzPts val="2400"/>
-              <a:buFont typeface="Arial" panose="020B0604020202020204"/>
+              <a:buFont typeface="Arial" panose="020B0604020202090204"/>
               <a:buChar char="•"/>
               <a:defRPr sz="2400" b="0" i="0" u="none" strike="noStrike" cap="none">
                 <a:solidFill>
                   <a:schemeClr val="dk1"/>
                 </a:solidFill>
-                <a:latin typeface="Arial" panose="020B0604020202020204"/>
-                <a:ea typeface="Arial" panose="020B0604020202020204"/>
-                <a:cs typeface="Arial" panose="020B0604020202020204"/>
-                <a:sym typeface="Arial" panose="020B0604020202020204"/>
+                <a:latin typeface="Arial" panose="020B0604020202090204"/>
+                <a:ea typeface="Arial" panose="020B0604020202090204"/>
+                <a:cs typeface="Arial" panose="020B0604020202090204"/>
+                <a:sym typeface="Arial" panose="020B0604020202090204"/>
               </a:defRPr>
             </a:lvl1pPr>
             <a:lvl2pPr marL="914400" marR="0" lvl="1" indent="-355600" algn="l" rtl="0">
@@ -3070,16 +3064,16 @@
                 <a:schemeClr val="dk1"/>
               </a:buClr>
               <a:buSzPts val="2000"/>
-              <a:buFont typeface="Arial" panose="020B0604020202020204"/>
+              <a:buFont typeface="Arial" panose="020B0604020202090204"/>
               <a:buChar char="–"/>
               <a:defRPr sz="2000" b="0" i="0" u="none" strike="noStrike" cap="none">
                 <a:solidFill>
                   <a:schemeClr val="dk1"/>
                 </a:solidFill>
-                <a:latin typeface="Arial" panose="020B0604020202020204"/>
-                <a:ea typeface="Arial" panose="020B0604020202020204"/>
-                <a:cs typeface="Arial" panose="020B0604020202020204"/>
-                <a:sym typeface="Arial" panose="020B0604020202020204"/>
+                <a:latin typeface="Arial" panose="020B0604020202090204"/>
+                <a:ea typeface="Arial" panose="020B0604020202090204"/>
+                <a:cs typeface="Arial" panose="020B0604020202090204"/>
+                <a:sym typeface="Arial" panose="020B0604020202090204"/>
               </a:defRPr>
             </a:lvl2pPr>
             <a:lvl3pPr marL="1371600" marR="0" lvl="2" indent="-342900" algn="l" rtl="0">
@@ -3093,16 +3087,16 @@
                 <a:schemeClr val="dk1"/>
               </a:buClr>
               <a:buSzPts val="1800"/>
-              <a:buFont typeface="Arial" panose="020B0604020202020204"/>
+              <a:buFont typeface="Arial" panose="020B0604020202090204"/>
               <a:buChar char="•"/>
               <a:defRPr sz="1800" b="0" i="0" u="none" strike="noStrike" cap="none">
                 <a:solidFill>
                   <a:schemeClr val="dk1"/>
                 </a:solidFill>
-                <a:latin typeface="Arial" panose="020B0604020202020204"/>
-                <a:ea typeface="Arial" panose="020B0604020202020204"/>
-                <a:cs typeface="Arial" panose="020B0604020202020204"/>
-                <a:sym typeface="Arial" panose="020B0604020202020204"/>
+                <a:latin typeface="Arial" panose="020B0604020202090204"/>
+                <a:ea typeface="Arial" panose="020B0604020202090204"/>
+                <a:cs typeface="Arial" panose="020B0604020202090204"/>
+                <a:sym typeface="Arial" panose="020B0604020202090204"/>
               </a:defRPr>
             </a:lvl3pPr>
             <a:lvl4pPr marL="1828800" marR="0" lvl="3" indent="-330200" algn="l" rtl="0">
@@ -3116,16 +3110,16 @@
                 <a:schemeClr val="dk1"/>
               </a:buClr>
               <a:buSzPts val="1600"/>
-              <a:buFont typeface="Arial" panose="020B0604020202020204"/>
+              <a:buFont typeface="Arial" panose="020B0604020202090204"/>
               <a:buChar char="–"/>
               <a:defRPr sz="1600" b="0" i="0" u="none" strike="noStrike" cap="none">
                 <a:solidFill>
                   <a:schemeClr val="dk1"/>
                 </a:solidFill>
-                <a:latin typeface="Arial" panose="020B0604020202020204"/>
-                <a:ea typeface="Arial" panose="020B0604020202020204"/>
-                <a:cs typeface="Arial" panose="020B0604020202020204"/>
-                <a:sym typeface="Arial" panose="020B0604020202020204"/>
+                <a:latin typeface="Arial" panose="020B0604020202090204"/>
+                <a:ea typeface="Arial" panose="020B0604020202090204"/>
+                <a:cs typeface="Arial" panose="020B0604020202090204"/>
+                <a:sym typeface="Arial" panose="020B0604020202090204"/>
               </a:defRPr>
             </a:lvl4pPr>
             <a:lvl5pPr marL="2286000" marR="0" lvl="4" indent="-330200" algn="l" rtl="0">
@@ -3139,16 +3133,16 @@
                 <a:schemeClr val="dk1"/>
               </a:buClr>
               <a:buSzPts val="1600"/>
-              <a:buFont typeface="Arial" panose="020B0604020202020204"/>
+              <a:buFont typeface="Arial" panose="020B0604020202090204"/>
               <a:buChar char="»"/>
               <a:defRPr sz="1600" b="0" i="0" u="none" strike="noStrike" cap="none">
                 <a:solidFill>
                   <a:schemeClr val="dk1"/>
                 </a:solidFill>
-                <a:latin typeface="Arial" panose="020B0604020202020204"/>
-                <a:ea typeface="Arial" panose="020B0604020202020204"/>
-                <a:cs typeface="Arial" panose="020B0604020202020204"/>
-                <a:sym typeface="Arial" panose="020B0604020202020204"/>
+                <a:latin typeface="Arial" panose="020B0604020202090204"/>
+                <a:ea typeface="Arial" panose="020B0604020202090204"/>
+                <a:cs typeface="Arial" panose="020B0604020202090204"/>
+                <a:sym typeface="Arial" panose="020B0604020202090204"/>
               </a:defRPr>
             </a:lvl5pPr>
             <a:lvl6pPr marL="2743200" marR="0" lvl="5" indent="-330200" algn="l" rtl="0">
@@ -3162,16 +3156,16 @@
                 <a:schemeClr val="dk1"/>
               </a:buClr>
               <a:buSzPts val="1600"/>
-              <a:buFont typeface="Arial" panose="020B0604020202020204"/>
+              <a:buFont typeface="Arial" panose="020B0604020202090204"/>
               <a:buChar char="»"/>
               <a:defRPr sz="1600" b="0" i="0" u="none" strike="noStrike" cap="none">
                 <a:solidFill>
                   <a:schemeClr val="dk1"/>
                 </a:solidFill>
-                <a:latin typeface="Arial" panose="020B0604020202020204"/>
-                <a:ea typeface="Arial" panose="020B0604020202020204"/>
-                <a:cs typeface="Arial" panose="020B0604020202020204"/>
-                <a:sym typeface="Arial" panose="020B0604020202020204"/>
+                <a:latin typeface="Arial" panose="020B0604020202090204"/>
+                <a:ea typeface="Arial" panose="020B0604020202090204"/>
+                <a:cs typeface="Arial" panose="020B0604020202090204"/>
+                <a:sym typeface="Arial" panose="020B0604020202090204"/>
               </a:defRPr>
             </a:lvl6pPr>
             <a:lvl7pPr marL="3200400" marR="0" lvl="6" indent="-330200" algn="l" rtl="0">
@@ -3185,16 +3179,16 @@
                 <a:schemeClr val="dk1"/>
               </a:buClr>
               <a:buSzPts val="1600"/>
-              <a:buFont typeface="Arial" panose="020B0604020202020204"/>
+              <a:buFont typeface="Arial" panose="020B0604020202090204"/>
               <a:buChar char="»"/>
               <a:defRPr sz="1600" b="0" i="0" u="none" strike="noStrike" cap="none">
                 <a:solidFill>
                   <a:schemeClr val="dk1"/>
                 </a:solidFill>
-                <a:latin typeface="Arial" panose="020B0604020202020204"/>
-                <a:ea typeface="Arial" panose="020B0604020202020204"/>
-                <a:cs typeface="Arial" panose="020B0604020202020204"/>
-                <a:sym typeface="Arial" panose="020B0604020202020204"/>
+                <a:latin typeface="Arial" panose="020B0604020202090204"/>
+                <a:ea typeface="Arial" panose="020B0604020202090204"/>
+                <a:cs typeface="Arial" panose="020B0604020202090204"/>
+                <a:sym typeface="Arial" panose="020B0604020202090204"/>
               </a:defRPr>
             </a:lvl7pPr>
             <a:lvl8pPr marL="3657600" marR="0" lvl="7" indent="-330200" algn="l" rtl="0">
@@ -3208,16 +3202,16 @@
                 <a:schemeClr val="dk1"/>
               </a:buClr>
               <a:buSzPts val="1600"/>
-              <a:buFont typeface="Arial" panose="020B0604020202020204"/>
+              <a:buFont typeface="Arial" panose="020B0604020202090204"/>
               <a:buChar char="»"/>
               <a:defRPr sz="1600" b="0" i="0" u="none" strike="noStrike" cap="none">
                 <a:solidFill>
                   <a:schemeClr val="dk1"/>
                 </a:solidFill>
-                <a:latin typeface="Arial" panose="020B0604020202020204"/>
-                <a:ea typeface="Arial" panose="020B0604020202020204"/>
-                <a:cs typeface="Arial" panose="020B0604020202020204"/>
-                <a:sym typeface="Arial" panose="020B0604020202020204"/>
+                <a:latin typeface="Arial" panose="020B0604020202090204"/>
+                <a:ea typeface="Arial" panose="020B0604020202090204"/>
+                <a:cs typeface="Arial" panose="020B0604020202090204"/>
+                <a:sym typeface="Arial" panose="020B0604020202090204"/>
               </a:defRPr>
             </a:lvl8pPr>
             <a:lvl9pPr marL="4114800" marR="0" lvl="8" indent="-330200" algn="l" rtl="0">
@@ -3231,16 +3225,16 @@
                 <a:schemeClr val="dk1"/>
               </a:buClr>
               <a:buSzPts val="1600"/>
-              <a:buFont typeface="Arial" panose="020B0604020202020204"/>
+              <a:buFont typeface="Arial" panose="020B0604020202090204"/>
               <a:buChar char="»"/>
               <a:defRPr sz="1600" b="0" i="0" u="none" strike="noStrike" cap="none">
                 <a:solidFill>
                   <a:schemeClr val="dk1"/>
                 </a:solidFill>
-                <a:latin typeface="Arial" panose="020B0604020202020204"/>
-                <a:ea typeface="Arial" panose="020B0604020202020204"/>
-                <a:cs typeface="Arial" panose="020B0604020202020204"/>
-                <a:sym typeface="Arial" panose="020B0604020202020204"/>
+                <a:latin typeface="Arial" panose="020B0604020202090204"/>
+                <a:ea typeface="Arial" panose="020B0604020202090204"/>
+                <a:cs typeface="Arial" panose="020B0604020202090204"/>
+                <a:sym typeface="Arial" panose="020B0604020202090204"/>
               </a:defRPr>
             </a:lvl9pPr>
           </a:lstStyle>
@@ -3311,10 +3305,10 @@
                 <a:solidFill>
                   <a:schemeClr val="dk2"/>
                 </a:solidFill>
-                <a:latin typeface="Arial" panose="020B0604020202020204"/>
-                <a:ea typeface="Arial" panose="020B0604020202020204"/>
-                <a:cs typeface="Arial" panose="020B0604020202020204"/>
-                <a:sym typeface="Arial" panose="020B0604020202020204"/>
+                <a:latin typeface="Arial" panose="020B0604020202090204"/>
+                <a:ea typeface="Arial" panose="020B0604020202090204"/>
+                <a:cs typeface="Arial" panose="020B0604020202090204"/>
+                <a:sym typeface="Arial" panose="020B0604020202090204"/>
               </a:defRPr>
             </a:lvl1pPr>
             <a:lvl2pPr marL="0" marR="0" lvl="1" indent="0" algn="ctr" rtl="0">
@@ -3330,10 +3324,10 @@
                 <a:solidFill>
                   <a:schemeClr val="dk2"/>
                 </a:solidFill>
-                <a:latin typeface="Arial" panose="020B0604020202020204"/>
-                <a:ea typeface="Arial" panose="020B0604020202020204"/>
-                <a:cs typeface="Arial" panose="020B0604020202020204"/>
-                <a:sym typeface="Arial" panose="020B0604020202020204"/>
+                <a:latin typeface="Arial" panose="020B0604020202090204"/>
+                <a:ea typeface="Arial" panose="020B0604020202090204"/>
+                <a:cs typeface="Arial" panose="020B0604020202090204"/>
+                <a:sym typeface="Arial" panose="020B0604020202090204"/>
               </a:defRPr>
             </a:lvl2pPr>
             <a:lvl3pPr marL="0" marR="0" lvl="2" indent="0" algn="ctr" rtl="0">
@@ -3349,10 +3343,10 @@
                 <a:solidFill>
                   <a:schemeClr val="dk2"/>
                 </a:solidFill>
-                <a:latin typeface="Arial" panose="020B0604020202020204"/>
-                <a:ea typeface="Arial" panose="020B0604020202020204"/>
-                <a:cs typeface="Arial" panose="020B0604020202020204"/>
-                <a:sym typeface="Arial" panose="020B0604020202020204"/>
+                <a:latin typeface="Arial" panose="020B0604020202090204"/>
+                <a:ea typeface="Arial" panose="020B0604020202090204"/>
+                <a:cs typeface="Arial" panose="020B0604020202090204"/>
+                <a:sym typeface="Arial" panose="020B0604020202090204"/>
               </a:defRPr>
             </a:lvl3pPr>
             <a:lvl4pPr marL="0" marR="0" lvl="3" indent="0" algn="ctr" rtl="0">
@@ -3368,10 +3362,10 @@
                 <a:solidFill>
                   <a:schemeClr val="dk2"/>
                 </a:solidFill>
-                <a:latin typeface="Arial" panose="020B0604020202020204"/>
-                <a:ea typeface="Arial" panose="020B0604020202020204"/>
-                <a:cs typeface="Arial" panose="020B0604020202020204"/>
-                <a:sym typeface="Arial" panose="020B0604020202020204"/>
+                <a:latin typeface="Arial" panose="020B0604020202090204"/>
+                <a:ea typeface="Arial" panose="020B0604020202090204"/>
+                <a:cs typeface="Arial" panose="020B0604020202090204"/>
+                <a:sym typeface="Arial" panose="020B0604020202090204"/>
               </a:defRPr>
             </a:lvl4pPr>
             <a:lvl5pPr marL="0" marR="0" lvl="4" indent="0" algn="ctr" rtl="0">
@@ -3387,10 +3381,10 @@
                 <a:solidFill>
                   <a:schemeClr val="dk2"/>
                 </a:solidFill>
-                <a:latin typeface="Arial" panose="020B0604020202020204"/>
-                <a:ea typeface="Arial" panose="020B0604020202020204"/>
-                <a:cs typeface="Arial" panose="020B0604020202020204"/>
-                <a:sym typeface="Arial" panose="020B0604020202020204"/>
+                <a:latin typeface="Arial" panose="020B0604020202090204"/>
+                <a:ea typeface="Arial" panose="020B0604020202090204"/>
+                <a:cs typeface="Arial" panose="020B0604020202090204"/>
+                <a:sym typeface="Arial" panose="020B0604020202090204"/>
               </a:defRPr>
             </a:lvl5pPr>
             <a:lvl6pPr marL="457200" marR="0" lvl="5" indent="0" algn="ctr" rtl="0">
@@ -3406,10 +3400,10 @@
                 <a:solidFill>
                   <a:schemeClr val="dk2"/>
                 </a:solidFill>
-                <a:latin typeface="Arial" panose="020B0604020202020204"/>
-                <a:ea typeface="Arial" panose="020B0604020202020204"/>
-                <a:cs typeface="Arial" panose="020B0604020202020204"/>
-                <a:sym typeface="Arial" panose="020B0604020202020204"/>
+                <a:latin typeface="Arial" panose="020B0604020202090204"/>
+                <a:ea typeface="Arial" panose="020B0604020202090204"/>
+                <a:cs typeface="Arial" panose="020B0604020202090204"/>
+                <a:sym typeface="Arial" panose="020B0604020202090204"/>
               </a:defRPr>
             </a:lvl6pPr>
             <a:lvl7pPr marL="914400" marR="0" lvl="6" indent="0" algn="ctr" rtl="0">
@@ -3425,10 +3419,10 @@
                 <a:solidFill>
                   <a:schemeClr val="dk2"/>
                 </a:solidFill>
-                <a:latin typeface="Arial" panose="020B0604020202020204"/>
-                <a:ea typeface="Arial" panose="020B0604020202020204"/>
-                <a:cs typeface="Arial" panose="020B0604020202020204"/>
-                <a:sym typeface="Arial" panose="020B0604020202020204"/>
+                <a:latin typeface="Arial" panose="020B0604020202090204"/>
+                <a:ea typeface="Arial" panose="020B0604020202090204"/>
+                <a:cs typeface="Arial" panose="020B0604020202090204"/>
+                <a:sym typeface="Arial" panose="020B0604020202090204"/>
               </a:defRPr>
             </a:lvl7pPr>
             <a:lvl8pPr marL="1371600" marR="0" lvl="7" indent="0" algn="ctr" rtl="0">
@@ -3444,10 +3438,10 @@
                 <a:solidFill>
                   <a:schemeClr val="dk2"/>
                 </a:solidFill>
-                <a:latin typeface="Arial" panose="020B0604020202020204"/>
-                <a:ea typeface="Arial" panose="020B0604020202020204"/>
-                <a:cs typeface="Arial" panose="020B0604020202020204"/>
-                <a:sym typeface="Arial" panose="020B0604020202020204"/>
+                <a:latin typeface="Arial" panose="020B0604020202090204"/>
+                <a:ea typeface="Arial" panose="020B0604020202090204"/>
+                <a:cs typeface="Arial" panose="020B0604020202090204"/>
+                <a:sym typeface="Arial" panose="020B0604020202090204"/>
               </a:defRPr>
             </a:lvl8pPr>
             <a:lvl9pPr marL="1828800" marR="0" lvl="8" indent="0" algn="ctr" rtl="0">
@@ -3463,10 +3457,10 @@
                 <a:solidFill>
                   <a:schemeClr val="dk2"/>
                 </a:solidFill>
-                <a:latin typeface="Arial" panose="020B0604020202020204"/>
-                <a:ea typeface="Arial" panose="020B0604020202020204"/>
-                <a:cs typeface="Arial" panose="020B0604020202020204"/>
-                <a:sym typeface="Arial" panose="020B0604020202020204"/>
+                <a:latin typeface="Arial" panose="020B0604020202090204"/>
+                <a:ea typeface="Arial" panose="020B0604020202090204"/>
+                <a:cs typeface="Arial" panose="020B0604020202090204"/>
+                <a:sym typeface="Arial" panose="020B0604020202090204"/>
               </a:defRPr>
             </a:lvl9pPr>
           </a:lstStyle>
@@ -3510,16 +3504,16 @@
                 <a:schemeClr val="dk1"/>
               </a:buClr>
               <a:buSzPts val="2800"/>
-              <a:buFont typeface="Arial" panose="020B0604020202020204"/>
+              <a:buFont typeface="Arial" panose="020B0604020202090204"/>
               <a:buChar char="•"/>
               <a:defRPr sz="2800" b="0" i="0" u="none" strike="noStrike" cap="none">
                 <a:solidFill>
                   <a:schemeClr val="dk1"/>
                 </a:solidFill>
-                <a:latin typeface="Arial" panose="020B0604020202020204"/>
-                <a:ea typeface="Arial" panose="020B0604020202020204"/>
-                <a:cs typeface="Arial" panose="020B0604020202020204"/>
-                <a:sym typeface="Arial" panose="020B0604020202020204"/>
+                <a:latin typeface="Arial" panose="020B0604020202090204"/>
+                <a:ea typeface="Arial" panose="020B0604020202090204"/>
+                <a:cs typeface="Arial" panose="020B0604020202090204"/>
+                <a:sym typeface="Arial" panose="020B0604020202090204"/>
               </a:defRPr>
             </a:lvl1pPr>
             <a:lvl2pPr marL="914400" marR="0" lvl="1" indent="-381000" algn="l" rtl="0">
@@ -3533,16 +3527,16 @@
                 <a:schemeClr val="dk1"/>
               </a:buClr>
               <a:buSzPts val="2400"/>
-              <a:buFont typeface="Arial" panose="020B0604020202020204"/>
+              <a:buFont typeface="Arial" panose="020B0604020202090204"/>
               <a:buChar char="–"/>
               <a:defRPr sz="2400" b="0" i="0" u="none" strike="noStrike" cap="none">
                 <a:solidFill>
                   <a:schemeClr val="dk1"/>
                 </a:solidFill>
-                <a:latin typeface="Arial" panose="020B0604020202020204"/>
-                <a:ea typeface="Arial" panose="020B0604020202020204"/>
-                <a:cs typeface="Arial" panose="020B0604020202020204"/>
-                <a:sym typeface="Arial" panose="020B0604020202020204"/>
+                <a:latin typeface="Arial" panose="020B0604020202090204"/>
+                <a:ea typeface="Arial" panose="020B0604020202090204"/>
+                <a:cs typeface="Arial" panose="020B0604020202090204"/>
+                <a:sym typeface="Arial" panose="020B0604020202090204"/>
               </a:defRPr>
             </a:lvl2pPr>
             <a:lvl3pPr marL="1371600" marR="0" lvl="2" indent="-355600" algn="l" rtl="0">
@@ -3556,16 +3550,16 @@
                 <a:schemeClr val="dk1"/>
               </a:buClr>
               <a:buSzPts val="2000"/>
-              <a:buFont typeface="Arial" panose="020B0604020202020204"/>
+              <a:buFont typeface="Arial" panose="020B0604020202090204"/>
               <a:buChar char="•"/>
               <a:defRPr sz="2000" b="0" i="0" u="none" strike="noStrike" cap="none">
                 <a:solidFill>
                   <a:schemeClr val="dk1"/>
                 </a:solidFill>
-                <a:latin typeface="Arial" panose="020B0604020202020204"/>
-                <a:ea typeface="Arial" panose="020B0604020202020204"/>
-                <a:cs typeface="Arial" panose="020B0604020202020204"/>
-                <a:sym typeface="Arial" panose="020B0604020202020204"/>
+                <a:latin typeface="Arial" panose="020B0604020202090204"/>
+                <a:ea typeface="Arial" panose="020B0604020202090204"/>
+                <a:cs typeface="Arial" panose="020B0604020202090204"/>
+                <a:sym typeface="Arial" panose="020B0604020202090204"/>
               </a:defRPr>
             </a:lvl3pPr>
             <a:lvl4pPr marL="1828800" marR="0" lvl="3" indent="-342900" algn="l" rtl="0">
@@ -3579,16 +3573,16 @@
                 <a:schemeClr val="dk1"/>
               </a:buClr>
               <a:buSzPts val="1800"/>
-              <a:buFont typeface="Arial" panose="020B0604020202020204"/>
+              <a:buFont typeface="Arial" panose="020B0604020202090204"/>
               <a:buChar char="–"/>
               <a:defRPr sz="1800" b="0" i="0" u="none" strike="noStrike" cap="none">
                 <a:solidFill>
                   <a:schemeClr val="dk1"/>
                 </a:solidFill>
-                <a:latin typeface="Arial" panose="020B0604020202020204"/>
-                <a:ea typeface="Arial" panose="020B0604020202020204"/>
-                <a:cs typeface="Arial" panose="020B0604020202020204"/>
-                <a:sym typeface="Arial" panose="020B0604020202020204"/>
+                <a:latin typeface="Arial" panose="020B0604020202090204"/>
+                <a:ea typeface="Arial" panose="020B0604020202090204"/>
+                <a:cs typeface="Arial" panose="020B0604020202090204"/>
+                <a:sym typeface="Arial" panose="020B0604020202090204"/>
               </a:defRPr>
             </a:lvl4pPr>
             <a:lvl5pPr marL="2286000" marR="0" lvl="4" indent="-342900" algn="l" rtl="0">
@@ -3602,16 +3596,16 @@
                 <a:schemeClr val="dk1"/>
               </a:buClr>
               <a:buSzPts val="1800"/>
-              <a:buFont typeface="Arial" panose="020B0604020202020204"/>
+              <a:buFont typeface="Arial" panose="020B0604020202090204"/>
               <a:buChar char="»"/>
               <a:defRPr sz="1800" b="0" i="0" u="none" strike="noStrike" cap="none">
                 <a:solidFill>
                   <a:schemeClr val="dk1"/>
                 </a:solidFill>
-                <a:latin typeface="Arial" panose="020B0604020202020204"/>
-                <a:ea typeface="Arial" panose="020B0604020202020204"/>
-                <a:cs typeface="Arial" panose="020B0604020202020204"/>
-                <a:sym typeface="Arial" panose="020B0604020202020204"/>
+                <a:latin typeface="Arial" panose="020B0604020202090204"/>
+                <a:ea typeface="Arial" panose="020B0604020202090204"/>
+                <a:cs typeface="Arial" panose="020B0604020202090204"/>
+                <a:sym typeface="Arial" panose="020B0604020202090204"/>
               </a:defRPr>
             </a:lvl5pPr>
             <a:lvl6pPr marL="2743200" marR="0" lvl="5" indent="-342900" algn="l" rtl="0">
@@ -3625,16 +3619,16 @@
                 <a:schemeClr val="dk1"/>
               </a:buClr>
               <a:buSzPts val="1800"/>
-              <a:buFont typeface="Arial" panose="020B0604020202020204"/>
+              <a:buFont typeface="Arial" panose="020B0604020202090204"/>
               <a:buChar char="»"/>
               <a:defRPr sz="1800" b="0" i="0" u="none" strike="noStrike" cap="none">
                 <a:solidFill>
                   <a:schemeClr val="dk1"/>
                 </a:solidFill>
-                <a:latin typeface="Arial" panose="020B0604020202020204"/>
-                <a:ea typeface="Arial" panose="020B0604020202020204"/>
-                <a:cs typeface="Arial" panose="020B0604020202020204"/>
-                <a:sym typeface="Arial" panose="020B0604020202020204"/>
+                <a:latin typeface="Arial" panose="020B0604020202090204"/>
+                <a:ea typeface="Arial" panose="020B0604020202090204"/>
+                <a:cs typeface="Arial" panose="020B0604020202090204"/>
+                <a:sym typeface="Arial" panose="020B0604020202090204"/>
               </a:defRPr>
             </a:lvl6pPr>
             <a:lvl7pPr marL="3200400" marR="0" lvl="6" indent="-342900" algn="l" rtl="0">
@@ -3648,16 +3642,16 @@
                 <a:schemeClr val="dk1"/>
               </a:buClr>
               <a:buSzPts val="1800"/>
-              <a:buFont typeface="Arial" panose="020B0604020202020204"/>
+              <a:buFont typeface="Arial" panose="020B0604020202090204"/>
               <a:buChar char="»"/>
               <a:defRPr sz="1800" b="0" i="0" u="none" strike="noStrike" cap="none">
                 <a:solidFill>
                   <a:schemeClr val="dk1"/>
                 </a:solidFill>
-                <a:latin typeface="Arial" panose="020B0604020202020204"/>
-                <a:ea typeface="Arial" panose="020B0604020202020204"/>
-                <a:cs typeface="Arial" panose="020B0604020202020204"/>
-                <a:sym typeface="Arial" panose="020B0604020202020204"/>
+                <a:latin typeface="Arial" panose="020B0604020202090204"/>
+                <a:ea typeface="Arial" panose="020B0604020202090204"/>
+                <a:cs typeface="Arial" panose="020B0604020202090204"/>
+                <a:sym typeface="Arial" panose="020B0604020202090204"/>
               </a:defRPr>
             </a:lvl7pPr>
             <a:lvl8pPr marL="3657600" marR="0" lvl="7" indent="-342900" algn="l" rtl="0">
@@ -3671,16 +3665,16 @@
                 <a:schemeClr val="dk1"/>
               </a:buClr>
               <a:buSzPts val="1800"/>
-              <a:buFont typeface="Arial" panose="020B0604020202020204"/>
+              <a:buFont typeface="Arial" panose="020B0604020202090204"/>
               <a:buChar char="»"/>
               <a:defRPr sz="1800" b="0" i="0" u="none" strike="noStrike" cap="none">
                 <a:solidFill>
                   <a:schemeClr val="dk1"/>
                 </a:solidFill>
-                <a:latin typeface="Arial" panose="020B0604020202020204"/>
-                <a:ea typeface="Arial" panose="020B0604020202020204"/>
-                <a:cs typeface="Arial" panose="020B0604020202020204"/>
-                <a:sym typeface="Arial" panose="020B0604020202020204"/>
+                <a:latin typeface="Arial" panose="020B0604020202090204"/>
+                <a:ea typeface="Arial" panose="020B0604020202090204"/>
+                <a:cs typeface="Arial" panose="020B0604020202090204"/>
+                <a:sym typeface="Arial" panose="020B0604020202090204"/>
               </a:defRPr>
             </a:lvl8pPr>
             <a:lvl9pPr marL="4114800" marR="0" lvl="8" indent="-342900" algn="l" rtl="0">
@@ -3694,16 +3688,16 @@
                 <a:schemeClr val="dk1"/>
               </a:buClr>
               <a:buSzPts val="1800"/>
-              <a:buFont typeface="Arial" panose="020B0604020202020204"/>
+              <a:buFont typeface="Arial" panose="020B0604020202090204"/>
               <a:buChar char="»"/>
               <a:defRPr sz="1800" b="0" i="0" u="none" strike="noStrike" cap="none">
                 <a:solidFill>
                   <a:schemeClr val="dk1"/>
                 </a:solidFill>
-                <a:latin typeface="Arial" panose="020B0604020202020204"/>
-                <a:ea typeface="Arial" panose="020B0604020202020204"/>
-                <a:cs typeface="Arial" panose="020B0604020202020204"/>
-                <a:sym typeface="Arial" panose="020B0604020202020204"/>
+                <a:latin typeface="Arial" panose="020B0604020202090204"/>
+                <a:ea typeface="Arial" panose="020B0604020202090204"/>
+                <a:cs typeface="Arial" panose="020B0604020202090204"/>
+                <a:sym typeface="Arial" panose="020B0604020202090204"/>
               </a:defRPr>
             </a:lvl9pPr>
           </a:lstStyle>
@@ -3747,16 +3741,16 @@
                 <a:schemeClr val="dk1"/>
               </a:buClr>
               <a:buSzPts val="2800"/>
-              <a:buFont typeface="Arial" panose="020B0604020202020204"/>
+              <a:buFont typeface="Arial" panose="020B0604020202090204"/>
               <a:buChar char="•"/>
               <a:defRPr sz="2800" b="0" i="0" u="none" strike="noStrike" cap="none">
                 <a:solidFill>
                   <a:schemeClr val="dk1"/>
                 </a:solidFill>
-                <a:latin typeface="Arial" panose="020B0604020202020204"/>
-                <a:ea typeface="Arial" panose="020B0604020202020204"/>
-                <a:cs typeface="Arial" panose="020B0604020202020204"/>
-                <a:sym typeface="Arial" panose="020B0604020202020204"/>
+                <a:latin typeface="Arial" panose="020B0604020202090204"/>
+                <a:ea typeface="Arial" panose="020B0604020202090204"/>
+                <a:cs typeface="Arial" panose="020B0604020202090204"/>
+                <a:sym typeface="Arial" panose="020B0604020202090204"/>
               </a:defRPr>
             </a:lvl1pPr>
             <a:lvl2pPr marL="914400" marR="0" lvl="1" indent="-381000" algn="l" rtl="0">
@@ -3770,16 +3764,16 @@
                 <a:schemeClr val="dk1"/>
               </a:buClr>
               <a:buSzPts val="2400"/>
-              <a:buFont typeface="Arial" panose="020B0604020202020204"/>
+              <a:buFont typeface="Arial" panose="020B0604020202090204"/>
               <a:buChar char="–"/>
               <a:defRPr sz="2400" b="0" i="0" u="none" strike="noStrike" cap="none">
                 <a:solidFill>
                   <a:schemeClr val="dk1"/>
                 </a:solidFill>
-                <a:latin typeface="Arial" panose="020B0604020202020204"/>
-                <a:ea typeface="Arial" panose="020B0604020202020204"/>
-                <a:cs typeface="Arial" panose="020B0604020202020204"/>
-                <a:sym typeface="Arial" panose="020B0604020202020204"/>
+                <a:latin typeface="Arial" panose="020B0604020202090204"/>
+                <a:ea typeface="Arial" panose="020B0604020202090204"/>
+                <a:cs typeface="Arial" panose="020B0604020202090204"/>
+                <a:sym typeface="Arial" panose="020B0604020202090204"/>
               </a:defRPr>
             </a:lvl2pPr>
             <a:lvl3pPr marL="1371600" marR="0" lvl="2" indent="-355600" algn="l" rtl="0">
@@ -3793,16 +3787,16 @@
                 <a:schemeClr val="dk1"/>
               </a:buClr>
               <a:buSzPts val="2000"/>
-              <a:buFont typeface="Arial" panose="020B0604020202020204"/>
+              <a:buFont typeface="Arial" panose="020B0604020202090204"/>
               <a:buChar char="•"/>
               <a:defRPr sz="2000" b="0" i="0" u="none" strike="noStrike" cap="none">
                 <a:solidFill>
                   <a:schemeClr val="dk1"/>
                 </a:solidFill>
-                <a:latin typeface="Arial" panose="020B0604020202020204"/>
-                <a:ea typeface="Arial" panose="020B0604020202020204"/>
-                <a:cs typeface="Arial" panose="020B0604020202020204"/>
-                <a:sym typeface="Arial" panose="020B0604020202020204"/>
+                <a:latin typeface="Arial" panose="020B0604020202090204"/>
+                <a:ea typeface="Arial" panose="020B0604020202090204"/>
+                <a:cs typeface="Arial" panose="020B0604020202090204"/>
+                <a:sym typeface="Arial" panose="020B0604020202090204"/>
               </a:defRPr>
             </a:lvl3pPr>
             <a:lvl4pPr marL="1828800" marR="0" lvl="3" indent="-342900" algn="l" rtl="0">
@@ -3816,16 +3810,16 @@
                 <a:schemeClr val="dk1"/>
               </a:buClr>
               <a:buSzPts val="1800"/>
-              <a:buFont typeface="Arial" panose="020B0604020202020204"/>
+              <a:buFont typeface="Arial" panose="020B0604020202090204"/>
               <a:buChar char="–"/>
               <a:defRPr sz="1800" b="0" i="0" u="none" strike="noStrike" cap="none">
                 <a:solidFill>
                   <a:schemeClr val="dk1"/>
                 </a:solidFill>
-                <a:latin typeface="Arial" panose="020B0604020202020204"/>
-                <a:ea typeface="Arial" panose="020B0604020202020204"/>
-                <a:cs typeface="Arial" panose="020B0604020202020204"/>
-                <a:sym typeface="Arial" panose="020B0604020202020204"/>
+                <a:latin typeface="Arial" panose="020B0604020202090204"/>
+                <a:ea typeface="Arial" panose="020B0604020202090204"/>
+                <a:cs typeface="Arial" panose="020B0604020202090204"/>
+                <a:sym typeface="Arial" panose="020B0604020202090204"/>
               </a:defRPr>
             </a:lvl4pPr>
             <a:lvl5pPr marL="2286000" marR="0" lvl="4" indent="-342900" algn="l" rtl="0">
@@ -3839,16 +3833,16 @@
                 <a:schemeClr val="dk1"/>
               </a:buClr>
               <a:buSzPts val="1800"/>
-              <a:buFont typeface="Arial" panose="020B0604020202020204"/>
+              <a:buFont typeface="Arial" panose="020B0604020202090204"/>
               <a:buChar char="»"/>
               <a:defRPr sz="1800" b="0" i="0" u="none" strike="noStrike" cap="none">
                 <a:solidFill>
                   <a:schemeClr val="dk1"/>
                 </a:solidFill>
-                <a:latin typeface="Arial" panose="020B0604020202020204"/>
-                <a:ea typeface="Arial" panose="020B0604020202020204"/>
-                <a:cs typeface="Arial" panose="020B0604020202020204"/>
-                <a:sym typeface="Arial" panose="020B0604020202020204"/>
+                <a:latin typeface="Arial" panose="020B0604020202090204"/>
+                <a:ea typeface="Arial" panose="020B0604020202090204"/>
+                <a:cs typeface="Arial" panose="020B0604020202090204"/>
+                <a:sym typeface="Arial" panose="020B0604020202090204"/>
               </a:defRPr>
             </a:lvl5pPr>
             <a:lvl6pPr marL="2743200" marR="0" lvl="5" indent="-342900" algn="l" rtl="0">
@@ -3862,16 +3856,16 @@
                 <a:schemeClr val="dk1"/>
               </a:buClr>
               <a:buSzPts val="1800"/>
-              <a:buFont typeface="Arial" panose="020B0604020202020204"/>
+              <a:buFont typeface="Arial" panose="020B0604020202090204"/>
               <a:buChar char="»"/>
               <a:defRPr sz="1800" b="0" i="0" u="none" strike="noStrike" cap="none">
                 <a:solidFill>
                   <a:schemeClr val="dk1"/>
                 </a:solidFill>
-                <a:latin typeface="Arial" panose="020B0604020202020204"/>
-                <a:ea typeface="Arial" panose="020B0604020202020204"/>
-                <a:cs typeface="Arial" panose="020B0604020202020204"/>
-                <a:sym typeface="Arial" panose="020B0604020202020204"/>
+                <a:latin typeface="Arial" panose="020B0604020202090204"/>
+                <a:ea typeface="Arial" panose="020B0604020202090204"/>
+                <a:cs typeface="Arial" panose="020B0604020202090204"/>
+                <a:sym typeface="Arial" panose="020B0604020202090204"/>
               </a:defRPr>
             </a:lvl6pPr>
             <a:lvl7pPr marL="3200400" marR="0" lvl="6" indent="-342900" algn="l" rtl="0">
@@ -3885,16 +3879,16 @@
                 <a:schemeClr val="dk1"/>
               </a:buClr>
               <a:buSzPts val="1800"/>
-              <a:buFont typeface="Arial" panose="020B0604020202020204"/>
+              <a:buFont typeface="Arial" panose="020B0604020202090204"/>
               <a:buChar char="»"/>
               <a:defRPr sz="1800" b="0" i="0" u="none" strike="noStrike" cap="none">
                 <a:solidFill>
                   <a:schemeClr val="dk1"/>
                 </a:solidFill>
-                <a:latin typeface="Arial" panose="020B0604020202020204"/>
-                <a:ea typeface="Arial" panose="020B0604020202020204"/>
-                <a:cs typeface="Arial" panose="020B0604020202020204"/>
-                <a:sym typeface="Arial" panose="020B0604020202020204"/>
+                <a:latin typeface="Arial" panose="020B0604020202090204"/>
+                <a:ea typeface="Arial" panose="020B0604020202090204"/>
+                <a:cs typeface="Arial" panose="020B0604020202090204"/>
+                <a:sym typeface="Arial" panose="020B0604020202090204"/>
               </a:defRPr>
             </a:lvl7pPr>
             <a:lvl8pPr marL="3657600" marR="0" lvl="7" indent="-342900" algn="l" rtl="0">
@@ -3908,16 +3902,16 @@
                 <a:schemeClr val="dk1"/>
               </a:buClr>
               <a:buSzPts val="1800"/>
-              <a:buFont typeface="Arial" panose="020B0604020202020204"/>
+              <a:buFont typeface="Arial" panose="020B0604020202090204"/>
               <a:buChar char="»"/>
               <a:defRPr sz="1800" b="0" i="0" u="none" strike="noStrike" cap="none">
                 <a:solidFill>
                   <a:schemeClr val="dk1"/>
                 </a:solidFill>
-                <a:latin typeface="Arial" panose="020B0604020202020204"/>
-                <a:ea typeface="Arial" panose="020B0604020202020204"/>
-                <a:cs typeface="Arial" panose="020B0604020202020204"/>
-                <a:sym typeface="Arial" panose="020B0604020202020204"/>
+                <a:latin typeface="Arial" panose="020B0604020202090204"/>
+                <a:ea typeface="Arial" panose="020B0604020202090204"/>
+                <a:cs typeface="Arial" panose="020B0604020202090204"/>
+                <a:sym typeface="Arial" panose="020B0604020202090204"/>
               </a:defRPr>
             </a:lvl8pPr>
             <a:lvl9pPr marL="4114800" marR="0" lvl="8" indent="-342900" algn="l" rtl="0">
@@ -3931,16 +3925,16 @@
                 <a:schemeClr val="dk1"/>
               </a:buClr>
               <a:buSzPts val="1800"/>
-              <a:buFont typeface="Arial" panose="020B0604020202020204"/>
+              <a:buFont typeface="Arial" panose="020B0604020202090204"/>
               <a:buChar char="»"/>
               <a:defRPr sz="1800" b="0" i="0" u="none" strike="noStrike" cap="none">
                 <a:solidFill>
                   <a:schemeClr val="dk1"/>
                 </a:solidFill>
-                <a:latin typeface="Arial" panose="020B0604020202020204"/>
-                <a:ea typeface="Arial" panose="020B0604020202020204"/>
-                <a:cs typeface="Arial" panose="020B0604020202020204"/>
-                <a:sym typeface="Arial" panose="020B0604020202020204"/>
+                <a:latin typeface="Arial" panose="020B0604020202090204"/>
+                <a:ea typeface="Arial" panose="020B0604020202090204"/>
+                <a:cs typeface="Arial" panose="020B0604020202090204"/>
+                <a:sym typeface="Arial" panose="020B0604020202090204"/>
               </a:defRPr>
             </a:lvl9pPr>
           </a:lstStyle>
@@ -4011,10 +4005,10 @@
                 <a:solidFill>
                   <a:schemeClr val="dk2"/>
                 </a:solidFill>
-                <a:latin typeface="Arial" panose="020B0604020202020204"/>
-                <a:ea typeface="Arial" panose="020B0604020202020204"/>
-                <a:cs typeface="Arial" panose="020B0604020202020204"/>
-                <a:sym typeface="Arial" panose="020B0604020202020204"/>
+                <a:latin typeface="Arial" panose="020B0604020202090204"/>
+                <a:ea typeface="Arial" panose="020B0604020202090204"/>
+                <a:cs typeface="Arial" panose="020B0604020202090204"/>
+                <a:sym typeface="Arial" panose="020B0604020202090204"/>
               </a:defRPr>
             </a:lvl1pPr>
             <a:lvl2pPr marL="0" marR="0" lvl="1" indent="0" algn="ctr" rtl="0">
@@ -4030,10 +4024,10 @@
                 <a:solidFill>
                   <a:schemeClr val="dk2"/>
                 </a:solidFill>
-                <a:latin typeface="Arial" panose="020B0604020202020204"/>
-                <a:ea typeface="Arial" panose="020B0604020202020204"/>
-                <a:cs typeface="Arial" panose="020B0604020202020204"/>
-                <a:sym typeface="Arial" panose="020B0604020202020204"/>
+                <a:latin typeface="Arial" panose="020B0604020202090204"/>
+                <a:ea typeface="Arial" panose="020B0604020202090204"/>
+                <a:cs typeface="Arial" panose="020B0604020202090204"/>
+                <a:sym typeface="Arial" panose="020B0604020202090204"/>
               </a:defRPr>
             </a:lvl2pPr>
             <a:lvl3pPr marL="0" marR="0" lvl="2" indent="0" algn="ctr" rtl="0">
@@ -4049,10 +4043,10 @@
                 <a:solidFill>
                   <a:schemeClr val="dk2"/>
                 </a:solidFill>
-                <a:latin typeface="Arial" panose="020B0604020202020204"/>
-                <a:ea typeface="Arial" panose="020B0604020202020204"/>
-                <a:cs typeface="Arial" panose="020B0604020202020204"/>
-                <a:sym typeface="Arial" panose="020B0604020202020204"/>
+                <a:latin typeface="Arial" panose="020B0604020202090204"/>
+                <a:ea typeface="Arial" panose="020B0604020202090204"/>
+                <a:cs typeface="Arial" panose="020B0604020202090204"/>
+                <a:sym typeface="Arial" panose="020B0604020202090204"/>
               </a:defRPr>
             </a:lvl3pPr>
             <a:lvl4pPr marL="0" marR="0" lvl="3" indent="0" algn="ctr" rtl="0">
@@ -4068,10 +4062,10 @@
                 <a:solidFill>
                   <a:schemeClr val="dk2"/>
                 </a:solidFill>
-                <a:latin typeface="Arial" panose="020B0604020202020204"/>
-                <a:ea typeface="Arial" panose="020B0604020202020204"/>
-                <a:cs typeface="Arial" panose="020B0604020202020204"/>
-                <a:sym typeface="Arial" panose="020B0604020202020204"/>
+                <a:latin typeface="Arial" panose="020B0604020202090204"/>
+                <a:ea typeface="Arial" panose="020B0604020202090204"/>
+                <a:cs typeface="Arial" panose="020B0604020202090204"/>
+                <a:sym typeface="Arial" panose="020B0604020202090204"/>
               </a:defRPr>
             </a:lvl4pPr>
             <a:lvl5pPr marL="0" marR="0" lvl="4" indent="0" algn="ctr" rtl="0">
@@ -4087,10 +4081,10 @@
                 <a:solidFill>
                   <a:schemeClr val="dk2"/>
                 </a:solidFill>
-                <a:latin typeface="Arial" panose="020B0604020202020204"/>
-                <a:ea typeface="Arial" panose="020B0604020202020204"/>
-                <a:cs typeface="Arial" panose="020B0604020202020204"/>
-                <a:sym typeface="Arial" panose="020B0604020202020204"/>
+                <a:latin typeface="Arial" panose="020B0604020202090204"/>
+                <a:ea typeface="Arial" panose="020B0604020202090204"/>
+                <a:cs typeface="Arial" panose="020B0604020202090204"/>
+                <a:sym typeface="Arial" panose="020B0604020202090204"/>
               </a:defRPr>
             </a:lvl5pPr>
             <a:lvl6pPr marL="457200" marR="0" lvl="5" indent="0" algn="ctr" rtl="0">
@@ -4106,10 +4100,10 @@
                 <a:solidFill>
                   <a:schemeClr val="dk2"/>
                 </a:solidFill>
-                <a:latin typeface="Arial" panose="020B0604020202020204"/>
-                <a:ea typeface="Arial" panose="020B0604020202020204"/>
-                <a:cs typeface="Arial" panose="020B0604020202020204"/>
-                <a:sym typeface="Arial" panose="020B0604020202020204"/>
+                <a:latin typeface="Arial" panose="020B0604020202090204"/>
+                <a:ea typeface="Arial" panose="020B0604020202090204"/>
+                <a:cs typeface="Arial" panose="020B0604020202090204"/>
+                <a:sym typeface="Arial" panose="020B0604020202090204"/>
               </a:defRPr>
             </a:lvl6pPr>
             <a:lvl7pPr marL="914400" marR="0" lvl="6" indent="0" algn="ctr" rtl="0">
@@ -4125,10 +4119,10 @@
                 <a:solidFill>
                   <a:schemeClr val="dk2"/>
                 </a:solidFill>
-                <a:latin typeface="Arial" panose="020B0604020202020204"/>
-                <a:ea typeface="Arial" panose="020B0604020202020204"/>
-                <a:cs typeface="Arial" panose="020B0604020202020204"/>
-                <a:sym typeface="Arial" panose="020B0604020202020204"/>
+                <a:latin typeface="Arial" panose="020B0604020202090204"/>
+                <a:ea typeface="Arial" panose="020B0604020202090204"/>
+                <a:cs typeface="Arial" panose="020B0604020202090204"/>
+                <a:sym typeface="Arial" panose="020B0604020202090204"/>
               </a:defRPr>
             </a:lvl7pPr>
             <a:lvl8pPr marL="1371600" marR="0" lvl="7" indent="0" algn="ctr" rtl="0">
@@ -4144,10 +4138,10 @@
                 <a:solidFill>
                   <a:schemeClr val="dk2"/>
                 </a:solidFill>
-                <a:latin typeface="Arial" panose="020B0604020202020204"/>
-                <a:ea typeface="Arial" panose="020B0604020202020204"/>
-                <a:cs typeface="Arial" panose="020B0604020202020204"/>
-                <a:sym typeface="Arial" panose="020B0604020202020204"/>
+                <a:latin typeface="Arial" panose="020B0604020202090204"/>
+                <a:ea typeface="Arial" panose="020B0604020202090204"/>
+                <a:cs typeface="Arial" panose="020B0604020202090204"/>
+                <a:sym typeface="Arial" panose="020B0604020202090204"/>
               </a:defRPr>
             </a:lvl8pPr>
             <a:lvl9pPr marL="1828800" marR="0" lvl="8" indent="0" algn="ctr" rtl="0">
@@ -4163,10 +4157,10 @@
                 <a:solidFill>
                   <a:schemeClr val="dk2"/>
                 </a:solidFill>
-                <a:latin typeface="Arial" panose="020B0604020202020204"/>
-                <a:ea typeface="Arial" panose="020B0604020202020204"/>
-                <a:cs typeface="Arial" panose="020B0604020202020204"/>
-                <a:sym typeface="Arial" panose="020B0604020202020204"/>
+                <a:latin typeface="Arial" panose="020B0604020202090204"/>
+                <a:ea typeface="Arial" panose="020B0604020202090204"/>
+                <a:cs typeface="Arial" panose="020B0604020202090204"/>
+                <a:sym typeface="Arial" panose="020B0604020202090204"/>
               </a:defRPr>
             </a:lvl9pPr>
           </a:lstStyle>
@@ -4210,16 +4204,16 @@
                 <a:schemeClr val="dk1"/>
               </a:buClr>
               <a:buSzPts val="1400"/>
-              <a:buFont typeface="Arial" panose="020B0604020202020204"/>
+              <a:buFont typeface="Arial" panose="020B0604020202090204"/>
               <a:buNone/>
               <a:defRPr sz="2000" b="0" i="0" u="none" strike="noStrike" cap="none">
                 <a:solidFill>
                   <a:schemeClr val="dk1"/>
                 </a:solidFill>
-                <a:latin typeface="Arial" panose="020B0604020202020204"/>
-                <a:ea typeface="Arial" panose="020B0604020202020204"/>
-                <a:cs typeface="Arial" panose="020B0604020202020204"/>
-                <a:sym typeface="Arial" panose="020B0604020202020204"/>
+                <a:latin typeface="Arial" panose="020B0604020202090204"/>
+                <a:ea typeface="Arial" panose="020B0604020202090204"/>
+                <a:cs typeface="Arial" panose="020B0604020202090204"/>
+                <a:sym typeface="Arial" panose="020B0604020202090204"/>
               </a:defRPr>
             </a:lvl1pPr>
             <a:lvl2pPr marL="914400" marR="0" lvl="1" indent="-228600" algn="l" rtl="0">
@@ -4233,16 +4227,16 @@
                 <a:schemeClr val="dk1"/>
               </a:buClr>
               <a:buSzPts val="1400"/>
-              <a:buFont typeface="Arial" panose="020B0604020202020204"/>
+              <a:buFont typeface="Arial" panose="020B0604020202090204"/>
               <a:buNone/>
               <a:defRPr sz="1800" b="0" i="0" u="none" strike="noStrike" cap="none">
                 <a:solidFill>
                   <a:schemeClr val="dk1"/>
                 </a:solidFill>
-                <a:latin typeface="Arial" panose="020B0604020202020204"/>
-                <a:ea typeface="Arial" panose="020B0604020202020204"/>
-                <a:cs typeface="Arial" panose="020B0604020202020204"/>
-                <a:sym typeface="Arial" panose="020B0604020202020204"/>
+                <a:latin typeface="Arial" panose="020B0604020202090204"/>
+                <a:ea typeface="Arial" panose="020B0604020202090204"/>
+                <a:cs typeface="Arial" panose="020B0604020202090204"/>
+                <a:sym typeface="Arial" panose="020B0604020202090204"/>
               </a:defRPr>
             </a:lvl2pPr>
             <a:lvl3pPr marL="1371600" marR="0" lvl="2" indent="-228600" algn="l" rtl="0">
@@ -4256,16 +4250,16 @@
                 <a:schemeClr val="dk1"/>
               </a:buClr>
               <a:buSzPts val="1400"/>
-              <a:buFont typeface="Arial" panose="020B0604020202020204"/>
+              <a:buFont typeface="Arial" panose="020B0604020202090204"/>
               <a:buNone/>
               <a:defRPr sz="1600" b="0" i="0" u="none" strike="noStrike" cap="none">
                 <a:solidFill>
                   <a:schemeClr val="dk1"/>
                 </a:solidFill>
-                <a:latin typeface="Arial" panose="020B0604020202020204"/>
-                <a:ea typeface="Arial" panose="020B0604020202020204"/>
-                <a:cs typeface="Arial" panose="020B0604020202020204"/>
-                <a:sym typeface="Arial" panose="020B0604020202020204"/>
+                <a:latin typeface="Arial" panose="020B0604020202090204"/>
+                <a:ea typeface="Arial" panose="020B0604020202090204"/>
+                <a:cs typeface="Arial" panose="020B0604020202090204"/>
+                <a:sym typeface="Arial" panose="020B0604020202090204"/>
               </a:defRPr>
             </a:lvl3pPr>
             <a:lvl4pPr marL="1828800" marR="0" lvl="3" indent="-228600" algn="l" rtl="0">
@@ -4279,16 +4273,16 @@
                 <a:schemeClr val="dk1"/>
               </a:buClr>
               <a:buSzPts val="1400"/>
-              <a:buFont typeface="Arial" panose="020B0604020202020204"/>
+              <a:buFont typeface="Arial" panose="020B0604020202090204"/>
               <a:buNone/>
               <a:defRPr sz="1400" b="0" i="0" u="none" strike="noStrike" cap="none">
                 <a:solidFill>
                   <a:schemeClr val="dk1"/>
                 </a:solidFill>
-                <a:latin typeface="Arial" panose="020B0604020202020204"/>
-                <a:ea typeface="Arial" panose="020B0604020202020204"/>
-                <a:cs typeface="Arial" panose="020B0604020202020204"/>
-                <a:sym typeface="Arial" panose="020B0604020202020204"/>
+                <a:latin typeface="Arial" panose="020B0604020202090204"/>
+                <a:ea typeface="Arial" panose="020B0604020202090204"/>
+                <a:cs typeface="Arial" panose="020B0604020202090204"/>
+                <a:sym typeface="Arial" panose="020B0604020202090204"/>
               </a:defRPr>
             </a:lvl4pPr>
             <a:lvl5pPr marL="2286000" marR="0" lvl="4" indent="-228600" algn="l" rtl="0">
@@ -4302,16 +4296,16 @@
                 <a:schemeClr val="dk1"/>
               </a:buClr>
               <a:buSzPts val="1400"/>
-              <a:buFont typeface="Arial" panose="020B0604020202020204"/>
+              <a:buFont typeface="Arial" panose="020B0604020202090204"/>
               <a:buNone/>
               <a:defRPr sz="1400" b="0" i="0" u="none" strike="noStrike" cap="none">
                 <a:solidFill>
                   <a:schemeClr val="dk1"/>
                 </a:solidFill>
-                <a:latin typeface="Arial" panose="020B0604020202020204"/>
-                <a:ea typeface="Arial" panose="020B0604020202020204"/>
-                <a:cs typeface="Arial" panose="020B0604020202020204"/>
-                <a:sym typeface="Arial" panose="020B0604020202020204"/>
+                <a:latin typeface="Arial" panose="020B0604020202090204"/>
+                <a:ea typeface="Arial" panose="020B0604020202090204"/>
+                <a:cs typeface="Arial" panose="020B0604020202090204"/>
+                <a:sym typeface="Arial" panose="020B0604020202090204"/>
               </a:defRPr>
             </a:lvl5pPr>
             <a:lvl6pPr marL="2743200" marR="0" lvl="5" indent="-228600" algn="l" rtl="0">
@@ -4325,16 +4319,16 @@
                 <a:schemeClr val="dk1"/>
               </a:buClr>
               <a:buSzPts val="1400"/>
-              <a:buFont typeface="Arial" panose="020B0604020202020204"/>
+              <a:buFont typeface="Arial" panose="020B0604020202090204"/>
               <a:buNone/>
               <a:defRPr sz="1400" b="0" i="0" u="none" strike="noStrike" cap="none">
                 <a:solidFill>
                   <a:schemeClr val="dk1"/>
                 </a:solidFill>
-                <a:latin typeface="Arial" panose="020B0604020202020204"/>
-                <a:ea typeface="Arial" panose="020B0604020202020204"/>
-                <a:cs typeface="Arial" panose="020B0604020202020204"/>
-                <a:sym typeface="Arial" panose="020B0604020202020204"/>
+                <a:latin typeface="Arial" panose="020B0604020202090204"/>
+                <a:ea typeface="Arial" panose="020B0604020202090204"/>
+                <a:cs typeface="Arial" panose="020B0604020202090204"/>
+                <a:sym typeface="Arial" panose="020B0604020202090204"/>
               </a:defRPr>
             </a:lvl6pPr>
             <a:lvl7pPr marL="3200400" marR="0" lvl="6" indent="-228600" algn="l" rtl="0">
@@ -4348,16 +4342,16 @@
                 <a:schemeClr val="dk1"/>
               </a:buClr>
               <a:buSzPts val="1400"/>
-              <a:buFont typeface="Arial" panose="020B0604020202020204"/>
+              <a:buFont typeface="Arial" panose="020B0604020202090204"/>
               <a:buNone/>
               <a:defRPr sz="1400" b="0" i="0" u="none" strike="noStrike" cap="none">
                 <a:solidFill>
                   <a:schemeClr val="dk1"/>
                 </a:solidFill>
-                <a:latin typeface="Arial" panose="020B0604020202020204"/>
-                <a:ea typeface="Arial" panose="020B0604020202020204"/>
-                <a:cs typeface="Arial" panose="020B0604020202020204"/>
-                <a:sym typeface="Arial" panose="020B0604020202020204"/>
+                <a:latin typeface="Arial" panose="020B0604020202090204"/>
+                <a:ea typeface="Arial" panose="020B0604020202090204"/>
+                <a:cs typeface="Arial" panose="020B0604020202090204"/>
+                <a:sym typeface="Arial" panose="020B0604020202090204"/>
               </a:defRPr>
             </a:lvl7pPr>
             <a:lvl8pPr marL="3657600" marR="0" lvl="7" indent="-228600" algn="l" rtl="0">
@@ -4371,16 +4365,16 @@
                 <a:schemeClr val="dk1"/>
               </a:buClr>
               <a:buSzPts val="1400"/>
-              <a:buFont typeface="Arial" panose="020B0604020202020204"/>
+              <a:buFont typeface="Arial" panose="020B0604020202090204"/>
               <a:buNone/>
               <a:defRPr sz="1400" b="0" i="0" u="none" strike="noStrike" cap="none">
                 <a:solidFill>
                   <a:schemeClr val="dk1"/>
                 </a:solidFill>
-                <a:latin typeface="Arial" panose="020B0604020202020204"/>
-                <a:ea typeface="Arial" panose="020B0604020202020204"/>
-                <a:cs typeface="Arial" panose="020B0604020202020204"/>
-                <a:sym typeface="Arial" panose="020B0604020202020204"/>
+                <a:latin typeface="Arial" panose="020B0604020202090204"/>
+                <a:ea typeface="Arial" panose="020B0604020202090204"/>
+                <a:cs typeface="Arial" panose="020B0604020202090204"/>
+                <a:sym typeface="Arial" panose="020B0604020202090204"/>
               </a:defRPr>
             </a:lvl8pPr>
             <a:lvl9pPr marL="4114800" marR="0" lvl="8" indent="-228600" algn="l" rtl="0">
@@ -4394,16 +4388,16 @@
                 <a:schemeClr val="dk1"/>
               </a:buClr>
               <a:buSzPts val="1400"/>
-              <a:buFont typeface="Arial" panose="020B0604020202020204"/>
+              <a:buFont typeface="Arial" panose="020B0604020202090204"/>
               <a:buNone/>
               <a:defRPr sz="1400" b="0" i="0" u="none" strike="noStrike" cap="none">
                 <a:solidFill>
                   <a:schemeClr val="dk1"/>
                 </a:solidFill>
-                <a:latin typeface="Arial" panose="020B0604020202020204"/>
-                <a:ea typeface="Arial" panose="020B0604020202020204"/>
-                <a:cs typeface="Arial" panose="020B0604020202020204"/>
-                <a:sym typeface="Arial" panose="020B0604020202020204"/>
+                <a:latin typeface="Arial" panose="020B0604020202090204"/>
+                <a:ea typeface="Arial" panose="020B0604020202090204"/>
+                <a:cs typeface="Arial" panose="020B0604020202090204"/>
+                <a:sym typeface="Arial" panose="020B0604020202090204"/>
               </a:defRPr>
             </a:lvl9pPr>
           </a:lstStyle>
@@ -4474,10 +4468,10 @@
                 <a:solidFill>
                   <a:schemeClr val="dk2"/>
                 </a:solidFill>
-                <a:latin typeface="Arial" panose="020B0604020202020204"/>
-                <a:ea typeface="Arial" panose="020B0604020202020204"/>
-                <a:cs typeface="Arial" panose="020B0604020202020204"/>
-                <a:sym typeface="Arial" panose="020B0604020202020204"/>
+                <a:latin typeface="Arial" panose="020B0604020202090204"/>
+                <a:ea typeface="Arial" panose="020B0604020202090204"/>
+                <a:cs typeface="Arial" panose="020B0604020202090204"/>
+                <a:sym typeface="Arial" panose="020B0604020202090204"/>
               </a:defRPr>
             </a:lvl1pPr>
             <a:lvl2pPr marL="0" marR="0" lvl="1" indent="0" algn="ctr" rtl="0">
@@ -4493,10 +4487,10 @@
                 <a:solidFill>
                   <a:schemeClr val="dk2"/>
                 </a:solidFill>
-                <a:latin typeface="Arial" panose="020B0604020202020204"/>
-                <a:ea typeface="Arial" panose="020B0604020202020204"/>
-                <a:cs typeface="Arial" panose="020B0604020202020204"/>
-                <a:sym typeface="Arial" panose="020B0604020202020204"/>
+                <a:latin typeface="Arial" panose="020B0604020202090204"/>
+                <a:ea typeface="Arial" panose="020B0604020202090204"/>
+                <a:cs typeface="Arial" panose="020B0604020202090204"/>
+                <a:sym typeface="Arial" panose="020B0604020202090204"/>
               </a:defRPr>
             </a:lvl2pPr>
             <a:lvl3pPr marL="0" marR="0" lvl="2" indent="0" algn="ctr" rtl="0">
@@ -4512,10 +4506,10 @@
                 <a:solidFill>
                   <a:schemeClr val="dk2"/>
                 </a:solidFill>
-                <a:latin typeface="Arial" panose="020B0604020202020204"/>
-                <a:ea typeface="Arial" panose="020B0604020202020204"/>
-                <a:cs typeface="Arial" panose="020B0604020202020204"/>
-                <a:sym typeface="Arial" panose="020B0604020202020204"/>
+                <a:latin typeface="Arial" panose="020B0604020202090204"/>
+                <a:ea typeface="Arial" panose="020B0604020202090204"/>
+                <a:cs typeface="Arial" panose="020B0604020202090204"/>
+                <a:sym typeface="Arial" panose="020B0604020202090204"/>
               </a:defRPr>
             </a:lvl3pPr>
             <a:lvl4pPr marL="0" marR="0" lvl="3" indent="0" algn="ctr" rtl="0">
@@ -4531,10 +4525,10 @@
                 <a:solidFill>
                   <a:schemeClr val="dk2"/>
                 </a:solidFill>
-                <a:latin typeface="Arial" panose="020B0604020202020204"/>
-                <a:ea typeface="Arial" panose="020B0604020202020204"/>
-                <a:cs typeface="Arial" panose="020B0604020202020204"/>
-                <a:sym typeface="Arial" panose="020B0604020202020204"/>
+                <a:latin typeface="Arial" panose="020B0604020202090204"/>
+                <a:ea typeface="Arial" panose="020B0604020202090204"/>
+                <a:cs typeface="Arial" panose="020B0604020202090204"/>
+                <a:sym typeface="Arial" panose="020B0604020202090204"/>
               </a:defRPr>
             </a:lvl4pPr>
             <a:lvl5pPr marL="0" marR="0" lvl="4" indent="0" algn="ctr" rtl="0">
@@ -4550,10 +4544,10 @@
                 <a:solidFill>
                   <a:schemeClr val="dk2"/>
                 </a:solidFill>
-                <a:latin typeface="Arial" panose="020B0604020202020204"/>
-                <a:ea typeface="Arial" panose="020B0604020202020204"/>
-                <a:cs typeface="Arial" panose="020B0604020202020204"/>
-                <a:sym typeface="Arial" panose="020B0604020202020204"/>
+                <a:latin typeface="Arial" panose="020B0604020202090204"/>
+                <a:ea typeface="Arial" panose="020B0604020202090204"/>
+                <a:cs typeface="Arial" panose="020B0604020202090204"/>
+                <a:sym typeface="Arial" panose="020B0604020202090204"/>
               </a:defRPr>
             </a:lvl5pPr>
             <a:lvl6pPr marL="457200" marR="0" lvl="5" indent="0" algn="ctr" rtl="0">
@@ -4569,10 +4563,10 @@
                 <a:solidFill>
                   <a:schemeClr val="dk2"/>
                 </a:solidFill>
-                <a:latin typeface="Arial" panose="020B0604020202020204"/>
-                <a:ea typeface="Arial" panose="020B0604020202020204"/>
-                <a:cs typeface="Arial" panose="020B0604020202020204"/>
-                <a:sym typeface="Arial" panose="020B0604020202020204"/>
+                <a:latin typeface="Arial" panose="020B0604020202090204"/>
+                <a:ea typeface="Arial" panose="020B0604020202090204"/>
+                <a:cs typeface="Arial" panose="020B0604020202090204"/>
+                <a:sym typeface="Arial" panose="020B0604020202090204"/>
               </a:defRPr>
             </a:lvl6pPr>
             <a:lvl7pPr marL="914400" marR="0" lvl="6" indent="0" algn="ctr" rtl="0">
@@ -4588,10 +4582,10 @@
                 <a:solidFill>
                   <a:schemeClr val="dk2"/>
                 </a:solidFill>
-                <a:latin typeface="Arial" panose="020B0604020202020204"/>
-                <a:ea typeface="Arial" panose="020B0604020202020204"/>
-                <a:cs typeface="Arial" panose="020B0604020202020204"/>
-                <a:sym typeface="Arial" panose="020B0604020202020204"/>
+                <a:latin typeface="Arial" panose="020B0604020202090204"/>
+                <a:ea typeface="Arial" panose="020B0604020202090204"/>
+                <a:cs typeface="Arial" panose="020B0604020202090204"/>
+                <a:sym typeface="Arial" panose="020B0604020202090204"/>
               </a:defRPr>
             </a:lvl7pPr>
             <a:lvl8pPr marL="1371600" marR="0" lvl="7" indent="0" algn="ctr" rtl="0">
@@ -4607,10 +4601,10 @@
                 <a:solidFill>
                   <a:schemeClr val="dk2"/>
                 </a:solidFill>
-                <a:latin typeface="Arial" panose="020B0604020202020204"/>
-                <a:ea typeface="Arial" panose="020B0604020202020204"/>
-                <a:cs typeface="Arial" panose="020B0604020202020204"/>
-                <a:sym typeface="Arial" panose="020B0604020202020204"/>
+                <a:latin typeface="Arial" panose="020B0604020202090204"/>
+                <a:ea typeface="Arial" panose="020B0604020202090204"/>
+                <a:cs typeface="Arial" panose="020B0604020202090204"/>
+                <a:sym typeface="Arial" panose="020B0604020202090204"/>
               </a:defRPr>
             </a:lvl8pPr>
             <a:lvl9pPr marL="1828800" marR="0" lvl="8" indent="0" algn="ctr" rtl="0">
@@ -4626,10 +4620,10 @@
                 <a:solidFill>
                   <a:schemeClr val="dk2"/>
                 </a:solidFill>
-                <a:latin typeface="Arial" panose="020B0604020202020204"/>
-                <a:ea typeface="Arial" panose="020B0604020202020204"/>
-                <a:cs typeface="Arial" panose="020B0604020202020204"/>
-                <a:sym typeface="Arial" panose="020B0604020202020204"/>
+                <a:latin typeface="Arial" panose="020B0604020202090204"/>
+                <a:ea typeface="Arial" panose="020B0604020202090204"/>
+                <a:cs typeface="Arial" panose="020B0604020202090204"/>
+                <a:sym typeface="Arial" panose="020B0604020202090204"/>
               </a:defRPr>
             </a:lvl9pPr>
           </a:lstStyle>
@@ -4673,16 +4667,16 @@
                 <a:schemeClr val="dk1"/>
               </a:buClr>
               <a:buSzPts val="3200"/>
-              <a:buFont typeface="Arial" panose="020B0604020202020204"/>
+              <a:buFont typeface="Arial" panose="020B0604020202090204"/>
               <a:buChar char="•"/>
               <a:defRPr sz="3200" b="0" i="0" u="none" strike="noStrike" cap="none">
                 <a:solidFill>
                   <a:schemeClr val="dk1"/>
                 </a:solidFill>
-                <a:latin typeface="Arial" panose="020B0604020202020204"/>
-                <a:ea typeface="Arial" panose="020B0604020202020204"/>
-                <a:cs typeface="Arial" panose="020B0604020202020204"/>
-                <a:sym typeface="Arial" panose="020B0604020202020204"/>
+                <a:latin typeface="Arial" panose="020B0604020202090204"/>
+                <a:ea typeface="Arial" panose="020B0604020202090204"/>
+                <a:cs typeface="Arial" panose="020B0604020202090204"/>
+                <a:sym typeface="Arial" panose="020B0604020202090204"/>
               </a:defRPr>
             </a:lvl1pPr>
             <a:lvl2pPr marL="914400" marR="0" lvl="1" indent="-406400" algn="l" rtl="0">
@@ -4696,16 +4690,16 @@
                 <a:schemeClr val="dk1"/>
               </a:buClr>
               <a:buSzPts val="2800"/>
-              <a:buFont typeface="Arial" panose="020B0604020202020204"/>
+              <a:buFont typeface="Arial" panose="020B0604020202090204"/>
               <a:buChar char="–"/>
               <a:defRPr sz="2800" b="0" i="0" u="none" strike="noStrike" cap="none">
                 <a:solidFill>
                   <a:schemeClr val="dk1"/>
                 </a:solidFill>
-                <a:latin typeface="Arial" panose="020B0604020202020204"/>
-                <a:ea typeface="Arial" panose="020B0604020202020204"/>
-                <a:cs typeface="Arial" panose="020B0604020202020204"/>
-                <a:sym typeface="Arial" panose="020B0604020202020204"/>
+                <a:latin typeface="Arial" panose="020B0604020202090204"/>
+                <a:ea typeface="Arial" panose="020B0604020202090204"/>
+                <a:cs typeface="Arial" panose="020B0604020202090204"/>
+                <a:sym typeface="Arial" panose="020B0604020202090204"/>
               </a:defRPr>
             </a:lvl2pPr>
             <a:lvl3pPr marL="1371600" marR="0" lvl="2" indent="-381000" algn="l" rtl="0">
@@ -4719,16 +4713,16 @@
                 <a:schemeClr val="dk1"/>
               </a:buClr>
               <a:buSzPts val="2400"/>
-              <a:buFont typeface="Arial" panose="020B0604020202020204"/>
+              <a:buFont typeface="Arial" panose="020B0604020202090204"/>
               <a:buChar char="•"/>
               <a:defRPr sz="2400" b="0" i="0" u="none" strike="noStrike" cap="none">
                 <a:solidFill>
                   <a:schemeClr val="dk1"/>
                 </a:solidFill>
-                <a:latin typeface="Arial" panose="020B0604020202020204"/>
-                <a:ea typeface="Arial" panose="020B0604020202020204"/>
-                <a:cs typeface="Arial" panose="020B0604020202020204"/>
-                <a:sym typeface="Arial" panose="020B0604020202020204"/>
+                <a:latin typeface="Arial" panose="020B0604020202090204"/>
+                <a:ea typeface="Arial" panose="020B0604020202090204"/>
+                <a:cs typeface="Arial" panose="020B0604020202090204"/>
+                <a:sym typeface="Arial" panose="020B0604020202090204"/>
               </a:defRPr>
             </a:lvl3pPr>
             <a:lvl4pPr marL="1828800" marR="0" lvl="3" indent="-355600" algn="l" rtl="0">
@@ -4742,16 +4736,16 @@
                 <a:schemeClr val="dk1"/>
               </a:buClr>
               <a:buSzPts val="2000"/>
-              <a:buFont typeface="Arial" panose="020B0604020202020204"/>
+              <a:buFont typeface="Arial" panose="020B0604020202090204"/>
               <a:buChar char="–"/>
               <a:defRPr sz="2000" b="0" i="0" u="none" strike="noStrike" cap="none">
                 <a:solidFill>
                   <a:schemeClr val="dk1"/>
                 </a:solidFill>
-                <a:latin typeface="Arial" panose="020B0604020202020204"/>
-                <a:ea typeface="Arial" panose="020B0604020202020204"/>
-                <a:cs typeface="Arial" panose="020B0604020202020204"/>
-                <a:sym typeface="Arial" panose="020B0604020202020204"/>
+                <a:latin typeface="Arial" panose="020B0604020202090204"/>
+                <a:ea typeface="Arial" panose="020B0604020202090204"/>
+                <a:cs typeface="Arial" panose="020B0604020202090204"/>
+                <a:sym typeface="Arial" panose="020B0604020202090204"/>
               </a:defRPr>
             </a:lvl4pPr>
             <a:lvl5pPr marL="2286000" marR="0" lvl="4" indent="-355600" algn="l" rtl="0">
@@ -4765,16 +4759,16 @@
                 <a:schemeClr val="dk1"/>
               </a:buClr>
               <a:buSzPts val="2000"/>
-              <a:buFont typeface="Arial" panose="020B0604020202020204"/>
+              <a:buFont typeface="Arial" panose="020B0604020202090204"/>
               <a:buChar char="»"/>
               <a:defRPr sz="2000" b="0" i="0" u="none" strike="noStrike" cap="none">
                 <a:solidFill>
                   <a:schemeClr val="dk1"/>
                 </a:solidFill>
-                <a:latin typeface="Arial" panose="020B0604020202020204"/>
-                <a:ea typeface="Arial" panose="020B0604020202020204"/>
-                <a:cs typeface="Arial" panose="020B0604020202020204"/>
-                <a:sym typeface="Arial" panose="020B0604020202020204"/>
+                <a:latin typeface="Arial" panose="020B0604020202090204"/>
+                <a:ea typeface="Arial" panose="020B0604020202090204"/>
+                <a:cs typeface="Arial" panose="020B0604020202090204"/>
+                <a:sym typeface="Arial" panose="020B0604020202090204"/>
               </a:defRPr>
             </a:lvl5pPr>
             <a:lvl6pPr marL="2743200" marR="0" lvl="5" indent="-355600" algn="l" rtl="0">
@@ -4788,16 +4782,16 @@
                 <a:schemeClr val="dk1"/>
               </a:buClr>
               <a:buSzPts val="2000"/>
-              <a:buFont typeface="Arial" panose="020B0604020202020204"/>
+              <a:buFont typeface="Arial" panose="020B0604020202090204"/>
               <a:buChar char="»"/>
               <a:defRPr sz="2000" b="0" i="0" u="none" strike="noStrike" cap="none">
                 <a:solidFill>
                   <a:schemeClr val="dk1"/>
                 </a:solidFill>
-                <a:latin typeface="Arial" panose="020B0604020202020204"/>
-                <a:ea typeface="Arial" panose="020B0604020202020204"/>
-                <a:cs typeface="Arial" panose="020B0604020202020204"/>
-                <a:sym typeface="Arial" panose="020B0604020202020204"/>
+                <a:latin typeface="Arial" panose="020B0604020202090204"/>
+                <a:ea typeface="Arial" panose="020B0604020202090204"/>
+                <a:cs typeface="Arial" panose="020B0604020202090204"/>
+                <a:sym typeface="Arial" panose="020B0604020202090204"/>
               </a:defRPr>
             </a:lvl6pPr>
             <a:lvl7pPr marL="3200400" marR="0" lvl="6" indent="-355600" algn="l" rtl="0">
@@ -4811,16 +4805,16 @@
                 <a:schemeClr val="dk1"/>
               </a:buClr>
               <a:buSzPts val="2000"/>
-              <a:buFont typeface="Arial" panose="020B0604020202020204"/>
+              <a:buFont typeface="Arial" panose="020B0604020202090204"/>
               <a:buChar char="»"/>
               <a:defRPr sz="2000" b="0" i="0" u="none" strike="noStrike" cap="none">
                 <a:solidFill>
                   <a:schemeClr val="dk1"/>
                 </a:solidFill>
-                <a:latin typeface="Arial" panose="020B0604020202020204"/>
-                <a:ea typeface="Arial" panose="020B0604020202020204"/>
-                <a:cs typeface="Arial" panose="020B0604020202020204"/>
-                <a:sym typeface="Arial" panose="020B0604020202020204"/>
+                <a:latin typeface="Arial" panose="020B0604020202090204"/>
+                <a:ea typeface="Arial" panose="020B0604020202090204"/>
+                <a:cs typeface="Arial" panose="020B0604020202090204"/>
+                <a:sym typeface="Arial" panose="020B0604020202090204"/>
               </a:defRPr>
             </a:lvl7pPr>
             <a:lvl8pPr marL="3657600" marR="0" lvl="7" indent="-355600" algn="l" rtl="0">
@@ -4834,16 +4828,16 @@
                 <a:schemeClr val="dk1"/>
               </a:buClr>
               <a:buSzPts val="2000"/>
-              <a:buFont typeface="Arial" panose="020B0604020202020204"/>
+              <a:buFont typeface="Arial" panose="020B0604020202090204"/>
               <a:buChar char="»"/>
               <a:defRPr sz="2000" b="0" i="0" u="none" strike="noStrike" cap="none">
                 <a:solidFill>
                   <a:schemeClr val="dk1"/>
                 </a:solidFill>
-                <a:latin typeface="Arial" panose="020B0604020202020204"/>
-                <a:ea typeface="Arial" panose="020B0604020202020204"/>
-                <a:cs typeface="Arial" panose="020B0604020202020204"/>
-                <a:sym typeface="Arial" panose="020B0604020202020204"/>
+                <a:latin typeface="Arial" panose="020B0604020202090204"/>
+                <a:ea typeface="Arial" panose="020B0604020202090204"/>
+                <a:cs typeface="Arial" panose="020B0604020202090204"/>
+                <a:sym typeface="Arial" panose="020B0604020202090204"/>
               </a:defRPr>
             </a:lvl8pPr>
             <a:lvl9pPr marL="4114800" marR="0" lvl="8" indent="-355600" algn="l" rtl="0">
@@ -4857,16 +4851,16 @@
                 <a:schemeClr val="dk1"/>
               </a:buClr>
               <a:buSzPts val="2000"/>
-              <a:buFont typeface="Arial" panose="020B0604020202020204"/>
+              <a:buFont typeface="Arial" panose="020B0604020202090204"/>
               <a:buChar char="»"/>
               <a:defRPr sz="2000" b="0" i="0" u="none" strike="noStrike" cap="none">
                 <a:solidFill>
                   <a:schemeClr val="dk1"/>
                 </a:solidFill>
-                <a:latin typeface="Arial" panose="020B0604020202020204"/>
-                <a:ea typeface="Arial" panose="020B0604020202020204"/>
-                <a:cs typeface="Arial" panose="020B0604020202020204"/>
-                <a:sym typeface="Arial" panose="020B0604020202020204"/>
+                <a:latin typeface="Arial" panose="020B0604020202090204"/>
+                <a:ea typeface="Arial" panose="020B0604020202090204"/>
+                <a:cs typeface="Arial" panose="020B0604020202090204"/>
+                <a:sym typeface="Arial" panose="020B0604020202090204"/>
               </a:defRPr>
             </a:lvl9pPr>
           </a:lstStyle>
@@ -4937,10 +4931,10 @@
                 <a:solidFill>
                   <a:schemeClr val="dk2"/>
                 </a:solidFill>
-                <a:latin typeface="Arial" panose="020B0604020202020204"/>
-                <a:ea typeface="Arial" panose="020B0604020202020204"/>
-                <a:cs typeface="Arial" panose="020B0604020202020204"/>
-                <a:sym typeface="Arial" panose="020B0604020202020204"/>
+                <a:latin typeface="Arial" panose="020B0604020202090204"/>
+                <a:ea typeface="Arial" panose="020B0604020202090204"/>
+                <a:cs typeface="Arial" panose="020B0604020202090204"/>
+                <a:sym typeface="Arial" panose="020B0604020202090204"/>
               </a:defRPr>
             </a:lvl1pPr>
             <a:lvl2pPr marL="0" marR="0" lvl="1" indent="0" algn="ctr" rtl="0">
@@ -4956,10 +4950,10 @@
                 <a:solidFill>
                   <a:schemeClr val="dk2"/>
                 </a:solidFill>
-                <a:latin typeface="Arial" panose="020B0604020202020204"/>
-                <a:ea typeface="Arial" panose="020B0604020202020204"/>
-                <a:cs typeface="Arial" panose="020B0604020202020204"/>
-                <a:sym typeface="Arial" panose="020B0604020202020204"/>
+                <a:latin typeface="Arial" panose="020B0604020202090204"/>
+                <a:ea typeface="Arial" panose="020B0604020202090204"/>
+                <a:cs typeface="Arial" panose="020B0604020202090204"/>
+                <a:sym typeface="Arial" panose="020B0604020202090204"/>
               </a:defRPr>
             </a:lvl2pPr>
             <a:lvl3pPr marL="0" marR="0" lvl="2" indent="0" algn="ctr" rtl="0">
@@ -4975,10 +4969,10 @@
                 <a:solidFill>
                   <a:schemeClr val="dk2"/>
                 </a:solidFill>
-                <a:latin typeface="Arial" panose="020B0604020202020204"/>
-                <a:ea typeface="Arial" panose="020B0604020202020204"/>
-                <a:cs typeface="Arial" panose="020B0604020202020204"/>
-                <a:sym typeface="Arial" panose="020B0604020202020204"/>
+                <a:latin typeface="Arial" panose="020B0604020202090204"/>
+                <a:ea typeface="Arial" panose="020B0604020202090204"/>
+                <a:cs typeface="Arial" panose="020B0604020202090204"/>
+                <a:sym typeface="Arial" panose="020B0604020202090204"/>
               </a:defRPr>
             </a:lvl3pPr>
             <a:lvl4pPr marL="0" marR="0" lvl="3" indent="0" algn="ctr" rtl="0">
@@ -4994,10 +4988,10 @@
                 <a:solidFill>
                   <a:schemeClr val="dk2"/>
                 </a:solidFill>
-                <a:latin typeface="Arial" panose="020B0604020202020204"/>
-                <a:ea typeface="Arial" panose="020B0604020202020204"/>
-                <a:cs typeface="Arial" panose="020B0604020202020204"/>
-                <a:sym typeface="Arial" panose="020B0604020202020204"/>
+                <a:latin typeface="Arial" panose="020B0604020202090204"/>
+                <a:ea typeface="Arial" panose="020B0604020202090204"/>
+                <a:cs typeface="Arial" panose="020B0604020202090204"/>
+                <a:sym typeface="Arial" panose="020B0604020202090204"/>
               </a:defRPr>
             </a:lvl4pPr>
             <a:lvl5pPr marL="0" marR="0" lvl="4" indent="0" algn="ctr" rtl="0">
@@ -5013,10 +5007,10 @@
                 <a:solidFill>
                   <a:schemeClr val="dk2"/>
                 </a:solidFill>
-                <a:latin typeface="Arial" panose="020B0604020202020204"/>
-                <a:ea typeface="Arial" panose="020B0604020202020204"/>
-                <a:cs typeface="Arial" panose="020B0604020202020204"/>
-                <a:sym typeface="Arial" panose="020B0604020202020204"/>
+                <a:latin typeface="Arial" panose="020B0604020202090204"/>
+                <a:ea typeface="Arial" panose="020B0604020202090204"/>
+                <a:cs typeface="Arial" panose="020B0604020202090204"/>
+                <a:sym typeface="Arial" panose="020B0604020202090204"/>
               </a:defRPr>
             </a:lvl5pPr>
             <a:lvl6pPr marL="457200" marR="0" lvl="5" indent="0" algn="ctr" rtl="0">
@@ -5032,10 +5026,10 @@
                 <a:solidFill>
                   <a:schemeClr val="dk2"/>
                 </a:solidFill>
-                <a:latin typeface="Arial" panose="020B0604020202020204"/>
-                <a:ea typeface="Arial" panose="020B0604020202020204"/>
-                <a:cs typeface="Arial" panose="020B0604020202020204"/>
-                <a:sym typeface="Arial" panose="020B0604020202020204"/>
+                <a:latin typeface="Arial" panose="020B0604020202090204"/>
+                <a:ea typeface="Arial" panose="020B0604020202090204"/>
+                <a:cs typeface="Arial" panose="020B0604020202090204"/>
+                <a:sym typeface="Arial" panose="020B0604020202090204"/>
               </a:defRPr>
             </a:lvl6pPr>
             <a:lvl7pPr marL="914400" marR="0" lvl="6" indent="0" algn="ctr" rtl="0">
@@ -5051,10 +5045,10 @@
                 <a:solidFill>
                   <a:schemeClr val="dk2"/>
                 </a:solidFill>
-                <a:latin typeface="Arial" panose="020B0604020202020204"/>
-                <a:ea typeface="Arial" panose="020B0604020202020204"/>
-                <a:cs typeface="Arial" panose="020B0604020202020204"/>
-                <a:sym typeface="Arial" panose="020B0604020202020204"/>
+                <a:latin typeface="Arial" panose="020B0604020202090204"/>
+                <a:ea typeface="Arial" panose="020B0604020202090204"/>
+                <a:cs typeface="Arial" panose="020B0604020202090204"/>
+                <a:sym typeface="Arial" panose="020B0604020202090204"/>
               </a:defRPr>
             </a:lvl7pPr>
             <a:lvl8pPr marL="1371600" marR="0" lvl="7" indent="0" algn="ctr" rtl="0">
@@ -5070,10 +5064,10 @@
                 <a:solidFill>
                   <a:schemeClr val="dk2"/>
                 </a:solidFill>
-                <a:latin typeface="Arial" panose="020B0604020202020204"/>
-                <a:ea typeface="Arial" panose="020B0604020202020204"/>
-                <a:cs typeface="Arial" panose="020B0604020202020204"/>
-                <a:sym typeface="Arial" panose="020B0604020202020204"/>
+                <a:latin typeface="Arial" panose="020B0604020202090204"/>
+                <a:ea typeface="Arial" panose="020B0604020202090204"/>
+                <a:cs typeface="Arial" panose="020B0604020202090204"/>
+                <a:sym typeface="Arial" panose="020B0604020202090204"/>
               </a:defRPr>
             </a:lvl8pPr>
             <a:lvl9pPr marL="1828800" marR="0" lvl="8" indent="0" algn="ctr" rtl="0">
@@ -5089,10 +5083,10 @@
                 <a:solidFill>
                   <a:schemeClr val="dk2"/>
                 </a:solidFill>
-                <a:latin typeface="Arial" panose="020B0604020202020204"/>
-                <a:ea typeface="Arial" panose="020B0604020202020204"/>
-                <a:cs typeface="Arial" panose="020B0604020202020204"/>
-                <a:sym typeface="Arial" panose="020B0604020202020204"/>
+                <a:latin typeface="Arial" panose="020B0604020202090204"/>
+                <a:ea typeface="Arial" panose="020B0604020202090204"/>
+                <a:cs typeface="Arial" panose="020B0604020202090204"/>
+                <a:sym typeface="Arial" panose="020B0604020202090204"/>
               </a:defRPr>
             </a:lvl9pPr>
           </a:lstStyle>
@@ -5136,16 +5130,16 @@
                 <a:schemeClr val="dk1"/>
               </a:buClr>
               <a:buSzPts val="1400"/>
-              <a:buFont typeface="Arial" panose="020B0604020202020204"/>
+              <a:buFont typeface="Arial" panose="020B0604020202090204"/>
               <a:buNone/>
               <a:defRPr sz="3200" b="0" i="0" u="none" strike="noStrike" cap="none">
                 <a:solidFill>
                   <a:schemeClr val="dk1"/>
                 </a:solidFill>
-                <a:latin typeface="Arial" panose="020B0604020202020204"/>
-                <a:ea typeface="Arial" panose="020B0604020202020204"/>
-                <a:cs typeface="Arial" panose="020B0604020202020204"/>
-                <a:sym typeface="Arial" panose="020B0604020202020204"/>
+                <a:latin typeface="Arial" panose="020B0604020202090204"/>
+                <a:ea typeface="Arial" panose="020B0604020202090204"/>
+                <a:cs typeface="Arial" panose="020B0604020202090204"/>
+                <a:sym typeface="Arial" panose="020B0604020202090204"/>
               </a:defRPr>
             </a:lvl1pPr>
             <a:lvl2pPr marL="457200" marR="0" lvl="1" indent="0" algn="ctr" rtl="0">
@@ -5159,16 +5153,16 @@
                 <a:schemeClr val="dk1"/>
               </a:buClr>
               <a:buSzPts val="1400"/>
-              <a:buFont typeface="Arial" panose="020B0604020202020204"/>
+              <a:buFont typeface="Arial" panose="020B0604020202090204"/>
               <a:buNone/>
               <a:defRPr sz="2800" b="0" i="0" u="none" strike="noStrike" cap="none">
                 <a:solidFill>
                   <a:schemeClr val="dk1"/>
                 </a:solidFill>
-                <a:latin typeface="Arial" panose="020B0604020202020204"/>
-                <a:ea typeface="Arial" panose="020B0604020202020204"/>
-                <a:cs typeface="Arial" panose="020B0604020202020204"/>
-                <a:sym typeface="Arial" panose="020B0604020202020204"/>
+                <a:latin typeface="Arial" panose="020B0604020202090204"/>
+                <a:ea typeface="Arial" panose="020B0604020202090204"/>
+                <a:cs typeface="Arial" panose="020B0604020202090204"/>
+                <a:sym typeface="Arial" panose="020B0604020202090204"/>
               </a:defRPr>
             </a:lvl2pPr>
             <a:lvl3pPr marL="914400" marR="0" lvl="2" indent="0" algn="ctr" rtl="0">
@@ -5182,16 +5176,16 @@
                 <a:schemeClr val="dk1"/>
               </a:buClr>
               <a:buSzPts val="1400"/>
-              <a:buFont typeface="Arial" panose="020B0604020202020204"/>
+              <a:buFont typeface="Arial" panose="020B0604020202090204"/>
               <a:buNone/>
               <a:defRPr sz="2400" b="0" i="0" u="none" strike="noStrike" cap="none">
                 <a:solidFill>
                   <a:schemeClr val="dk1"/>
                 </a:solidFill>
-                <a:latin typeface="Arial" panose="020B0604020202020204"/>
-                <a:ea typeface="Arial" panose="020B0604020202020204"/>
-                <a:cs typeface="Arial" panose="020B0604020202020204"/>
-                <a:sym typeface="Arial" panose="020B0604020202020204"/>
+                <a:latin typeface="Arial" panose="020B0604020202090204"/>
+                <a:ea typeface="Arial" panose="020B0604020202090204"/>
+                <a:cs typeface="Arial" panose="020B0604020202090204"/>
+                <a:sym typeface="Arial" panose="020B0604020202090204"/>
               </a:defRPr>
             </a:lvl3pPr>
             <a:lvl4pPr marL="1371600" marR="0" lvl="3" indent="0" algn="ctr" rtl="0">
@@ -5205,16 +5199,16 @@
                 <a:schemeClr val="dk1"/>
               </a:buClr>
               <a:buSzPts val="1400"/>
-              <a:buFont typeface="Arial" panose="020B0604020202020204"/>
+              <a:buFont typeface="Arial" panose="020B0604020202090204"/>
               <a:buNone/>
               <a:defRPr sz="2000" b="0" i="0" u="none" strike="noStrike" cap="none">
                 <a:solidFill>
                   <a:schemeClr val="dk1"/>
                 </a:solidFill>
-                <a:latin typeface="Arial" panose="020B0604020202020204"/>
-                <a:ea typeface="Arial" panose="020B0604020202020204"/>
-                <a:cs typeface="Arial" panose="020B0604020202020204"/>
-                <a:sym typeface="Arial" panose="020B0604020202020204"/>
+                <a:latin typeface="Arial" panose="020B0604020202090204"/>
+                <a:ea typeface="Arial" panose="020B0604020202090204"/>
+                <a:cs typeface="Arial" panose="020B0604020202090204"/>
+                <a:sym typeface="Arial" panose="020B0604020202090204"/>
               </a:defRPr>
             </a:lvl4pPr>
             <a:lvl5pPr marL="1828800" marR="0" lvl="4" indent="0" algn="ctr" rtl="0">
@@ -5228,16 +5222,16 @@
                 <a:schemeClr val="dk1"/>
               </a:buClr>
               <a:buSzPts val="1400"/>
-              <a:buFont typeface="Arial" panose="020B0604020202020204"/>
+              <a:buFont typeface="Arial" panose="020B0604020202090204"/>
               <a:buNone/>
               <a:defRPr sz="2000" b="0" i="0" u="none" strike="noStrike" cap="none">
                 <a:solidFill>
                   <a:schemeClr val="dk1"/>
                 </a:solidFill>
-                <a:latin typeface="Arial" panose="020B0604020202020204"/>
-                <a:ea typeface="Arial" panose="020B0604020202020204"/>
-                <a:cs typeface="Arial" panose="020B0604020202020204"/>
-                <a:sym typeface="Arial" panose="020B0604020202020204"/>
+                <a:latin typeface="Arial" panose="020B0604020202090204"/>
+                <a:ea typeface="Arial" panose="020B0604020202090204"/>
+                <a:cs typeface="Arial" panose="020B0604020202090204"/>
+                <a:sym typeface="Arial" panose="020B0604020202090204"/>
               </a:defRPr>
             </a:lvl5pPr>
             <a:lvl6pPr marL="2286000" marR="0" lvl="5" indent="0" algn="ctr" rtl="0">
@@ -5251,16 +5245,16 @@
                 <a:schemeClr val="dk1"/>
               </a:buClr>
               <a:buSzPts val="1400"/>
-              <a:buFont typeface="Arial" panose="020B0604020202020204"/>
+              <a:buFont typeface="Arial" panose="020B0604020202090204"/>
               <a:buNone/>
               <a:defRPr sz="2000" b="0" i="0" u="none" strike="noStrike" cap="none">
                 <a:solidFill>
                   <a:schemeClr val="dk1"/>
                 </a:solidFill>
-                <a:latin typeface="Arial" panose="020B0604020202020204"/>
-                <a:ea typeface="Arial" panose="020B0604020202020204"/>
-                <a:cs typeface="Arial" panose="020B0604020202020204"/>
-                <a:sym typeface="Arial" panose="020B0604020202020204"/>
+                <a:latin typeface="Arial" panose="020B0604020202090204"/>
+                <a:ea typeface="Arial" panose="020B0604020202090204"/>
+                <a:cs typeface="Arial" panose="020B0604020202090204"/>
+                <a:sym typeface="Arial" panose="020B0604020202090204"/>
               </a:defRPr>
             </a:lvl6pPr>
             <a:lvl7pPr marL="2743200" marR="0" lvl="6" indent="0" algn="ctr" rtl="0">
@@ -5274,16 +5268,16 @@
                 <a:schemeClr val="dk1"/>
               </a:buClr>
               <a:buSzPts val="1400"/>
-              <a:buFont typeface="Arial" panose="020B0604020202020204"/>
+              <a:buFont typeface="Arial" panose="020B0604020202090204"/>
               <a:buNone/>
               <a:defRPr sz="2000" b="0" i="0" u="none" strike="noStrike" cap="none">
                 <a:solidFill>
                   <a:schemeClr val="dk1"/>
                 </a:solidFill>
-                <a:latin typeface="Arial" panose="020B0604020202020204"/>
-                <a:ea typeface="Arial" panose="020B0604020202020204"/>
-                <a:cs typeface="Arial" panose="020B0604020202020204"/>
-                <a:sym typeface="Arial" panose="020B0604020202020204"/>
+                <a:latin typeface="Arial" panose="020B0604020202090204"/>
+                <a:ea typeface="Arial" panose="020B0604020202090204"/>
+                <a:cs typeface="Arial" panose="020B0604020202090204"/>
+                <a:sym typeface="Arial" panose="020B0604020202090204"/>
               </a:defRPr>
             </a:lvl7pPr>
             <a:lvl8pPr marL="3200400" marR="0" lvl="7" indent="0" algn="ctr" rtl="0">
@@ -5297,16 +5291,16 @@
                 <a:schemeClr val="dk1"/>
               </a:buClr>
               <a:buSzPts val="1400"/>
-              <a:buFont typeface="Arial" panose="020B0604020202020204"/>
+              <a:buFont typeface="Arial" panose="020B0604020202090204"/>
               <a:buNone/>
               <a:defRPr sz="2000" b="0" i="0" u="none" strike="noStrike" cap="none">
                 <a:solidFill>
                   <a:schemeClr val="dk1"/>
                 </a:solidFill>
-                <a:latin typeface="Arial" panose="020B0604020202020204"/>
-                <a:ea typeface="Arial" panose="020B0604020202020204"/>
-                <a:cs typeface="Arial" panose="020B0604020202020204"/>
-                <a:sym typeface="Arial" panose="020B0604020202020204"/>
+                <a:latin typeface="Arial" panose="020B0604020202090204"/>
+                <a:ea typeface="Arial" panose="020B0604020202090204"/>
+                <a:cs typeface="Arial" panose="020B0604020202090204"/>
+                <a:sym typeface="Arial" panose="020B0604020202090204"/>
               </a:defRPr>
             </a:lvl8pPr>
             <a:lvl9pPr marL="3657600" marR="0" lvl="8" indent="0" algn="ctr" rtl="0">
@@ -5320,16 +5314,16 @@
                 <a:schemeClr val="dk1"/>
               </a:buClr>
               <a:buSzPts val="1400"/>
-              <a:buFont typeface="Arial" panose="020B0604020202020204"/>
+              <a:buFont typeface="Arial" panose="020B0604020202090204"/>
               <a:buNone/>
               <a:defRPr sz="2000" b="0" i="0" u="none" strike="noStrike" cap="none">
                 <a:solidFill>
                   <a:schemeClr val="dk1"/>
                 </a:solidFill>
-                <a:latin typeface="Arial" panose="020B0604020202020204"/>
-                <a:ea typeface="Arial" panose="020B0604020202020204"/>
-                <a:cs typeface="Arial" panose="020B0604020202020204"/>
-                <a:sym typeface="Arial" panose="020B0604020202020204"/>
+                <a:latin typeface="Arial" panose="020B0604020202090204"/>
+                <a:ea typeface="Arial" panose="020B0604020202090204"/>
+                <a:cs typeface="Arial" panose="020B0604020202090204"/>
+                <a:sym typeface="Arial" panose="020B0604020202090204"/>
               </a:defRPr>
             </a:lvl9pPr>
           </a:lstStyle>
@@ -5400,10 +5394,10 @@
                 <a:solidFill>
                   <a:schemeClr val="dk2"/>
                 </a:solidFill>
-                <a:latin typeface="Arial" panose="020B0604020202020204"/>
-                <a:ea typeface="Arial" panose="020B0604020202020204"/>
-                <a:cs typeface="Arial" panose="020B0604020202020204"/>
-                <a:sym typeface="Arial" panose="020B0604020202020204"/>
+                <a:latin typeface="Arial" panose="020B0604020202090204"/>
+                <a:ea typeface="Arial" panose="020B0604020202090204"/>
+                <a:cs typeface="Arial" panose="020B0604020202090204"/>
+                <a:sym typeface="Arial" panose="020B0604020202090204"/>
               </a:defRPr>
             </a:lvl1pPr>
             <a:lvl2pPr marL="0" marR="0" lvl="1" indent="0" algn="ctr" rtl="0">
@@ -5419,10 +5413,10 @@
                 <a:solidFill>
                   <a:schemeClr val="dk2"/>
                 </a:solidFill>
-                <a:latin typeface="Arial" panose="020B0604020202020204"/>
-                <a:ea typeface="Arial" panose="020B0604020202020204"/>
-                <a:cs typeface="Arial" panose="020B0604020202020204"/>
-                <a:sym typeface="Arial" panose="020B0604020202020204"/>
+                <a:latin typeface="Arial" panose="020B0604020202090204"/>
+                <a:ea typeface="Arial" panose="020B0604020202090204"/>
+                <a:cs typeface="Arial" panose="020B0604020202090204"/>
+                <a:sym typeface="Arial" panose="020B0604020202090204"/>
               </a:defRPr>
             </a:lvl2pPr>
             <a:lvl3pPr marL="0" marR="0" lvl="2" indent="0" algn="ctr" rtl="0">
@@ -5438,10 +5432,10 @@
                 <a:solidFill>
                   <a:schemeClr val="dk2"/>
                 </a:solidFill>
-                <a:latin typeface="Arial" panose="020B0604020202020204"/>
-                <a:ea typeface="Arial" panose="020B0604020202020204"/>
-                <a:cs typeface="Arial" panose="020B0604020202020204"/>
-                <a:sym typeface="Arial" panose="020B0604020202020204"/>
+                <a:latin typeface="Arial" panose="020B0604020202090204"/>
+                <a:ea typeface="Arial" panose="020B0604020202090204"/>
+                <a:cs typeface="Arial" panose="020B0604020202090204"/>
+                <a:sym typeface="Arial" panose="020B0604020202090204"/>
               </a:defRPr>
             </a:lvl3pPr>
             <a:lvl4pPr marL="0" marR="0" lvl="3" indent="0" algn="ctr" rtl="0">
@@ -5457,10 +5451,10 @@
                 <a:solidFill>
                   <a:schemeClr val="dk2"/>
                 </a:solidFill>
-                <a:latin typeface="Arial" panose="020B0604020202020204"/>
-                <a:ea typeface="Arial" panose="020B0604020202020204"/>
-                <a:cs typeface="Arial" panose="020B0604020202020204"/>
-                <a:sym typeface="Arial" panose="020B0604020202020204"/>
+                <a:latin typeface="Arial" panose="020B0604020202090204"/>
+                <a:ea typeface="Arial" panose="020B0604020202090204"/>
+                <a:cs typeface="Arial" panose="020B0604020202090204"/>
+                <a:sym typeface="Arial" panose="020B0604020202090204"/>
               </a:defRPr>
             </a:lvl4pPr>
             <a:lvl5pPr marL="0" marR="0" lvl="4" indent="0" algn="ctr" rtl="0">
@@ -5476,10 +5470,10 @@
                 <a:solidFill>
                   <a:schemeClr val="dk2"/>
                 </a:solidFill>
-                <a:latin typeface="Arial" panose="020B0604020202020204"/>
-                <a:ea typeface="Arial" panose="020B0604020202020204"/>
-                <a:cs typeface="Arial" panose="020B0604020202020204"/>
-                <a:sym typeface="Arial" panose="020B0604020202020204"/>
+                <a:latin typeface="Arial" panose="020B0604020202090204"/>
+                <a:ea typeface="Arial" panose="020B0604020202090204"/>
+                <a:cs typeface="Arial" panose="020B0604020202090204"/>
+                <a:sym typeface="Arial" panose="020B0604020202090204"/>
               </a:defRPr>
             </a:lvl5pPr>
             <a:lvl6pPr marL="457200" marR="0" lvl="5" indent="0" algn="ctr" rtl="0">
@@ -5495,10 +5489,10 @@
                 <a:solidFill>
                   <a:schemeClr val="dk2"/>
                 </a:solidFill>
-                <a:latin typeface="Arial" panose="020B0604020202020204"/>
-                <a:ea typeface="Arial" panose="020B0604020202020204"/>
-                <a:cs typeface="Arial" panose="020B0604020202020204"/>
-                <a:sym typeface="Arial" panose="020B0604020202020204"/>
+                <a:latin typeface="Arial" panose="020B0604020202090204"/>
+                <a:ea typeface="Arial" panose="020B0604020202090204"/>
+                <a:cs typeface="Arial" panose="020B0604020202090204"/>
+                <a:sym typeface="Arial" panose="020B0604020202090204"/>
               </a:defRPr>
             </a:lvl6pPr>
             <a:lvl7pPr marL="914400" marR="0" lvl="6" indent="0" algn="ctr" rtl="0">
@@ -5514,10 +5508,10 @@
                 <a:solidFill>
                   <a:schemeClr val="dk2"/>
                 </a:solidFill>
-                <a:latin typeface="Arial" panose="020B0604020202020204"/>
-                <a:ea typeface="Arial" panose="020B0604020202020204"/>
-                <a:cs typeface="Arial" panose="020B0604020202020204"/>
-                <a:sym typeface="Arial" panose="020B0604020202020204"/>
+                <a:latin typeface="Arial" panose="020B0604020202090204"/>
+                <a:ea typeface="Arial" panose="020B0604020202090204"/>
+                <a:cs typeface="Arial" panose="020B0604020202090204"/>
+                <a:sym typeface="Arial" panose="020B0604020202090204"/>
               </a:defRPr>
             </a:lvl7pPr>
             <a:lvl8pPr marL="1371600" marR="0" lvl="7" indent="0" algn="ctr" rtl="0">
@@ -5533,10 +5527,10 @@
                 <a:solidFill>
                   <a:schemeClr val="dk2"/>
                 </a:solidFill>
-                <a:latin typeface="Arial" panose="020B0604020202020204"/>
-                <a:ea typeface="Arial" panose="020B0604020202020204"/>
-                <a:cs typeface="Arial" panose="020B0604020202020204"/>
-                <a:sym typeface="Arial" panose="020B0604020202020204"/>
+                <a:latin typeface="Arial" panose="020B0604020202090204"/>
+                <a:ea typeface="Arial" panose="020B0604020202090204"/>
+                <a:cs typeface="Arial" panose="020B0604020202090204"/>
+                <a:sym typeface="Arial" panose="020B0604020202090204"/>
               </a:defRPr>
             </a:lvl8pPr>
             <a:lvl9pPr marL="1828800" marR="0" lvl="8" indent="0" algn="ctr" rtl="0">
@@ -5552,10 +5546,10 @@
                 <a:solidFill>
                   <a:schemeClr val="dk2"/>
                 </a:solidFill>
-                <a:latin typeface="Arial" panose="020B0604020202020204"/>
-                <a:ea typeface="Arial" panose="020B0604020202020204"/>
-                <a:cs typeface="Arial" panose="020B0604020202020204"/>
-                <a:sym typeface="Arial" panose="020B0604020202020204"/>
+                <a:latin typeface="Arial" panose="020B0604020202090204"/>
+                <a:ea typeface="Arial" panose="020B0604020202090204"/>
+                <a:cs typeface="Arial" panose="020B0604020202090204"/>
+                <a:sym typeface="Arial" panose="020B0604020202090204"/>
               </a:defRPr>
             </a:lvl9pPr>
           </a:lstStyle>
@@ -5599,16 +5593,16 @@
                 <a:schemeClr val="dk1"/>
               </a:buClr>
               <a:buSzPts val="3200"/>
-              <a:buFont typeface="Arial" panose="020B0604020202020204"/>
+              <a:buFont typeface="Arial" panose="020B0604020202090204"/>
               <a:buChar char="•"/>
               <a:defRPr sz="3200" b="0" i="0" u="none" strike="noStrike" cap="none">
                 <a:solidFill>
                   <a:schemeClr val="dk1"/>
                 </a:solidFill>
-                <a:latin typeface="Arial" panose="020B0604020202020204"/>
-                <a:ea typeface="Arial" panose="020B0604020202020204"/>
-                <a:cs typeface="Arial" panose="020B0604020202020204"/>
-                <a:sym typeface="Arial" panose="020B0604020202020204"/>
+                <a:latin typeface="Arial" panose="020B0604020202090204"/>
+                <a:ea typeface="Arial" panose="020B0604020202090204"/>
+                <a:cs typeface="Arial" panose="020B0604020202090204"/>
+                <a:sym typeface="Arial" panose="020B0604020202090204"/>
               </a:defRPr>
             </a:lvl1pPr>
             <a:lvl2pPr marL="914400" marR="0" lvl="1" indent="-406400" algn="l" rtl="0">
@@ -5622,16 +5616,16 @@
                 <a:schemeClr val="dk1"/>
               </a:buClr>
               <a:buSzPts val="2800"/>
-              <a:buFont typeface="Arial" panose="020B0604020202020204"/>
+              <a:buFont typeface="Arial" panose="020B0604020202090204"/>
               <a:buChar char="–"/>
               <a:defRPr sz="2800" b="0" i="0" u="none" strike="noStrike" cap="none">
                 <a:solidFill>
                   <a:schemeClr val="dk1"/>
                 </a:solidFill>
-                <a:latin typeface="Arial" panose="020B0604020202020204"/>
-                <a:ea typeface="Arial" panose="020B0604020202020204"/>
-                <a:cs typeface="Arial" panose="020B0604020202020204"/>
-                <a:sym typeface="Arial" panose="020B0604020202020204"/>
+                <a:latin typeface="Arial" panose="020B0604020202090204"/>
+                <a:ea typeface="Arial" panose="020B0604020202090204"/>
+                <a:cs typeface="Arial" panose="020B0604020202090204"/>
+                <a:sym typeface="Arial" panose="020B0604020202090204"/>
               </a:defRPr>
             </a:lvl2pPr>
             <a:lvl3pPr marL="1371600" marR="0" lvl="2" indent="-381000" algn="l" rtl="0">
@@ -5645,16 +5639,16 @@
                 <a:schemeClr val="dk1"/>
               </a:buClr>
               <a:buSzPts val="2400"/>
-              <a:buFont typeface="Arial" panose="020B0604020202020204"/>
+              <a:buFont typeface="Arial" panose="020B0604020202090204"/>
               <a:buChar char="•"/>
               <a:defRPr sz="2400" b="0" i="0" u="none" strike="noStrike" cap="none">
                 <a:solidFill>
                   <a:schemeClr val="dk1"/>
                 </a:solidFill>
-                <a:latin typeface="Arial" panose="020B0604020202020204"/>
-                <a:ea typeface="Arial" panose="020B0604020202020204"/>
-                <a:cs typeface="Arial" panose="020B0604020202020204"/>
-                <a:sym typeface="Arial" panose="020B0604020202020204"/>
+                <a:latin typeface="Arial" panose="020B0604020202090204"/>
+                <a:ea typeface="Arial" panose="020B0604020202090204"/>
+                <a:cs typeface="Arial" panose="020B0604020202090204"/>
+                <a:sym typeface="Arial" panose="020B0604020202090204"/>
               </a:defRPr>
             </a:lvl3pPr>
             <a:lvl4pPr marL="1828800" marR="0" lvl="3" indent="-355600" algn="l" rtl="0">
@@ -5668,16 +5662,16 @@
                 <a:schemeClr val="dk1"/>
               </a:buClr>
               <a:buSzPts val="2000"/>
-              <a:buFont typeface="Arial" panose="020B0604020202020204"/>
+              <a:buFont typeface="Arial" panose="020B0604020202090204"/>
               <a:buChar char="–"/>
               <a:defRPr sz="2000" b="0" i="0" u="none" strike="noStrike" cap="none">
                 <a:solidFill>
                   <a:schemeClr val="dk1"/>
                 </a:solidFill>
-                <a:latin typeface="Arial" panose="020B0604020202020204"/>
-                <a:ea typeface="Arial" panose="020B0604020202020204"/>
-                <a:cs typeface="Arial" panose="020B0604020202020204"/>
-                <a:sym typeface="Arial" panose="020B0604020202020204"/>
+                <a:latin typeface="Arial" panose="020B0604020202090204"/>
+                <a:ea typeface="Arial" panose="020B0604020202090204"/>
+                <a:cs typeface="Arial" panose="020B0604020202090204"/>
+                <a:sym typeface="Arial" panose="020B0604020202090204"/>
               </a:defRPr>
             </a:lvl4pPr>
             <a:lvl5pPr marL="2286000" marR="0" lvl="4" indent="-355600" algn="l" rtl="0">
@@ -5691,16 +5685,16 @@
                 <a:schemeClr val="dk1"/>
               </a:buClr>
               <a:buSzPts val="2000"/>
-              <a:buFont typeface="Arial" panose="020B0604020202020204"/>
+              <a:buFont typeface="Arial" panose="020B0604020202090204"/>
               <a:buChar char="»"/>
               <a:defRPr sz="2000" b="0" i="0" u="none" strike="noStrike" cap="none">
                 <a:solidFill>
                   <a:schemeClr val="dk1"/>
                 </a:solidFill>
-                <a:latin typeface="Arial" panose="020B0604020202020204"/>
-                <a:ea typeface="Arial" panose="020B0604020202020204"/>
-                <a:cs typeface="Arial" panose="020B0604020202020204"/>
-                <a:sym typeface="Arial" panose="020B0604020202020204"/>
+                <a:latin typeface="Arial" panose="020B0604020202090204"/>
+                <a:ea typeface="Arial" panose="020B0604020202090204"/>
+                <a:cs typeface="Arial" panose="020B0604020202090204"/>
+                <a:sym typeface="Arial" panose="020B0604020202090204"/>
               </a:defRPr>
             </a:lvl5pPr>
             <a:lvl6pPr marL="2743200" marR="0" lvl="5" indent="-355600" algn="l" rtl="0">
@@ -5714,16 +5708,16 @@
                 <a:schemeClr val="dk1"/>
               </a:buClr>
               <a:buSzPts val="2000"/>
-              <a:buFont typeface="Arial" panose="020B0604020202020204"/>
+              <a:buFont typeface="Arial" panose="020B0604020202090204"/>
               <a:buChar char="»"/>
               <a:defRPr sz="2000" b="0" i="0" u="none" strike="noStrike" cap="none">
                 <a:solidFill>
                   <a:schemeClr val="dk1"/>
                 </a:solidFill>
-                <a:latin typeface="Arial" panose="020B0604020202020204"/>
-                <a:ea typeface="Arial" panose="020B0604020202020204"/>
-                <a:cs typeface="Arial" panose="020B0604020202020204"/>
-                <a:sym typeface="Arial" panose="020B0604020202020204"/>
+                <a:latin typeface="Arial" panose="020B0604020202090204"/>
+                <a:ea typeface="Arial" panose="020B0604020202090204"/>
+                <a:cs typeface="Arial" panose="020B0604020202090204"/>
+                <a:sym typeface="Arial" panose="020B0604020202090204"/>
               </a:defRPr>
             </a:lvl6pPr>
             <a:lvl7pPr marL="3200400" marR="0" lvl="6" indent="-355600" algn="l" rtl="0">
@@ -5737,16 +5731,16 @@
                 <a:schemeClr val="dk1"/>
               </a:buClr>
               <a:buSzPts val="2000"/>
-              <a:buFont typeface="Arial" panose="020B0604020202020204"/>
+              <a:buFont typeface="Arial" panose="020B0604020202090204"/>
               <a:buChar char="»"/>
               <a:defRPr sz="2000" b="0" i="0" u="none" strike="noStrike" cap="none">
                 <a:solidFill>
                   <a:schemeClr val="dk1"/>
                 </a:solidFill>
-                <a:latin typeface="Arial" panose="020B0604020202020204"/>
-                <a:ea typeface="Arial" panose="020B0604020202020204"/>
-                <a:cs typeface="Arial" panose="020B0604020202020204"/>
-                <a:sym typeface="Arial" panose="020B0604020202020204"/>
+                <a:latin typeface="Arial" panose="020B0604020202090204"/>
+                <a:ea typeface="Arial" panose="020B0604020202090204"/>
+                <a:cs typeface="Arial" panose="020B0604020202090204"/>
+                <a:sym typeface="Arial" panose="020B0604020202090204"/>
               </a:defRPr>
             </a:lvl7pPr>
             <a:lvl8pPr marL="3657600" marR="0" lvl="7" indent="-355600" algn="l" rtl="0">
@@ -5760,16 +5754,16 @@
                 <a:schemeClr val="dk1"/>
               </a:buClr>
               <a:buSzPts val="2000"/>
-              <a:buFont typeface="Arial" panose="020B0604020202020204"/>
+              <a:buFont typeface="Arial" panose="020B0604020202090204"/>
               <a:buChar char="»"/>
               <a:defRPr sz="2000" b="0" i="0" u="none" strike="noStrike" cap="none">
                 <a:solidFill>
                   <a:schemeClr val="dk1"/>
                 </a:solidFill>
-                <a:latin typeface="Arial" panose="020B0604020202020204"/>
-                <a:ea typeface="Arial" panose="020B0604020202020204"/>
-                <a:cs typeface="Arial" panose="020B0604020202020204"/>
-                <a:sym typeface="Arial" panose="020B0604020202020204"/>
+                <a:latin typeface="Arial" panose="020B0604020202090204"/>
+                <a:ea typeface="Arial" panose="020B0604020202090204"/>
+                <a:cs typeface="Arial" panose="020B0604020202090204"/>
+                <a:sym typeface="Arial" panose="020B0604020202090204"/>
               </a:defRPr>
             </a:lvl8pPr>
             <a:lvl9pPr marL="4114800" marR="0" lvl="8" indent="-355600" algn="l" rtl="0">
@@ -5783,16 +5777,16 @@
                 <a:schemeClr val="dk1"/>
               </a:buClr>
               <a:buSzPts val="2000"/>
-              <a:buFont typeface="Arial" panose="020B0604020202020204"/>
+              <a:buFont typeface="Arial" panose="020B0604020202090204"/>
               <a:buChar char="»"/>
               <a:defRPr sz="2000" b="0" i="0" u="none" strike="noStrike" cap="none">
                 <a:solidFill>
                   <a:schemeClr val="dk1"/>
                 </a:solidFill>
-                <a:latin typeface="Arial" panose="020B0604020202020204"/>
-                <a:ea typeface="Arial" panose="020B0604020202020204"/>
-                <a:cs typeface="Arial" panose="020B0604020202020204"/>
-                <a:sym typeface="Arial" panose="020B0604020202020204"/>
+                <a:latin typeface="Arial" panose="020B0604020202090204"/>
+                <a:ea typeface="Arial" panose="020B0604020202090204"/>
+                <a:cs typeface="Arial" panose="020B0604020202090204"/>
+                <a:sym typeface="Arial" panose="020B0604020202090204"/>
               </a:defRPr>
             </a:lvl9pPr>
           </a:lstStyle>
@@ -5836,16 +5830,16 @@
                 <a:schemeClr val="dk1"/>
               </a:buClr>
               <a:buSzPts val="3200"/>
-              <a:buFont typeface="Arial" panose="020B0604020202020204"/>
+              <a:buFont typeface="Arial" panose="020B0604020202090204"/>
               <a:buChar char="•"/>
               <a:defRPr sz="3200" b="0" i="0" u="none" strike="noStrike" cap="none">
                 <a:solidFill>
                   <a:schemeClr val="dk1"/>
                 </a:solidFill>
-                <a:latin typeface="Arial" panose="020B0604020202020204"/>
-                <a:ea typeface="Arial" panose="020B0604020202020204"/>
-                <a:cs typeface="Arial" panose="020B0604020202020204"/>
-                <a:sym typeface="Arial" panose="020B0604020202020204"/>
+                <a:latin typeface="Arial" panose="020B0604020202090204"/>
+                <a:ea typeface="Arial" panose="020B0604020202090204"/>
+                <a:cs typeface="Arial" panose="020B0604020202090204"/>
+                <a:sym typeface="Arial" panose="020B0604020202090204"/>
               </a:defRPr>
             </a:lvl1pPr>
             <a:lvl2pPr marL="914400" marR="0" lvl="1" indent="-406400" algn="l" rtl="0">
@@ -5859,16 +5853,16 @@
                 <a:schemeClr val="dk1"/>
               </a:buClr>
               <a:buSzPts val="2800"/>
-              <a:buFont typeface="Arial" panose="020B0604020202020204"/>
+              <a:buFont typeface="Arial" panose="020B0604020202090204"/>
               <a:buChar char="–"/>
               <a:defRPr sz="2800" b="0" i="0" u="none" strike="noStrike" cap="none">
                 <a:solidFill>
                   <a:schemeClr val="dk1"/>
                 </a:solidFill>
-                <a:latin typeface="Arial" panose="020B0604020202020204"/>
-                <a:ea typeface="Arial" panose="020B0604020202020204"/>
-                <a:cs typeface="Arial" panose="020B0604020202020204"/>
-                <a:sym typeface="Arial" panose="020B0604020202020204"/>
+                <a:latin typeface="Arial" panose="020B0604020202090204"/>
+                <a:ea typeface="Arial" panose="020B0604020202090204"/>
+                <a:cs typeface="Arial" panose="020B0604020202090204"/>
+                <a:sym typeface="Arial" panose="020B0604020202090204"/>
               </a:defRPr>
             </a:lvl2pPr>
             <a:lvl3pPr marL="1371600" marR="0" lvl="2" indent="-381000" algn="l" rtl="0">
@@ -5882,16 +5876,16 @@
                 <a:schemeClr val="dk1"/>
               </a:buClr>
               <a:buSzPts val="2400"/>
-              <a:buFont typeface="Arial" panose="020B0604020202020204"/>
+              <a:buFont typeface="Arial" panose="020B0604020202090204"/>
               <a:buChar char="•"/>
               <a:defRPr sz="2400" b="0" i="0" u="none" strike="noStrike" cap="none">
                 <a:solidFill>
                   <a:schemeClr val="dk1"/>
                 </a:solidFill>
-                <a:latin typeface="Arial" panose="020B0604020202020204"/>
-                <a:ea typeface="Arial" panose="020B0604020202020204"/>
-                <a:cs typeface="Arial" panose="020B0604020202020204"/>
-                <a:sym typeface="Arial" panose="020B0604020202020204"/>
+                <a:latin typeface="Arial" panose="020B0604020202090204"/>
+                <a:ea typeface="Arial" panose="020B0604020202090204"/>
+                <a:cs typeface="Arial" panose="020B0604020202090204"/>
+                <a:sym typeface="Arial" panose="020B0604020202090204"/>
               </a:defRPr>
             </a:lvl3pPr>
             <a:lvl4pPr marL="1828800" marR="0" lvl="3" indent="-355600" algn="l" rtl="0">
@@ -5905,16 +5899,16 @@
                 <a:schemeClr val="dk1"/>
               </a:buClr>
               <a:buSzPts val="2000"/>
-              <a:buFont typeface="Arial" panose="020B0604020202020204"/>
+              <a:buFont typeface="Arial" panose="020B0604020202090204"/>
               <a:buChar char="–"/>
               <a:defRPr sz="2000" b="0" i="0" u="none" strike="noStrike" cap="none">
                 <a:solidFill>
                   <a:schemeClr val="dk1"/>
                 </a:solidFill>
-                <a:latin typeface="Arial" panose="020B0604020202020204"/>
-                <a:ea typeface="Arial" panose="020B0604020202020204"/>
-                <a:cs typeface="Arial" panose="020B0604020202020204"/>
-                <a:sym typeface="Arial" panose="020B0604020202020204"/>
+                <a:latin typeface="Arial" panose="020B0604020202090204"/>
+                <a:ea typeface="Arial" panose="020B0604020202090204"/>
+                <a:cs typeface="Arial" panose="020B0604020202090204"/>
+                <a:sym typeface="Arial" panose="020B0604020202090204"/>
               </a:defRPr>
             </a:lvl4pPr>
             <a:lvl5pPr marL="2286000" marR="0" lvl="4" indent="-355600" algn="l" rtl="0">
@@ -5928,16 +5922,16 @@
                 <a:schemeClr val="dk1"/>
               </a:buClr>
               <a:buSzPts val="2000"/>
-              <a:buFont typeface="Arial" panose="020B0604020202020204"/>
+              <a:buFont typeface="Arial" panose="020B0604020202090204"/>
               <a:buChar char="»"/>
               <a:defRPr sz="2000" b="0" i="0" u="none" strike="noStrike" cap="none">
                 <a:solidFill>
                   <a:schemeClr val="dk1"/>
                 </a:solidFill>
-                <a:latin typeface="Arial" panose="020B0604020202020204"/>
-                <a:ea typeface="Arial" panose="020B0604020202020204"/>
-                <a:cs typeface="Arial" panose="020B0604020202020204"/>
-                <a:sym typeface="Arial" panose="020B0604020202020204"/>
+                <a:latin typeface="Arial" panose="020B0604020202090204"/>
+                <a:ea typeface="Arial" panose="020B0604020202090204"/>
+                <a:cs typeface="Arial" panose="020B0604020202090204"/>
+                <a:sym typeface="Arial" panose="020B0604020202090204"/>
               </a:defRPr>
             </a:lvl5pPr>
             <a:lvl6pPr marL="2743200" marR="0" lvl="5" indent="-355600" algn="l" rtl="0">
@@ -5951,16 +5945,16 @@
                 <a:schemeClr val="dk1"/>
               </a:buClr>
               <a:buSzPts val="2000"/>
-              <a:buFont typeface="Arial" panose="020B0604020202020204"/>
+              <a:buFont typeface="Arial" panose="020B0604020202090204"/>
               <a:buChar char="»"/>
               <a:defRPr sz="2000" b="0" i="0" u="none" strike="noStrike" cap="none">
                 <a:solidFill>
                   <a:schemeClr val="dk1"/>
                 </a:solidFill>
-                <a:latin typeface="Arial" panose="020B0604020202020204"/>
-                <a:ea typeface="Arial" panose="020B0604020202020204"/>
-                <a:cs typeface="Arial" panose="020B0604020202020204"/>
-                <a:sym typeface="Arial" panose="020B0604020202020204"/>
+                <a:latin typeface="Arial" panose="020B0604020202090204"/>
+                <a:ea typeface="Arial" panose="020B0604020202090204"/>
+                <a:cs typeface="Arial" panose="020B0604020202090204"/>
+                <a:sym typeface="Arial" panose="020B0604020202090204"/>
               </a:defRPr>
             </a:lvl6pPr>
             <a:lvl7pPr marL="3200400" marR="0" lvl="6" indent="-355600" algn="l" rtl="0">
@@ -5974,16 +5968,16 @@
                 <a:schemeClr val="dk1"/>
               </a:buClr>
               <a:buSzPts val="2000"/>
-              <a:buFont typeface="Arial" panose="020B0604020202020204"/>
+              <a:buFont typeface="Arial" panose="020B0604020202090204"/>
               <a:buChar char="»"/>
               <a:defRPr sz="2000" b="0" i="0" u="none" strike="noStrike" cap="none">
                 <a:solidFill>
                   <a:schemeClr val="dk1"/>
                 </a:solidFill>
-                <a:latin typeface="Arial" panose="020B0604020202020204"/>
-                <a:ea typeface="Arial" panose="020B0604020202020204"/>
-                <a:cs typeface="Arial" panose="020B0604020202020204"/>
-                <a:sym typeface="Arial" panose="020B0604020202020204"/>
+                <a:latin typeface="Arial" panose="020B0604020202090204"/>
+                <a:ea typeface="Arial" panose="020B0604020202090204"/>
+                <a:cs typeface="Arial" panose="020B0604020202090204"/>
+                <a:sym typeface="Arial" panose="020B0604020202090204"/>
               </a:defRPr>
             </a:lvl7pPr>
             <a:lvl8pPr marL="3657600" marR="0" lvl="7" indent="-355600" algn="l" rtl="0">
@@ -5997,16 +5991,16 @@
                 <a:schemeClr val="dk1"/>
               </a:buClr>
               <a:buSzPts val="2000"/>
-              <a:buFont typeface="Arial" panose="020B0604020202020204"/>
+              <a:buFont typeface="Arial" panose="020B0604020202090204"/>
               <a:buChar char="»"/>
               <a:defRPr sz="2000" b="0" i="0" u="none" strike="noStrike" cap="none">
                 <a:solidFill>
                   <a:schemeClr val="dk1"/>
                 </a:solidFill>
-                <a:latin typeface="Arial" panose="020B0604020202020204"/>
-                <a:ea typeface="Arial" panose="020B0604020202020204"/>
-                <a:cs typeface="Arial" panose="020B0604020202020204"/>
-                <a:sym typeface="Arial" panose="020B0604020202020204"/>
+                <a:latin typeface="Arial" panose="020B0604020202090204"/>
+                <a:ea typeface="Arial" panose="020B0604020202090204"/>
+                <a:cs typeface="Arial" panose="020B0604020202090204"/>
+                <a:sym typeface="Arial" panose="020B0604020202090204"/>
               </a:defRPr>
             </a:lvl8pPr>
             <a:lvl9pPr marL="4114800" marR="0" lvl="8" indent="-355600" algn="l" rtl="0">
@@ -6020,16 +6014,16 @@
                 <a:schemeClr val="dk1"/>
               </a:buClr>
               <a:buSzPts val="2000"/>
-              <a:buFont typeface="Arial" panose="020B0604020202020204"/>
+              <a:buFont typeface="Arial" panose="020B0604020202090204"/>
               <a:buChar char="»"/>
               <a:defRPr sz="2000" b="0" i="0" u="none" strike="noStrike" cap="none">
                 <a:solidFill>
                   <a:schemeClr val="dk1"/>
                 </a:solidFill>
-                <a:latin typeface="Arial" panose="020B0604020202020204"/>
-                <a:ea typeface="Arial" panose="020B0604020202020204"/>
-                <a:cs typeface="Arial" panose="020B0604020202020204"/>
-                <a:sym typeface="Arial" panose="020B0604020202020204"/>
+                <a:latin typeface="Arial" panose="020B0604020202090204"/>
+                <a:ea typeface="Arial" panose="020B0604020202090204"/>
+                <a:cs typeface="Arial" panose="020B0604020202090204"/>
+                <a:sym typeface="Arial" panose="020B0604020202090204"/>
               </a:defRPr>
             </a:lvl9pPr>
           </a:lstStyle>
@@ -6100,10 +6094,10 @@
                 <a:solidFill>
                   <a:schemeClr val="dk2"/>
                 </a:solidFill>
-                <a:latin typeface="Arial" panose="020B0604020202020204"/>
-                <a:ea typeface="Arial" panose="020B0604020202020204"/>
-                <a:cs typeface="Arial" panose="020B0604020202020204"/>
-                <a:sym typeface="Arial" panose="020B0604020202020204"/>
+                <a:latin typeface="Arial" panose="020B0604020202090204"/>
+                <a:ea typeface="Arial" panose="020B0604020202090204"/>
+                <a:cs typeface="Arial" panose="020B0604020202090204"/>
+                <a:sym typeface="Arial" panose="020B0604020202090204"/>
               </a:defRPr>
             </a:lvl1pPr>
             <a:lvl2pPr marL="0" marR="0" lvl="1" indent="0" algn="ctr" rtl="0">
@@ -6119,10 +6113,10 @@
                 <a:solidFill>
                   <a:schemeClr val="dk2"/>
                 </a:solidFill>
-                <a:latin typeface="Arial" panose="020B0604020202020204"/>
-                <a:ea typeface="Arial" panose="020B0604020202020204"/>
-                <a:cs typeface="Arial" panose="020B0604020202020204"/>
-                <a:sym typeface="Arial" panose="020B0604020202020204"/>
+                <a:latin typeface="Arial" panose="020B0604020202090204"/>
+                <a:ea typeface="Arial" panose="020B0604020202090204"/>
+                <a:cs typeface="Arial" panose="020B0604020202090204"/>
+                <a:sym typeface="Arial" panose="020B0604020202090204"/>
               </a:defRPr>
             </a:lvl2pPr>
             <a:lvl3pPr marL="0" marR="0" lvl="2" indent="0" algn="ctr" rtl="0">
@@ -6138,10 +6132,10 @@
                 <a:solidFill>
                   <a:schemeClr val="dk2"/>
                 </a:solidFill>
-                <a:latin typeface="Arial" panose="020B0604020202020204"/>
-                <a:ea typeface="Arial" panose="020B0604020202020204"/>
-                <a:cs typeface="Arial" panose="020B0604020202020204"/>
-                <a:sym typeface="Arial" panose="020B0604020202020204"/>
+                <a:latin typeface="Arial" panose="020B0604020202090204"/>
+                <a:ea typeface="Arial" panose="020B0604020202090204"/>
+                <a:cs typeface="Arial" panose="020B0604020202090204"/>
+                <a:sym typeface="Arial" panose="020B0604020202090204"/>
               </a:defRPr>
             </a:lvl3pPr>
             <a:lvl4pPr marL="0" marR="0" lvl="3" indent="0" algn="ctr" rtl="0">
@@ -6157,10 +6151,10 @@
                 <a:solidFill>
                   <a:schemeClr val="dk2"/>
                 </a:solidFill>
-                <a:latin typeface="Arial" panose="020B0604020202020204"/>
-                <a:ea typeface="Arial" panose="020B0604020202020204"/>
-                <a:cs typeface="Arial" panose="020B0604020202020204"/>
-                <a:sym typeface="Arial" panose="020B0604020202020204"/>
+                <a:latin typeface="Arial" panose="020B0604020202090204"/>
+                <a:ea typeface="Arial" panose="020B0604020202090204"/>
+                <a:cs typeface="Arial" panose="020B0604020202090204"/>
+                <a:sym typeface="Arial" panose="020B0604020202090204"/>
               </a:defRPr>
             </a:lvl4pPr>
             <a:lvl5pPr marL="0" marR="0" lvl="4" indent="0" algn="ctr" rtl="0">
@@ -6176,10 +6170,10 @@
                 <a:solidFill>
                   <a:schemeClr val="dk2"/>
                 </a:solidFill>
-                <a:latin typeface="Arial" panose="020B0604020202020204"/>
-                <a:ea typeface="Arial" panose="020B0604020202020204"/>
-                <a:cs typeface="Arial" panose="020B0604020202020204"/>
-                <a:sym typeface="Arial" panose="020B0604020202020204"/>
+                <a:latin typeface="Arial" panose="020B0604020202090204"/>
+                <a:ea typeface="Arial" panose="020B0604020202090204"/>
+                <a:cs typeface="Arial" panose="020B0604020202090204"/>
+                <a:sym typeface="Arial" panose="020B0604020202090204"/>
               </a:defRPr>
             </a:lvl5pPr>
             <a:lvl6pPr marL="457200" marR="0" lvl="5" indent="0" algn="ctr" rtl="0">
@@ -6195,10 +6189,10 @@
                 <a:solidFill>
                   <a:schemeClr val="dk2"/>
                 </a:solidFill>
-                <a:latin typeface="Arial" panose="020B0604020202020204"/>
-                <a:ea typeface="Arial" panose="020B0604020202020204"/>
-                <a:cs typeface="Arial" panose="020B0604020202020204"/>
-                <a:sym typeface="Arial" panose="020B0604020202020204"/>
+                <a:latin typeface="Arial" panose="020B0604020202090204"/>
+                <a:ea typeface="Arial" panose="020B0604020202090204"/>
+                <a:cs typeface="Arial" panose="020B0604020202090204"/>
+                <a:sym typeface="Arial" panose="020B0604020202090204"/>
               </a:defRPr>
             </a:lvl6pPr>
             <a:lvl7pPr marL="914400" marR="0" lvl="6" indent="0" algn="ctr" rtl="0">
@@ -6214,10 +6208,10 @@
                 <a:solidFill>
                   <a:schemeClr val="dk2"/>
                 </a:solidFill>
-                <a:latin typeface="Arial" panose="020B0604020202020204"/>
-                <a:ea typeface="Arial" panose="020B0604020202020204"/>
-                <a:cs typeface="Arial" panose="020B0604020202020204"/>
-                <a:sym typeface="Arial" panose="020B0604020202020204"/>
+                <a:latin typeface="Arial" panose="020B0604020202090204"/>
+                <a:ea typeface="Arial" panose="020B0604020202090204"/>
+                <a:cs typeface="Arial" panose="020B0604020202090204"/>
+                <a:sym typeface="Arial" panose="020B0604020202090204"/>
               </a:defRPr>
             </a:lvl7pPr>
             <a:lvl8pPr marL="1371600" marR="0" lvl="7" indent="0" algn="ctr" rtl="0">
@@ -6233,10 +6227,10 @@
                 <a:solidFill>
                   <a:schemeClr val="dk2"/>
                 </a:solidFill>
-                <a:latin typeface="Arial" panose="020B0604020202020204"/>
-                <a:ea typeface="Arial" panose="020B0604020202020204"/>
-                <a:cs typeface="Arial" panose="020B0604020202020204"/>
-                <a:sym typeface="Arial" panose="020B0604020202020204"/>
+                <a:latin typeface="Arial" panose="020B0604020202090204"/>
+                <a:ea typeface="Arial" panose="020B0604020202090204"/>
+                <a:cs typeface="Arial" panose="020B0604020202090204"/>
+                <a:sym typeface="Arial" panose="020B0604020202090204"/>
               </a:defRPr>
             </a:lvl8pPr>
             <a:lvl9pPr marL="1828800" marR="0" lvl="8" indent="0" algn="ctr" rtl="0">
@@ -6252,10 +6246,10 @@
                 <a:solidFill>
                   <a:schemeClr val="dk2"/>
                 </a:solidFill>
-                <a:latin typeface="Arial" panose="020B0604020202020204"/>
-                <a:ea typeface="Arial" panose="020B0604020202020204"/>
-                <a:cs typeface="Arial" panose="020B0604020202020204"/>
-                <a:sym typeface="Arial" panose="020B0604020202020204"/>
+                <a:latin typeface="Arial" panose="020B0604020202090204"/>
+                <a:ea typeface="Arial" panose="020B0604020202090204"/>
+                <a:cs typeface="Arial" panose="020B0604020202090204"/>
+                <a:sym typeface="Arial" panose="020B0604020202090204"/>
               </a:defRPr>
             </a:lvl9pPr>
           </a:lstStyle>
@@ -6299,16 +6293,16 @@
                 <a:schemeClr val="dk1"/>
               </a:buClr>
               <a:buSzPts val="3200"/>
-              <a:buFont typeface="Arial" panose="020B0604020202020204"/>
+              <a:buFont typeface="Arial" panose="020B0604020202090204"/>
               <a:buChar char="•"/>
               <a:defRPr sz="3200" b="0" i="0" u="none" strike="noStrike" cap="none">
                 <a:solidFill>
                   <a:schemeClr val="dk1"/>
                 </a:solidFill>
-                <a:latin typeface="Arial" panose="020B0604020202020204"/>
-                <a:ea typeface="Arial" panose="020B0604020202020204"/>
-                <a:cs typeface="Arial" panose="020B0604020202020204"/>
-                <a:sym typeface="Arial" panose="020B0604020202020204"/>
+                <a:latin typeface="Arial" panose="020B0604020202090204"/>
+                <a:ea typeface="Arial" panose="020B0604020202090204"/>
+                <a:cs typeface="Arial" panose="020B0604020202090204"/>
+                <a:sym typeface="Arial" panose="020B0604020202090204"/>
               </a:defRPr>
             </a:lvl1pPr>
             <a:lvl2pPr marL="914400" marR="0" lvl="1" indent="-406400" algn="l" rtl="0">
@@ -6322,16 +6316,16 @@
                 <a:schemeClr val="dk1"/>
               </a:buClr>
               <a:buSzPts val="2800"/>
-              <a:buFont typeface="Arial" panose="020B0604020202020204"/>
+              <a:buFont typeface="Arial" panose="020B0604020202090204"/>
               <a:buChar char="–"/>
               <a:defRPr sz="2800" b="0" i="0" u="none" strike="noStrike" cap="none">
                 <a:solidFill>
                   <a:schemeClr val="dk1"/>
                 </a:solidFill>
-                <a:latin typeface="Arial" panose="020B0604020202020204"/>
-                <a:ea typeface="Arial" panose="020B0604020202020204"/>
-                <a:cs typeface="Arial" panose="020B0604020202020204"/>
-                <a:sym typeface="Arial" panose="020B0604020202020204"/>
+                <a:latin typeface="Arial" panose="020B0604020202090204"/>
+                <a:ea typeface="Arial" panose="020B0604020202090204"/>
+                <a:cs typeface="Arial" panose="020B0604020202090204"/>
+                <a:sym typeface="Arial" panose="020B0604020202090204"/>
               </a:defRPr>
             </a:lvl2pPr>
             <a:lvl3pPr marL="1371600" marR="0" lvl="2" indent="-381000" algn="l" rtl="0">
@@ -6345,16 +6339,16 @@
                 <a:schemeClr val="dk1"/>
               </a:buClr>
               <a:buSzPts val="2400"/>
-              <a:buFont typeface="Arial" panose="020B0604020202020204"/>
+              <a:buFont typeface="Arial" panose="020B0604020202090204"/>
               <a:buChar char="•"/>
               <a:defRPr sz="2400" b="0" i="0" u="none" strike="noStrike" cap="none">
                 <a:solidFill>
                   <a:schemeClr val="dk1"/>
                 </a:solidFill>
-                <a:latin typeface="Arial" panose="020B0604020202020204"/>
-                <a:ea typeface="Arial" panose="020B0604020202020204"/>
-                <a:cs typeface="Arial" panose="020B0604020202020204"/>
-                <a:sym typeface="Arial" panose="020B0604020202020204"/>
+                <a:latin typeface="Arial" panose="020B0604020202090204"/>
+                <a:ea typeface="Arial" panose="020B0604020202090204"/>
+                <a:cs typeface="Arial" panose="020B0604020202090204"/>
+                <a:sym typeface="Arial" panose="020B0604020202090204"/>
               </a:defRPr>
             </a:lvl3pPr>
             <a:lvl4pPr marL="1828800" marR="0" lvl="3" indent="-355600" algn="l" rtl="0">
@@ -6368,16 +6362,16 @@
                 <a:schemeClr val="dk1"/>
               </a:buClr>
               <a:buSzPts val="2000"/>
-              <a:buFont typeface="Arial" panose="020B0604020202020204"/>
+              <a:buFont typeface="Arial" panose="020B0604020202090204"/>
               <a:buChar char="–"/>
               <a:defRPr sz="2000" b="0" i="0" u="none" strike="noStrike" cap="none">
                 <a:solidFill>
                   <a:schemeClr val="dk1"/>
                 </a:solidFill>
-                <a:latin typeface="Arial" panose="020B0604020202020204"/>
-                <a:ea typeface="Arial" panose="020B0604020202020204"/>
-                <a:cs typeface="Arial" panose="020B0604020202020204"/>
-                <a:sym typeface="Arial" panose="020B0604020202020204"/>
+                <a:latin typeface="Arial" panose="020B0604020202090204"/>
+                <a:ea typeface="Arial" panose="020B0604020202090204"/>
+                <a:cs typeface="Arial" panose="020B0604020202090204"/>
+                <a:sym typeface="Arial" panose="020B0604020202090204"/>
               </a:defRPr>
             </a:lvl4pPr>
             <a:lvl5pPr marL="2286000" marR="0" lvl="4" indent="-355600" algn="l" rtl="0">
@@ -6391,16 +6385,16 @@
                 <a:schemeClr val="dk1"/>
               </a:buClr>
               <a:buSzPts val="2000"/>
-              <a:buFont typeface="Arial" panose="020B0604020202020204"/>
+              <a:buFont typeface="Arial" panose="020B0604020202090204"/>
               <a:buChar char="»"/>
               <a:defRPr sz="2000" b="0" i="0" u="none" strike="noStrike" cap="none">
                 <a:solidFill>
                   <a:schemeClr val="dk1"/>
                 </a:solidFill>
-                <a:latin typeface="Arial" panose="020B0604020202020204"/>
-                <a:ea typeface="Arial" panose="020B0604020202020204"/>
-                <a:cs typeface="Arial" panose="020B0604020202020204"/>
-                <a:sym typeface="Arial" panose="020B0604020202020204"/>
+                <a:latin typeface="Arial" panose="020B0604020202090204"/>
+                <a:ea typeface="Arial" panose="020B0604020202090204"/>
+                <a:cs typeface="Arial" panose="020B0604020202090204"/>
+                <a:sym typeface="Arial" panose="020B0604020202090204"/>
               </a:defRPr>
             </a:lvl5pPr>
             <a:lvl6pPr marL="2743200" marR="0" lvl="5" indent="-355600" algn="l" rtl="0">
@@ -6414,16 +6408,16 @@
                 <a:schemeClr val="dk1"/>
               </a:buClr>
               <a:buSzPts val="2000"/>
-              <a:buFont typeface="Arial" panose="020B0604020202020204"/>
+              <a:buFont typeface="Arial" panose="020B0604020202090204"/>
               <a:buChar char="»"/>
               <a:defRPr sz="2000" b="0" i="0" u="none" strike="noStrike" cap="none">
                 <a:solidFill>
                   <a:schemeClr val="dk1"/>
                 </a:solidFill>
-                <a:latin typeface="Arial" panose="020B0604020202020204"/>
-                <a:ea typeface="Arial" panose="020B0604020202020204"/>
-                <a:cs typeface="Arial" panose="020B0604020202020204"/>
-                <a:sym typeface="Arial" panose="020B0604020202020204"/>
+                <a:latin typeface="Arial" panose="020B0604020202090204"/>
+                <a:ea typeface="Arial" panose="020B0604020202090204"/>
+                <a:cs typeface="Arial" panose="020B0604020202090204"/>
+                <a:sym typeface="Arial" panose="020B0604020202090204"/>
               </a:defRPr>
             </a:lvl6pPr>
             <a:lvl7pPr marL="3200400" marR="0" lvl="6" indent="-355600" algn="l" rtl="0">
@@ -6437,16 +6431,16 @@
                 <a:schemeClr val="dk1"/>
               </a:buClr>
               <a:buSzPts val="2000"/>
-              <a:buFont typeface="Arial" panose="020B0604020202020204"/>
+              <a:buFont typeface="Arial" panose="020B0604020202090204"/>
               <a:buChar char="»"/>
               <a:defRPr sz="2000" b="0" i="0" u="none" strike="noStrike" cap="none">
                 <a:solidFill>
                   <a:schemeClr val="dk1"/>
                 </a:solidFill>
-                <a:latin typeface="Arial" panose="020B0604020202020204"/>
-                <a:ea typeface="Arial" panose="020B0604020202020204"/>
-                <a:cs typeface="Arial" panose="020B0604020202020204"/>
-                <a:sym typeface="Arial" panose="020B0604020202020204"/>
+                <a:latin typeface="Arial" panose="020B0604020202090204"/>
+                <a:ea typeface="Arial" panose="020B0604020202090204"/>
+                <a:cs typeface="Arial" panose="020B0604020202090204"/>
+                <a:sym typeface="Arial" panose="020B0604020202090204"/>
               </a:defRPr>
             </a:lvl7pPr>
             <a:lvl8pPr marL="3657600" marR="0" lvl="7" indent="-355600" algn="l" rtl="0">
@@ -6460,16 +6454,16 @@
                 <a:schemeClr val="dk1"/>
               </a:buClr>
               <a:buSzPts val="2000"/>
-              <a:buFont typeface="Arial" panose="020B0604020202020204"/>
+              <a:buFont typeface="Arial" panose="020B0604020202090204"/>
               <a:buChar char="»"/>
               <a:defRPr sz="2000" b="0" i="0" u="none" strike="noStrike" cap="none">
                 <a:solidFill>
                   <a:schemeClr val="dk1"/>
                 </a:solidFill>
-                <a:latin typeface="Arial" panose="020B0604020202020204"/>
-                <a:ea typeface="Arial" panose="020B0604020202020204"/>
-                <a:cs typeface="Arial" panose="020B0604020202020204"/>
-                <a:sym typeface="Arial" panose="020B0604020202020204"/>
+                <a:latin typeface="Arial" panose="020B0604020202090204"/>
+                <a:ea typeface="Arial" panose="020B0604020202090204"/>
+                <a:cs typeface="Arial" panose="020B0604020202090204"/>
+                <a:sym typeface="Arial" panose="020B0604020202090204"/>
               </a:defRPr>
             </a:lvl8pPr>
             <a:lvl9pPr marL="4114800" marR="0" lvl="8" indent="-355600" algn="l" rtl="0">
@@ -6483,16 +6477,16 @@
                 <a:schemeClr val="dk1"/>
               </a:buClr>
               <a:buSzPts val="2000"/>
-              <a:buFont typeface="Arial" panose="020B0604020202020204"/>
+              <a:buFont typeface="Arial" panose="020B0604020202090204"/>
               <a:buChar char="»"/>
               <a:defRPr sz="2000" b="0" i="0" u="none" strike="noStrike" cap="none">
                 <a:solidFill>
                   <a:schemeClr val="dk1"/>
                 </a:solidFill>
-                <a:latin typeface="Arial" panose="020B0604020202020204"/>
-                <a:ea typeface="Arial" panose="020B0604020202020204"/>
-                <a:cs typeface="Arial" panose="020B0604020202020204"/>
-                <a:sym typeface="Arial" panose="020B0604020202020204"/>
+                <a:latin typeface="Arial" panose="020B0604020202090204"/>
+                <a:ea typeface="Arial" panose="020B0604020202090204"/>
+                <a:cs typeface="Arial" panose="020B0604020202090204"/>
+                <a:sym typeface="Arial" panose="020B0604020202090204"/>
               </a:defRPr>
             </a:lvl9pPr>
           </a:lstStyle>
@@ -6536,16 +6530,16 @@
                 <a:schemeClr val="dk1"/>
               </a:buClr>
               <a:buSzPts val="3200"/>
-              <a:buFont typeface="Arial" panose="020B0604020202020204"/>
+              <a:buFont typeface="Arial" panose="020B0604020202090204"/>
               <a:buChar char="•"/>
               <a:defRPr sz="3200" b="0" i="0" u="none" strike="noStrike" cap="none">
                 <a:solidFill>
                   <a:schemeClr val="dk1"/>
                 </a:solidFill>
-                <a:latin typeface="Arial" panose="020B0604020202020204"/>
-                <a:ea typeface="Arial" panose="020B0604020202020204"/>
-                <a:cs typeface="Arial" panose="020B0604020202020204"/>
-                <a:sym typeface="Arial" panose="020B0604020202020204"/>
+                <a:latin typeface="Arial" panose="020B0604020202090204"/>
+                <a:ea typeface="Arial" panose="020B0604020202090204"/>
+                <a:cs typeface="Arial" panose="020B0604020202090204"/>
+                <a:sym typeface="Arial" panose="020B0604020202090204"/>
               </a:defRPr>
             </a:lvl1pPr>
             <a:lvl2pPr marL="914400" marR="0" lvl="1" indent="-406400" algn="l" rtl="0">
@@ -6559,16 +6553,16 @@
                 <a:schemeClr val="dk1"/>
               </a:buClr>
               <a:buSzPts val="2800"/>
-              <a:buFont typeface="Arial" panose="020B0604020202020204"/>
+              <a:buFont typeface="Arial" panose="020B0604020202090204"/>
               <a:buChar char="–"/>
               <a:defRPr sz="2800" b="0" i="0" u="none" strike="noStrike" cap="none">
                 <a:solidFill>
                   <a:schemeClr val="dk1"/>
                 </a:solidFill>
-                <a:latin typeface="Arial" panose="020B0604020202020204"/>
-                <a:ea typeface="Arial" panose="020B0604020202020204"/>
-                <a:cs typeface="Arial" panose="020B0604020202020204"/>
-                <a:sym typeface="Arial" panose="020B0604020202020204"/>
+                <a:latin typeface="Arial" panose="020B0604020202090204"/>
+                <a:ea typeface="Arial" panose="020B0604020202090204"/>
+                <a:cs typeface="Arial" panose="020B0604020202090204"/>
+                <a:sym typeface="Arial" panose="020B0604020202090204"/>
               </a:defRPr>
             </a:lvl2pPr>
             <a:lvl3pPr marL="1371600" marR="0" lvl="2" indent="-381000" algn="l" rtl="0">
@@ -6582,16 +6576,16 @@
                 <a:schemeClr val="dk1"/>
               </a:buClr>
               <a:buSzPts val="2400"/>
-              <a:buFont typeface="Arial" panose="020B0604020202020204"/>
+              <a:buFont typeface="Arial" panose="020B0604020202090204"/>
               <a:buChar char="•"/>
               <a:defRPr sz="2400" b="0" i="0" u="none" strike="noStrike" cap="none">
                 <a:solidFill>
                   <a:schemeClr val="dk1"/>
                 </a:solidFill>
-                <a:latin typeface="Arial" panose="020B0604020202020204"/>
-                <a:ea typeface="Arial" panose="020B0604020202020204"/>
-                <a:cs typeface="Arial" panose="020B0604020202020204"/>
-                <a:sym typeface="Arial" panose="020B0604020202020204"/>
+                <a:latin typeface="Arial" panose="020B0604020202090204"/>
+                <a:ea typeface="Arial" panose="020B0604020202090204"/>
+                <a:cs typeface="Arial" panose="020B0604020202090204"/>
+                <a:sym typeface="Arial" panose="020B0604020202090204"/>
               </a:defRPr>
             </a:lvl3pPr>
             <a:lvl4pPr marL="1828800" marR="0" lvl="3" indent="-355600" algn="l" rtl="0">
@@ -6605,16 +6599,16 @@
                 <a:schemeClr val="dk1"/>
               </a:buClr>
               <a:buSzPts val="2000"/>
-              <a:buFont typeface="Arial" panose="020B0604020202020204"/>
+              <a:buFont typeface="Arial" panose="020B0604020202090204"/>
               <a:buChar char="–"/>
               <a:defRPr sz="2000" b="0" i="0" u="none" strike="noStrike" cap="none">
                 <a:solidFill>
                   <a:schemeClr val="dk1"/>
                 </a:solidFill>
-                <a:latin typeface="Arial" panose="020B0604020202020204"/>
-                <a:ea typeface="Arial" panose="020B0604020202020204"/>
-                <a:cs typeface="Arial" panose="020B0604020202020204"/>
-                <a:sym typeface="Arial" panose="020B0604020202020204"/>
+                <a:latin typeface="Arial" panose="020B0604020202090204"/>
+                <a:ea typeface="Arial" panose="020B0604020202090204"/>
+                <a:cs typeface="Arial" panose="020B0604020202090204"/>
+                <a:sym typeface="Arial" panose="020B0604020202090204"/>
               </a:defRPr>
             </a:lvl4pPr>
             <a:lvl5pPr marL="2286000" marR="0" lvl="4" indent="-355600" algn="l" rtl="0">
@@ -6628,16 +6622,16 @@
                 <a:schemeClr val="dk1"/>
               </a:buClr>
               <a:buSzPts val="2000"/>
-              <a:buFont typeface="Arial" panose="020B0604020202020204"/>
+              <a:buFont typeface="Arial" panose="020B0604020202090204"/>
               <a:buChar char="»"/>
               <a:defRPr sz="2000" b="0" i="0" u="none" strike="noStrike" cap="none">
                 <a:solidFill>
                   <a:schemeClr val="dk1"/>
                 </a:solidFill>
-                <a:latin typeface="Arial" panose="020B0604020202020204"/>
-                <a:ea typeface="Arial" panose="020B0604020202020204"/>
-                <a:cs typeface="Arial" panose="020B0604020202020204"/>
-                <a:sym typeface="Arial" panose="020B0604020202020204"/>
+                <a:latin typeface="Arial" panose="020B0604020202090204"/>
+                <a:ea typeface="Arial" panose="020B0604020202090204"/>
+                <a:cs typeface="Arial" panose="020B0604020202090204"/>
+                <a:sym typeface="Arial" panose="020B0604020202090204"/>
               </a:defRPr>
             </a:lvl5pPr>
             <a:lvl6pPr marL="2743200" marR="0" lvl="5" indent="-355600" algn="l" rtl="0">
@@ -6651,16 +6645,16 @@
                 <a:schemeClr val="dk1"/>
               </a:buClr>
               <a:buSzPts val="2000"/>
-              <a:buFont typeface="Arial" panose="020B0604020202020204"/>
+              <a:buFont typeface="Arial" panose="020B0604020202090204"/>
               <a:buChar char="»"/>
               <a:defRPr sz="2000" b="0" i="0" u="none" strike="noStrike" cap="none">
                 <a:solidFill>
                   <a:schemeClr val="dk1"/>
                 </a:solidFill>
-                <a:latin typeface="Arial" panose="020B0604020202020204"/>
-                <a:ea typeface="Arial" panose="020B0604020202020204"/>
-                <a:cs typeface="Arial" panose="020B0604020202020204"/>
-                <a:sym typeface="Arial" panose="020B0604020202020204"/>
+                <a:latin typeface="Arial" panose="020B0604020202090204"/>
+                <a:ea typeface="Arial" panose="020B0604020202090204"/>
+                <a:cs typeface="Arial" panose="020B0604020202090204"/>
+                <a:sym typeface="Arial" panose="020B0604020202090204"/>
               </a:defRPr>
             </a:lvl6pPr>
             <a:lvl7pPr marL="3200400" marR="0" lvl="6" indent="-355600" algn="l" rtl="0">
@@ -6674,16 +6668,16 @@
                 <a:schemeClr val="dk1"/>
               </a:buClr>
               <a:buSzPts val="2000"/>
-              <a:buFont typeface="Arial" panose="020B0604020202020204"/>
+              <a:buFont typeface="Arial" panose="020B0604020202090204"/>
               <a:buChar char="»"/>
               <a:defRPr sz="2000" b="0" i="0" u="none" strike="noStrike" cap="none">
                 <a:solidFill>
                   <a:schemeClr val="dk1"/>
                 </a:solidFill>
-                <a:latin typeface="Arial" panose="020B0604020202020204"/>
-                <a:ea typeface="Arial" panose="020B0604020202020204"/>
-                <a:cs typeface="Arial" panose="020B0604020202020204"/>
-                <a:sym typeface="Arial" panose="020B0604020202020204"/>
+                <a:latin typeface="Arial" panose="020B0604020202090204"/>
+                <a:ea typeface="Arial" panose="020B0604020202090204"/>
+                <a:cs typeface="Arial" panose="020B0604020202090204"/>
+                <a:sym typeface="Arial" panose="020B0604020202090204"/>
               </a:defRPr>
             </a:lvl7pPr>
             <a:lvl8pPr marL="3657600" marR="0" lvl="7" indent="-355600" algn="l" rtl="0">
@@ -6697,16 +6691,16 @@
                 <a:schemeClr val="dk1"/>
               </a:buClr>
               <a:buSzPts val="2000"/>
-              <a:buFont typeface="Arial" panose="020B0604020202020204"/>
+              <a:buFont typeface="Arial" panose="020B0604020202090204"/>
               <a:buChar char="»"/>
               <a:defRPr sz="2000" b="0" i="0" u="none" strike="noStrike" cap="none">
                 <a:solidFill>
                   <a:schemeClr val="dk1"/>
                 </a:solidFill>
-                <a:latin typeface="Arial" panose="020B0604020202020204"/>
-                <a:ea typeface="Arial" panose="020B0604020202020204"/>
-                <a:cs typeface="Arial" panose="020B0604020202020204"/>
-                <a:sym typeface="Arial" panose="020B0604020202020204"/>
+                <a:latin typeface="Arial" panose="020B0604020202090204"/>
+                <a:ea typeface="Arial" panose="020B0604020202090204"/>
+                <a:cs typeface="Arial" panose="020B0604020202090204"/>
+                <a:sym typeface="Arial" panose="020B0604020202090204"/>
               </a:defRPr>
             </a:lvl8pPr>
             <a:lvl9pPr marL="4114800" marR="0" lvl="8" indent="-355600" algn="l" rtl="0">
@@ -6720,16 +6714,16 @@
                 <a:schemeClr val="dk1"/>
               </a:buClr>
               <a:buSzPts val="2000"/>
-              <a:buFont typeface="Arial" panose="020B0604020202020204"/>
+              <a:buFont typeface="Arial" panose="020B0604020202090204"/>
               <a:buChar char="»"/>
               <a:defRPr sz="2000" b="0" i="0" u="none" strike="noStrike" cap="none">
                 <a:solidFill>
                   <a:schemeClr val="dk1"/>
                 </a:solidFill>
-                <a:latin typeface="Arial" panose="020B0604020202020204"/>
-                <a:ea typeface="Arial" panose="020B0604020202020204"/>
-                <a:cs typeface="Arial" panose="020B0604020202020204"/>
-                <a:sym typeface="Arial" panose="020B0604020202020204"/>
+                <a:latin typeface="Arial" panose="020B0604020202090204"/>
+                <a:ea typeface="Arial" panose="020B0604020202090204"/>
+                <a:cs typeface="Arial" panose="020B0604020202090204"/>
+                <a:sym typeface="Arial" panose="020B0604020202090204"/>
               </a:defRPr>
             </a:lvl9pPr>
           </a:lstStyle>
@@ -6773,16 +6767,16 @@
                 <a:schemeClr val="dk1"/>
               </a:buClr>
               <a:buSzPts val="3200"/>
-              <a:buFont typeface="Arial" panose="020B0604020202020204"/>
+              <a:buFont typeface="Arial" panose="020B0604020202090204"/>
               <a:buChar char="•"/>
               <a:defRPr sz="3200" b="0" i="0" u="none" strike="noStrike" cap="none">
                 <a:solidFill>
                   <a:schemeClr val="dk1"/>
                 </a:solidFill>
-                <a:latin typeface="Arial" panose="020B0604020202020204"/>
-                <a:ea typeface="Arial" panose="020B0604020202020204"/>
-                <a:cs typeface="Arial" panose="020B0604020202020204"/>
-                <a:sym typeface="Arial" panose="020B0604020202020204"/>
+                <a:latin typeface="Arial" panose="020B0604020202090204"/>
+                <a:ea typeface="Arial" panose="020B0604020202090204"/>
+                <a:cs typeface="Arial" panose="020B0604020202090204"/>
+                <a:sym typeface="Arial" panose="020B0604020202090204"/>
               </a:defRPr>
             </a:lvl1pPr>
             <a:lvl2pPr marL="914400" marR="0" lvl="1" indent="-406400" algn="l" rtl="0">
@@ -6796,16 +6790,16 @@
                 <a:schemeClr val="dk1"/>
               </a:buClr>
               <a:buSzPts val="2800"/>
-              <a:buFont typeface="Arial" panose="020B0604020202020204"/>
+              <a:buFont typeface="Arial" panose="020B0604020202090204"/>
               <a:buChar char="–"/>
               <a:defRPr sz="2800" b="0" i="0" u="none" strike="noStrike" cap="none">
                 <a:solidFill>
                   <a:schemeClr val="dk1"/>
                 </a:solidFill>
-                <a:latin typeface="Arial" panose="020B0604020202020204"/>
-                <a:ea typeface="Arial" panose="020B0604020202020204"/>
-                <a:cs typeface="Arial" panose="020B0604020202020204"/>
-                <a:sym typeface="Arial" panose="020B0604020202020204"/>
+                <a:latin typeface="Arial" panose="020B0604020202090204"/>
+                <a:ea typeface="Arial" panose="020B0604020202090204"/>
+                <a:cs typeface="Arial" panose="020B0604020202090204"/>
+                <a:sym typeface="Arial" panose="020B0604020202090204"/>
               </a:defRPr>
             </a:lvl2pPr>
             <a:lvl3pPr marL="1371600" marR="0" lvl="2" indent="-381000" algn="l" rtl="0">
@@ -6819,16 +6813,16 @@
                 <a:schemeClr val="dk1"/>
               </a:buClr>
               <a:buSzPts val="2400"/>
-              <a:buFont typeface="Arial" panose="020B0604020202020204"/>
+              <a:buFont typeface="Arial" panose="020B0604020202090204"/>
               <a:buChar char="•"/>
               <a:defRPr sz="2400" b="0" i="0" u="none" strike="noStrike" cap="none">
                 <a:solidFill>
                   <a:schemeClr val="dk1"/>
                 </a:solidFill>
-                <a:latin typeface="Arial" panose="020B0604020202020204"/>
-                <a:ea typeface="Arial" panose="020B0604020202020204"/>
-                <a:cs typeface="Arial" panose="020B0604020202020204"/>
-                <a:sym typeface="Arial" panose="020B0604020202020204"/>
+                <a:latin typeface="Arial" panose="020B0604020202090204"/>
+                <a:ea typeface="Arial" panose="020B0604020202090204"/>
+                <a:cs typeface="Arial" panose="020B0604020202090204"/>
+                <a:sym typeface="Arial" panose="020B0604020202090204"/>
               </a:defRPr>
             </a:lvl3pPr>
             <a:lvl4pPr marL="1828800" marR="0" lvl="3" indent="-355600" algn="l" rtl="0">
@@ -6842,16 +6836,16 @@
                 <a:schemeClr val="dk1"/>
               </a:buClr>
               <a:buSzPts val="2000"/>
-              <a:buFont typeface="Arial" panose="020B0604020202020204"/>
+              <a:buFont typeface="Arial" panose="020B0604020202090204"/>
               <a:buChar char="–"/>
               <a:defRPr sz="2000" b="0" i="0" u="none" strike="noStrike" cap="none">
                 <a:solidFill>
                   <a:schemeClr val="dk1"/>
                 </a:solidFill>
-                <a:latin typeface="Arial" panose="020B0604020202020204"/>
-                <a:ea typeface="Arial" panose="020B0604020202020204"/>
-                <a:cs typeface="Arial" panose="020B0604020202020204"/>
-                <a:sym typeface="Arial" panose="020B0604020202020204"/>
+                <a:latin typeface="Arial" panose="020B0604020202090204"/>
+                <a:ea typeface="Arial" panose="020B0604020202090204"/>
+                <a:cs typeface="Arial" panose="020B0604020202090204"/>
+                <a:sym typeface="Arial" panose="020B0604020202090204"/>
               </a:defRPr>
             </a:lvl4pPr>
             <a:lvl5pPr marL="2286000" marR="0" lvl="4" indent="-355600" algn="l" rtl="0">
@@ -6865,16 +6859,16 @@
                 <a:schemeClr val="dk1"/>
               </a:buClr>
               <a:buSzPts val="2000"/>
-              <a:buFont typeface="Arial" panose="020B0604020202020204"/>
+              <a:buFont typeface="Arial" panose="020B0604020202090204"/>
               <a:buChar char="»"/>
               <a:defRPr sz="2000" b="0" i="0" u="none" strike="noStrike" cap="none">
                 <a:solidFill>
                   <a:schemeClr val="dk1"/>
                 </a:solidFill>
-                <a:latin typeface="Arial" panose="020B0604020202020204"/>
-                <a:ea typeface="Arial" panose="020B0604020202020204"/>
-                <a:cs typeface="Arial" panose="020B0604020202020204"/>
-                <a:sym typeface="Arial" panose="020B0604020202020204"/>
+                <a:latin typeface="Arial" panose="020B0604020202090204"/>
+                <a:ea typeface="Arial" panose="020B0604020202090204"/>
+                <a:cs typeface="Arial" panose="020B0604020202090204"/>
+                <a:sym typeface="Arial" panose="020B0604020202090204"/>
               </a:defRPr>
             </a:lvl5pPr>
             <a:lvl6pPr marL="2743200" marR="0" lvl="5" indent="-355600" algn="l" rtl="0">
@@ -6888,16 +6882,16 @@
                 <a:schemeClr val="dk1"/>
               </a:buClr>
               <a:buSzPts val="2000"/>
-              <a:buFont typeface="Arial" panose="020B0604020202020204"/>
+              <a:buFont typeface="Arial" panose="020B0604020202090204"/>
               <a:buChar char="»"/>
               <a:defRPr sz="2000" b="0" i="0" u="none" strike="noStrike" cap="none">
                 <a:solidFill>
                   <a:schemeClr val="dk1"/>
                 </a:solidFill>
-                <a:latin typeface="Arial" panose="020B0604020202020204"/>
-                <a:ea typeface="Arial" panose="020B0604020202020204"/>
-                <a:cs typeface="Arial" panose="020B0604020202020204"/>
-                <a:sym typeface="Arial" panose="020B0604020202020204"/>
+                <a:latin typeface="Arial" panose="020B0604020202090204"/>
+                <a:ea typeface="Arial" panose="020B0604020202090204"/>
+                <a:cs typeface="Arial" panose="020B0604020202090204"/>
+                <a:sym typeface="Arial" panose="020B0604020202090204"/>
               </a:defRPr>
             </a:lvl6pPr>
             <a:lvl7pPr marL="3200400" marR="0" lvl="6" indent="-355600" algn="l" rtl="0">
@@ -6911,16 +6905,16 @@
                 <a:schemeClr val="dk1"/>
               </a:buClr>
               <a:buSzPts val="2000"/>
-              <a:buFont typeface="Arial" panose="020B0604020202020204"/>
+              <a:buFont typeface="Arial" panose="020B0604020202090204"/>
               <a:buChar char="»"/>
               <a:defRPr sz="2000" b="0" i="0" u="none" strike="noStrike" cap="none">
                 <a:solidFill>
                   <a:schemeClr val="dk1"/>
                 </a:solidFill>
-                <a:latin typeface="Arial" panose="020B0604020202020204"/>
-                <a:ea typeface="Arial" panose="020B0604020202020204"/>
-                <a:cs typeface="Arial" panose="020B0604020202020204"/>
-                <a:sym typeface="Arial" panose="020B0604020202020204"/>
+                <a:latin typeface="Arial" panose="020B0604020202090204"/>
+                <a:ea typeface="Arial" panose="020B0604020202090204"/>
+                <a:cs typeface="Arial" panose="020B0604020202090204"/>
+                <a:sym typeface="Arial" panose="020B0604020202090204"/>
               </a:defRPr>
             </a:lvl7pPr>
             <a:lvl8pPr marL="3657600" marR="0" lvl="7" indent="-355600" algn="l" rtl="0">
@@ -6934,16 +6928,16 @@
                 <a:schemeClr val="dk1"/>
               </a:buClr>
               <a:buSzPts val="2000"/>
-              <a:buFont typeface="Arial" panose="020B0604020202020204"/>
+              <a:buFont typeface="Arial" panose="020B0604020202090204"/>
               <a:buChar char="»"/>
               <a:defRPr sz="2000" b="0" i="0" u="none" strike="noStrike" cap="none">
                 <a:solidFill>
                   <a:schemeClr val="dk1"/>
                 </a:solidFill>
-                <a:latin typeface="Arial" panose="020B0604020202020204"/>
-                <a:ea typeface="Arial" panose="020B0604020202020204"/>
-                <a:cs typeface="Arial" panose="020B0604020202020204"/>
-                <a:sym typeface="Arial" panose="020B0604020202020204"/>
+                <a:latin typeface="Arial" panose="020B0604020202090204"/>
+                <a:ea typeface="Arial" panose="020B0604020202090204"/>
+                <a:cs typeface="Arial" panose="020B0604020202090204"/>
+                <a:sym typeface="Arial" panose="020B0604020202090204"/>
               </a:defRPr>
             </a:lvl8pPr>
             <a:lvl9pPr marL="4114800" marR="0" lvl="8" indent="-355600" algn="l" rtl="0">
@@ -6957,16 +6951,16 @@
                 <a:schemeClr val="dk1"/>
               </a:buClr>
               <a:buSzPts val="2000"/>
-              <a:buFont typeface="Arial" panose="020B0604020202020204"/>
+              <a:buFont typeface="Arial" panose="020B0604020202090204"/>
               <a:buChar char="»"/>
               <a:defRPr sz="2000" b="0" i="0" u="none" strike="noStrike" cap="none">
                 <a:solidFill>
                   <a:schemeClr val="dk1"/>
                 </a:solidFill>
-                <a:latin typeface="Arial" panose="020B0604020202020204"/>
-                <a:ea typeface="Arial" panose="020B0604020202020204"/>
-                <a:cs typeface="Arial" panose="020B0604020202020204"/>
-                <a:sym typeface="Arial" panose="020B0604020202020204"/>
+                <a:latin typeface="Arial" panose="020B0604020202090204"/>
+                <a:ea typeface="Arial" panose="020B0604020202090204"/>
+                <a:cs typeface="Arial" panose="020B0604020202090204"/>
+                <a:sym typeface="Arial" panose="020B0604020202090204"/>
               </a:defRPr>
             </a:lvl9pPr>
           </a:lstStyle>
@@ -7010,16 +7004,16 @@
                 <a:schemeClr val="dk1"/>
               </a:buClr>
               <a:buSzPts val="3200"/>
-              <a:buFont typeface="Arial" panose="020B0604020202020204"/>
+              <a:buFont typeface="Arial" panose="020B0604020202090204"/>
               <a:buChar char="•"/>
               <a:defRPr sz="3200" b="0" i="0" u="none" strike="noStrike" cap="none">
                 <a:solidFill>
                   <a:schemeClr val="dk1"/>
                 </a:solidFill>
-                <a:latin typeface="Arial" panose="020B0604020202020204"/>
-                <a:ea typeface="Arial" panose="020B0604020202020204"/>
-                <a:cs typeface="Arial" panose="020B0604020202020204"/>
-                <a:sym typeface="Arial" panose="020B0604020202020204"/>
+                <a:latin typeface="Arial" panose="020B0604020202090204"/>
+                <a:ea typeface="Arial" panose="020B0604020202090204"/>
+                <a:cs typeface="Arial" panose="020B0604020202090204"/>
+                <a:sym typeface="Arial" panose="020B0604020202090204"/>
               </a:defRPr>
             </a:lvl1pPr>
             <a:lvl2pPr marL="914400" marR="0" lvl="1" indent="-406400" algn="l" rtl="0">
@@ -7033,16 +7027,16 @@
                 <a:schemeClr val="dk1"/>
               </a:buClr>
               <a:buSzPts val="2800"/>
-              <a:buFont typeface="Arial" panose="020B0604020202020204"/>
+              <a:buFont typeface="Arial" panose="020B0604020202090204"/>
               <a:buChar char="–"/>
               <a:defRPr sz="2800" b="0" i="0" u="none" strike="noStrike" cap="none">
                 <a:solidFill>
                   <a:schemeClr val="dk1"/>
                 </a:solidFill>
-                <a:latin typeface="Arial" panose="020B0604020202020204"/>
-                <a:ea typeface="Arial" panose="020B0604020202020204"/>
-                <a:cs typeface="Arial" panose="020B0604020202020204"/>
-                <a:sym typeface="Arial" panose="020B0604020202020204"/>
+                <a:latin typeface="Arial" panose="020B0604020202090204"/>
+                <a:ea typeface="Arial" panose="020B0604020202090204"/>
+                <a:cs typeface="Arial" panose="020B0604020202090204"/>
+                <a:sym typeface="Arial" panose="020B0604020202090204"/>
               </a:defRPr>
             </a:lvl2pPr>
             <a:lvl3pPr marL="1371600" marR="0" lvl="2" indent="-381000" algn="l" rtl="0">
@@ -7056,16 +7050,16 @@
                 <a:schemeClr val="dk1"/>
               </a:buClr>
               <a:buSzPts val="2400"/>
-              <a:buFont typeface="Arial" panose="020B0604020202020204"/>
+              <a:buFont typeface="Arial" panose="020B0604020202090204"/>
               <a:buChar char="•"/>
               <a:defRPr sz="2400" b="0" i="0" u="none" strike="noStrike" cap="none">
                 <a:solidFill>
                   <a:schemeClr val="dk1"/>
                 </a:solidFill>
-                <a:latin typeface="Arial" panose="020B0604020202020204"/>
-                <a:ea typeface="Arial" panose="020B0604020202020204"/>
-                <a:cs typeface="Arial" panose="020B0604020202020204"/>
-                <a:sym typeface="Arial" panose="020B0604020202020204"/>
+                <a:latin typeface="Arial" panose="020B0604020202090204"/>
+                <a:ea typeface="Arial" panose="020B0604020202090204"/>
+                <a:cs typeface="Arial" panose="020B0604020202090204"/>
+                <a:sym typeface="Arial" panose="020B0604020202090204"/>
               </a:defRPr>
             </a:lvl3pPr>
             <a:lvl4pPr marL="1828800" marR="0" lvl="3" indent="-355600" algn="l" rtl="0">
@@ -7079,16 +7073,16 @@
                 <a:schemeClr val="dk1"/>
               </a:buClr>
               <a:buSzPts val="2000"/>
-              <a:buFont typeface="Arial" panose="020B0604020202020204"/>
+              <a:buFont typeface="Arial" panose="020B0604020202090204"/>
               <a:buChar char="–"/>
               <a:defRPr sz="2000" b="0" i="0" u="none" strike="noStrike" cap="none">
                 <a:solidFill>
                   <a:schemeClr val="dk1"/>
                 </a:solidFill>
-                <a:latin typeface="Arial" panose="020B0604020202020204"/>
-                <a:ea typeface="Arial" panose="020B0604020202020204"/>
-                <a:cs typeface="Arial" panose="020B0604020202020204"/>
-                <a:sym typeface="Arial" panose="020B0604020202020204"/>
+                <a:latin typeface="Arial" panose="020B0604020202090204"/>
+                <a:ea typeface="Arial" panose="020B0604020202090204"/>
+                <a:cs typeface="Arial" panose="020B0604020202090204"/>
+                <a:sym typeface="Arial" panose="020B0604020202090204"/>
               </a:defRPr>
             </a:lvl4pPr>
             <a:lvl5pPr marL="2286000" marR="0" lvl="4" indent="-355600" algn="l" rtl="0">
@@ -7102,16 +7096,16 @@
                 <a:schemeClr val="dk1"/>
               </a:buClr>
               <a:buSzPts val="2000"/>
-              <a:buFont typeface="Arial" panose="020B0604020202020204"/>
+              <a:buFont typeface="Arial" panose="020B0604020202090204"/>
               <a:buChar char="»"/>
               <a:defRPr sz="2000" b="0" i="0" u="none" strike="noStrike" cap="none">
                 <a:solidFill>
                   <a:schemeClr val="dk1"/>
                 </a:solidFill>
-                <a:latin typeface="Arial" panose="020B0604020202020204"/>
-                <a:ea typeface="Arial" panose="020B0604020202020204"/>
-                <a:cs typeface="Arial" panose="020B0604020202020204"/>
-                <a:sym typeface="Arial" panose="020B0604020202020204"/>
+                <a:latin typeface="Arial" panose="020B0604020202090204"/>
+                <a:ea typeface="Arial" panose="020B0604020202090204"/>
+                <a:cs typeface="Arial" panose="020B0604020202090204"/>
+                <a:sym typeface="Arial" panose="020B0604020202090204"/>
               </a:defRPr>
             </a:lvl5pPr>
             <a:lvl6pPr marL="2743200" marR="0" lvl="5" indent="-355600" algn="l" rtl="0">
@@ -7125,16 +7119,16 @@
                 <a:schemeClr val="dk1"/>
               </a:buClr>
               <a:buSzPts val="2000"/>
-              <a:buFont typeface="Arial" panose="020B0604020202020204"/>
+              <a:buFont typeface="Arial" panose="020B0604020202090204"/>
               <a:buChar char="»"/>
               <a:defRPr sz="2000" b="0" i="0" u="none" strike="noStrike" cap="none">
                 <a:solidFill>
                   <a:schemeClr val="dk1"/>
                 </a:solidFill>
-                <a:latin typeface="Arial" panose="020B0604020202020204"/>
-                <a:ea typeface="Arial" panose="020B0604020202020204"/>
-                <a:cs typeface="Arial" panose="020B0604020202020204"/>
-                <a:sym typeface="Arial" panose="020B0604020202020204"/>
+                <a:latin typeface="Arial" panose="020B0604020202090204"/>
+                <a:ea typeface="Arial" panose="020B0604020202090204"/>
+                <a:cs typeface="Arial" panose="020B0604020202090204"/>
+                <a:sym typeface="Arial" panose="020B0604020202090204"/>
               </a:defRPr>
             </a:lvl6pPr>
             <a:lvl7pPr marL="3200400" marR="0" lvl="6" indent="-355600" algn="l" rtl="0">
@@ -7148,16 +7142,16 @@
                 <a:schemeClr val="dk1"/>
               </a:buClr>
               <a:buSzPts val="2000"/>
-              <a:buFont typeface="Arial" panose="020B0604020202020204"/>
+              <a:buFont typeface="Arial" panose="020B0604020202090204"/>
               <a:buChar char="»"/>
               <a:defRPr sz="2000" b="0" i="0" u="none" strike="noStrike" cap="none">
                 <a:solidFill>
                   <a:schemeClr val="dk1"/>
                 </a:solidFill>
-                <a:latin typeface="Arial" panose="020B0604020202020204"/>
-                <a:ea typeface="Arial" panose="020B0604020202020204"/>
-                <a:cs typeface="Arial" panose="020B0604020202020204"/>
-                <a:sym typeface="Arial" panose="020B0604020202020204"/>
+                <a:latin typeface="Arial" panose="020B0604020202090204"/>
+                <a:ea typeface="Arial" panose="020B0604020202090204"/>
+                <a:cs typeface="Arial" panose="020B0604020202090204"/>
+                <a:sym typeface="Arial" panose="020B0604020202090204"/>
               </a:defRPr>
             </a:lvl7pPr>
             <a:lvl8pPr marL="3657600" marR="0" lvl="7" indent="-355600" algn="l" rtl="0">
@@ -7171,16 +7165,16 @@
                 <a:schemeClr val="dk1"/>
               </a:buClr>
               <a:buSzPts val="2000"/>
-              <a:buFont typeface="Arial" panose="020B0604020202020204"/>
+              <a:buFont typeface="Arial" panose="020B0604020202090204"/>
               <a:buChar char="»"/>
               <a:defRPr sz="2000" b="0" i="0" u="none" strike="noStrike" cap="none">
                 <a:solidFill>
                   <a:schemeClr val="dk1"/>
                 </a:solidFill>
-                <a:latin typeface="Arial" panose="020B0604020202020204"/>
-                <a:ea typeface="Arial" panose="020B0604020202020204"/>
-                <a:cs typeface="Arial" panose="020B0604020202020204"/>
-                <a:sym typeface="Arial" panose="020B0604020202020204"/>
+                <a:latin typeface="Arial" panose="020B0604020202090204"/>
+                <a:ea typeface="Arial" panose="020B0604020202090204"/>
+                <a:cs typeface="Arial" panose="020B0604020202090204"/>
+                <a:sym typeface="Arial" panose="020B0604020202090204"/>
               </a:defRPr>
             </a:lvl8pPr>
             <a:lvl9pPr marL="4114800" marR="0" lvl="8" indent="-355600" algn="l" rtl="0">
@@ -7194,16 +7188,16 @@
                 <a:schemeClr val="dk1"/>
               </a:buClr>
               <a:buSzPts val="2000"/>
-              <a:buFont typeface="Arial" panose="020B0604020202020204"/>
+              <a:buFont typeface="Arial" panose="020B0604020202090204"/>
               <a:buChar char="»"/>
               <a:defRPr sz="2000" b="0" i="0" u="none" strike="noStrike" cap="none">
                 <a:solidFill>
                   <a:schemeClr val="dk1"/>
                 </a:solidFill>
-                <a:latin typeface="Arial" panose="020B0604020202020204"/>
-                <a:ea typeface="Arial" panose="020B0604020202020204"/>
-                <a:cs typeface="Arial" panose="020B0604020202020204"/>
-                <a:sym typeface="Arial" panose="020B0604020202020204"/>
+                <a:latin typeface="Arial" panose="020B0604020202090204"/>
+                <a:ea typeface="Arial" panose="020B0604020202090204"/>
+                <a:cs typeface="Arial" panose="020B0604020202090204"/>
+                <a:sym typeface="Arial" panose="020B0604020202090204"/>
               </a:defRPr>
             </a:lvl9pPr>
           </a:lstStyle>
@@ -7274,10 +7268,10 @@
                 <a:solidFill>
                   <a:schemeClr val="dk2"/>
                 </a:solidFill>
-                <a:latin typeface="Arial" panose="020B0604020202020204"/>
-                <a:ea typeface="Arial" panose="020B0604020202020204"/>
-                <a:cs typeface="Arial" panose="020B0604020202020204"/>
-                <a:sym typeface="Arial" panose="020B0604020202020204"/>
+                <a:latin typeface="Arial" panose="020B0604020202090204"/>
+                <a:ea typeface="Arial" panose="020B0604020202090204"/>
+                <a:cs typeface="Arial" panose="020B0604020202090204"/>
+                <a:sym typeface="Arial" panose="020B0604020202090204"/>
               </a:defRPr>
             </a:lvl1pPr>
             <a:lvl2pPr marL="0" marR="0" lvl="1" indent="0" algn="ctr" rtl="0">
@@ -7293,10 +7287,10 @@
                 <a:solidFill>
                   <a:schemeClr val="dk2"/>
                 </a:solidFill>
-                <a:latin typeface="Arial" panose="020B0604020202020204"/>
-                <a:ea typeface="Arial" panose="020B0604020202020204"/>
-                <a:cs typeface="Arial" panose="020B0604020202020204"/>
-                <a:sym typeface="Arial" panose="020B0604020202020204"/>
+                <a:latin typeface="Arial" panose="020B0604020202090204"/>
+                <a:ea typeface="Arial" panose="020B0604020202090204"/>
+                <a:cs typeface="Arial" panose="020B0604020202090204"/>
+                <a:sym typeface="Arial" panose="020B0604020202090204"/>
               </a:defRPr>
             </a:lvl2pPr>
             <a:lvl3pPr marL="0" marR="0" lvl="2" indent="0" algn="ctr" rtl="0">
@@ -7312,10 +7306,10 @@
                 <a:solidFill>
                   <a:schemeClr val="dk2"/>
                 </a:solidFill>
-                <a:latin typeface="Arial" panose="020B0604020202020204"/>
-                <a:ea typeface="Arial" panose="020B0604020202020204"/>
-                <a:cs typeface="Arial" panose="020B0604020202020204"/>
-                <a:sym typeface="Arial" panose="020B0604020202020204"/>
+                <a:latin typeface="Arial" panose="020B0604020202090204"/>
+                <a:ea typeface="Arial" panose="020B0604020202090204"/>
+                <a:cs typeface="Arial" panose="020B0604020202090204"/>
+                <a:sym typeface="Arial" panose="020B0604020202090204"/>
               </a:defRPr>
             </a:lvl3pPr>
             <a:lvl4pPr marL="0" marR="0" lvl="3" indent="0" algn="ctr" rtl="0">
@@ -7331,10 +7325,10 @@
                 <a:solidFill>
                   <a:schemeClr val="dk2"/>
                 </a:solidFill>
-                <a:latin typeface="Arial" panose="020B0604020202020204"/>
-                <a:ea typeface="Arial" panose="020B0604020202020204"/>
-                <a:cs typeface="Arial" panose="020B0604020202020204"/>
-                <a:sym typeface="Arial" panose="020B0604020202020204"/>
+                <a:latin typeface="Arial" panose="020B0604020202090204"/>
+                <a:ea typeface="Arial" panose="020B0604020202090204"/>
+                <a:cs typeface="Arial" panose="020B0604020202090204"/>
+                <a:sym typeface="Arial" panose="020B0604020202090204"/>
               </a:defRPr>
             </a:lvl4pPr>
             <a:lvl5pPr marL="0" marR="0" lvl="4" indent="0" algn="ctr" rtl="0">
@@ -7350,10 +7344,10 @@
                 <a:solidFill>
                   <a:schemeClr val="dk2"/>
                 </a:solidFill>
-                <a:latin typeface="Arial" panose="020B0604020202020204"/>
-                <a:ea typeface="Arial" panose="020B0604020202020204"/>
-                <a:cs typeface="Arial" panose="020B0604020202020204"/>
-                <a:sym typeface="Arial" panose="020B0604020202020204"/>
+                <a:latin typeface="Arial" panose="020B0604020202090204"/>
+                <a:ea typeface="Arial" panose="020B0604020202090204"/>
+                <a:cs typeface="Arial" panose="020B0604020202090204"/>
+                <a:sym typeface="Arial" panose="020B0604020202090204"/>
               </a:defRPr>
             </a:lvl5pPr>
             <a:lvl6pPr marL="457200" marR="0" lvl="5" indent="0" algn="ctr" rtl="0">
@@ -7369,10 +7363,10 @@
                 <a:solidFill>
                   <a:schemeClr val="dk2"/>
                 </a:solidFill>
-                <a:latin typeface="Arial" panose="020B0604020202020204"/>
-                <a:ea typeface="Arial" panose="020B0604020202020204"/>
-                <a:cs typeface="Arial" panose="020B0604020202020204"/>
-                <a:sym typeface="Arial" panose="020B0604020202020204"/>
+                <a:latin typeface="Arial" panose="020B0604020202090204"/>
+                <a:ea typeface="Arial" panose="020B0604020202090204"/>
+                <a:cs typeface="Arial" panose="020B0604020202090204"/>
+                <a:sym typeface="Arial" panose="020B0604020202090204"/>
               </a:defRPr>
             </a:lvl6pPr>
             <a:lvl7pPr marL="914400" marR="0" lvl="6" indent="0" algn="ctr" rtl="0">
@@ -7388,10 +7382,10 @@
                 <a:solidFill>
                   <a:schemeClr val="dk2"/>
                 </a:solidFill>
-                <a:latin typeface="Arial" panose="020B0604020202020204"/>
-                <a:ea typeface="Arial" panose="020B0604020202020204"/>
-                <a:cs typeface="Arial" panose="020B0604020202020204"/>
-                <a:sym typeface="Arial" panose="020B0604020202020204"/>
+                <a:latin typeface="Arial" panose="020B0604020202090204"/>
+                <a:ea typeface="Arial" panose="020B0604020202090204"/>
+                <a:cs typeface="Arial" panose="020B0604020202090204"/>
+                <a:sym typeface="Arial" panose="020B0604020202090204"/>
               </a:defRPr>
             </a:lvl7pPr>
             <a:lvl8pPr marL="1371600" marR="0" lvl="7" indent="0" algn="ctr" rtl="0">
@@ -7407,10 +7401,10 @@
                 <a:solidFill>
                   <a:schemeClr val="dk2"/>
                 </a:solidFill>
-                <a:latin typeface="Arial" panose="020B0604020202020204"/>
-                <a:ea typeface="Arial" panose="020B0604020202020204"/>
-                <a:cs typeface="Arial" panose="020B0604020202020204"/>
-                <a:sym typeface="Arial" panose="020B0604020202020204"/>
+                <a:latin typeface="Arial" panose="020B0604020202090204"/>
+                <a:ea typeface="Arial" panose="020B0604020202090204"/>
+                <a:cs typeface="Arial" panose="020B0604020202090204"/>
+                <a:sym typeface="Arial" panose="020B0604020202090204"/>
               </a:defRPr>
             </a:lvl8pPr>
             <a:lvl9pPr marL="1828800" marR="0" lvl="8" indent="0" algn="ctr" rtl="0">
@@ -7426,10 +7420,10 @@
                 <a:solidFill>
                   <a:schemeClr val="dk2"/>
                 </a:solidFill>
-                <a:latin typeface="Arial" panose="020B0604020202020204"/>
-                <a:ea typeface="Arial" panose="020B0604020202020204"/>
-                <a:cs typeface="Arial" panose="020B0604020202020204"/>
-                <a:sym typeface="Arial" panose="020B0604020202020204"/>
+                <a:latin typeface="Arial" panose="020B0604020202090204"/>
+                <a:ea typeface="Arial" panose="020B0604020202090204"/>
+                <a:cs typeface="Arial" panose="020B0604020202090204"/>
+                <a:sym typeface="Arial" panose="020B0604020202090204"/>
               </a:defRPr>
             </a:lvl9pPr>
           </a:lstStyle>
@@ -7500,10 +7494,10 @@
                 <a:solidFill>
                   <a:schemeClr val="dk2"/>
                 </a:solidFill>
-                <a:latin typeface="Arial" panose="020B0604020202020204"/>
-                <a:ea typeface="Arial" panose="020B0604020202020204"/>
-                <a:cs typeface="Arial" panose="020B0604020202020204"/>
-                <a:sym typeface="Arial" panose="020B0604020202020204"/>
+                <a:latin typeface="Arial" panose="020B0604020202090204"/>
+                <a:ea typeface="Arial" panose="020B0604020202090204"/>
+                <a:cs typeface="Arial" panose="020B0604020202090204"/>
+                <a:sym typeface="Arial" panose="020B0604020202090204"/>
               </a:defRPr>
             </a:lvl1pPr>
             <a:lvl2pPr marL="0" marR="0" lvl="1" indent="0" algn="ctr" rtl="0">
@@ -7519,10 +7513,10 @@
                 <a:solidFill>
                   <a:schemeClr val="dk2"/>
                 </a:solidFill>
-                <a:latin typeface="Arial" panose="020B0604020202020204"/>
-                <a:ea typeface="Arial" panose="020B0604020202020204"/>
-                <a:cs typeface="Arial" panose="020B0604020202020204"/>
-                <a:sym typeface="Arial" panose="020B0604020202020204"/>
+                <a:latin typeface="Arial" panose="020B0604020202090204"/>
+                <a:ea typeface="Arial" panose="020B0604020202090204"/>
+                <a:cs typeface="Arial" panose="020B0604020202090204"/>
+                <a:sym typeface="Arial" panose="020B0604020202090204"/>
               </a:defRPr>
             </a:lvl2pPr>
             <a:lvl3pPr marL="0" marR="0" lvl="2" indent="0" algn="ctr" rtl="0">
@@ -7538,10 +7532,10 @@
                 <a:solidFill>
                   <a:schemeClr val="dk2"/>
                 </a:solidFill>
-                <a:latin typeface="Arial" panose="020B0604020202020204"/>
-                <a:ea typeface="Arial" panose="020B0604020202020204"/>
-                <a:cs typeface="Arial" panose="020B0604020202020204"/>
-                <a:sym typeface="Arial" panose="020B0604020202020204"/>
+                <a:latin typeface="Arial" panose="020B0604020202090204"/>
+                <a:ea typeface="Arial" panose="020B0604020202090204"/>
+                <a:cs typeface="Arial" panose="020B0604020202090204"/>
+                <a:sym typeface="Arial" panose="020B0604020202090204"/>
               </a:defRPr>
             </a:lvl3pPr>
             <a:lvl4pPr marL="0" marR="0" lvl="3" indent="0" algn="ctr" rtl="0">
@@ -7557,10 +7551,10 @@
                 <a:solidFill>
                   <a:schemeClr val="dk2"/>
                 </a:solidFill>
-                <a:latin typeface="Arial" panose="020B0604020202020204"/>
-                <a:ea typeface="Arial" panose="020B0604020202020204"/>
-                <a:cs typeface="Arial" panose="020B0604020202020204"/>
-                <a:sym typeface="Arial" panose="020B0604020202020204"/>
+                <a:latin typeface="Arial" panose="020B0604020202090204"/>
+                <a:ea typeface="Arial" panose="020B0604020202090204"/>
+                <a:cs typeface="Arial" panose="020B0604020202090204"/>
+                <a:sym typeface="Arial" panose="020B0604020202090204"/>
               </a:defRPr>
             </a:lvl4pPr>
             <a:lvl5pPr marL="0" marR="0" lvl="4" indent="0" algn="ctr" rtl="0">
@@ -7576,10 +7570,10 @@
                 <a:solidFill>
                   <a:schemeClr val="dk2"/>
                 </a:solidFill>
-                <a:latin typeface="Arial" panose="020B0604020202020204"/>
-                <a:ea typeface="Arial" panose="020B0604020202020204"/>
-                <a:cs typeface="Arial" panose="020B0604020202020204"/>
-                <a:sym typeface="Arial" panose="020B0604020202020204"/>
+                <a:latin typeface="Arial" panose="020B0604020202090204"/>
+                <a:ea typeface="Arial" panose="020B0604020202090204"/>
+                <a:cs typeface="Arial" panose="020B0604020202090204"/>
+                <a:sym typeface="Arial" panose="020B0604020202090204"/>
               </a:defRPr>
             </a:lvl5pPr>
             <a:lvl6pPr marL="457200" marR="0" lvl="5" indent="0" algn="ctr" rtl="0">
@@ -7595,10 +7589,10 @@
                 <a:solidFill>
                   <a:schemeClr val="dk2"/>
                 </a:solidFill>
-                <a:latin typeface="Arial" panose="020B0604020202020204"/>
-                <a:ea typeface="Arial" panose="020B0604020202020204"/>
-                <a:cs typeface="Arial" panose="020B0604020202020204"/>
-                <a:sym typeface="Arial" panose="020B0604020202020204"/>
+                <a:latin typeface="Arial" panose="020B0604020202090204"/>
+                <a:ea typeface="Arial" panose="020B0604020202090204"/>
+                <a:cs typeface="Arial" panose="020B0604020202090204"/>
+                <a:sym typeface="Arial" panose="020B0604020202090204"/>
               </a:defRPr>
             </a:lvl6pPr>
             <a:lvl7pPr marL="914400" marR="0" lvl="6" indent="0" algn="ctr" rtl="0">
@@ -7614,10 +7608,10 @@
                 <a:solidFill>
                   <a:schemeClr val="dk2"/>
                 </a:solidFill>
-                <a:latin typeface="Arial" panose="020B0604020202020204"/>
-                <a:ea typeface="Arial" panose="020B0604020202020204"/>
-                <a:cs typeface="Arial" panose="020B0604020202020204"/>
-                <a:sym typeface="Arial" panose="020B0604020202020204"/>
+                <a:latin typeface="Arial" panose="020B0604020202090204"/>
+                <a:ea typeface="Arial" panose="020B0604020202090204"/>
+                <a:cs typeface="Arial" panose="020B0604020202090204"/>
+                <a:sym typeface="Arial" panose="020B0604020202090204"/>
               </a:defRPr>
             </a:lvl7pPr>
             <a:lvl8pPr marL="1371600" marR="0" lvl="7" indent="0" algn="ctr" rtl="0">
@@ -7633,10 +7627,10 @@
                 <a:solidFill>
                   <a:schemeClr val="dk2"/>
                 </a:solidFill>
-                <a:latin typeface="Arial" panose="020B0604020202020204"/>
-                <a:ea typeface="Arial" panose="020B0604020202020204"/>
-                <a:cs typeface="Arial" panose="020B0604020202020204"/>
-                <a:sym typeface="Arial" panose="020B0604020202020204"/>
+                <a:latin typeface="Arial" panose="020B0604020202090204"/>
+                <a:ea typeface="Arial" panose="020B0604020202090204"/>
+                <a:cs typeface="Arial" panose="020B0604020202090204"/>
+                <a:sym typeface="Arial" panose="020B0604020202090204"/>
               </a:defRPr>
             </a:lvl8pPr>
             <a:lvl9pPr marL="1828800" marR="0" lvl="8" indent="0" algn="ctr" rtl="0">
@@ -7652,10 +7646,10 @@
                 <a:solidFill>
                   <a:schemeClr val="dk2"/>
                 </a:solidFill>
-                <a:latin typeface="Arial" panose="020B0604020202020204"/>
-                <a:ea typeface="Arial" panose="020B0604020202020204"/>
-                <a:cs typeface="Arial" panose="020B0604020202020204"/>
-                <a:sym typeface="Arial" panose="020B0604020202020204"/>
+                <a:latin typeface="Arial" panose="020B0604020202090204"/>
+                <a:ea typeface="Arial" panose="020B0604020202090204"/>
+                <a:cs typeface="Arial" panose="020B0604020202090204"/>
+                <a:sym typeface="Arial" panose="020B0604020202090204"/>
               </a:defRPr>
             </a:lvl9pPr>
           </a:lstStyle>
@@ -7699,16 +7693,16 @@
                 <a:schemeClr val="dk1"/>
               </a:buClr>
               <a:buSzPts val="3200"/>
-              <a:buFont typeface="Arial" panose="020B0604020202020204"/>
+              <a:buFont typeface="Arial" panose="020B0604020202090204"/>
               <a:buChar char="•"/>
               <a:defRPr sz="3200" b="0" i="0" u="none" strike="noStrike" cap="none">
                 <a:solidFill>
                   <a:schemeClr val="dk1"/>
                 </a:solidFill>
-                <a:latin typeface="Arial" panose="020B0604020202020204"/>
-                <a:ea typeface="Arial" panose="020B0604020202020204"/>
-                <a:cs typeface="Arial" panose="020B0604020202020204"/>
-                <a:sym typeface="Arial" panose="020B0604020202020204"/>
+                <a:latin typeface="Arial" panose="020B0604020202090204"/>
+                <a:ea typeface="Arial" panose="020B0604020202090204"/>
+                <a:cs typeface="Arial" panose="020B0604020202090204"/>
+                <a:sym typeface="Arial" panose="020B0604020202090204"/>
               </a:defRPr>
             </a:lvl1pPr>
             <a:lvl2pPr marL="914400" marR="0" lvl="1" indent="-406400" algn="l" rtl="0">
@@ -7722,16 +7716,16 @@
                 <a:schemeClr val="dk1"/>
               </a:buClr>
               <a:buSzPts val="2800"/>
-              <a:buFont typeface="Arial" panose="020B0604020202020204"/>
+              <a:buFont typeface="Arial" panose="020B0604020202090204"/>
               <a:buChar char="–"/>
               <a:defRPr sz="2800" b="0" i="0" u="none" strike="noStrike" cap="none">
                 <a:solidFill>
                   <a:schemeClr val="dk1"/>
                 </a:solidFill>
-                <a:latin typeface="Arial" panose="020B0604020202020204"/>
-                <a:ea typeface="Arial" panose="020B0604020202020204"/>
-                <a:cs typeface="Arial" panose="020B0604020202020204"/>
-                <a:sym typeface="Arial" panose="020B0604020202020204"/>
+                <a:latin typeface="Arial" panose="020B0604020202090204"/>
+                <a:ea typeface="Arial" panose="020B0604020202090204"/>
+                <a:cs typeface="Arial" panose="020B0604020202090204"/>
+                <a:sym typeface="Arial" panose="020B0604020202090204"/>
               </a:defRPr>
             </a:lvl2pPr>
             <a:lvl3pPr marL="1371600" marR="0" lvl="2" indent="-381000" algn="l" rtl="0">
@@ -7745,16 +7739,16 @@
                 <a:schemeClr val="dk1"/>
               </a:buClr>
               <a:buSzPts val="2400"/>
-              <a:buFont typeface="Arial" panose="020B0604020202020204"/>
+              <a:buFont typeface="Arial" panose="020B0604020202090204"/>
               <a:buChar char="•"/>
               <a:defRPr sz="2400" b="0" i="0" u="none" strike="noStrike" cap="none">
                 <a:solidFill>
                   <a:schemeClr val="dk1"/>
                 </a:solidFill>
-                <a:latin typeface="Arial" panose="020B0604020202020204"/>
-                <a:ea typeface="Arial" panose="020B0604020202020204"/>
-                <a:cs typeface="Arial" panose="020B0604020202020204"/>
-                <a:sym typeface="Arial" panose="020B0604020202020204"/>
+                <a:latin typeface="Arial" panose="020B0604020202090204"/>
+                <a:ea typeface="Arial" panose="020B0604020202090204"/>
+                <a:cs typeface="Arial" panose="020B0604020202090204"/>
+                <a:sym typeface="Arial" panose="020B0604020202090204"/>
               </a:defRPr>
             </a:lvl3pPr>
             <a:lvl4pPr marL="1828800" marR="0" lvl="3" indent="-355600" algn="l" rtl="0">
@@ -7768,16 +7762,16 @@
                 <a:schemeClr val="dk1"/>
               </a:buClr>
               <a:buSzPts val="2000"/>
-              <a:buFont typeface="Arial" panose="020B0604020202020204"/>
+              <a:buFont typeface="Arial" panose="020B0604020202090204"/>
               <a:buChar char="–"/>
               <a:defRPr sz="2000" b="0" i="0" u="none" strike="noStrike" cap="none">
                 <a:solidFill>
                   <a:schemeClr val="dk1"/>
                 </a:solidFill>
-                <a:latin typeface="Arial" panose="020B0604020202020204"/>
-                <a:ea typeface="Arial" panose="020B0604020202020204"/>
-                <a:cs typeface="Arial" panose="020B0604020202020204"/>
-                <a:sym typeface="Arial" panose="020B0604020202020204"/>
+                <a:latin typeface="Arial" panose="020B0604020202090204"/>
+                <a:ea typeface="Arial" panose="020B0604020202090204"/>
+                <a:cs typeface="Arial" panose="020B0604020202090204"/>
+                <a:sym typeface="Arial" panose="020B0604020202090204"/>
               </a:defRPr>
             </a:lvl4pPr>
             <a:lvl5pPr marL="2286000" marR="0" lvl="4" indent="-355600" algn="l" rtl="0">
@@ -7791,16 +7785,16 @@
                 <a:schemeClr val="dk1"/>
               </a:buClr>
               <a:buSzPts val="2000"/>
-              <a:buFont typeface="Arial" panose="020B0604020202020204"/>
+              <a:buFont typeface="Arial" panose="020B0604020202090204"/>
               <a:buChar char="»"/>
               <a:defRPr sz="2000" b="0" i="0" u="none" strike="noStrike" cap="none">
                 <a:solidFill>
                   <a:schemeClr val="dk1"/>
                 </a:solidFill>
-                <a:latin typeface="Arial" panose="020B0604020202020204"/>
-                <a:ea typeface="Arial" panose="020B0604020202020204"/>
-                <a:cs typeface="Arial" panose="020B0604020202020204"/>
-                <a:sym typeface="Arial" panose="020B0604020202020204"/>
+                <a:latin typeface="Arial" panose="020B0604020202090204"/>
+                <a:ea typeface="Arial" panose="020B0604020202090204"/>
+                <a:cs typeface="Arial" panose="020B0604020202090204"/>
+                <a:sym typeface="Arial" panose="020B0604020202090204"/>
               </a:defRPr>
             </a:lvl5pPr>
             <a:lvl6pPr marL="2743200" marR="0" lvl="5" indent="-355600" algn="l" rtl="0">
@@ -7814,16 +7808,16 @@
                 <a:schemeClr val="dk1"/>
               </a:buClr>
               <a:buSzPts val="2000"/>
-              <a:buFont typeface="Arial" panose="020B0604020202020204"/>
+              <a:buFont typeface="Arial" panose="020B0604020202090204"/>
               <a:buChar char="»"/>
               <a:defRPr sz="2000" b="0" i="0" u="none" strike="noStrike" cap="none">
                 <a:solidFill>
                   <a:schemeClr val="dk1"/>
                 </a:solidFill>
-                <a:latin typeface="Arial" panose="020B0604020202020204"/>
-                <a:ea typeface="Arial" panose="020B0604020202020204"/>
-                <a:cs typeface="Arial" panose="020B0604020202020204"/>
-                <a:sym typeface="Arial" panose="020B0604020202020204"/>
+                <a:latin typeface="Arial" panose="020B0604020202090204"/>
+                <a:ea typeface="Arial" panose="020B0604020202090204"/>
+                <a:cs typeface="Arial" panose="020B0604020202090204"/>
+                <a:sym typeface="Arial" panose="020B0604020202090204"/>
               </a:defRPr>
             </a:lvl6pPr>
             <a:lvl7pPr marL="3200400" marR="0" lvl="6" indent="-355600" algn="l" rtl="0">
@@ -7837,16 +7831,16 @@
                 <a:schemeClr val="dk1"/>
               </a:buClr>
               <a:buSzPts val="2000"/>
-              <a:buFont typeface="Arial" panose="020B0604020202020204"/>
+              <a:buFont typeface="Arial" panose="020B0604020202090204"/>
               <a:buChar char="»"/>
               <a:defRPr sz="2000" b="0" i="0" u="none" strike="noStrike" cap="none">
                 <a:solidFill>
                   <a:schemeClr val="dk1"/>
                 </a:solidFill>
-                <a:latin typeface="Arial" panose="020B0604020202020204"/>
-                <a:ea typeface="Arial" panose="020B0604020202020204"/>
-                <a:cs typeface="Arial" panose="020B0604020202020204"/>
-                <a:sym typeface="Arial" panose="020B0604020202020204"/>
+                <a:latin typeface="Arial" panose="020B0604020202090204"/>
+                <a:ea typeface="Arial" panose="020B0604020202090204"/>
+                <a:cs typeface="Arial" panose="020B0604020202090204"/>
+                <a:sym typeface="Arial" panose="020B0604020202090204"/>
               </a:defRPr>
             </a:lvl7pPr>
             <a:lvl8pPr marL="3657600" marR="0" lvl="7" indent="-355600" algn="l" rtl="0">
@@ -7860,16 +7854,16 @@
                 <a:schemeClr val="dk1"/>
               </a:buClr>
               <a:buSzPts val="2000"/>
-              <a:buFont typeface="Arial" panose="020B0604020202020204"/>
+              <a:buFont typeface="Arial" panose="020B0604020202090204"/>
               <a:buChar char="»"/>
               <a:defRPr sz="2000" b="0" i="0" u="none" strike="noStrike" cap="none">
                 <a:solidFill>
                   <a:schemeClr val="dk1"/>
                 </a:solidFill>
-                <a:latin typeface="Arial" panose="020B0604020202020204"/>
-                <a:ea typeface="Arial" panose="020B0604020202020204"/>
-                <a:cs typeface="Arial" panose="020B0604020202020204"/>
-                <a:sym typeface="Arial" panose="020B0604020202020204"/>
+                <a:latin typeface="Arial" panose="020B0604020202090204"/>
+                <a:ea typeface="Arial" panose="020B0604020202090204"/>
+                <a:cs typeface="Arial" panose="020B0604020202090204"/>
+                <a:sym typeface="Arial" panose="020B0604020202090204"/>
               </a:defRPr>
             </a:lvl8pPr>
             <a:lvl9pPr marL="4114800" marR="0" lvl="8" indent="-355600" algn="l" rtl="0">
@@ -7883,16 +7877,16 @@
                 <a:schemeClr val="dk1"/>
               </a:buClr>
               <a:buSzPts val="2000"/>
-              <a:buFont typeface="Arial" panose="020B0604020202020204"/>
+              <a:buFont typeface="Arial" panose="020B0604020202090204"/>
               <a:buChar char="»"/>
               <a:defRPr sz="2000" b="0" i="0" u="none" strike="noStrike" cap="none">
                 <a:solidFill>
                   <a:schemeClr val="dk1"/>
                 </a:solidFill>
-                <a:latin typeface="Arial" panose="020B0604020202020204"/>
-                <a:ea typeface="Arial" panose="020B0604020202020204"/>
-                <a:cs typeface="Arial" panose="020B0604020202020204"/>
-                <a:sym typeface="Arial" panose="020B0604020202020204"/>
+                <a:latin typeface="Arial" panose="020B0604020202090204"/>
+                <a:ea typeface="Arial" panose="020B0604020202090204"/>
+                <a:cs typeface="Arial" panose="020B0604020202090204"/>
+                <a:sym typeface="Arial" panose="020B0604020202090204"/>
               </a:defRPr>
             </a:lvl9pPr>
           </a:lstStyle>
@@ -7963,10 +7957,10 @@
                 <a:solidFill>
                   <a:schemeClr val="dk2"/>
                 </a:solidFill>
-                <a:latin typeface="Arial" panose="020B0604020202020204"/>
-                <a:ea typeface="Arial" panose="020B0604020202020204"/>
-                <a:cs typeface="Arial" panose="020B0604020202020204"/>
-                <a:sym typeface="Arial" panose="020B0604020202020204"/>
+                <a:latin typeface="Arial" panose="020B0604020202090204"/>
+                <a:ea typeface="Arial" panose="020B0604020202090204"/>
+                <a:cs typeface="Arial" panose="020B0604020202090204"/>
+                <a:sym typeface="Arial" panose="020B0604020202090204"/>
               </a:defRPr>
             </a:lvl1pPr>
             <a:lvl2pPr marL="0" marR="0" lvl="1" indent="0" algn="ctr" rtl="0">
@@ -7982,10 +7976,10 @@
                 <a:solidFill>
                   <a:schemeClr val="dk2"/>
                 </a:solidFill>
-                <a:latin typeface="Arial" panose="020B0604020202020204"/>
-                <a:ea typeface="Arial" panose="020B0604020202020204"/>
-                <a:cs typeface="Arial" panose="020B0604020202020204"/>
-                <a:sym typeface="Arial" panose="020B0604020202020204"/>
+                <a:latin typeface="Arial" panose="020B0604020202090204"/>
+                <a:ea typeface="Arial" panose="020B0604020202090204"/>
+                <a:cs typeface="Arial" panose="020B0604020202090204"/>
+                <a:sym typeface="Arial" panose="020B0604020202090204"/>
               </a:defRPr>
             </a:lvl2pPr>
             <a:lvl3pPr marL="0" marR="0" lvl="2" indent="0" algn="ctr" rtl="0">
@@ -8001,10 +7995,10 @@
                 <a:solidFill>
                   <a:schemeClr val="dk2"/>
                 </a:solidFill>
-                <a:latin typeface="Arial" panose="020B0604020202020204"/>
-                <a:ea typeface="Arial" panose="020B0604020202020204"/>
-                <a:cs typeface="Arial" panose="020B0604020202020204"/>
-                <a:sym typeface="Arial" panose="020B0604020202020204"/>
+                <a:latin typeface="Arial" panose="020B0604020202090204"/>
+                <a:ea typeface="Arial" panose="020B0604020202090204"/>
+                <a:cs typeface="Arial" panose="020B0604020202090204"/>
+                <a:sym typeface="Arial" panose="020B0604020202090204"/>
               </a:defRPr>
             </a:lvl3pPr>
             <a:lvl4pPr marL="0" marR="0" lvl="3" indent="0" algn="ctr" rtl="0">
@@ -8020,10 +8014,10 @@
                 <a:solidFill>
                   <a:schemeClr val="dk2"/>
                 </a:solidFill>
-                <a:latin typeface="Arial" panose="020B0604020202020204"/>
-                <a:ea typeface="Arial" panose="020B0604020202020204"/>
-                <a:cs typeface="Arial" panose="020B0604020202020204"/>
-                <a:sym typeface="Arial" panose="020B0604020202020204"/>
+                <a:latin typeface="Arial" panose="020B0604020202090204"/>
+                <a:ea typeface="Arial" panose="020B0604020202090204"/>
+                <a:cs typeface="Arial" panose="020B0604020202090204"/>
+                <a:sym typeface="Arial" panose="020B0604020202090204"/>
               </a:defRPr>
             </a:lvl4pPr>
             <a:lvl5pPr marL="0" marR="0" lvl="4" indent="0" algn="ctr" rtl="0">
@@ -8039,10 +8033,10 @@
                 <a:solidFill>
                   <a:schemeClr val="dk2"/>
                 </a:solidFill>
-                <a:latin typeface="Arial" panose="020B0604020202020204"/>
-                <a:ea typeface="Arial" panose="020B0604020202020204"/>
-                <a:cs typeface="Arial" panose="020B0604020202020204"/>
-                <a:sym typeface="Arial" panose="020B0604020202020204"/>
+                <a:latin typeface="Arial" panose="020B0604020202090204"/>
+                <a:ea typeface="Arial" panose="020B0604020202090204"/>
+                <a:cs typeface="Arial" panose="020B0604020202090204"/>
+                <a:sym typeface="Arial" panose="020B0604020202090204"/>
               </a:defRPr>
             </a:lvl5pPr>
             <a:lvl6pPr marL="457200" marR="0" lvl="5" indent="0" algn="ctr" rtl="0">
@@ -8058,10 +8052,10 @@
                 <a:solidFill>
                   <a:schemeClr val="dk2"/>
                 </a:solidFill>
-                <a:latin typeface="Arial" panose="020B0604020202020204"/>
-                <a:ea typeface="Arial" panose="020B0604020202020204"/>
-                <a:cs typeface="Arial" panose="020B0604020202020204"/>
-                <a:sym typeface="Arial" panose="020B0604020202020204"/>
+                <a:latin typeface="Arial" panose="020B0604020202090204"/>
+                <a:ea typeface="Arial" panose="020B0604020202090204"/>
+                <a:cs typeface="Arial" panose="020B0604020202090204"/>
+                <a:sym typeface="Arial" panose="020B0604020202090204"/>
               </a:defRPr>
             </a:lvl6pPr>
             <a:lvl7pPr marL="914400" marR="0" lvl="6" indent="0" algn="ctr" rtl="0">
@@ -8077,10 +8071,10 @@
                 <a:solidFill>
                   <a:schemeClr val="dk2"/>
                 </a:solidFill>
-                <a:latin typeface="Arial" panose="020B0604020202020204"/>
-                <a:ea typeface="Arial" panose="020B0604020202020204"/>
-                <a:cs typeface="Arial" panose="020B0604020202020204"/>
-                <a:sym typeface="Arial" panose="020B0604020202020204"/>
+                <a:latin typeface="Arial" panose="020B0604020202090204"/>
+                <a:ea typeface="Arial" panose="020B0604020202090204"/>
+                <a:cs typeface="Arial" panose="020B0604020202090204"/>
+                <a:sym typeface="Arial" panose="020B0604020202090204"/>
               </a:defRPr>
             </a:lvl7pPr>
             <a:lvl8pPr marL="1371600" marR="0" lvl="7" indent="0" algn="ctr" rtl="0">
@@ -8096,10 +8090,10 @@
                 <a:solidFill>
                   <a:schemeClr val="dk2"/>
                 </a:solidFill>
-                <a:latin typeface="Arial" panose="020B0604020202020204"/>
-                <a:ea typeface="Arial" panose="020B0604020202020204"/>
-                <a:cs typeface="Arial" panose="020B0604020202020204"/>
-                <a:sym typeface="Arial" panose="020B0604020202020204"/>
+                <a:latin typeface="Arial" panose="020B0604020202090204"/>
+                <a:ea typeface="Arial" panose="020B0604020202090204"/>
+                <a:cs typeface="Arial" panose="020B0604020202090204"/>
+                <a:sym typeface="Arial" panose="020B0604020202090204"/>
               </a:defRPr>
             </a:lvl8pPr>
             <a:lvl9pPr marL="1828800" marR="0" lvl="8" indent="0" algn="ctr" rtl="0">
@@ -8115,10 +8109,10 @@
                 <a:solidFill>
                   <a:schemeClr val="dk2"/>
                 </a:solidFill>
-                <a:latin typeface="Arial" panose="020B0604020202020204"/>
-                <a:ea typeface="Arial" panose="020B0604020202020204"/>
-                <a:cs typeface="Arial" panose="020B0604020202020204"/>
-                <a:sym typeface="Arial" panose="020B0604020202020204"/>
+                <a:latin typeface="Arial" panose="020B0604020202090204"/>
+                <a:ea typeface="Arial" panose="020B0604020202090204"/>
+                <a:cs typeface="Arial" panose="020B0604020202090204"/>
+                <a:sym typeface="Arial" panose="020B0604020202090204"/>
               </a:defRPr>
             </a:lvl9pPr>
           </a:lstStyle>
@@ -8162,16 +8156,16 @@
                 <a:schemeClr val="dk1"/>
               </a:buClr>
               <a:buSzPts val="3200"/>
-              <a:buFont typeface="Arial" panose="020B0604020202020204"/>
+              <a:buFont typeface="Arial" panose="020B0604020202090204"/>
               <a:buChar char="•"/>
               <a:defRPr sz="3200" b="0" i="0" u="none" strike="noStrike" cap="none">
                 <a:solidFill>
                   <a:schemeClr val="dk1"/>
                 </a:solidFill>
-                <a:latin typeface="Arial" panose="020B0604020202020204"/>
-                <a:ea typeface="Arial" panose="020B0604020202020204"/>
-                <a:cs typeface="Arial" panose="020B0604020202020204"/>
-                <a:sym typeface="Arial" panose="020B0604020202020204"/>
+                <a:latin typeface="Arial" panose="020B0604020202090204"/>
+                <a:ea typeface="Arial" panose="020B0604020202090204"/>
+                <a:cs typeface="Arial" panose="020B0604020202090204"/>
+                <a:sym typeface="Arial" panose="020B0604020202090204"/>
               </a:defRPr>
             </a:lvl1pPr>
             <a:lvl2pPr marL="914400" marR="0" lvl="1" indent="-406400" algn="l" rtl="0">
@@ -8185,16 +8179,16 @@
                 <a:schemeClr val="dk1"/>
               </a:buClr>
               <a:buSzPts val="2800"/>
-              <a:buFont typeface="Arial" panose="020B0604020202020204"/>
+              <a:buFont typeface="Arial" panose="020B0604020202090204"/>
               <a:buChar char="–"/>
               <a:defRPr sz="2800" b="0" i="0" u="none" strike="noStrike" cap="none">
                 <a:solidFill>
                   <a:schemeClr val="dk1"/>
                 </a:solidFill>
-                <a:latin typeface="Arial" panose="020B0604020202020204"/>
-                <a:ea typeface="Arial" panose="020B0604020202020204"/>
-                <a:cs typeface="Arial" panose="020B0604020202020204"/>
-                <a:sym typeface="Arial" panose="020B0604020202020204"/>
+                <a:latin typeface="Arial" panose="020B0604020202090204"/>
+                <a:ea typeface="Arial" panose="020B0604020202090204"/>
+                <a:cs typeface="Arial" panose="020B0604020202090204"/>
+                <a:sym typeface="Arial" panose="020B0604020202090204"/>
               </a:defRPr>
             </a:lvl2pPr>
             <a:lvl3pPr marL="1371600" marR="0" lvl="2" indent="-381000" algn="l" rtl="0">
@@ -8208,16 +8202,16 @@
                 <a:schemeClr val="dk1"/>
               </a:buClr>
               <a:buSzPts val="2400"/>
-              <a:buFont typeface="Arial" panose="020B0604020202020204"/>
+              <a:buFont typeface="Arial" panose="020B0604020202090204"/>
               <a:buChar char="•"/>
               <a:defRPr sz="2400" b="0" i="0" u="none" strike="noStrike" cap="none">
                 <a:solidFill>
                   <a:schemeClr val="dk1"/>
                 </a:solidFill>
-                <a:latin typeface="Arial" panose="020B0604020202020204"/>
-                <a:ea typeface="Arial" panose="020B0604020202020204"/>
-                <a:cs typeface="Arial" panose="020B0604020202020204"/>
-                <a:sym typeface="Arial" panose="020B0604020202020204"/>
+                <a:latin typeface="Arial" panose="020B0604020202090204"/>
+                <a:ea typeface="Arial" panose="020B0604020202090204"/>
+                <a:cs typeface="Arial" panose="020B0604020202090204"/>
+                <a:sym typeface="Arial" panose="020B0604020202090204"/>
               </a:defRPr>
             </a:lvl3pPr>
             <a:lvl4pPr marL="1828800" marR="0" lvl="3" indent="-355600" algn="l" rtl="0">
@@ -8231,16 +8225,16 @@
                 <a:schemeClr val="dk1"/>
               </a:buClr>
               <a:buSzPts val="2000"/>
-              <a:buFont typeface="Arial" panose="020B0604020202020204"/>
+              <a:buFont typeface="Arial" panose="020B0604020202090204"/>
               <a:buChar char="–"/>
               <a:defRPr sz="2000" b="0" i="0" u="none" strike="noStrike" cap="none">
                 <a:solidFill>
                   <a:schemeClr val="dk1"/>
                 </a:solidFill>
-                <a:latin typeface="Arial" panose="020B0604020202020204"/>
-                <a:ea typeface="Arial" panose="020B0604020202020204"/>
-                <a:cs typeface="Arial" panose="020B0604020202020204"/>
-                <a:sym typeface="Arial" panose="020B0604020202020204"/>
+                <a:latin typeface="Arial" panose="020B0604020202090204"/>
+                <a:ea typeface="Arial" panose="020B0604020202090204"/>
+                <a:cs typeface="Arial" panose="020B0604020202090204"/>
+                <a:sym typeface="Arial" panose="020B0604020202090204"/>
               </a:defRPr>
             </a:lvl4pPr>
             <a:lvl5pPr marL="2286000" marR="0" lvl="4" indent="-355600" algn="l" rtl="0">
@@ -8254,16 +8248,16 @@
                 <a:schemeClr val="dk1"/>
               </a:buClr>
               <a:buSzPts val="2000"/>
-              <a:buFont typeface="Arial" panose="020B0604020202020204"/>
+              <a:buFont typeface="Arial" panose="020B0604020202090204"/>
               <a:buChar char="»"/>
               <a:defRPr sz="2000" b="0" i="0" u="none" strike="noStrike" cap="none">
                 <a:solidFill>
                   <a:schemeClr val="dk1"/>
                 </a:solidFill>
-                <a:latin typeface="Arial" panose="020B0604020202020204"/>
-                <a:ea typeface="Arial" panose="020B0604020202020204"/>
-                <a:cs typeface="Arial" panose="020B0604020202020204"/>
-                <a:sym typeface="Arial" panose="020B0604020202020204"/>
+                <a:latin typeface="Arial" panose="020B0604020202090204"/>
+                <a:ea typeface="Arial" panose="020B0604020202090204"/>
+                <a:cs typeface="Arial" panose="020B0604020202090204"/>
+                <a:sym typeface="Arial" panose="020B0604020202090204"/>
               </a:defRPr>
             </a:lvl5pPr>
             <a:lvl6pPr marL="2743200" marR="0" lvl="5" indent="-355600" algn="l" rtl="0">
@@ -8277,16 +8271,16 @@
                 <a:schemeClr val="dk1"/>
               </a:buClr>
               <a:buSzPts val="2000"/>
-              <a:buFont typeface="Arial" panose="020B0604020202020204"/>
+              <a:buFont typeface="Arial" panose="020B0604020202090204"/>
               <a:buChar char="»"/>
               <a:defRPr sz="2000" b="0" i="0" u="none" strike="noStrike" cap="none">
                 <a:solidFill>
                   <a:schemeClr val="dk1"/>
                 </a:solidFill>
-                <a:latin typeface="Arial" panose="020B0604020202020204"/>
-                <a:ea typeface="Arial" panose="020B0604020202020204"/>
-                <a:cs typeface="Arial" panose="020B0604020202020204"/>
-                <a:sym typeface="Arial" panose="020B0604020202020204"/>
+                <a:latin typeface="Arial" panose="020B0604020202090204"/>
+                <a:ea typeface="Arial" panose="020B0604020202090204"/>
+                <a:cs typeface="Arial" panose="020B0604020202090204"/>
+                <a:sym typeface="Arial" panose="020B0604020202090204"/>
               </a:defRPr>
             </a:lvl6pPr>
             <a:lvl7pPr marL="3200400" marR="0" lvl="6" indent="-355600" algn="l" rtl="0">
@@ -8300,16 +8294,16 @@
                 <a:schemeClr val="dk1"/>
               </a:buClr>
               <a:buSzPts val="2000"/>
-              <a:buFont typeface="Arial" panose="020B0604020202020204"/>
+              <a:buFont typeface="Arial" panose="020B0604020202090204"/>
               <a:buChar char="»"/>
               <a:defRPr sz="2000" b="0" i="0" u="none" strike="noStrike" cap="none">
                 <a:solidFill>
                   <a:schemeClr val="dk1"/>
                 </a:solidFill>
-                <a:latin typeface="Arial" panose="020B0604020202020204"/>
-                <a:ea typeface="Arial" panose="020B0604020202020204"/>
-                <a:cs typeface="Arial" panose="020B0604020202020204"/>
-                <a:sym typeface="Arial" panose="020B0604020202020204"/>
+                <a:latin typeface="Arial" panose="020B0604020202090204"/>
+                <a:ea typeface="Arial" panose="020B0604020202090204"/>
+                <a:cs typeface="Arial" panose="020B0604020202090204"/>
+                <a:sym typeface="Arial" panose="020B0604020202090204"/>
               </a:defRPr>
             </a:lvl7pPr>
             <a:lvl8pPr marL="3657600" marR="0" lvl="7" indent="-355600" algn="l" rtl="0">
@@ -8323,16 +8317,16 @@
                 <a:schemeClr val="dk1"/>
               </a:buClr>
               <a:buSzPts val="2000"/>
-              <a:buFont typeface="Arial" panose="020B0604020202020204"/>
+              <a:buFont typeface="Arial" panose="020B0604020202090204"/>
               <a:buChar char="»"/>
               <a:defRPr sz="2000" b="0" i="0" u="none" strike="noStrike" cap="none">
                 <a:solidFill>
                   <a:schemeClr val="dk1"/>
                 </a:solidFill>
-                <a:latin typeface="Arial" panose="020B0604020202020204"/>
-                <a:ea typeface="Arial" panose="020B0604020202020204"/>
-                <a:cs typeface="Arial" panose="020B0604020202020204"/>
-                <a:sym typeface="Arial" panose="020B0604020202020204"/>
+                <a:latin typeface="Arial" panose="020B0604020202090204"/>
+                <a:ea typeface="Arial" panose="020B0604020202090204"/>
+                <a:cs typeface="Arial" panose="020B0604020202090204"/>
+                <a:sym typeface="Arial" panose="020B0604020202090204"/>
               </a:defRPr>
             </a:lvl8pPr>
             <a:lvl9pPr marL="4114800" marR="0" lvl="8" indent="-355600" algn="l" rtl="0">
@@ -8346,16 +8340,16 @@
                 <a:schemeClr val="dk1"/>
               </a:buClr>
               <a:buSzPts val="2000"/>
-              <a:buFont typeface="Arial" panose="020B0604020202020204"/>
+              <a:buFont typeface="Arial" panose="020B0604020202090204"/>
               <a:buChar char="»"/>
               <a:defRPr sz="2000" b="0" i="0" u="none" strike="noStrike" cap="none">
                 <a:solidFill>
                   <a:schemeClr val="dk1"/>
                 </a:solidFill>
-                <a:latin typeface="Arial" panose="020B0604020202020204"/>
-                <a:ea typeface="Arial" panose="020B0604020202020204"/>
-                <a:cs typeface="Arial" panose="020B0604020202020204"/>
-                <a:sym typeface="Arial" panose="020B0604020202020204"/>
+                <a:latin typeface="Arial" panose="020B0604020202090204"/>
+                <a:ea typeface="Arial" panose="020B0604020202090204"/>
+                <a:cs typeface="Arial" panose="020B0604020202090204"/>
+                <a:sym typeface="Arial" panose="020B0604020202090204"/>
               </a:defRPr>
             </a:lvl9pPr>
           </a:lstStyle>
@@ -8426,10 +8420,10 @@
                 <a:solidFill>
                   <a:schemeClr val="dk2"/>
                 </a:solidFill>
-                <a:latin typeface="Arial" panose="020B0604020202020204"/>
-                <a:ea typeface="Arial" panose="020B0604020202020204"/>
-                <a:cs typeface="Arial" panose="020B0604020202020204"/>
-                <a:sym typeface="Arial" panose="020B0604020202020204"/>
+                <a:latin typeface="Arial" panose="020B0604020202090204"/>
+                <a:ea typeface="Arial" panose="020B0604020202090204"/>
+                <a:cs typeface="Arial" panose="020B0604020202090204"/>
+                <a:sym typeface="Arial" panose="020B0604020202090204"/>
               </a:defRPr>
             </a:lvl1pPr>
             <a:lvl2pPr marL="0" marR="0" lvl="1" indent="0" algn="ctr" rtl="0">
@@ -8445,10 +8439,10 @@
                 <a:solidFill>
                   <a:schemeClr val="dk2"/>
                 </a:solidFill>
-                <a:latin typeface="Arial" panose="020B0604020202020204"/>
-                <a:ea typeface="Arial" panose="020B0604020202020204"/>
-                <a:cs typeface="Arial" panose="020B0604020202020204"/>
-                <a:sym typeface="Arial" panose="020B0604020202020204"/>
+                <a:latin typeface="Arial" panose="020B0604020202090204"/>
+                <a:ea typeface="Arial" panose="020B0604020202090204"/>
+                <a:cs typeface="Arial" panose="020B0604020202090204"/>
+                <a:sym typeface="Arial" panose="020B0604020202090204"/>
               </a:defRPr>
             </a:lvl2pPr>
             <a:lvl3pPr marL="0" marR="0" lvl="2" indent="0" algn="ctr" rtl="0">
@@ -8464,10 +8458,10 @@
                 <a:solidFill>
                   <a:schemeClr val="dk2"/>
                 </a:solidFill>
-                <a:latin typeface="Arial" panose="020B0604020202020204"/>
-                <a:ea typeface="Arial" panose="020B0604020202020204"/>
-                <a:cs typeface="Arial" panose="020B0604020202020204"/>
-                <a:sym typeface="Arial" panose="020B0604020202020204"/>
+                <a:latin typeface="Arial" panose="020B0604020202090204"/>
+                <a:ea typeface="Arial" panose="020B0604020202090204"/>
+                <a:cs typeface="Arial" panose="020B0604020202090204"/>
+                <a:sym typeface="Arial" panose="020B0604020202090204"/>
               </a:defRPr>
             </a:lvl3pPr>
             <a:lvl4pPr marL="0" marR="0" lvl="3" indent="0" algn="ctr" rtl="0">
@@ -8483,10 +8477,10 @@
                 <a:solidFill>
                   <a:schemeClr val="dk2"/>
                 </a:solidFill>
-                <a:latin typeface="Arial" panose="020B0604020202020204"/>
-                <a:ea typeface="Arial" panose="020B0604020202020204"/>
-                <a:cs typeface="Arial" panose="020B0604020202020204"/>
-                <a:sym typeface="Arial" panose="020B0604020202020204"/>
+                <a:latin typeface="Arial" panose="020B0604020202090204"/>
+                <a:ea typeface="Arial" panose="020B0604020202090204"/>
+                <a:cs typeface="Arial" panose="020B0604020202090204"/>
+                <a:sym typeface="Arial" panose="020B0604020202090204"/>
               </a:defRPr>
             </a:lvl4pPr>
             <a:lvl5pPr marL="0" marR="0" lvl="4" indent="0" algn="ctr" rtl="0">
@@ -8502,10 +8496,10 @@
                 <a:solidFill>
                   <a:schemeClr val="dk2"/>
                 </a:solidFill>
-                <a:latin typeface="Arial" panose="020B0604020202020204"/>
-                <a:ea typeface="Arial" panose="020B0604020202020204"/>
-                <a:cs typeface="Arial" panose="020B0604020202020204"/>
-                <a:sym typeface="Arial" panose="020B0604020202020204"/>
+                <a:latin typeface="Arial" panose="020B0604020202090204"/>
+                <a:ea typeface="Arial" panose="020B0604020202090204"/>
+                <a:cs typeface="Arial" panose="020B0604020202090204"/>
+                <a:sym typeface="Arial" panose="020B0604020202090204"/>
               </a:defRPr>
             </a:lvl5pPr>
             <a:lvl6pPr marL="457200" marR="0" lvl="5" indent="0" algn="ctr" rtl="0">
@@ -8521,10 +8515,10 @@
                 <a:solidFill>
                   <a:schemeClr val="dk2"/>
                 </a:solidFill>
-                <a:latin typeface="Arial" panose="020B0604020202020204"/>
-                <a:ea typeface="Arial" panose="020B0604020202020204"/>
-                <a:cs typeface="Arial" panose="020B0604020202020204"/>
-                <a:sym typeface="Arial" panose="020B0604020202020204"/>
+                <a:latin typeface="Arial" panose="020B0604020202090204"/>
+                <a:ea typeface="Arial" panose="020B0604020202090204"/>
+                <a:cs typeface="Arial" panose="020B0604020202090204"/>
+                <a:sym typeface="Arial" panose="020B0604020202090204"/>
               </a:defRPr>
             </a:lvl6pPr>
             <a:lvl7pPr marL="914400" marR="0" lvl="6" indent="0" algn="ctr" rtl="0">
@@ -8540,10 +8534,10 @@
                 <a:solidFill>
                   <a:schemeClr val="dk2"/>
                 </a:solidFill>
-                <a:latin typeface="Arial" panose="020B0604020202020204"/>
-                <a:ea typeface="Arial" panose="020B0604020202020204"/>
-                <a:cs typeface="Arial" panose="020B0604020202020204"/>
-                <a:sym typeface="Arial" panose="020B0604020202020204"/>
+                <a:latin typeface="Arial" panose="020B0604020202090204"/>
+                <a:ea typeface="Arial" panose="020B0604020202090204"/>
+                <a:cs typeface="Arial" panose="020B0604020202090204"/>
+                <a:sym typeface="Arial" panose="020B0604020202090204"/>
               </a:defRPr>
             </a:lvl7pPr>
             <a:lvl8pPr marL="1371600" marR="0" lvl="7" indent="0" algn="ctr" rtl="0">
@@ -8559,10 +8553,10 @@
                 <a:solidFill>
                   <a:schemeClr val="dk2"/>
                 </a:solidFill>
-                <a:latin typeface="Arial" panose="020B0604020202020204"/>
-                <a:ea typeface="Arial" panose="020B0604020202020204"/>
-                <a:cs typeface="Arial" panose="020B0604020202020204"/>
-                <a:sym typeface="Arial" panose="020B0604020202020204"/>
+                <a:latin typeface="Arial" panose="020B0604020202090204"/>
+                <a:ea typeface="Arial" panose="020B0604020202090204"/>
+                <a:cs typeface="Arial" panose="020B0604020202090204"/>
+                <a:sym typeface="Arial" panose="020B0604020202090204"/>
               </a:defRPr>
             </a:lvl8pPr>
             <a:lvl9pPr marL="1828800" marR="0" lvl="8" indent="0" algn="ctr" rtl="0">
@@ -8578,10 +8572,10 @@
                 <a:solidFill>
                   <a:schemeClr val="dk2"/>
                 </a:solidFill>
-                <a:latin typeface="Arial" panose="020B0604020202020204"/>
-                <a:ea typeface="Arial" panose="020B0604020202020204"/>
-                <a:cs typeface="Arial" panose="020B0604020202020204"/>
-                <a:sym typeface="Arial" panose="020B0604020202020204"/>
+                <a:latin typeface="Arial" panose="020B0604020202090204"/>
+                <a:ea typeface="Arial" panose="020B0604020202090204"/>
+                <a:cs typeface="Arial" panose="020B0604020202090204"/>
+                <a:sym typeface="Arial" panose="020B0604020202090204"/>
               </a:defRPr>
             </a:lvl9pPr>
           </a:lstStyle>
@@ -8625,16 +8619,16 @@
                 <a:schemeClr val="dk1"/>
               </a:buClr>
               <a:buSzPts val="1400"/>
-              <a:buFont typeface="Arial" panose="020B0604020202020204"/>
+              <a:buFont typeface="Arial" panose="020B0604020202090204"/>
               <a:buNone/>
               <a:defRPr sz="3200" b="0" i="0" u="none" strike="noStrike" cap="none">
                 <a:solidFill>
                   <a:schemeClr val="dk1"/>
                 </a:solidFill>
-                <a:latin typeface="Arial" panose="020B0604020202020204"/>
-                <a:ea typeface="Arial" panose="020B0604020202020204"/>
-                <a:cs typeface="Arial" panose="020B0604020202020204"/>
-                <a:sym typeface="Arial" panose="020B0604020202020204"/>
+                <a:latin typeface="Arial" panose="020B0604020202090204"/>
+                <a:ea typeface="Arial" panose="020B0604020202090204"/>
+                <a:cs typeface="Arial" panose="020B0604020202090204"/>
+                <a:sym typeface="Arial" panose="020B0604020202090204"/>
               </a:defRPr>
             </a:lvl1pPr>
             <a:lvl2pPr marL="457200" marR="0" lvl="1" indent="0" algn="l" rtl="0">
@@ -8648,16 +8642,16 @@
                 <a:schemeClr val="dk1"/>
               </a:buClr>
               <a:buSzPts val="1400"/>
-              <a:buFont typeface="Arial" panose="020B0604020202020204"/>
+              <a:buFont typeface="Arial" panose="020B0604020202090204"/>
               <a:buNone/>
               <a:defRPr sz="2800" b="0" i="0" u="none" strike="noStrike" cap="none">
                 <a:solidFill>
                   <a:schemeClr val="dk1"/>
                 </a:solidFill>
-                <a:latin typeface="Arial" panose="020B0604020202020204"/>
-                <a:ea typeface="Arial" panose="020B0604020202020204"/>
-                <a:cs typeface="Arial" panose="020B0604020202020204"/>
-                <a:sym typeface="Arial" panose="020B0604020202020204"/>
+                <a:latin typeface="Arial" panose="020B0604020202090204"/>
+                <a:ea typeface="Arial" panose="020B0604020202090204"/>
+                <a:cs typeface="Arial" panose="020B0604020202090204"/>
+                <a:sym typeface="Arial" panose="020B0604020202090204"/>
               </a:defRPr>
             </a:lvl2pPr>
             <a:lvl3pPr marL="914400" marR="0" lvl="2" indent="0" algn="l" rtl="0">
@@ -8671,16 +8665,16 @@
                 <a:schemeClr val="dk1"/>
               </a:buClr>
               <a:buSzPts val="1400"/>
-              <a:buFont typeface="Arial" panose="020B0604020202020204"/>
+              <a:buFont typeface="Arial" panose="020B0604020202090204"/>
               <a:buNone/>
               <a:defRPr sz="2400" b="0" i="0" u="none" strike="noStrike" cap="none">
                 <a:solidFill>
                   <a:schemeClr val="dk1"/>
                 </a:solidFill>
-                <a:latin typeface="Arial" panose="020B0604020202020204"/>
-                <a:ea typeface="Arial" panose="020B0604020202020204"/>
-                <a:cs typeface="Arial" panose="020B0604020202020204"/>
-                <a:sym typeface="Arial" panose="020B0604020202020204"/>
+                <a:latin typeface="Arial" panose="020B0604020202090204"/>
+                <a:ea typeface="Arial" panose="020B0604020202090204"/>
+                <a:cs typeface="Arial" panose="020B0604020202090204"/>
+                <a:sym typeface="Arial" panose="020B0604020202090204"/>
               </a:defRPr>
             </a:lvl3pPr>
             <a:lvl4pPr marL="1371600" marR="0" lvl="3" indent="0" algn="l" rtl="0">
@@ -8694,16 +8688,16 @@
                 <a:schemeClr val="dk1"/>
               </a:buClr>
               <a:buSzPts val="1400"/>
-              <a:buFont typeface="Arial" panose="020B0604020202020204"/>
+              <a:buFont typeface="Arial" panose="020B0604020202090204"/>
               <a:buNone/>
               <a:defRPr sz="2000" b="0" i="0" u="none" strike="noStrike" cap="none">
                 <a:solidFill>
                   <a:schemeClr val="dk1"/>
                 </a:solidFill>
-                <a:latin typeface="Arial" panose="020B0604020202020204"/>
-                <a:ea typeface="Arial" panose="020B0604020202020204"/>
-                <a:cs typeface="Arial" panose="020B0604020202020204"/>
-                <a:sym typeface="Arial" panose="020B0604020202020204"/>
+                <a:latin typeface="Arial" panose="020B0604020202090204"/>
+                <a:ea typeface="Arial" panose="020B0604020202090204"/>
+                <a:cs typeface="Arial" panose="020B0604020202090204"/>
+                <a:sym typeface="Arial" panose="020B0604020202090204"/>
               </a:defRPr>
             </a:lvl4pPr>
             <a:lvl5pPr marL="1828800" marR="0" lvl="4" indent="0" algn="l" rtl="0">
@@ -8717,16 +8711,16 @@
                 <a:schemeClr val="dk1"/>
               </a:buClr>
               <a:buSzPts val="1400"/>
-              <a:buFont typeface="Arial" panose="020B0604020202020204"/>
+              <a:buFont typeface="Arial" panose="020B0604020202090204"/>
               <a:buNone/>
               <a:defRPr sz="2000" b="0" i="0" u="none" strike="noStrike" cap="none">
                 <a:solidFill>
                   <a:schemeClr val="dk1"/>
                 </a:solidFill>
-                <a:latin typeface="Arial" panose="020B0604020202020204"/>
-                <a:ea typeface="Arial" panose="020B0604020202020204"/>
-                <a:cs typeface="Arial" panose="020B0604020202020204"/>
-                <a:sym typeface="Arial" panose="020B0604020202020204"/>
+                <a:latin typeface="Arial" panose="020B0604020202090204"/>
+                <a:ea typeface="Arial" panose="020B0604020202090204"/>
+                <a:cs typeface="Arial" panose="020B0604020202090204"/>
+                <a:sym typeface="Arial" panose="020B0604020202090204"/>
               </a:defRPr>
             </a:lvl5pPr>
             <a:lvl6pPr marL="2286000" marR="0" lvl="5" indent="0" algn="l" rtl="0">
@@ -8740,16 +8734,16 @@
                 <a:schemeClr val="dk1"/>
               </a:buClr>
               <a:buSzPts val="1400"/>
-              <a:buFont typeface="Arial" panose="020B0604020202020204"/>
+              <a:buFont typeface="Arial" panose="020B0604020202090204"/>
               <a:buNone/>
               <a:defRPr sz="2000" b="0" i="0" u="none" strike="noStrike" cap="none">
                 <a:solidFill>
                   <a:schemeClr val="dk1"/>
                 </a:solidFill>
-                <a:latin typeface="Arial" panose="020B0604020202020204"/>
-                <a:ea typeface="Arial" panose="020B0604020202020204"/>
-                <a:cs typeface="Arial" panose="020B0604020202020204"/>
-                <a:sym typeface="Arial" panose="020B0604020202020204"/>
+                <a:latin typeface="Arial" panose="020B0604020202090204"/>
+                <a:ea typeface="Arial" panose="020B0604020202090204"/>
+                <a:cs typeface="Arial" panose="020B0604020202090204"/>
+                <a:sym typeface="Arial" panose="020B0604020202090204"/>
               </a:defRPr>
             </a:lvl6pPr>
             <a:lvl7pPr marL="2743200" marR="0" lvl="6" indent="0" algn="l" rtl="0">
@@ -8763,16 +8757,16 @@
                 <a:schemeClr val="dk1"/>
               </a:buClr>
               <a:buSzPts val="1400"/>
-              <a:buFont typeface="Arial" panose="020B0604020202020204"/>
+              <a:buFont typeface="Arial" panose="020B0604020202090204"/>
               <a:buNone/>
               <a:defRPr sz="2000" b="0" i="0" u="none" strike="noStrike" cap="none">
                 <a:solidFill>
                   <a:schemeClr val="dk1"/>
                 </a:solidFill>
-                <a:latin typeface="Arial" panose="020B0604020202020204"/>
-                <a:ea typeface="Arial" panose="020B0604020202020204"/>
-                <a:cs typeface="Arial" panose="020B0604020202020204"/>
-                <a:sym typeface="Arial" panose="020B0604020202020204"/>
+                <a:latin typeface="Arial" panose="020B0604020202090204"/>
+                <a:ea typeface="Arial" panose="020B0604020202090204"/>
+                <a:cs typeface="Arial" panose="020B0604020202090204"/>
+                <a:sym typeface="Arial" panose="020B0604020202090204"/>
               </a:defRPr>
             </a:lvl7pPr>
             <a:lvl8pPr marL="3200400" marR="0" lvl="7" indent="0" algn="l" rtl="0">
@@ -8786,16 +8780,16 @@
                 <a:schemeClr val="dk1"/>
               </a:buClr>
               <a:buSzPts val="1400"/>
-              <a:buFont typeface="Arial" panose="020B0604020202020204"/>
+              <a:buFont typeface="Arial" panose="020B0604020202090204"/>
               <a:buNone/>
               <a:defRPr sz="2000" b="0" i="0" u="none" strike="noStrike" cap="none">
                 <a:solidFill>
                   <a:schemeClr val="dk1"/>
                 </a:solidFill>
-                <a:latin typeface="Arial" panose="020B0604020202020204"/>
-                <a:ea typeface="Arial" panose="020B0604020202020204"/>
-                <a:cs typeface="Arial" panose="020B0604020202020204"/>
-                <a:sym typeface="Arial" panose="020B0604020202020204"/>
+                <a:latin typeface="Arial" panose="020B0604020202090204"/>
+                <a:ea typeface="Arial" panose="020B0604020202090204"/>
+                <a:cs typeface="Arial" panose="020B0604020202090204"/>
+                <a:sym typeface="Arial" panose="020B0604020202090204"/>
               </a:defRPr>
             </a:lvl8pPr>
             <a:lvl9pPr marL="3657600" marR="0" lvl="8" indent="0" algn="l" rtl="0">
@@ -8809,16 +8803,16 @@
                 <a:schemeClr val="dk1"/>
               </a:buClr>
               <a:buSzPts val="1400"/>
-              <a:buFont typeface="Arial" panose="020B0604020202020204"/>
+              <a:buFont typeface="Arial" panose="020B0604020202090204"/>
               <a:buNone/>
               <a:defRPr sz="2000" b="0" i="0" u="none" strike="noStrike" cap="none">
                 <a:solidFill>
                   <a:schemeClr val="dk1"/>
                 </a:solidFill>
-                <a:latin typeface="Arial" panose="020B0604020202020204"/>
-                <a:ea typeface="Arial" panose="020B0604020202020204"/>
-                <a:cs typeface="Arial" panose="020B0604020202020204"/>
-                <a:sym typeface="Arial" panose="020B0604020202020204"/>
+                <a:latin typeface="Arial" panose="020B0604020202090204"/>
+                <a:ea typeface="Arial" panose="020B0604020202090204"/>
+                <a:cs typeface="Arial" panose="020B0604020202090204"/>
+                <a:sym typeface="Arial" panose="020B0604020202090204"/>
               </a:defRPr>
             </a:lvl9pPr>
           </a:lstStyle>
@@ -8862,16 +8856,16 @@
                 <a:schemeClr val="dk1"/>
               </a:buClr>
               <a:buSzPts val="1400"/>
-              <a:buFont typeface="Arial" panose="020B0604020202020204"/>
+              <a:buFont typeface="Arial" panose="020B0604020202090204"/>
               <a:buNone/>
               <a:defRPr sz="1400" b="0" i="0" u="none" strike="noStrike" cap="none">
                 <a:solidFill>
                   <a:schemeClr val="dk1"/>
                 </a:solidFill>
-                <a:latin typeface="Arial" panose="020B0604020202020204"/>
-                <a:ea typeface="Arial" panose="020B0604020202020204"/>
-                <a:cs typeface="Arial" panose="020B0604020202020204"/>
-                <a:sym typeface="Arial" panose="020B0604020202020204"/>
+                <a:latin typeface="Arial" panose="020B0604020202090204"/>
+                <a:ea typeface="Arial" panose="020B0604020202090204"/>
+                <a:cs typeface="Arial" panose="020B0604020202090204"/>
+                <a:sym typeface="Arial" panose="020B0604020202090204"/>
               </a:defRPr>
             </a:lvl1pPr>
             <a:lvl2pPr marL="914400" marR="0" lvl="1" indent="-228600" algn="l" rtl="0">
@@ -8885,16 +8879,16 @@
                 <a:schemeClr val="dk1"/>
               </a:buClr>
               <a:buSzPts val="1400"/>
-              <a:buFont typeface="Arial" panose="020B0604020202020204"/>
+              <a:buFont typeface="Arial" panose="020B0604020202090204"/>
               <a:buNone/>
               <a:defRPr sz="1200" b="0" i="0" u="none" strike="noStrike" cap="none">
                 <a:solidFill>
                   <a:schemeClr val="dk1"/>
                 </a:solidFill>
-                <a:latin typeface="Arial" panose="020B0604020202020204"/>
-                <a:ea typeface="Arial" panose="020B0604020202020204"/>
-                <a:cs typeface="Arial" panose="020B0604020202020204"/>
-                <a:sym typeface="Arial" panose="020B0604020202020204"/>
+                <a:latin typeface="Arial" panose="020B0604020202090204"/>
+                <a:ea typeface="Arial" panose="020B0604020202090204"/>
+                <a:cs typeface="Arial" panose="020B0604020202090204"/>
+                <a:sym typeface="Arial" panose="020B0604020202090204"/>
               </a:defRPr>
             </a:lvl2pPr>
             <a:lvl3pPr marL="1371600" marR="0" lvl="2" indent="-228600" algn="l" rtl="0">
@@ -8908,16 +8902,16 @@
                 <a:schemeClr val="dk1"/>
               </a:buClr>
               <a:buSzPts val="1400"/>
-              <a:buFont typeface="Arial" panose="020B0604020202020204"/>
+              <a:buFont typeface="Arial" panose="020B0604020202090204"/>
               <a:buNone/>
               <a:defRPr sz="1000" b="0" i="0" u="none" strike="noStrike" cap="none">
                 <a:solidFill>
                   <a:schemeClr val="dk1"/>
                 </a:solidFill>
-                <a:latin typeface="Arial" panose="020B0604020202020204"/>
-                <a:ea typeface="Arial" panose="020B0604020202020204"/>
-                <a:cs typeface="Arial" panose="020B0604020202020204"/>
-                <a:sym typeface="Arial" panose="020B0604020202020204"/>
+                <a:latin typeface="Arial" panose="020B0604020202090204"/>
+                <a:ea typeface="Arial" panose="020B0604020202090204"/>
+                <a:cs typeface="Arial" panose="020B0604020202090204"/>
+                <a:sym typeface="Arial" panose="020B0604020202090204"/>
               </a:defRPr>
             </a:lvl3pPr>
             <a:lvl4pPr marL="1828800" marR="0" lvl="3" indent="-228600" algn="l" rtl="0">
@@ -8931,16 +8925,16 @@
                 <a:schemeClr val="dk1"/>
               </a:buClr>
               <a:buSzPts val="1400"/>
-              <a:buFont typeface="Arial" panose="020B0604020202020204"/>
+              <a:buFont typeface="Arial" panose="020B0604020202090204"/>
               <a:buNone/>
               <a:defRPr sz="900" b="0" i="0" u="none" strike="noStrike" cap="none">
                 <a:solidFill>
                   <a:schemeClr val="dk1"/>
                 </a:solidFill>
-                <a:latin typeface="Arial" panose="020B0604020202020204"/>
-                <a:ea typeface="Arial" panose="020B0604020202020204"/>
-                <a:cs typeface="Arial" panose="020B0604020202020204"/>
-                <a:sym typeface="Arial" panose="020B0604020202020204"/>
+                <a:latin typeface="Arial" panose="020B0604020202090204"/>
+                <a:ea typeface="Arial" panose="020B0604020202090204"/>
+                <a:cs typeface="Arial" panose="020B0604020202090204"/>
+                <a:sym typeface="Arial" panose="020B0604020202090204"/>
               </a:defRPr>
             </a:lvl4pPr>
             <a:lvl5pPr marL="2286000" marR="0" lvl="4" indent="-228600" algn="l" rtl="0">
@@ -8954,16 +8948,16 @@
                 <a:schemeClr val="dk1"/>
               </a:buClr>
               <a:buSzPts val="1400"/>
-              <a:buFont typeface="Arial" panose="020B0604020202020204"/>
+              <a:buFont typeface="Arial" panose="020B0604020202090204"/>
               <a:buNone/>
               <a:defRPr sz="900" b="0" i="0" u="none" strike="noStrike" cap="none">
                 <a:solidFill>
                   <a:schemeClr val="dk1"/>
                 </a:solidFill>
-                <a:latin typeface="Arial" panose="020B0604020202020204"/>
-                <a:ea typeface="Arial" panose="020B0604020202020204"/>
-                <a:cs typeface="Arial" panose="020B0604020202020204"/>
-                <a:sym typeface="Arial" panose="020B0604020202020204"/>
+                <a:latin typeface="Arial" panose="020B0604020202090204"/>
+                <a:ea typeface="Arial" panose="020B0604020202090204"/>
+                <a:cs typeface="Arial" panose="020B0604020202090204"/>
+                <a:sym typeface="Arial" panose="020B0604020202090204"/>
               </a:defRPr>
             </a:lvl5pPr>
             <a:lvl6pPr marL="2743200" marR="0" lvl="5" indent="-228600" algn="l" rtl="0">
@@ -8977,16 +8971,16 @@
                 <a:schemeClr val="dk1"/>
               </a:buClr>
               <a:buSzPts val="1400"/>
-              <a:buFont typeface="Arial" panose="020B0604020202020204"/>
+              <a:buFont typeface="Arial" panose="020B0604020202090204"/>
               <a:buNone/>
               <a:defRPr sz="900" b="0" i="0" u="none" strike="noStrike" cap="none">
                 <a:solidFill>
                   <a:schemeClr val="dk1"/>
                 </a:solidFill>
-                <a:latin typeface="Arial" panose="020B0604020202020204"/>
-                <a:ea typeface="Arial" panose="020B0604020202020204"/>
-                <a:cs typeface="Arial" panose="020B0604020202020204"/>
-                <a:sym typeface="Arial" panose="020B0604020202020204"/>
+                <a:latin typeface="Arial" panose="020B0604020202090204"/>
+                <a:ea typeface="Arial" panose="020B0604020202090204"/>
+                <a:cs typeface="Arial" panose="020B0604020202090204"/>
+                <a:sym typeface="Arial" panose="020B0604020202090204"/>
               </a:defRPr>
             </a:lvl6pPr>
             <a:lvl7pPr marL="3200400" marR="0" lvl="6" indent="-228600" algn="l" rtl="0">
@@ -9000,16 +8994,16 @@
                 <a:schemeClr val="dk1"/>
               </a:buClr>
               <a:buSzPts val="1400"/>
-              <a:buFont typeface="Arial" panose="020B0604020202020204"/>
+              <a:buFont typeface="Arial" panose="020B0604020202090204"/>
               <a:buNone/>
               <a:defRPr sz="900" b="0" i="0" u="none" strike="noStrike" cap="none">
                 <a:solidFill>
                   <a:schemeClr val="dk1"/>
                 </a:solidFill>
-                <a:latin typeface="Arial" panose="020B0604020202020204"/>
-                <a:ea typeface="Arial" panose="020B0604020202020204"/>
-                <a:cs typeface="Arial" panose="020B0604020202020204"/>
-                <a:sym typeface="Arial" panose="020B0604020202020204"/>
+                <a:latin typeface="Arial" panose="020B0604020202090204"/>
+                <a:ea typeface="Arial" panose="020B0604020202090204"/>
+                <a:cs typeface="Arial" panose="020B0604020202090204"/>
+                <a:sym typeface="Arial" panose="020B0604020202090204"/>
               </a:defRPr>
             </a:lvl7pPr>
             <a:lvl8pPr marL="3657600" marR="0" lvl="7" indent="-228600" algn="l" rtl="0">
@@ -9023,16 +9017,16 @@
                 <a:schemeClr val="dk1"/>
               </a:buClr>
               <a:buSzPts val="1400"/>
-              <a:buFont typeface="Arial" panose="020B0604020202020204"/>
+              <a:buFont typeface="Arial" panose="020B0604020202090204"/>
               <a:buNone/>
               <a:defRPr sz="900" b="0" i="0" u="none" strike="noStrike" cap="none">
                 <a:solidFill>
                   <a:schemeClr val="dk1"/>
                 </a:solidFill>
-                <a:latin typeface="Arial" panose="020B0604020202020204"/>
-                <a:ea typeface="Arial" panose="020B0604020202020204"/>
-                <a:cs typeface="Arial" panose="020B0604020202020204"/>
-                <a:sym typeface="Arial" panose="020B0604020202020204"/>
+                <a:latin typeface="Arial" panose="020B0604020202090204"/>
+                <a:ea typeface="Arial" panose="020B0604020202090204"/>
+                <a:cs typeface="Arial" panose="020B0604020202090204"/>
+                <a:sym typeface="Arial" panose="020B0604020202090204"/>
               </a:defRPr>
             </a:lvl8pPr>
             <a:lvl9pPr marL="4114800" marR="0" lvl="8" indent="-228600" algn="l" rtl="0">
@@ -9046,16 +9040,16 @@
                 <a:schemeClr val="dk1"/>
               </a:buClr>
               <a:buSzPts val="1400"/>
-              <a:buFont typeface="Arial" panose="020B0604020202020204"/>
+              <a:buFont typeface="Arial" panose="020B0604020202090204"/>
               <a:buNone/>
               <a:defRPr sz="900" b="0" i="0" u="none" strike="noStrike" cap="none">
                 <a:solidFill>
                   <a:schemeClr val="dk1"/>
                 </a:solidFill>
-                <a:latin typeface="Arial" panose="020B0604020202020204"/>
-                <a:ea typeface="Arial" panose="020B0604020202020204"/>
-                <a:cs typeface="Arial" panose="020B0604020202020204"/>
-                <a:sym typeface="Arial" panose="020B0604020202020204"/>
+                <a:latin typeface="Arial" panose="020B0604020202090204"/>
+                <a:ea typeface="Arial" panose="020B0604020202090204"/>
+                <a:cs typeface="Arial" panose="020B0604020202090204"/>
+                <a:sym typeface="Arial" panose="020B0604020202090204"/>
               </a:defRPr>
             </a:lvl9pPr>
           </a:lstStyle>
@@ -9126,10 +9120,10 @@
                 <a:solidFill>
                   <a:schemeClr val="dk2"/>
                 </a:solidFill>
-                <a:latin typeface="Arial" panose="020B0604020202020204"/>
-                <a:ea typeface="Arial" panose="020B0604020202020204"/>
-                <a:cs typeface="Arial" panose="020B0604020202020204"/>
-                <a:sym typeface="Arial" panose="020B0604020202020204"/>
+                <a:latin typeface="Arial" panose="020B0604020202090204"/>
+                <a:ea typeface="Arial" panose="020B0604020202090204"/>
+                <a:cs typeface="Arial" panose="020B0604020202090204"/>
+                <a:sym typeface="Arial" panose="020B0604020202090204"/>
               </a:defRPr>
             </a:lvl1pPr>
             <a:lvl2pPr marL="0" marR="0" lvl="1" indent="0" algn="ctr" rtl="0">
@@ -9145,10 +9139,10 @@
                 <a:solidFill>
                   <a:schemeClr val="dk2"/>
                 </a:solidFill>
-                <a:latin typeface="Arial" panose="020B0604020202020204"/>
-                <a:ea typeface="Arial" panose="020B0604020202020204"/>
-                <a:cs typeface="Arial" panose="020B0604020202020204"/>
-                <a:sym typeface="Arial" panose="020B0604020202020204"/>
+                <a:latin typeface="Arial" panose="020B0604020202090204"/>
+                <a:ea typeface="Arial" panose="020B0604020202090204"/>
+                <a:cs typeface="Arial" panose="020B0604020202090204"/>
+                <a:sym typeface="Arial" panose="020B0604020202090204"/>
               </a:defRPr>
             </a:lvl2pPr>
             <a:lvl3pPr marL="0" marR="0" lvl="2" indent="0" algn="ctr" rtl="0">
@@ -9164,10 +9158,10 @@
                 <a:solidFill>
                   <a:schemeClr val="dk2"/>
                 </a:solidFill>
-                <a:latin typeface="Arial" panose="020B0604020202020204"/>
-                <a:ea typeface="Arial" panose="020B0604020202020204"/>
-                <a:cs typeface="Arial" panose="020B0604020202020204"/>
-                <a:sym typeface="Arial" panose="020B0604020202020204"/>
+                <a:latin typeface="Arial" panose="020B0604020202090204"/>
+                <a:ea typeface="Arial" panose="020B0604020202090204"/>
+                <a:cs typeface="Arial" panose="020B0604020202090204"/>
+                <a:sym typeface="Arial" panose="020B0604020202090204"/>
               </a:defRPr>
             </a:lvl3pPr>
             <a:lvl4pPr marL="0" marR="0" lvl="3" indent="0" algn="ctr" rtl="0">
@@ -9183,10 +9177,10 @@
                 <a:solidFill>
                   <a:schemeClr val="dk2"/>
                 </a:solidFill>
-                <a:latin typeface="Arial" panose="020B0604020202020204"/>
-                <a:ea typeface="Arial" panose="020B0604020202020204"/>
-                <a:cs typeface="Arial" panose="020B0604020202020204"/>
-                <a:sym typeface="Arial" panose="020B0604020202020204"/>
+                <a:latin typeface="Arial" panose="020B0604020202090204"/>
+                <a:ea typeface="Arial" panose="020B0604020202090204"/>
+                <a:cs typeface="Arial" panose="020B0604020202090204"/>
+                <a:sym typeface="Arial" panose="020B0604020202090204"/>
               </a:defRPr>
             </a:lvl4pPr>
             <a:lvl5pPr marL="0" marR="0" lvl="4" indent="0" algn="ctr" rtl="0">
@@ -9202,10 +9196,10 @@
                 <a:solidFill>
                   <a:schemeClr val="dk2"/>
                 </a:solidFill>
-                <a:latin typeface="Arial" panose="020B0604020202020204"/>
-                <a:ea typeface="Arial" panose="020B0604020202020204"/>
-                <a:cs typeface="Arial" panose="020B0604020202020204"/>
-                <a:sym typeface="Arial" panose="020B0604020202020204"/>
+                <a:latin typeface="Arial" panose="020B0604020202090204"/>
+                <a:ea typeface="Arial" panose="020B0604020202090204"/>
+                <a:cs typeface="Arial" panose="020B0604020202090204"/>
+                <a:sym typeface="Arial" panose="020B0604020202090204"/>
               </a:defRPr>
             </a:lvl5pPr>
             <a:lvl6pPr marL="457200" marR="0" lvl="5" indent="0" algn="ctr" rtl="0">
@@ -9221,10 +9215,10 @@
                 <a:solidFill>
                   <a:schemeClr val="dk2"/>
                 </a:solidFill>
-                <a:latin typeface="Arial" panose="020B0604020202020204"/>
-                <a:ea typeface="Arial" panose="020B0604020202020204"/>
-                <a:cs typeface="Arial" panose="020B0604020202020204"/>
-                <a:sym typeface="Arial" panose="020B0604020202020204"/>
+                <a:latin typeface="Arial" panose="020B0604020202090204"/>
+                <a:ea typeface="Arial" panose="020B0604020202090204"/>
+                <a:cs typeface="Arial" panose="020B0604020202090204"/>
+                <a:sym typeface="Arial" panose="020B0604020202090204"/>
               </a:defRPr>
             </a:lvl6pPr>
             <a:lvl7pPr marL="914400" marR="0" lvl="6" indent="0" algn="ctr" rtl="0">
@@ -9240,10 +9234,10 @@
                 <a:solidFill>
                   <a:schemeClr val="dk2"/>
                 </a:solidFill>
-                <a:latin typeface="Arial" panose="020B0604020202020204"/>
-                <a:ea typeface="Arial" panose="020B0604020202020204"/>
-                <a:cs typeface="Arial" panose="020B0604020202020204"/>
-                <a:sym typeface="Arial" panose="020B0604020202020204"/>
+                <a:latin typeface="Arial" panose="020B0604020202090204"/>
+                <a:ea typeface="Arial" panose="020B0604020202090204"/>
+                <a:cs typeface="Arial" panose="020B0604020202090204"/>
+                <a:sym typeface="Arial" panose="020B0604020202090204"/>
               </a:defRPr>
             </a:lvl7pPr>
             <a:lvl8pPr marL="1371600" marR="0" lvl="7" indent="0" algn="ctr" rtl="0">
@@ -9259,10 +9253,10 @@
                 <a:solidFill>
                   <a:schemeClr val="dk2"/>
                 </a:solidFill>
-                <a:latin typeface="Arial" panose="020B0604020202020204"/>
-                <a:ea typeface="Arial" panose="020B0604020202020204"/>
-                <a:cs typeface="Arial" panose="020B0604020202020204"/>
-                <a:sym typeface="Arial" panose="020B0604020202020204"/>
+                <a:latin typeface="Arial" panose="020B0604020202090204"/>
+                <a:ea typeface="Arial" panose="020B0604020202090204"/>
+                <a:cs typeface="Arial" panose="020B0604020202090204"/>
+                <a:sym typeface="Arial" panose="020B0604020202090204"/>
               </a:defRPr>
             </a:lvl8pPr>
             <a:lvl9pPr marL="1828800" marR="0" lvl="8" indent="0" algn="ctr" rtl="0">
@@ -9278,10 +9272,10 @@
                 <a:solidFill>
                   <a:schemeClr val="dk2"/>
                 </a:solidFill>
-                <a:latin typeface="Arial" panose="020B0604020202020204"/>
-                <a:ea typeface="Arial" panose="020B0604020202020204"/>
-                <a:cs typeface="Arial" panose="020B0604020202020204"/>
-                <a:sym typeface="Arial" panose="020B0604020202020204"/>
+                <a:latin typeface="Arial" panose="020B0604020202090204"/>
+                <a:ea typeface="Arial" panose="020B0604020202090204"/>
+                <a:cs typeface="Arial" panose="020B0604020202090204"/>
+                <a:sym typeface="Arial" panose="020B0604020202090204"/>
               </a:defRPr>
             </a:lvl9pPr>
           </a:lstStyle>
@@ -9325,16 +9319,16 @@
                 <a:schemeClr val="dk1"/>
               </a:buClr>
               <a:buSzPts val="3200"/>
-              <a:buFont typeface="Arial" panose="020B0604020202020204"/>
+              <a:buFont typeface="Arial" panose="020B0604020202090204"/>
               <a:buChar char="•"/>
               <a:defRPr sz="3200" b="0" i="0" u="none" strike="noStrike" cap="none">
                 <a:solidFill>
                   <a:schemeClr val="dk1"/>
                 </a:solidFill>
-                <a:latin typeface="Arial" panose="020B0604020202020204"/>
-                <a:ea typeface="Arial" panose="020B0604020202020204"/>
-                <a:cs typeface="Arial" panose="020B0604020202020204"/>
-                <a:sym typeface="Arial" panose="020B0604020202020204"/>
+                <a:latin typeface="Arial" panose="020B0604020202090204"/>
+                <a:ea typeface="Arial" panose="020B0604020202090204"/>
+                <a:cs typeface="Arial" panose="020B0604020202090204"/>
+                <a:sym typeface="Arial" panose="020B0604020202090204"/>
               </a:defRPr>
             </a:lvl1pPr>
             <a:lvl2pPr marL="914400" marR="0" lvl="1" indent="-406400" algn="l" rtl="0">
@@ -9348,16 +9342,16 @@
                 <a:schemeClr val="dk1"/>
               </a:buClr>
               <a:buSzPts val="2800"/>
-              <a:buFont typeface="Arial" panose="020B0604020202020204"/>
+              <a:buFont typeface="Arial" panose="020B0604020202090204"/>
               <a:buChar char="–"/>
               <a:defRPr sz="2800" b="0" i="0" u="none" strike="noStrike" cap="none">
                 <a:solidFill>
                   <a:schemeClr val="dk1"/>
                 </a:solidFill>
-                <a:latin typeface="Arial" panose="020B0604020202020204"/>
-                <a:ea typeface="Arial" panose="020B0604020202020204"/>
-                <a:cs typeface="Arial" panose="020B0604020202020204"/>
-                <a:sym typeface="Arial" panose="020B0604020202020204"/>
+                <a:latin typeface="Arial" panose="020B0604020202090204"/>
+                <a:ea typeface="Arial" panose="020B0604020202090204"/>
+                <a:cs typeface="Arial" panose="020B0604020202090204"/>
+                <a:sym typeface="Arial" panose="020B0604020202090204"/>
               </a:defRPr>
             </a:lvl2pPr>
             <a:lvl3pPr marL="1371600" marR="0" lvl="2" indent="-381000" algn="l" rtl="0">
@@ -9371,16 +9365,16 @@
                 <a:schemeClr val="dk1"/>
               </a:buClr>
               <a:buSzPts val="2400"/>
-              <a:buFont typeface="Arial" panose="020B0604020202020204"/>
+              <a:buFont typeface="Arial" panose="020B0604020202090204"/>
               <a:buChar char="•"/>
               <a:defRPr sz="2400" b="0" i="0" u="none" strike="noStrike" cap="none">
                 <a:solidFill>
                   <a:schemeClr val="dk1"/>
                 </a:solidFill>
-                <a:latin typeface="Arial" panose="020B0604020202020204"/>
-                <a:ea typeface="Arial" panose="020B0604020202020204"/>
-                <a:cs typeface="Arial" panose="020B0604020202020204"/>
-                <a:sym typeface="Arial" panose="020B0604020202020204"/>
+                <a:latin typeface="Arial" panose="020B0604020202090204"/>
+                <a:ea typeface="Arial" panose="020B0604020202090204"/>
+                <a:cs typeface="Arial" panose="020B0604020202090204"/>
+                <a:sym typeface="Arial" panose="020B0604020202090204"/>
               </a:defRPr>
             </a:lvl3pPr>
             <a:lvl4pPr marL="1828800" marR="0" lvl="3" indent="-355600" algn="l" rtl="0">
@@ -9394,16 +9388,16 @@
                 <a:schemeClr val="dk1"/>
               </a:buClr>
               <a:buSzPts val="2000"/>
-              <a:buFont typeface="Arial" panose="020B0604020202020204"/>
+              <a:buFont typeface="Arial" panose="020B0604020202090204"/>
               <a:buChar char="–"/>
               <a:defRPr sz="2000" b="0" i="0" u="none" strike="noStrike" cap="none">
                 <a:solidFill>
                   <a:schemeClr val="dk1"/>
                 </a:solidFill>
-                <a:latin typeface="Arial" panose="020B0604020202020204"/>
-                <a:ea typeface="Arial" panose="020B0604020202020204"/>
-                <a:cs typeface="Arial" panose="020B0604020202020204"/>
-                <a:sym typeface="Arial" panose="020B0604020202020204"/>
+                <a:latin typeface="Arial" panose="020B0604020202090204"/>
+                <a:ea typeface="Arial" panose="020B0604020202090204"/>
+                <a:cs typeface="Arial" panose="020B0604020202090204"/>
+                <a:sym typeface="Arial" panose="020B0604020202090204"/>
               </a:defRPr>
             </a:lvl4pPr>
             <a:lvl5pPr marL="2286000" marR="0" lvl="4" indent="-355600" algn="l" rtl="0">
@@ -9417,16 +9411,16 @@
                 <a:schemeClr val="dk1"/>
               </a:buClr>
               <a:buSzPts val="2000"/>
-              <a:buFont typeface="Arial" panose="020B0604020202020204"/>
+              <a:buFont typeface="Arial" panose="020B0604020202090204"/>
               <a:buChar char="»"/>
               <a:defRPr sz="2000" b="0" i="0" u="none" strike="noStrike" cap="none">
                 <a:solidFill>
                   <a:schemeClr val="dk1"/>
                 </a:solidFill>
-                <a:latin typeface="Arial" panose="020B0604020202020204"/>
-                <a:ea typeface="Arial" panose="020B0604020202020204"/>
-                <a:cs typeface="Arial" panose="020B0604020202020204"/>
-                <a:sym typeface="Arial" panose="020B0604020202020204"/>
+                <a:latin typeface="Arial" panose="020B0604020202090204"/>
+                <a:ea typeface="Arial" panose="020B0604020202090204"/>
+                <a:cs typeface="Arial" panose="020B0604020202090204"/>
+                <a:sym typeface="Arial" panose="020B0604020202090204"/>
               </a:defRPr>
             </a:lvl5pPr>
             <a:lvl6pPr marL="2743200" marR="0" lvl="5" indent="-355600" algn="l" rtl="0">
@@ -9440,16 +9434,16 @@
                 <a:schemeClr val="dk1"/>
               </a:buClr>
               <a:buSzPts val="2000"/>
-              <a:buFont typeface="Arial" panose="020B0604020202020204"/>
+              <a:buFont typeface="Arial" panose="020B0604020202090204"/>
               <a:buChar char="»"/>
               <a:defRPr sz="2000" b="0" i="0" u="none" strike="noStrike" cap="none">
                 <a:solidFill>
                   <a:schemeClr val="dk1"/>
                 </a:solidFill>
-                <a:latin typeface="Arial" panose="020B0604020202020204"/>
-                <a:ea typeface="Arial" panose="020B0604020202020204"/>
-                <a:cs typeface="Arial" panose="020B0604020202020204"/>
-                <a:sym typeface="Arial" panose="020B0604020202020204"/>
+                <a:latin typeface="Arial" panose="020B0604020202090204"/>
+                <a:ea typeface="Arial" panose="020B0604020202090204"/>
+                <a:cs typeface="Arial" panose="020B0604020202090204"/>
+                <a:sym typeface="Arial" panose="020B0604020202090204"/>
               </a:defRPr>
             </a:lvl6pPr>
             <a:lvl7pPr marL="3200400" marR="0" lvl="6" indent="-355600" algn="l" rtl="0">
@@ -9463,16 +9457,16 @@
                 <a:schemeClr val="dk1"/>
               </a:buClr>
               <a:buSzPts val="2000"/>
-              <a:buFont typeface="Arial" panose="020B0604020202020204"/>
+              <a:buFont typeface="Arial" panose="020B0604020202090204"/>
               <a:buChar char="»"/>
               <a:defRPr sz="2000" b="0" i="0" u="none" strike="noStrike" cap="none">
                 <a:solidFill>
                   <a:schemeClr val="dk1"/>
                 </a:solidFill>
-                <a:latin typeface="Arial" panose="020B0604020202020204"/>
-                <a:ea typeface="Arial" panose="020B0604020202020204"/>
-                <a:cs typeface="Arial" panose="020B0604020202020204"/>
-                <a:sym typeface="Arial" panose="020B0604020202020204"/>
+                <a:latin typeface="Arial" panose="020B0604020202090204"/>
+                <a:ea typeface="Arial" panose="020B0604020202090204"/>
+                <a:cs typeface="Arial" panose="020B0604020202090204"/>
+                <a:sym typeface="Arial" panose="020B0604020202090204"/>
               </a:defRPr>
             </a:lvl7pPr>
             <a:lvl8pPr marL="3657600" marR="0" lvl="7" indent="-355600" algn="l" rtl="0">
@@ -9486,16 +9480,16 @@
                 <a:schemeClr val="dk1"/>
               </a:buClr>
               <a:buSzPts val="2000"/>
-              <a:buFont typeface="Arial" panose="020B0604020202020204"/>
+              <a:buFont typeface="Arial" panose="020B0604020202090204"/>
               <a:buChar char="»"/>
               <a:defRPr sz="2000" b="0" i="0" u="none" strike="noStrike" cap="none">
                 <a:solidFill>
                   <a:schemeClr val="dk1"/>
                 </a:solidFill>
-                <a:latin typeface="Arial" panose="020B0604020202020204"/>
-                <a:ea typeface="Arial" panose="020B0604020202020204"/>
-                <a:cs typeface="Arial" panose="020B0604020202020204"/>
-                <a:sym typeface="Arial" panose="020B0604020202020204"/>
+                <a:latin typeface="Arial" panose="020B0604020202090204"/>
+                <a:ea typeface="Arial" panose="020B0604020202090204"/>
+                <a:cs typeface="Arial" panose="020B0604020202090204"/>
+                <a:sym typeface="Arial" panose="020B0604020202090204"/>
               </a:defRPr>
             </a:lvl8pPr>
             <a:lvl9pPr marL="4114800" marR="0" lvl="8" indent="-355600" algn="l" rtl="0">
@@ -9509,16 +9503,16 @@
                 <a:schemeClr val="dk1"/>
               </a:buClr>
               <a:buSzPts val="2000"/>
-              <a:buFont typeface="Arial" panose="020B0604020202020204"/>
+              <a:buFont typeface="Arial" panose="020B0604020202090204"/>
               <a:buChar char="»"/>
               <a:defRPr sz="2000" b="0" i="0" u="none" strike="noStrike" cap="none">
                 <a:solidFill>
                   <a:schemeClr val="dk1"/>
                 </a:solidFill>
-                <a:latin typeface="Arial" panose="020B0604020202020204"/>
-                <a:ea typeface="Arial" panose="020B0604020202020204"/>
-                <a:cs typeface="Arial" panose="020B0604020202020204"/>
-                <a:sym typeface="Arial" panose="020B0604020202020204"/>
+                <a:latin typeface="Arial" panose="020B0604020202090204"/>
+                <a:ea typeface="Arial" panose="020B0604020202090204"/>
+                <a:cs typeface="Arial" panose="020B0604020202090204"/>
+                <a:sym typeface="Arial" panose="020B0604020202090204"/>
               </a:defRPr>
             </a:lvl9pPr>
           </a:lstStyle>
@@ -9562,16 +9556,16 @@
                 <a:schemeClr val="dk1"/>
               </a:buClr>
               <a:buSzPts val="1400"/>
-              <a:buFont typeface="Arial" panose="020B0604020202020204"/>
+              <a:buFont typeface="Arial" panose="020B0604020202090204"/>
               <a:buNone/>
               <a:defRPr sz="1400" b="0" i="0" u="none" strike="noStrike" cap="none">
                 <a:solidFill>
                   <a:schemeClr val="dk1"/>
                 </a:solidFill>
-                <a:latin typeface="Arial" panose="020B0604020202020204"/>
-                <a:ea typeface="Arial" panose="020B0604020202020204"/>
-                <a:cs typeface="Arial" panose="020B0604020202020204"/>
-                <a:sym typeface="Arial" panose="020B0604020202020204"/>
+                <a:latin typeface="Arial" panose="020B0604020202090204"/>
+                <a:ea typeface="Arial" panose="020B0604020202090204"/>
+                <a:cs typeface="Arial" panose="020B0604020202090204"/>
+                <a:sym typeface="Arial" panose="020B0604020202090204"/>
               </a:defRPr>
             </a:lvl1pPr>
             <a:lvl2pPr marL="914400" marR="0" lvl="1" indent="-228600" algn="l" rtl="0">
@@ -9585,16 +9579,16 @@
                 <a:schemeClr val="dk1"/>
               </a:buClr>
               <a:buSzPts val="1400"/>
-              <a:buFont typeface="Arial" panose="020B0604020202020204"/>
+              <a:buFont typeface="Arial" panose="020B0604020202090204"/>
               <a:buNone/>
               <a:defRPr sz="1200" b="0" i="0" u="none" strike="noStrike" cap="none">
                 <a:solidFill>
                   <a:schemeClr val="dk1"/>
                 </a:solidFill>
-                <a:latin typeface="Arial" panose="020B0604020202020204"/>
-                <a:ea typeface="Arial" panose="020B0604020202020204"/>
-                <a:cs typeface="Arial" panose="020B0604020202020204"/>
-                <a:sym typeface="Arial" panose="020B0604020202020204"/>
+                <a:latin typeface="Arial" panose="020B0604020202090204"/>
+                <a:ea typeface="Arial" panose="020B0604020202090204"/>
+                <a:cs typeface="Arial" panose="020B0604020202090204"/>
+                <a:sym typeface="Arial" panose="020B0604020202090204"/>
               </a:defRPr>
             </a:lvl2pPr>
             <a:lvl3pPr marL="1371600" marR="0" lvl="2" indent="-228600" algn="l" rtl="0">
@@ -9608,16 +9602,16 @@
                 <a:schemeClr val="dk1"/>
               </a:buClr>
               <a:buSzPts val="1400"/>
-              <a:buFont typeface="Arial" panose="020B0604020202020204"/>
+              <a:buFont typeface="Arial" panose="020B0604020202090204"/>
               <a:buNone/>
               <a:defRPr sz="1000" b="0" i="0" u="none" strike="noStrike" cap="none">
                 <a:solidFill>
                   <a:schemeClr val="dk1"/>
                 </a:solidFill>
-                <a:latin typeface="Arial" panose="020B0604020202020204"/>
-                <a:ea typeface="Arial" panose="020B0604020202020204"/>
-                <a:cs typeface="Arial" panose="020B0604020202020204"/>
-                <a:sym typeface="Arial" panose="020B0604020202020204"/>
+                <a:latin typeface="Arial" panose="020B0604020202090204"/>
+                <a:ea typeface="Arial" panose="020B0604020202090204"/>
+                <a:cs typeface="Arial" panose="020B0604020202090204"/>
+                <a:sym typeface="Arial" panose="020B0604020202090204"/>
               </a:defRPr>
             </a:lvl3pPr>
             <a:lvl4pPr marL="1828800" marR="0" lvl="3" indent="-228600" algn="l" rtl="0">
@@ -9631,16 +9625,16 @@
                 <a:schemeClr val="dk1"/>
               </a:buClr>
               <a:buSzPts val="1400"/>
-              <a:buFont typeface="Arial" panose="020B0604020202020204"/>
+              <a:buFont typeface="Arial" panose="020B0604020202090204"/>
               <a:buNone/>
               <a:defRPr sz="900" b="0" i="0" u="none" strike="noStrike" cap="none">
                 <a:solidFill>
                   <a:schemeClr val="dk1"/>
                 </a:solidFill>
-                <a:latin typeface="Arial" panose="020B0604020202020204"/>
-                <a:ea typeface="Arial" panose="020B0604020202020204"/>
-                <a:cs typeface="Arial" panose="020B0604020202020204"/>
-                <a:sym typeface="Arial" panose="020B0604020202020204"/>
+                <a:latin typeface="Arial" panose="020B0604020202090204"/>
+                <a:ea typeface="Arial" panose="020B0604020202090204"/>
+                <a:cs typeface="Arial" panose="020B0604020202090204"/>
+                <a:sym typeface="Arial" panose="020B0604020202090204"/>
               </a:defRPr>
             </a:lvl4pPr>
             <a:lvl5pPr marL="2286000" marR="0" lvl="4" indent="-228600" algn="l" rtl="0">
@@ -9654,16 +9648,16 @@
                 <a:schemeClr val="dk1"/>
               </a:buClr>
               <a:buSzPts val="1400"/>
-              <a:buFont typeface="Arial" panose="020B0604020202020204"/>
+              <a:buFont typeface="Arial" panose="020B0604020202090204"/>
               <a:buNone/>
               <a:defRPr sz="900" b="0" i="0" u="none" strike="noStrike" cap="none">
                 <a:solidFill>
                   <a:schemeClr val="dk1"/>
                 </a:solidFill>
-                <a:latin typeface="Arial" panose="020B0604020202020204"/>
-                <a:ea typeface="Arial" panose="020B0604020202020204"/>
-                <a:cs typeface="Arial" panose="020B0604020202020204"/>
-                <a:sym typeface="Arial" panose="020B0604020202020204"/>
+                <a:latin typeface="Arial" panose="020B0604020202090204"/>
+                <a:ea typeface="Arial" panose="020B0604020202090204"/>
+                <a:cs typeface="Arial" panose="020B0604020202090204"/>
+                <a:sym typeface="Arial" panose="020B0604020202090204"/>
               </a:defRPr>
             </a:lvl5pPr>
             <a:lvl6pPr marL="2743200" marR="0" lvl="5" indent="-228600" algn="l" rtl="0">
@@ -9677,16 +9671,16 @@
                 <a:schemeClr val="dk1"/>
               </a:buClr>
               <a:buSzPts val="1400"/>
-              <a:buFont typeface="Arial" panose="020B0604020202020204"/>
+              <a:buFont typeface="Arial" panose="020B0604020202090204"/>
               <a:buNone/>
               <a:defRPr sz="900" b="0" i="0" u="none" strike="noStrike" cap="none">
                 <a:solidFill>
                   <a:schemeClr val="dk1"/>
                 </a:solidFill>
-                <a:latin typeface="Arial" panose="020B0604020202020204"/>
-                <a:ea typeface="Arial" panose="020B0604020202020204"/>
-                <a:cs typeface="Arial" panose="020B0604020202020204"/>
-                <a:sym typeface="Arial" panose="020B0604020202020204"/>
+                <a:latin typeface="Arial" panose="020B0604020202090204"/>
+                <a:ea typeface="Arial" panose="020B0604020202090204"/>
+                <a:cs typeface="Arial" panose="020B0604020202090204"/>
+                <a:sym typeface="Arial" panose="020B0604020202090204"/>
               </a:defRPr>
             </a:lvl6pPr>
             <a:lvl7pPr marL="3200400" marR="0" lvl="6" indent="-228600" algn="l" rtl="0">
@@ -9700,16 +9694,16 @@
                 <a:schemeClr val="dk1"/>
               </a:buClr>
               <a:buSzPts val="1400"/>
-              <a:buFont typeface="Arial" panose="020B0604020202020204"/>
+              <a:buFont typeface="Arial" panose="020B0604020202090204"/>
               <a:buNone/>
               <a:defRPr sz="900" b="0" i="0" u="none" strike="noStrike" cap="none">
                 <a:solidFill>
                   <a:schemeClr val="dk1"/>
                 </a:solidFill>
-                <a:latin typeface="Arial" panose="020B0604020202020204"/>
-                <a:ea typeface="Arial" panose="020B0604020202020204"/>
-                <a:cs typeface="Arial" panose="020B0604020202020204"/>
-                <a:sym typeface="Arial" panose="020B0604020202020204"/>
+                <a:latin typeface="Arial" panose="020B0604020202090204"/>
+                <a:ea typeface="Arial" panose="020B0604020202090204"/>
+                <a:cs typeface="Arial" panose="020B0604020202090204"/>
+                <a:sym typeface="Arial" panose="020B0604020202090204"/>
               </a:defRPr>
             </a:lvl7pPr>
             <a:lvl8pPr marL="3657600" marR="0" lvl="7" indent="-228600" algn="l" rtl="0">
@@ -9723,16 +9717,16 @@
                 <a:schemeClr val="dk1"/>
               </a:buClr>
               <a:buSzPts val="1400"/>
-              <a:buFont typeface="Arial" panose="020B0604020202020204"/>
+              <a:buFont typeface="Arial" panose="020B0604020202090204"/>
               <a:buNone/>
               <a:defRPr sz="900" b="0" i="0" u="none" strike="noStrike" cap="none">
                 <a:solidFill>
                   <a:schemeClr val="dk1"/>
                 </a:solidFill>
-                <a:latin typeface="Arial" panose="020B0604020202020204"/>
-                <a:ea typeface="Arial" panose="020B0604020202020204"/>
-                <a:cs typeface="Arial" panose="020B0604020202020204"/>
-                <a:sym typeface="Arial" panose="020B0604020202020204"/>
+                <a:latin typeface="Arial" panose="020B0604020202090204"/>
+                <a:ea typeface="Arial" panose="020B0604020202090204"/>
+                <a:cs typeface="Arial" panose="020B0604020202090204"/>
+                <a:sym typeface="Arial" panose="020B0604020202090204"/>
               </a:defRPr>
             </a:lvl8pPr>
             <a:lvl9pPr marL="4114800" marR="0" lvl="8" indent="-228600" algn="l" rtl="0">
@@ -9746,16 +9740,16 @@
                 <a:schemeClr val="dk1"/>
               </a:buClr>
               <a:buSzPts val="1400"/>
-              <a:buFont typeface="Arial" panose="020B0604020202020204"/>
+              <a:buFont typeface="Arial" panose="020B0604020202090204"/>
               <a:buNone/>
               <a:defRPr sz="900" b="0" i="0" u="none" strike="noStrike" cap="none">
                 <a:solidFill>
                   <a:schemeClr val="dk1"/>
                 </a:solidFill>
-                <a:latin typeface="Arial" panose="020B0604020202020204"/>
-                <a:ea typeface="Arial" panose="020B0604020202020204"/>
-                <a:cs typeface="Arial" panose="020B0604020202020204"/>
-                <a:sym typeface="Arial" panose="020B0604020202020204"/>
+                <a:latin typeface="Arial" panose="020B0604020202090204"/>
+                <a:ea typeface="Arial" panose="020B0604020202090204"/>
+                <a:cs typeface="Arial" panose="020B0604020202090204"/>
+                <a:sym typeface="Arial" panose="020B0604020202090204"/>
               </a:defRPr>
             </a:lvl9pPr>
           </a:lstStyle>
@@ -9863,10 +9857,10 @@
               <a:solidFill>
                 <a:schemeClr val="dk1"/>
               </a:solidFill>
-              <a:latin typeface="Arial" panose="020B0604020202020204"/>
-              <a:ea typeface="Arial" panose="020B0604020202020204"/>
-              <a:cs typeface="Arial" panose="020B0604020202020204"/>
-              <a:sym typeface="Arial" panose="020B0604020202020204"/>
+              <a:latin typeface="Arial" panose="020B0604020202090204"/>
+              <a:ea typeface="Arial" panose="020B0604020202090204"/>
+              <a:cs typeface="Arial" panose="020B0604020202090204"/>
+              <a:sym typeface="Arial" panose="020B0604020202090204"/>
             </a:endParaRPr>
           </a:p>
         </p:txBody>
@@ -9945,15 +9939,15 @@
         <a:buClr>
           <a:srgbClr val="000000"/>
         </a:buClr>
-        <a:buFont typeface="Arial" panose="020B0604020202020204"/>
+        <a:buFont typeface="Arial" panose="020B0604020202090204"/>
         <a:defRPr sz="1400" b="0" i="0" u="none" strike="noStrike" cap="none">
           <a:solidFill>
             <a:srgbClr val="000000"/>
           </a:solidFill>
-          <a:latin typeface="Arial" panose="020B0604020202020204"/>
-          <a:ea typeface="Arial" panose="020B0604020202020204"/>
-          <a:cs typeface="Arial" panose="020B0604020202020204"/>
-          <a:sym typeface="Arial" panose="020B0604020202020204"/>
+          <a:latin typeface="Arial" panose="020B0604020202090204"/>
+          <a:ea typeface="Arial" panose="020B0604020202090204"/>
+          <a:cs typeface="Arial" panose="020B0604020202090204"/>
+          <a:sym typeface="Arial" panose="020B0604020202090204"/>
         </a:defRPr>
       </a:lvl1pPr>
       <a:lvl2pPr marR="0" lvl="1" algn="l" rtl="0">
@@ -9969,15 +9963,15 @@
         <a:buClr>
           <a:srgbClr val="000000"/>
         </a:buClr>
-        <a:buFont typeface="Arial" panose="020B0604020202020204"/>
+        <a:buFont typeface="Arial" panose="020B0604020202090204"/>
         <a:defRPr sz="1400" b="0" i="0" u="none" strike="noStrike" cap="none">
           <a:solidFill>
             <a:srgbClr val="000000"/>
           </a:solidFill>
-          <a:latin typeface="Arial" panose="020B0604020202020204"/>
-          <a:ea typeface="Arial" panose="020B0604020202020204"/>
-          <a:cs typeface="Arial" panose="020B0604020202020204"/>
-          <a:sym typeface="Arial" panose="020B0604020202020204"/>
+          <a:latin typeface="Arial" panose="020B0604020202090204"/>
+          <a:ea typeface="Arial" panose="020B0604020202090204"/>
+          <a:cs typeface="Arial" panose="020B0604020202090204"/>
+          <a:sym typeface="Arial" panose="020B0604020202090204"/>
         </a:defRPr>
       </a:lvl2pPr>
       <a:lvl3pPr marR="0" lvl="2" algn="l" rtl="0">
@@ -9993,15 +9987,15 @@
         <a:buClr>
           <a:srgbClr val="000000"/>
         </a:buClr>
-        <a:buFont typeface="Arial" panose="020B0604020202020204"/>
+        <a:buFont typeface="Arial" panose="020B0604020202090204"/>
         <a:defRPr sz="1400" b="0" i="0" u="none" strike="noStrike" cap="none">
           <a:solidFill>
             <a:srgbClr val="000000"/>
           </a:solidFill>
-          <a:latin typeface="Arial" panose="020B0604020202020204"/>
-          <a:ea typeface="Arial" panose="020B0604020202020204"/>
-          <a:cs typeface="Arial" panose="020B0604020202020204"/>
-          <a:sym typeface="Arial" panose="020B0604020202020204"/>
+          <a:latin typeface="Arial" panose="020B0604020202090204"/>
+          <a:ea typeface="Arial" panose="020B0604020202090204"/>
+          <a:cs typeface="Arial" panose="020B0604020202090204"/>
+          <a:sym typeface="Arial" panose="020B0604020202090204"/>
         </a:defRPr>
       </a:lvl3pPr>
       <a:lvl4pPr marR="0" lvl="3" algn="l" rtl="0">
@@ -10017,15 +10011,15 @@
         <a:buClr>
           <a:srgbClr val="000000"/>
         </a:buClr>
-        <a:buFont typeface="Arial" panose="020B0604020202020204"/>
+        <a:buFont typeface="Arial" panose="020B0604020202090204"/>
         <a:defRPr sz="1400" b="0" i="0" u="none" strike="noStrike" cap="none">
           <a:solidFill>
             <a:srgbClr val="000000"/>
           </a:solidFill>
-          <a:latin typeface="Arial" panose="020B0604020202020204"/>
-          <a:ea typeface="Arial" panose="020B0604020202020204"/>
-          <a:cs typeface="Arial" panose="020B0604020202020204"/>
-          <a:sym typeface="Arial" panose="020B0604020202020204"/>
+          <a:latin typeface="Arial" panose="020B0604020202090204"/>
+          <a:ea typeface="Arial" panose="020B0604020202090204"/>
+          <a:cs typeface="Arial" panose="020B0604020202090204"/>
+          <a:sym typeface="Arial" panose="020B0604020202090204"/>
         </a:defRPr>
       </a:lvl4pPr>
       <a:lvl5pPr marR="0" lvl="4" algn="l" rtl="0">
@@ -10041,15 +10035,15 @@
         <a:buClr>
           <a:srgbClr val="000000"/>
         </a:buClr>
-        <a:buFont typeface="Arial" panose="020B0604020202020204"/>
+        <a:buFont typeface="Arial" panose="020B0604020202090204"/>
         <a:defRPr sz="1400" b="0" i="0" u="none" strike="noStrike" cap="none">
           <a:solidFill>
             <a:srgbClr val="000000"/>
           </a:solidFill>
-          <a:latin typeface="Arial" panose="020B0604020202020204"/>
-          <a:ea typeface="Arial" panose="020B0604020202020204"/>
-          <a:cs typeface="Arial" panose="020B0604020202020204"/>
-          <a:sym typeface="Arial" panose="020B0604020202020204"/>
+          <a:latin typeface="Arial" panose="020B0604020202090204"/>
+          <a:ea typeface="Arial" panose="020B0604020202090204"/>
+          <a:cs typeface="Arial" panose="020B0604020202090204"/>
+          <a:sym typeface="Arial" panose="020B0604020202090204"/>
         </a:defRPr>
       </a:lvl5pPr>
       <a:lvl6pPr marR="0" lvl="5" algn="l" rtl="0">
@@ -10065,15 +10059,15 @@
         <a:buClr>
           <a:srgbClr val="000000"/>
         </a:buClr>
-        <a:buFont typeface="Arial" panose="020B0604020202020204"/>
+        <a:buFont typeface="Arial" panose="020B0604020202090204"/>
         <a:defRPr sz="1400" b="0" i="0" u="none" strike="noStrike" cap="none">
           <a:solidFill>
             <a:srgbClr val="000000"/>
           </a:solidFill>
-          <a:latin typeface="Arial" panose="020B0604020202020204"/>
-          <a:ea typeface="Arial" panose="020B0604020202020204"/>
-          <a:cs typeface="Arial" panose="020B0604020202020204"/>
-          <a:sym typeface="Arial" panose="020B0604020202020204"/>
+          <a:latin typeface="Arial" panose="020B0604020202090204"/>
+          <a:ea typeface="Arial" panose="020B0604020202090204"/>
+          <a:cs typeface="Arial" panose="020B0604020202090204"/>
+          <a:sym typeface="Arial" panose="020B0604020202090204"/>
         </a:defRPr>
       </a:lvl6pPr>
       <a:lvl7pPr marR="0" lvl="6" algn="l" rtl="0">
@@ -10089,15 +10083,15 @@
         <a:buClr>
           <a:srgbClr val="000000"/>
         </a:buClr>
-        <a:buFont typeface="Arial" panose="020B0604020202020204"/>
+        <a:buFont typeface="Arial" panose="020B0604020202090204"/>
         <a:defRPr sz="1400" b="0" i="0" u="none" strike="noStrike" cap="none">
           <a:solidFill>
             <a:srgbClr val="000000"/>
           </a:solidFill>
-          <a:latin typeface="Arial" panose="020B0604020202020204"/>
-          <a:ea typeface="Arial" panose="020B0604020202020204"/>
-          <a:cs typeface="Arial" panose="020B0604020202020204"/>
-          <a:sym typeface="Arial" panose="020B0604020202020204"/>
+          <a:latin typeface="Arial" panose="020B0604020202090204"/>
+          <a:ea typeface="Arial" panose="020B0604020202090204"/>
+          <a:cs typeface="Arial" panose="020B0604020202090204"/>
+          <a:sym typeface="Arial" panose="020B0604020202090204"/>
         </a:defRPr>
       </a:lvl7pPr>
       <a:lvl8pPr marR="0" lvl="7" algn="l" rtl="0">
@@ -10113,15 +10107,15 @@
         <a:buClr>
           <a:srgbClr val="000000"/>
         </a:buClr>
-        <a:buFont typeface="Arial" panose="020B0604020202020204"/>
+        <a:buFont typeface="Arial" panose="020B0604020202090204"/>
         <a:defRPr sz="1400" b="0" i="0" u="none" strike="noStrike" cap="none">
           <a:solidFill>
             <a:srgbClr val="000000"/>
           </a:solidFill>
-          <a:latin typeface="Arial" panose="020B0604020202020204"/>
-          <a:ea typeface="Arial" panose="020B0604020202020204"/>
-          <a:cs typeface="Arial" panose="020B0604020202020204"/>
-          <a:sym typeface="Arial" panose="020B0604020202020204"/>
+          <a:latin typeface="Arial" panose="020B0604020202090204"/>
+          <a:ea typeface="Arial" panose="020B0604020202090204"/>
+          <a:cs typeface="Arial" panose="020B0604020202090204"/>
+          <a:sym typeface="Arial" panose="020B0604020202090204"/>
         </a:defRPr>
       </a:lvl8pPr>
       <a:lvl9pPr marR="0" lvl="8" algn="l" rtl="0">
@@ -10137,15 +10131,15 @@
         <a:buClr>
           <a:srgbClr val="000000"/>
         </a:buClr>
-        <a:buFont typeface="Arial" panose="020B0604020202020204"/>
+        <a:buFont typeface="Arial" panose="020B0604020202090204"/>
         <a:defRPr sz="1400" b="0" i="0" u="none" strike="noStrike" cap="none">
           <a:solidFill>
             <a:srgbClr val="000000"/>
           </a:solidFill>
-          <a:latin typeface="Arial" panose="020B0604020202020204"/>
-          <a:ea typeface="Arial" panose="020B0604020202020204"/>
-          <a:cs typeface="Arial" panose="020B0604020202020204"/>
-          <a:sym typeface="Arial" panose="020B0604020202020204"/>
+          <a:latin typeface="Arial" panose="020B0604020202090204"/>
+          <a:ea typeface="Arial" panose="020B0604020202090204"/>
+          <a:cs typeface="Arial" panose="020B0604020202090204"/>
+          <a:sym typeface="Arial" panose="020B0604020202090204"/>
         </a:defRPr>
       </a:lvl9pPr>
     </p:titleStyle>
@@ -10174,15 +10168,15 @@
         <a:buClr>
           <a:srgbClr val="000000"/>
         </a:buClr>
-        <a:buFont typeface="Arial" panose="020B0604020202020204"/>
+        <a:buFont typeface="Arial" panose="020B0604020202090204"/>
         <a:defRPr sz="1400" b="0" i="0" u="none" strike="noStrike" cap="none">
           <a:solidFill>
             <a:srgbClr val="000000"/>
           </a:solidFill>
-          <a:latin typeface="Arial" panose="020B0604020202020204"/>
-          <a:ea typeface="Arial" panose="020B0604020202020204"/>
-          <a:cs typeface="Arial" panose="020B0604020202020204"/>
-          <a:sym typeface="Arial" panose="020B0604020202020204"/>
+          <a:latin typeface="Arial" panose="020B0604020202090204"/>
+          <a:ea typeface="Arial" panose="020B0604020202090204"/>
+          <a:cs typeface="Arial" panose="020B0604020202090204"/>
+          <a:sym typeface="Arial" panose="020B0604020202090204"/>
         </a:defRPr>
       </a:lvl1pPr>
       <a:lvl2pPr marR="0" lvl="1" algn="l" rtl="0">
@@ -10198,15 +10192,15 @@
         <a:buClr>
           <a:srgbClr val="000000"/>
         </a:buClr>
-        <a:buFont typeface="Arial" panose="020B0604020202020204"/>
+        <a:buFont typeface="Arial" panose="020B0604020202090204"/>
         <a:defRPr sz="1400" b="0" i="0" u="none" strike="noStrike" cap="none">
           <a:solidFill>
             <a:srgbClr val="000000"/>
           </a:solidFill>
-          <a:latin typeface="Arial" panose="020B0604020202020204"/>
-          <a:ea typeface="Arial" panose="020B0604020202020204"/>
-          <a:cs typeface="Arial" panose="020B0604020202020204"/>
-          <a:sym typeface="Arial" panose="020B0604020202020204"/>
+          <a:latin typeface="Arial" panose="020B0604020202090204"/>
+          <a:ea typeface="Arial" panose="020B0604020202090204"/>
+          <a:cs typeface="Arial" panose="020B0604020202090204"/>
+          <a:sym typeface="Arial" panose="020B0604020202090204"/>
         </a:defRPr>
       </a:lvl2pPr>
       <a:lvl3pPr marR="0" lvl="2" algn="l" rtl="0">
@@ -10222,15 +10216,15 @@
         <a:buClr>
           <a:srgbClr val="000000"/>
         </a:buClr>
-        <a:buFont typeface="Arial" panose="020B0604020202020204"/>
+        <a:buFont typeface="Arial" panose="020B0604020202090204"/>
         <a:defRPr sz="1400" b="0" i="0" u="none" strike="noStrike" cap="none">
           <a:solidFill>
             <a:srgbClr val="000000"/>
           </a:solidFill>
-          <a:latin typeface="Arial" panose="020B0604020202020204"/>
-          <a:ea typeface="Arial" panose="020B0604020202020204"/>
-          <a:cs typeface="Arial" panose="020B0604020202020204"/>
-          <a:sym typeface="Arial" panose="020B0604020202020204"/>
+          <a:latin typeface="Arial" panose="020B0604020202090204"/>
+          <a:ea typeface="Arial" panose="020B0604020202090204"/>
+          <a:cs typeface="Arial" panose="020B0604020202090204"/>
+          <a:sym typeface="Arial" panose="020B0604020202090204"/>
         </a:defRPr>
       </a:lvl3pPr>
       <a:lvl4pPr marR="0" lvl="3" algn="l" rtl="0">
@@ -10246,15 +10240,15 @@
         <a:buClr>
           <a:srgbClr val="000000"/>
         </a:buClr>
-        <a:buFont typeface="Arial" panose="020B0604020202020204"/>
+        <a:buFont typeface="Arial" panose="020B0604020202090204"/>
         <a:defRPr sz="1400" b="0" i="0" u="none" strike="noStrike" cap="none">
           <a:solidFill>
             <a:srgbClr val="000000"/>
           </a:solidFill>
-          <a:latin typeface="Arial" panose="020B0604020202020204"/>
-          <a:ea typeface="Arial" panose="020B0604020202020204"/>
-          <a:cs typeface="Arial" panose="020B0604020202020204"/>
-          <a:sym typeface="Arial" panose="020B0604020202020204"/>
+          <a:latin typeface="Arial" panose="020B0604020202090204"/>
+          <a:ea typeface="Arial" panose="020B0604020202090204"/>
+          <a:cs typeface="Arial" panose="020B0604020202090204"/>
+          <a:sym typeface="Arial" panose="020B0604020202090204"/>
         </a:defRPr>
       </a:lvl4pPr>
       <a:lvl5pPr marR="0" lvl="4" algn="l" rtl="0">
@@ -10270,15 +10264,15 @@
         <a:buClr>
           <a:srgbClr val="000000"/>
         </a:buClr>
-        <a:buFont typeface="Arial" panose="020B0604020202020204"/>
+        <a:buFont typeface="Arial" panose="020B0604020202090204"/>
         <a:defRPr sz="1400" b="0" i="0" u="none" strike="noStrike" cap="none">
           <a:solidFill>
             <a:srgbClr val="000000"/>
           </a:solidFill>
-          <a:latin typeface="Arial" panose="020B0604020202020204"/>
-          <a:ea typeface="Arial" panose="020B0604020202020204"/>
-          <a:cs typeface="Arial" panose="020B0604020202020204"/>
-          <a:sym typeface="Arial" panose="020B0604020202020204"/>
+          <a:latin typeface="Arial" panose="020B0604020202090204"/>
+          <a:ea typeface="Arial" panose="020B0604020202090204"/>
+          <a:cs typeface="Arial" panose="020B0604020202090204"/>
+          <a:sym typeface="Arial" panose="020B0604020202090204"/>
         </a:defRPr>
       </a:lvl5pPr>
       <a:lvl6pPr marR="0" lvl="5" algn="l" rtl="0">
@@ -10294,15 +10288,15 @@
         <a:buClr>
           <a:srgbClr val="000000"/>
         </a:buClr>
-        <a:buFont typeface="Arial" panose="020B0604020202020204"/>
+        <a:buFont typeface="Arial" panose="020B0604020202090204"/>
         <a:defRPr sz="1400" b="0" i="0" u="none" strike="noStrike" cap="none">
           <a:solidFill>
             <a:srgbClr val="000000"/>
           </a:solidFill>
-          <a:latin typeface="Arial" panose="020B0604020202020204"/>
-          <a:ea typeface="Arial" panose="020B0604020202020204"/>
-          <a:cs typeface="Arial" panose="020B0604020202020204"/>
-          <a:sym typeface="Arial" panose="020B0604020202020204"/>
+          <a:latin typeface="Arial" panose="020B0604020202090204"/>
+          <a:ea typeface="Arial" panose="020B0604020202090204"/>
+          <a:cs typeface="Arial" panose="020B0604020202090204"/>
+          <a:sym typeface="Arial" panose="020B0604020202090204"/>
         </a:defRPr>
       </a:lvl6pPr>
       <a:lvl7pPr marR="0" lvl="6" algn="l" rtl="0">
@@ -10318,15 +10312,15 @@
         <a:buClr>
           <a:srgbClr val="000000"/>
         </a:buClr>
-        <a:buFont typeface="Arial" panose="020B0604020202020204"/>
+        <a:buFont typeface="Arial" panose="020B0604020202090204"/>
         <a:defRPr sz="1400" b="0" i="0" u="none" strike="noStrike" cap="none">
           <a:solidFill>
             <a:srgbClr val="000000"/>
           </a:solidFill>
-          <a:latin typeface="Arial" panose="020B0604020202020204"/>
-          <a:ea typeface="Arial" panose="020B0604020202020204"/>
-          <a:cs typeface="Arial" panose="020B0604020202020204"/>
-          <a:sym typeface="Arial" panose="020B0604020202020204"/>
+          <a:latin typeface="Arial" panose="020B0604020202090204"/>
+          <a:ea typeface="Arial" panose="020B0604020202090204"/>
+          <a:cs typeface="Arial" panose="020B0604020202090204"/>
+          <a:sym typeface="Arial" panose="020B0604020202090204"/>
         </a:defRPr>
       </a:lvl7pPr>
       <a:lvl8pPr marR="0" lvl="7" algn="l" rtl="0">
@@ -10342,15 +10336,15 @@
         <a:buClr>
           <a:srgbClr val="000000"/>
         </a:buClr>
-        <a:buFont typeface="Arial" panose="020B0604020202020204"/>
+        <a:buFont typeface="Arial" panose="020B0604020202090204"/>
         <a:defRPr sz="1400" b="0" i="0" u="none" strike="noStrike" cap="none">
           <a:solidFill>
             <a:srgbClr val="000000"/>
           </a:solidFill>
-          <a:latin typeface="Arial" panose="020B0604020202020204"/>
-          <a:ea typeface="Arial" panose="020B0604020202020204"/>
-          <a:cs typeface="Arial" panose="020B0604020202020204"/>
-          <a:sym typeface="Arial" panose="020B0604020202020204"/>
+          <a:latin typeface="Arial" panose="020B0604020202090204"/>
+          <a:ea typeface="Arial" panose="020B0604020202090204"/>
+          <a:cs typeface="Arial" panose="020B0604020202090204"/>
+          <a:sym typeface="Arial" panose="020B0604020202090204"/>
         </a:defRPr>
       </a:lvl8pPr>
       <a:lvl9pPr marR="0" lvl="8" algn="l" rtl="0">
@@ -10366,15 +10360,15 @@
         <a:buClr>
           <a:srgbClr val="000000"/>
         </a:buClr>
-        <a:buFont typeface="Arial" panose="020B0604020202020204"/>
+        <a:buFont typeface="Arial" panose="020B0604020202090204"/>
         <a:defRPr sz="1400" b="0" i="0" u="none" strike="noStrike" cap="none">
           <a:solidFill>
             <a:srgbClr val="000000"/>
           </a:solidFill>
-          <a:latin typeface="Arial" panose="020B0604020202020204"/>
-          <a:ea typeface="Arial" panose="020B0604020202020204"/>
-          <a:cs typeface="Arial" panose="020B0604020202020204"/>
-          <a:sym typeface="Arial" panose="020B0604020202020204"/>
+          <a:latin typeface="Arial" panose="020B0604020202090204"/>
+          <a:ea typeface="Arial" panose="020B0604020202090204"/>
+          <a:cs typeface="Arial" panose="020B0604020202090204"/>
+          <a:sym typeface="Arial" panose="020B0604020202090204"/>
         </a:defRPr>
       </a:lvl9pPr>
     </p:bodyStyle>
@@ -10403,15 +10397,15 @@
         <a:buClr>
           <a:srgbClr val="000000"/>
         </a:buClr>
-        <a:buFont typeface="Arial" panose="020B0604020202020204"/>
+        <a:buFont typeface="Arial" panose="020B0604020202090204"/>
         <a:defRPr sz="1400" b="0" i="0" u="none" strike="noStrike" cap="none">
           <a:solidFill>
             <a:srgbClr val="000000"/>
           </a:solidFill>
-          <a:latin typeface="Arial" panose="020B0604020202020204"/>
-          <a:ea typeface="Arial" panose="020B0604020202020204"/>
-          <a:cs typeface="Arial" panose="020B0604020202020204"/>
-          <a:sym typeface="Arial" panose="020B0604020202020204"/>
+          <a:latin typeface="Arial" panose="020B0604020202090204"/>
+          <a:ea typeface="Arial" panose="020B0604020202090204"/>
+          <a:cs typeface="Arial" panose="020B0604020202090204"/>
+          <a:sym typeface="Arial" panose="020B0604020202090204"/>
         </a:defRPr>
       </a:lvl1pPr>
       <a:lvl2pPr marR="0" lvl="1" algn="l" rtl="0">
@@ -10427,15 +10421,15 @@
         <a:buClr>
           <a:srgbClr val="000000"/>
         </a:buClr>
-        <a:buFont typeface="Arial" panose="020B0604020202020204"/>
+        <a:buFont typeface="Arial" panose="020B0604020202090204"/>
         <a:defRPr sz="1400" b="0" i="0" u="none" strike="noStrike" cap="none">
           <a:solidFill>
             <a:srgbClr val="000000"/>
           </a:solidFill>
-          <a:latin typeface="Arial" panose="020B0604020202020204"/>
-          <a:ea typeface="Arial" panose="020B0604020202020204"/>
-          <a:cs typeface="Arial" panose="020B0604020202020204"/>
-          <a:sym typeface="Arial" panose="020B0604020202020204"/>
+          <a:latin typeface="Arial" panose="020B0604020202090204"/>
+          <a:ea typeface="Arial" panose="020B0604020202090204"/>
+          <a:cs typeface="Arial" panose="020B0604020202090204"/>
+          <a:sym typeface="Arial" panose="020B0604020202090204"/>
         </a:defRPr>
       </a:lvl2pPr>
       <a:lvl3pPr marR="0" lvl="2" algn="l" rtl="0">
@@ -10451,15 +10445,15 @@
         <a:buClr>
           <a:srgbClr val="000000"/>
         </a:buClr>
-        <a:buFont typeface="Arial" panose="020B0604020202020204"/>
+        <a:buFont typeface="Arial" panose="020B0604020202090204"/>
         <a:defRPr sz="1400" b="0" i="0" u="none" strike="noStrike" cap="none">
           <a:solidFill>
             <a:srgbClr val="000000"/>
           </a:solidFill>
-          <a:latin typeface="Arial" panose="020B0604020202020204"/>
-          <a:ea typeface="Arial" panose="020B0604020202020204"/>
-          <a:cs typeface="Arial" panose="020B0604020202020204"/>
-          <a:sym typeface="Arial" panose="020B0604020202020204"/>
+          <a:latin typeface="Arial" panose="020B0604020202090204"/>
+          <a:ea typeface="Arial" panose="020B0604020202090204"/>
+          <a:cs typeface="Arial" panose="020B0604020202090204"/>
+          <a:sym typeface="Arial" panose="020B0604020202090204"/>
         </a:defRPr>
       </a:lvl3pPr>
       <a:lvl4pPr marR="0" lvl="3" algn="l" rtl="0">
@@ -10475,15 +10469,15 @@
         <a:buClr>
           <a:srgbClr val="000000"/>
         </a:buClr>
-        <a:buFont typeface="Arial" panose="020B0604020202020204"/>
+        <a:buFont typeface="Arial" panose="020B0604020202090204"/>
         <a:defRPr sz="1400" b="0" i="0" u="none" strike="noStrike" cap="none">
           <a:solidFill>
             <a:srgbClr val="000000"/>
           </a:solidFill>
-          <a:latin typeface="Arial" panose="020B0604020202020204"/>
-          <a:ea typeface="Arial" panose="020B0604020202020204"/>
-          <a:cs typeface="Arial" panose="020B0604020202020204"/>
-          <a:sym typeface="Arial" panose="020B0604020202020204"/>
+          <a:latin typeface="Arial" panose="020B0604020202090204"/>
+          <a:ea typeface="Arial" panose="020B0604020202090204"/>
+          <a:cs typeface="Arial" panose="020B0604020202090204"/>
+          <a:sym typeface="Arial" panose="020B0604020202090204"/>
         </a:defRPr>
       </a:lvl4pPr>
       <a:lvl5pPr marR="0" lvl="4" algn="l" rtl="0">
@@ -10499,15 +10493,15 @@
         <a:buClr>
           <a:srgbClr val="000000"/>
         </a:buClr>
-        <a:buFont typeface="Arial" panose="020B0604020202020204"/>
+        <a:buFont typeface="Arial" panose="020B0604020202090204"/>
         <a:defRPr sz="1400" b="0" i="0" u="none" strike="noStrike" cap="none">
           <a:solidFill>
             <a:srgbClr val="000000"/>
           </a:solidFill>
-          <a:latin typeface="Arial" panose="020B0604020202020204"/>
-          <a:ea typeface="Arial" panose="020B0604020202020204"/>
-          <a:cs typeface="Arial" panose="020B0604020202020204"/>
-          <a:sym typeface="Arial" panose="020B0604020202020204"/>
+          <a:latin typeface="Arial" panose="020B0604020202090204"/>
+          <a:ea typeface="Arial" panose="020B0604020202090204"/>
+          <a:cs typeface="Arial" panose="020B0604020202090204"/>
+          <a:sym typeface="Arial" panose="020B0604020202090204"/>
         </a:defRPr>
       </a:lvl5pPr>
       <a:lvl6pPr marR="0" lvl="5" algn="l" rtl="0">
@@ -10523,15 +10517,15 @@
         <a:buClr>
           <a:srgbClr val="000000"/>
         </a:buClr>
-        <a:buFont typeface="Arial" panose="020B0604020202020204"/>
+        <a:buFont typeface="Arial" panose="020B0604020202090204"/>
         <a:defRPr sz="1400" b="0" i="0" u="none" strike="noStrike" cap="none">
           <a:solidFill>
             <a:srgbClr val="000000"/>
           </a:solidFill>
-          <a:latin typeface="Arial" panose="020B0604020202020204"/>
-          <a:ea typeface="Arial" panose="020B0604020202020204"/>
-          <a:cs typeface="Arial" panose="020B0604020202020204"/>
-          <a:sym typeface="Arial" panose="020B0604020202020204"/>
+          <a:latin typeface="Arial" panose="020B0604020202090204"/>
+          <a:ea typeface="Arial" panose="020B0604020202090204"/>
+          <a:cs typeface="Arial" panose="020B0604020202090204"/>
+          <a:sym typeface="Arial" panose="020B0604020202090204"/>
         </a:defRPr>
       </a:lvl6pPr>
       <a:lvl7pPr marR="0" lvl="6" algn="l" rtl="0">
@@ -10547,15 +10541,15 @@
         <a:buClr>
           <a:srgbClr val="000000"/>
         </a:buClr>
-        <a:buFont typeface="Arial" panose="020B0604020202020204"/>
+        <a:buFont typeface="Arial" panose="020B0604020202090204"/>
         <a:defRPr sz="1400" b="0" i="0" u="none" strike="noStrike" cap="none">
           <a:solidFill>
             <a:srgbClr val="000000"/>
           </a:solidFill>
-          <a:latin typeface="Arial" panose="020B0604020202020204"/>
-          <a:ea typeface="Arial" panose="020B0604020202020204"/>
-          <a:cs typeface="Arial" panose="020B0604020202020204"/>
-          <a:sym typeface="Arial" panose="020B0604020202020204"/>
+          <a:latin typeface="Arial" panose="020B0604020202090204"/>
+          <a:ea typeface="Arial" panose="020B0604020202090204"/>
+          <a:cs typeface="Arial" panose="020B0604020202090204"/>
+          <a:sym typeface="Arial" panose="020B0604020202090204"/>
         </a:defRPr>
       </a:lvl7pPr>
       <a:lvl8pPr marR="0" lvl="7" algn="l" rtl="0">
@@ -10571,15 +10565,15 @@
         <a:buClr>
           <a:srgbClr val="000000"/>
         </a:buClr>
-        <a:buFont typeface="Arial" panose="020B0604020202020204"/>
+        <a:buFont typeface="Arial" panose="020B0604020202090204"/>
         <a:defRPr sz="1400" b="0" i="0" u="none" strike="noStrike" cap="none">
           <a:solidFill>
             <a:srgbClr val="000000"/>
           </a:solidFill>
-          <a:latin typeface="Arial" panose="020B0604020202020204"/>
-          <a:ea typeface="Arial" panose="020B0604020202020204"/>
-          <a:cs typeface="Arial" panose="020B0604020202020204"/>
-          <a:sym typeface="Arial" panose="020B0604020202020204"/>
+          <a:latin typeface="Arial" panose="020B0604020202090204"/>
+          <a:ea typeface="Arial" panose="020B0604020202090204"/>
+          <a:cs typeface="Arial" panose="020B0604020202090204"/>
+          <a:sym typeface="Arial" panose="020B0604020202090204"/>
         </a:defRPr>
       </a:lvl8pPr>
       <a:lvl9pPr marR="0" lvl="8" algn="l" rtl="0">
@@ -10595,15 +10589,15 @@
         <a:buClr>
           <a:srgbClr val="000000"/>
         </a:buClr>
-        <a:buFont typeface="Arial" panose="020B0604020202020204"/>
+        <a:buFont typeface="Arial" panose="020B0604020202090204"/>
         <a:defRPr sz="1400" b="0" i="0" u="none" strike="noStrike" cap="none">
           <a:solidFill>
             <a:srgbClr val="000000"/>
           </a:solidFill>
-          <a:latin typeface="Arial" panose="020B0604020202020204"/>
-          <a:ea typeface="Arial" panose="020B0604020202020204"/>
-          <a:cs typeface="Arial" panose="020B0604020202020204"/>
-          <a:sym typeface="Arial" panose="020B0604020202020204"/>
+          <a:latin typeface="Arial" panose="020B0604020202090204"/>
+          <a:ea typeface="Arial" panose="020B0604020202090204"/>
+          <a:cs typeface="Arial" panose="020B0604020202090204"/>
+          <a:sym typeface="Arial" panose="020B0604020202090204"/>
         </a:defRPr>
       </a:lvl9pPr>
     </p:otherStyle>
@@ -10988,7 +10982,7 @@
           </a:bodyPr>
           <a:p>
             <a:pPr marL="285750" indent="-285750">
-              <a:buFont typeface="Arial" panose="020B0604020202020204" pitchFamily="34" charset="0"/>
+              <a:buFont typeface="Arial" panose="020B0604020202090204" pitchFamily="34" charset="0"/>
               <a:buChar char="•"/>
             </a:pPr>
             <a:r>
@@ -11007,7 +11001,7 @@
           </a:p>
           <a:p>
             <a:pPr marL="285750" indent="-285750">
-              <a:buFont typeface="Arial" panose="020B0604020202020204" pitchFamily="34" charset="0"/>
+              <a:buFont typeface="Arial" panose="020B0604020202090204" pitchFamily="34" charset="0"/>
               <a:buChar char="•"/>
             </a:pPr>
             <a:r>
@@ -11026,7 +11020,7 @@
           </a:p>
           <a:p>
             <a:pPr marL="285750" indent="-285750">
-              <a:buFont typeface="Arial" panose="020B0604020202020204" pitchFamily="34" charset="0"/>
+              <a:buFont typeface="Arial" panose="020B0604020202090204" pitchFamily="34" charset="0"/>
               <a:buChar char="•"/>
             </a:pPr>
             <a:r>
@@ -11268,7 +11262,7 @@
           </a:bodyPr>
           <a:p>
             <a:pPr marL="285750" indent="-285750">
-              <a:buFont typeface="Arial" panose="020B0604020202020204" pitchFamily="34" charset="0"/>
+              <a:buFont typeface="Arial" panose="020B0604020202090204" pitchFamily="34" charset="0"/>
               <a:buChar char="•"/>
             </a:pPr>
             <a:r>
@@ -11279,14 +11273,14 @@
           </a:p>
           <a:p>
             <a:pPr marL="285750" indent="-285750">
-              <a:buFont typeface="Arial" panose="020B0604020202020204" pitchFamily="34" charset="0"/>
+              <a:buFont typeface="Arial" panose="020B0604020202090204" pitchFamily="34" charset="0"/>
               <a:buChar char="•"/>
             </a:pPr>
             <a:endParaRPr lang="en-US" altLang="zh-CN" sz="1200"/>
           </a:p>
           <a:p>
             <a:pPr marL="285750" indent="-285750">
-              <a:buFont typeface="Arial" panose="020B0604020202020204" pitchFamily="34" charset="0"/>
+              <a:buFont typeface="Arial" panose="020B0604020202090204" pitchFamily="34" charset="0"/>
               <a:buChar char="•"/>
             </a:pPr>
             <a:r>
@@ -11297,14 +11291,14 @@
           </a:p>
           <a:p>
             <a:pPr marL="285750" indent="-285750">
-              <a:buFont typeface="Arial" panose="020B0604020202020204" pitchFamily="34" charset="0"/>
+              <a:buFont typeface="Arial" panose="020B0604020202090204" pitchFamily="34" charset="0"/>
               <a:buChar char="•"/>
             </a:pPr>
             <a:endParaRPr lang="en-US" altLang="zh-CN" sz="1200"/>
           </a:p>
           <a:p>
             <a:pPr marL="285750" indent="-285750">
-              <a:buFont typeface="Arial" panose="020B0604020202020204" pitchFamily="34" charset="0"/>
+              <a:buFont typeface="Arial" panose="020B0604020202090204" pitchFamily="34" charset="0"/>
               <a:buChar char="•"/>
             </a:pPr>
             <a:r>
@@ -11315,7 +11309,7 @@
           </a:p>
           <a:p>
             <a:pPr marL="285750" indent="-285750">
-              <a:buFont typeface="Arial" panose="020B0604020202020204" pitchFamily="34" charset="0"/>
+              <a:buFont typeface="Arial" panose="020B0604020202090204" pitchFamily="34" charset="0"/>
               <a:buChar char="•"/>
             </a:pPr>
             <a:endParaRPr lang="en-US" altLang="zh-CN" sz="1200"/>
@@ -11463,7 +11457,7 @@
         </p:nvSpPr>
         <p:spPr>
           <a:xfrm>
-            <a:off x="2357755" y="1700530"/>
+            <a:off x="2254250" y="1537970"/>
             <a:ext cx="1809750" cy="5077460"/>
           </a:xfrm>
           <a:prstGeom prst="rect">
@@ -11477,7 +11471,7 @@
           </a:bodyPr>
           <a:p>
             <a:pPr marL="285750" indent="-285750">
-              <a:buFont typeface="Arial" panose="020B0604020202020204" pitchFamily="34" charset="0"/>
+              <a:buFont typeface="Arial" panose="020B0604020202090204" pitchFamily="34" charset="0"/>
               <a:buChar char="•"/>
             </a:pPr>
             <a:r>
@@ -11498,7 +11492,7 @@
           </a:p>
           <a:p>
             <a:pPr marL="285750" indent="-285750">
-              <a:buFont typeface="Arial" panose="020B0604020202020204" pitchFamily="34" charset="0"/>
+              <a:buFont typeface="Arial" panose="020B0604020202090204" pitchFamily="34" charset="0"/>
               <a:buChar char="•"/>
             </a:pPr>
             <a:endParaRPr lang="en-US" altLang="zh-CN" sz="1200" dirty="0">
@@ -11510,7 +11504,7 @@
           </a:p>
           <a:p>
             <a:pPr marL="285750" indent="-285750">
-              <a:buFont typeface="Arial" panose="020B0604020202020204" pitchFamily="34" charset="0"/>
+              <a:buFont typeface="Arial" panose="020B0604020202090204" pitchFamily="34" charset="0"/>
               <a:buChar char="•"/>
             </a:pPr>
             <a:r>
@@ -11531,7 +11525,7 @@
           </a:p>
           <a:p>
             <a:pPr marL="285750" indent="-285750">
-              <a:buFont typeface="Arial" panose="020B0604020202020204" pitchFamily="34" charset="0"/>
+              <a:buFont typeface="Arial" panose="020B0604020202090204" pitchFamily="34" charset="0"/>
               <a:buChar char="•"/>
             </a:pPr>
             <a:endParaRPr lang="en-US" altLang="zh-CN" sz="1200" dirty="0">
@@ -11543,7 +11537,7 @@
           </a:p>
           <a:p>
             <a:pPr marL="285750" indent="-285750">
-              <a:buFont typeface="Arial" panose="020B0604020202020204" pitchFamily="34" charset="0"/>
+              <a:buFont typeface="Arial" panose="020B0604020202090204" pitchFamily="34" charset="0"/>
               <a:buChar char="•"/>
             </a:pPr>
             <a:r>
@@ -11564,7 +11558,7 @@
           </a:p>
           <a:p>
             <a:pPr marL="285750" indent="-285750">
-              <a:buFont typeface="Arial" panose="020B0604020202020204" pitchFamily="34" charset="0"/>
+              <a:buFont typeface="Arial" panose="020B0604020202090204" pitchFamily="34" charset="0"/>
               <a:buChar char="•"/>
             </a:pPr>
             <a:endParaRPr lang="en-US" sz="1200">
@@ -11575,7 +11569,7 @@
           </a:p>
           <a:p>
             <a:pPr marL="285750" indent="-285750">
-              <a:buFont typeface="Arial" panose="020B0604020202020204" pitchFamily="34" charset="0"/>
+              <a:buFont typeface="Arial" panose="020B0604020202090204" pitchFamily="34" charset="0"/>
               <a:buChar char="•"/>
             </a:pPr>
             <a:r>
@@ -11848,12 +11842,6 @@
 <file path=ppt/tags/tag1.xml><?xml version="1.0" encoding="utf-8"?>
 <p:tagLst xmlns:p="http://schemas.openxmlformats.org/presentationml/2006/main">
   <p:tag name="KSO_WM_UNIT_PLACING_PICTURE_USER_VIEWPORT" val="{&quot;height&quot;:6853,&quot;width&quot;:7396}"/>
-</p:tagLst>
-</file>
-
-<file path=ppt/tags/tag2.xml><?xml version="1.0" encoding="utf-8"?>
-<p:tagLst xmlns:p="http://schemas.openxmlformats.org/presentationml/2006/main">
-  <p:tag name="COMMONDATA" val="eyJoZGlkIjoiMjAxNWI3YzFlYzE0N2ZkYzBlN2VjYmRmNTNiMjJjYmUifQ=="/>
 </p:tagLst>
 </file>
 

--- a/presentation-book-exchange.pptx
+++ b/presentation-book-exchange.pptx
@@ -5,24 +5,24 @@
     <p:sldMasterId id="2147483648" r:id="rId1"/>
   </p:sldMasterIdLst>
   <p:notesMasterIdLst>
-    <p:notesMasterId r:id="rId4"/>
+    <p:notesMasterId r:id="rId10"/>
   </p:notesMasterIdLst>
   <p:sldIdLst>
-    <p:sldId id="256" r:id="rId3"/>
-    <p:sldId id="261" r:id="rId5"/>
-    <p:sldId id="262" r:id="rId6"/>
-    <p:sldId id="263" r:id="rId7"/>
-    <p:sldId id="264" r:id="rId8"/>
-    <p:sldId id="265" r:id="rId9"/>
-    <p:sldId id="267" r:id="rId10"/>
+    <p:sldId id="256" r:id="rId2"/>
+    <p:sldId id="261" r:id="rId3"/>
+    <p:sldId id="262" r:id="rId4"/>
+    <p:sldId id="263" r:id="rId5"/>
+    <p:sldId id="268" r:id="rId6"/>
+    <p:sldId id="264" r:id="rId7"/>
+    <p:sldId id="265" r:id="rId8"/>
+    <p:sldId id="267" r:id="rId9"/>
   </p:sldIdLst>
-  <p:sldSz cx="9144000" cy="6858000"/>
+  <p:sldSz cx="9144000" cy="6858000" type="screen4x3"/>
   <p:notesSz cx="7010400" cy="9296400"/>
   <p:embeddedFontLst>
     <p:embeddedFont>
-      <p:font typeface="SimSun" panose="02010600030101010101" pitchFamily="2" charset="-122"/>
-      <p:regular r:id="rId14"/>
-      <p:bold r:id="rId15"/>
+      <p:font typeface="Arial Black" panose="020B0A04020102020204" pitchFamily="34" charset="0"/>
+      <p:bold r:id="rId11"/>
     </p:embeddedFont>
   </p:embeddedFontLst>
   <p:defaultTextStyle>
@@ -270,7 +270,7 @@
     </p:bg>
     <p:spTree>
       <p:nvGrpSpPr>
-        <p:cNvPr id="2" name="Shape 2"/>
+        <p:cNvPr id="1" name="Shape 2"/>
         <p:cNvGrpSpPr/>
         <p:nvPr/>
       </p:nvGrpSpPr>
@@ -285,7 +285,9 @@
       <p:sp>
         <p:nvSpPr>
           <p:cNvPr id="3" name="Google Shape;3;n"/>
-          <p:cNvSpPr txBox="1"/>
+          <p:cNvSpPr txBox="1">
+            <a:spLocks noGrp="1"/>
+          </p:cNvSpPr>
           <p:nvPr>
             <p:ph type="hdr" idx="2"/>
           </p:nvPr>
@@ -507,13 +509,17 @@
               </a:defRPr>
             </a:lvl9pPr>
           </a:lstStyle>
-          <a:p/>
+          <a:p>
+            <a:endParaRPr/>
+          </a:p>
         </p:txBody>
       </p:sp>
       <p:sp>
         <p:nvSpPr>
           <p:cNvPr id="4" name="Google Shape;4;n"/>
-          <p:cNvSpPr txBox="1"/>
+          <p:cNvSpPr txBox="1">
+            <a:spLocks noGrp="1"/>
+          </p:cNvSpPr>
           <p:nvPr>
             <p:ph type="dt" idx="10"/>
           </p:nvPr>
@@ -735,13 +741,17 @@
               </a:defRPr>
             </a:lvl9pPr>
           </a:lstStyle>
-          <a:p/>
+          <a:p>
+            <a:endParaRPr/>
+          </a:p>
         </p:txBody>
       </p:sp>
       <p:sp>
         <p:nvSpPr>
           <p:cNvPr id="5" name="Google Shape;5;n"/>
-          <p:cNvSpPr/>
+          <p:cNvSpPr>
+            <a:spLocks noGrp="1" noRot="1" noChangeAspect="1"/>
+          </p:cNvSpPr>
           <p:nvPr>
             <p:ph type="sldImg" idx="3"/>
           </p:nvPr>
@@ -790,7 +800,9 @@
       <p:sp>
         <p:nvSpPr>
           <p:cNvPr id="6" name="Google Shape;6;n"/>
-          <p:cNvSpPr txBox="1"/>
+          <p:cNvSpPr txBox="1">
+            <a:spLocks noGrp="1"/>
+          </p:cNvSpPr>
           <p:nvPr>
             <p:ph type="body" idx="1"/>
           </p:nvPr>
@@ -913,13 +925,17 @@
               <a:defRPr sz="1800" b="0" i="0" u="none" strike="noStrike" cap="none"/>
             </a:lvl9pPr>
           </a:lstStyle>
-          <a:p/>
+          <a:p>
+            <a:endParaRPr/>
+          </a:p>
         </p:txBody>
       </p:sp>
       <p:sp>
         <p:nvSpPr>
           <p:cNvPr id="7" name="Google Shape;7;n"/>
-          <p:cNvSpPr txBox="1"/>
+          <p:cNvSpPr txBox="1">
+            <a:spLocks noGrp="1"/>
+          </p:cNvSpPr>
           <p:nvPr>
             <p:ph type="ftr" idx="11"/>
           </p:nvPr>
@@ -1141,13 +1157,17 @@
               </a:defRPr>
             </a:lvl9pPr>
           </a:lstStyle>
-          <a:p/>
+          <a:p>
+            <a:endParaRPr/>
+          </a:p>
         </p:txBody>
       </p:sp>
       <p:sp>
         <p:nvSpPr>
           <p:cNvPr id="8" name="Google Shape;8;n"/>
-          <p:cNvSpPr txBox="1"/>
+          <p:cNvSpPr txBox="1">
+            <a:spLocks noGrp="1"/>
+          </p:cNvSpPr>
           <p:nvPr>
             <p:ph type="sldNum" idx="12"/>
           </p:nvPr>
@@ -1197,6 +1217,7 @@
                 <a:cs typeface="Arial" panose="020B0604020202090204"/>
                 <a:sym typeface="Arial" panose="020B0604020202090204"/>
               </a:rPr>
+              <a:t>‹#›</a:t>
             </a:fld>
             <a:endParaRPr lang="en-US" sz="1200" b="0" i="0" u="none" strike="noStrike" cap="none">
               <a:solidFill>
@@ -1446,11 +1467,11 @@
 </file>
 
 <file path=ppt/notesSlides/notesSlide1.xml><?xml version="1.0" encoding="utf-8"?>
-<p:notes xmlns:a="http://schemas.openxmlformats.org/drawingml/2006/main" xmlns:r="http://schemas.openxmlformats.org/officeDocument/2006/relationships" xmlns:p="http://schemas.openxmlformats.org/presentationml/2006/main" showMasterPhAnim="0" showMasterSp="0">
+<p:notes xmlns:a="http://schemas.openxmlformats.org/drawingml/2006/main" xmlns:r="http://schemas.openxmlformats.org/officeDocument/2006/relationships" xmlns:p="http://schemas.openxmlformats.org/presentationml/2006/main" showMasterSp="0" showMasterPhAnim="0">
   <p:cSld>
     <p:spTree>
       <p:nvGrpSpPr>
-        <p:cNvPr id="62" name="Shape 62"/>
+        <p:cNvPr id="1" name="Shape 62"/>
         <p:cNvGrpSpPr/>
         <p:nvPr/>
       </p:nvGrpSpPr>
@@ -1465,7 +1486,9 @@
       <p:sp>
         <p:nvSpPr>
           <p:cNvPr id="63" name="Google Shape;63;g1279abe8913_0_16:notes"/>
-          <p:cNvSpPr/>
+          <p:cNvSpPr>
+            <a:spLocks noGrp="1" noRot="1" noChangeAspect="1"/>
+          </p:cNvSpPr>
           <p:nvPr>
             <p:ph type="sldImg" idx="2"/>
           </p:nvPr>
@@ -1504,7 +1527,9 @@
       <p:sp>
         <p:nvSpPr>
           <p:cNvPr id="64" name="Google Shape;64;g1279abe8913_0_16:notes"/>
-          <p:cNvSpPr txBox="1"/>
+          <p:cNvSpPr txBox="1">
+            <a:spLocks noGrp="1"/>
+          </p:cNvSpPr>
           <p:nvPr>
             <p:ph type="body" idx="1"/>
           </p:nvPr>
@@ -1533,13 +1558,16 @@
               </a:spcAft>
               <a:buNone/>
             </a:pPr>
+            <a:endParaRPr/>
           </a:p>
         </p:txBody>
       </p:sp>
       <p:sp>
         <p:nvSpPr>
           <p:cNvPr id="65" name="Google Shape;65;g1279abe8913_0_16:notes"/>
-          <p:cNvSpPr txBox="1"/>
+          <p:cNvSpPr txBox="1">
+            <a:spLocks noGrp="1"/>
+          </p:cNvSpPr>
           <p:nvPr>
             <p:ph type="sldNum" idx="12"/>
           </p:nvPr>
@@ -1574,6 +1602,7 @@
             </a:pPr>
             <a:fld id="{00000000-1234-1234-1234-123412341234}" type="slidenum">
               <a:rPr lang="en-US"/>
+              <a:t>1</a:t>
             </a:fld>
             <a:endParaRPr sz="1400"/>
           </a:p>
@@ -1588,11 +1617,11 @@
 </file>
 
 <file path=ppt/slideLayouts/slideLayout1.xml><?xml version="1.0" encoding="utf-8"?>
-<p:sldLayout xmlns:a="http://schemas.openxmlformats.org/drawingml/2006/main" xmlns:r="http://schemas.openxmlformats.org/officeDocument/2006/relationships" xmlns:p="http://schemas.openxmlformats.org/presentationml/2006/main" type="objOnly" matchingName="Content">
+<p:sldLayout xmlns:a="http://schemas.openxmlformats.org/drawingml/2006/main" xmlns:r="http://schemas.openxmlformats.org/officeDocument/2006/relationships" xmlns:p="http://schemas.openxmlformats.org/presentationml/2006/main" matchingName="Content" type="objOnly">
   <p:cSld name="OBJECT_ONLY">
     <p:spTree>
       <p:nvGrpSpPr>
-        <p:cNvPr id="12" name="Shape 12"/>
+        <p:cNvPr id="1" name="Shape 12"/>
         <p:cNvGrpSpPr/>
         <p:nvPr/>
       </p:nvGrpSpPr>
@@ -1607,7 +1636,9 @@
       <p:sp>
         <p:nvSpPr>
           <p:cNvPr id="13" name="Google Shape;13;p2"/>
-          <p:cNvSpPr txBox="1"/>
+          <p:cNvSpPr txBox="1">
+            <a:spLocks noGrp="1"/>
+          </p:cNvSpPr>
           <p:nvPr>
             <p:ph type="body" idx="1"/>
           </p:nvPr>
@@ -1838,7 +1869,9 @@
               </a:defRPr>
             </a:lvl9pPr>
           </a:lstStyle>
-          <a:p/>
+          <a:p>
+            <a:endParaRPr/>
+          </a:p>
         </p:txBody>
       </p:sp>
     </p:spTree>
@@ -1850,11 +1883,11 @@
 </file>
 
 <file path=ppt/slideLayouts/slideLayout10.xml><?xml version="1.0" encoding="utf-8"?>
-<p:sldLayout xmlns:a="http://schemas.openxmlformats.org/drawingml/2006/main" xmlns:r="http://schemas.openxmlformats.org/officeDocument/2006/relationships" xmlns:p="http://schemas.openxmlformats.org/presentationml/2006/main" type="titleOnly" matchingName="Title Only">
+<p:sldLayout xmlns:a="http://schemas.openxmlformats.org/drawingml/2006/main" xmlns:r="http://schemas.openxmlformats.org/officeDocument/2006/relationships" xmlns:p="http://schemas.openxmlformats.org/presentationml/2006/main" matchingName="Title Only" type="titleOnly">
   <p:cSld name="TITLE_ONLY">
     <p:spTree>
       <p:nvGrpSpPr>
-        <p:cNvPr id="41" name="Shape 41"/>
+        <p:cNvPr id="1" name="Shape 41"/>
         <p:cNvGrpSpPr/>
         <p:nvPr/>
       </p:nvGrpSpPr>
@@ -1869,7 +1902,9 @@
       <p:sp>
         <p:nvSpPr>
           <p:cNvPr id="42" name="Google Shape;42;p11"/>
-          <p:cNvSpPr txBox="1"/>
+          <p:cNvSpPr txBox="1">
+            <a:spLocks noGrp="1"/>
+          </p:cNvSpPr>
           <p:nvPr>
             <p:ph type="title"/>
           </p:nvPr>
@@ -2064,7 +2099,9 @@
               </a:defRPr>
             </a:lvl9pPr>
           </a:lstStyle>
-          <a:p/>
+          <a:p>
+            <a:endParaRPr/>
+          </a:p>
         </p:txBody>
       </p:sp>
     </p:spTree>
@@ -2076,11 +2113,11 @@
 </file>
 
 <file path=ppt/slideLayouts/slideLayout11.xml><?xml version="1.0" encoding="utf-8"?>
-<p:sldLayout xmlns:a="http://schemas.openxmlformats.org/drawingml/2006/main" xmlns:r="http://schemas.openxmlformats.org/officeDocument/2006/relationships" xmlns:p="http://schemas.openxmlformats.org/presentationml/2006/main" type="twoTxTwoObj" matchingName="Comparison">
+<p:sldLayout xmlns:a="http://schemas.openxmlformats.org/drawingml/2006/main" xmlns:r="http://schemas.openxmlformats.org/officeDocument/2006/relationships" xmlns:p="http://schemas.openxmlformats.org/presentationml/2006/main" matchingName="Comparison" type="twoTxTwoObj">
   <p:cSld name="TWO_OBJECTS_WITH_TEXT">
     <p:spTree>
       <p:nvGrpSpPr>
-        <p:cNvPr id="43" name="Shape 43"/>
+        <p:cNvPr id="1" name="Shape 43"/>
         <p:cNvGrpSpPr/>
         <p:nvPr/>
       </p:nvGrpSpPr>
@@ -2095,7 +2132,9 @@
       <p:sp>
         <p:nvSpPr>
           <p:cNvPr id="44" name="Google Shape;44;p12"/>
-          <p:cNvSpPr txBox="1"/>
+          <p:cNvSpPr txBox="1">
+            <a:spLocks noGrp="1"/>
+          </p:cNvSpPr>
           <p:nvPr>
             <p:ph type="title"/>
           </p:nvPr>
@@ -2290,13 +2329,17 @@
               </a:defRPr>
             </a:lvl9pPr>
           </a:lstStyle>
-          <a:p/>
+          <a:p>
+            <a:endParaRPr/>
+          </a:p>
         </p:txBody>
       </p:sp>
       <p:sp>
         <p:nvSpPr>
           <p:cNvPr id="45" name="Google Shape;45;p12"/>
-          <p:cNvSpPr txBox="1"/>
+          <p:cNvSpPr txBox="1">
+            <a:spLocks noGrp="1"/>
+          </p:cNvSpPr>
           <p:nvPr>
             <p:ph type="body" idx="1"/>
           </p:nvPr>
@@ -2527,13 +2570,17 @@
               </a:defRPr>
             </a:lvl9pPr>
           </a:lstStyle>
-          <a:p/>
+          <a:p>
+            <a:endParaRPr/>
+          </a:p>
         </p:txBody>
       </p:sp>
       <p:sp>
         <p:nvSpPr>
           <p:cNvPr id="46" name="Google Shape;46;p12"/>
-          <p:cNvSpPr txBox="1"/>
+          <p:cNvSpPr txBox="1">
+            <a:spLocks noGrp="1"/>
+          </p:cNvSpPr>
           <p:nvPr>
             <p:ph type="body" idx="2"/>
           </p:nvPr>
@@ -2764,13 +2811,17 @@
               </a:defRPr>
             </a:lvl9pPr>
           </a:lstStyle>
-          <a:p/>
+          <a:p>
+            <a:endParaRPr/>
+          </a:p>
         </p:txBody>
       </p:sp>
       <p:sp>
         <p:nvSpPr>
           <p:cNvPr id="47" name="Google Shape;47;p12"/>
-          <p:cNvSpPr txBox="1"/>
+          <p:cNvSpPr txBox="1">
+            <a:spLocks noGrp="1"/>
+          </p:cNvSpPr>
           <p:nvPr>
             <p:ph type="body" idx="3"/>
           </p:nvPr>
@@ -3001,13 +3052,17 @@
               </a:defRPr>
             </a:lvl9pPr>
           </a:lstStyle>
-          <a:p/>
+          <a:p>
+            <a:endParaRPr/>
+          </a:p>
         </p:txBody>
       </p:sp>
       <p:sp>
         <p:nvSpPr>
           <p:cNvPr id="48" name="Google Shape;48;p12"/>
-          <p:cNvSpPr txBox="1"/>
+          <p:cNvSpPr txBox="1">
+            <a:spLocks noGrp="1"/>
+          </p:cNvSpPr>
           <p:nvPr>
             <p:ph type="body" idx="4"/>
           </p:nvPr>
@@ -3238,7 +3293,9 @@
               </a:defRPr>
             </a:lvl9pPr>
           </a:lstStyle>
-          <a:p/>
+          <a:p>
+            <a:endParaRPr/>
+          </a:p>
         </p:txBody>
       </p:sp>
     </p:spTree>
@@ -3250,11 +3307,11 @@
 </file>
 
 <file path=ppt/slideLayouts/slideLayout12.xml><?xml version="1.0" encoding="utf-8"?>
-<p:sldLayout xmlns:a="http://schemas.openxmlformats.org/drawingml/2006/main" xmlns:r="http://schemas.openxmlformats.org/officeDocument/2006/relationships" xmlns:p="http://schemas.openxmlformats.org/presentationml/2006/main" type="twoObj" matchingName="Two Content">
+<p:sldLayout xmlns:a="http://schemas.openxmlformats.org/drawingml/2006/main" xmlns:r="http://schemas.openxmlformats.org/officeDocument/2006/relationships" xmlns:p="http://schemas.openxmlformats.org/presentationml/2006/main" matchingName="Two Content" type="twoObj">
   <p:cSld name="TWO_OBJECTS">
     <p:spTree>
       <p:nvGrpSpPr>
-        <p:cNvPr id="49" name="Shape 49"/>
+        <p:cNvPr id="1" name="Shape 49"/>
         <p:cNvGrpSpPr/>
         <p:nvPr/>
       </p:nvGrpSpPr>
@@ -3269,7 +3326,9 @@
       <p:sp>
         <p:nvSpPr>
           <p:cNvPr id="50" name="Google Shape;50;p13"/>
-          <p:cNvSpPr txBox="1"/>
+          <p:cNvSpPr txBox="1">
+            <a:spLocks noGrp="1"/>
+          </p:cNvSpPr>
           <p:nvPr>
             <p:ph type="title"/>
           </p:nvPr>
@@ -3464,13 +3523,17 @@
               </a:defRPr>
             </a:lvl9pPr>
           </a:lstStyle>
-          <a:p/>
+          <a:p>
+            <a:endParaRPr/>
+          </a:p>
         </p:txBody>
       </p:sp>
       <p:sp>
         <p:nvSpPr>
           <p:cNvPr id="51" name="Google Shape;51;p13"/>
-          <p:cNvSpPr txBox="1"/>
+          <p:cNvSpPr txBox="1">
+            <a:spLocks noGrp="1"/>
+          </p:cNvSpPr>
           <p:nvPr>
             <p:ph type="body" idx="1"/>
           </p:nvPr>
@@ -3701,13 +3764,17 @@
               </a:defRPr>
             </a:lvl9pPr>
           </a:lstStyle>
-          <a:p/>
+          <a:p>
+            <a:endParaRPr/>
+          </a:p>
         </p:txBody>
       </p:sp>
       <p:sp>
         <p:nvSpPr>
           <p:cNvPr id="52" name="Google Shape;52;p13"/>
-          <p:cNvSpPr txBox="1"/>
+          <p:cNvSpPr txBox="1">
+            <a:spLocks noGrp="1"/>
+          </p:cNvSpPr>
           <p:nvPr>
             <p:ph type="body" idx="2"/>
           </p:nvPr>
@@ -3938,7 +4005,9 @@
               </a:defRPr>
             </a:lvl9pPr>
           </a:lstStyle>
-          <a:p/>
+          <a:p>
+            <a:endParaRPr/>
+          </a:p>
         </p:txBody>
       </p:sp>
     </p:spTree>
@@ -3950,11 +4019,11 @@
 </file>
 
 <file path=ppt/slideLayouts/slideLayout13.xml><?xml version="1.0" encoding="utf-8"?>
-<p:sldLayout xmlns:a="http://schemas.openxmlformats.org/drawingml/2006/main" xmlns:r="http://schemas.openxmlformats.org/officeDocument/2006/relationships" xmlns:p="http://schemas.openxmlformats.org/presentationml/2006/main" type="secHead" matchingName="Section Header">
+<p:sldLayout xmlns:a="http://schemas.openxmlformats.org/drawingml/2006/main" xmlns:r="http://schemas.openxmlformats.org/officeDocument/2006/relationships" xmlns:p="http://schemas.openxmlformats.org/presentationml/2006/main" matchingName="Section Header" type="secHead">
   <p:cSld name="SECTION_HEADER">
     <p:spTree>
       <p:nvGrpSpPr>
-        <p:cNvPr id="53" name="Shape 53"/>
+        <p:cNvPr id="1" name="Shape 53"/>
         <p:cNvGrpSpPr/>
         <p:nvPr/>
       </p:nvGrpSpPr>
@@ -3969,7 +4038,9 @@
       <p:sp>
         <p:nvSpPr>
           <p:cNvPr id="54" name="Google Shape;54;p14"/>
-          <p:cNvSpPr txBox="1"/>
+          <p:cNvSpPr txBox="1">
+            <a:spLocks noGrp="1"/>
+          </p:cNvSpPr>
           <p:nvPr>
             <p:ph type="title"/>
           </p:nvPr>
@@ -4164,13 +4235,17 @@
               </a:defRPr>
             </a:lvl9pPr>
           </a:lstStyle>
-          <a:p/>
+          <a:p>
+            <a:endParaRPr/>
+          </a:p>
         </p:txBody>
       </p:sp>
       <p:sp>
         <p:nvSpPr>
           <p:cNvPr id="55" name="Google Shape;55;p14"/>
-          <p:cNvSpPr txBox="1"/>
+          <p:cNvSpPr txBox="1">
+            <a:spLocks noGrp="1"/>
+          </p:cNvSpPr>
           <p:nvPr>
             <p:ph type="body" idx="1"/>
           </p:nvPr>
@@ -4401,7 +4476,9 @@
               </a:defRPr>
             </a:lvl9pPr>
           </a:lstStyle>
-          <a:p/>
+          <a:p>
+            <a:endParaRPr/>
+          </a:p>
         </p:txBody>
       </p:sp>
     </p:spTree>
@@ -4413,11 +4490,11 @@
 </file>
 
 <file path=ppt/slideLayouts/slideLayout14.xml><?xml version="1.0" encoding="utf-8"?>
-<p:sldLayout xmlns:a="http://schemas.openxmlformats.org/drawingml/2006/main" xmlns:r="http://schemas.openxmlformats.org/officeDocument/2006/relationships" xmlns:p="http://schemas.openxmlformats.org/presentationml/2006/main" type="obj" matchingName="Title and Content">
+<p:sldLayout xmlns:a="http://schemas.openxmlformats.org/drawingml/2006/main" xmlns:r="http://schemas.openxmlformats.org/officeDocument/2006/relationships" xmlns:p="http://schemas.openxmlformats.org/presentationml/2006/main" matchingName="Title and Content" type="obj">
   <p:cSld name="OBJECT">
     <p:spTree>
       <p:nvGrpSpPr>
-        <p:cNvPr id="56" name="Shape 56"/>
+        <p:cNvPr id="1" name="Shape 56"/>
         <p:cNvGrpSpPr/>
         <p:nvPr/>
       </p:nvGrpSpPr>
@@ -4432,7 +4509,9 @@
       <p:sp>
         <p:nvSpPr>
           <p:cNvPr id="57" name="Google Shape;57;p15"/>
-          <p:cNvSpPr txBox="1"/>
+          <p:cNvSpPr txBox="1">
+            <a:spLocks noGrp="1"/>
+          </p:cNvSpPr>
           <p:nvPr>
             <p:ph type="title"/>
           </p:nvPr>
@@ -4627,13 +4706,17 @@
               </a:defRPr>
             </a:lvl9pPr>
           </a:lstStyle>
-          <a:p/>
+          <a:p>
+            <a:endParaRPr/>
+          </a:p>
         </p:txBody>
       </p:sp>
       <p:sp>
         <p:nvSpPr>
           <p:cNvPr id="58" name="Google Shape;58;p15"/>
-          <p:cNvSpPr txBox="1"/>
+          <p:cNvSpPr txBox="1">
+            <a:spLocks noGrp="1"/>
+          </p:cNvSpPr>
           <p:nvPr>
             <p:ph type="body" idx="1"/>
           </p:nvPr>
@@ -4864,7 +4947,9 @@
               </a:defRPr>
             </a:lvl9pPr>
           </a:lstStyle>
-          <a:p/>
+          <a:p>
+            <a:endParaRPr/>
+          </a:p>
         </p:txBody>
       </p:sp>
     </p:spTree>
@@ -4876,11 +4961,11 @@
 </file>
 
 <file path=ppt/slideLayouts/slideLayout15.xml><?xml version="1.0" encoding="utf-8"?>
-<p:sldLayout xmlns:a="http://schemas.openxmlformats.org/drawingml/2006/main" xmlns:r="http://schemas.openxmlformats.org/officeDocument/2006/relationships" xmlns:p="http://schemas.openxmlformats.org/presentationml/2006/main" type="title" matchingName="Title Slide">
+<p:sldLayout xmlns:a="http://schemas.openxmlformats.org/drawingml/2006/main" xmlns:r="http://schemas.openxmlformats.org/officeDocument/2006/relationships" xmlns:p="http://schemas.openxmlformats.org/presentationml/2006/main" matchingName="Title Slide" type="title">
   <p:cSld name="TITLE">
     <p:spTree>
       <p:nvGrpSpPr>
-        <p:cNvPr id="59" name="Shape 59"/>
+        <p:cNvPr id="1" name="Shape 59"/>
         <p:cNvGrpSpPr/>
         <p:nvPr/>
       </p:nvGrpSpPr>
@@ -4895,7 +4980,9 @@
       <p:sp>
         <p:nvSpPr>
           <p:cNvPr id="60" name="Google Shape;60;p16"/>
-          <p:cNvSpPr txBox="1"/>
+          <p:cNvSpPr txBox="1">
+            <a:spLocks noGrp="1"/>
+          </p:cNvSpPr>
           <p:nvPr>
             <p:ph type="ctrTitle"/>
           </p:nvPr>
@@ -5090,13 +5177,17 @@
               </a:defRPr>
             </a:lvl9pPr>
           </a:lstStyle>
-          <a:p/>
+          <a:p>
+            <a:endParaRPr/>
+          </a:p>
         </p:txBody>
       </p:sp>
       <p:sp>
         <p:nvSpPr>
           <p:cNvPr id="61" name="Google Shape;61;p16"/>
-          <p:cNvSpPr txBox="1"/>
+          <p:cNvSpPr txBox="1">
+            <a:spLocks noGrp="1"/>
+          </p:cNvSpPr>
           <p:nvPr>
             <p:ph type="subTitle" idx="1"/>
           </p:nvPr>
@@ -5327,7 +5418,9 @@
               </a:defRPr>
             </a:lvl9pPr>
           </a:lstStyle>
-          <a:p/>
+          <a:p>
+            <a:endParaRPr/>
+          </a:p>
         </p:txBody>
       </p:sp>
     </p:spTree>
@@ -5339,11 +5432,11 @@
 </file>
 
 <file path=ppt/slideLayouts/slideLayout2.xml><?xml version="1.0" encoding="utf-8"?>
-<p:sldLayout xmlns:a="http://schemas.openxmlformats.org/drawingml/2006/main" xmlns:r="http://schemas.openxmlformats.org/officeDocument/2006/relationships" xmlns:p="http://schemas.openxmlformats.org/presentationml/2006/main" type="txAndObj" matchingName="Title, Text, and Content">
+<p:sldLayout xmlns:a="http://schemas.openxmlformats.org/drawingml/2006/main" xmlns:r="http://schemas.openxmlformats.org/officeDocument/2006/relationships" xmlns:p="http://schemas.openxmlformats.org/presentationml/2006/main" matchingName="Title, Text, and Content" type="txAndObj">
   <p:cSld name="TEXT_AND_OBJECT">
     <p:spTree>
       <p:nvGrpSpPr>
-        <p:cNvPr id="14" name="Shape 14"/>
+        <p:cNvPr id="1" name="Shape 14"/>
         <p:cNvGrpSpPr/>
         <p:nvPr/>
       </p:nvGrpSpPr>
@@ -5358,7 +5451,9 @@
       <p:sp>
         <p:nvSpPr>
           <p:cNvPr id="15" name="Google Shape;15;p3"/>
-          <p:cNvSpPr txBox="1"/>
+          <p:cNvSpPr txBox="1">
+            <a:spLocks noGrp="1"/>
+          </p:cNvSpPr>
           <p:nvPr>
             <p:ph type="title"/>
           </p:nvPr>
@@ -5553,13 +5648,17 @@
               </a:defRPr>
             </a:lvl9pPr>
           </a:lstStyle>
-          <a:p/>
+          <a:p>
+            <a:endParaRPr/>
+          </a:p>
         </p:txBody>
       </p:sp>
       <p:sp>
         <p:nvSpPr>
           <p:cNvPr id="16" name="Google Shape;16;p3"/>
-          <p:cNvSpPr txBox="1"/>
+          <p:cNvSpPr txBox="1">
+            <a:spLocks noGrp="1"/>
+          </p:cNvSpPr>
           <p:nvPr>
             <p:ph type="body" idx="1"/>
           </p:nvPr>
@@ -5790,13 +5889,17 @@
               </a:defRPr>
             </a:lvl9pPr>
           </a:lstStyle>
-          <a:p/>
+          <a:p>
+            <a:endParaRPr/>
+          </a:p>
         </p:txBody>
       </p:sp>
       <p:sp>
         <p:nvSpPr>
           <p:cNvPr id="17" name="Google Shape;17;p3"/>
-          <p:cNvSpPr txBox="1"/>
+          <p:cNvSpPr txBox="1">
+            <a:spLocks noGrp="1"/>
+          </p:cNvSpPr>
           <p:nvPr>
             <p:ph type="body" idx="2"/>
           </p:nvPr>
@@ -6027,7 +6130,9 @@
               </a:defRPr>
             </a:lvl9pPr>
           </a:lstStyle>
-          <a:p/>
+          <a:p>
+            <a:endParaRPr/>
+          </a:p>
         </p:txBody>
       </p:sp>
     </p:spTree>
@@ -6039,11 +6144,11 @@
 </file>
 
 <file path=ppt/slideLayouts/slideLayout3.xml><?xml version="1.0" encoding="utf-8"?>
-<p:sldLayout xmlns:a="http://schemas.openxmlformats.org/drawingml/2006/main" xmlns:r="http://schemas.openxmlformats.org/officeDocument/2006/relationships" xmlns:p="http://schemas.openxmlformats.org/presentationml/2006/main" type="fourObj" matchingName="Title and 4 Content">
+<p:sldLayout xmlns:a="http://schemas.openxmlformats.org/drawingml/2006/main" xmlns:r="http://schemas.openxmlformats.org/officeDocument/2006/relationships" xmlns:p="http://schemas.openxmlformats.org/presentationml/2006/main" matchingName="Title and 4 Content" type="fourObj">
   <p:cSld name="FOUR_OBJECTS">
     <p:spTree>
       <p:nvGrpSpPr>
-        <p:cNvPr id="18" name="Shape 18"/>
+        <p:cNvPr id="1" name="Shape 18"/>
         <p:cNvGrpSpPr/>
         <p:nvPr/>
       </p:nvGrpSpPr>
@@ -6058,7 +6163,9 @@
       <p:sp>
         <p:nvSpPr>
           <p:cNvPr id="19" name="Google Shape;19;p4"/>
-          <p:cNvSpPr txBox="1"/>
+          <p:cNvSpPr txBox="1">
+            <a:spLocks noGrp="1"/>
+          </p:cNvSpPr>
           <p:nvPr>
             <p:ph type="title"/>
           </p:nvPr>
@@ -6253,13 +6360,17 @@
               </a:defRPr>
             </a:lvl9pPr>
           </a:lstStyle>
-          <a:p/>
+          <a:p>
+            <a:endParaRPr/>
+          </a:p>
         </p:txBody>
       </p:sp>
       <p:sp>
         <p:nvSpPr>
           <p:cNvPr id="20" name="Google Shape;20;p4"/>
-          <p:cNvSpPr txBox="1"/>
+          <p:cNvSpPr txBox="1">
+            <a:spLocks noGrp="1"/>
+          </p:cNvSpPr>
           <p:nvPr>
             <p:ph type="body" idx="1"/>
           </p:nvPr>
@@ -6490,13 +6601,17 @@
               </a:defRPr>
             </a:lvl9pPr>
           </a:lstStyle>
-          <a:p/>
+          <a:p>
+            <a:endParaRPr/>
+          </a:p>
         </p:txBody>
       </p:sp>
       <p:sp>
         <p:nvSpPr>
           <p:cNvPr id="21" name="Google Shape;21;p4"/>
-          <p:cNvSpPr txBox="1"/>
+          <p:cNvSpPr txBox="1">
+            <a:spLocks noGrp="1"/>
+          </p:cNvSpPr>
           <p:nvPr>
             <p:ph type="body" idx="2"/>
           </p:nvPr>
@@ -6727,13 +6842,17 @@
               </a:defRPr>
             </a:lvl9pPr>
           </a:lstStyle>
-          <a:p/>
+          <a:p>
+            <a:endParaRPr/>
+          </a:p>
         </p:txBody>
       </p:sp>
       <p:sp>
         <p:nvSpPr>
           <p:cNvPr id="22" name="Google Shape;22;p4"/>
-          <p:cNvSpPr txBox="1"/>
+          <p:cNvSpPr txBox="1">
+            <a:spLocks noGrp="1"/>
+          </p:cNvSpPr>
           <p:nvPr>
             <p:ph type="body" idx="3"/>
           </p:nvPr>
@@ -6964,13 +7083,17 @@
               </a:defRPr>
             </a:lvl9pPr>
           </a:lstStyle>
-          <a:p/>
+          <a:p>
+            <a:endParaRPr/>
+          </a:p>
         </p:txBody>
       </p:sp>
       <p:sp>
         <p:nvSpPr>
           <p:cNvPr id="23" name="Google Shape;23;p4"/>
-          <p:cNvSpPr txBox="1"/>
+          <p:cNvSpPr txBox="1">
+            <a:spLocks noGrp="1"/>
+          </p:cNvSpPr>
           <p:nvPr>
             <p:ph type="body" idx="4"/>
           </p:nvPr>
@@ -7201,7 +7324,9 @@
               </a:defRPr>
             </a:lvl9pPr>
           </a:lstStyle>
-          <a:p/>
+          <a:p>
+            <a:endParaRPr/>
+          </a:p>
         </p:txBody>
       </p:sp>
     </p:spTree>
@@ -7213,11 +7338,11 @@
 </file>
 
 <file path=ppt/slideLayouts/slideLayout4.xml><?xml version="1.0" encoding="utf-8"?>
-<p:sldLayout xmlns:a="http://schemas.openxmlformats.org/drawingml/2006/main" xmlns:r="http://schemas.openxmlformats.org/officeDocument/2006/relationships" xmlns:p="http://schemas.openxmlformats.org/presentationml/2006/main" type="tbl" matchingName="Title and Table">
+<p:sldLayout xmlns:a="http://schemas.openxmlformats.org/drawingml/2006/main" xmlns:r="http://schemas.openxmlformats.org/officeDocument/2006/relationships" xmlns:p="http://schemas.openxmlformats.org/presentationml/2006/main" matchingName="Title and Table" type="tbl">
   <p:cSld name="TABLE">
     <p:spTree>
       <p:nvGrpSpPr>
-        <p:cNvPr id="24" name="Shape 24"/>
+        <p:cNvPr id="1" name="Shape 24"/>
         <p:cNvGrpSpPr/>
         <p:nvPr/>
       </p:nvGrpSpPr>
@@ -7232,7 +7357,9 @@
       <p:sp>
         <p:nvSpPr>
           <p:cNvPr id="25" name="Google Shape;25;p5"/>
-          <p:cNvSpPr txBox="1"/>
+          <p:cNvSpPr txBox="1">
+            <a:spLocks noGrp="1"/>
+          </p:cNvSpPr>
           <p:nvPr>
             <p:ph type="title"/>
           </p:nvPr>
@@ -7427,7 +7554,9 @@
               </a:defRPr>
             </a:lvl9pPr>
           </a:lstStyle>
-          <a:p/>
+          <a:p>
+            <a:endParaRPr/>
+          </a:p>
         </p:txBody>
       </p:sp>
     </p:spTree>
@@ -7439,11 +7568,11 @@
 </file>
 
 <file path=ppt/slideLayouts/slideLayout5.xml><?xml version="1.0" encoding="utf-8"?>
-<p:sldLayout xmlns:a="http://schemas.openxmlformats.org/drawingml/2006/main" xmlns:r="http://schemas.openxmlformats.org/officeDocument/2006/relationships" xmlns:p="http://schemas.openxmlformats.org/presentationml/2006/main" type="vertTitleAndTx" matchingName="Vertical Title and Text">
+<p:sldLayout xmlns:a="http://schemas.openxmlformats.org/drawingml/2006/main" xmlns:r="http://schemas.openxmlformats.org/officeDocument/2006/relationships" xmlns:p="http://schemas.openxmlformats.org/presentationml/2006/main" matchingName="Vertical Title and Text" type="vertTitleAndTx">
   <p:cSld name="VERTICAL_TITLE_AND_VERTICAL_TEXT">
     <p:spTree>
       <p:nvGrpSpPr>
-        <p:cNvPr id="26" name="Shape 26"/>
+        <p:cNvPr id="1" name="Shape 26"/>
         <p:cNvGrpSpPr/>
         <p:nvPr/>
       </p:nvGrpSpPr>
@@ -7458,7 +7587,9 @@
       <p:sp>
         <p:nvSpPr>
           <p:cNvPr id="27" name="Google Shape;27;p6"/>
-          <p:cNvSpPr txBox="1"/>
+          <p:cNvSpPr txBox="1">
+            <a:spLocks noGrp="1"/>
+          </p:cNvSpPr>
           <p:nvPr>
             <p:ph type="title"/>
           </p:nvPr>
@@ -7653,13 +7784,17 @@
               </a:defRPr>
             </a:lvl9pPr>
           </a:lstStyle>
-          <a:p/>
+          <a:p>
+            <a:endParaRPr/>
+          </a:p>
         </p:txBody>
       </p:sp>
       <p:sp>
         <p:nvSpPr>
           <p:cNvPr id="28" name="Google Shape;28;p6"/>
-          <p:cNvSpPr txBox="1"/>
+          <p:cNvSpPr txBox="1">
+            <a:spLocks noGrp="1"/>
+          </p:cNvSpPr>
           <p:nvPr>
             <p:ph type="body" idx="1"/>
           </p:nvPr>
@@ -7890,7 +8025,9 @@
               </a:defRPr>
             </a:lvl9pPr>
           </a:lstStyle>
-          <a:p/>
+          <a:p>
+            <a:endParaRPr/>
+          </a:p>
         </p:txBody>
       </p:sp>
     </p:spTree>
@@ -7902,11 +8039,11 @@
 </file>
 
 <file path=ppt/slideLayouts/slideLayout6.xml><?xml version="1.0" encoding="utf-8"?>
-<p:sldLayout xmlns:a="http://schemas.openxmlformats.org/drawingml/2006/main" xmlns:r="http://schemas.openxmlformats.org/officeDocument/2006/relationships" xmlns:p="http://schemas.openxmlformats.org/presentationml/2006/main" type="vertTx" matchingName="Title and Vertical Text">
+<p:sldLayout xmlns:a="http://schemas.openxmlformats.org/drawingml/2006/main" xmlns:r="http://schemas.openxmlformats.org/officeDocument/2006/relationships" xmlns:p="http://schemas.openxmlformats.org/presentationml/2006/main" matchingName="Title and Vertical Text" type="vertTx">
   <p:cSld name="VERTICAL_TEXT">
     <p:spTree>
       <p:nvGrpSpPr>
-        <p:cNvPr id="29" name="Shape 29"/>
+        <p:cNvPr id="1" name="Shape 29"/>
         <p:cNvGrpSpPr/>
         <p:nvPr/>
       </p:nvGrpSpPr>
@@ -7921,7 +8058,9 @@
       <p:sp>
         <p:nvSpPr>
           <p:cNvPr id="30" name="Google Shape;30;p7"/>
-          <p:cNvSpPr txBox="1"/>
+          <p:cNvSpPr txBox="1">
+            <a:spLocks noGrp="1"/>
+          </p:cNvSpPr>
           <p:nvPr>
             <p:ph type="title"/>
           </p:nvPr>
@@ -8116,13 +8255,17 @@
               </a:defRPr>
             </a:lvl9pPr>
           </a:lstStyle>
-          <a:p/>
+          <a:p>
+            <a:endParaRPr/>
+          </a:p>
         </p:txBody>
       </p:sp>
       <p:sp>
         <p:nvSpPr>
           <p:cNvPr id="31" name="Google Shape;31;p7"/>
-          <p:cNvSpPr txBox="1"/>
+          <p:cNvSpPr txBox="1">
+            <a:spLocks noGrp="1"/>
+          </p:cNvSpPr>
           <p:nvPr>
             <p:ph type="body" idx="1"/>
           </p:nvPr>
@@ -8353,7 +8496,9 @@
               </a:defRPr>
             </a:lvl9pPr>
           </a:lstStyle>
-          <a:p/>
+          <a:p>
+            <a:endParaRPr/>
+          </a:p>
         </p:txBody>
       </p:sp>
     </p:spTree>
@@ -8365,11 +8510,11 @@
 </file>
 
 <file path=ppt/slideLayouts/slideLayout7.xml><?xml version="1.0" encoding="utf-8"?>
-<p:sldLayout xmlns:a="http://schemas.openxmlformats.org/drawingml/2006/main" xmlns:r="http://schemas.openxmlformats.org/officeDocument/2006/relationships" xmlns:p="http://schemas.openxmlformats.org/presentationml/2006/main" type="picTx" matchingName="Picture with Caption">
+<p:sldLayout xmlns:a="http://schemas.openxmlformats.org/drawingml/2006/main" xmlns:r="http://schemas.openxmlformats.org/officeDocument/2006/relationships" xmlns:p="http://schemas.openxmlformats.org/presentationml/2006/main" matchingName="Picture with Caption" type="picTx">
   <p:cSld name="PICTURE_WITH_CAPTION_TEXT">
     <p:spTree>
       <p:nvGrpSpPr>
-        <p:cNvPr id="32" name="Shape 32"/>
+        <p:cNvPr id="1" name="Shape 32"/>
         <p:cNvGrpSpPr/>
         <p:nvPr/>
       </p:nvGrpSpPr>
@@ -8384,7 +8529,9 @@
       <p:sp>
         <p:nvSpPr>
           <p:cNvPr id="33" name="Google Shape;33;p8"/>
-          <p:cNvSpPr txBox="1"/>
+          <p:cNvSpPr txBox="1">
+            <a:spLocks noGrp="1"/>
+          </p:cNvSpPr>
           <p:nvPr>
             <p:ph type="title"/>
           </p:nvPr>
@@ -8579,13 +8726,17 @@
               </a:defRPr>
             </a:lvl9pPr>
           </a:lstStyle>
-          <a:p/>
+          <a:p>
+            <a:endParaRPr/>
+          </a:p>
         </p:txBody>
       </p:sp>
       <p:sp>
         <p:nvSpPr>
           <p:cNvPr id="34" name="Google Shape;34;p8"/>
-          <p:cNvSpPr/>
+          <p:cNvSpPr>
+            <a:spLocks noGrp="1"/>
+          </p:cNvSpPr>
           <p:nvPr>
             <p:ph type="pic" idx="2"/>
           </p:nvPr>
@@ -8816,13 +8967,17 @@
               </a:defRPr>
             </a:lvl9pPr>
           </a:lstStyle>
-          <a:p/>
+          <a:p>
+            <a:endParaRPr/>
+          </a:p>
         </p:txBody>
       </p:sp>
       <p:sp>
         <p:nvSpPr>
           <p:cNvPr id="35" name="Google Shape;35;p8"/>
-          <p:cNvSpPr txBox="1"/>
+          <p:cNvSpPr txBox="1">
+            <a:spLocks noGrp="1"/>
+          </p:cNvSpPr>
           <p:nvPr>
             <p:ph type="body" idx="1"/>
           </p:nvPr>
@@ -9053,7 +9208,9 @@
               </a:defRPr>
             </a:lvl9pPr>
           </a:lstStyle>
-          <a:p/>
+          <a:p>
+            <a:endParaRPr/>
+          </a:p>
         </p:txBody>
       </p:sp>
     </p:spTree>
@@ -9065,11 +9222,11 @@
 </file>
 
 <file path=ppt/slideLayouts/slideLayout8.xml><?xml version="1.0" encoding="utf-8"?>
-<p:sldLayout xmlns:a="http://schemas.openxmlformats.org/drawingml/2006/main" xmlns:r="http://schemas.openxmlformats.org/officeDocument/2006/relationships" xmlns:p="http://schemas.openxmlformats.org/presentationml/2006/main" type="objTx" matchingName="Content with Caption">
+<p:sldLayout xmlns:a="http://schemas.openxmlformats.org/drawingml/2006/main" xmlns:r="http://schemas.openxmlformats.org/officeDocument/2006/relationships" xmlns:p="http://schemas.openxmlformats.org/presentationml/2006/main" matchingName="Content with Caption" type="objTx">
   <p:cSld name="OBJECT_WITH_CAPTION_TEXT">
     <p:spTree>
       <p:nvGrpSpPr>
-        <p:cNvPr id="36" name="Shape 36"/>
+        <p:cNvPr id="1" name="Shape 36"/>
         <p:cNvGrpSpPr/>
         <p:nvPr/>
       </p:nvGrpSpPr>
@@ -9084,7 +9241,9 @@
       <p:sp>
         <p:nvSpPr>
           <p:cNvPr id="37" name="Google Shape;37;p9"/>
-          <p:cNvSpPr txBox="1"/>
+          <p:cNvSpPr txBox="1">
+            <a:spLocks noGrp="1"/>
+          </p:cNvSpPr>
           <p:nvPr>
             <p:ph type="title"/>
           </p:nvPr>
@@ -9279,13 +9438,17 @@
               </a:defRPr>
             </a:lvl9pPr>
           </a:lstStyle>
-          <a:p/>
+          <a:p>
+            <a:endParaRPr/>
+          </a:p>
         </p:txBody>
       </p:sp>
       <p:sp>
         <p:nvSpPr>
           <p:cNvPr id="38" name="Google Shape;38;p9"/>
-          <p:cNvSpPr txBox="1"/>
+          <p:cNvSpPr txBox="1">
+            <a:spLocks noGrp="1"/>
+          </p:cNvSpPr>
           <p:nvPr>
             <p:ph type="body" idx="1"/>
           </p:nvPr>
@@ -9516,13 +9679,17 @@
               </a:defRPr>
             </a:lvl9pPr>
           </a:lstStyle>
-          <a:p/>
+          <a:p>
+            <a:endParaRPr/>
+          </a:p>
         </p:txBody>
       </p:sp>
       <p:sp>
         <p:nvSpPr>
           <p:cNvPr id="39" name="Google Shape;39;p9"/>
-          <p:cNvSpPr txBox="1"/>
+          <p:cNvSpPr txBox="1">
+            <a:spLocks noGrp="1"/>
+          </p:cNvSpPr>
           <p:nvPr>
             <p:ph type="body" idx="2"/>
           </p:nvPr>
@@ -9753,7 +9920,9 @@
               </a:defRPr>
             </a:lvl9pPr>
           </a:lstStyle>
-          <a:p/>
+          <a:p>
+            <a:endParaRPr/>
+          </a:p>
         </p:txBody>
       </p:sp>
     </p:spTree>
@@ -9765,11 +9934,11 @@
 </file>
 
 <file path=ppt/slideLayouts/slideLayout9.xml><?xml version="1.0" encoding="utf-8"?>
-<p:sldLayout xmlns:a="http://schemas.openxmlformats.org/drawingml/2006/main" xmlns:r="http://schemas.openxmlformats.org/officeDocument/2006/relationships" xmlns:p="http://schemas.openxmlformats.org/presentationml/2006/main" type="blank" matchingName="Blank">
+<p:sldLayout xmlns:a="http://schemas.openxmlformats.org/drawingml/2006/main" xmlns:r="http://schemas.openxmlformats.org/officeDocument/2006/relationships" xmlns:p="http://schemas.openxmlformats.org/presentationml/2006/main" matchingName="Blank" type="blank">
   <p:cSld name="BLANK">
     <p:spTree>
       <p:nvGrpSpPr>
-        <p:cNvPr id="40" name="Shape 40"/>
+        <p:cNvPr id="1" name="Shape 40"/>
         <p:cNvGrpSpPr/>
         <p:nvPr/>
       </p:nvGrpSpPr>
@@ -9802,7 +9971,7 @@
     </p:bg>
     <p:spTree>
       <p:nvGrpSpPr>
-        <p:cNvPr id="9" name="Shape 9"/>
+        <p:cNvPr id="1" name="Shape 9"/>
         <p:cNvGrpSpPr/>
         <p:nvPr/>
       </p:nvGrpSpPr>
@@ -9872,7 +10041,7 @@
           <p:nvPr/>
         </p:nvPicPr>
         <p:blipFill rotWithShape="1">
-          <a:blip r:embed="rId16"/>
+          <a:blip r:embed="rId17"/>
           <a:srcRect/>
           <a:stretch>
             <a:fillRect/>
@@ -10610,7 +10779,7 @@
   <p:cSld>
     <p:spTree>
       <p:nvGrpSpPr>
-        <p:cNvPr id="66" name="Shape 66"/>
+        <p:cNvPr id="1" name="Shape 66"/>
         <p:cNvGrpSpPr/>
         <p:nvPr/>
       </p:nvGrpSpPr>
@@ -10642,6 +10811,7 @@
           <a:bodyPr>
             <a:normAutofit fontScale="90000"/>
           </a:bodyPr>
+          <a:lstStyle/>
           <a:p>
             <a:r>
               <a:rPr lang="en-US" altLang="zh-CN" b="1" dirty="0">
@@ -10697,13 +10867,13 @@
         </p:spPr>
         <p:txBody>
           <a:bodyPr/>
+          <a:lstStyle/>
           <a:p>
             <a:pPr algn="ctr"/>
             <a:r>
               <a:rPr lang="en-US" altLang="zh-CN" sz="1800" dirty="0"/>
               <a:t>A web service for exchanging second-hand books</a:t>
             </a:r>
-            <a:endParaRPr lang="en-US" altLang="zh-CN" sz="1800" dirty="0"/>
           </a:p>
         </p:txBody>
       </p:sp>
@@ -10727,6 +10897,7 @@
           <a:bodyPr wrap="square">
             <a:spAutoFit/>
           </a:bodyPr>
+          <a:lstStyle/>
           <a:p>
             <a:r>
               <a:rPr lang="en-US" altLang="zh-CN" sz="1800" dirty="0"/>
@@ -10753,7 +10924,14 @@
         <p:cNvGrpSpPr/>
         <p:nvPr/>
       </p:nvGrpSpPr>
-      <p:grpSpPr/>
+      <p:grpSpPr>
+        <a:xfrm>
+          <a:off x="0" y="0"/>
+          <a:ext cx="0" cy="0"/>
+          <a:chOff x="0" y="0"/>
+          <a:chExt cx="0" cy="0"/>
+        </a:xfrm>
+      </p:grpSpPr>
       <p:sp>
         <p:nvSpPr>
           <p:cNvPr id="4" name="Title 1"/>
@@ -10774,6 +10952,7 @@
           <a:bodyPr>
             <a:noAutofit/>
           </a:bodyPr>
+          <a:lstStyle/>
           <a:p>
             <a:r>
               <a:rPr lang="en-US" altLang="zh-CN" sz="4000" dirty="0"/>
@@ -10800,7 +10979,14 @@
         <p:cNvGrpSpPr/>
         <p:nvPr/>
       </p:nvGrpSpPr>
-      <p:grpSpPr/>
+      <p:grpSpPr>
+        <a:xfrm>
+          <a:off x="0" y="0"/>
+          <a:ext cx="0" cy="0"/>
+          <a:chOff x="0" y="0"/>
+          <a:chExt cx="0" cy="0"/>
+        </a:xfrm>
+      </p:grpSpPr>
       <p:sp>
         <p:nvSpPr>
           <p:cNvPr id="4" name="Title 1"/>
@@ -10821,10 +11007,11 @@
           <a:bodyPr>
             <a:normAutofit/>
           </a:bodyPr>
+          <a:lstStyle/>
           <a:p>
             <a:r>
               <a:rPr lang="en-US" altLang="zh-CN" sz="4000" dirty="0"/>
-              <a:t>Front-End</a:t>
+              <a:t>Login</a:t>
             </a:r>
             <a:endParaRPr lang="zh-CN" altLang="en-US" sz="4000" dirty="0"/>
           </a:p>
@@ -10850,12 +11037,12 @@
           <a:bodyPr wrap="square" rtlCol="0">
             <a:spAutoFit/>
           </a:bodyPr>
+          <a:lstStyle/>
           <a:p>
             <a:r>
               <a:rPr lang="en-US" altLang="zh-CN" dirty="0"/>
               <a:t>Login/Registration Panel</a:t>
             </a:r>
-            <a:endParaRPr lang="en-US" altLang="zh-CN" dirty="0"/>
           </a:p>
           <a:p>
             <a:r>
@@ -10866,6 +11053,107 @@
           </a:p>
         </p:txBody>
       </p:sp>
+      <p:pic>
+        <p:nvPicPr>
+          <p:cNvPr id="7" name="图片 6">
+            <a:extLst>
+              <a:ext uri="{FF2B5EF4-FFF2-40B4-BE49-F238E27FC236}">
+                <a16:creationId xmlns:a16="http://schemas.microsoft.com/office/drawing/2014/main" id="{87441717-A242-4DAD-6205-405864642023}"/>
+              </a:ext>
+            </a:extLst>
+          </p:cNvPr>
+          <p:cNvPicPr>
+            <a:picLocks noChangeAspect="1"/>
+          </p:cNvPicPr>
+          <p:nvPr/>
+        </p:nvPicPr>
+        <p:blipFill>
+          <a:blip r:embed="rId2"/>
+          <a:stretch>
+            <a:fillRect/>
+          </a:stretch>
+        </p:blipFill>
+        <p:spPr>
+          <a:xfrm>
+            <a:off x="3575152" y="1555164"/>
+            <a:ext cx="5472545" cy="5127314"/>
+          </a:xfrm>
+          <a:prstGeom prst="rect">
+            <a:avLst/>
+          </a:prstGeom>
+        </p:spPr>
+      </p:pic>
+      <p:pic>
+        <p:nvPicPr>
+          <p:cNvPr id="8" name="图片 7">
+            <a:extLst>
+              <a:ext uri="{FF2B5EF4-FFF2-40B4-BE49-F238E27FC236}">
+                <a16:creationId xmlns:a16="http://schemas.microsoft.com/office/drawing/2014/main" id="{C33F2BB6-6644-087B-3B61-FA80CFA990AE}"/>
+              </a:ext>
+            </a:extLst>
+          </p:cNvPr>
+          <p:cNvPicPr>
+            <a:picLocks noChangeAspect="1"/>
+          </p:cNvPicPr>
+          <p:nvPr/>
+        </p:nvPicPr>
+        <p:blipFill>
+          <a:blip r:embed="rId3"/>
+          <a:stretch>
+            <a:fillRect/>
+          </a:stretch>
+        </p:blipFill>
+        <p:spPr>
+          <a:xfrm>
+            <a:off x="423721" y="1555164"/>
+            <a:ext cx="2529253" cy="4513688"/>
+          </a:xfrm>
+          <a:prstGeom prst="rect">
+            <a:avLst/>
+          </a:prstGeom>
+        </p:spPr>
+      </p:pic>
+      <p:cxnSp>
+        <p:nvCxnSpPr>
+          <p:cNvPr id="10" name="直接箭头连接符 9">
+            <a:extLst>
+              <a:ext uri="{FF2B5EF4-FFF2-40B4-BE49-F238E27FC236}">
+                <a16:creationId xmlns:a16="http://schemas.microsoft.com/office/drawing/2014/main" id="{5EB98E03-4E72-7712-B102-92CCD172E649}"/>
+              </a:ext>
+            </a:extLst>
+          </p:cNvPr>
+          <p:cNvCxnSpPr>
+            <a:cxnSpLocks/>
+          </p:cNvCxnSpPr>
+          <p:nvPr/>
+        </p:nvCxnSpPr>
+        <p:spPr>
+          <a:xfrm>
+            <a:off x="3017520" y="3539266"/>
+            <a:ext cx="489473" cy="0"/>
+          </a:xfrm>
+          <a:prstGeom prst="straightConnector1">
+            <a:avLst/>
+          </a:prstGeom>
+          <a:ln>
+            <a:tailEnd type="triangle"/>
+          </a:ln>
+        </p:spPr>
+        <p:style>
+          <a:lnRef idx="1">
+            <a:schemeClr val="accent2"/>
+          </a:lnRef>
+          <a:fillRef idx="0">
+            <a:schemeClr val="accent2"/>
+          </a:fillRef>
+          <a:effectRef idx="0">
+            <a:schemeClr val="accent2"/>
+          </a:effectRef>
+          <a:fontRef idx="minor">
+            <a:schemeClr val="tx1"/>
+          </a:fontRef>
+        </p:style>
+      </p:cxnSp>
     </p:spTree>
   </p:cSld>
   <p:clrMapOvr>
@@ -10883,7 +11171,14 @@
         <p:cNvGrpSpPr/>
         <p:nvPr/>
       </p:nvGrpSpPr>
-      <p:grpSpPr/>
+      <p:grpSpPr>
+        <a:xfrm>
+          <a:off x="0" y="0"/>
+          <a:ext cx="0" cy="0"/>
+          <a:chOff x="0" y="0"/>
+          <a:chExt cx="0" cy="0"/>
+        </a:xfrm>
+      </p:grpSpPr>
       <p:sp>
         <p:nvSpPr>
           <p:cNvPr id="4" name="Title 1"/>
@@ -10904,10 +11199,11 @@
           <a:bodyPr>
             <a:normAutofit/>
           </a:bodyPr>
+          <a:lstStyle/>
           <a:p>
             <a:r>
               <a:rPr lang="en-US" altLang="zh-CN" sz="4000" dirty="0"/>
-              <a:t>Donate &amp; Request a second-hand book</a:t>
+              <a:t>Donate a second-hand book</a:t>
             </a:r>
             <a:endParaRPr lang="zh-CN" altLang="en-US" sz="4000" dirty="0"/>
           </a:p>
@@ -10954,6 +11250,7 @@
         </p:style>
         <p:txBody>
           <a:bodyPr rtlCol="0" anchor="ctr"/>
+          <a:lstStyle/>
           <a:p>
             <a:pPr algn="ctr"/>
             <a:endParaRPr lang="zh-CN" altLang="en-US"/>
@@ -10980,6 +11277,7 @@
           <a:bodyPr wrap="square" rtlCol="0">
             <a:spAutoFit/>
           </a:bodyPr>
+          <a:lstStyle/>
           <a:p>
             <a:pPr marL="285750" indent="-285750">
               <a:buFont typeface="Arial" panose="020B0604020202090204" pitchFamily="34" charset="0"/>
@@ -10993,11 +11291,6 @@
               </a:rPr>
               <a:t>Using API Gateway to pass the photos directly to a S3 bucket</a:t>
             </a:r>
-            <a:endParaRPr lang="en-US" altLang="zh-CN" sz="1200" dirty="0">
-              <a:solidFill>
-                <a:schemeClr val="bg1"/>
-              </a:solidFill>
-            </a:endParaRPr>
           </a:p>
           <a:p>
             <a:pPr marL="285750" indent="-285750">
@@ -11012,11 +11305,6 @@
               </a:rPr>
               <a:t>Using a Lambda Function to add the donation information to DynamoDB and OpenSearch.</a:t>
             </a:r>
-            <a:endParaRPr lang="en-US" altLang="zh-CN" sz="1200" dirty="0">
-              <a:solidFill>
-                <a:schemeClr val="bg1"/>
-              </a:solidFill>
-            </a:endParaRPr>
           </a:p>
           <a:p>
             <a:pPr marL="285750" indent="-285750">
@@ -11064,7 +11352,7 @@
           <p:nvPr/>
         </p:nvPicPr>
         <p:blipFill>
-          <a:blip r:embed="rId1">
+          <a:blip r:embed="rId2">
             <a:extLst>
               <a:ext uri="{28A0092B-C50C-407E-A947-70E740481C1C}">
                 <a14:useLocalDpi xmlns:a14="http://schemas.microsoft.com/office/drawing/2010/main" val="0"/>
@@ -11105,6 +11393,7 @@
           <a:bodyPr wrap="square" rtlCol="0">
             <a:spAutoFit/>
           </a:bodyPr>
+          <a:lstStyle/>
           <a:p>
             <a:r>
               <a:rPr lang="en-US" altLang="zh-CN" sz="2400" dirty="0">
@@ -11124,6 +11413,91 @@
           </a:p>
         </p:txBody>
       </p:sp>
+      <p:pic>
+        <p:nvPicPr>
+          <p:cNvPr id="30" name="图片 29">
+            <a:extLst>
+              <a:ext uri="{FF2B5EF4-FFF2-40B4-BE49-F238E27FC236}">
+                <a16:creationId xmlns:a16="http://schemas.microsoft.com/office/drawing/2014/main" id="{4FABEA6C-C938-3961-9113-791788608C0B}"/>
+              </a:ext>
+            </a:extLst>
+          </p:cNvPr>
+          <p:cNvPicPr>
+            <a:picLocks noChangeAspect="1"/>
+          </p:cNvPicPr>
+          <p:nvPr/>
+        </p:nvPicPr>
+        <p:blipFill>
+          <a:blip r:embed="rId3"/>
+          <a:stretch>
+            <a:fillRect/>
+          </a:stretch>
+        </p:blipFill>
+        <p:spPr>
+          <a:xfrm>
+            <a:off x="4444001" y="1495953"/>
+            <a:ext cx="4571436" cy="4955326"/>
+          </a:xfrm>
+          <a:prstGeom prst="rect">
+            <a:avLst/>
+          </a:prstGeom>
+        </p:spPr>
+      </p:pic>
+    </p:spTree>
+  </p:cSld>
+  <p:clrMapOvr>
+    <a:masterClrMapping/>
+  </p:clrMapOvr>
+</p:sld>
+</file>
+
+<file path=ppt/slides/slide5.xml><?xml version="1.0" encoding="utf-8"?>
+<p:sld xmlns:a="http://schemas.openxmlformats.org/drawingml/2006/main" xmlns:r="http://schemas.openxmlformats.org/officeDocument/2006/relationships" xmlns:p="http://schemas.openxmlformats.org/presentationml/2006/main">
+  <p:cSld>
+    <p:spTree>
+      <p:nvGrpSpPr>
+        <p:cNvPr id="1" name=""/>
+        <p:cNvGrpSpPr/>
+        <p:nvPr/>
+      </p:nvGrpSpPr>
+      <p:grpSpPr>
+        <a:xfrm>
+          <a:off x="0" y="0"/>
+          <a:ext cx="0" cy="0"/>
+          <a:chOff x="0" y="0"/>
+          <a:chExt cx="0" cy="0"/>
+        </a:xfrm>
+      </p:grpSpPr>
+      <p:sp>
+        <p:nvSpPr>
+          <p:cNvPr id="4" name="Title 1"/>
+          <p:cNvSpPr>
+            <a:spLocks noGrp="1"/>
+          </p:cNvSpPr>
+          <p:nvPr>
+            <p:ph type="ctrTitle"/>
+          </p:nvPr>
+        </p:nvSpPr>
+        <p:spPr>
+          <a:xfrm>
+            <a:off x="-36161" y="0"/>
+            <a:ext cx="9144000" cy="947357"/>
+          </a:xfrm>
+        </p:spPr>
+        <p:txBody>
+          <a:bodyPr>
+            <a:normAutofit/>
+          </a:bodyPr>
+          <a:lstStyle/>
+          <a:p>
+            <a:r>
+              <a:rPr lang="en-US" altLang="zh-CN" sz="4000" dirty="0"/>
+              <a:t>Request a second-hand book</a:t>
+            </a:r>
+            <a:endParaRPr lang="zh-CN" altLang="en-US" sz="4000" dirty="0"/>
+          </a:p>
+        </p:txBody>
+      </p:sp>
       <p:sp>
         <p:nvSpPr>
           <p:cNvPr id="2" name="Rectangle: Rounded Corners 7"/>
@@ -11132,7 +11506,7 @@
         </p:nvSpPr>
         <p:spPr>
           <a:xfrm>
-            <a:off x="4428490" y="1212215"/>
+            <a:off x="4525310" y="1212215"/>
             <a:ext cx="4255770" cy="5386070"/>
           </a:xfrm>
           <a:prstGeom prst="roundRect">
@@ -11165,6 +11539,7 @@
         </p:style>
         <p:txBody>
           <a:bodyPr rtlCol="0" anchor="ctr"/>
+          <a:lstStyle/>
           <a:p>
             <a:pPr algn="ctr"/>
             <a:endParaRPr lang="zh-CN" altLang="en-US"/>
@@ -11179,7 +11554,7 @@
         </p:nvSpPr>
         <p:spPr>
           <a:xfrm>
-            <a:off x="5142865" y="1257935"/>
+            <a:off x="5239685" y="1257935"/>
             <a:ext cx="2826385" cy="460375"/>
           </a:xfrm>
           <a:prstGeom prst="rect">
@@ -11191,6 +11566,7 @@
           <a:bodyPr wrap="square" rtlCol="0">
             <a:spAutoFit/>
           </a:bodyPr>
+          <a:lstStyle/>
           <a:p>
             <a:r>
               <a:rPr lang="en-US" altLang="zh-CN" sz="2400" dirty="0">
@@ -11214,12 +11590,12 @@
         <p:nvPicPr>
           <p:cNvPr id="5" name="内容占位符 4"/>
           <p:cNvPicPr>
-            <a:picLocks noChangeAspect="1"/>
+            <a:picLocks noGrp="1" noChangeAspect="1"/>
           </p:cNvPicPr>
           <p:nvPr>
             <p:ph idx="1"/>
             <p:custDataLst>
-              <p:tags r:id="rId2"/>
+              <p:tags r:id="rId1"/>
             </p:custDataLst>
           </p:nvPr>
         </p:nvPicPr>
@@ -11232,7 +11608,7 @@
         </p:blipFill>
         <p:spPr>
           <a:xfrm>
-            <a:off x="5004435" y="1916430"/>
+            <a:off x="5101255" y="1916430"/>
             <a:ext cx="2998470" cy="2489200"/>
           </a:xfrm>
           <a:prstGeom prst="rect">
@@ -11248,7 +11624,7 @@
         </p:nvSpPr>
         <p:spPr>
           <a:xfrm>
-            <a:off x="4582160" y="4509135"/>
+            <a:off x="4678980" y="4509135"/>
             <a:ext cx="3948430" cy="1753235"/>
           </a:xfrm>
           <a:prstGeom prst="rect">
@@ -11260,6 +11636,7 @@
           <a:bodyPr wrap="square" rtlCol="0">
             <a:spAutoFit/>
           </a:bodyPr>
+          <a:lstStyle/>
           <a:p>
             <a:pPr marL="285750" indent="-285750">
               <a:buFont typeface="Arial" panose="020B0604020202090204" pitchFamily="34" charset="0"/>
@@ -11269,7 +11646,6 @@
               <a:rPr lang="en-US" altLang="zh-CN" sz="1200"/>
               <a:t>Determine whether the user has enough credits to make request</a:t>
             </a:r>
-            <a:endParaRPr lang="en-US" altLang="zh-CN" sz="1200"/>
           </a:p>
           <a:p>
             <a:pPr marL="285750" indent="-285750">
@@ -11287,7 +11663,6 @@
               <a:rPr lang="en-US" altLang="zh-CN" sz="1200"/>
               <a:t>Once successful requested, update user history (add book_id)</a:t>
             </a:r>
-            <a:endParaRPr lang="en-US" altLang="zh-CN" sz="1200"/>
           </a:p>
           <a:p>
             <a:pPr marL="285750" indent="-285750">
@@ -11305,7 +11680,6 @@
               <a:rPr lang="en-US" altLang="zh-CN" sz="1200"/>
               <a:t>Update book information to set status=’unavailable’, so it will no longer be searched</a:t>
             </a:r>
-            <a:endParaRPr lang="en-US" altLang="zh-CN" sz="1200"/>
           </a:p>
           <a:p>
             <a:pPr marL="285750" indent="-285750">
@@ -11316,7 +11690,119 @@
           </a:p>
         </p:txBody>
       </p:sp>
+      <p:pic>
+        <p:nvPicPr>
+          <p:cNvPr id="13" name="图片 12">
+            <a:extLst>
+              <a:ext uri="{FF2B5EF4-FFF2-40B4-BE49-F238E27FC236}">
+                <a16:creationId xmlns:a16="http://schemas.microsoft.com/office/drawing/2014/main" id="{53390A31-C398-C0CA-D3E7-DBDEB0529CE3}"/>
+              </a:ext>
+            </a:extLst>
+          </p:cNvPr>
+          <p:cNvPicPr>
+            <a:picLocks noChangeAspect="1"/>
+          </p:cNvPicPr>
+          <p:nvPr/>
+        </p:nvPicPr>
+        <p:blipFill>
+          <a:blip r:embed="rId4"/>
+          <a:stretch>
+            <a:fillRect/>
+          </a:stretch>
+        </p:blipFill>
+        <p:spPr>
+          <a:xfrm>
+            <a:off x="0" y="2366681"/>
+            <a:ext cx="4499603" cy="2237591"/>
+          </a:xfrm>
+          <a:prstGeom prst="rect">
+            <a:avLst/>
+          </a:prstGeom>
+        </p:spPr>
+      </p:pic>
+      <p:cxnSp>
+        <p:nvCxnSpPr>
+          <p:cNvPr id="15" name="直接箭头连接符 14">
+            <a:extLst>
+              <a:ext uri="{FF2B5EF4-FFF2-40B4-BE49-F238E27FC236}">
+                <a16:creationId xmlns:a16="http://schemas.microsoft.com/office/drawing/2014/main" id="{2628BB6B-EA1C-C96D-0DB9-BC823B4835CC}"/>
+              </a:ext>
+            </a:extLst>
+          </p:cNvPr>
+          <p:cNvCxnSpPr>
+            <a:cxnSpLocks/>
+          </p:cNvCxnSpPr>
+          <p:nvPr/>
+        </p:nvCxnSpPr>
+        <p:spPr>
+          <a:xfrm flipV="1">
+            <a:off x="3711388" y="4509135"/>
+            <a:ext cx="236668" cy="478716"/>
+          </a:xfrm>
+          <a:prstGeom prst="straightConnector1">
+            <a:avLst/>
+          </a:prstGeom>
+          <a:ln>
+            <a:tailEnd type="triangle"/>
+          </a:ln>
+        </p:spPr>
+        <p:style>
+          <a:lnRef idx="2">
+            <a:schemeClr val="accent2"/>
+          </a:lnRef>
+          <a:fillRef idx="0">
+            <a:schemeClr val="accent2"/>
+          </a:fillRef>
+          <a:effectRef idx="1">
+            <a:schemeClr val="accent2"/>
+          </a:effectRef>
+          <a:fontRef idx="minor">
+            <a:schemeClr val="tx1"/>
+          </a:fontRef>
+        </p:style>
+      </p:cxnSp>
+      <p:sp>
+        <p:nvSpPr>
+          <p:cNvPr id="18" name="文本框 17">
+            <a:extLst>
+              <a:ext uri="{FF2B5EF4-FFF2-40B4-BE49-F238E27FC236}">
+                <a16:creationId xmlns:a16="http://schemas.microsoft.com/office/drawing/2014/main" id="{13FBED31-0808-E034-32CC-3E3CDACF9ABD}"/>
+              </a:ext>
+            </a:extLst>
+          </p:cNvPr>
+          <p:cNvSpPr txBox="1"/>
+          <p:nvPr/>
+        </p:nvSpPr>
+        <p:spPr>
+          <a:xfrm>
+            <a:off x="2350546" y="5124142"/>
+            <a:ext cx="1710466" cy="523220"/>
+          </a:xfrm>
+          <a:prstGeom prst="rect">
+            <a:avLst/>
+          </a:prstGeom>
+          <a:noFill/>
+        </p:spPr>
+        <p:txBody>
+          <a:bodyPr wrap="square" rtlCol="0">
+            <a:spAutoFit/>
+          </a:bodyPr>
+          <a:lstStyle/>
+          <a:p>
+            <a:r>
+              <a:rPr lang="en-US" altLang="zh-CN" dirty="0"/>
+              <a:t>Click to request the book you want!</a:t>
+            </a:r>
+            <a:endParaRPr lang="zh-CN" altLang="en-US" dirty="0"/>
+          </a:p>
+        </p:txBody>
+      </p:sp>
     </p:spTree>
+    <p:extLst>
+      <p:ext uri="{BB962C8B-B14F-4D97-AF65-F5344CB8AC3E}">
+        <p14:creationId xmlns:p14="http://schemas.microsoft.com/office/powerpoint/2010/main" val="2976690921"/>
+      </p:ext>
+    </p:extLst>
   </p:cSld>
   <p:clrMapOvr>
     <a:masterClrMapping/>
@@ -11324,7 +11810,7 @@
 </p:sld>
 </file>
 
-<file path=ppt/slides/slide5.xml><?xml version="1.0" encoding="utf-8"?>
+<file path=ppt/slides/slide6.xml><?xml version="1.0" encoding="utf-8"?>
 <p:sld xmlns:a="http://schemas.openxmlformats.org/drawingml/2006/main" xmlns:r="http://schemas.openxmlformats.org/officeDocument/2006/relationships" xmlns:p="http://schemas.openxmlformats.org/presentationml/2006/main">
   <p:cSld>
     <p:spTree>
@@ -11333,7 +11819,14 @@
         <p:cNvGrpSpPr/>
         <p:nvPr/>
       </p:nvGrpSpPr>
-      <p:grpSpPr/>
+      <p:grpSpPr>
+        <a:xfrm>
+          <a:off x="0" y="0"/>
+          <a:ext cx="0" cy="0"/>
+          <a:chOff x="0" y="0"/>
+          <a:chExt cx="0" cy="0"/>
+        </a:xfrm>
+      </p:grpSpPr>
       <p:sp>
         <p:nvSpPr>
           <p:cNvPr id="4" name="Title 1"/>
@@ -11354,6 +11847,7 @@
           <a:bodyPr>
             <a:normAutofit/>
           </a:bodyPr>
+          <a:lstStyle/>
           <a:p>
             <a:r>
               <a:rPr lang="en-US" altLang="zh-CN" sz="4000" dirty="0"/>
@@ -11404,6 +11898,7 @@
         </p:style>
         <p:txBody>
           <a:bodyPr rtlCol="0" anchor="ctr"/>
+          <a:lstStyle/>
           <a:p>
             <a:pPr algn="ctr"/>
             <a:endParaRPr lang="zh-CN" altLang="en-US"/>
@@ -11430,6 +11925,7 @@
           <a:bodyPr wrap="square" rtlCol="0">
             <a:spAutoFit/>
           </a:bodyPr>
+          <a:lstStyle/>
           <a:p>
             <a:r>
               <a:rPr lang="en-US" altLang="zh-CN" sz="2400" dirty="0">
@@ -11469,6 +11965,7 @@
           <a:bodyPr wrap="square" rtlCol="0" anchor="t">
             <a:spAutoFit/>
           </a:bodyPr>
+          <a:lstStyle/>
           <a:p>
             <a:pPr marL="285750" indent="-285750">
               <a:buFont typeface="Arial" panose="020B0604020202090204" pitchFamily="34" charset="0"/>
@@ -11483,12 +11980,6 @@
               </a:rPr>
               <a:t>Using API Gateway to pass the query infomation from frontend input to lambda function</a:t>
             </a:r>
-            <a:endParaRPr lang="en-US" altLang="zh-CN" sz="1200" dirty="0">
-              <a:solidFill>
-                <a:schemeClr val="bg1"/>
-              </a:solidFill>
-              <a:sym typeface="+mn-ea"/>
-            </a:endParaRPr>
           </a:p>
           <a:p>
             <a:pPr marL="285750" indent="-285750">
@@ -11516,12 +12007,6 @@
               </a:rPr>
               <a:t>Using a lambda function to query corrsponding available donation books ftom DynamoDB through OpenSearch.</a:t>
             </a:r>
-            <a:endParaRPr lang="en-US" altLang="zh-CN" sz="1200" dirty="0">
-              <a:solidFill>
-                <a:schemeClr val="bg1"/>
-              </a:solidFill>
-              <a:sym typeface="+mn-ea"/>
-            </a:endParaRPr>
           </a:p>
           <a:p>
             <a:pPr marL="285750" indent="-285750">
@@ -11549,12 +12034,6 @@
               </a:rPr>
               <a:t>The lambda function also automatically get the book cover by using Open Library API and upload pic from S3</a:t>
             </a:r>
-            <a:endParaRPr lang="en-US" altLang="zh-CN" sz="1200" dirty="0">
-              <a:solidFill>
-                <a:schemeClr val="bg1"/>
-              </a:solidFill>
-              <a:sym typeface="+mn-ea"/>
-            </a:endParaRPr>
           </a:p>
           <a:p>
             <a:pPr marL="285750" indent="-285750">
@@ -11580,62 +12059,9 @@
               </a:rPr>
               <a:t>Frontend get the response from the image and display it under the search bar</a:t>
             </a:r>
-            <a:endParaRPr lang="en-US" sz="1200">
-              <a:solidFill>
-                <a:schemeClr val="bg1"/>
-              </a:solidFill>
-            </a:endParaRPr>
           </a:p>
         </p:txBody>
       </p:sp>
-      <p:pic>
-        <p:nvPicPr>
-          <p:cNvPr id="5" name="Picture 4"/>
-          <p:cNvPicPr>
-            <a:picLocks noChangeAspect="1"/>
-          </p:cNvPicPr>
-          <p:nvPr/>
-        </p:nvPicPr>
-        <p:blipFill>
-          <a:blip r:embed="rId1"/>
-          <a:stretch>
-            <a:fillRect/>
-          </a:stretch>
-        </p:blipFill>
-        <p:spPr>
-          <a:xfrm>
-            <a:off x="4569460" y="1340485"/>
-            <a:ext cx="4239260" cy="2229485"/>
-          </a:xfrm>
-          <a:prstGeom prst="rect">
-            <a:avLst/>
-          </a:prstGeom>
-        </p:spPr>
-      </p:pic>
-      <p:pic>
-        <p:nvPicPr>
-          <p:cNvPr id="6" name="Picture 5"/>
-          <p:cNvPicPr>
-            <a:picLocks noChangeAspect="1"/>
-          </p:cNvPicPr>
-          <p:nvPr/>
-        </p:nvPicPr>
-        <p:blipFill>
-          <a:blip r:embed="rId2"/>
-          <a:stretch>
-            <a:fillRect/>
-          </a:stretch>
-        </p:blipFill>
-        <p:spPr>
-          <a:xfrm>
-            <a:off x="4572000" y="3716655"/>
-            <a:ext cx="4236720" cy="2526665"/>
-          </a:xfrm>
-          <a:prstGeom prst="rect">
-            <a:avLst/>
-          </a:prstGeom>
-        </p:spPr>
-      </p:pic>
       <p:pic>
         <p:nvPicPr>
           <p:cNvPr id="11" name="Picture 10" descr="SearchService.drawio"/>
@@ -11645,7 +12071,7 @@
           <p:nvPr/>
         </p:nvPicPr>
         <p:blipFill>
-          <a:blip r:embed="rId3"/>
+          <a:blip r:embed="rId2"/>
           <a:stretch>
             <a:fillRect/>
           </a:stretch>
@@ -11660,6 +12086,65 @@
           </a:prstGeom>
         </p:spPr>
       </p:pic>
+      <p:pic>
+        <p:nvPicPr>
+          <p:cNvPr id="12" name="图片 11">
+            <a:extLst>
+              <a:ext uri="{FF2B5EF4-FFF2-40B4-BE49-F238E27FC236}">
+                <a16:creationId xmlns:a16="http://schemas.microsoft.com/office/drawing/2014/main" id="{AF1C9211-3772-481C-4C43-F55B59139FA6}"/>
+              </a:ext>
+            </a:extLst>
+          </p:cNvPr>
+          <p:cNvPicPr>
+            <a:picLocks noChangeAspect="1"/>
+          </p:cNvPicPr>
+          <p:nvPr/>
+        </p:nvPicPr>
+        <p:blipFill rotWithShape="1">
+          <a:blip r:embed="rId3"/>
+          <a:srcRect t="2754"/>
+          <a:stretch/>
+        </p:blipFill>
+        <p:spPr>
+          <a:xfrm>
+            <a:off x="4430395" y="1239520"/>
+            <a:ext cx="4555366" cy="2894619"/>
+          </a:xfrm>
+          <a:prstGeom prst="rect">
+            <a:avLst/>
+          </a:prstGeom>
+        </p:spPr>
+      </p:pic>
+      <p:pic>
+        <p:nvPicPr>
+          <p:cNvPr id="14" name="图片 13">
+            <a:extLst>
+              <a:ext uri="{FF2B5EF4-FFF2-40B4-BE49-F238E27FC236}">
+                <a16:creationId xmlns:a16="http://schemas.microsoft.com/office/drawing/2014/main" id="{1D710171-8C8D-2E1A-E063-B05598510E6C}"/>
+              </a:ext>
+            </a:extLst>
+          </p:cNvPr>
+          <p:cNvPicPr>
+            <a:picLocks noChangeAspect="1"/>
+          </p:cNvPicPr>
+          <p:nvPr/>
+        </p:nvPicPr>
+        <p:blipFill>
+          <a:blip r:embed="rId4"/>
+          <a:stretch>
+            <a:fillRect/>
+          </a:stretch>
+        </p:blipFill>
+        <p:spPr>
+          <a:xfrm>
+            <a:off x="4472940" y="4173966"/>
+            <a:ext cx="4531231" cy="2092429"/>
+          </a:xfrm>
+          <a:prstGeom prst="rect">
+            <a:avLst/>
+          </a:prstGeom>
+        </p:spPr>
+      </p:pic>
     </p:spTree>
   </p:cSld>
   <p:clrMapOvr>
@@ -11668,7 +12153,7 @@
 </p:sld>
 </file>
 
-<file path=ppt/slides/slide6.xml><?xml version="1.0" encoding="utf-8"?>
+<file path=ppt/slides/slide7.xml><?xml version="1.0" encoding="utf-8"?>
 <p:sld xmlns:a="http://schemas.openxmlformats.org/drawingml/2006/main" xmlns:r="http://schemas.openxmlformats.org/officeDocument/2006/relationships" xmlns:p="http://schemas.openxmlformats.org/presentationml/2006/main">
   <p:cSld>
     <p:spTree>
@@ -11677,7 +12162,14 @@
         <p:cNvGrpSpPr/>
         <p:nvPr/>
       </p:nvGrpSpPr>
-      <p:grpSpPr/>
+      <p:grpSpPr>
+        <a:xfrm>
+          <a:off x="0" y="0"/>
+          <a:ext cx="0" cy="0"/>
+          <a:chOff x="0" y="0"/>
+          <a:chExt cx="0" cy="0"/>
+        </a:xfrm>
+      </p:grpSpPr>
       <p:sp>
         <p:nvSpPr>
           <p:cNvPr id="4" name="Title 1"/>
@@ -11696,8 +12188,9 @@
         </p:spPr>
         <p:txBody>
           <a:bodyPr>
-            <a:normAutofit fontScale="90000"/>
+            <a:normAutofit/>
           </a:bodyPr>
+          <a:lstStyle/>
           <a:p>
             <a:r>
               <a:rPr lang="en-US" altLang="zh-CN" sz="4000" dirty="0"/>
@@ -11709,9 +12202,263 @@
             </a:r>
             <a:r>
               <a:rPr lang="en-US" altLang="zh-CN" sz="4000" dirty="0"/>
-              <a:t>information &amp; add a book to a user’s favorite list</a:t>
+              <a:t>info &amp; add to favorite list</a:t>
             </a:r>
             <a:endParaRPr lang="zh-CN" altLang="en-US" sz="4000" dirty="0"/>
+          </a:p>
+        </p:txBody>
+      </p:sp>
+      <p:sp>
+        <p:nvSpPr>
+          <p:cNvPr id="7" name="Rectangle: Rounded Corners 3">
+            <a:extLst>
+              <a:ext uri="{FF2B5EF4-FFF2-40B4-BE49-F238E27FC236}">
+                <a16:creationId xmlns:a16="http://schemas.microsoft.com/office/drawing/2014/main" id="{E4A89171-A0DD-83F7-BF5E-17A305A5462C}"/>
+              </a:ext>
+            </a:extLst>
+          </p:cNvPr>
+          <p:cNvSpPr/>
+          <p:nvPr/>
+        </p:nvSpPr>
+        <p:spPr>
+          <a:xfrm>
+            <a:off x="176642" y="947060"/>
+            <a:ext cx="4105910" cy="5340350"/>
+          </a:xfrm>
+          <a:prstGeom prst="roundRect">
+            <a:avLst/>
+          </a:prstGeom>
+          <a:solidFill>
+            <a:schemeClr val="accent1">
+              <a:lumMod val="75000"/>
+            </a:schemeClr>
+          </a:solidFill>
+          <a:ln>
+            <a:noFill/>
+          </a:ln>
+        </p:spPr>
+        <p:style>
+          <a:lnRef idx="2">
+            <a:schemeClr val="accent1">
+              <a:shade val="50000"/>
+            </a:schemeClr>
+          </a:lnRef>
+          <a:fillRef idx="1">
+            <a:schemeClr val="accent1"/>
+          </a:fillRef>
+          <a:effectRef idx="0">
+            <a:schemeClr val="accent1"/>
+          </a:effectRef>
+          <a:fontRef idx="minor">
+            <a:schemeClr val="lt1"/>
+          </a:fontRef>
+        </p:style>
+        <p:txBody>
+          <a:bodyPr rtlCol="0" anchor="ctr"/>
+          <a:lstStyle/>
+          <a:p>
+            <a:pPr algn="ctr"/>
+            <a:endParaRPr lang="zh-CN" altLang="en-US" dirty="0"/>
+          </a:p>
+        </p:txBody>
+      </p:sp>
+      <p:pic>
+        <p:nvPicPr>
+          <p:cNvPr id="6" name="图片 5">
+            <a:extLst>
+              <a:ext uri="{FF2B5EF4-FFF2-40B4-BE49-F238E27FC236}">
+                <a16:creationId xmlns:a16="http://schemas.microsoft.com/office/drawing/2014/main" id="{737C12BB-DF57-D9E1-595D-C9BEE53DCCC1}"/>
+              </a:ext>
+            </a:extLst>
+          </p:cNvPr>
+          <p:cNvPicPr>
+            <a:picLocks noChangeAspect="1"/>
+          </p:cNvPicPr>
+          <p:nvPr/>
+        </p:nvPicPr>
+        <p:blipFill>
+          <a:blip r:embed="rId2"/>
+          <a:stretch>
+            <a:fillRect/>
+          </a:stretch>
+        </p:blipFill>
+        <p:spPr>
+          <a:xfrm>
+            <a:off x="325920" y="1390403"/>
+            <a:ext cx="3856156" cy="2353259"/>
+          </a:xfrm>
+          <a:prstGeom prst="rect">
+            <a:avLst/>
+          </a:prstGeom>
+        </p:spPr>
+      </p:pic>
+      <p:pic>
+        <p:nvPicPr>
+          <p:cNvPr id="8" name="图片 7">
+            <a:extLst>
+              <a:ext uri="{FF2B5EF4-FFF2-40B4-BE49-F238E27FC236}">
+                <a16:creationId xmlns:a16="http://schemas.microsoft.com/office/drawing/2014/main" id="{25929370-08A1-3E25-33DC-E4133F854CEB}"/>
+              </a:ext>
+            </a:extLst>
+          </p:cNvPr>
+          <p:cNvPicPr>
+            <a:picLocks noChangeAspect="1"/>
+          </p:cNvPicPr>
+          <p:nvPr/>
+        </p:nvPicPr>
+        <p:blipFill>
+          <a:blip r:embed="rId3"/>
+          <a:stretch>
+            <a:fillRect/>
+          </a:stretch>
+        </p:blipFill>
+        <p:spPr>
+          <a:xfrm>
+            <a:off x="4862456" y="1151276"/>
+            <a:ext cx="3845859" cy="2710619"/>
+          </a:xfrm>
+          <a:prstGeom prst="rect">
+            <a:avLst/>
+          </a:prstGeom>
+        </p:spPr>
+      </p:pic>
+      <p:pic>
+        <p:nvPicPr>
+          <p:cNvPr id="10" name="图片 9">
+            <a:extLst>
+              <a:ext uri="{FF2B5EF4-FFF2-40B4-BE49-F238E27FC236}">
+                <a16:creationId xmlns:a16="http://schemas.microsoft.com/office/drawing/2014/main" id="{F9F3F020-78AF-2CE4-A7FA-7C5E27974375}"/>
+              </a:ext>
+            </a:extLst>
+          </p:cNvPr>
+          <p:cNvPicPr>
+            <a:picLocks noChangeAspect="1"/>
+          </p:cNvPicPr>
+          <p:nvPr/>
+        </p:nvPicPr>
+        <p:blipFill>
+          <a:blip r:embed="rId4"/>
+          <a:stretch>
+            <a:fillRect/>
+          </a:stretch>
+        </p:blipFill>
+        <p:spPr>
+          <a:xfrm>
+            <a:off x="4459076" y="3903882"/>
+            <a:ext cx="4577616" cy="2276386"/>
+          </a:xfrm>
+          <a:prstGeom prst="rect">
+            <a:avLst/>
+          </a:prstGeom>
+        </p:spPr>
+      </p:pic>
+      <p:sp>
+        <p:nvSpPr>
+          <p:cNvPr id="12" name="文本框 11">
+            <a:extLst>
+              <a:ext uri="{FF2B5EF4-FFF2-40B4-BE49-F238E27FC236}">
+                <a16:creationId xmlns:a16="http://schemas.microsoft.com/office/drawing/2014/main" id="{DAEDF5BF-3A45-2658-A1B4-1AA19EA52A6D}"/>
+              </a:ext>
+            </a:extLst>
+          </p:cNvPr>
+          <p:cNvSpPr txBox="1"/>
+          <p:nvPr/>
+        </p:nvSpPr>
+        <p:spPr>
+          <a:xfrm>
+            <a:off x="-242016" y="3814403"/>
+            <a:ext cx="4572000" cy="2231380"/>
+          </a:xfrm>
+          <a:prstGeom prst="rect">
+            <a:avLst/>
+          </a:prstGeom>
+          <a:noFill/>
+        </p:spPr>
+        <p:txBody>
+          <a:bodyPr wrap="square">
+            <a:spAutoFit/>
+          </a:bodyPr>
+          <a:lstStyle/>
+          <a:p>
+            <a:pPr marL="742950" indent="-285750" rtl="0">
+              <a:spcBef>
+                <a:spcPts val="1200"/>
+              </a:spcBef>
+              <a:spcAft>
+                <a:spcPts val="1200"/>
+              </a:spcAft>
+              <a:buFont typeface="Arial" panose="020B0604020202020204" pitchFamily="34" charset="0"/>
+              <a:buChar char="•"/>
+            </a:pPr>
+            <a:r>
+              <a:rPr lang="en-US" altLang="zh-CN" sz="1100" b="0" i="0" u="none" strike="noStrike" dirty="0">
+                <a:solidFill>
+                  <a:srgbClr val="000000"/>
+                </a:solidFill>
+                <a:effectLst/>
+                <a:latin typeface="Times New Roman" panose="02020603050405020304" pitchFamily="18" charset="0"/>
+              </a:rPr>
+              <a:t>Every time the user selects a book they like, the system firstly will store this book’s id in Dynamo DB(user information) corresponding to the user. </a:t>
+            </a:r>
+            <a:endParaRPr lang="en-US" altLang="zh-CN" sz="1100" b="0" dirty="0">
+              <a:effectLst/>
+            </a:endParaRPr>
+          </a:p>
+          <a:p>
+            <a:pPr marL="742950" indent="-285750" rtl="0">
+              <a:spcBef>
+                <a:spcPts val="1200"/>
+              </a:spcBef>
+              <a:spcAft>
+                <a:spcPts val="1200"/>
+              </a:spcAft>
+              <a:buFont typeface="Arial" panose="020B0604020202020204" pitchFamily="34" charset="0"/>
+              <a:buChar char="•"/>
+            </a:pPr>
+            <a:r>
+              <a:rPr lang="en-US" altLang="zh-CN" sz="1100" b="0" i="0" u="none" strike="noStrike" dirty="0">
+                <a:solidFill>
+                  <a:srgbClr val="000000"/>
+                </a:solidFill>
+                <a:effectLst/>
+                <a:latin typeface="Times New Roman" panose="02020603050405020304" pitchFamily="18" charset="0"/>
+              </a:rPr>
+              <a:t>When the user jumps to the favorite list page and want more information about these books, the system will search it in the DynamoDB(book info) by </a:t>
+            </a:r>
+            <a:r>
+              <a:rPr lang="en-US" altLang="zh-CN" sz="1100" dirty="0">
+                <a:latin typeface="Times New Roman" panose="02020603050405020304" pitchFamily="18" charset="0"/>
+              </a:rPr>
+              <a:t>id</a:t>
+            </a:r>
+            <a:endParaRPr lang="en-US" altLang="zh-CN" sz="1100" b="0" dirty="0">
+              <a:effectLst/>
+            </a:endParaRPr>
+          </a:p>
+          <a:p>
+            <a:pPr marL="742950" indent="-285750" rtl="0">
+              <a:spcBef>
+                <a:spcPts val="1200"/>
+              </a:spcBef>
+              <a:spcAft>
+                <a:spcPts val="1200"/>
+              </a:spcAft>
+              <a:buFont typeface="Arial" panose="020B0604020202020204" pitchFamily="34" charset="0"/>
+              <a:buChar char="•"/>
+            </a:pPr>
+            <a:r>
+              <a:rPr lang="en-US" altLang="zh-CN" sz="1100" b="0" i="0" u="none" strike="noStrike" dirty="0">
+                <a:solidFill>
+                  <a:srgbClr val="000000"/>
+                </a:solidFill>
+                <a:effectLst/>
+                <a:latin typeface="Times New Roman" panose="02020603050405020304" pitchFamily="18" charset="0"/>
+              </a:rPr>
+              <a:t>When the user chooses to add a book to their favorite list, the count of favorite’ for that book will increase by 1 and the book is removed when the user double click</a:t>
+            </a:r>
+            <a:endParaRPr lang="en-US" altLang="zh-CN" sz="1100" b="0" dirty="0">
+              <a:effectLst/>
+            </a:endParaRPr>
           </a:p>
         </p:txBody>
       </p:sp>
@@ -11723,7 +12470,7 @@
 </p:sld>
 </file>
 
-<file path=ppt/slides/slide7.xml><?xml version="1.0" encoding="utf-8"?>
+<file path=ppt/slides/slide8.xml><?xml version="1.0" encoding="utf-8"?>
 <p:sld xmlns:a="http://schemas.openxmlformats.org/drawingml/2006/main" xmlns:r="http://schemas.openxmlformats.org/officeDocument/2006/relationships" xmlns:p="http://schemas.openxmlformats.org/presentationml/2006/main">
   <p:cSld>
     <p:spTree>
@@ -11732,7 +12479,14 @@
         <p:cNvGrpSpPr/>
         <p:nvPr/>
       </p:nvGrpSpPr>
-      <p:grpSpPr/>
+      <p:grpSpPr>
+        <a:xfrm>
+          <a:off x="0" y="0"/>
+          <a:ext cx="0" cy="0"/>
+          <a:chOff x="0" y="0"/>
+          <a:chExt cx="0" cy="0"/>
+        </a:xfrm>
+      </p:grpSpPr>
       <p:sp>
         <p:nvSpPr>
           <p:cNvPr id="4" name="Title 1"/>
@@ -11753,6 +12507,7 @@
           <a:bodyPr>
             <a:normAutofit/>
           </a:bodyPr>
+          <a:lstStyle/>
           <a:p>
             <a:r>
               <a:rPr lang="en-US" altLang="zh-CN" sz="4000" dirty="0"/>
@@ -11782,19 +12537,18 @@
           <a:bodyPr wrap="square" rtlCol="0">
             <a:spAutoFit/>
           </a:bodyPr>
+          <a:lstStyle/>
           <a:p>
             <a:r>
               <a:rPr lang="en-US" altLang="zh-CN" dirty="0"/>
               <a:t>Although we can link user’s account and their information directly in Cognito (which is convenient and good for keeping user’s information secure!), we decided to use DynamoDB to store the users’ non-sensitive information, rather than storing them in Cognito.</a:t>
             </a:r>
-            <a:endParaRPr lang="en-US" altLang="zh-CN" dirty="0"/>
           </a:p>
           <a:p>
             <a:r>
               <a:rPr lang="en-US" altLang="zh-CN" sz="1400" dirty="0"/>
               <a:t>-   The attributes stored in Cognito has to be key-value(string) pair, not good for complicated data structures.</a:t>
             </a:r>
-            <a:endParaRPr lang="en-US" altLang="zh-CN" sz="1400" dirty="0"/>
           </a:p>
           <a:p>
             <a:pPr marL="285750" indent="-285750">
@@ -11805,7 +12559,6 @@
               <a:rPr lang="en-US" altLang="zh-CN" sz="1400" dirty="0"/>
               <a:t>We need to store many users’ requested/donate books, this list could be large and Cognito is not scalable as the DynamoDB.</a:t>
             </a:r>
-            <a:endParaRPr lang="en-US" altLang="zh-CN" sz="1400" dirty="0"/>
           </a:p>
           <a:p>
             <a:pPr marL="285750" indent="-285750">
@@ -11816,7 +12569,6 @@
               <a:rPr lang="en-US" altLang="zh-CN" sz="1400" dirty="0"/>
               <a:t>The DynamoDB can handle query much more efficient than Cognito</a:t>
             </a:r>
-            <a:endParaRPr lang="en-US" altLang="zh-CN" sz="1400" dirty="0"/>
           </a:p>
           <a:p>
             <a:pPr marL="285750" indent="-285750">
@@ -11827,7 +12579,6 @@
               <a:rPr lang="en-US" altLang="zh-CN" sz="1400" dirty="0"/>
               <a:t>We realized this is the pattern often done in the industry after searching the online information</a:t>
             </a:r>
-            <a:endParaRPr lang="en-US" altLang="zh-CN" sz="1400" dirty="0"/>
           </a:p>
         </p:txBody>
       </p:sp>
@@ -11840,7 +12591,7 @@
 </file>
 
 <file path=ppt/tags/tag1.xml><?xml version="1.0" encoding="utf-8"?>
-<p:tagLst xmlns:p="http://schemas.openxmlformats.org/presentationml/2006/main">
+<p:tagLst xmlns:a="http://schemas.openxmlformats.org/drawingml/2006/main" xmlns:r="http://schemas.openxmlformats.org/officeDocument/2006/relationships" xmlns:p="http://schemas.openxmlformats.org/presentationml/2006/main">
   <p:tag name="KSO_WM_UNIT_PLACING_PICTURE_USER_VIEWPORT" val="{&quot;height&quot;:6853,&quot;width&quot;:7396}"/>
 </p:tagLst>
 </file>
@@ -12121,6 +12872,8 @@
       </a:bgFillStyleLst>
     </a:fmtScheme>
   </a:themeElements>
+  <a:objectDefaults/>
+  <a:extraClrSchemeLst/>
   <a:extLst>
     <a:ext uri="{05A4C25C-085E-4340-85A3-A5531E510DB2}">
       <thm15:themeFamily xmlns:thm15="http://schemas.microsoft.com/office/thememl/2012/main" name="Office Theme" id="{62F939B6-93AF-4DB8-9C6B-D6C7DFDC589F}" vid="{4A3C46E8-61CC-4603-A589-7422A47A8E4A}"/>
@@ -12405,6 +13158,8 @@
       </a:bgFillStyleLst>
     </a:fmtScheme>
   </a:themeElements>
+  <a:objectDefaults/>
+  <a:extraClrSchemeLst/>
   <a:extLst>
     <a:ext uri="{05A4C25C-085E-4340-85A3-A5531E510DB2}">
       <thm15:themeFamily xmlns:thm15="http://schemas.microsoft.com/office/thememl/2012/main" name="Office Theme" id="{62F939B6-93AF-4DB8-9C6B-D6C7DFDC589F}" vid="{4A3C46E8-61CC-4603-A589-7422A47A8E4A}"/>

--- a/presentation-book-exchange.pptx
+++ b/presentation-book-exchange.pptx
@@ -5,26 +5,33 @@
     <p:sldMasterId id="2147483648" r:id="rId1"/>
   </p:sldMasterIdLst>
   <p:notesMasterIdLst>
-    <p:notesMasterId r:id="rId10"/>
+    <p:notesMasterId r:id="rId4"/>
   </p:notesMasterIdLst>
   <p:sldIdLst>
-    <p:sldId id="256" r:id="rId2"/>
-    <p:sldId id="261" r:id="rId3"/>
-    <p:sldId id="262" r:id="rId4"/>
-    <p:sldId id="263" r:id="rId5"/>
-    <p:sldId id="268" r:id="rId6"/>
-    <p:sldId id="264" r:id="rId7"/>
-    <p:sldId id="265" r:id="rId8"/>
-    <p:sldId id="267" r:id="rId9"/>
+    <p:sldId id="256" r:id="rId3"/>
+    <p:sldId id="261" r:id="rId5"/>
+    <p:sldId id="262" r:id="rId6"/>
+    <p:sldId id="263" r:id="rId7"/>
+    <p:sldId id="268" r:id="rId8"/>
+    <p:sldId id="264" r:id="rId9"/>
+    <p:sldId id="265" r:id="rId10"/>
+    <p:sldId id="267" r:id="rId11"/>
   </p:sldIdLst>
   <p:sldSz cx="9144000" cy="6858000" type="screen4x3"/>
   <p:notesSz cx="7010400" cy="9296400"/>
   <p:embeddedFontLst>
     <p:embeddedFont>
+      <p:font typeface="SimSun" panose="02010600030101010101" pitchFamily="2" charset="-122"/>
+      <p:regular r:id="rId15"/>
+    </p:embeddedFont>
+    <p:embeddedFont>
       <p:font typeface="Arial Black" panose="020B0A04020102020204" pitchFamily="34" charset="0"/>
-      <p:bold r:id="rId11"/>
+      <p:bold r:id="rId16"/>
     </p:embeddedFont>
   </p:embeddedFontLst>
+  <p:custDataLst>
+    <p:tags r:id="rId17"/>
+  </p:custDataLst>
   <p:defaultTextStyle>
     <a:defPPr marR="0" lvl="0" algn="l" rtl="0">
       <a:lnSpc>
@@ -50,15 +57,15 @@
       <a:buClr>
         <a:srgbClr val="000000"/>
       </a:buClr>
-      <a:buFont typeface="Arial" panose="020B0604020202090204"/>
+      <a:buFont typeface="Arial" panose="020B0604020202020204"/>
       <a:defRPr sz="1400" b="0" i="0" u="none" strike="noStrike" cap="none">
         <a:solidFill>
           <a:srgbClr val="000000"/>
         </a:solidFill>
-        <a:latin typeface="Arial" panose="020B0604020202090204"/>
-        <a:ea typeface="Arial" panose="020B0604020202090204"/>
-        <a:cs typeface="Arial" panose="020B0604020202090204"/>
-        <a:sym typeface="Arial" panose="020B0604020202090204"/>
+        <a:latin typeface="Arial" panose="020B0604020202020204"/>
+        <a:ea typeface="Arial" panose="020B0604020202020204"/>
+        <a:cs typeface="Arial" panose="020B0604020202020204"/>
+        <a:sym typeface="Arial" panose="020B0604020202020204"/>
       </a:defRPr>
     </a:lvl1pPr>
     <a:lvl2pPr marR="0" lvl="1" algn="l" rtl="0">
@@ -74,15 +81,15 @@
       <a:buClr>
         <a:srgbClr val="000000"/>
       </a:buClr>
-      <a:buFont typeface="Arial" panose="020B0604020202090204"/>
+      <a:buFont typeface="Arial" panose="020B0604020202020204"/>
       <a:defRPr sz="1400" b="0" i="0" u="none" strike="noStrike" cap="none">
         <a:solidFill>
           <a:srgbClr val="000000"/>
         </a:solidFill>
-        <a:latin typeface="Arial" panose="020B0604020202090204"/>
-        <a:ea typeface="Arial" panose="020B0604020202090204"/>
-        <a:cs typeface="Arial" panose="020B0604020202090204"/>
-        <a:sym typeface="Arial" panose="020B0604020202090204"/>
+        <a:latin typeface="Arial" panose="020B0604020202020204"/>
+        <a:ea typeface="Arial" panose="020B0604020202020204"/>
+        <a:cs typeface="Arial" panose="020B0604020202020204"/>
+        <a:sym typeface="Arial" panose="020B0604020202020204"/>
       </a:defRPr>
     </a:lvl2pPr>
     <a:lvl3pPr marR="0" lvl="2" algn="l" rtl="0">
@@ -98,15 +105,15 @@
       <a:buClr>
         <a:srgbClr val="000000"/>
       </a:buClr>
-      <a:buFont typeface="Arial" panose="020B0604020202090204"/>
+      <a:buFont typeface="Arial" panose="020B0604020202020204"/>
       <a:defRPr sz="1400" b="0" i="0" u="none" strike="noStrike" cap="none">
         <a:solidFill>
           <a:srgbClr val="000000"/>
         </a:solidFill>
-        <a:latin typeface="Arial" panose="020B0604020202090204"/>
-        <a:ea typeface="Arial" panose="020B0604020202090204"/>
-        <a:cs typeface="Arial" panose="020B0604020202090204"/>
-        <a:sym typeface="Arial" panose="020B0604020202090204"/>
+        <a:latin typeface="Arial" panose="020B0604020202020204"/>
+        <a:ea typeface="Arial" panose="020B0604020202020204"/>
+        <a:cs typeface="Arial" panose="020B0604020202020204"/>
+        <a:sym typeface="Arial" panose="020B0604020202020204"/>
       </a:defRPr>
     </a:lvl3pPr>
     <a:lvl4pPr marR="0" lvl="3" algn="l" rtl="0">
@@ -122,15 +129,15 @@
       <a:buClr>
         <a:srgbClr val="000000"/>
       </a:buClr>
-      <a:buFont typeface="Arial" panose="020B0604020202090204"/>
+      <a:buFont typeface="Arial" panose="020B0604020202020204"/>
       <a:defRPr sz="1400" b="0" i="0" u="none" strike="noStrike" cap="none">
         <a:solidFill>
           <a:srgbClr val="000000"/>
         </a:solidFill>
-        <a:latin typeface="Arial" panose="020B0604020202090204"/>
-        <a:ea typeface="Arial" panose="020B0604020202090204"/>
-        <a:cs typeface="Arial" panose="020B0604020202090204"/>
-        <a:sym typeface="Arial" panose="020B0604020202090204"/>
+        <a:latin typeface="Arial" panose="020B0604020202020204"/>
+        <a:ea typeface="Arial" panose="020B0604020202020204"/>
+        <a:cs typeface="Arial" panose="020B0604020202020204"/>
+        <a:sym typeface="Arial" panose="020B0604020202020204"/>
       </a:defRPr>
     </a:lvl4pPr>
     <a:lvl5pPr marR="0" lvl="4" algn="l" rtl="0">
@@ -146,15 +153,15 @@
       <a:buClr>
         <a:srgbClr val="000000"/>
       </a:buClr>
-      <a:buFont typeface="Arial" panose="020B0604020202090204"/>
+      <a:buFont typeface="Arial" panose="020B0604020202020204"/>
       <a:defRPr sz="1400" b="0" i="0" u="none" strike="noStrike" cap="none">
         <a:solidFill>
           <a:srgbClr val="000000"/>
         </a:solidFill>
-        <a:latin typeface="Arial" panose="020B0604020202090204"/>
-        <a:ea typeface="Arial" panose="020B0604020202090204"/>
-        <a:cs typeface="Arial" panose="020B0604020202090204"/>
-        <a:sym typeface="Arial" panose="020B0604020202090204"/>
+        <a:latin typeface="Arial" panose="020B0604020202020204"/>
+        <a:ea typeface="Arial" panose="020B0604020202020204"/>
+        <a:cs typeface="Arial" panose="020B0604020202020204"/>
+        <a:sym typeface="Arial" panose="020B0604020202020204"/>
       </a:defRPr>
     </a:lvl5pPr>
     <a:lvl6pPr marR="0" lvl="5" algn="l" rtl="0">
@@ -170,15 +177,15 @@
       <a:buClr>
         <a:srgbClr val="000000"/>
       </a:buClr>
-      <a:buFont typeface="Arial" panose="020B0604020202090204"/>
+      <a:buFont typeface="Arial" panose="020B0604020202020204"/>
       <a:defRPr sz="1400" b="0" i="0" u="none" strike="noStrike" cap="none">
         <a:solidFill>
           <a:srgbClr val="000000"/>
         </a:solidFill>
-        <a:latin typeface="Arial" panose="020B0604020202090204"/>
-        <a:ea typeface="Arial" panose="020B0604020202090204"/>
-        <a:cs typeface="Arial" panose="020B0604020202090204"/>
-        <a:sym typeface="Arial" panose="020B0604020202090204"/>
+        <a:latin typeface="Arial" panose="020B0604020202020204"/>
+        <a:ea typeface="Arial" panose="020B0604020202020204"/>
+        <a:cs typeface="Arial" panose="020B0604020202020204"/>
+        <a:sym typeface="Arial" panose="020B0604020202020204"/>
       </a:defRPr>
     </a:lvl6pPr>
     <a:lvl7pPr marR="0" lvl="6" algn="l" rtl="0">
@@ -194,15 +201,15 @@
       <a:buClr>
         <a:srgbClr val="000000"/>
       </a:buClr>
-      <a:buFont typeface="Arial" panose="020B0604020202090204"/>
+      <a:buFont typeface="Arial" panose="020B0604020202020204"/>
       <a:defRPr sz="1400" b="0" i="0" u="none" strike="noStrike" cap="none">
         <a:solidFill>
           <a:srgbClr val="000000"/>
         </a:solidFill>
-        <a:latin typeface="Arial" panose="020B0604020202090204"/>
-        <a:ea typeface="Arial" panose="020B0604020202090204"/>
-        <a:cs typeface="Arial" panose="020B0604020202090204"/>
-        <a:sym typeface="Arial" panose="020B0604020202090204"/>
+        <a:latin typeface="Arial" panose="020B0604020202020204"/>
+        <a:ea typeface="Arial" panose="020B0604020202020204"/>
+        <a:cs typeface="Arial" panose="020B0604020202020204"/>
+        <a:sym typeface="Arial" panose="020B0604020202020204"/>
       </a:defRPr>
     </a:lvl7pPr>
     <a:lvl8pPr marR="0" lvl="7" algn="l" rtl="0">
@@ -218,15 +225,15 @@
       <a:buClr>
         <a:srgbClr val="000000"/>
       </a:buClr>
-      <a:buFont typeface="Arial" panose="020B0604020202090204"/>
+      <a:buFont typeface="Arial" panose="020B0604020202020204"/>
       <a:defRPr sz="1400" b="0" i="0" u="none" strike="noStrike" cap="none">
         <a:solidFill>
           <a:srgbClr val="000000"/>
         </a:solidFill>
-        <a:latin typeface="Arial" panose="020B0604020202090204"/>
-        <a:ea typeface="Arial" panose="020B0604020202090204"/>
-        <a:cs typeface="Arial" panose="020B0604020202090204"/>
-        <a:sym typeface="Arial" panose="020B0604020202090204"/>
+        <a:latin typeface="Arial" panose="020B0604020202020204"/>
+        <a:ea typeface="Arial" panose="020B0604020202020204"/>
+        <a:cs typeface="Arial" panose="020B0604020202020204"/>
+        <a:sym typeface="Arial" panose="020B0604020202020204"/>
       </a:defRPr>
     </a:lvl8pPr>
     <a:lvl9pPr marR="0" lvl="8" algn="l" rtl="0">
@@ -242,15 +249,15 @@
       <a:buClr>
         <a:srgbClr val="000000"/>
       </a:buClr>
-      <a:buFont typeface="Arial" panose="020B0604020202090204"/>
+      <a:buFont typeface="Arial" panose="020B0604020202020204"/>
       <a:defRPr sz="1400" b="0" i="0" u="none" strike="noStrike" cap="none">
         <a:solidFill>
           <a:srgbClr val="000000"/>
         </a:solidFill>
-        <a:latin typeface="Arial" panose="020B0604020202090204"/>
-        <a:ea typeface="Arial" panose="020B0604020202090204"/>
-        <a:cs typeface="Arial" panose="020B0604020202090204"/>
-        <a:sym typeface="Arial" panose="020B0604020202090204"/>
+        <a:latin typeface="Arial" panose="020B0604020202020204"/>
+        <a:ea typeface="Arial" panose="020B0604020202020204"/>
+        <a:cs typeface="Arial" panose="020B0604020202020204"/>
+        <a:sym typeface="Arial" panose="020B0604020202020204"/>
       </a:defRPr>
     </a:lvl9pPr>
   </p:defaultTextStyle>
@@ -326,10 +333,10 @@
                 <a:solidFill>
                   <a:srgbClr val="000000"/>
                 </a:solidFill>
-                <a:latin typeface="Arial" panose="020B0604020202090204"/>
-                <a:ea typeface="Arial" panose="020B0604020202090204"/>
-                <a:cs typeface="Arial" panose="020B0604020202090204"/>
-                <a:sym typeface="Arial" panose="020B0604020202090204"/>
+                <a:latin typeface="Arial" panose="020B0604020202020204"/>
+                <a:ea typeface="Arial" panose="020B0604020202020204"/>
+                <a:cs typeface="Arial" panose="020B0604020202020204"/>
+                <a:sym typeface="Arial" panose="020B0604020202020204"/>
               </a:defRPr>
             </a:lvl1pPr>
             <a:lvl2pPr marL="457200" marR="0" lvl="1" indent="0" algn="l" rtl="0">
@@ -348,10 +355,10 @@
                 <a:solidFill>
                   <a:srgbClr val="000000"/>
                 </a:solidFill>
-                <a:latin typeface="Arial" panose="020B0604020202090204"/>
-                <a:ea typeface="Arial" panose="020B0604020202090204"/>
-                <a:cs typeface="Arial" panose="020B0604020202090204"/>
-                <a:sym typeface="Arial" panose="020B0604020202090204"/>
+                <a:latin typeface="Arial" panose="020B0604020202020204"/>
+                <a:ea typeface="Arial" panose="020B0604020202020204"/>
+                <a:cs typeface="Arial" panose="020B0604020202020204"/>
+                <a:sym typeface="Arial" panose="020B0604020202020204"/>
               </a:defRPr>
             </a:lvl2pPr>
             <a:lvl3pPr marL="914400" marR="0" lvl="2" indent="0" algn="l" rtl="0">
@@ -370,10 +377,10 @@
                 <a:solidFill>
                   <a:srgbClr val="000000"/>
                 </a:solidFill>
-                <a:latin typeface="Arial" panose="020B0604020202090204"/>
-                <a:ea typeface="Arial" panose="020B0604020202090204"/>
-                <a:cs typeface="Arial" panose="020B0604020202090204"/>
-                <a:sym typeface="Arial" panose="020B0604020202090204"/>
+                <a:latin typeface="Arial" panose="020B0604020202020204"/>
+                <a:ea typeface="Arial" panose="020B0604020202020204"/>
+                <a:cs typeface="Arial" panose="020B0604020202020204"/>
+                <a:sym typeface="Arial" panose="020B0604020202020204"/>
               </a:defRPr>
             </a:lvl3pPr>
             <a:lvl4pPr marL="1371600" marR="0" lvl="3" indent="0" algn="l" rtl="0">
@@ -392,10 +399,10 @@
                 <a:solidFill>
                   <a:srgbClr val="000000"/>
                 </a:solidFill>
-                <a:latin typeface="Arial" panose="020B0604020202090204"/>
-                <a:ea typeface="Arial" panose="020B0604020202090204"/>
-                <a:cs typeface="Arial" panose="020B0604020202090204"/>
-                <a:sym typeface="Arial" panose="020B0604020202090204"/>
+                <a:latin typeface="Arial" panose="020B0604020202020204"/>
+                <a:ea typeface="Arial" panose="020B0604020202020204"/>
+                <a:cs typeface="Arial" panose="020B0604020202020204"/>
+                <a:sym typeface="Arial" panose="020B0604020202020204"/>
               </a:defRPr>
             </a:lvl4pPr>
             <a:lvl5pPr marL="1828800" marR="0" lvl="4" indent="0" algn="l" rtl="0">
@@ -414,10 +421,10 @@
                 <a:solidFill>
                   <a:srgbClr val="000000"/>
                 </a:solidFill>
-                <a:latin typeface="Arial" panose="020B0604020202090204"/>
-                <a:ea typeface="Arial" panose="020B0604020202090204"/>
-                <a:cs typeface="Arial" panose="020B0604020202090204"/>
-                <a:sym typeface="Arial" panose="020B0604020202090204"/>
+                <a:latin typeface="Arial" panose="020B0604020202020204"/>
+                <a:ea typeface="Arial" panose="020B0604020202020204"/>
+                <a:cs typeface="Arial" panose="020B0604020202020204"/>
+                <a:sym typeface="Arial" panose="020B0604020202020204"/>
               </a:defRPr>
             </a:lvl5pPr>
             <a:lvl6pPr marL="2286000" marR="0" lvl="5" indent="0" algn="l" rtl="0">
@@ -436,10 +443,10 @@
                 <a:solidFill>
                   <a:srgbClr val="000000"/>
                 </a:solidFill>
-                <a:latin typeface="Arial" panose="020B0604020202090204"/>
-                <a:ea typeface="Arial" panose="020B0604020202090204"/>
-                <a:cs typeface="Arial" panose="020B0604020202090204"/>
-                <a:sym typeface="Arial" panose="020B0604020202090204"/>
+                <a:latin typeface="Arial" panose="020B0604020202020204"/>
+                <a:ea typeface="Arial" panose="020B0604020202020204"/>
+                <a:cs typeface="Arial" panose="020B0604020202020204"/>
+                <a:sym typeface="Arial" panose="020B0604020202020204"/>
               </a:defRPr>
             </a:lvl6pPr>
             <a:lvl7pPr marL="3200400" marR="0" lvl="6" indent="0" algn="l" rtl="0">
@@ -458,10 +465,10 @@
                 <a:solidFill>
                   <a:srgbClr val="000000"/>
                 </a:solidFill>
-                <a:latin typeface="Arial" panose="020B0604020202090204"/>
-                <a:ea typeface="Arial" panose="020B0604020202090204"/>
-                <a:cs typeface="Arial" panose="020B0604020202090204"/>
-                <a:sym typeface="Arial" panose="020B0604020202090204"/>
+                <a:latin typeface="Arial" panose="020B0604020202020204"/>
+                <a:ea typeface="Arial" panose="020B0604020202020204"/>
+                <a:cs typeface="Arial" panose="020B0604020202020204"/>
+                <a:sym typeface="Arial" panose="020B0604020202020204"/>
               </a:defRPr>
             </a:lvl7pPr>
             <a:lvl8pPr marL="4572000" marR="0" lvl="7" indent="0" algn="l" rtl="0">
@@ -480,10 +487,10 @@
                 <a:solidFill>
                   <a:srgbClr val="000000"/>
                 </a:solidFill>
-                <a:latin typeface="Arial" panose="020B0604020202090204"/>
-                <a:ea typeface="Arial" panose="020B0604020202090204"/>
-                <a:cs typeface="Arial" panose="020B0604020202090204"/>
-                <a:sym typeface="Arial" panose="020B0604020202090204"/>
+                <a:latin typeface="Arial" panose="020B0604020202020204"/>
+                <a:ea typeface="Arial" panose="020B0604020202020204"/>
+                <a:cs typeface="Arial" panose="020B0604020202020204"/>
+                <a:sym typeface="Arial" panose="020B0604020202020204"/>
               </a:defRPr>
             </a:lvl8pPr>
             <a:lvl9pPr marL="6400800" marR="0" lvl="8" indent="0" algn="l" rtl="0">
@@ -502,16 +509,14 @@
                 <a:solidFill>
                   <a:srgbClr val="000000"/>
                 </a:solidFill>
-                <a:latin typeface="Arial" panose="020B0604020202090204"/>
-                <a:ea typeface="Arial" panose="020B0604020202090204"/>
-                <a:cs typeface="Arial" panose="020B0604020202090204"/>
-                <a:sym typeface="Arial" panose="020B0604020202090204"/>
+                <a:latin typeface="Arial" panose="020B0604020202020204"/>
+                <a:ea typeface="Arial" panose="020B0604020202020204"/>
+                <a:cs typeface="Arial" panose="020B0604020202020204"/>
+                <a:sym typeface="Arial" panose="020B0604020202020204"/>
               </a:defRPr>
             </a:lvl9pPr>
           </a:lstStyle>
-          <a:p>
-            <a:endParaRPr/>
-          </a:p>
+          <a:p/>
         </p:txBody>
       </p:sp>
       <p:sp>
@@ -558,10 +563,10 @@
                 <a:solidFill>
                   <a:srgbClr val="000000"/>
                 </a:solidFill>
-                <a:latin typeface="Arial" panose="020B0604020202090204"/>
-                <a:ea typeface="Arial" panose="020B0604020202090204"/>
-                <a:cs typeface="Arial" panose="020B0604020202090204"/>
-                <a:sym typeface="Arial" panose="020B0604020202090204"/>
+                <a:latin typeface="Arial" panose="020B0604020202020204"/>
+                <a:ea typeface="Arial" panose="020B0604020202020204"/>
+                <a:cs typeface="Arial" panose="020B0604020202020204"/>
+                <a:sym typeface="Arial" panose="020B0604020202020204"/>
               </a:defRPr>
             </a:lvl1pPr>
             <a:lvl2pPr marL="457200" marR="0" lvl="1" indent="0" algn="l" rtl="0">
@@ -580,10 +585,10 @@
                 <a:solidFill>
                   <a:srgbClr val="000000"/>
                 </a:solidFill>
-                <a:latin typeface="Arial" panose="020B0604020202090204"/>
-                <a:ea typeface="Arial" panose="020B0604020202090204"/>
-                <a:cs typeface="Arial" panose="020B0604020202090204"/>
-                <a:sym typeface="Arial" panose="020B0604020202090204"/>
+                <a:latin typeface="Arial" panose="020B0604020202020204"/>
+                <a:ea typeface="Arial" panose="020B0604020202020204"/>
+                <a:cs typeface="Arial" panose="020B0604020202020204"/>
+                <a:sym typeface="Arial" panose="020B0604020202020204"/>
               </a:defRPr>
             </a:lvl2pPr>
             <a:lvl3pPr marL="914400" marR="0" lvl="2" indent="0" algn="l" rtl="0">
@@ -602,10 +607,10 @@
                 <a:solidFill>
                   <a:srgbClr val="000000"/>
                 </a:solidFill>
-                <a:latin typeface="Arial" panose="020B0604020202090204"/>
-                <a:ea typeface="Arial" panose="020B0604020202090204"/>
-                <a:cs typeface="Arial" panose="020B0604020202090204"/>
-                <a:sym typeface="Arial" panose="020B0604020202090204"/>
+                <a:latin typeface="Arial" panose="020B0604020202020204"/>
+                <a:ea typeface="Arial" panose="020B0604020202020204"/>
+                <a:cs typeface="Arial" panose="020B0604020202020204"/>
+                <a:sym typeface="Arial" panose="020B0604020202020204"/>
               </a:defRPr>
             </a:lvl3pPr>
             <a:lvl4pPr marL="1371600" marR="0" lvl="3" indent="0" algn="l" rtl="0">
@@ -624,10 +629,10 @@
                 <a:solidFill>
                   <a:srgbClr val="000000"/>
                 </a:solidFill>
-                <a:latin typeface="Arial" panose="020B0604020202090204"/>
-                <a:ea typeface="Arial" panose="020B0604020202090204"/>
-                <a:cs typeface="Arial" panose="020B0604020202090204"/>
-                <a:sym typeface="Arial" panose="020B0604020202090204"/>
+                <a:latin typeface="Arial" panose="020B0604020202020204"/>
+                <a:ea typeface="Arial" panose="020B0604020202020204"/>
+                <a:cs typeface="Arial" panose="020B0604020202020204"/>
+                <a:sym typeface="Arial" panose="020B0604020202020204"/>
               </a:defRPr>
             </a:lvl4pPr>
             <a:lvl5pPr marL="1828800" marR="0" lvl="4" indent="0" algn="l" rtl="0">
@@ -646,10 +651,10 @@
                 <a:solidFill>
                   <a:srgbClr val="000000"/>
                 </a:solidFill>
-                <a:latin typeface="Arial" panose="020B0604020202090204"/>
-                <a:ea typeface="Arial" panose="020B0604020202090204"/>
-                <a:cs typeface="Arial" panose="020B0604020202090204"/>
-                <a:sym typeface="Arial" panose="020B0604020202090204"/>
+                <a:latin typeface="Arial" panose="020B0604020202020204"/>
+                <a:ea typeface="Arial" panose="020B0604020202020204"/>
+                <a:cs typeface="Arial" panose="020B0604020202020204"/>
+                <a:sym typeface="Arial" panose="020B0604020202020204"/>
               </a:defRPr>
             </a:lvl5pPr>
             <a:lvl6pPr marL="2286000" marR="0" lvl="5" indent="0" algn="l" rtl="0">
@@ -668,10 +673,10 @@
                 <a:solidFill>
                   <a:srgbClr val="000000"/>
                 </a:solidFill>
-                <a:latin typeface="Arial" panose="020B0604020202090204"/>
-                <a:ea typeface="Arial" panose="020B0604020202090204"/>
-                <a:cs typeface="Arial" panose="020B0604020202090204"/>
-                <a:sym typeface="Arial" panose="020B0604020202090204"/>
+                <a:latin typeface="Arial" panose="020B0604020202020204"/>
+                <a:ea typeface="Arial" panose="020B0604020202020204"/>
+                <a:cs typeface="Arial" panose="020B0604020202020204"/>
+                <a:sym typeface="Arial" panose="020B0604020202020204"/>
               </a:defRPr>
             </a:lvl6pPr>
             <a:lvl7pPr marL="3200400" marR="0" lvl="6" indent="0" algn="l" rtl="0">
@@ -690,10 +695,10 @@
                 <a:solidFill>
                   <a:srgbClr val="000000"/>
                 </a:solidFill>
-                <a:latin typeface="Arial" panose="020B0604020202090204"/>
-                <a:ea typeface="Arial" panose="020B0604020202090204"/>
-                <a:cs typeface="Arial" panose="020B0604020202090204"/>
-                <a:sym typeface="Arial" panose="020B0604020202090204"/>
+                <a:latin typeface="Arial" panose="020B0604020202020204"/>
+                <a:ea typeface="Arial" panose="020B0604020202020204"/>
+                <a:cs typeface="Arial" panose="020B0604020202020204"/>
+                <a:sym typeface="Arial" panose="020B0604020202020204"/>
               </a:defRPr>
             </a:lvl7pPr>
             <a:lvl8pPr marL="4572000" marR="0" lvl="7" indent="0" algn="l" rtl="0">
@@ -712,10 +717,10 @@
                 <a:solidFill>
                   <a:srgbClr val="000000"/>
                 </a:solidFill>
-                <a:latin typeface="Arial" panose="020B0604020202090204"/>
-                <a:ea typeface="Arial" panose="020B0604020202090204"/>
-                <a:cs typeface="Arial" panose="020B0604020202090204"/>
-                <a:sym typeface="Arial" panose="020B0604020202090204"/>
+                <a:latin typeface="Arial" panose="020B0604020202020204"/>
+                <a:ea typeface="Arial" panose="020B0604020202020204"/>
+                <a:cs typeface="Arial" panose="020B0604020202020204"/>
+                <a:sym typeface="Arial" panose="020B0604020202020204"/>
               </a:defRPr>
             </a:lvl8pPr>
             <a:lvl9pPr marL="6400800" marR="0" lvl="8" indent="0" algn="l" rtl="0">
@@ -734,16 +739,14 @@
                 <a:solidFill>
                   <a:srgbClr val="000000"/>
                 </a:solidFill>
-                <a:latin typeface="Arial" panose="020B0604020202090204"/>
-                <a:ea typeface="Arial" panose="020B0604020202090204"/>
-                <a:cs typeface="Arial" panose="020B0604020202090204"/>
-                <a:sym typeface="Arial" panose="020B0604020202090204"/>
+                <a:latin typeface="Arial" panose="020B0604020202020204"/>
+                <a:ea typeface="Arial" panose="020B0604020202020204"/>
+                <a:cs typeface="Arial" panose="020B0604020202020204"/>
+                <a:sym typeface="Arial" panose="020B0604020202020204"/>
               </a:defRPr>
             </a:lvl9pPr>
           </a:lstStyle>
-          <a:p>
-            <a:endParaRPr/>
-          </a:p>
+          <a:p/>
         </p:txBody>
       </p:sp>
       <p:sp>
@@ -925,9 +928,7 @@
               <a:defRPr sz="1800" b="0" i="0" u="none" strike="noStrike" cap="none"/>
             </a:lvl9pPr>
           </a:lstStyle>
-          <a:p>
-            <a:endParaRPr/>
-          </a:p>
+          <a:p/>
         </p:txBody>
       </p:sp>
       <p:sp>
@@ -974,10 +975,10 @@
                 <a:solidFill>
                   <a:srgbClr val="000000"/>
                 </a:solidFill>
-                <a:latin typeface="Arial" panose="020B0604020202090204"/>
-                <a:ea typeface="Arial" panose="020B0604020202090204"/>
-                <a:cs typeface="Arial" panose="020B0604020202090204"/>
-                <a:sym typeface="Arial" panose="020B0604020202090204"/>
+                <a:latin typeface="Arial" panose="020B0604020202020204"/>
+                <a:ea typeface="Arial" panose="020B0604020202020204"/>
+                <a:cs typeface="Arial" panose="020B0604020202020204"/>
+                <a:sym typeface="Arial" panose="020B0604020202020204"/>
               </a:defRPr>
             </a:lvl1pPr>
             <a:lvl2pPr marL="457200" marR="0" lvl="1" indent="0" algn="l" rtl="0">
@@ -996,10 +997,10 @@
                 <a:solidFill>
                   <a:srgbClr val="000000"/>
                 </a:solidFill>
-                <a:latin typeface="Arial" panose="020B0604020202090204"/>
-                <a:ea typeface="Arial" panose="020B0604020202090204"/>
-                <a:cs typeface="Arial" panose="020B0604020202090204"/>
-                <a:sym typeface="Arial" panose="020B0604020202090204"/>
+                <a:latin typeface="Arial" panose="020B0604020202020204"/>
+                <a:ea typeface="Arial" panose="020B0604020202020204"/>
+                <a:cs typeface="Arial" panose="020B0604020202020204"/>
+                <a:sym typeface="Arial" panose="020B0604020202020204"/>
               </a:defRPr>
             </a:lvl2pPr>
             <a:lvl3pPr marL="914400" marR="0" lvl="2" indent="0" algn="l" rtl="0">
@@ -1018,10 +1019,10 @@
                 <a:solidFill>
                   <a:srgbClr val="000000"/>
                 </a:solidFill>
-                <a:latin typeface="Arial" panose="020B0604020202090204"/>
-                <a:ea typeface="Arial" panose="020B0604020202090204"/>
-                <a:cs typeface="Arial" panose="020B0604020202090204"/>
-                <a:sym typeface="Arial" panose="020B0604020202090204"/>
+                <a:latin typeface="Arial" panose="020B0604020202020204"/>
+                <a:ea typeface="Arial" panose="020B0604020202020204"/>
+                <a:cs typeface="Arial" panose="020B0604020202020204"/>
+                <a:sym typeface="Arial" panose="020B0604020202020204"/>
               </a:defRPr>
             </a:lvl3pPr>
             <a:lvl4pPr marL="1371600" marR="0" lvl="3" indent="0" algn="l" rtl="0">
@@ -1040,10 +1041,10 @@
                 <a:solidFill>
                   <a:srgbClr val="000000"/>
                 </a:solidFill>
-                <a:latin typeface="Arial" panose="020B0604020202090204"/>
-                <a:ea typeface="Arial" panose="020B0604020202090204"/>
-                <a:cs typeface="Arial" panose="020B0604020202090204"/>
-                <a:sym typeface="Arial" panose="020B0604020202090204"/>
+                <a:latin typeface="Arial" panose="020B0604020202020204"/>
+                <a:ea typeface="Arial" panose="020B0604020202020204"/>
+                <a:cs typeface="Arial" panose="020B0604020202020204"/>
+                <a:sym typeface="Arial" panose="020B0604020202020204"/>
               </a:defRPr>
             </a:lvl4pPr>
             <a:lvl5pPr marL="1828800" marR="0" lvl="4" indent="0" algn="l" rtl="0">
@@ -1062,10 +1063,10 @@
                 <a:solidFill>
                   <a:srgbClr val="000000"/>
                 </a:solidFill>
-                <a:latin typeface="Arial" panose="020B0604020202090204"/>
-                <a:ea typeface="Arial" panose="020B0604020202090204"/>
-                <a:cs typeface="Arial" panose="020B0604020202090204"/>
-                <a:sym typeface="Arial" panose="020B0604020202090204"/>
+                <a:latin typeface="Arial" panose="020B0604020202020204"/>
+                <a:ea typeface="Arial" panose="020B0604020202020204"/>
+                <a:cs typeface="Arial" panose="020B0604020202020204"/>
+                <a:sym typeface="Arial" panose="020B0604020202020204"/>
               </a:defRPr>
             </a:lvl5pPr>
             <a:lvl6pPr marL="2286000" marR="0" lvl="5" indent="0" algn="l" rtl="0">
@@ -1084,10 +1085,10 @@
                 <a:solidFill>
                   <a:srgbClr val="000000"/>
                 </a:solidFill>
-                <a:latin typeface="Arial" panose="020B0604020202090204"/>
-                <a:ea typeface="Arial" panose="020B0604020202090204"/>
-                <a:cs typeface="Arial" panose="020B0604020202090204"/>
-                <a:sym typeface="Arial" panose="020B0604020202090204"/>
+                <a:latin typeface="Arial" panose="020B0604020202020204"/>
+                <a:ea typeface="Arial" panose="020B0604020202020204"/>
+                <a:cs typeface="Arial" panose="020B0604020202020204"/>
+                <a:sym typeface="Arial" panose="020B0604020202020204"/>
               </a:defRPr>
             </a:lvl6pPr>
             <a:lvl7pPr marL="3200400" marR="0" lvl="6" indent="0" algn="l" rtl="0">
@@ -1106,10 +1107,10 @@
                 <a:solidFill>
                   <a:srgbClr val="000000"/>
                 </a:solidFill>
-                <a:latin typeface="Arial" panose="020B0604020202090204"/>
-                <a:ea typeface="Arial" panose="020B0604020202090204"/>
-                <a:cs typeface="Arial" panose="020B0604020202090204"/>
-                <a:sym typeface="Arial" panose="020B0604020202090204"/>
+                <a:latin typeface="Arial" panose="020B0604020202020204"/>
+                <a:ea typeface="Arial" panose="020B0604020202020204"/>
+                <a:cs typeface="Arial" panose="020B0604020202020204"/>
+                <a:sym typeface="Arial" panose="020B0604020202020204"/>
               </a:defRPr>
             </a:lvl7pPr>
             <a:lvl8pPr marL="4572000" marR="0" lvl="7" indent="0" algn="l" rtl="0">
@@ -1128,10 +1129,10 @@
                 <a:solidFill>
                   <a:srgbClr val="000000"/>
                 </a:solidFill>
-                <a:latin typeface="Arial" panose="020B0604020202090204"/>
-                <a:ea typeface="Arial" panose="020B0604020202090204"/>
-                <a:cs typeface="Arial" panose="020B0604020202090204"/>
-                <a:sym typeface="Arial" panose="020B0604020202090204"/>
+                <a:latin typeface="Arial" panose="020B0604020202020204"/>
+                <a:ea typeface="Arial" panose="020B0604020202020204"/>
+                <a:cs typeface="Arial" panose="020B0604020202020204"/>
+                <a:sym typeface="Arial" panose="020B0604020202020204"/>
               </a:defRPr>
             </a:lvl8pPr>
             <a:lvl9pPr marL="6400800" marR="0" lvl="8" indent="0" algn="l" rtl="0">
@@ -1150,16 +1151,14 @@
                 <a:solidFill>
                   <a:srgbClr val="000000"/>
                 </a:solidFill>
-                <a:latin typeface="Arial" panose="020B0604020202090204"/>
-                <a:ea typeface="Arial" panose="020B0604020202090204"/>
-                <a:cs typeface="Arial" panose="020B0604020202090204"/>
-                <a:sym typeface="Arial" panose="020B0604020202090204"/>
+                <a:latin typeface="Arial" panose="020B0604020202020204"/>
+                <a:ea typeface="Arial" panose="020B0604020202020204"/>
+                <a:cs typeface="Arial" panose="020B0604020202020204"/>
+                <a:sym typeface="Arial" panose="020B0604020202020204"/>
               </a:defRPr>
             </a:lvl9pPr>
           </a:lstStyle>
-          <a:p>
-            <a:endParaRPr/>
-          </a:p>
+          <a:p/>
         </p:txBody>
       </p:sp>
       <p:sp>
@@ -1204,7 +1203,7 @@
               <a:buClr>
                 <a:srgbClr val="000000"/>
               </a:buClr>
-              <a:buFont typeface="Arial" panose="020B0604020202090204"/>
+              <a:buFont typeface="Arial" panose="020B0604020202020204"/>
               <a:buNone/>
             </a:pPr>
             <a:fld id="{00000000-1234-1234-1234-123412341234}" type="slidenum">
@@ -1212,21 +1211,20 @@
                 <a:solidFill>
                   <a:srgbClr val="000000"/>
                 </a:solidFill>
-                <a:latin typeface="Arial" panose="020B0604020202090204"/>
-                <a:ea typeface="Arial" panose="020B0604020202090204"/>
-                <a:cs typeface="Arial" panose="020B0604020202090204"/>
-                <a:sym typeface="Arial" panose="020B0604020202090204"/>
+                <a:latin typeface="Arial" panose="020B0604020202020204"/>
+                <a:ea typeface="Arial" panose="020B0604020202020204"/>
+                <a:cs typeface="Arial" panose="020B0604020202020204"/>
+                <a:sym typeface="Arial" panose="020B0604020202020204"/>
               </a:rPr>
-              <a:t>‹#›</a:t>
             </a:fld>
             <a:endParaRPr lang="en-US" sz="1200" b="0" i="0" u="none" strike="noStrike" cap="none">
               <a:solidFill>
                 <a:srgbClr val="000000"/>
               </a:solidFill>
-              <a:latin typeface="Arial" panose="020B0604020202090204"/>
-              <a:ea typeface="Arial" panose="020B0604020202090204"/>
-              <a:cs typeface="Arial" panose="020B0604020202090204"/>
-              <a:sym typeface="Arial" panose="020B0604020202090204"/>
+              <a:latin typeface="Arial" panose="020B0604020202020204"/>
+              <a:ea typeface="Arial" panose="020B0604020202020204"/>
+              <a:cs typeface="Arial" panose="020B0604020202020204"/>
+              <a:sym typeface="Arial" panose="020B0604020202020204"/>
             </a:endParaRPr>
           </a:p>
         </p:txBody>
@@ -1259,15 +1257,15 @@
       <a:buClr>
         <a:srgbClr val="000000"/>
       </a:buClr>
-      <a:buFont typeface="Arial" panose="020B0604020202090204"/>
+      <a:buFont typeface="Arial" panose="020B0604020202020204"/>
       <a:defRPr sz="1400" b="0" i="0" u="none" strike="noStrike" cap="none">
         <a:solidFill>
           <a:srgbClr val="000000"/>
         </a:solidFill>
-        <a:latin typeface="Arial" panose="020B0604020202090204"/>
-        <a:ea typeface="Arial" panose="020B0604020202090204"/>
-        <a:cs typeface="Arial" panose="020B0604020202090204"/>
-        <a:sym typeface="Arial" panose="020B0604020202090204"/>
+        <a:latin typeface="Arial" panose="020B0604020202020204"/>
+        <a:ea typeface="Arial" panose="020B0604020202020204"/>
+        <a:cs typeface="Arial" panose="020B0604020202020204"/>
+        <a:sym typeface="Arial" panose="020B0604020202020204"/>
       </a:defRPr>
     </a:lvl1pPr>
     <a:lvl2pPr marR="0" lvl="1" algn="l" rtl="0">
@@ -1283,15 +1281,15 @@
       <a:buClr>
         <a:srgbClr val="000000"/>
       </a:buClr>
-      <a:buFont typeface="Arial" panose="020B0604020202090204"/>
+      <a:buFont typeface="Arial" panose="020B0604020202020204"/>
       <a:defRPr sz="1400" b="0" i="0" u="none" strike="noStrike" cap="none">
         <a:solidFill>
           <a:srgbClr val="000000"/>
         </a:solidFill>
-        <a:latin typeface="Arial" panose="020B0604020202090204"/>
-        <a:ea typeface="Arial" panose="020B0604020202090204"/>
-        <a:cs typeface="Arial" panose="020B0604020202090204"/>
-        <a:sym typeface="Arial" panose="020B0604020202090204"/>
+        <a:latin typeface="Arial" panose="020B0604020202020204"/>
+        <a:ea typeface="Arial" panose="020B0604020202020204"/>
+        <a:cs typeface="Arial" panose="020B0604020202020204"/>
+        <a:sym typeface="Arial" panose="020B0604020202020204"/>
       </a:defRPr>
     </a:lvl2pPr>
     <a:lvl3pPr marR="0" lvl="2" algn="l" rtl="0">
@@ -1307,15 +1305,15 @@
       <a:buClr>
         <a:srgbClr val="000000"/>
       </a:buClr>
-      <a:buFont typeface="Arial" panose="020B0604020202090204"/>
+      <a:buFont typeface="Arial" panose="020B0604020202020204"/>
       <a:defRPr sz="1400" b="0" i="0" u="none" strike="noStrike" cap="none">
         <a:solidFill>
           <a:srgbClr val="000000"/>
         </a:solidFill>
-        <a:latin typeface="Arial" panose="020B0604020202090204"/>
-        <a:ea typeface="Arial" panose="020B0604020202090204"/>
-        <a:cs typeface="Arial" panose="020B0604020202090204"/>
-        <a:sym typeface="Arial" panose="020B0604020202090204"/>
+        <a:latin typeface="Arial" panose="020B0604020202020204"/>
+        <a:ea typeface="Arial" panose="020B0604020202020204"/>
+        <a:cs typeface="Arial" panose="020B0604020202020204"/>
+        <a:sym typeface="Arial" panose="020B0604020202020204"/>
       </a:defRPr>
     </a:lvl3pPr>
     <a:lvl4pPr marR="0" lvl="3" algn="l" rtl="0">
@@ -1331,15 +1329,15 @@
       <a:buClr>
         <a:srgbClr val="000000"/>
       </a:buClr>
-      <a:buFont typeface="Arial" panose="020B0604020202090204"/>
+      <a:buFont typeface="Arial" panose="020B0604020202020204"/>
       <a:defRPr sz="1400" b="0" i="0" u="none" strike="noStrike" cap="none">
         <a:solidFill>
           <a:srgbClr val="000000"/>
         </a:solidFill>
-        <a:latin typeface="Arial" panose="020B0604020202090204"/>
-        <a:ea typeface="Arial" panose="020B0604020202090204"/>
-        <a:cs typeface="Arial" panose="020B0604020202090204"/>
-        <a:sym typeface="Arial" panose="020B0604020202090204"/>
+        <a:latin typeface="Arial" panose="020B0604020202020204"/>
+        <a:ea typeface="Arial" panose="020B0604020202020204"/>
+        <a:cs typeface="Arial" panose="020B0604020202020204"/>
+        <a:sym typeface="Arial" panose="020B0604020202020204"/>
       </a:defRPr>
     </a:lvl4pPr>
     <a:lvl5pPr marR="0" lvl="4" algn="l" rtl="0">
@@ -1355,15 +1353,15 @@
       <a:buClr>
         <a:srgbClr val="000000"/>
       </a:buClr>
-      <a:buFont typeface="Arial" panose="020B0604020202090204"/>
+      <a:buFont typeface="Arial" panose="020B0604020202020204"/>
       <a:defRPr sz="1400" b="0" i="0" u="none" strike="noStrike" cap="none">
         <a:solidFill>
           <a:srgbClr val="000000"/>
         </a:solidFill>
-        <a:latin typeface="Arial" panose="020B0604020202090204"/>
-        <a:ea typeface="Arial" panose="020B0604020202090204"/>
-        <a:cs typeface="Arial" panose="020B0604020202090204"/>
-        <a:sym typeface="Arial" panose="020B0604020202090204"/>
+        <a:latin typeface="Arial" panose="020B0604020202020204"/>
+        <a:ea typeface="Arial" panose="020B0604020202020204"/>
+        <a:cs typeface="Arial" panose="020B0604020202020204"/>
+        <a:sym typeface="Arial" panose="020B0604020202020204"/>
       </a:defRPr>
     </a:lvl5pPr>
     <a:lvl6pPr marR="0" lvl="5" algn="l" rtl="0">
@@ -1379,15 +1377,15 @@
       <a:buClr>
         <a:srgbClr val="000000"/>
       </a:buClr>
-      <a:buFont typeface="Arial" panose="020B0604020202090204"/>
+      <a:buFont typeface="Arial" panose="020B0604020202020204"/>
       <a:defRPr sz="1400" b="0" i="0" u="none" strike="noStrike" cap="none">
         <a:solidFill>
           <a:srgbClr val="000000"/>
         </a:solidFill>
-        <a:latin typeface="Arial" panose="020B0604020202090204"/>
-        <a:ea typeface="Arial" panose="020B0604020202090204"/>
-        <a:cs typeface="Arial" panose="020B0604020202090204"/>
-        <a:sym typeface="Arial" panose="020B0604020202090204"/>
+        <a:latin typeface="Arial" panose="020B0604020202020204"/>
+        <a:ea typeface="Arial" panose="020B0604020202020204"/>
+        <a:cs typeface="Arial" panose="020B0604020202020204"/>
+        <a:sym typeface="Arial" panose="020B0604020202020204"/>
       </a:defRPr>
     </a:lvl6pPr>
     <a:lvl7pPr marR="0" lvl="6" algn="l" rtl="0">
@@ -1403,15 +1401,15 @@
       <a:buClr>
         <a:srgbClr val="000000"/>
       </a:buClr>
-      <a:buFont typeface="Arial" panose="020B0604020202090204"/>
+      <a:buFont typeface="Arial" panose="020B0604020202020204"/>
       <a:defRPr sz="1400" b="0" i="0" u="none" strike="noStrike" cap="none">
         <a:solidFill>
           <a:srgbClr val="000000"/>
         </a:solidFill>
-        <a:latin typeface="Arial" panose="020B0604020202090204"/>
-        <a:ea typeface="Arial" panose="020B0604020202090204"/>
-        <a:cs typeface="Arial" panose="020B0604020202090204"/>
-        <a:sym typeface="Arial" panose="020B0604020202090204"/>
+        <a:latin typeface="Arial" panose="020B0604020202020204"/>
+        <a:ea typeface="Arial" panose="020B0604020202020204"/>
+        <a:cs typeface="Arial" panose="020B0604020202020204"/>
+        <a:sym typeface="Arial" panose="020B0604020202020204"/>
       </a:defRPr>
     </a:lvl7pPr>
     <a:lvl8pPr marR="0" lvl="7" algn="l" rtl="0">
@@ -1427,15 +1425,15 @@
       <a:buClr>
         <a:srgbClr val="000000"/>
       </a:buClr>
-      <a:buFont typeface="Arial" panose="020B0604020202090204"/>
+      <a:buFont typeface="Arial" panose="020B0604020202020204"/>
       <a:defRPr sz="1400" b="0" i="0" u="none" strike="noStrike" cap="none">
         <a:solidFill>
           <a:srgbClr val="000000"/>
         </a:solidFill>
-        <a:latin typeface="Arial" panose="020B0604020202090204"/>
-        <a:ea typeface="Arial" panose="020B0604020202090204"/>
-        <a:cs typeface="Arial" panose="020B0604020202090204"/>
-        <a:sym typeface="Arial" panose="020B0604020202090204"/>
+        <a:latin typeface="Arial" panose="020B0604020202020204"/>
+        <a:ea typeface="Arial" panose="020B0604020202020204"/>
+        <a:cs typeface="Arial" panose="020B0604020202020204"/>
+        <a:sym typeface="Arial" panose="020B0604020202020204"/>
       </a:defRPr>
     </a:lvl8pPr>
     <a:lvl9pPr marR="0" lvl="8" algn="l" rtl="0">
@@ -1451,15 +1449,15 @@
       <a:buClr>
         <a:srgbClr val="000000"/>
       </a:buClr>
-      <a:buFont typeface="Arial" panose="020B0604020202090204"/>
+      <a:buFont typeface="Arial" panose="020B0604020202020204"/>
       <a:defRPr sz="1400" b="0" i="0" u="none" strike="noStrike" cap="none">
         <a:solidFill>
           <a:srgbClr val="000000"/>
         </a:solidFill>
-        <a:latin typeface="Arial" panose="020B0604020202090204"/>
-        <a:ea typeface="Arial" panose="020B0604020202090204"/>
-        <a:cs typeface="Arial" panose="020B0604020202090204"/>
-        <a:sym typeface="Arial" panose="020B0604020202090204"/>
+        <a:latin typeface="Arial" panose="020B0604020202020204"/>
+        <a:ea typeface="Arial" panose="020B0604020202020204"/>
+        <a:cs typeface="Arial" panose="020B0604020202020204"/>
+        <a:sym typeface="Arial" panose="020B0604020202020204"/>
       </a:defRPr>
     </a:lvl9pPr>
   </p:notesStyle>
@@ -1467,7 +1465,7 @@
 </file>
 
 <file path=ppt/notesSlides/notesSlide1.xml><?xml version="1.0" encoding="utf-8"?>
-<p:notes xmlns:a="http://schemas.openxmlformats.org/drawingml/2006/main" xmlns:r="http://schemas.openxmlformats.org/officeDocument/2006/relationships" xmlns:p="http://schemas.openxmlformats.org/presentationml/2006/main" showMasterSp="0" showMasterPhAnim="0">
+<p:notes xmlns:a="http://schemas.openxmlformats.org/drawingml/2006/main" xmlns:r="http://schemas.openxmlformats.org/officeDocument/2006/relationships" xmlns:p="http://schemas.openxmlformats.org/presentationml/2006/main" showMasterPhAnim="0" showMasterSp="0">
   <p:cSld>
     <p:spTree>
       <p:nvGrpSpPr>
@@ -1558,7 +1556,6 @@
               </a:spcAft>
               <a:buNone/>
             </a:pPr>
-            <a:endParaRPr/>
           </a:p>
         </p:txBody>
       </p:sp>
@@ -1597,12 +1594,11 @@
               <a:buClr>
                 <a:srgbClr val="000000"/>
               </a:buClr>
-              <a:buFont typeface="Arial" panose="020B0604020202090204"/>
+              <a:buFont typeface="Arial" panose="020B0604020202020204"/>
               <a:buNone/>
             </a:pPr>
             <a:fld id="{00000000-1234-1234-1234-123412341234}" type="slidenum">
               <a:rPr lang="en-US"/>
-              <a:t>1</a:t>
             </a:fld>
             <a:endParaRPr sz="1400"/>
           </a:p>
@@ -1617,7 +1613,7 @@
 </file>
 
 <file path=ppt/slideLayouts/slideLayout1.xml><?xml version="1.0" encoding="utf-8"?>
-<p:sldLayout xmlns:a="http://schemas.openxmlformats.org/drawingml/2006/main" xmlns:r="http://schemas.openxmlformats.org/officeDocument/2006/relationships" xmlns:p="http://schemas.openxmlformats.org/presentationml/2006/main" matchingName="Content" type="objOnly">
+<p:sldLayout xmlns:a="http://schemas.openxmlformats.org/drawingml/2006/main" xmlns:r="http://schemas.openxmlformats.org/officeDocument/2006/relationships" xmlns:p="http://schemas.openxmlformats.org/presentationml/2006/main" type="objOnly" matchingName="Content">
   <p:cSld name="OBJECT_ONLY">
     <p:spTree>
       <p:nvGrpSpPr>
@@ -1672,16 +1668,16 @@
                 <a:schemeClr val="dk1"/>
               </a:buClr>
               <a:buSzPts val="3200"/>
-              <a:buFont typeface="Arial" panose="020B0604020202090204"/>
+              <a:buFont typeface="Arial" panose="020B0604020202020204"/>
               <a:buChar char="•"/>
               <a:defRPr sz="3200" b="0" i="0" u="none" strike="noStrike" cap="none">
                 <a:solidFill>
                   <a:schemeClr val="dk1"/>
                 </a:solidFill>
-                <a:latin typeface="Arial" panose="020B0604020202090204"/>
-                <a:ea typeface="Arial" panose="020B0604020202090204"/>
-                <a:cs typeface="Arial" panose="020B0604020202090204"/>
-                <a:sym typeface="Arial" panose="020B0604020202090204"/>
+                <a:latin typeface="Arial" panose="020B0604020202020204"/>
+                <a:ea typeface="Arial" panose="020B0604020202020204"/>
+                <a:cs typeface="Arial" panose="020B0604020202020204"/>
+                <a:sym typeface="Arial" panose="020B0604020202020204"/>
               </a:defRPr>
             </a:lvl1pPr>
             <a:lvl2pPr marL="914400" marR="0" lvl="1" indent="-406400" algn="l" rtl="0">
@@ -1695,16 +1691,16 @@
                 <a:schemeClr val="dk1"/>
               </a:buClr>
               <a:buSzPts val="2800"/>
-              <a:buFont typeface="Arial" panose="020B0604020202090204"/>
+              <a:buFont typeface="Arial" panose="020B0604020202020204"/>
               <a:buChar char="–"/>
               <a:defRPr sz="2800" b="0" i="0" u="none" strike="noStrike" cap="none">
                 <a:solidFill>
                   <a:schemeClr val="dk1"/>
                 </a:solidFill>
-                <a:latin typeface="Arial" panose="020B0604020202090204"/>
-                <a:ea typeface="Arial" panose="020B0604020202090204"/>
-                <a:cs typeface="Arial" panose="020B0604020202090204"/>
-                <a:sym typeface="Arial" panose="020B0604020202090204"/>
+                <a:latin typeface="Arial" panose="020B0604020202020204"/>
+                <a:ea typeface="Arial" panose="020B0604020202020204"/>
+                <a:cs typeface="Arial" panose="020B0604020202020204"/>
+                <a:sym typeface="Arial" panose="020B0604020202020204"/>
               </a:defRPr>
             </a:lvl2pPr>
             <a:lvl3pPr marL="1371600" marR="0" lvl="2" indent="-381000" algn="l" rtl="0">
@@ -1718,16 +1714,16 @@
                 <a:schemeClr val="dk1"/>
               </a:buClr>
               <a:buSzPts val="2400"/>
-              <a:buFont typeface="Arial" panose="020B0604020202090204"/>
+              <a:buFont typeface="Arial" panose="020B0604020202020204"/>
               <a:buChar char="•"/>
               <a:defRPr sz="2400" b="0" i="0" u="none" strike="noStrike" cap="none">
                 <a:solidFill>
                   <a:schemeClr val="dk1"/>
                 </a:solidFill>
-                <a:latin typeface="Arial" panose="020B0604020202090204"/>
-                <a:ea typeface="Arial" panose="020B0604020202090204"/>
-                <a:cs typeface="Arial" panose="020B0604020202090204"/>
-                <a:sym typeface="Arial" panose="020B0604020202090204"/>
+                <a:latin typeface="Arial" panose="020B0604020202020204"/>
+                <a:ea typeface="Arial" panose="020B0604020202020204"/>
+                <a:cs typeface="Arial" panose="020B0604020202020204"/>
+                <a:sym typeface="Arial" panose="020B0604020202020204"/>
               </a:defRPr>
             </a:lvl3pPr>
             <a:lvl4pPr marL="1828800" marR="0" lvl="3" indent="-355600" algn="l" rtl="0">
@@ -1741,16 +1737,16 @@
                 <a:schemeClr val="dk1"/>
               </a:buClr>
               <a:buSzPts val="2000"/>
-              <a:buFont typeface="Arial" panose="020B0604020202090204"/>
+              <a:buFont typeface="Arial" panose="020B0604020202020204"/>
               <a:buChar char="–"/>
               <a:defRPr sz="2000" b="0" i="0" u="none" strike="noStrike" cap="none">
                 <a:solidFill>
                   <a:schemeClr val="dk1"/>
                 </a:solidFill>
-                <a:latin typeface="Arial" panose="020B0604020202090204"/>
-                <a:ea typeface="Arial" panose="020B0604020202090204"/>
-                <a:cs typeface="Arial" panose="020B0604020202090204"/>
-                <a:sym typeface="Arial" panose="020B0604020202090204"/>
+                <a:latin typeface="Arial" panose="020B0604020202020204"/>
+                <a:ea typeface="Arial" panose="020B0604020202020204"/>
+                <a:cs typeface="Arial" panose="020B0604020202020204"/>
+                <a:sym typeface="Arial" panose="020B0604020202020204"/>
               </a:defRPr>
             </a:lvl4pPr>
             <a:lvl5pPr marL="2286000" marR="0" lvl="4" indent="-355600" algn="l" rtl="0">
@@ -1764,16 +1760,16 @@
                 <a:schemeClr val="dk1"/>
               </a:buClr>
               <a:buSzPts val="2000"/>
-              <a:buFont typeface="Arial" panose="020B0604020202090204"/>
+              <a:buFont typeface="Arial" panose="020B0604020202020204"/>
               <a:buChar char="»"/>
               <a:defRPr sz="2000" b="0" i="0" u="none" strike="noStrike" cap="none">
                 <a:solidFill>
                   <a:schemeClr val="dk1"/>
                 </a:solidFill>
-                <a:latin typeface="Arial" panose="020B0604020202090204"/>
-                <a:ea typeface="Arial" panose="020B0604020202090204"/>
-                <a:cs typeface="Arial" panose="020B0604020202090204"/>
-                <a:sym typeface="Arial" panose="020B0604020202090204"/>
+                <a:latin typeface="Arial" panose="020B0604020202020204"/>
+                <a:ea typeface="Arial" panose="020B0604020202020204"/>
+                <a:cs typeface="Arial" panose="020B0604020202020204"/>
+                <a:sym typeface="Arial" panose="020B0604020202020204"/>
               </a:defRPr>
             </a:lvl5pPr>
             <a:lvl6pPr marL="2743200" marR="0" lvl="5" indent="-355600" algn="l" rtl="0">
@@ -1787,16 +1783,16 @@
                 <a:schemeClr val="dk1"/>
               </a:buClr>
               <a:buSzPts val="2000"/>
-              <a:buFont typeface="Arial" panose="020B0604020202090204"/>
+              <a:buFont typeface="Arial" panose="020B0604020202020204"/>
               <a:buChar char="»"/>
               <a:defRPr sz="2000" b="0" i="0" u="none" strike="noStrike" cap="none">
                 <a:solidFill>
                   <a:schemeClr val="dk1"/>
                 </a:solidFill>
-                <a:latin typeface="Arial" panose="020B0604020202090204"/>
-                <a:ea typeface="Arial" panose="020B0604020202090204"/>
-                <a:cs typeface="Arial" panose="020B0604020202090204"/>
-                <a:sym typeface="Arial" panose="020B0604020202090204"/>
+                <a:latin typeface="Arial" panose="020B0604020202020204"/>
+                <a:ea typeface="Arial" panose="020B0604020202020204"/>
+                <a:cs typeface="Arial" panose="020B0604020202020204"/>
+                <a:sym typeface="Arial" panose="020B0604020202020204"/>
               </a:defRPr>
             </a:lvl6pPr>
             <a:lvl7pPr marL="3200400" marR="0" lvl="6" indent="-355600" algn="l" rtl="0">
@@ -1810,16 +1806,16 @@
                 <a:schemeClr val="dk1"/>
               </a:buClr>
               <a:buSzPts val="2000"/>
-              <a:buFont typeface="Arial" panose="020B0604020202090204"/>
+              <a:buFont typeface="Arial" panose="020B0604020202020204"/>
               <a:buChar char="»"/>
               <a:defRPr sz="2000" b="0" i="0" u="none" strike="noStrike" cap="none">
                 <a:solidFill>
                   <a:schemeClr val="dk1"/>
                 </a:solidFill>
-                <a:latin typeface="Arial" panose="020B0604020202090204"/>
-                <a:ea typeface="Arial" panose="020B0604020202090204"/>
-                <a:cs typeface="Arial" panose="020B0604020202090204"/>
-                <a:sym typeface="Arial" panose="020B0604020202090204"/>
+                <a:latin typeface="Arial" panose="020B0604020202020204"/>
+                <a:ea typeface="Arial" panose="020B0604020202020204"/>
+                <a:cs typeface="Arial" panose="020B0604020202020204"/>
+                <a:sym typeface="Arial" panose="020B0604020202020204"/>
               </a:defRPr>
             </a:lvl7pPr>
             <a:lvl8pPr marL="3657600" marR="0" lvl="7" indent="-355600" algn="l" rtl="0">
@@ -1833,16 +1829,16 @@
                 <a:schemeClr val="dk1"/>
               </a:buClr>
               <a:buSzPts val="2000"/>
-              <a:buFont typeface="Arial" panose="020B0604020202090204"/>
+              <a:buFont typeface="Arial" panose="020B0604020202020204"/>
               <a:buChar char="»"/>
               <a:defRPr sz="2000" b="0" i="0" u="none" strike="noStrike" cap="none">
                 <a:solidFill>
                   <a:schemeClr val="dk1"/>
                 </a:solidFill>
-                <a:latin typeface="Arial" panose="020B0604020202090204"/>
-                <a:ea typeface="Arial" panose="020B0604020202090204"/>
-                <a:cs typeface="Arial" panose="020B0604020202090204"/>
-                <a:sym typeface="Arial" panose="020B0604020202090204"/>
+                <a:latin typeface="Arial" panose="020B0604020202020204"/>
+                <a:ea typeface="Arial" panose="020B0604020202020204"/>
+                <a:cs typeface="Arial" panose="020B0604020202020204"/>
+                <a:sym typeface="Arial" panose="020B0604020202020204"/>
               </a:defRPr>
             </a:lvl8pPr>
             <a:lvl9pPr marL="4114800" marR="0" lvl="8" indent="-355600" algn="l" rtl="0">
@@ -1856,22 +1852,20 @@
                 <a:schemeClr val="dk1"/>
               </a:buClr>
               <a:buSzPts val="2000"/>
-              <a:buFont typeface="Arial" panose="020B0604020202090204"/>
+              <a:buFont typeface="Arial" panose="020B0604020202020204"/>
               <a:buChar char="»"/>
               <a:defRPr sz="2000" b="0" i="0" u="none" strike="noStrike" cap="none">
                 <a:solidFill>
                   <a:schemeClr val="dk1"/>
                 </a:solidFill>
-                <a:latin typeface="Arial" panose="020B0604020202090204"/>
-                <a:ea typeface="Arial" panose="020B0604020202090204"/>
-                <a:cs typeface="Arial" panose="020B0604020202090204"/>
-                <a:sym typeface="Arial" panose="020B0604020202090204"/>
+                <a:latin typeface="Arial" panose="020B0604020202020204"/>
+                <a:ea typeface="Arial" panose="020B0604020202020204"/>
+                <a:cs typeface="Arial" panose="020B0604020202020204"/>
+                <a:sym typeface="Arial" panose="020B0604020202020204"/>
               </a:defRPr>
             </a:lvl9pPr>
           </a:lstStyle>
-          <a:p>
-            <a:endParaRPr/>
-          </a:p>
+          <a:p/>
         </p:txBody>
       </p:sp>
     </p:spTree>
@@ -1883,7 +1877,7 @@
 </file>
 
 <file path=ppt/slideLayouts/slideLayout10.xml><?xml version="1.0" encoding="utf-8"?>
-<p:sldLayout xmlns:a="http://schemas.openxmlformats.org/drawingml/2006/main" xmlns:r="http://schemas.openxmlformats.org/officeDocument/2006/relationships" xmlns:p="http://schemas.openxmlformats.org/presentationml/2006/main" matchingName="Title Only" type="titleOnly">
+<p:sldLayout xmlns:a="http://schemas.openxmlformats.org/drawingml/2006/main" xmlns:r="http://schemas.openxmlformats.org/officeDocument/2006/relationships" xmlns:p="http://schemas.openxmlformats.org/presentationml/2006/main" type="titleOnly" matchingName="Title Only">
   <p:cSld name="TITLE_ONLY">
     <p:spTree>
       <p:nvGrpSpPr>
@@ -1940,10 +1934,10 @@
                 <a:solidFill>
                   <a:schemeClr val="dk2"/>
                 </a:solidFill>
-                <a:latin typeface="Arial" panose="020B0604020202090204"/>
-                <a:ea typeface="Arial" panose="020B0604020202090204"/>
-                <a:cs typeface="Arial" panose="020B0604020202090204"/>
-                <a:sym typeface="Arial" panose="020B0604020202090204"/>
+                <a:latin typeface="Arial" panose="020B0604020202020204"/>
+                <a:ea typeface="Arial" panose="020B0604020202020204"/>
+                <a:cs typeface="Arial" panose="020B0604020202020204"/>
+                <a:sym typeface="Arial" panose="020B0604020202020204"/>
               </a:defRPr>
             </a:lvl1pPr>
             <a:lvl2pPr marL="0" marR="0" lvl="1" indent="0" algn="ctr" rtl="0">
@@ -1959,10 +1953,10 @@
                 <a:solidFill>
                   <a:schemeClr val="dk2"/>
                 </a:solidFill>
-                <a:latin typeface="Arial" panose="020B0604020202090204"/>
-                <a:ea typeface="Arial" panose="020B0604020202090204"/>
-                <a:cs typeface="Arial" panose="020B0604020202090204"/>
-                <a:sym typeface="Arial" panose="020B0604020202090204"/>
+                <a:latin typeface="Arial" panose="020B0604020202020204"/>
+                <a:ea typeface="Arial" panose="020B0604020202020204"/>
+                <a:cs typeface="Arial" panose="020B0604020202020204"/>
+                <a:sym typeface="Arial" panose="020B0604020202020204"/>
               </a:defRPr>
             </a:lvl2pPr>
             <a:lvl3pPr marL="0" marR="0" lvl="2" indent="0" algn="ctr" rtl="0">
@@ -1978,10 +1972,10 @@
                 <a:solidFill>
                   <a:schemeClr val="dk2"/>
                 </a:solidFill>
-                <a:latin typeface="Arial" panose="020B0604020202090204"/>
-                <a:ea typeface="Arial" panose="020B0604020202090204"/>
-                <a:cs typeface="Arial" panose="020B0604020202090204"/>
-                <a:sym typeface="Arial" panose="020B0604020202090204"/>
+                <a:latin typeface="Arial" panose="020B0604020202020204"/>
+                <a:ea typeface="Arial" panose="020B0604020202020204"/>
+                <a:cs typeface="Arial" panose="020B0604020202020204"/>
+                <a:sym typeface="Arial" panose="020B0604020202020204"/>
               </a:defRPr>
             </a:lvl3pPr>
             <a:lvl4pPr marL="0" marR="0" lvl="3" indent="0" algn="ctr" rtl="0">
@@ -1997,10 +1991,10 @@
                 <a:solidFill>
                   <a:schemeClr val="dk2"/>
                 </a:solidFill>
-                <a:latin typeface="Arial" panose="020B0604020202090204"/>
-                <a:ea typeface="Arial" panose="020B0604020202090204"/>
-                <a:cs typeface="Arial" panose="020B0604020202090204"/>
-                <a:sym typeface="Arial" panose="020B0604020202090204"/>
+                <a:latin typeface="Arial" panose="020B0604020202020204"/>
+                <a:ea typeface="Arial" panose="020B0604020202020204"/>
+                <a:cs typeface="Arial" panose="020B0604020202020204"/>
+                <a:sym typeface="Arial" panose="020B0604020202020204"/>
               </a:defRPr>
             </a:lvl4pPr>
             <a:lvl5pPr marL="0" marR="0" lvl="4" indent="0" algn="ctr" rtl="0">
@@ -2016,10 +2010,10 @@
                 <a:solidFill>
                   <a:schemeClr val="dk2"/>
                 </a:solidFill>
-                <a:latin typeface="Arial" panose="020B0604020202090204"/>
-                <a:ea typeface="Arial" panose="020B0604020202090204"/>
-                <a:cs typeface="Arial" panose="020B0604020202090204"/>
-                <a:sym typeface="Arial" panose="020B0604020202090204"/>
+                <a:latin typeface="Arial" panose="020B0604020202020204"/>
+                <a:ea typeface="Arial" panose="020B0604020202020204"/>
+                <a:cs typeface="Arial" panose="020B0604020202020204"/>
+                <a:sym typeface="Arial" panose="020B0604020202020204"/>
               </a:defRPr>
             </a:lvl5pPr>
             <a:lvl6pPr marL="457200" marR="0" lvl="5" indent="0" algn="ctr" rtl="0">
@@ -2035,10 +2029,10 @@
                 <a:solidFill>
                   <a:schemeClr val="dk2"/>
                 </a:solidFill>
-                <a:latin typeface="Arial" panose="020B0604020202090204"/>
-                <a:ea typeface="Arial" panose="020B0604020202090204"/>
-                <a:cs typeface="Arial" panose="020B0604020202090204"/>
-                <a:sym typeface="Arial" panose="020B0604020202090204"/>
+                <a:latin typeface="Arial" panose="020B0604020202020204"/>
+                <a:ea typeface="Arial" panose="020B0604020202020204"/>
+                <a:cs typeface="Arial" panose="020B0604020202020204"/>
+                <a:sym typeface="Arial" panose="020B0604020202020204"/>
               </a:defRPr>
             </a:lvl6pPr>
             <a:lvl7pPr marL="914400" marR="0" lvl="6" indent="0" algn="ctr" rtl="0">
@@ -2054,10 +2048,10 @@
                 <a:solidFill>
                   <a:schemeClr val="dk2"/>
                 </a:solidFill>
-                <a:latin typeface="Arial" panose="020B0604020202090204"/>
-                <a:ea typeface="Arial" panose="020B0604020202090204"/>
-                <a:cs typeface="Arial" panose="020B0604020202090204"/>
-                <a:sym typeface="Arial" panose="020B0604020202090204"/>
+                <a:latin typeface="Arial" panose="020B0604020202020204"/>
+                <a:ea typeface="Arial" panose="020B0604020202020204"/>
+                <a:cs typeface="Arial" panose="020B0604020202020204"/>
+                <a:sym typeface="Arial" panose="020B0604020202020204"/>
               </a:defRPr>
             </a:lvl7pPr>
             <a:lvl8pPr marL="1371600" marR="0" lvl="7" indent="0" algn="ctr" rtl="0">
@@ -2073,10 +2067,10 @@
                 <a:solidFill>
                   <a:schemeClr val="dk2"/>
                 </a:solidFill>
-                <a:latin typeface="Arial" panose="020B0604020202090204"/>
-                <a:ea typeface="Arial" panose="020B0604020202090204"/>
-                <a:cs typeface="Arial" panose="020B0604020202090204"/>
-                <a:sym typeface="Arial" panose="020B0604020202090204"/>
+                <a:latin typeface="Arial" panose="020B0604020202020204"/>
+                <a:ea typeface="Arial" panose="020B0604020202020204"/>
+                <a:cs typeface="Arial" panose="020B0604020202020204"/>
+                <a:sym typeface="Arial" panose="020B0604020202020204"/>
               </a:defRPr>
             </a:lvl8pPr>
             <a:lvl9pPr marL="1828800" marR="0" lvl="8" indent="0" algn="ctr" rtl="0">
@@ -2092,16 +2086,14 @@
                 <a:solidFill>
                   <a:schemeClr val="dk2"/>
                 </a:solidFill>
-                <a:latin typeface="Arial" panose="020B0604020202090204"/>
-                <a:ea typeface="Arial" panose="020B0604020202090204"/>
-                <a:cs typeface="Arial" panose="020B0604020202090204"/>
-                <a:sym typeface="Arial" panose="020B0604020202090204"/>
+                <a:latin typeface="Arial" panose="020B0604020202020204"/>
+                <a:ea typeface="Arial" panose="020B0604020202020204"/>
+                <a:cs typeface="Arial" panose="020B0604020202020204"/>
+                <a:sym typeface="Arial" panose="020B0604020202020204"/>
               </a:defRPr>
             </a:lvl9pPr>
           </a:lstStyle>
-          <a:p>
-            <a:endParaRPr/>
-          </a:p>
+          <a:p/>
         </p:txBody>
       </p:sp>
     </p:spTree>
@@ -2113,7 +2105,7 @@
 </file>
 
 <file path=ppt/slideLayouts/slideLayout11.xml><?xml version="1.0" encoding="utf-8"?>
-<p:sldLayout xmlns:a="http://schemas.openxmlformats.org/drawingml/2006/main" xmlns:r="http://schemas.openxmlformats.org/officeDocument/2006/relationships" xmlns:p="http://schemas.openxmlformats.org/presentationml/2006/main" matchingName="Comparison" type="twoTxTwoObj">
+<p:sldLayout xmlns:a="http://schemas.openxmlformats.org/drawingml/2006/main" xmlns:r="http://schemas.openxmlformats.org/officeDocument/2006/relationships" xmlns:p="http://schemas.openxmlformats.org/presentationml/2006/main" type="twoTxTwoObj" matchingName="Comparison">
   <p:cSld name="TWO_OBJECTS_WITH_TEXT">
     <p:spTree>
       <p:nvGrpSpPr>
@@ -2170,10 +2162,10 @@
                 <a:solidFill>
                   <a:schemeClr val="dk2"/>
                 </a:solidFill>
-                <a:latin typeface="Arial" panose="020B0604020202090204"/>
-                <a:ea typeface="Arial" panose="020B0604020202090204"/>
-                <a:cs typeface="Arial" panose="020B0604020202090204"/>
-                <a:sym typeface="Arial" panose="020B0604020202090204"/>
+                <a:latin typeface="Arial" panose="020B0604020202020204"/>
+                <a:ea typeface="Arial" panose="020B0604020202020204"/>
+                <a:cs typeface="Arial" panose="020B0604020202020204"/>
+                <a:sym typeface="Arial" panose="020B0604020202020204"/>
               </a:defRPr>
             </a:lvl1pPr>
             <a:lvl2pPr marL="0" marR="0" lvl="1" indent="0" algn="ctr" rtl="0">
@@ -2189,10 +2181,10 @@
                 <a:solidFill>
                   <a:schemeClr val="dk2"/>
                 </a:solidFill>
-                <a:latin typeface="Arial" panose="020B0604020202090204"/>
-                <a:ea typeface="Arial" panose="020B0604020202090204"/>
-                <a:cs typeface="Arial" panose="020B0604020202090204"/>
-                <a:sym typeface="Arial" panose="020B0604020202090204"/>
+                <a:latin typeface="Arial" panose="020B0604020202020204"/>
+                <a:ea typeface="Arial" panose="020B0604020202020204"/>
+                <a:cs typeface="Arial" panose="020B0604020202020204"/>
+                <a:sym typeface="Arial" panose="020B0604020202020204"/>
               </a:defRPr>
             </a:lvl2pPr>
             <a:lvl3pPr marL="0" marR="0" lvl="2" indent="0" algn="ctr" rtl="0">
@@ -2208,10 +2200,10 @@
                 <a:solidFill>
                   <a:schemeClr val="dk2"/>
                 </a:solidFill>
-                <a:latin typeface="Arial" panose="020B0604020202090204"/>
-                <a:ea typeface="Arial" panose="020B0604020202090204"/>
-                <a:cs typeface="Arial" panose="020B0604020202090204"/>
-                <a:sym typeface="Arial" panose="020B0604020202090204"/>
+                <a:latin typeface="Arial" panose="020B0604020202020204"/>
+                <a:ea typeface="Arial" panose="020B0604020202020204"/>
+                <a:cs typeface="Arial" panose="020B0604020202020204"/>
+                <a:sym typeface="Arial" panose="020B0604020202020204"/>
               </a:defRPr>
             </a:lvl3pPr>
             <a:lvl4pPr marL="0" marR="0" lvl="3" indent="0" algn="ctr" rtl="0">
@@ -2227,10 +2219,10 @@
                 <a:solidFill>
                   <a:schemeClr val="dk2"/>
                 </a:solidFill>
-                <a:latin typeface="Arial" panose="020B0604020202090204"/>
-                <a:ea typeface="Arial" panose="020B0604020202090204"/>
-                <a:cs typeface="Arial" panose="020B0604020202090204"/>
-                <a:sym typeface="Arial" panose="020B0604020202090204"/>
+                <a:latin typeface="Arial" panose="020B0604020202020204"/>
+                <a:ea typeface="Arial" panose="020B0604020202020204"/>
+                <a:cs typeface="Arial" panose="020B0604020202020204"/>
+                <a:sym typeface="Arial" panose="020B0604020202020204"/>
               </a:defRPr>
             </a:lvl4pPr>
             <a:lvl5pPr marL="0" marR="0" lvl="4" indent="0" algn="ctr" rtl="0">
@@ -2246,10 +2238,10 @@
                 <a:solidFill>
                   <a:schemeClr val="dk2"/>
                 </a:solidFill>
-                <a:latin typeface="Arial" panose="020B0604020202090204"/>
-                <a:ea typeface="Arial" panose="020B0604020202090204"/>
-                <a:cs typeface="Arial" panose="020B0604020202090204"/>
-                <a:sym typeface="Arial" panose="020B0604020202090204"/>
+                <a:latin typeface="Arial" panose="020B0604020202020204"/>
+                <a:ea typeface="Arial" panose="020B0604020202020204"/>
+                <a:cs typeface="Arial" panose="020B0604020202020204"/>
+                <a:sym typeface="Arial" panose="020B0604020202020204"/>
               </a:defRPr>
             </a:lvl5pPr>
             <a:lvl6pPr marL="457200" marR="0" lvl="5" indent="0" algn="ctr" rtl="0">
@@ -2265,10 +2257,10 @@
                 <a:solidFill>
                   <a:schemeClr val="dk2"/>
                 </a:solidFill>
-                <a:latin typeface="Arial" panose="020B0604020202090204"/>
-                <a:ea typeface="Arial" panose="020B0604020202090204"/>
-                <a:cs typeface="Arial" panose="020B0604020202090204"/>
-                <a:sym typeface="Arial" panose="020B0604020202090204"/>
+                <a:latin typeface="Arial" panose="020B0604020202020204"/>
+                <a:ea typeface="Arial" panose="020B0604020202020204"/>
+                <a:cs typeface="Arial" panose="020B0604020202020204"/>
+                <a:sym typeface="Arial" panose="020B0604020202020204"/>
               </a:defRPr>
             </a:lvl6pPr>
             <a:lvl7pPr marL="914400" marR="0" lvl="6" indent="0" algn="ctr" rtl="0">
@@ -2284,10 +2276,10 @@
                 <a:solidFill>
                   <a:schemeClr val="dk2"/>
                 </a:solidFill>
-                <a:latin typeface="Arial" panose="020B0604020202090204"/>
-                <a:ea typeface="Arial" panose="020B0604020202090204"/>
-                <a:cs typeface="Arial" panose="020B0604020202090204"/>
-                <a:sym typeface="Arial" panose="020B0604020202090204"/>
+                <a:latin typeface="Arial" panose="020B0604020202020204"/>
+                <a:ea typeface="Arial" panose="020B0604020202020204"/>
+                <a:cs typeface="Arial" panose="020B0604020202020204"/>
+                <a:sym typeface="Arial" panose="020B0604020202020204"/>
               </a:defRPr>
             </a:lvl7pPr>
             <a:lvl8pPr marL="1371600" marR="0" lvl="7" indent="0" algn="ctr" rtl="0">
@@ -2303,10 +2295,10 @@
                 <a:solidFill>
                   <a:schemeClr val="dk2"/>
                 </a:solidFill>
-                <a:latin typeface="Arial" panose="020B0604020202090204"/>
-                <a:ea typeface="Arial" panose="020B0604020202090204"/>
-                <a:cs typeface="Arial" panose="020B0604020202090204"/>
-                <a:sym typeface="Arial" panose="020B0604020202090204"/>
+                <a:latin typeface="Arial" panose="020B0604020202020204"/>
+                <a:ea typeface="Arial" panose="020B0604020202020204"/>
+                <a:cs typeface="Arial" panose="020B0604020202020204"/>
+                <a:sym typeface="Arial" panose="020B0604020202020204"/>
               </a:defRPr>
             </a:lvl8pPr>
             <a:lvl9pPr marL="1828800" marR="0" lvl="8" indent="0" algn="ctr" rtl="0">
@@ -2322,16 +2314,14 @@
                 <a:solidFill>
                   <a:schemeClr val="dk2"/>
                 </a:solidFill>
-                <a:latin typeface="Arial" panose="020B0604020202090204"/>
-                <a:ea typeface="Arial" panose="020B0604020202090204"/>
-                <a:cs typeface="Arial" panose="020B0604020202090204"/>
-                <a:sym typeface="Arial" panose="020B0604020202090204"/>
+                <a:latin typeface="Arial" panose="020B0604020202020204"/>
+                <a:ea typeface="Arial" panose="020B0604020202020204"/>
+                <a:cs typeface="Arial" panose="020B0604020202020204"/>
+                <a:sym typeface="Arial" panose="020B0604020202020204"/>
               </a:defRPr>
             </a:lvl9pPr>
           </a:lstStyle>
-          <a:p>
-            <a:endParaRPr/>
-          </a:p>
+          <a:p/>
         </p:txBody>
       </p:sp>
       <p:sp>
@@ -2373,16 +2363,16 @@
                 <a:schemeClr val="dk1"/>
               </a:buClr>
               <a:buSzPts val="1400"/>
-              <a:buFont typeface="Arial" panose="020B0604020202090204"/>
+              <a:buFont typeface="Arial" panose="020B0604020202020204"/>
               <a:buNone/>
               <a:defRPr sz="2400" b="1" i="0" u="none" strike="noStrike" cap="none">
                 <a:solidFill>
                   <a:schemeClr val="dk1"/>
                 </a:solidFill>
-                <a:latin typeface="Arial" panose="020B0604020202090204"/>
-                <a:ea typeface="Arial" panose="020B0604020202090204"/>
-                <a:cs typeface="Arial" panose="020B0604020202090204"/>
-                <a:sym typeface="Arial" panose="020B0604020202090204"/>
+                <a:latin typeface="Arial" panose="020B0604020202020204"/>
+                <a:ea typeface="Arial" panose="020B0604020202020204"/>
+                <a:cs typeface="Arial" panose="020B0604020202020204"/>
+                <a:sym typeface="Arial" panose="020B0604020202020204"/>
               </a:defRPr>
             </a:lvl1pPr>
             <a:lvl2pPr marL="914400" marR="0" lvl="1" indent="-228600" algn="l" rtl="0">
@@ -2396,16 +2386,16 @@
                 <a:schemeClr val="dk1"/>
               </a:buClr>
               <a:buSzPts val="1400"/>
-              <a:buFont typeface="Arial" panose="020B0604020202090204"/>
+              <a:buFont typeface="Arial" panose="020B0604020202020204"/>
               <a:buNone/>
               <a:defRPr sz="2000" b="1" i="0" u="none" strike="noStrike" cap="none">
                 <a:solidFill>
                   <a:schemeClr val="dk1"/>
                 </a:solidFill>
-                <a:latin typeface="Arial" panose="020B0604020202090204"/>
-                <a:ea typeface="Arial" panose="020B0604020202090204"/>
-                <a:cs typeface="Arial" panose="020B0604020202090204"/>
-                <a:sym typeface="Arial" panose="020B0604020202090204"/>
+                <a:latin typeface="Arial" panose="020B0604020202020204"/>
+                <a:ea typeface="Arial" panose="020B0604020202020204"/>
+                <a:cs typeface="Arial" panose="020B0604020202020204"/>
+                <a:sym typeface="Arial" panose="020B0604020202020204"/>
               </a:defRPr>
             </a:lvl2pPr>
             <a:lvl3pPr marL="1371600" marR="0" lvl="2" indent="-228600" algn="l" rtl="0">
@@ -2419,16 +2409,16 @@
                 <a:schemeClr val="dk1"/>
               </a:buClr>
               <a:buSzPts val="1400"/>
-              <a:buFont typeface="Arial" panose="020B0604020202090204"/>
+              <a:buFont typeface="Arial" panose="020B0604020202020204"/>
               <a:buNone/>
               <a:defRPr sz="1800" b="1" i="0" u="none" strike="noStrike" cap="none">
                 <a:solidFill>
                   <a:schemeClr val="dk1"/>
                 </a:solidFill>
-                <a:latin typeface="Arial" panose="020B0604020202090204"/>
-                <a:ea typeface="Arial" panose="020B0604020202090204"/>
-                <a:cs typeface="Arial" panose="020B0604020202090204"/>
-                <a:sym typeface="Arial" panose="020B0604020202090204"/>
+                <a:latin typeface="Arial" panose="020B0604020202020204"/>
+                <a:ea typeface="Arial" panose="020B0604020202020204"/>
+                <a:cs typeface="Arial" panose="020B0604020202020204"/>
+                <a:sym typeface="Arial" panose="020B0604020202020204"/>
               </a:defRPr>
             </a:lvl3pPr>
             <a:lvl4pPr marL="1828800" marR="0" lvl="3" indent="-228600" algn="l" rtl="0">
@@ -2442,16 +2432,16 @@
                 <a:schemeClr val="dk1"/>
               </a:buClr>
               <a:buSzPts val="1400"/>
-              <a:buFont typeface="Arial" panose="020B0604020202090204"/>
+              <a:buFont typeface="Arial" panose="020B0604020202020204"/>
               <a:buNone/>
               <a:defRPr sz="1600" b="1" i="0" u="none" strike="noStrike" cap="none">
                 <a:solidFill>
                   <a:schemeClr val="dk1"/>
                 </a:solidFill>
-                <a:latin typeface="Arial" panose="020B0604020202090204"/>
-                <a:ea typeface="Arial" panose="020B0604020202090204"/>
-                <a:cs typeface="Arial" panose="020B0604020202090204"/>
-                <a:sym typeface="Arial" panose="020B0604020202090204"/>
+                <a:latin typeface="Arial" panose="020B0604020202020204"/>
+                <a:ea typeface="Arial" panose="020B0604020202020204"/>
+                <a:cs typeface="Arial" panose="020B0604020202020204"/>
+                <a:sym typeface="Arial" panose="020B0604020202020204"/>
               </a:defRPr>
             </a:lvl4pPr>
             <a:lvl5pPr marL="2286000" marR="0" lvl="4" indent="-228600" algn="l" rtl="0">
@@ -2465,16 +2455,16 @@
                 <a:schemeClr val="dk1"/>
               </a:buClr>
               <a:buSzPts val="1400"/>
-              <a:buFont typeface="Arial" panose="020B0604020202090204"/>
+              <a:buFont typeface="Arial" panose="020B0604020202020204"/>
               <a:buNone/>
               <a:defRPr sz="1600" b="1" i="0" u="none" strike="noStrike" cap="none">
                 <a:solidFill>
                   <a:schemeClr val="dk1"/>
                 </a:solidFill>
-                <a:latin typeface="Arial" panose="020B0604020202090204"/>
-                <a:ea typeface="Arial" panose="020B0604020202090204"/>
-                <a:cs typeface="Arial" panose="020B0604020202090204"/>
-                <a:sym typeface="Arial" panose="020B0604020202090204"/>
+                <a:latin typeface="Arial" panose="020B0604020202020204"/>
+                <a:ea typeface="Arial" panose="020B0604020202020204"/>
+                <a:cs typeface="Arial" panose="020B0604020202020204"/>
+                <a:sym typeface="Arial" panose="020B0604020202020204"/>
               </a:defRPr>
             </a:lvl5pPr>
             <a:lvl6pPr marL="2743200" marR="0" lvl="5" indent="-228600" algn="l" rtl="0">
@@ -2488,16 +2478,16 @@
                 <a:schemeClr val="dk1"/>
               </a:buClr>
               <a:buSzPts val="1400"/>
-              <a:buFont typeface="Arial" panose="020B0604020202090204"/>
+              <a:buFont typeface="Arial" panose="020B0604020202020204"/>
               <a:buNone/>
               <a:defRPr sz="1600" b="1" i="0" u="none" strike="noStrike" cap="none">
                 <a:solidFill>
                   <a:schemeClr val="dk1"/>
                 </a:solidFill>
-                <a:latin typeface="Arial" panose="020B0604020202090204"/>
-                <a:ea typeface="Arial" panose="020B0604020202090204"/>
-                <a:cs typeface="Arial" panose="020B0604020202090204"/>
-                <a:sym typeface="Arial" panose="020B0604020202090204"/>
+                <a:latin typeface="Arial" panose="020B0604020202020204"/>
+                <a:ea typeface="Arial" panose="020B0604020202020204"/>
+                <a:cs typeface="Arial" panose="020B0604020202020204"/>
+                <a:sym typeface="Arial" panose="020B0604020202020204"/>
               </a:defRPr>
             </a:lvl6pPr>
             <a:lvl7pPr marL="3200400" marR="0" lvl="6" indent="-228600" algn="l" rtl="0">
@@ -2511,16 +2501,16 @@
                 <a:schemeClr val="dk1"/>
               </a:buClr>
               <a:buSzPts val="1400"/>
-              <a:buFont typeface="Arial" panose="020B0604020202090204"/>
+              <a:buFont typeface="Arial" panose="020B0604020202020204"/>
               <a:buNone/>
               <a:defRPr sz="1600" b="1" i="0" u="none" strike="noStrike" cap="none">
                 <a:solidFill>
                   <a:schemeClr val="dk1"/>
                 </a:solidFill>
-                <a:latin typeface="Arial" panose="020B0604020202090204"/>
-                <a:ea typeface="Arial" panose="020B0604020202090204"/>
-                <a:cs typeface="Arial" panose="020B0604020202090204"/>
-                <a:sym typeface="Arial" panose="020B0604020202090204"/>
+                <a:latin typeface="Arial" panose="020B0604020202020204"/>
+                <a:ea typeface="Arial" panose="020B0604020202020204"/>
+                <a:cs typeface="Arial" panose="020B0604020202020204"/>
+                <a:sym typeface="Arial" panose="020B0604020202020204"/>
               </a:defRPr>
             </a:lvl7pPr>
             <a:lvl8pPr marL="3657600" marR="0" lvl="7" indent="-228600" algn="l" rtl="0">
@@ -2534,16 +2524,16 @@
                 <a:schemeClr val="dk1"/>
               </a:buClr>
               <a:buSzPts val="1400"/>
-              <a:buFont typeface="Arial" panose="020B0604020202090204"/>
+              <a:buFont typeface="Arial" panose="020B0604020202020204"/>
               <a:buNone/>
               <a:defRPr sz="1600" b="1" i="0" u="none" strike="noStrike" cap="none">
                 <a:solidFill>
                   <a:schemeClr val="dk1"/>
                 </a:solidFill>
-                <a:latin typeface="Arial" panose="020B0604020202090204"/>
-                <a:ea typeface="Arial" panose="020B0604020202090204"/>
-                <a:cs typeface="Arial" panose="020B0604020202090204"/>
-                <a:sym typeface="Arial" panose="020B0604020202090204"/>
+                <a:latin typeface="Arial" panose="020B0604020202020204"/>
+                <a:ea typeface="Arial" panose="020B0604020202020204"/>
+                <a:cs typeface="Arial" panose="020B0604020202020204"/>
+                <a:sym typeface="Arial" panose="020B0604020202020204"/>
               </a:defRPr>
             </a:lvl8pPr>
             <a:lvl9pPr marL="4114800" marR="0" lvl="8" indent="-228600" algn="l" rtl="0">
@@ -2557,22 +2547,20 @@
                 <a:schemeClr val="dk1"/>
               </a:buClr>
               <a:buSzPts val="1400"/>
-              <a:buFont typeface="Arial" panose="020B0604020202090204"/>
+              <a:buFont typeface="Arial" panose="020B0604020202020204"/>
               <a:buNone/>
               <a:defRPr sz="1600" b="1" i="0" u="none" strike="noStrike" cap="none">
                 <a:solidFill>
                   <a:schemeClr val="dk1"/>
                 </a:solidFill>
-                <a:latin typeface="Arial" panose="020B0604020202090204"/>
-                <a:ea typeface="Arial" panose="020B0604020202090204"/>
-                <a:cs typeface="Arial" panose="020B0604020202090204"/>
-                <a:sym typeface="Arial" panose="020B0604020202090204"/>
+                <a:latin typeface="Arial" panose="020B0604020202020204"/>
+                <a:ea typeface="Arial" panose="020B0604020202020204"/>
+                <a:cs typeface="Arial" panose="020B0604020202020204"/>
+                <a:sym typeface="Arial" panose="020B0604020202020204"/>
               </a:defRPr>
             </a:lvl9pPr>
           </a:lstStyle>
-          <a:p>
-            <a:endParaRPr/>
-          </a:p>
+          <a:p/>
         </p:txBody>
       </p:sp>
       <p:sp>
@@ -2614,16 +2602,16 @@
                 <a:schemeClr val="dk1"/>
               </a:buClr>
               <a:buSzPts val="2400"/>
-              <a:buFont typeface="Arial" panose="020B0604020202090204"/>
+              <a:buFont typeface="Arial" panose="020B0604020202020204"/>
               <a:buChar char="•"/>
               <a:defRPr sz="2400" b="0" i="0" u="none" strike="noStrike" cap="none">
                 <a:solidFill>
                   <a:schemeClr val="dk1"/>
                 </a:solidFill>
-                <a:latin typeface="Arial" panose="020B0604020202090204"/>
-                <a:ea typeface="Arial" panose="020B0604020202090204"/>
-                <a:cs typeface="Arial" panose="020B0604020202090204"/>
-                <a:sym typeface="Arial" panose="020B0604020202090204"/>
+                <a:latin typeface="Arial" panose="020B0604020202020204"/>
+                <a:ea typeface="Arial" panose="020B0604020202020204"/>
+                <a:cs typeface="Arial" panose="020B0604020202020204"/>
+                <a:sym typeface="Arial" panose="020B0604020202020204"/>
               </a:defRPr>
             </a:lvl1pPr>
             <a:lvl2pPr marL="914400" marR="0" lvl="1" indent="-355600" algn="l" rtl="0">
@@ -2637,16 +2625,16 @@
                 <a:schemeClr val="dk1"/>
               </a:buClr>
               <a:buSzPts val="2000"/>
-              <a:buFont typeface="Arial" panose="020B0604020202090204"/>
+              <a:buFont typeface="Arial" panose="020B0604020202020204"/>
               <a:buChar char="–"/>
               <a:defRPr sz="2000" b="0" i="0" u="none" strike="noStrike" cap="none">
                 <a:solidFill>
                   <a:schemeClr val="dk1"/>
                 </a:solidFill>
-                <a:latin typeface="Arial" panose="020B0604020202090204"/>
-                <a:ea typeface="Arial" panose="020B0604020202090204"/>
-                <a:cs typeface="Arial" panose="020B0604020202090204"/>
-                <a:sym typeface="Arial" panose="020B0604020202090204"/>
+                <a:latin typeface="Arial" panose="020B0604020202020204"/>
+                <a:ea typeface="Arial" panose="020B0604020202020204"/>
+                <a:cs typeface="Arial" panose="020B0604020202020204"/>
+                <a:sym typeface="Arial" panose="020B0604020202020204"/>
               </a:defRPr>
             </a:lvl2pPr>
             <a:lvl3pPr marL="1371600" marR="0" lvl="2" indent="-342900" algn="l" rtl="0">
@@ -2660,16 +2648,16 @@
                 <a:schemeClr val="dk1"/>
               </a:buClr>
               <a:buSzPts val="1800"/>
-              <a:buFont typeface="Arial" panose="020B0604020202090204"/>
+              <a:buFont typeface="Arial" panose="020B0604020202020204"/>
               <a:buChar char="•"/>
               <a:defRPr sz="1800" b="0" i="0" u="none" strike="noStrike" cap="none">
                 <a:solidFill>
                   <a:schemeClr val="dk1"/>
                 </a:solidFill>
-                <a:latin typeface="Arial" panose="020B0604020202090204"/>
-                <a:ea typeface="Arial" panose="020B0604020202090204"/>
-                <a:cs typeface="Arial" panose="020B0604020202090204"/>
-                <a:sym typeface="Arial" panose="020B0604020202090204"/>
+                <a:latin typeface="Arial" panose="020B0604020202020204"/>
+                <a:ea typeface="Arial" panose="020B0604020202020204"/>
+                <a:cs typeface="Arial" panose="020B0604020202020204"/>
+                <a:sym typeface="Arial" panose="020B0604020202020204"/>
               </a:defRPr>
             </a:lvl3pPr>
             <a:lvl4pPr marL="1828800" marR="0" lvl="3" indent="-330200" algn="l" rtl="0">
@@ -2683,16 +2671,16 @@
                 <a:schemeClr val="dk1"/>
               </a:buClr>
               <a:buSzPts val="1600"/>
-              <a:buFont typeface="Arial" panose="020B0604020202090204"/>
+              <a:buFont typeface="Arial" panose="020B0604020202020204"/>
               <a:buChar char="–"/>
               <a:defRPr sz="1600" b="0" i="0" u="none" strike="noStrike" cap="none">
                 <a:solidFill>
                   <a:schemeClr val="dk1"/>
                 </a:solidFill>
-                <a:latin typeface="Arial" panose="020B0604020202090204"/>
-                <a:ea typeface="Arial" panose="020B0604020202090204"/>
-                <a:cs typeface="Arial" panose="020B0604020202090204"/>
-                <a:sym typeface="Arial" panose="020B0604020202090204"/>
+                <a:latin typeface="Arial" panose="020B0604020202020204"/>
+                <a:ea typeface="Arial" panose="020B0604020202020204"/>
+                <a:cs typeface="Arial" panose="020B0604020202020204"/>
+                <a:sym typeface="Arial" panose="020B0604020202020204"/>
               </a:defRPr>
             </a:lvl4pPr>
             <a:lvl5pPr marL="2286000" marR="0" lvl="4" indent="-330200" algn="l" rtl="0">
@@ -2706,16 +2694,16 @@
                 <a:schemeClr val="dk1"/>
               </a:buClr>
               <a:buSzPts val="1600"/>
-              <a:buFont typeface="Arial" panose="020B0604020202090204"/>
+              <a:buFont typeface="Arial" panose="020B0604020202020204"/>
               <a:buChar char="»"/>
               <a:defRPr sz="1600" b="0" i="0" u="none" strike="noStrike" cap="none">
                 <a:solidFill>
                   <a:schemeClr val="dk1"/>
                 </a:solidFill>
-                <a:latin typeface="Arial" panose="020B0604020202090204"/>
-                <a:ea typeface="Arial" panose="020B0604020202090204"/>
-                <a:cs typeface="Arial" panose="020B0604020202090204"/>
-                <a:sym typeface="Arial" panose="020B0604020202090204"/>
+                <a:latin typeface="Arial" panose="020B0604020202020204"/>
+                <a:ea typeface="Arial" panose="020B0604020202020204"/>
+                <a:cs typeface="Arial" panose="020B0604020202020204"/>
+                <a:sym typeface="Arial" panose="020B0604020202020204"/>
               </a:defRPr>
             </a:lvl5pPr>
             <a:lvl6pPr marL="2743200" marR="0" lvl="5" indent="-330200" algn="l" rtl="0">
@@ -2729,16 +2717,16 @@
                 <a:schemeClr val="dk1"/>
               </a:buClr>
               <a:buSzPts val="1600"/>
-              <a:buFont typeface="Arial" panose="020B0604020202090204"/>
+              <a:buFont typeface="Arial" panose="020B0604020202020204"/>
               <a:buChar char="»"/>
               <a:defRPr sz="1600" b="0" i="0" u="none" strike="noStrike" cap="none">
                 <a:solidFill>
                   <a:schemeClr val="dk1"/>
                 </a:solidFill>
-                <a:latin typeface="Arial" panose="020B0604020202090204"/>
-                <a:ea typeface="Arial" panose="020B0604020202090204"/>
-                <a:cs typeface="Arial" panose="020B0604020202090204"/>
-                <a:sym typeface="Arial" panose="020B0604020202090204"/>
+                <a:latin typeface="Arial" panose="020B0604020202020204"/>
+                <a:ea typeface="Arial" panose="020B0604020202020204"/>
+                <a:cs typeface="Arial" panose="020B0604020202020204"/>
+                <a:sym typeface="Arial" panose="020B0604020202020204"/>
               </a:defRPr>
             </a:lvl6pPr>
             <a:lvl7pPr marL="3200400" marR="0" lvl="6" indent="-330200" algn="l" rtl="0">
@@ -2752,16 +2740,16 @@
                 <a:schemeClr val="dk1"/>
               </a:buClr>
               <a:buSzPts val="1600"/>
-              <a:buFont typeface="Arial" panose="020B0604020202090204"/>
+              <a:buFont typeface="Arial" panose="020B0604020202020204"/>
               <a:buChar char="»"/>
               <a:defRPr sz="1600" b="0" i="0" u="none" strike="noStrike" cap="none">
                 <a:solidFill>
                   <a:schemeClr val="dk1"/>
                 </a:solidFill>
-                <a:latin typeface="Arial" panose="020B0604020202090204"/>
-                <a:ea typeface="Arial" panose="020B0604020202090204"/>
-                <a:cs typeface="Arial" panose="020B0604020202090204"/>
-                <a:sym typeface="Arial" panose="020B0604020202090204"/>
+                <a:latin typeface="Arial" panose="020B0604020202020204"/>
+                <a:ea typeface="Arial" panose="020B0604020202020204"/>
+                <a:cs typeface="Arial" panose="020B0604020202020204"/>
+                <a:sym typeface="Arial" panose="020B0604020202020204"/>
               </a:defRPr>
             </a:lvl7pPr>
             <a:lvl8pPr marL="3657600" marR="0" lvl="7" indent="-330200" algn="l" rtl="0">
@@ -2775,16 +2763,16 @@
                 <a:schemeClr val="dk1"/>
               </a:buClr>
               <a:buSzPts val="1600"/>
-              <a:buFont typeface="Arial" panose="020B0604020202090204"/>
+              <a:buFont typeface="Arial" panose="020B0604020202020204"/>
               <a:buChar char="»"/>
               <a:defRPr sz="1600" b="0" i="0" u="none" strike="noStrike" cap="none">
                 <a:solidFill>
                   <a:schemeClr val="dk1"/>
                 </a:solidFill>
-                <a:latin typeface="Arial" panose="020B0604020202090204"/>
-                <a:ea typeface="Arial" panose="020B0604020202090204"/>
-                <a:cs typeface="Arial" panose="020B0604020202090204"/>
-                <a:sym typeface="Arial" panose="020B0604020202090204"/>
+                <a:latin typeface="Arial" panose="020B0604020202020204"/>
+                <a:ea typeface="Arial" panose="020B0604020202020204"/>
+                <a:cs typeface="Arial" panose="020B0604020202020204"/>
+                <a:sym typeface="Arial" panose="020B0604020202020204"/>
               </a:defRPr>
             </a:lvl8pPr>
             <a:lvl9pPr marL="4114800" marR="0" lvl="8" indent="-330200" algn="l" rtl="0">
@@ -2798,22 +2786,20 @@
                 <a:schemeClr val="dk1"/>
               </a:buClr>
               <a:buSzPts val="1600"/>
-              <a:buFont typeface="Arial" panose="020B0604020202090204"/>
+              <a:buFont typeface="Arial" panose="020B0604020202020204"/>
               <a:buChar char="»"/>
               <a:defRPr sz="1600" b="0" i="0" u="none" strike="noStrike" cap="none">
                 <a:solidFill>
                   <a:schemeClr val="dk1"/>
                 </a:solidFill>
-                <a:latin typeface="Arial" panose="020B0604020202090204"/>
-                <a:ea typeface="Arial" panose="020B0604020202090204"/>
-                <a:cs typeface="Arial" panose="020B0604020202090204"/>
-                <a:sym typeface="Arial" panose="020B0604020202090204"/>
+                <a:latin typeface="Arial" panose="020B0604020202020204"/>
+                <a:ea typeface="Arial" panose="020B0604020202020204"/>
+                <a:cs typeface="Arial" panose="020B0604020202020204"/>
+                <a:sym typeface="Arial" panose="020B0604020202020204"/>
               </a:defRPr>
             </a:lvl9pPr>
           </a:lstStyle>
-          <a:p>
-            <a:endParaRPr/>
-          </a:p>
+          <a:p/>
         </p:txBody>
       </p:sp>
       <p:sp>
@@ -2855,16 +2841,16 @@
                 <a:schemeClr val="dk1"/>
               </a:buClr>
               <a:buSzPts val="1400"/>
-              <a:buFont typeface="Arial" panose="020B0604020202090204"/>
+              <a:buFont typeface="Arial" panose="020B0604020202020204"/>
               <a:buNone/>
               <a:defRPr sz="2400" b="1" i="0" u="none" strike="noStrike" cap="none">
                 <a:solidFill>
                   <a:schemeClr val="dk1"/>
                 </a:solidFill>
-                <a:latin typeface="Arial" panose="020B0604020202090204"/>
-                <a:ea typeface="Arial" panose="020B0604020202090204"/>
-                <a:cs typeface="Arial" panose="020B0604020202090204"/>
-                <a:sym typeface="Arial" panose="020B0604020202090204"/>
+                <a:latin typeface="Arial" panose="020B0604020202020204"/>
+                <a:ea typeface="Arial" panose="020B0604020202020204"/>
+                <a:cs typeface="Arial" panose="020B0604020202020204"/>
+                <a:sym typeface="Arial" panose="020B0604020202020204"/>
               </a:defRPr>
             </a:lvl1pPr>
             <a:lvl2pPr marL="914400" marR="0" lvl="1" indent="-228600" algn="l" rtl="0">
@@ -2878,16 +2864,16 @@
                 <a:schemeClr val="dk1"/>
               </a:buClr>
               <a:buSzPts val="1400"/>
-              <a:buFont typeface="Arial" panose="020B0604020202090204"/>
+              <a:buFont typeface="Arial" panose="020B0604020202020204"/>
               <a:buNone/>
               <a:defRPr sz="2000" b="1" i="0" u="none" strike="noStrike" cap="none">
                 <a:solidFill>
                   <a:schemeClr val="dk1"/>
                 </a:solidFill>
-                <a:latin typeface="Arial" panose="020B0604020202090204"/>
-                <a:ea typeface="Arial" panose="020B0604020202090204"/>
-                <a:cs typeface="Arial" panose="020B0604020202090204"/>
-                <a:sym typeface="Arial" panose="020B0604020202090204"/>
+                <a:latin typeface="Arial" panose="020B0604020202020204"/>
+                <a:ea typeface="Arial" panose="020B0604020202020204"/>
+                <a:cs typeface="Arial" panose="020B0604020202020204"/>
+                <a:sym typeface="Arial" panose="020B0604020202020204"/>
               </a:defRPr>
             </a:lvl2pPr>
             <a:lvl3pPr marL="1371600" marR="0" lvl="2" indent="-228600" algn="l" rtl="0">
@@ -2901,16 +2887,16 @@
                 <a:schemeClr val="dk1"/>
               </a:buClr>
               <a:buSzPts val="1400"/>
-              <a:buFont typeface="Arial" panose="020B0604020202090204"/>
+              <a:buFont typeface="Arial" panose="020B0604020202020204"/>
               <a:buNone/>
               <a:defRPr sz="1800" b="1" i="0" u="none" strike="noStrike" cap="none">
                 <a:solidFill>
                   <a:schemeClr val="dk1"/>
                 </a:solidFill>
-                <a:latin typeface="Arial" panose="020B0604020202090204"/>
-                <a:ea typeface="Arial" panose="020B0604020202090204"/>
-                <a:cs typeface="Arial" panose="020B0604020202090204"/>
-                <a:sym typeface="Arial" panose="020B0604020202090204"/>
+                <a:latin typeface="Arial" panose="020B0604020202020204"/>
+                <a:ea typeface="Arial" panose="020B0604020202020204"/>
+                <a:cs typeface="Arial" panose="020B0604020202020204"/>
+                <a:sym typeface="Arial" panose="020B0604020202020204"/>
               </a:defRPr>
             </a:lvl3pPr>
             <a:lvl4pPr marL="1828800" marR="0" lvl="3" indent="-228600" algn="l" rtl="0">
@@ -2924,16 +2910,16 @@
                 <a:schemeClr val="dk1"/>
               </a:buClr>
               <a:buSzPts val="1400"/>
-              <a:buFont typeface="Arial" panose="020B0604020202090204"/>
+              <a:buFont typeface="Arial" panose="020B0604020202020204"/>
               <a:buNone/>
               <a:defRPr sz="1600" b="1" i="0" u="none" strike="noStrike" cap="none">
                 <a:solidFill>
                   <a:schemeClr val="dk1"/>
                 </a:solidFill>
-                <a:latin typeface="Arial" panose="020B0604020202090204"/>
-                <a:ea typeface="Arial" panose="020B0604020202090204"/>
-                <a:cs typeface="Arial" panose="020B0604020202090204"/>
-                <a:sym typeface="Arial" panose="020B0604020202090204"/>
+                <a:latin typeface="Arial" panose="020B0604020202020204"/>
+                <a:ea typeface="Arial" panose="020B0604020202020204"/>
+                <a:cs typeface="Arial" panose="020B0604020202020204"/>
+                <a:sym typeface="Arial" panose="020B0604020202020204"/>
               </a:defRPr>
             </a:lvl4pPr>
             <a:lvl5pPr marL="2286000" marR="0" lvl="4" indent="-228600" algn="l" rtl="0">
@@ -2947,16 +2933,16 @@
                 <a:schemeClr val="dk1"/>
               </a:buClr>
               <a:buSzPts val="1400"/>
-              <a:buFont typeface="Arial" panose="020B0604020202090204"/>
+              <a:buFont typeface="Arial" panose="020B0604020202020204"/>
               <a:buNone/>
               <a:defRPr sz="1600" b="1" i="0" u="none" strike="noStrike" cap="none">
                 <a:solidFill>
                   <a:schemeClr val="dk1"/>
                 </a:solidFill>
-                <a:latin typeface="Arial" panose="020B0604020202090204"/>
-                <a:ea typeface="Arial" panose="020B0604020202090204"/>
-                <a:cs typeface="Arial" panose="020B0604020202090204"/>
-                <a:sym typeface="Arial" panose="020B0604020202090204"/>
+                <a:latin typeface="Arial" panose="020B0604020202020204"/>
+                <a:ea typeface="Arial" panose="020B0604020202020204"/>
+                <a:cs typeface="Arial" panose="020B0604020202020204"/>
+                <a:sym typeface="Arial" panose="020B0604020202020204"/>
               </a:defRPr>
             </a:lvl5pPr>
             <a:lvl6pPr marL="2743200" marR="0" lvl="5" indent="-228600" algn="l" rtl="0">
@@ -2970,16 +2956,16 @@
                 <a:schemeClr val="dk1"/>
               </a:buClr>
               <a:buSzPts val="1400"/>
-              <a:buFont typeface="Arial" panose="020B0604020202090204"/>
+              <a:buFont typeface="Arial" panose="020B0604020202020204"/>
               <a:buNone/>
               <a:defRPr sz="1600" b="1" i="0" u="none" strike="noStrike" cap="none">
                 <a:solidFill>
                   <a:schemeClr val="dk1"/>
                 </a:solidFill>
-                <a:latin typeface="Arial" panose="020B0604020202090204"/>
-                <a:ea typeface="Arial" panose="020B0604020202090204"/>
-                <a:cs typeface="Arial" panose="020B0604020202090204"/>
-                <a:sym typeface="Arial" panose="020B0604020202090204"/>
+                <a:latin typeface="Arial" panose="020B0604020202020204"/>
+                <a:ea typeface="Arial" panose="020B0604020202020204"/>
+                <a:cs typeface="Arial" panose="020B0604020202020204"/>
+                <a:sym typeface="Arial" panose="020B0604020202020204"/>
               </a:defRPr>
             </a:lvl6pPr>
             <a:lvl7pPr marL="3200400" marR="0" lvl="6" indent="-228600" algn="l" rtl="0">
@@ -2993,16 +2979,16 @@
                 <a:schemeClr val="dk1"/>
               </a:buClr>
               <a:buSzPts val="1400"/>
-              <a:buFont typeface="Arial" panose="020B0604020202090204"/>
+              <a:buFont typeface="Arial" panose="020B0604020202020204"/>
               <a:buNone/>
               <a:defRPr sz="1600" b="1" i="0" u="none" strike="noStrike" cap="none">
                 <a:solidFill>
                   <a:schemeClr val="dk1"/>
                 </a:solidFill>
-                <a:latin typeface="Arial" panose="020B0604020202090204"/>
-                <a:ea typeface="Arial" panose="020B0604020202090204"/>
-                <a:cs typeface="Arial" panose="020B0604020202090204"/>
-                <a:sym typeface="Arial" panose="020B0604020202090204"/>
+                <a:latin typeface="Arial" panose="020B0604020202020204"/>
+                <a:ea typeface="Arial" panose="020B0604020202020204"/>
+                <a:cs typeface="Arial" panose="020B0604020202020204"/>
+                <a:sym typeface="Arial" panose="020B0604020202020204"/>
               </a:defRPr>
             </a:lvl7pPr>
             <a:lvl8pPr marL="3657600" marR="0" lvl="7" indent="-228600" algn="l" rtl="0">
@@ -3016,16 +3002,16 @@
                 <a:schemeClr val="dk1"/>
               </a:buClr>
               <a:buSzPts val="1400"/>
-              <a:buFont typeface="Arial" panose="020B0604020202090204"/>
+              <a:buFont typeface="Arial" panose="020B0604020202020204"/>
               <a:buNone/>
               <a:defRPr sz="1600" b="1" i="0" u="none" strike="noStrike" cap="none">
                 <a:solidFill>
                   <a:schemeClr val="dk1"/>
                 </a:solidFill>
-                <a:latin typeface="Arial" panose="020B0604020202090204"/>
-                <a:ea typeface="Arial" panose="020B0604020202090204"/>
-                <a:cs typeface="Arial" panose="020B0604020202090204"/>
-                <a:sym typeface="Arial" panose="020B0604020202090204"/>
+                <a:latin typeface="Arial" panose="020B0604020202020204"/>
+                <a:ea typeface="Arial" panose="020B0604020202020204"/>
+                <a:cs typeface="Arial" panose="020B0604020202020204"/>
+                <a:sym typeface="Arial" panose="020B0604020202020204"/>
               </a:defRPr>
             </a:lvl8pPr>
             <a:lvl9pPr marL="4114800" marR="0" lvl="8" indent="-228600" algn="l" rtl="0">
@@ -3039,22 +3025,20 @@
                 <a:schemeClr val="dk1"/>
               </a:buClr>
               <a:buSzPts val="1400"/>
-              <a:buFont typeface="Arial" panose="020B0604020202090204"/>
+              <a:buFont typeface="Arial" panose="020B0604020202020204"/>
               <a:buNone/>
               <a:defRPr sz="1600" b="1" i="0" u="none" strike="noStrike" cap="none">
                 <a:solidFill>
                   <a:schemeClr val="dk1"/>
                 </a:solidFill>
-                <a:latin typeface="Arial" panose="020B0604020202090204"/>
-                <a:ea typeface="Arial" panose="020B0604020202090204"/>
-                <a:cs typeface="Arial" panose="020B0604020202090204"/>
-                <a:sym typeface="Arial" panose="020B0604020202090204"/>
+                <a:latin typeface="Arial" panose="020B0604020202020204"/>
+                <a:ea typeface="Arial" panose="020B0604020202020204"/>
+                <a:cs typeface="Arial" panose="020B0604020202020204"/>
+                <a:sym typeface="Arial" panose="020B0604020202020204"/>
               </a:defRPr>
             </a:lvl9pPr>
           </a:lstStyle>
-          <a:p>
-            <a:endParaRPr/>
-          </a:p>
+          <a:p/>
         </p:txBody>
       </p:sp>
       <p:sp>
@@ -3096,16 +3080,16 @@
                 <a:schemeClr val="dk1"/>
               </a:buClr>
               <a:buSzPts val="2400"/>
-              <a:buFont typeface="Arial" panose="020B0604020202090204"/>
+              <a:buFont typeface="Arial" panose="020B0604020202020204"/>
               <a:buChar char="•"/>
               <a:defRPr sz="2400" b="0" i="0" u="none" strike="noStrike" cap="none">
                 <a:solidFill>
                   <a:schemeClr val="dk1"/>
                 </a:solidFill>
-                <a:latin typeface="Arial" panose="020B0604020202090204"/>
-                <a:ea typeface="Arial" panose="020B0604020202090204"/>
-                <a:cs typeface="Arial" panose="020B0604020202090204"/>
-                <a:sym typeface="Arial" panose="020B0604020202090204"/>
+                <a:latin typeface="Arial" panose="020B0604020202020204"/>
+                <a:ea typeface="Arial" panose="020B0604020202020204"/>
+                <a:cs typeface="Arial" panose="020B0604020202020204"/>
+                <a:sym typeface="Arial" panose="020B0604020202020204"/>
               </a:defRPr>
             </a:lvl1pPr>
             <a:lvl2pPr marL="914400" marR="0" lvl="1" indent="-355600" algn="l" rtl="0">
@@ -3119,16 +3103,16 @@
                 <a:schemeClr val="dk1"/>
               </a:buClr>
               <a:buSzPts val="2000"/>
-              <a:buFont typeface="Arial" panose="020B0604020202090204"/>
+              <a:buFont typeface="Arial" panose="020B0604020202020204"/>
               <a:buChar char="–"/>
               <a:defRPr sz="2000" b="0" i="0" u="none" strike="noStrike" cap="none">
                 <a:solidFill>
                   <a:schemeClr val="dk1"/>
                 </a:solidFill>
-                <a:latin typeface="Arial" panose="020B0604020202090204"/>
-                <a:ea typeface="Arial" panose="020B0604020202090204"/>
-                <a:cs typeface="Arial" panose="020B0604020202090204"/>
-                <a:sym typeface="Arial" panose="020B0604020202090204"/>
+                <a:latin typeface="Arial" panose="020B0604020202020204"/>
+                <a:ea typeface="Arial" panose="020B0604020202020204"/>
+                <a:cs typeface="Arial" panose="020B0604020202020204"/>
+                <a:sym typeface="Arial" panose="020B0604020202020204"/>
               </a:defRPr>
             </a:lvl2pPr>
             <a:lvl3pPr marL="1371600" marR="0" lvl="2" indent="-342900" algn="l" rtl="0">
@@ -3142,16 +3126,16 @@
                 <a:schemeClr val="dk1"/>
               </a:buClr>
               <a:buSzPts val="1800"/>
-              <a:buFont typeface="Arial" panose="020B0604020202090204"/>
+              <a:buFont typeface="Arial" panose="020B0604020202020204"/>
               <a:buChar char="•"/>
               <a:defRPr sz="1800" b="0" i="0" u="none" strike="noStrike" cap="none">
                 <a:solidFill>
                   <a:schemeClr val="dk1"/>
                 </a:solidFill>
-                <a:latin typeface="Arial" panose="020B0604020202090204"/>
-                <a:ea typeface="Arial" panose="020B0604020202090204"/>
-                <a:cs typeface="Arial" panose="020B0604020202090204"/>
-                <a:sym typeface="Arial" panose="020B0604020202090204"/>
+                <a:latin typeface="Arial" panose="020B0604020202020204"/>
+                <a:ea typeface="Arial" panose="020B0604020202020204"/>
+                <a:cs typeface="Arial" panose="020B0604020202020204"/>
+                <a:sym typeface="Arial" panose="020B0604020202020204"/>
               </a:defRPr>
             </a:lvl3pPr>
             <a:lvl4pPr marL="1828800" marR="0" lvl="3" indent="-330200" algn="l" rtl="0">
@@ -3165,16 +3149,16 @@
                 <a:schemeClr val="dk1"/>
               </a:buClr>
               <a:buSzPts val="1600"/>
-              <a:buFont typeface="Arial" panose="020B0604020202090204"/>
+              <a:buFont typeface="Arial" panose="020B0604020202020204"/>
               <a:buChar char="–"/>
               <a:defRPr sz="1600" b="0" i="0" u="none" strike="noStrike" cap="none">
                 <a:solidFill>
                   <a:schemeClr val="dk1"/>
                 </a:solidFill>
-                <a:latin typeface="Arial" panose="020B0604020202090204"/>
-                <a:ea typeface="Arial" panose="020B0604020202090204"/>
-                <a:cs typeface="Arial" panose="020B0604020202090204"/>
-                <a:sym typeface="Arial" panose="020B0604020202090204"/>
+                <a:latin typeface="Arial" panose="020B0604020202020204"/>
+                <a:ea typeface="Arial" panose="020B0604020202020204"/>
+                <a:cs typeface="Arial" panose="020B0604020202020204"/>
+                <a:sym typeface="Arial" panose="020B0604020202020204"/>
               </a:defRPr>
             </a:lvl4pPr>
             <a:lvl5pPr marL="2286000" marR="0" lvl="4" indent="-330200" algn="l" rtl="0">
@@ -3188,16 +3172,16 @@
                 <a:schemeClr val="dk1"/>
               </a:buClr>
               <a:buSzPts val="1600"/>
-              <a:buFont typeface="Arial" panose="020B0604020202090204"/>
+              <a:buFont typeface="Arial" panose="020B0604020202020204"/>
               <a:buChar char="»"/>
               <a:defRPr sz="1600" b="0" i="0" u="none" strike="noStrike" cap="none">
                 <a:solidFill>
                   <a:schemeClr val="dk1"/>
                 </a:solidFill>
-                <a:latin typeface="Arial" panose="020B0604020202090204"/>
-                <a:ea typeface="Arial" panose="020B0604020202090204"/>
-                <a:cs typeface="Arial" panose="020B0604020202090204"/>
-                <a:sym typeface="Arial" panose="020B0604020202090204"/>
+                <a:latin typeface="Arial" panose="020B0604020202020204"/>
+                <a:ea typeface="Arial" panose="020B0604020202020204"/>
+                <a:cs typeface="Arial" panose="020B0604020202020204"/>
+                <a:sym typeface="Arial" panose="020B0604020202020204"/>
               </a:defRPr>
             </a:lvl5pPr>
             <a:lvl6pPr marL="2743200" marR="0" lvl="5" indent="-330200" algn="l" rtl="0">
@@ -3211,16 +3195,16 @@
                 <a:schemeClr val="dk1"/>
               </a:buClr>
               <a:buSzPts val="1600"/>
-              <a:buFont typeface="Arial" panose="020B0604020202090204"/>
+              <a:buFont typeface="Arial" panose="020B0604020202020204"/>
               <a:buChar char="»"/>
               <a:defRPr sz="1600" b="0" i="0" u="none" strike="noStrike" cap="none">
                 <a:solidFill>
                   <a:schemeClr val="dk1"/>
                 </a:solidFill>
-                <a:latin typeface="Arial" panose="020B0604020202090204"/>
-                <a:ea typeface="Arial" panose="020B0604020202090204"/>
-                <a:cs typeface="Arial" panose="020B0604020202090204"/>
-                <a:sym typeface="Arial" panose="020B0604020202090204"/>
+                <a:latin typeface="Arial" panose="020B0604020202020204"/>
+                <a:ea typeface="Arial" panose="020B0604020202020204"/>
+                <a:cs typeface="Arial" panose="020B0604020202020204"/>
+                <a:sym typeface="Arial" panose="020B0604020202020204"/>
               </a:defRPr>
             </a:lvl6pPr>
             <a:lvl7pPr marL="3200400" marR="0" lvl="6" indent="-330200" algn="l" rtl="0">
@@ -3234,16 +3218,16 @@
                 <a:schemeClr val="dk1"/>
               </a:buClr>
               <a:buSzPts val="1600"/>
-              <a:buFont typeface="Arial" panose="020B0604020202090204"/>
+              <a:buFont typeface="Arial" panose="020B0604020202020204"/>
               <a:buChar char="»"/>
               <a:defRPr sz="1600" b="0" i="0" u="none" strike="noStrike" cap="none">
                 <a:solidFill>
                   <a:schemeClr val="dk1"/>
                 </a:solidFill>
-                <a:latin typeface="Arial" panose="020B0604020202090204"/>
-                <a:ea typeface="Arial" panose="020B0604020202090204"/>
-                <a:cs typeface="Arial" panose="020B0604020202090204"/>
-                <a:sym typeface="Arial" panose="020B0604020202090204"/>
+                <a:latin typeface="Arial" panose="020B0604020202020204"/>
+                <a:ea typeface="Arial" panose="020B0604020202020204"/>
+                <a:cs typeface="Arial" panose="020B0604020202020204"/>
+                <a:sym typeface="Arial" panose="020B0604020202020204"/>
               </a:defRPr>
             </a:lvl7pPr>
             <a:lvl8pPr marL="3657600" marR="0" lvl="7" indent="-330200" algn="l" rtl="0">
@@ -3257,16 +3241,16 @@
                 <a:schemeClr val="dk1"/>
               </a:buClr>
               <a:buSzPts val="1600"/>
-              <a:buFont typeface="Arial" panose="020B0604020202090204"/>
+              <a:buFont typeface="Arial" panose="020B0604020202020204"/>
               <a:buChar char="»"/>
               <a:defRPr sz="1600" b="0" i="0" u="none" strike="noStrike" cap="none">
                 <a:solidFill>
                   <a:schemeClr val="dk1"/>
                 </a:solidFill>
-                <a:latin typeface="Arial" panose="020B0604020202090204"/>
-                <a:ea typeface="Arial" panose="020B0604020202090204"/>
-                <a:cs typeface="Arial" panose="020B0604020202090204"/>
-                <a:sym typeface="Arial" panose="020B0604020202090204"/>
+                <a:latin typeface="Arial" panose="020B0604020202020204"/>
+                <a:ea typeface="Arial" panose="020B0604020202020204"/>
+                <a:cs typeface="Arial" panose="020B0604020202020204"/>
+                <a:sym typeface="Arial" panose="020B0604020202020204"/>
               </a:defRPr>
             </a:lvl8pPr>
             <a:lvl9pPr marL="4114800" marR="0" lvl="8" indent="-330200" algn="l" rtl="0">
@@ -3280,22 +3264,20 @@
                 <a:schemeClr val="dk1"/>
               </a:buClr>
               <a:buSzPts val="1600"/>
-              <a:buFont typeface="Arial" panose="020B0604020202090204"/>
+              <a:buFont typeface="Arial" panose="020B0604020202020204"/>
               <a:buChar char="»"/>
               <a:defRPr sz="1600" b="0" i="0" u="none" strike="noStrike" cap="none">
                 <a:solidFill>
                   <a:schemeClr val="dk1"/>
                 </a:solidFill>
-                <a:latin typeface="Arial" panose="020B0604020202090204"/>
-                <a:ea typeface="Arial" panose="020B0604020202090204"/>
-                <a:cs typeface="Arial" panose="020B0604020202090204"/>
-                <a:sym typeface="Arial" panose="020B0604020202090204"/>
+                <a:latin typeface="Arial" panose="020B0604020202020204"/>
+                <a:ea typeface="Arial" panose="020B0604020202020204"/>
+                <a:cs typeface="Arial" panose="020B0604020202020204"/>
+                <a:sym typeface="Arial" panose="020B0604020202020204"/>
               </a:defRPr>
             </a:lvl9pPr>
           </a:lstStyle>
-          <a:p>
-            <a:endParaRPr/>
-          </a:p>
+          <a:p/>
         </p:txBody>
       </p:sp>
     </p:spTree>
@@ -3307,7 +3289,7 @@
 </file>
 
 <file path=ppt/slideLayouts/slideLayout12.xml><?xml version="1.0" encoding="utf-8"?>
-<p:sldLayout xmlns:a="http://schemas.openxmlformats.org/drawingml/2006/main" xmlns:r="http://schemas.openxmlformats.org/officeDocument/2006/relationships" xmlns:p="http://schemas.openxmlformats.org/presentationml/2006/main" matchingName="Two Content" type="twoObj">
+<p:sldLayout xmlns:a="http://schemas.openxmlformats.org/drawingml/2006/main" xmlns:r="http://schemas.openxmlformats.org/officeDocument/2006/relationships" xmlns:p="http://schemas.openxmlformats.org/presentationml/2006/main" type="twoObj" matchingName="Two Content">
   <p:cSld name="TWO_OBJECTS">
     <p:spTree>
       <p:nvGrpSpPr>
@@ -3364,10 +3346,10 @@
                 <a:solidFill>
                   <a:schemeClr val="dk2"/>
                 </a:solidFill>
-                <a:latin typeface="Arial" panose="020B0604020202090204"/>
-                <a:ea typeface="Arial" panose="020B0604020202090204"/>
-                <a:cs typeface="Arial" panose="020B0604020202090204"/>
-                <a:sym typeface="Arial" panose="020B0604020202090204"/>
+                <a:latin typeface="Arial" panose="020B0604020202020204"/>
+                <a:ea typeface="Arial" panose="020B0604020202020204"/>
+                <a:cs typeface="Arial" panose="020B0604020202020204"/>
+                <a:sym typeface="Arial" panose="020B0604020202020204"/>
               </a:defRPr>
             </a:lvl1pPr>
             <a:lvl2pPr marL="0" marR="0" lvl="1" indent="0" algn="ctr" rtl="0">
@@ -3383,10 +3365,10 @@
                 <a:solidFill>
                   <a:schemeClr val="dk2"/>
                 </a:solidFill>
-                <a:latin typeface="Arial" panose="020B0604020202090204"/>
-                <a:ea typeface="Arial" panose="020B0604020202090204"/>
-                <a:cs typeface="Arial" panose="020B0604020202090204"/>
-                <a:sym typeface="Arial" panose="020B0604020202090204"/>
+                <a:latin typeface="Arial" panose="020B0604020202020204"/>
+                <a:ea typeface="Arial" panose="020B0604020202020204"/>
+                <a:cs typeface="Arial" panose="020B0604020202020204"/>
+                <a:sym typeface="Arial" panose="020B0604020202020204"/>
               </a:defRPr>
             </a:lvl2pPr>
             <a:lvl3pPr marL="0" marR="0" lvl="2" indent="0" algn="ctr" rtl="0">
@@ -3402,10 +3384,10 @@
                 <a:solidFill>
                   <a:schemeClr val="dk2"/>
                 </a:solidFill>
-                <a:latin typeface="Arial" panose="020B0604020202090204"/>
-                <a:ea typeface="Arial" panose="020B0604020202090204"/>
-                <a:cs typeface="Arial" panose="020B0604020202090204"/>
-                <a:sym typeface="Arial" panose="020B0604020202090204"/>
+                <a:latin typeface="Arial" panose="020B0604020202020204"/>
+                <a:ea typeface="Arial" panose="020B0604020202020204"/>
+                <a:cs typeface="Arial" panose="020B0604020202020204"/>
+                <a:sym typeface="Arial" panose="020B0604020202020204"/>
               </a:defRPr>
             </a:lvl3pPr>
             <a:lvl4pPr marL="0" marR="0" lvl="3" indent="0" algn="ctr" rtl="0">
@@ -3421,10 +3403,10 @@
                 <a:solidFill>
                   <a:schemeClr val="dk2"/>
                 </a:solidFill>
-                <a:latin typeface="Arial" panose="020B0604020202090204"/>
-                <a:ea typeface="Arial" panose="020B0604020202090204"/>
-                <a:cs typeface="Arial" panose="020B0604020202090204"/>
-                <a:sym typeface="Arial" panose="020B0604020202090204"/>
+                <a:latin typeface="Arial" panose="020B0604020202020204"/>
+                <a:ea typeface="Arial" panose="020B0604020202020204"/>
+                <a:cs typeface="Arial" panose="020B0604020202020204"/>
+                <a:sym typeface="Arial" panose="020B0604020202020204"/>
               </a:defRPr>
             </a:lvl4pPr>
             <a:lvl5pPr marL="0" marR="0" lvl="4" indent="0" algn="ctr" rtl="0">
@@ -3440,10 +3422,10 @@
                 <a:solidFill>
                   <a:schemeClr val="dk2"/>
                 </a:solidFill>
-                <a:latin typeface="Arial" panose="020B0604020202090204"/>
-                <a:ea typeface="Arial" panose="020B0604020202090204"/>
-                <a:cs typeface="Arial" panose="020B0604020202090204"/>
-                <a:sym typeface="Arial" panose="020B0604020202090204"/>
+                <a:latin typeface="Arial" panose="020B0604020202020204"/>
+                <a:ea typeface="Arial" panose="020B0604020202020204"/>
+                <a:cs typeface="Arial" panose="020B0604020202020204"/>
+                <a:sym typeface="Arial" panose="020B0604020202020204"/>
               </a:defRPr>
             </a:lvl5pPr>
             <a:lvl6pPr marL="457200" marR="0" lvl="5" indent="0" algn="ctr" rtl="0">
@@ -3459,10 +3441,10 @@
                 <a:solidFill>
                   <a:schemeClr val="dk2"/>
                 </a:solidFill>
-                <a:latin typeface="Arial" panose="020B0604020202090204"/>
-                <a:ea typeface="Arial" panose="020B0604020202090204"/>
-                <a:cs typeface="Arial" panose="020B0604020202090204"/>
-                <a:sym typeface="Arial" panose="020B0604020202090204"/>
+                <a:latin typeface="Arial" panose="020B0604020202020204"/>
+                <a:ea typeface="Arial" panose="020B0604020202020204"/>
+                <a:cs typeface="Arial" panose="020B0604020202020204"/>
+                <a:sym typeface="Arial" panose="020B0604020202020204"/>
               </a:defRPr>
             </a:lvl6pPr>
             <a:lvl7pPr marL="914400" marR="0" lvl="6" indent="0" algn="ctr" rtl="0">
@@ -3478,10 +3460,10 @@
                 <a:solidFill>
                   <a:schemeClr val="dk2"/>
                 </a:solidFill>
-                <a:latin typeface="Arial" panose="020B0604020202090204"/>
-                <a:ea typeface="Arial" panose="020B0604020202090204"/>
-                <a:cs typeface="Arial" panose="020B0604020202090204"/>
-                <a:sym typeface="Arial" panose="020B0604020202090204"/>
+                <a:latin typeface="Arial" panose="020B0604020202020204"/>
+                <a:ea typeface="Arial" panose="020B0604020202020204"/>
+                <a:cs typeface="Arial" panose="020B0604020202020204"/>
+                <a:sym typeface="Arial" panose="020B0604020202020204"/>
               </a:defRPr>
             </a:lvl7pPr>
             <a:lvl8pPr marL="1371600" marR="0" lvl="7" indent="0" algn="ctr" rtl="0">
@@ -3497,10 +3479,10 @@
                 <a:solidFill>
                   <a:schemeClr val="dk2"/>
                 </a:solidFill>
-                <a:latin typeface="Arial" panose="020B0604020202090204"/>
-                <a:ea typeface="Arial" panose="020B0604020202090204"/>
-                <a:cs typeface="Arial" panose="020B0604020202090204"/>
-                <a:sym typeface="Arial" panose="020B0604020202090204"/>
+                <a:latin typeface="Arial" panose="020B0604020202020204"/>
+                <a:ea typeface="Arial" panose="020B0604020202020204"/>
+                <a:cs typeface="Arial" panose="020B0604020202020204"/>
+                <a:sym typeface="Arial" panose="020B0604020202020204"/>
               </a:defRPr>
             </a:lvl8pPr>
             <a:lvl9pPr marL="1828800" marR="0" lvl="8" indent="0" algn="ctr" rtl="0">
@@ -3516,16 +3498,14 @@
                 <a:solidFill>
                   <a:schemeClr val="dk2"/>
                 </a:solidFill>
-                <a:latin typeface="Arial" panose="020B0604020202090204"/>
-                <a:ea typeface="Arial" panose="020B0604020202090204"/>
-                <a:cs typeface="Arial" panose="020B0604020202090204"/>
-                <a:sym typeface="Arial" panose="020B0604020202090204"/>
+                <a:latin typeface="Arial" panose="020B0604020202020204"/>
+                <a:ea typeface="Arial" panose="020B0604020202020204"/>
+                <a:cs typeface="Arial" panose="020B0604020202020204"/>
+                <a:sym typeface="Arial" panose="020B0604020202020204"/>
               </a:defRPr>
             </a:lvl9pPr>
           </a:lstStyle>
-          <a:p>
-            <a:endParaRPr/>
-          </a:p>
+          <a:p/>
         </p:txBody>
       </p:sp>
       <p:sp>
@@ -3567,16 +3547,16 @@
                 <a:schemeClr val="dk1"/>
               </a:buClr>
               <a:buSzPts val="2800"/>
-              <a:buFont typeface="Arial" panose="020B0604020202090204"/>
+              <a:buFont typeface="Arial" panose="020B0604020202020204"/>
               <a:buChar char="•"/>
               <a:defRPr sz="2800" b="0" i="0" u="none" strike="noStrike" cap="none">
                 <a:solidFill>
                   <a:schemeClr val="dk1"/>
                 </a:solidFill>
-                <a:latin typeface="Arial" panose="020B0604020202090204"/>
-                <a:ea typeface="Arial" panose="020B0604020202090204"/>
-                <a:cs typeface="Arial" panose="020B0604020202090204"/>
-                <a:sym typeface="Arial" panose="020B0604020202090204"/>
+                <a:latin typeface="Arial" panose="020B0604020202020204"/>
+                <a:ea typeface="Arial" panose="020B0604020202020204"/>
+                <a:cs typeface="Arial" panose="020B0604020202020204"/>
+                <a:sym typeface="Arial" panose="020B0604020202020204"/>
               </a:defRPr>
             </a:lvl1pPr>
             <a:lvl2pPr marL="914400" marR="0" lvl="1" indent="-381000" algn="l" rtl="0">
@@ -3590,16 +3570,16 @@
                 <a:schemeClr val="dk1"/>
               </a:buClr>
               <a:buSzPts val="2400"/>
-              <a:buFont typeface="Arial" panose="020B0604020202090204"/>
+              <a:buFont typeface="Arial" panose="020B0604020202020204"/>
               <a:buChar char="–"/>
               <a:defRPr sz="2400" b="0" i="0" u="none" strike="noStrike" cap="none">
                 <a:solidFill>
                   <a:schemeClr val="dk1"/>
                 </a:solidFill>
-                <a:latin typeface="Arial" panose="020B0604020202090204"/>
-                <a:ea typeface="Arial" panose="020B0604020202090204"/>
-                <a:cs typeface="Arial" panose="020B0604020202090204"/>
-                <a:sym typeface="Arial" panose="020B0604020202090204"/>
+                <a:latin typeface="Arial" panose="020B0604020202020204"/>
+                <a:ea typeface="Arial" panose="020B0604020202020204"/>
+                <a:cs typeface="Arial" panose="020B0604020202020204"/>
+                <a:sym typeface="Arial" panose="020B0604020202020204"/>
               </a:defRPr>
             </a:lvl2pPr>
             <a:lvl3pPr marL="1371600" marR="0" lvl="2" indent="-355600" algn="l" rtl="0">
@@ -3613,16 +3593,16 @@
                 <a:schemeClr val="dk1"/>
               </a:buClr>
               <a:buSzPts val="2000"/>
-              <a:buFont typeface="Arial" panose="020B0604020202090204"/>
+              <a:buFont typeface="Arial" panose="020B0604020202020204"/>
               <a:buChar char="•"/>
               <a:defRPr sz="2000" b="0" i="0" u="none" strike="noStrike" cap="none">
                 <a:solidFill>
                   <a:schemeClr val="dk1"/>
                 </a:solidFill>
-                <a:latin typeface="Arial" panose="020B0604020202090204"/>
-                <a:ea typeface="Arial" panose="020B0604020202090204"/>
-                <a:cs typeface="Arial" panose="020B0604020202090204"/>
-                <a:sym typeface="Arial" panose="020B0604020202090204"/>
+                <a:latin typeface="Arial" panose="020B0604020202020204"/>
+                <a:ea typeface="Arial" panose="020B0604020202020204"/>
+                <a:cs typeface="Arial" panose="020B0604020202020204"/>
+                <a:sym typeface="Arial" panose="020B0604020202020204"/>
               </a:defRPr>
             </a:lvl3pPr>
             <a:lvl4pPr marL="1828800" marR="0" lvl="3" indent="-342900" algn="l" rtl="0">
@@ -3636,16 +3616,16 @@
                 <a:schemeClr val="dk1"/>
               </a:buClr>
               <a:buSzPts val="1800"/>
-              <a:buFont typeface="Arial" panose="020B0604020202090204"/>
+              <a:buFont typeface="Arial" panose="020B0604020202020204"/>
               <a:buChar char="–"/>
               <a:defRPr sz="1800" b="0" i="0" u="none" strike="noStrike" cap="none">
                 <a:solidFill>
                   <a:schemeClr val="dk1"/>
                 </a:solidFill>
-                <a:latin typeface="Arial" panose="020B0604020202090204"/>
-                <a:ea typeface="Arial" panose="020B0604020202090204"/>
-                <a:cs typeface="Arial" panose="020B0604020202090204"/>
-                <a:sym typeface="Arial" panose="020B0604020202090204"/>
+                <a:latin typeface="Arial" panose="020B0604020202020204"/>
+                <a:ea typeface="Arial" panose="020B0604020202020204"/>
+                <a:cs typeface="Arial" panose="020B0604020202020204"/>
+                <a:sym typeface="Arial" panose="020B0604020202020204"/>
               </a:defRPr>
             </a:lvl4pPr>
             <a:lvl5pPr marL="2286000" marR="0" lvl="4" indent="-342900" algn="l" rtl="0">
@@ -3659,16 +3639,16 @@
                 <a:schemeClr val="dk1"/>
               </a:buClr>
               <a:buSzPts val="1800"/>
-              <a:buFont typeface="Arial" panose="020B0604020202090204"/>
+              <a:buFont typeface="Arial" panose="020B0604020202020204"/>
               <a:buChar char="»"/>
               <a:defRPr sz="1800" b="0" i="0" u="none" strike="noStrike" cap="none">
                 <a:solidFill>
                   <a:schemeClr val="dk1"/>
                 </a:solidFill>
-                <a:latin typeface="Arial" panose="020B0604020202090204"/>
-                <a:ea typeface="Arial" panose="020B0604020202090204"/>
-                <a:cs typeface="Arial" panose="020B0604020202090204"/>
-                <a:sym typeface="Arial" panose="020B0604020202090204"/>
+                <a:latin typeface="Arial" panose="020B0604020202020204"/>
+                <a:ea typeface="Arial" panose="020B0604020202020204"/>
+                <a:cs typeface="Arial" panose="020B0604020202020204"/>
+                <a:sym typeface="Arial" panose="020B0604020202020204"/>
               </a:defRPr>
             </a:lvl5pPr>
             <a:lvl6pPr marL="2743200" marR="0" lvl="5" indent="-342900" algn="l" rtl="0">
@@ -3682,16 +3662,16 @@
                 <a:schemeClr val="dk1"/>
               </a:buClr>
               <a:buSzPts val="1800"/>
-              <a:buFont typeface="Arial" panose="020B0604020202090204"/>
+              <a:buFont typeface="Arial" panose="020B0604020202020204"/>
               <a:buChar char="»"/>
               <a:defRPr sz="1800" b="0" i="0" u="none" strike="noStrike" cap="none">
                 <a:solidFill>
                   <a:schemeClr val="dk1"/>
                 </a:solidFill>
-                <a:latin typeface="Arial" panose="020B0604020202090204"/>
-                <a:ea typeface="Arial" panose="020B0604020202090204"/>
-                <a:cs typeface="Arial" panose="020B0604020202090204"/>
-                <a:sym typeface="Arial" panose="020B0604020202090204"/>
+                <a:latin typeface="Arial" panose="020B0604020202020204"/>
+                <a:ea typeface="Arial" panose="020B0604020202020204"/>
+                <a:cs typeface="Arial" panose="020B0604020202020204"/>
+                <a:sym typeface="Arial" panose="020B0604020202020204"/>
               </a:defRPr>
             </a:lvl6pPr>
             <a:lvl7pPr marL="3200400" marR="0" lvl="6" indent="-342900" algn="l" rtl="0">
@@ -3705,16 +3685,16 @@
                 <a:schemeClr val="dk1"/>
               </a:buClr>
               <a:buSzPts val="1800"/>
-              <a:buFont typeface="Arial" panose="020B0604020202090204"/>
+              <a:buFont typeface="Arial" panose="020B0604020202020204"/>
               <a:buChar char="»"/>
               <a:defRPr sz="1800" b="0" i="0" u="none" strike="noStrike" cap="none">
                 <a:solidFill>
                   <a:schemeClr val="dk1"/>
                 </a:solidFill>
-                <a:latin typeface="Arial" panose="020B0604020202090204"/>
-                <a:ea typeface="Arial" panose="020B0604020202090204"/>
-                <a:cs typeface="Arial" panose="020B0604020202090204"/>
-                <a:sym typeface="Arial" panose="020B0604020202090204"/>
+                <a:latin typeface="Arial" panose="020B0604020202020204"/>
+                <a:ea typeface="Arial" panose="020B0604020202020204"/>
+                <a:cs typeface="Arial" panose="020B0604020202020204"/>
+                <a:sym typeface="Arial" panose="020B0604020202020204"/>
               </a:defRPr>
             </a:lvl7pPr>
             <a:lvl8pPr marL="3657600" marR="0" lvl="7" indent="-342900" algn="l" rtl="0">
@@ -3728,16 +3708,16 @@
                 <a:schemeClr val="dk1"/>
               </a:buClr>
               <a:buSzPts val="1800"/>
-              <a:buFont typeface="Arial" panose="020B0604020202090204"/>
+              <a:buFont typeface="Arial" panose="020B0604020202020204"/>
               <a:buChar char="»"/>
               <a:defRPr sz="1800" b="0" i="0" u="none" strike="noStrike" cap="none">
                 <a:solidFill>
                   <a:schemeClr val="dk1"/>
                 </a:solidFill>
-                <a:latin typeface="Arial" panose="020B0604020202090204"/>
-                <a:ea typeface="Arial" panose="020B0604020202090204"/>
-                <a:cs typeface="Arial" panose="020B0604020202090204"/>
-                <a:sym typeface="Arial" panose="020B0604020202090204"/>
+                <a:latin typeface="Arial" panose="020B0604020202020204"/>
+                <a:ea typeface="Arial" panose="020B0604020202020204"/>
+                <a:cs typeface="Arial" panose="020B0604020202020204"/>
+                <a:sym typeface="Arial" panose="020B0604020202020204"/>
               </a:defRPr>
             </a:lvl8pPr>
             <a:lvl9pPr marL="4114800" marR="0" lvl="8" indent="-342900" algn="l" rtl="0">
@@ -3751,22 +3731,20 @@
                 <a:schemeClr val="dk1"/>
               </a:buClr>
               <a:buSzPts val="1800"/>
-              <a:buFont typeface="Arial" panose="020B0604020202090204"/>
+              <a:buFont typeface="Arial" panose="020B0604020202020204"/>
               <a:buChar char="»"/>
               <a:defRPr sz="1800" b="0" i="0" u="none" strike="noStrike" cap="none">
                 <a:solidFill>
                   <a:schemeClr val="dk1"/>
                 </a:solidFill>
-                <a:latin typeface="Arial" panose="020B0604020202090204"/>
-                <a:ea typeface="Arial" panose="020B0604020202090204"/>
-                <a:cs typeface="Arial" panose="020B0604020202090204"/>
-                <a:sym typeface="Arial" panose="020B0604020202090204"/>
+                <a:latin typeface="Arial" panose="020B0604020202020204"/>
+                <a:ea typeface="Arial" panose="020B0604020202020204"/>
+                <a:cs typeface="Arial" panose="020B0604020202020204"/>
+                <a:sym typeface="Arial" panose="020B0604020202020204"/>
               </a:defRPr>
             </a:lvl9pPr>
           </a:lstStyle>
-          <a:p>
-            <a:endParaRPr/>
-          </a:p>
+          <a:p/>
         </p:txBody>
       </p:sp>
       <p:sp>
@@ -3808,16 +3786,16 @@
                 <a:schemeClr val="dk1"/>
               </a:buClr>
               <a:buSzPts val="2800"/>
-              <a:buFont typeface="Arial" panose="020B0604020202090204"/>
+              <a:buFont typeface="Arial" panose="020B0604020202020204"/>
               <a:buChar char="•"/>
               <a:defRPr sz="2800" b="0" i="0" u="none" strike="noStrike" cap="none">
                 <a:solidFill>
                   <a:schemeClr val="dk1"/>
                 </a:solidFill>
-                <a:latin typeface="Arial" panose="020B0604020202090204"/>
-                <a:ea typeface="Arial" panose="020B0604020202090204"/>
-                <a:cs typeface="Arial" panose="020B0604020202090204"/>
-                <a:sym typeface="Arial" panose="020B0604020202090204"/>
+                <a:latin typeface="Arial" panose="020B0604020202020204"/>
+                <a:ea typeface="Arial" panose="020B0604020202020204"/>
+                <a:cs typeface="Arial" panose="020B0604020202020204"/>
+                <a:sym typeface="Arial" panose="020B0604020202020204"/>
               </a:defRPr>
             </a:lvl1pPr>
             <a:lvl2pPr marL="914400" marR="0" lvl="1" indent="-381000" algn="l" rtl="0">
@@ -3831,16 +3809,16 @@
                 <a:schemeClr val="dk1"/>
               </a:buClr>
               <a:buSzPts val="2400"/>
-              <a:buFont typeface="Arial" panose="020B0604020202090204"/>
+              <a:buFont typeface="Arial" panose="020B0604020202020204"/>
               <a:buChar char="–"/>
               <a:defRPr sz="2400" b="0" i="0" u="none" strike="noStrike" cap="none">
                 <a:solidFill>
                   <a:schemeClr val="dk1"/>
                 </a:solidFill>
-                <a:latin typeface="Arial" panose="020B0604020202090204"/>
-                <a:ea typeface="Arial" panose="020B0604020202090204"/>
-                <a:cs typeface="Arial" panose="020B0604020202090204"/>
-                <a:sym typeface="Arial" panose="020B0604020202090204"/>
+                <a:latin typeface="Arial" panose="020B0604020202020204"/>
+                <a:ea typeface="Arial" panose="020B0604020202020204"/>
+                <a:cs typeface="Arial" panose="020B0604020202020204"/>
+                <a:sym typeface="Arial" panose="020B0604020202020204"/>
               </a:defRPr>
             </a:lvl2pPr>
             <a:lvl3pPr marL="1371600" marR="0" lvl="2" indent="-355600" algn="l" rtl="0">
@@ -3854,16 +3832,16 @@
                 <a:schemeClr val="dk1"/>
               </a:buClr>
               <a:buSzPts val="2000"/>
-              <a:buFont typeface="Arial" panose="020B0604020202090204"/>
+              <a:buFont typeface="Arial" panose="020B0604020202020204"/>
               <a:buChar char="•"/>
               <a:defRPr sz="2000" b="0" i="0" u="none" strike="noStrike" cap="none">
                 <a:solidFill>
                   <a:schemeClr val="dk1"/>
                 </a:solidFill>
-                <a:latin typeface="Arial" panose="020B0604020202090204"/>
-                <a:ea typeface="Arial" panose="020B0604020202090204"/>
-                <a:cs typeface="Arial" panose="020B0604020202090204"/>
-                <a:sym typeface="Arial" panose="020B0604020202090204"/>
+                <a:latin typeface="Arial" panose="020B0604020202020204"/>
+                <a:ea typeface="Arial" panose="020B0604020202020204"/>
+                <a:cs typeface="Arial" panose="020B0604020202020204"/>
+                <a:sym typeface="Arial" panose="020B0604020202020204"/>
               </a:defRPr>
             </a:lvl3pPr>
             <a:lvl4pPr marL="1828800" marR="0" lvl="3" indent="-342900" algn="l" rtl="0">
@@ -3877,16 +3855,16 @@
                 <a:schemeClr val="dk1"/>
               </a:buClr>
               <a:buSzPts val="1800"/>
-              <a:buFont typeface="Arial" panose="020B0604020202090204"/>
+              <a:buFont typeface="Arial" panose="020B0604020202020204"/>
               <a:buChar char="–"/>
               <a:defRPr sz="1800" b="0" i="0" u="none" strike="noStrike" cap="none">
                 <a:solidFill>
                   <a:schemeClr val="dk1"/>
                 </a:solidFill>
-                <a:latin typeface="Arial" panose="020B0604020202090204"/>
-                <a:ea typeface="Arial" panose="020B0604020202090204"/>
-                <a:cs typeface="Arial" panose="020B0604020202090204"/>
-                <a:sym typeface="Arial" panose="020B0604020202090204"/>
+                <a:latin typeface="Arial" panose="020B0604020202020204"/>
+                <a:ea typeface="Arial" panose="020B0604020202020204"/>
+                <a:cs typeface="Arial" panose="020B0604020202020204"/>
+                <a:sym typeface="Arial" panose="020B0604020202020204"/>
               </a:defRPr>
             </a:lvl4pPr>
             <a:lvl5pPr marL="2286000" marR="0" lvl="4" indent="-342900" algn="l" rtl="0">
@@ -3900,16 +3878,16 @@
                 <a:schemeClr val="dk1"/>
               </a:buClr>
               <a:buSzPts val="1800"/>
-              <a:buFont typeface="Arial" panose="020B0604020202090204"/>
+              <a:buFont typeface="Arial" panose="020B0604020202020204"/>
               <a:buChar char="»"/>
               <a:defRPr sz="1800" b="0" i="0" u="none" strike="noStrike" cap="none">
                 <a:solidFill>
                   <a:schemeClr val="dk1"/>
                 </a:solidFill>
-                <a:latin typeface="Arial" panose="020B0604020202090204"/>
-                <a:ea typeface="Arial" panose="020B0604020202090204"/>
-                <a:cs typeface="Arial" panose="020B0604020202090204"/>
-                <a:sym typeface="Arial" panose="020B0604020202090204"/>
+                <a:latin typeface="Arial" panose="020B0604020202020204"/>
+                <a:ea typeface="Arial" panose="020B0604020202020204"/>
+                <a:cs typeface="Arial" panose="020B0604020202020204"/>
+                <a:sym typeface="Arial" panose="020B0604020202020204"/>
               </a:defRPr>
             </a:lvl5pPr>
             <a:lvl6pPr marL="2743200" marR="0" lvl="5" indent="-342900" algn="l" rtl="0">
@@ -3923,16 +3901,16 @@
                 <a:schemeClr val="dk1"/>
               </a:buClr>
               <a:buSzPts val="1800"/>
-              <a:buFont typeface="Arial" panose="020B0604020202090204"/>
+              <a:buFont typeface="Arial" panose="020B0604020202020204"/>
               <a:buChar char="»"/>
               <a:defRPr sz="1800" b="0" i="0" u="none" strike="noStrike" cap="none">
                 <a:solidFill>
                   <a:schemeClr val="dk1"/>
                 </a:solidFill>
-                <a:latin typeface="Arial" panose="020B0604020202090204"/>
-                <a:ea typeface="Arial" panose="020B0604020202090204"/>
-                <a:cs typeface="Arial" panose="020B0604020202090204"/>
-                <a:sym typeface="Arial" panose="020B0604020202090204"/>
+                <a:latin typeface="Arial" panose="020B0604020202020204"/>
+                <a:ea typeface="Arial" panose="020B0604020202020204"/>
+                <a:cs typeface="Arial" panose="020B0604020202020204"/>
+                <a:sym typeface="Arial" panose="020B0604020202020204"/>
               </a:defRPr>
             </a:lvl6pPr>
             <a:lvl7pPr marL="3200400" marR="0" lvl="6" indent="-342900" algn="l" rtl="0">
@@ -3946,16 +3924,16 @@
                 <a:schemeClr val="dk1"/>
               </a:buClr>
               <a:buSzPts val="1800"/>
-              <a:buFont typeface="Arial" panose="020B0604020202090204"/>
+              <a:buFont typeface="Arial" panose="020B0604020202020204"/>
               <a:buChar char="»"/>
               <a:defRPr sz="1800" b="0" i="0" u="none" strike="noStrike" cap="none">
                 <a:solidFill>
                   <a:schemeClr val="dk1"/>
                 </a:solidFill>
-                <a:latin typeface="Arial" panose="020B0604020202090204"/>
-                <a:ea typeface="Arial" panose="020B0604020202090204"/>
-                <a:cs typeface="Arial" panose="020B0604020202090204"/>
-                <a:sym typeface="Arial" panose="020B0604020202090204"/>
+                <a:latin typeface="Arial" panose="020B0604020202020204"/>
+                <a:ea typeface="Arial" panose="020B0604020202020204"/>
+                <a:cs typeface="Arial" panose="020B0604020202020204"/>
+                <a:sym typeface="Arial" panose="020B0604020202020204"/>
               </a:defRPr>
             </a:lvl7pPr>
             <a:lvl8pPr marL="3657600" marR="0" lvl="7" indent="-342900" algn="l" rtl="0">
@@ -3969,16 +3947,16 @@
                 <a:schemeClr val="dk1"/>
               </a:buClr>
               <a:buSzPts val="1800"/>
-              <a:buFont typeface="Arial" panose="020B0604020202090204"/>
+              <a:buFont typeface="Arial" panose="020B0604020202020204"/>
               <a:buChar char="»"/>
               <a:defRPr sz="1800" b="0" i="0" u="none" strike="noStrike" cap="none">
                 <a:solidFill>
                   <a:schemeClr val="dk1"/>
                 </a:solidFill>
-                <a:latin typeface="Arial" panose="020B0604020202090204"/>
-                <a:ea typeface="Arial" panose="020B0604020202090204"/>
-                <a:cs typeface="Arial" panose="020B0604020202090204"/>
-                <a:sym typeface="Arial" panose="020B0604020202090204"/>
+                <a:latin typeface="Arial" panose="020B0604020202020204"/>
+                <a:ea typeface="Arial" panose="020B0604020202020204"/>
+                <a:cs typeface="Arial" panose="020B0604020202020204"/>
+                <a:sym typeface="Arial" panose="020B0604020202020204"/>
               </a:defRPr>
             </a:lvl8pPr>
             <a:lvl9pPr marL="4114800" marR="0" lvl="8" indent="-342900" algn="l" rtl="0">
@@ -3992,22 +3970,20 @@
                 <a:schemeClr val="dk1"/>
               </a:buClr>
               <a:buSzPts val="1800"/>
-              <a:buFont typeface="Arial" panose="020B0604020202090204"/>
+              <a:buFont typeface="Arial" panose="020B0604020202020204"/>
               <a:buChar char="»"/>
               <a:defRPr sz="1800" b="0" i="0" u="none" strike="noStrike" cap="none">
                 <a:solidFill>
                   <a:schemeClr val="dk1"/>
                 </a:solidFill>
-                <a:latin typeface="Arial" panose="020B0604020202090204"/>
-                <a:ea typeface="Arial" panose="020B0604020202090204"/>
-                <a:cs typeface="Arial" panose="020B0604020202090204"/>
-                <a:sym typeface="Arial" panose="020B0604020202090204"/>
+                <a:latin typeface="Arial" panose="020B0604020202020204"/>
+                <a:ea typeface="Arial" panose="020B0604020202020204"/>
+                <a:cs typeface="Arial" panose="020B0604020202020204"/>
+                <a:sym typeface="Arial" panose="020B0604020202020204"/>
               </a:defRPr>
             </a:lvl9pPr>
           </a:lstStyle>
-          <a:p>
-            <a:endParaRPr/>
-          </a:p>
+          <a:p/>
         </p:txBody>
       </p:sp>
     </p:spTree>
@@ -4019,7 +3995,7 @@
 </file>
 
 <file path=ppt/slideLayouts/slideLayout13.xml><?xml version="1.0" encoding="utf-8"?>
-<p:sldLayout xmlns:a="http://schemas.openxmlformats.org/drawingml/2006/main" xmlns:r="http://schemas.openxmlformats.org/officeDocument/2006/relationships" xmlns:p="http://schemas.openxmlformats.org/presentationml/2006/main" matchingName="Section Header" type="secHead">
+<p:sldLayout xmlns:a="http://schemas.openxmlformats.org/drawingml/2006/main" xmlns:r="http://schemas.openxmlformats.org/officeDocument/2006/relationships" xmlns:p="http://schemas.openxmlformats.org/presentationml/2006/main" type="secHead" matchingName="Section Header">
   <p:cSld name="SECTION_HEADER">
     <p:spTree>
       <p:nvGrpSpPr>
@@ -4076,10 +4052,10 @@
                 <a:solidFill>
                   <a:schemeClr val="dk2"/>
                 </a:solidFill>
-                <a:latin typeface="Arial" panose="020B0604020202090204"/>
-                <a:ea typeface="Arial" panose="020B0604020202090204"/>
-                <a:cs typeface="Arial" panose="020B0604020202090204"/>
-                <a:sym typeface="Arial" panose="020B0604020202090204"/>
+                <a:latin typeface="Arial" panose="020B0604020202020204"/>
+                <a:ea typeface="Arial" panose="020B0604020202020204"/>
+                <a:cs typeface="Arial" panose="020B0604020202020204"/>
+                <a:sym typeface="Arial" panose="020B0604020202020204"/>
               </a:defRPr>
             </a:lvl1pPr>
             <a:lvl2pPr marL="0" marR="0" lvl="1" indent="0" algn="ctr" rtl="0">
@@ -4095,10 +4071,10 @@
                 <a:solidFill>
                   <a:schemeClr val="dk2"/>
                 </a:solidFill>
-                <a:latin typeface="Arial" panose="020B0604020202090204"/>
-                <a:ea typeface="Arial" panose="020B0604020202090204"/>
-                <a:cs typeface="Arial" panose="020B0604020202090204"/>
-                <a:sym typeface="Arial" panose="020B0604020202090204"/>
+                <a:latin typeface="Arial" panose="020B0604020202020204"/>
+                <a:ea typeface="Arial" panose="020B0604020202020204"/>
+                <a:cs typeface="Arial" panose="020B0604020202020204"/>
+                <a:sym typeface="Arial" panose="020B0604020202020204"/>
               </a:defRPr>
             </a:lvl2pPr>
             <a:lvl3pPr marL="0" marR="0" lvl="2" indent="0" algn="ctr" rtl="0">
@@ -4114,10 +4090,10 @@
                 <a:solidFill>
                   <a:schemeClr val="dk2"/>
                 </a:solidFill>
-                <a:latin typeface="Arial" panose="020B0604020202090204"/>
-                <a:ea typeface="Arial" panose="020B0604020202090204"/>
-                <a:cs typeface="Arial" panose="020B0604020202090204"/>
-                <a:sym typeface="Arial" panose="020B0604020202090204"/>
+                <a:latin typeface="Arial" panose="020B0604020202020204"/>
+                <a:ea typeface="Arial" panose="020B0604020202020204"/>
+                <a:cs typeface="Arial" panose="020B0604020202020204"/>
+                <a:sym typeface="Arial" panose="020B0604020202020204"/>
               </a:defRPr>
             </a:lvl3pPr>
             <a:lvl4pPr marL="0" marR="0" lvl="3" indent="0" algn="ctr" rtl="0">
@@ -4133,10 +4109,10 @@
                 <a:solidFill>
                   <a:schemeClr val="dk2"/>
                 </a:solidFill>
-                <a:latin typeface="Arial" panose="020B0604020202090204"/>
-                <a:ea typeface="Arial" panose="020B0604020202090204"/>
-                <a:cs typeface="Arial" panose="020B0604020202090204"/>
-                <a:sym typeface="Arial" panose="020B0604020202090204"/>
+                <a:latin typeface="Arial" panose="020B0604020202020204"/>
+                <a:ea typeface="Arial" panose="020B0604020202020204"/>
+                <a:cs typeface="Arial" panose="020B0604020202020204"/>
+                <a:sym typeface="Arial" panose="020B0604020202020204"/>
               </a:defRPr>
             </a:lvl4pPr>
             <a:lvl5pPr marL="0" marR="0" lvl="4" indent="0" algn="ctr" rtl="0">
@@ -4152,10 +4128,10 @@
                 <a:solidFill>
                   <a:schemeClr val="dk2"/>
                 </a:solidFill>
-                <a:latin typeface="Arial" panose="020B0604020202090204"/>
-                <a:ea typeface="Arial" panose="020B0604020202090204"/>
-                <a:cs typeface="Arial" panose="020B0604020202090204"/>
-                <a:sym typeface="Arial" panose="020B0604020202090204"/>
+                <a:latin typeface="Arial" panose="020B0604020202020204"/>
+                <a:ea typeface="Arial" panose="020B0604020202020204"/>
+                <a:cs typeface="Arial" panose="020B0604020202020204"/>
+                <a:sym typeface="Arial" panose="020B0604020202020204"/>
               </a:defRPr>
             </a:lvl5pPr>
             <a:lvl6pPr marL="457200" marR="0" lvl="5" indent="0" algn="ctr" rtl="0">
@@ -4171,10 +4147,10 @@
                 <a:solidFill>
                   <a:schemeClr val="dk2"/>
                 </a:solidFill>
-                <a:latin typeface="Arial" panose="020B0604020202090204"/>
-                <a:ea typeface="Arial" panose="020B0604020202090204"/>
-                <a:cs typeface="Arial" panose="020B0604020202090204"/>
-                <a:sym typeface="Arial" panose="020B0604020202090204"/>
+                <a:latin typeface="Arial" panose="020B0604020202020204"/>
+                <a:ea typeface="Arial" panose="020B0604020202020204"/>
+                <a:cs typeface="Arial" panose="020B0604020202020204"/>
+                <a:sym typeface="Arial" panose="020B0604020202020204"/>
               </a:defRPr>
             </a:lvl6pPr>
             <a:lvl7pPr marL="914400" marR="0" lvl="6" indent="0" algn="ctr" rtl="0">
@@ -4190,10 +4166,10 @@
                 <a:solidFill>
                   <a:schemeClr val="dk2"/>
                 </a:solidFill>
-                <a:latin typeface="Arial" panose="020B0604020202090204"/>
-                <a:ea typeface="Arial" panose="020B0604020202090204"/>
-                <a:cs typeface="Arial" panose="020B0604020202090204"/>
-                <a:sym typeface="Arial" panose="020B0604020202090204"/>
+                <a:latin typeface="Arial" panose="020B0604020202020204"/>
+                <a:ea typeface="Arial" panose="020B0604020202020204"/>
+                <a:cs typeface="Arial" panose="020B0604020202020204"/>
+                <a:sym typeface="Arial" panose="020B0604020202020204"/>
               </a:defRPr>
             </a:lvl7pPr>
             <a:lvl8pPr marL="1371600" marR="0" lvl="7" indent="0" algn="ctr" rtl="0">
@@ -4209,10 +4185,10 @@
                 <a:solidFill>
                   <a:schemeClr val="dk2"/>
                 </a:solidFill>
-                <a:latin typeface="Arial" panose="020B0604020202090204"/>
-                <a:ea typeface="Arial" panose="020B0604020202090204"/>
-                <a:cs typeface="Arial" panose="020B0604020202090204"/>
-                <a:sym typeface="Arial" panose="020B0604020202090204"/>
+                <a:latin typeface="Arial" panose="020B0604020202020204"/>
+                <a:ea typeface="Arial" panose="020B0604020202020204"/>
+                <a:cs typeface="Arial" panose="020B0604020202020204"/>
+                <a:sym typeface="Arial" panose="020B0604020202020204"/>
               </a:defRPr>
             </a:lvl8pPr>
             <a:lvl9pPr marL="1828800" marR="0" lvl="8" indent="0" algn="ctr" rtl="0">
@@ -4228,16 +4204,14 @@
                 <a:solidFill>
                   <a:schemeClr val="dk2"/>
                 </a:solidFill>
-                <a:latin typeface="Arial" panose="020B0604020202090204"/>
-                <a:ea typeface="Arial" panose="020B0604020202090204"/>
-                <a:cs typeface="Arial" panose="020B0604020202090204"/>
-                <a:sym typeface="Arial" panose="020B0604020202090204"/>
+                <a:latin typeface="Arial" panose="020B0604020202020204"/>
+                <a:ea typeface="Arial" panose="020B0604020202020204"/>
+                <a:cs typeface="Arial" panose="020B0604020202020204"/>
+                <a:sym typeface="Arial" panose="020B0604020202020204"/>
               </a:defRPr>
             </a:lvl9pPr>
           </a:lstStyle>
-          <a:p>
-            <a:endParaRPr/>
-          </a:p>
+          <a:p/>
         </p:txBody>
       </p:sp>
       <p:sp>
@@ -4279,16 +4253,16 @@
                 <a:schemeClr val="dk1"/>
               </a:buClr>
               <a:buSzPts val="1400"/>
-              <a:buFont typeface="Arial" panose="020B0604020202090204"/>
+              <a:buFont typeface="Arial" panose="020B0604020202020204"/>
               <a:buNone/>
               <a:defRPr sz="2000" b="0" i="0" u="none" strike="noStrike" cap="none">
                 <a:solidFill>
                   <a:schemeClr val="dk1"/>
                 </a:solidFill>
-                <a:latin typeface="Arial" panose="020B0604020202090204"/>
-                <a:ea typeface="Arial" panose="020B0604020202090204"/>
-                <a:cs typeface="Arial" panose="020B0604020202090204"/>
-                <a:sym typeface="Arial" panose="020B0604020202090204"/>
+                <a:latin typeface="Arial" panose="020B0604020202020204"/>
+                <a:ea typeface="Arial" panose="020B0604020202020204"/>
+                <a:cs typeface="Arial" panose="020B0604020202020204"/>
+                <a:sym typeface="Arial" panose="020B0604020202020204"/>
               </a:defRPr>
             </a:lvl1pPr>
             <a:lvl2pPr marL="914400" marR="0" lvl="1" indent="-228600" algn="l" rtl="0">
@@ -4302,16 +4276,16 @@
                 <a:schemeClr val="dk1"/>
               </a:buClr>
               <a:buSzPts val="1400"/>
-              <a:buFont typeface="Arial" panose="020B0604020202090204"/>
+              <a:buFont typeface="Arial" panose="020B0604020202020204"/>
               <a:buNone/>
               <a:defRPr sz="1800" b="0" i="0" u="none" strike="noStrike" cap="none">
                 <a:solidFill>
                   <a:schemeClr val="dk1"/>
                 </a:solidFill>
-                <a:latin typeface="Arial" panose="020B0604020202090204"/>
-                <a:ea typeface="Arial" panose="020B0604020202090204"/>
-                <a:cs typeface="Arial" panose="020B0604020202090204"/>
-                <a:sym typeface="Arial" panose="020B0604020202090204"/>
+                <a:latin typeface="Arial" panose="020B0604020202020204"/>
+                <a:ea typeface="Arial" panose="020B0604020202020204"/>
+                <a:cs typeface="Arial" panose="020B0604020202020204"/>
+                <a:sym typeface="Arial" panose="020B0604020202020204"/>
               </a:defRPr>
             </a:lvl2pPr>
             <a:lvl3pPr marL="1371600" marR="0" lvl="2" indent="-228600" algn="l" rtl="0">
@@ -4325,16 +4299,16 @@
                 <a:schemeClr val="dk1"/>
               </a:buClr>
               <a:buSzPts val="1400"/>
-              <a:buFont typeface="Arial" panose="020B0604020202090204"/>
+              <a:buFont typeface="Arial" panose="020B0604020202020204"/>
               <a:buNone/>
               <a:defRPr sz="1600" b="0" i="0" u="none" strike="noStrike" cap="none">
                 <a:solidFill>
                   <a:schemeClr val="dk1"/>
                 </a:solidFill>
-                <a:latin typeface="Arial" panose="020B0604020202090204"/>
-                <a:ea typeface="Arial" panose="020B0604020202090204"/>
-                <a:cs typeface="Arial" panose="020B0604020202090204"/>
-                <a:sym typeface="Arial" panose="020B0604020202090204"/>
+                <a:latin typeface="Arial" panose="020B0604020202020204"/>
+                <a:ea typeface="Arial" panose="020B0604020202020204"/>
+                <a:cs typeface="Arial" panose="020B0604020202020204"/>
+                <a:sym typeface="Arial" panose="020B0604020202020204"/>
               </a:defRPr>
             </a:lvl3pPr>
             <a:lvl4pPr marL="1828800" marR="0" lvl="3" indent="-228600" algn="l" rtl="0">
@@ -4348,16 +4322,16 @@
                 <a:schemeClr val="dk1"/>
               </a:buClr>
               <a:buSzPts val="1400"/>
-              <a:buFont typeface="Arial" panose="020B0604020202090204"/>
+              <a:buFont typeface="Arial" panose="020B0604020202020204"/>
               <a:buNone/>
               <a:defRPr sz="1400" b="0" i="0" u="none" strike="noStrike" cap="none">
                 <a:solidFill>
                   <a:schemeClr val="dk1"/>
                 </a:solidFill>
-                <a:latin typeface="Arial" panose="020B0604020202090204"/>
-                <a:ea typeface="Arial" panose="020B0604020202090204"/>
-                <a:cs typeface="Arial" panose="020B0604020202090204"/>
-                <a:sym typeface="Arial" panose="020B0604020202090204"/>
+                <a:latin typeface="Arial" panose="020B0604020202020204"/>
+                <a:ea typeface="Arial" panose="020B0604020202020204"/>
+                <a:cs typeface="Arial" panose="020B0604020202020204"/>
+                <a:sym typeface="Arial" panose="020B0604020202020204"/>
               </a:defRPr>
             </a:lvl4pPr>
             <a:lvl5pPr marL="2286000" marR="0" lvl="4" indent="-228600" algn="l" rtl="0">
@@ -4371,16 +4345,16 @@
                 <a:schemeClr val="dk1"/>
               </a:buClr>
               <a:buSzPts val="1400"/>
-              <a:buFont typeface="Arial" panose="020B0604020202090204"/>
+              <a:buFont typeface="Arial" panose="020B0604020202020204"/>
               <a:buNone/>
               <a:defRPr sz="1400" b="0" i="0" u="none" strike="noStrike" cap="none">
                 <a:solidFill>
                   <a:schemeClr val="dk1"/>
                 </a:solidFill>
-                <a:latin typeface="Arial" panose="020B0604020202090204"/>
-                <a:ea typeface="Arial" panose="020B0604020202090204"/>
-                <a:cs typeface="Arial" panose="020B0604020202090204"/>
-                <a:sym typeface="Arial" panose="020B0604020202090204"/>
+                <a:latin typeface="Arial" panose="020B0604020202020204"/>
+                <a:ea typeface="Arial" panose="020B0604020202020204"/>
+                <a:cs typeface="Arial" panose="020B0604020202020204"/>
+                <a:sym typeface="Arial" panose="020B0604020202020204"/>
               </a:defRPr>
             </a:lvl5pPr>
             <a:lvl6pPr marL="2743200" marR="0" lvl="5" indent="-228600" algn="l" rtl="0">
@@ -4394,16 +4368,16 @@
                 <a:schemeClr val="dk1"/>
               </a:buClr>
               <a:buSzPts val="1400"/>
-              <a:buFont typeface="Arial" panose="020B0604020202090204"/>
+              <a:buFont typeface="Arial" panose="020B0604020202020204"/>
               <a:buNone/>
               <a:defRPr sz="1400" b="0" i="0" u="none" strike="noStrike" cap="none">
                 <a:solidFill>
                   <a:schemeClr val="dk1"/>
                 </a:solidFill>
-                <a:latin typeface="Arial" panose="020B0604020202090204"/>
-                <a:ea typeface="Arial" panose="020B0604020202090204"/>
-                <a:cs typeface="Arial" panose="020B0604020202090204"/>
-                <a:sym typeface="Arial" panose="020B0604020202090204"/>
+                <a:latin typeface="Arial" panose="020B0604020202020204"/>
+                <a:ea typeface="Arial" panose="020B0604020202020204"/>
+                <a:cs typeface="Arial" panose="020B0604020202020204"/>
+                <a:sym typeface="Arial" panose="020B0604020202020204"/>
               </a:defRPr>
             </a:lvl6pPr>
             <a:lvl7pPr marL="3200400" marR="0" lvl="6" indent="-228600" algn="l" rtl="0">
@@ -4417,16 +4391,16 @@
                 <a:schemeClr val="dk1"/>
               </a:buClr>
               <a:buSzPts val="1400"/>
-              <a:buFont typeface="Arial" panose="020B0604020202090204"/>
+              <a:buFont typeface="Arial" panose="020B0604020202020204"/>
               <a:buNone/>
               <a:defRPr sz="1400" b="0" i="0" u="none" strike="noStrike" cap="none">
                 <a:solidFill>
                   <a:schemeClr val="dk1"/>
                 </a:solidFill>
-                <a:latin typeface="Arial" panose="020B0604020202090204"/>
-                <a:ea typeface="Arial" panose="020B0604020202090204"/>
-                <a:cs typeface="Arial" panose="020B0604020202090204"/>
-                <a:sym typeface="Arial" panose="020B0604020202090204"/>
+                <a:latin typeface="Arial" panose="020B0604020202020204"/>
+                <a:ea typeface="Arial" panose="020B0604020202020204"/>
+                <a:cs typeface="Arial" panose="020B0604020202020204"/>
+                <a:sym typeface="Arial" panose="020B0604020202020204"/>
               </a:defRPr>
             </a:lvl7pPr>
             <a:lvl8pPr marL="3657600" marR="0" lvl="7" indent="-228600" algn="l" rtl="0">
@@ -4440,16 +4414,16 @@
                 <a:schemeClr val="dk1"/>
               </a:buClr>
               <a:buSzPts val="1400"/>
-              <a:buFont typeface="Arial" panose="020B0604020202090204"/>
+              <a:buFont typeface="Arial" panose="020B0604020202020204"/>
               <a:buNone/>
               <a:defRPr sz="1400" b="0" i="0" u="none" strike="noStrike" cap="none">
                 <a:solidFill>
                   <a:schemeClr val="dk1"/>
                 </a:solidFill>
-                <a:latin typeface="Arial" panose="020B0604020202090204"/>
-                <a:ea typeface="Arial" panose="020B0604020202090204"/>
-                <a:cs typeface="Arial" panose="020B0604020202090204"/>
-                <a:sym typeface="Arial" panose="020B0604020202090204"/>
+                <a:latin typeface="Arial" panose="020B0604020202020204"/>
+                <a:ea typeface="Arial" panose="020B0604020202020204"/>
+                <a:cs typeface="Arial" panose="020B0604020202020204"/>
+                <a:sym typeface="Arial" panose="020B0604020202020204"/>
               </a:defRPr>
             </a:lvl8pPr>
             <a:lvl9pPr marL="4114800" marR="0" lvl="8" indent="-228600" algn="l" rtl="0">
@@ -4463,22 +4437,20 @@
                 <a:schemeClr val="dk1"/>
               </a:buClr>
               <a:buSzPts val="1400"/>
-              <a:buFont typeface="Arial" panose="020B0604020202090204"/>
+              <a:buFont typeface="Arial" panose="020B0604020202020204"/>
               <a:buNone/>
               <a:defRPr sz="1400" b="0" i="0" u="none" strike="noStrike" cap="none">
                 <a:solidFill>
                   <a:schemeClr val="dk1"/>
                 </a:solidFill>
-                <a:latin typeface="Arial" panose="020B0604020202090204"/>
-                <a:ea typeface="Arial" panose="020B0604020202090204"/>
-                <a:cs typeface="Arial" panose="020B0604020202090204"/>
-                <a:sym typeface="Arial" panose="020B0604020202090204"/>
+                <a:latin typeface="Arial" panose="020B0604020202020204"/>
+                <a:ea typeface="Arial" panose="020B0604020202020204"/>
+                <a:cs typeface="Arial" panose="020B0604020202020204"/>
+                <a:sym typeface="Arial" panose="020B0604020202020204"/>
               </a:defRPr>
             </a:lvl9pPr>
           </a:lstStyle>
-          <a:p>
-            <a:endParaRPr/>
-          </a:p>
+          <a:p/>
         </p:txBody>
       </p:sp>
     </p:spTree>
@@ -4490,7 +4462,7 @@
 </file>
 
 <file path=ppt/slideLayouts/slideLayout14.xml><?xml version="1.0" encoding="utf-8"?>
-<p:sldLayout xmlns:a="http://schemas.openxmlformats.org/drawingml/2006/main" xmlns:r="http://schemas.openxmlformats.org/officeDocument/2006/relationships" xmlns:p="http://schemas.openxmlformats.org/presentationml/2006/main" matchingName="Title and Content" type="obj">
+<p:sldLayout xmlns:a="http://schemas.openxmlformats.org/drawingml/2006/main" xmlns:r="http://schemas.openxmlformats.org/officeDocument/2006/relationships" xmlns:p="http://schemas.openxmlformats.org/presentationml/2006/main" type="obj" matchingName="Title and Content">
   <p:cSld name="OBJECT">
     <p:spTree>
       <p:nvGrpSpPr>
@@ -4547,10 +4519,10 @@
                 <a:solidFill>
                   <a:schemeClr val="dk2"/>
                 </a:solidFill>
-                <a:latin typeface="Arial" panose="020B0604020202090204"/>
-                <a:ea typeface="Arial" panose="020B0604020202090204"/>
-                <a:cs typeface="Arial" panose="020B0604020202090204"/>
-                <a:sym typeface="Arial" panose="020B0604020202090204"/>
+                <a:latin typeface="Arial" panose="020B0604020202020204"/>
+                <a:ea typeface="Arial" panose="020B0604020202020204"/>
+                <a:cs typeface="Arial" panose="020B0604020202020204"/>
+                <a:sym typeface="Arial" panose="020B0604020202020204"/>
               </a:defRPr>
             </a:lvl1pPr>
             <a:lvl2pPr marL="0" marR="0" lvl="1" indent="0" algn="ctr" rtl="0">
@@ -4566,10 +4538,10 @@
                 <a:solidFill>
                   <a:schemeClr val="dk2"/>
                 </a:solidFill>
-                <a:latin typeface="Arial" panose="020B0604020202090204"/>
-                <a:ea typeface="Arial" panose="020B0604020202090204"/>
-                <a:cs typeface="Arial" panose="020B0604020202090204"/>
-                <a:sym typeface="Arial" panose="020B0604020202090204"/>
+                <a:latin typeface="Arial" panose="020B0604020202020204"/>
+                <a:ea typeface="Arial" panose="020B0604020202020204"/>
+                <a:cs typeface="Arial" panose="020B0604020202020204"/>
+                <a:sym typeface="Arial" panose="020B0604020202020204"/>
               </a:defRPr>
             </a:lvl2pPr>
             <a:lvl3pPr marL="0" marR="0" lvl="2" indent="0" algn="ctr" rtl="0">
@@ -4585,10 +4557,10 @@
                 <a:solidFill>
                   <a:schemeClr val="dk2"/>
                 </a:solidFill>
-                <a:latin typeface="Arial" panose="020B0604020202090204"/>
-                <a:ea typeface="Arial" panose="020B0604020202090204"/>
-                <a:cs typeface="Arial" panose="020B0604020202090204"/>
-                <a:sym typeface="Arial" panose="020B0604020202090204"/>
+                <a:latin typeface="Arial" panose="020B0604020202020204"/>
+                <a:ea typeface="Arial" panose="020B0604020202020204"/>
+                <a:cs typeface="Arial" panose="020B0604020202020204"/>
+                <a:sym typeface="Arial" panose="020B0604020202020204"/>
               </a:defRPr>
             </a:lvl3pPr>
             <a:lvl4pPr marL="0" marR="0" lvl="3" indent="0" algn="ctr" rtl="0">
@@ -4604,10 +4576,10 @@
                 <a:solidFill>
                   <a:schemeClr val="dk2"/>
                 </a:solidFill>
-                <a:latin typeface="Arial" panose="020B0604020202090204"/>
-                <a:ea typeface="Arial" panose="020B0604020202090204"/>
-                <a:cs typeface="Arial" panose="020B0604020202090204"/>
-                <a:sym typeface="Arial" panose="020B0604020202090204"/>
+                <a:latin typeface="Arial" panose="020B0604020202020204"/>
+                <a:ea typeface="Arial" panose="020B0604020202020204"/>
+                <a:cs typeface="Arial" panose="020B0604020202020204"/>
+                <a:sym typeface="Arial" panose="020B0604020202020204"/>
               </a:defRPr>
             </a:lvl4pPr>
             <a:lvl5pPr marL="0" marR="0" lvl="4" indent="0" algn="ctr" rtl="0">
@@ -4623,10 +4595,10 @@
                 <a:solidFill>
                   <a:schemeClr val="dk2"/>
                 </a:solidFill>
-                <a:latin typeface="Arial" panose="020B0604020202090204"/>
-                <a:ea typeface="Arial" panose="020B0604020202090204"/>
-                <a:cs typeface="Arial" panose="020B0604020202090204"/>
-                <a:sym typeface="Arial" panose="020B0604020202090204"/>
+                <a:latin typeface="Arial" panose="020B0604020202020204"/>
+                <a:ea typeface="Arial" panose="020B0604020202020204"/>
+                <a:cs typeface="Arial" panose="020B0604020202020204"/>
+                <a:sym typeface="Arial" panose="020B0604020202020204"/>
               </a:defRPr>
             </a:lvl5pPr>
             <a:lvl6pPr marL="457200" marR="0" lvl="5" indent="0" algn="ctr" rtl="0">
@@ -4642,10 +4614,10 @@
                 <a:solidFill>
                   <a:schemeClr val="dk2"/>
                 </a:solidFill>
-                <a:latin typeface="Arial" panose="020B0604020202090204"/>
-                <a:ea typeface="Arial" panose="020B0604020202090204"/>
-                <a:cs typeface="Arial" panose="020B0604020202090204"/>
-                <a:sym typeface="Arial" panose="020B0604020202090204"/>
+                <a:latin typeface="Arial" panose="020B0604020202020204"/>
+                <a:ea typeface="Arial" panose="020B0604020202020204"/>
+                <a:cs typeface="Arial" panose="020B0604020202020204"/>
+                <a:sym typeface="Arial" panose="020B0604020202020204"/>
               </a:defRPr>
             </a:lvl6pPr>
             <a:lvl7pPr marL="914400" marR="0" lvl="6" indent="0" algn="ctr" rtl="0">
@@ -4661,10 +4633,10 @@
                 <a:solidFill>
                   <a:schemeClr val="dk2"/>
                 </a:solidFill>
-                <a:latin typeface="Arial" panose="020B0604020202090204"/>
-                <a:ea typeface="Arial" panose="020B0604020202090204"/>
-                <a:cs typeface="Arial" panose="020B0604020202090204"/>
-                <a:sym typeface="Arial" panose="020B0604020202090204"/>
+                <a:latin typeface="Arial" panose="020B0604020202020204"/>
+                <a:ea typeface="Arial" panose="020B0604020202020204"/>
+                <a:cs typeface="Arial" panose="020B0604020202020204"/>
+                <a:sym typeface="Arial" panose="020B0604020202020204"/>
               </a:defRPr>
             </a:lvl7pPr>
             <a:lvl8pPr marL="1371600" marR="0" lvl="7" indent="0" algn="ctr" rtl="0">
@@ -4680,10 +4652,10 @@
                 <a:solidFill>
                   <a:schemeClr val="dk2"/>
                 </a:solidFill>
-                <a:latin typeface="Arial" panose="020B0604020202090204"/>
-                <a:ea typeface="Arial" panose="020B0604020202090204"/>
-                <a:cs typeface="Arial" panose="020B0604020202090204"/>
-                <a:sym typeface="Arial" panose="020B0604020202090204"/>
+                <a:latin typeface="Arial" panose="020B0604020202020204"/>
+                <a:ea typeface="Arial" panose="020B0604020202020204"/>
+                <a:cs typeface="Arial" panose="020B0604020202020204"/>
+                <a:sym typeface="Arial" panose="020B0604020202020204"/>
               </a:defRPr>
             </a:lvl8pPr>
             <a:lvl9pPr marL="1828800" marR="0" lvl="8" indent="0" algn="ctr" rtl="0">
@@ -4699,16 +4671,14 @@
                 <a:solidFill>
                   <a:schemeClr val="dk2"/>
                 </a:solidFill>
-                <a:latin typeface="Arial" panose="020B0604020202090204"/>
-                <a:ea typeface="Arial" panose="020B0604020202090204"/>
-                <a:cs typeface="Arial" panose="020B0604020202090204"/>
-                <a:sym typeface="Arial" panose="020B0604020202090204"/>
+                <a:latin typeface="Arial" panose="020B0604020202020204"/>
+                <a:ea typeface="Arial" panose="020B0604020202020204"/>
+                <a:cs typeface="Arial" panose="020B0604020202020204"/>
+                <a:sym typeface="Arial" panose="020B0604020202020204"/>
               </a:defRPr>
             </a:lvl9pPr>
           </a:lstStyle>
-          <a:p>
-            <a:endParaRPr/>
-          </a:p>
+          <a:p/>
         </p:txBody>
       </p:sp>
       <p:sp>
@@ -4750,16 +4720,16 @@
                 <a:schemeClr val="dk1"/>
               </a:buClr>
               <a:buSzPts val="3200"/>
-              <a:buFont typeface="Arial" panose="020B0604020202090204"/>
+              <a:buFont typeface="Arial" panose="020B0604020202020204"/>
               <a:buChar char="•"/>
               <a:defRPr sz="3200" b="0" i="0" u="none" strike="noStrike" cap="none">
                 <a:solidFill>
                   <a:schemeClr val="dk1"/>
                 </a:solidFill>
-                <a:latin typeface="Arial" panose="020B0604020202090204"/>
-                <a:ea typeface="Arial" panose="020B0604020202090204"/>
-                <a:cs typeface="Arial" panose="020B0604020202090204"/>
-                <a:sym typeface="Arial" panose="020B0604020202090204"/>
+                <a:latin typeface="Arial" panose="020B0604020202020204"/>
+                <a:ea typeface="Arial" panose="020B0604020202020204"/>
+                <a:cs typeface="Arial" panose="020B0604020202020204"/>
+                <a:sym typeface="Arial" panose="020B0604020202020204"/>
               </a:defRPr>
             </a:lvl1pPr>
             <a:lvl2pPr marL="914400" marR="0" lvl="1" indent="-406400" algn="l" rtl="0">
@@ -4773,16 +4743,16 @@
                 <a:schemeClr val="dk1"/>
               </a:buClr>
               <a:buSzPts val="2800"/>
-              <a:buFont typeface="Arial" panose="020B0604020202090204"/>
+              <a:buFont typeface="Arial" panose="020B0604020202020204"/>
               <a:buChar char="–"/>
               <a:defRPr sz="2800" b="0" i="0" u="none" strike="noStrike" cap="none">
                 <a:solidFill>
                   <a:schemeClr val="dk1"/>
                 </a:solidFill>
-                <a:latin typeface="Arial" panose="020B0604020202090204"/>
-                <a:ea typeface="Arial" panose="020B0604020202090204"/>
-                <a:cs typeface="Arial" panose="020B0604020202090204"/>
-                <a:sym typeface="Arial" panose="020B0604020202090204"/>
+                <a:latin typeface="Arial" panose="020B0604020202020204"/>
+                <a:ea typeface="Arial" panose="020B0604020202020204"/>
+                <a:cs typeface="Arial" panose="020B0604020202020204"/>
+                <a:sym typeface="Arial" panose="020B0604020202020204"/>
               </a:defRPr>
             </a:lvl2pPr>
             <a:lvl3pPr marL="1371600" marR="0" lvl="2" indent="-381000" algn="l" rtl="0">
@@ -4796,16 +4766,16 @@
                 <a:schemeClr val="dk1"/>
               </a:buClr>
               <a:buSzPts val="2400"/>
-              <a:buFont typeface="Arial" panose="020B0604020202090204"/>
+              <a:buFont typeface="Arial" panose="020B0604020202020204"/>
               <a:buChar char="•"/>
               <a:defRPr sz="2400" b="0" i="0" u="none" strike="noStrike" cap="none">
                 <a:solidFill>
                   <a:schemeClr val="dk1"/>
                 </a:solidFill>
-                <a:latin typeface="Arial" panose="020B0604020202090204"/>
-                <a:ea typeface="Arial" panose="020B0604020202090204"/>
-                <a:cs typeface="Arial" panose="020B0604020202090204"/>
-                <a:sym typeface="Arial" panose="020B0604020202090204"/>
+                <a:latin typeface="Arial" panose="020B0604020202020204"/>
+                <a:ea typeface="Arial" panose="020B0604020202020204"/>
+                <a:cs typeface="Arial" panose="020B0604020202020204"/>
+                <a:sym typeface="Arial" panose="020B0604020202020204"/>
               </a:defRPr>
             </a:lvl3pPr>
             <a:lvl4pPr marL="1828800" marR="0" lvl="3" indent="-355600" algn="l" rtl="0">
@@ -4819,16 +4789,16 @@
                 <a:schemeClr val="dk1"/>
               </a:buClr>
               <a:buSzPts val="2000"/>
-              <a:buFont typeface="Arial" panose="020B0604020202090204"/>
+              <a:buFont typeface="Arial" panose="020B0604020202020204"/>
               <a:buChar char="–"/>
               <a:defRPr sz="2000" b="0" i="0" u="none" strike="noStrike" cap="none">
                 <a:solidFill>
                   <a:schemeClr val="dk1"/>
                 </a:solidFill>
-                <a:latin typeface="Arial" panose="020B0604020202090204"/>
-                <a:ea typeface="Arial" panose="020B0604020202090204"/>
-                <a:cs typeface="Arial" panose="020B0604020202090204"/>
-                <a:sym typeface="Arial" panose="020B0604020202090204"/>
+                <a:latin typeface="Arial" panose="020B0604020202020204"/>
+                <a:ea typeface="Arial" panose="020B0604020202020204"/>
+                <a:cs typeface="Arial" panose="020B0604020202020204"/>
+                <a:sym typeface="Arial" panose="020B0604020202020204"/>
               </a:defRPr>
             </a:lvl4pPr>
             <a:lvl5pPr marL="2286000" marR="0" lvl="4" indent="-355600" algn="l" rtl="0">
@@ -4842,16 +4812,16 @@
                 <a:schemeClr val="dk1"/>
               </a:buClr>
               <a:buSzPts val="2000"/>
-              <a:buFont typeface="Arial" panose="020B0604020202090204"/>
+              <a:buFont typeface="Arial" panose="020B0604020202020204"/>
               <a:buChar char="»"/>
               <a:defRPr sz="2000" b="0" i="0" u="none" strike="noStrike" cap="none">
                 <a:solidFill>
                   <a:schemeClr val="dk1"/>
                 </a:solidFill>
-                <a:latin typeface="Arial" panose="020B0604020202090204"/>
-                <a:ea typeface="Arial" panose="020B0604020202090204"/>
-                <a:cs typeface="Arial" panose="020B0604020202090204"/>
-                <a:sym typeface="Arial" panose="020B0604020202090204"/>
+                <a:latin typeface="Arial" panose="020B0604020202020204"/>
+                <a:ea typeface="Arial" panose="020B0604020202020204"/>
+                <a:cs typeface="Arial" panose="020B0604020202020204"/>
+                <a:sym typeface="Arial" panose="020B0604020202020204"/>
               </a:defRPr>
             </a:lvl5pPr>
             <a:lvl6pPr marL="2743200" marR="0" lvl="5" indent="-355600" algn="l" rtl="0">
@@ -4865,16 +4835,16 @@
                 <a:schemeClr val="dk1"/>
               </a:buClr>
               <a:buSzPts val="2000"/>
-              <a:buFont typeface="Arial" panose="020B0604020202090204"/>
+              <a:buFont typeface="Arial" panose="020B0604020202020204"/>
               <a:buChar char="»"/>
               <a:defRPr sz="2000" b="0" i="0" u="none" strike="noStrike" cap="none">
                 <a:solidFill>
                   <a:schemeClr val="dk1"/>
                 </a:solidFill>
-                <a:latin typeface="Arial" panose="020B0604020202090204"/>
-                <a:ea typeface="Arial" panose="020B0604020202090204"/>
-                <a:cs typeface="Arial" panose="020B0604020202090204"/>
-                <a:sym typeface="Arial" panose="020B0604020202090204"/>
+                <a:latin typeface="Arial" panose="020B0604020202020204"/>
+                <a:ea typeface="Arial" panose="020B0604020202020204"/>
+                <a:cs typeface="Arial" panose="020B0604020202020204"/>
+                <a:sym typeface="Arial" panose="020B0604020202020204"/>
               </a:defRPr>
             </a:lvl6pPr>
             <a:lvl7pPr marL="3200400" marR="0" lvl="6" indent="-355600" algn="l" rtl="0">
@@ -4888,16 +4858,16 @@
                 <a:schemeClr val="dk1"/>
               </a:buClr>
               <a:buSzPts val="2000"/>
-              <a:buFont typeface="Arial" panose="020B0604020202090204"/>
+              <a:buFont typeface="Arial" panose="020B0604020202020204"/>
               <a:buChar char="»"/>
               <a:defRPr sz="2000" b="0" i="0" u="none" strike="noStrike" cap="none">
                 <a:solidFill>
                   <a:schemeClr val="dk1"/>
                 </a:solidFill>
-                <a:latin typeface="Arial" panose="020B0604020202090204"/>
-                <a:ea typeface="Arial" panose="020B0604020202090204"/>
-                <a:cs typeface="Arial" panose="020B0604020202090204"/>
-                <a:sym typeface="Arial" panose="020B0604020202090204"/>
+                <a:latin typeface="Arial" panose="020B0604020202020204"/>
+                <a:ea typeface="Arial" panose="020B0604020202020204"/>
+                <a:cs typeface="Arial" panose="020B0604020202020204"/>
+                <a:sym typeface="Arial" panose="020B0604020202020204"/>
               </a:defRPr>
             </a:lvl7pPr>
             <a:lvl8pPr marL="3657600" marR="0" lvl="7" indent="-355600" algn="l" rtl="0">
@@ -4911,16 +4881,16 @@
                 <a:schemeClr val="dk1"/>
               </a:buClr>
               <a:buSzPts val="2000"/>
-              <a:buFont typeface="Arial" panose="020B0604020202090204"/>
+              <a:buFont typeface="Arial" panose="020B0604020202020204"/>
               <a:buChar char="»"/>
               <a:defRPr sz="2000" b="0" i="0" u="none" strike="noStrike" cap="none">
                 <a:solidFill>
                   <a:schemeClr val="dk1"/>
                 </a:solidFill>
-                <a:latin typeface="Arial" panose="020B0604020202090204"/>
-                <a:ea typeface="Arial" panose="020B0604020202090204"/>
-                <a:cs typeface="Arial" panose="020B0604020202090204"/>
-                <a:sym typeface="Arial" panose="020B0604020202090204"/>
+                <a:latin typeface="Arial" panose="020B0604020202020204"/>
+                <a:ea typeface="Arial" panose="020B0604020202020204"/>
+                <a:cs typeface="Arial" panose="020B0604020202020204"/>
+                <a:sym typeface="Arial" panose="020B0604020202020204"/>
               </a:defRPr>
             </a:lvl8pPr>
             <a:lvl9pPr marL="4114800" marR="0" lvl="8" indent="-355600" algn="l" rtl="0">
@@ -4934,22 +4904,20 @@
                 <a:schemeClr val="dk1"/>
               </a:buClr>
               <a:buSzPts val="2000"/>
-              <a:buFont typeface="Arial" panose="020B0604020202090204"/>
+              <a:buFont typeface="Arial" panose="020B0604020202020204"/>
               <a:buChar char="»"/>
               <a:defRPr sz="2000" b="0" i="0" u="none" strike="noStrike" cap="none">
                 <a:solidFill>
                   <a:schemeClr val="dk1"/>
                 </a:solidFill>
-                <a:latin typeface="Arial" panose="020B0604020202090204"/>
-                <a:ea typeface="Arial" panose="020B0604020202090204"/>
-                <a:cs typeface="Arial" panose="020B0604020202090204"/>
-                <a:sym typeface="Arial" panose="020B0604020202090204"/>
+                <a:latin typeface="Arial" panose="020B0604020202020204"/>
+                <a:ea typeface="Arial" panose="020B0604020202020204"/>
+                <a:cs typeface="Arial" panose="020B0604020202020204"/>
+                <a:sym typeface="Arial" panose="020B0604020202020204"/>
               </a:defRPr>
             </a:lvl9pPr>
           </a:lstStyle>
-          <a:p>
-            <a:endParaRPr/>
-          </a:p>
+          <a:p/>
         </p:txBody>
       </p:sp>
     </p:spTree>
@@ -4961,7 +4929,7 @@
 </file>
 
 <file path=ppt/slideLayouts/slideLayout15.xml><?xml version="1.0" encoding="utf-8"?>
-<p:sldLayout xmlns:a="http://schemas.openxmlformats.org/drawingml/2006/main" xmlns:r="http://schemas.openxmlformats.org/officeDocument/2006/relationships" xmlns:p="http://schemas.openxmlformats.org/presentationml/2006/main" matchingName="Title Slide" type="title">
+<p:sldLayout xmlns:a="http://schemas.openxmlformats.org/drawingml/2006/main" xmlns:r="http://schemas.openxmlformats.org/officeDocument/2006/relationships" xmlns:p="http://schemas.openxmlformats.org/presentationml/2006/main" type="title" matchingName="Title Slide">
   <p:cSld name="TITLE">
     <p:spTree>
       <p:nvGrpSpPr>
@@ -5018,10 +4986,10 @@
                 <a:solidFill>
                   <a:schemeClr val="dk2"/>
                 </a:solidFill>
-                <a:latin typeface="Arial" panose="020B0604020202090204"/>
-                <a:ea typeface="Arial" panose="020B0604020202090204"/>
-                <a:cs typeface="Arial" panose="020B0604020202090204"/>
-                <a:sym typeface="Arial" panose="020B0604020202090204"/>
+                <a:latin typeface="Arial" panose="020B0604020202020204"/>
+                <a:ea typeface="Arial" panose="020B0604020202020204"/>
+                <a:cs typeface="Arial" panose="020B0604020202020204"/>
+                <a:sym typeface="Arial" panose="020B0604020202020204"/>
               </a:defRPr>
             </a:lvl1pPr>
             <a:lvl2pPr marL="0" marR="0" lvl="1" indent="0" algn="ctr" rtl="0">
@@ -5037,10 +5005,10 @@
                 <a:solidFill>
                   <a:schemeClr val="dk2"/>
                 </a:solidFill>
-                <a:latin typeface="Arial" panose="020B0604020202090204"/>
-                <a:ea typeface="Arial" panose="020B0604020202090204"/>
-                <a:cs typeface="Arial" panose="020B0604020202090204"/>
-                <a:sym typeface="Arial" panose="020B0604020202090204"/>
+                <a:latin typeface="Arial" panose="020B0604020202020204"/>
+                <a:ea typeface="Arial" panose="020B0604020202020204"/>
+                <a:cs typeface="Arial" panose="020B0604020202020204"/>
+                <a:sym typeface="Arial" panose="020B0604020202020204"/>
               </a:defRPr>
             </a:lvl2pPr>
             <a:lvl3pPr marL="0" marR="0" lvl="2" indent="0" algn="ctr" rtl="0">
@@ -5056,10 +5024,10 @@
                 <a:solidFill>
                   <a:schemeClr val="dk2"/>
                 </a:solidFill>
-                <a:latin typeface="Arial" panose="020B0604020202090204"/>
-                <a:ea typeface="Arial" panose="020B0604020202090204"/>
-                <a:cs typeface="Arial" panose="020B0604020202090204"/>
-                <a:sym typeface="Arial" panose="020B0604020202090204"/>
+                <a:latin typeface="Arial" panose="020B0604020202020204"/>
+                <a:ea typeface="Arial" panose="020B0604020202020204"/>
+                <a:cs typeface="Arial" panose="020B0604020202020204"/>
+                <a:sym typeface="Arial" panose="020B0604020202020204"/>
               </a:defRPr>
             </a:lvl3pPr>
             <a:lvl4pPr marL="0" marR="0" lvl="3" indent="0" algn="ctr" rtl="0">
@@ -5075,10 +5043,10 @@
                 <a:solidFill>
                   <a:schemeClr val="dk2"/>
                 </a:solidFill>
-                <a:latin typeface="Arial" panose="020B0604020202090204"/>
-                <a:ea typeface="Arial" panose="020B0604020202090204"/>
-                <a:cs typeface="Arial" panose="020B0604020202090204"/>
-                <a:sym typeface="Arial" panose="020B0604020202090204"/>
+                <a:latin typeface="Arial" panose="020B0604020202020204"/>
+                <a:ea typeface="Arial" panose="020B0604020202020204"/>
+                <a:cs typeface="Arial" panose="020B0604020202020204"/>
+                <a:sym typeface="Arial" panose="020B0604020202020204"/>
               </a:defRPr>
             </a:lvl4pPr>
             <a:lvl5pPr marL="0" marR="0" lvl="4" indent="0" algn="ctr" rtl="0">
@@ -5094,10 +5062,10 @@
                 <a:solidFill>
                   <a:schemeClr val="dk2"/>
                 </a:solidFill>
-                <a:latin typeface="Arial" panose="020B0604020202090204"/>
-                <a:ea typeface="Arial" panose="020B0604020202090204"/>
-                <a:cs typeface="Arial" panose="020B0604020202090204"/>
-                <a:sym typeface="Arial" panose="020B0604020202090204"/>
+                <a:latin typeface="Arial" panose="020B0604020202020204"/>
+                <a:ea typeface="Arial" panose="020B0604020202020204"/>
+                <a:cs typeface="Arial" panose="020B0604020202020204"/>
+                <a:sym typeface="Arial" panose="020B0604020202020204"/>
               </a:defRPr>
             </a:lvl5pPr>
             <a:lvl6pPr marL="457200" marR="0" lvl="5" indent="0" algn="ctr" rtl="0">
@@ -5113,10 +5081,10 @@
                 <a:solidFill>
                   <a:schemeClr val="dk2"/>
                 </a:solidFill>
-                <a:latin typeface="Arial" panose="020B0604020202090204"/>
-                <a:ea typeface="Arial" panose="020B0604020202090204"/>
-                <a:cs typeface="Arial" panose="020B0604020202090204"/>
-                <a:sym typeface="Arial" panose="020B0604020202090204"/>
+                <a:latin typeface="Arial" panose="020B0604020202020204"/>
+                <a:ea typeface="Arial" panose="020B0604020202020204"/>
+                <a:cs typeface="Arial" panose="020B0604020202020204"/>
+                <a:sym typeface="Arial" panose="020B0604020202020204"/>
               </a:defRPr>
             </a:lvl6pPr>
             <a:lvl7pPr marL="914400" marR="0" lvl="6" indent="0" algn="ctr" rtl="0">
@@ -5132,10 +5100,10 @@
                 <a:solidFill>
                   <a:schemeClr val="dk2"/>
                 </a:solidFill>
-                <a:latin typeface="Arial" panose="020B0604020202090204"/>
-                <a:ea typeface="Arial" panose="020B0604020202090204"/>
-                <a:cs typeface="Arial" panose="020B0604020202090204"/>
-                <a:sym typeface="Arial" panose="020B0604020202090204"/>
+                <a:latin typeface="Arial" panose="020B0604020202020204"/>
+                <a:ea typeface="Arial" panose="020B0604020202020204"/>
+                <a:cs typeface="Arial" panose="020B0604020202020204"/>
+                <a:sym typeface="Arial" panose="020B0604020202020204"/>
               </a:defRPr>
             </a:lvl7pPr>
             <a:lvl8pPr marL="1371600" marR="0" lvl="7" indent="0" algn="ctr" rtl="0">
@@ -5151,10 +5119,10 @@
                 <a:solidFill>
                   <a:schemeClr val="dk2"/>
                 </a:solidFill>
-                <a:latin typeface="Arial" panose="020B0604020202090204"/>
-                <a:ea typeface="Arial" panose="020B0604020202090204"/>
-                <a:cs typeface="Arial" panose="020B0604020202090204"/>
-                <a:sym typeface="Arial" panose="020B0604020202090204"/>
+                <a:latin typeface="Arial" panose="020B0604020202020204"/>
+                <a:ea typeface="Arial" panose="020B0604020202020204"/>
+                <a:cs typeface="Arial" panose="020B0604020202020204"/>
+                <a:sym typeface="Arial" panose="020B0604020202020204"/>
               </a:defRPr>
             </a:lvl8pPr>
             <a:lvl9pPr marL="1828800" marR="0" lvl="8" indent="0" algn="ctr" rtl="0">
@@ -5170,16 +5138,14 @@
                 <a:solidFill>
                   <a:schemeClr val="dk2"/>
                 </a:solidFill>
-                <a:latin typeface="Arial" panose="020B0604020202090204"/>
-                <a:ea typeface="Arial" panose="020B0604020202090204"/>
-                <a:cs typeface="Arial" panose="020B0604020202090204"/>
-                <a:sym typeface="Arial" panose="020B0604020202090204"/>
+                <a:latin typeface="Arial" panose="020B0604020202020204"/>
+                <a:ea typeface="Arial" panose="020B0604020202020204"/>
+                <a:cs typeface="Arial" panose="020B0604020202020204"/>
+                <a:sym typeface="Arial" panose="020B0604020202020204"/>
               </a:defRPr>
             </a:lvl9pPr>
           </a:lstStyle>
-          <a:p>
-            <a:endParaRPr/>
-          </a:p>
+          <a:p/>
         </p:txBody>
       </p:sp>
       <p:sp>
@@ -5221,16 +5187,16 @@
                 <a:schemeClr val="dk1"/>
               </a:buClr>
               <a:buSzPts val="1400"/>
-              <a:buFont typeface="Arial" panose="020B0604020202090204"/>
+              <a:buFont typeface="Arial" panose="020B0604020202020204"/>
               <a:buNone/>
               <a:defRPr sz="3200" b="0" i="0" u="none" strike="noStrike" cap="none">
                 <a:solidFill>
                   <a:schemeClr val="dk1"/>
                 </a:solidFill>
-                <a:latin typeface="Arial" panose="020B0604020202090204"/>
-                <a:ea typeface="Arial" panose="020B0604020202090204"/>
-                <a:cs typeface="Arial" panose="020B0604020202090204"/>
-                <a:sym typeface="Arial" panose="020B0604020202090204"/>
+                <a:latin typeface="Arial" panose="020B0604020202020204"/>
+                <a:ea typeface="Arial" panose="020B0604020202020204"/>
+                <a:cs typeface="Arial" panose="020B0604020202020204"/>
+                <a:sym typeface="Arial" panose="020B0604020202020204"/>
               </a:defRPr>
             </a:lvl1pPr>
             <a:lvl2pPr marL="457200" marR="0" lvl="1" indent="0" algn="ctr" rtl="0">
@@ -5244,16 +5210,16 @@
                 <a:schemeClr val="dk1"/>
               </a:buClr>
               <a:buSzPts val="1400"/>
-              <a:buFont typeface="Arial" panose="020B0604020202090204"/>
+              <a:buFont typeface="Arial" panose="020B0604020202020204"/>
               <a:buNone/>
               <a:defRPr sz="2800" b="0" i="0" u="none" strike="noStrike" cap="none">
                 <a:solidFill>
                   <a:schemeClr val="dk1"/>
                 </a:solidFill>
-                <a:latin typeface="Arial" panose="020B0604020202090204"/>
-                <a:ea typeface="Arial" panose="020B0604020202090204"/>
-                <a:cs typeface="Arial" panose="020B0604020202090204"/>
-                <a:sym typeface="Arial" panose="020B0604020202090204"/>
+                <a:latin typeface="Arial" panose="020B0604020202020204"/>
+                <a:ea typeface="Arial" panose="020B0604020202020204"/>
+                <a:cs typeface="Arial" panose="020B0604020202020204"/>
+                <a:sym typeface="Arial" panose="020B0604020202020204"/>
               </a:defRPr>
             </a:lvl2pPr>
             <a:lvl3pPr marL="914400" marR="0" lvl="2" indent="0" algn="ctr" rtl="0">
@@ -5267,16 +5233,16 @@
                 <a:schemeClr val="dk1"/>
               </a:buClr>
               <a:buSzPts val="1400"/>
-              <a:buFont typeface="Arial" panose="020B0604020202090204"/>
+              <a:buFont typeface="Arial" panose="020B0604020202020204"/>
               <a:buNone/>
               <a:defRPr sz="2400" b="0" i="0" u="none" strike="noStrike" cap="none">
                 <a:solidFill>
                   <a:schemeClr val="dk1"/>
                 </a:solidFill>
-                <a:latin typeface="Arial" panose="020B0604020202090204"/>
-                <a:ea typeface="Arial" panose="020B0604020202090204"/>
-                <a:cs typeface="Arial" panose="020B0604020202090204"/>
-                <a:sym typeface="Arial" panose="020B0604020202090204"/>
+                <a:latin typeface="Arial" panose="020B0604020202020204"/>
+                <a:ea typeface="Arial" panose="020B0604020202020204"/>
+                <a:cs typeface="Arial" panose="020B0604020202020204"/>
+                <a:sym typeface="Arial" panose="020B0604020202020204"/>
               </a:defRPr>
             </a:lvl3pPr>
             <a:lvl4pPr marL="1371600" marR="0" lvl="3" indent="0" algn="ctr" rtl="0">
@@ -5290,16 +5256,16 @@
                 <a:schemeClr val="dk1"/>
               </a:buClr>
               <a:buSzPts val="1400"/>
-              <a:buFont typeface="Arial" panose="020B0604020202090204"/>
+              <a:buFont typeface="Arial" panose="020B0604020202020204"/>
               <a:buNone/>
               <a:defRPr sz="2000" b="0" i="0" u="none" strike="noStrike" cap="none">
                 <a:solidFill>
                   <a:schemeClr val="dk1"/>
                 </a:solidFill>
-                <a:latin typeface="Arial" panose="020B0604020202090204"/>
-                <a:ea typeface="Arial" panose="020B0604020202090204"/>
-                <a:cs typeface="Arial" panose="020B0604020202090204"/>
-                <a:sym typeface="Arial" panose="020B0604020202090204"/>
+                <a:latin typeface="Arial" panose="020B0604020202020204"/>
+                <a:ea typeface="Arial" panose="020B0604020202020204"/>
+                <a:cs typeface="Arial" panose="020B0604020202020204"/>
+                <a:sym typeface="Arial" panose="020B0604020202020204"/>
               </a:defRPr>
             </a:lvl4pPr>
             <a:lvl5pPr marL="1828800" marR="0" lvl="4" indent="0" algn="ctr" rtl="0">
@@ -5313,16 +5279,16 @@
                 <a:schemeClr val="dk1"/>
               </a:buClr>
               <a:buSzPts val="1400"/>
-              <a:buFont typeface="Arial" panose="020B0604020202090204"/>
+              <a:buFont typeface="Arial" panose="020B0604020202020204"/>
               <a:buNone/>
               <a:defRPr sz="2000" b="0" i="0" u="none" strike="noStrike" cap="none">
                 <a:solidFill>
                   <a:schemeClr val="dk1"/>
                 </a:solidFill>
-                <a:latin typeface="Arial" panose="020B0604020202090204"/>
-                <a:ea typeface="Arial" panose="020B0604020202090204"/>
-                <a:cs typeface="Arial" panose="020B0604020202090204"/>
-                <a:sym typeface="Arial" panose="020B0604020202090204"/>
+                <a:latin typeface="Arial" panose="020B0604020202020204"/>
+                <a:ea typeface="Arial" panose="020B0604020202020204"/>
+                <a:cs typeface="Arial" panose="020B0604020202020204"/>
+                <a:sym typeface="Arial" panose="020B0604020202020204"/>
               </a:defRPr>
             </a:lvl5pPr>
             <a:lvl6pPr marL="2286000" marR="0" lvl="5" indent="0" algn="ctr" rtl="0">
@@ -5336,16 +5302,16 @@
                 <a:schemeClr val="dk1"/>
               </a:buClr>
               <a:buSzPts val="1400"/>
-              <a:buFont typeface="Arial" panose="020B0604020202090204"/>
+              <a:buFont typeface="Arial" panose="020B0604020202020204"/>
               <a:buNone/>
               <a:defRPr sz="2000" b="0" i="0" u="none" strike="noStrike" cap="none">
                 <a:solidFill>
                   <a:schemeClr val="dk1"/>
                 </a:solidFill>
-                <a:latin typeface="Arial" panose="020B0604020202090204"/>
-                <a:ea typeface="Arial" panose="020B0604020202090204"/>
-                <a:cs typeface="Arial" panose="020B0604020202090204"/>
-                <a:sym typeface="Arial" panose="020B0604020202090204"/>
+                <a:latin typeface="Arial" panose="020B0604020202020204"/>
+                <a:ea typeface="Arial" panose="020B0604020202020204"/>
+                <a:cs typeface="Arial" panose="020B0604020202020204"/>
+                <a:sym typeface="Arial" panose="020B0604020202020204"/>
               </a:defRPr>
             </a:lvl6pPr>
             <a:lvl7pPr marL="2743200" marR="0" lvl="6" indent="0" algn="ctr" rtl="0">
@@ -5359,16 +5325,16 @@
                 <a:schemeClr val="dk1"/>
               </a:buClr>
               <a:buSzPts val="1400"/>
-              <a:buFont typeface="Arial" panose="020B0604020202090204"/>
+              <a:buFont typeface="Arial" panose="020B0604020202020204"/>
               <a:buNone/>
               <a:defRPr sz="2000" b="0" i="0" u="none" strike="noStrike" cap="none">
                 <a:solidFill>
                   <a:schemeClr val="dk1"/>
                 </a:solidFill>
-                <a:latin typeface="Arial" panose="020B0604020202090204"/>
-                <a:ea typeface="Arial" panose="020B0604020202090204"/>
-                <a:cs typeface="Arial" panose="020B0604020202090204"/>
-                <a:sym typeface="Arial" panose="020B0604020202090204"/>
+                <a:latin typeface="Arial" panose="020B0604020202020204"/>
+                <a:ea typeface="Arial" panose="020B0604020202020204"/>
+                <a:cs typeface="Arial" panose="020B0604020202020204"/>
+                <a:sym typeface="Arial" panose="020B0604020202020204"/>
               </a:defRPr>
             </a:lvl7pPr>
             <a:lvl8pPr marL="3200400" marR="0" lvl="7" indent="0" algn="ctr" rtl="0">
@@ -5382,16 +5348,16 @@
                 <a:schemeClr val="dk1"/>
               </a:buClr>
               <a:buSzPts val="1400"/>
-              <a:buFont typeface="Arial" panose="020B0604020202090204"/>
+              <a:buFont typeface="Arial" panose="020B0604020202020204"/>
               <a:buNone/>
               <a:defRPr sz="2000" b="0" i="0" u="none" strike="noStrike" cap="none">
                 <a:solidFill>
                   <a:schemeClr val="dk1"/>
                 </a:solidFill>
-                <a:latin typeface="Arial" panose="020B0604020202090204"/>
-                <a:ea typeface="Arial" panose="020B0604020202090204"/>
-                <a:cs typeface="Arial" panose="020B0604020202090204"/>
-                <a:sym typeface="Arial" panose="020B0604020202090204"/>
+                <a:latin typeface="Arial" panose="020B0604020202020204"/>
+                <a:ea typeface="Arial" panose="020B0604020202020204"/>
+                <a:cs typeface="Arial" panose="020B0604020202020204"/>
+                <a:sym typeface="Arial" panose="020B0604020202020204"/>
               </a:defRPr>
             </a:lvl8pPr>
             <a:lvl9pPr marL="3657600" marR="0" lvl="8" indent="0" algn="ctr" rtl="0">
@@ -5405,22 +5371,20 @@
                 <a:schemeClr val="dk1"/>
               </a:buClr>
               <a:buSzPts val="1400"/>
-              <a:buFont typeface="Arial" panose="020B0604020202090204"/>
+              <a:buFont typeface="Arial" panose="020B0604020202020204"/>
               <a:buNone/>
               <a:defRPr sz="2000" b="0" i="0" u="none" strike="noStrike" cap="none">
                 <a:solidFill>
                   <a:schemeClr val="dk1"/>
                 </a:solidFill>
-                <a:latin typeface="Arial" panose="020B0604020202090204"/>
-                <a:ea typeface="Arial" panose="020B0604020202090204"/>
-                <a:cs typeface="Arial" panose="020B0604020202090204"/>
-                <a:sym typeface="Arial" panose="020B0604020202090204"/>
+                <a:latin typeface="Arial" panose="020B0604020202020204"/>
+                <a:ea typeface="Arial" panose="020B0604020202020204"/>
+                <a:cs typeface="Arial" panose="020B0604020202020204"/>
+                <a:sym typeface="Arial" panose="020B0604020202020204"/>
               </a:defRPr>
             </a:lvl9pPr>
           </a:lstStyle>
-          <a:p>
-            <a:endParaRPr/>
-          </a:p>
+          <a:p/>
         </p:txBody>
       </p:sp>
     </p:spTree>
@@ -5432,7 +5396,7 @@
 </file>
 
 <file path=ppt/slideLayouts/slideLayout2.xml><?xml version="1.0" encoding="utf-8"?>
-<p:sldLayout xmlns:a="http://schemas.openxmlformats.org/drawingml/2006/main" xmlns:r="http://schemas.openxmlformats.org/officeDocument/2006/relationships" xmlns:p="http://schemas.openxmlformats.org/presentationml/2006/main" matchingName="Title, Text, and Content" type="txAndObj">
+<p:sldLayout xmlns:a="http://schemas.openxmlformats.org/drawingml/2006/main" xmlns:r="http://schemas.openxmlformats.org/officeDocument/2006/relationships" xmlns:p="http://schemas.openxmlformats.org/presentationml/2006/main" type="txAndObj" matchingName="Title, Text, and Content">
   <p:cSld name="TEXT_AND_OBJECT">
     <p:spTree>
       <p:nvGrpSpPr>
@@ -5489,10 +5453,10 @@
                 <a:solidFill>
                   <a:schemeClr val="dk2"/>
                 </a:solidFill>
-                <a:latin typeface="Arial" panose="020B0604020202090204"/>
-                <a:ea typeface="Arial" panose="020B0604020202090204"/>
-                <a:cs typeface="Arial" panose="020B0604020202090204"/>
-                <a:sym typeface="Arial" panose="020B0604020202090204"/>
+                <a:latin typeface="Arial" panose="020B0604020202020204"/>
+                <a:ea typeface="Arial" panose="020B0604020202020204"/>
+                <a:cs typeface="Arial" panose="020B0604020202020204"/>
+                <a:sym typeface="Arial" panose="020B0604020202020204"/>
               </a:defRPr>
             </a:lvl1pPr>
             <a:lvl2pPr marL="0" marR="0" lvl="1" indent="0" algn="ctr" rtl="0">
@@ -5508,10 +5472,10 @@
                 <a:solidFill>
                   <a:schemeClr val="dk2"/>
                 </a:solidFill>
-                <a:latin typeface="Arial" panose="020B0604020202090204"/>
-                <a:ea typeface="Arial" panose="020B0604020202090204"/>
-                <a:cs typeface="Arial" panose="020B0604020202090204"/>
-                <a:sym typeface="Arial" panose="020B0604020202090204"/>
+                <a:latin typeface="Arial" panose="020B0604020202020204"/>
+                <a:ea typeface="Arial" panose="020B0604020202020204"/>
+                <a:cs typeface="Arial" panose="020B0604020202020204"/>
+                <a:sym typeface="Arial" panose="020B0604020202020204"/>
               </a:defRPr>
             </a:lvl2pPr>
             <a:lvl3pPr marL="0" marR="0" lvl="2" indent="0" algn="ctr" rtl="0">
@@ -5527,10 +5491,10 @@
                 <a:solidFill>
                   <a:schemeClr val="dk2"/>
                 </a:solidFill>
-                <a:latin typeface="Arial" panose="020B0604020202090204"/>
-                <a:ea typeface="Arial" panose="020B0604020202090204"/>
-                <a:cs typeface="Arial" panose="020B0604020202090204"/>
-                <a:sym typeface="Arial" panose="020B0604020202090204"/>
+                <a:latin typeface="Arial" panose="020B0604020202020204"/>
+                <a:ea typeface="Arial" panose="020B0604020202020204"/>
+                <a:cs typeface="Arial" panose="020B0604020202020204"/>
+                <a:sym typeface="Arial" panose="020B0604020202020204"/>
               </a:defRPr>
             </a:lvl3pPr>
             <a:lvl4pPr marL="0" marR="0" lvl="3" indent="0" algn="ctr" rtl="0">
@@ -5546,10 +5510,10 @@
                 <a:solidFill>
                   <a:schemeClr val="dk2"/>
                 </a:solidFill>
-                <a:latin typeface="Arial" panose="020B0604020202090204"/>
-                <a:ea typeface="Arial" panose="020B0604020202090204"/>
-                <a:cs typeface="Arial" panose="020B0604020202090204"/>
-                <a:sym typeface="Arial" panose="020B0604020202090204"/>
+                <a:latin typeface="Arial" panose="020B0604020202020204"/>
+                <a:ea typeface="Arial" panose="020B0604020202020204"/>
+                <a:cs typeface="Arial" panose="020B0604020202020204"/>
+                <a:sym typeface="Arial" panose="020B0604020202020204"/>
               </a:defRPr>
             </a:lvl4pPr>
             <a:lvl5pPr marL="0" marR="0" lvl="4" indent="0" algn="ctr" rtl="0">
@@ -5565,10 +5529,10 @@
                 <a:solidFill>
                   <a:schemeClr val="dk2"/>
                 </a:solidFill>
-                <a:latin typeface="Arial" panose="020B0604020202090204"/>
-                <a:ea typeface="Arial" panose="020B0604020202090204"/>
-                <a:cs typeface="Arial" panose="020B0604020202090204"/>
-                <a:sym typeface="Arial" panose="020B0604020202090204"/>
+                <a:latin typeface="Arial" panose="020B0604020202020204"/>
+                <a:ea typeface="Arial" panose="020B0604020202020204"/>
+                <a:cs typeface="Arial" panose="020B0604020202020204"/>
+                <a:sym typeface="Arial" panose="020B0604020202020204"/>
               </a:defRPr>
             </a:lvl5pPr>
             <a:lvl6pPr marL="457200" marR="0" lvl="5" indent="0" algn="ctr" rtl="0">
@@ -5584,10 +5548,10 @@
                 <a:solidFill>
                   <a:schemeClr val="dk2"/>
                 </a:solidFill>
-                <a:latin typeface="Arial" panose="020B0604020202090204"/>
-                <a:ea typeface="Arial" panose="020B0604020202090204"/>
-                <a:cs typeface="Arial" panose="020B0604020202090204"/>
-                <a:sym typeface="Arial" panose="020B0604020202090204"/>
+                <a:latin typeface="Arial" panose="020B0604020202020204"/>
+                <a:ea typeface="Arial" panose="020B0604020202020204"/>
+                <a:cs typeface="Arial" panose="020B0604020202020204"/>
+                <a:sym typeface="Arial" panose="020B0604020202020204"/>
               </a:defRPr>
             </a:lvl6pPr>
             <a:lvl7pPr marL="914400" marR="0" lvl="6" indent="0" algn="ctr" rtl="0">
@@ -5603,10 +5567,10 @@
                 <a:solidFill>
                   <a:schemeClr val="dk2"/>
                 </a:solidFill>
-                <a:latin typeface="Arial" panose="020B0604020202090204"/>
-                <a:ea typeface="Arial" panose="020B0604020202090204"/>
-                <a:cs typeface="Arial" panose="020B0604020202090204"/>
-                <a:sym typeface="Arial" panose="020B0604020202090204"/>
+                <a:latin typeface="Arial" panose="020B0604020202020204"/>
+                <a:ea typeface="Arial" panose="020B0604020202020204"/>
+                <a:cs typeface="Arial" panose="020B0604020202020204"/>
+                <a:sym typeface="Arial" panose="020B0604020202020204"/>
               </a:defRPr>
             </a:lvl7pPr>
             <a:lvl8pPr marL="1371600" marR="0" lvl="7" indent="0" algn="ctr" rtl="0">
@@ -5622,10 +5586,10 @@
                 <a:solidFill>
                   <a:schemeClr val="dk2"/>
                 </a:solidFill>
-                <a:latin typeface="Arial" panose="020B0604020202090204"/>
-                <a:ea typeface="Arial" panose="020B0604020202090204"/>
-                <a:cs typeface="Arial" panose="020B0604020202090204"/>
-                <a:sym typeface="Arial" panose="020B0604020202090204"/>
+                <a:latin typeface="Arial" panose="020B0604020202020204"/>
+                <a:ea typeface="Arial" panose="020B0604020202020204"/>
+                <a:cs typeface="Arial" panose="020B0604020202020204"/>
+                <a:sym typeface="Arial" panose="020B0604020202020204"/>
               </a:defRPr>
             </a:lvl8pPr>
             <a:lvl9pPr marL="1828800" marR="0" lvl="8" indent="0" algn="ctr" rtl="0">
@@ -5641,16 +5605,14 @@
                 <a:solidFill>
                   <a:schemeClr val="dk2"/>
                 </a:solidFill>
-                <a:latin typeface="Arial" panose="020B0604020202090204"/>
-                <a:ea typeface="Arial" panose="020B0604020202090204"/>
-                <a:cs typeface="Arial" panose="020B0604020202090204"/>
-                <a:sym typeface="Arial" panose="020B0604020202090204"/>
+                <a:latin typeface="Arial" panose="020B0604020202020204"/>
+                <a:ea typeface="Arial" panose="020B0604020202020204"/>
+                <a:cs typeface="Arial" panose="020B0604020202020204"/>
+                <a:sym typeface="Arial" panose="020B0604020202020204"/>
               </a:defRPr>
             </a:lvl9pPr>
           </a:lstStyle>
-          <a:p>
-            <a:endParaRPr/>
-          </a:p>
+          <a:p/>
         </p:txBody>
       </p:sp>
       <p:sp>
@@ -5692,16 +5654,16 @@
                 <a:schemeClr val="dk1"/>
               </a:buClr>
               <a:buSzPts val="3200"/>
-              <a:buFont typeface="Arial" panose="020B0604020202090204"/>
+              <a:buFont typeface="Arial" panose="020B0604020202020204"/>
               <a:buChar char="•"/>
               <a:defRPr sz="3200" b="0" i="0" u="none" strike="noStrike" cap="none">
                 <a:solidFill>
                   <a:schemeClr val="dk1"/>
                 </a:solidFill>
-                <a:latin typeface="Arial" panose="020B0604020202090204"/>
-                <a:ea typeface="Arial" panose="020B0604020202090204"/>
-                <a:cs typeface="Arial" panose="020B0604020202090204"/>
-                <a:sym typeface="Arial" panose="020B0604020202090204"/>
+                <a:latin typeface="Arial" panose="020B0604020202020204"/>
+                <a:ea typeface="Arial" panose="020B0604020202020204"/>
+                <a:cs typeface="Arial" panose="020B0604020202020204"/>
+                <a:sym typeface="Arial" panose="020B0604020202020204"/>
               </a:defRPr>
             </a:lvl1pPr>
             <a:lvl2pPr marL="914400" marR="0" lvl="1" indent="-406400" algn="l" rtl="0">
@@ -5715,16 +5677,16 @@
                 <a:schemeClr val="dk1"/>
               </a:buClr>
               <a:buSzPts val="2800"/>
-              <a:buFont typeface="Arial" panose="020B0604020202090204"/>
+              <a:buFont typeface="Arial" panose="020B0604020202020204"/>
               <a:buChar char="–"/>
               <a:defRPr sz="2800" b="0" i="0" u="none" strike="noStrike" cap="none">
                 <a:solidFill>
                   <a:schemeClr val="dk1"/>
                 </a:solidFill>
-                <a:latin typeface="Arial" panose="020B0604020202090204"/>
-                <a:ea typeface="Arial" panose="020B0604020202090204"/>
-                <a:cs typeface="Arial" panose="020B0604020202090204"/>
-                <a:sym typeface="Arial" panose="020B0604020202090204"/>
+                <a:latin typeface="Arial" panose="020B0604020202020204"/>
+                <a:ea typeface="Arial" panose="020B0604020202020204"/>
+                <a:cs typeface="Arial" panose="020B0604020202020204"/>
+                <a:sym typeface="Arial" panose="020B0604020202020204"/>
               </a:defRPr>
             </a:lvl2pPr>
             <a:lvl3pPr marL="1371600" marR="0" lvl="2" indent="-381000" algn="l" rtl="0">
@@ -5738,16 +5700,16 @@
                 <a:schemeClr val="dk1"/>
               </a:buClr>
               <a:buSzPts val="2400"/>
-              <a:buFont typeface="Arial" panose="020B0604020202090204"/>
+              <a:buFont typeface="Arial" panose="020B0604020202020204"/>
               <a:buChar char="•"/>
               <a:defRPr sz="2400" b="0" i="0" u="none" strike="noStrike" cap="none">
                 <a:solidFill>
                   <a:schemeClr val="dk1"/>
                 </a:solidFill>
-                <a:latin typeface="Arial" panose="020B0604020202090204"/>
-                <a:ea typeface="Arial" panose="020B0604020202090204"/>
-                <a:cs typeface="Arial" panose="020B0604020202090204"/>
-                <a:sym typeface="Arial" panose="020B0604020202090204"/>
+                <a:latin typeface="Arial" panose="020B0604020202020204"/>
+                <a:ea typeface="Arial" panose="020B0604020202020204"/>
+                <a:cs typeface="Arial" panose="020B0604020202020204"/>
+                <a:sym typeface="Arial" panose="020B0604020202020204"/>
               </a:defRPr>
             </a:lvl3pPr>
             <a:lvl4pPr marL="1828800" marR="0" lvl="3" indent="-355600" algn="l" rtl="0">
@@ -5761,16 +5723,16 @@
                 <a:schemeClr val="dk1"/>
               </a:buClr>
               <a:buSzPts val="2000"/>
-              <a:buFont typeface="Arial" panose="020B0604020202090204"/>
+              <a:buFont typeface="Arial" panose="020B0604020202020204"/>
               <a:buChar char="–"/>
               <a:defRPr sz="2000" b="0" i="0" u="none" strike="noStrike" cap="none">
                 <a:solidFill>
                   <a:schemeClr val="dk1"/>
                 </a:solidFill>
-                <a:latin typeface="Arial" panose="020B0604020202090204"/>
-                <a:ea typeface="Arial" panose="020B0604020202090204"/>
-                <a:cs typeface="Arial" panose="020B0604020202090204"/>
-                <a:sym typeface="Arial" panose="020B0604020202090204"/>
+                <a:latin typeface="Arial" panose="020B0604020202020204"/>
+                <a:ea typeface="Arial" panose="020B0604020202020204"/>
+                <a:cs typeface="Arial" panose="020B0604020202020204"/>
+                <a:sym typeface="Arial" panose="020B0604020202020204"/>
               </a:defRPr>
             </a:lvl4pPr>
             <a:lvl5pPr marL="2286000" marR="0" lvl="4" indent="-355600" algn="l" rtl="0">
@@ -5784,16 +5746,16 @@
                 <a:schemeClr val="dk1"/>
               </a:buClr>
               <a:buSzPts val="2000"/>
-              <a:buFont typeface="Arial" panose="020B0604020202090204"/>
+              <a:buFont typeface="Arial" panose="020B0604020202020204"/>
               <a:buChar char="»"/>
               <a:defRPr sz="2000" b="0" i="0" u="none" strike="noStrike" cap="none">
                 <a:solidFill>
                   <a:schemeClr val="dk1"/>
                 </a:solidFill>
-                <a:latin typeface="Arial" panose="020B0604020202090204"/>
-                <a:ea typeface="Arial" panose="020B0604020202090204"/>
-                <a:cs typeface="Arial" panose="020B0604020202090204"/>
-                <a:sym typeface="Arial" panose="020B0604020202090204"/>
+                <a:latin typeface="Arial" panose="020B0604020202020204"/>
+                <a:ea typeface="Arial" panose="020B0604020202020204"/>
+                <a:cs typeface="Arial" panose="020B0604020202020204"/>
+                <a:sym typeface="Arial" panose="020B0604020202020204"/>
               </a:defRPr>
             </a:lvl5pPr>
             <a:lvl6pPr marL="2743200" marR="0" lvl="5" indent="-355600" algn="l" rtl="0">
@@ -5807,16 +5769,16 @@
                 <a:schemeClr val="dk1"/>
               </a:buClr>
               <a:buSzPts val="2000"/>
-              <a:buFont typeface="Arial" panose="020B0604020202090204"/>
+              <a:buFont typeface="Arial" panose="020B0604020202020204"/>
               <a:buChar char="»"/>
               <a:defRPr sz="2000" b="0" i="0" u="none" strike="noStrike" cap="none">
                 <a:solidFill>
                   <a:schemeClr val="dk1"/>
                 </a:solidFill>
-                <a:latin typeface="Arial" panose="020B0604020202090204"/>
-                <a:ea typeface="Arial" panose="020B0604020202090204"/>
-                <a:cs typeface="Arial" panose="020B0604020202090204"/>
-                <a:sym typeface="Arial" panose="020B0604020202090204"/>
+                <a:latin typeface="Arial" panose="020B0604020202020204"/>
+                <a:ea typeface="Arial" panose="020B0604020202020204"/>
+                <a:cs typeface="Arial" panose="020B0604020202020204"/>
+                <a:sym typeface="Arial" panose="020B0604020202020204"/>
               </a:defRPr>
             </a:lvl6pPr>
             <a:lvl7pPr marL="3200400" marR="0" lvl="6" indent="-355600" algn="l" rtl="0">
@@ -5830,16 +5792,16 @@
                 <a:schemeClr val="dk1"/>
               </a:buClr>
               <a:buSzPts val="2000"/>
-              <a:buFont typeface="Arial" panose="020B0604020202090204"/>
+              <a:buFont typeface="Arial" panose="020B0604020202020204"/>
               <a:buChar char="»"/>
               <a:defRPr sz="2000" b="0" i="0" u="none" strike="noStrike" cap="none">
                 <a:solidFill>
                   <a:schemeClr val="dk1"/>
                 </a:solidFill>
-                <a:latin typeface="Arial" panose="020B0604020202090204"/>
-                <a:ea typeface="Arial" panose="020B0604020202090204"/>
-                <a:cs typeface="Arial" panose="020B0604020202090204"/>
-                <a:sym typeface="Arial" panose="020B0604020202090204"/>
+                <a:latin typeface="Arial" panose="020B0604020202020204"/>
+                <a:ea typeface="Arial" panose="020B0604020202020204"/>
+                <a:cs typeface="Arial" panose="020B0604020202020204"/>
+                <a:sym typeface="Arial" panose="020B0604020202020204"/>
               </a:defRPr>
             </a:lvl7pPr>
             <a:lvl8pPr marL="3657600" marR="0" lvl="7" indent="-355600" algn="l" rtl="0">
@@ -5853,16 +5815,16 @@
                 <a:schemeClr val="dk1"/>
               </a:buClr>
               <a:buSzPts val="2000"/>
-              <a:buFont typeface="Arial" panose="020B0604020202090204"/>
+              <a:buFont typeface="Arial" panose="020B0604020202020204"/>
               <a:buChar char="»"/>
               <a:defRPr sz="2000" b="0" i="0" u="none" strike="noStrike" cap="none">
                 <a:solidFill>
                   <a:schemeClr val="dk1"/>
                 </a:solidFill>
-                <a:latin typeface="Arial" panose="020B0604020202090204"/>
-                <a:ea typeface="Arial" panose="020B0604020202090204"/>
-                <a:cs typeface="Arial" panose="020B0604020202090204"/>
-                <a:sym typeface="Arial" panose="020B0604020202090204"/>
+                <a:latin typeface="Arial" panose="020B0604020202020204"/>
+                <a:ea typeface="Arial" panose="020B0604020202020204"/>
+                <a:cs typeface="Arial" panose="020B0604020202020204"/>
+                <a:sym typeface="Arial" panose="020B0604020202020204"/>
               </a:defRPr>
             </a:lvl8pPr>
             <a:lvl9pPr marL="4114800" marR="0" lvl="8" indent="-355600" algn="l" rtl="0">
@@ -5876,22 +5838,20 @@
                 <a:schemeClr val="dk1"/>
               </a:buClr>
               <a:buSzPts val="2000"/>
-              <a:buFont typeface="Arial" panose="020B0604020202090204"/>
+              <a:buFont typeface="Arial" panose="020B0604020202020204"/>
               <a:buChar char="»"/>
               <a:defRPr sz="2000" b="0" i="0" u="none" strike="noStrike" cap="none">
                 <a:solidFill>
                   <a:schemeClr val="dk1"/>
                 </a:solidFill>
-                <a:latin typeface="Arial" panose="020B0604020202090204"/>
-                <a:ea typeface="Arial" panose="020B0604020202090204"/>
-                <a:cs typeface="Arial" panose="020B0604020202090204"/>
-                <a:sym typeface="Arial" panose="020B0604020202090204"/>
+                <a:latin typeface="Arial" panose="020B0604020202020204"/>
+                <a:ea typeface="Arial" panose="020B0604020202020204"/>
+                <a:cs typeface="Arial" panose="020B0604020202020204"/>
+                <a:sym typeface="Arial" panose="020B0604020202020204"/>
               </a:defRPr>
             </a:lvl9pPr>
           </a:lstStyle>
-          <a:p>
-            <a:endParaRPr/>
-          </a:p>
+          <a:p/>
         </p:txBody>
       </p:sp>
       <p:sp>
@@ -5933,16 +5893,16 @@
                 <a:schemeClr val="dk1"/>
               </a:buClr>
               <a:buSzPts val="3200"/>
-              <a:buFont typeface="Arial" panose="020B0604020202090204"/>
+              <a:buFont typeface="Arial" panose="020B0604020202020204"/>
               <a:buChar char="•"/>
               <a:defRPr sz="3200" b="0" i="0" u="none" strike="noStrike" cap="none">
                 <a:solidFill>
                   <a:schemeClr val="dk1"/>
                 </a:solidFill>
-                <a:latin typeface="Arial" panose="020B0604020202090204"/>
-                <a:ea typeface="Arial" panose="020B0604020202090204"/>
-                <a:cs typeface="Arial" panose="020B0604020202090204"/>
-                <a:sym typeface="Arial" panose="020B0604020202090204"/>
+                <a:latin typeface="Arial" panose="020B0604020202020204"/>
+                <a:ea typeface="Arial" panose="020B0604020202020204"/>
+                <a:cs typeface="Arial" panose="020B0604020202020204"/>
+                <a:sym typeface="Arial" panose="020B0604020202020204"/>
               </a:defRPr>
             </a:lvl1pPr>
             <a:lvl2pPr marL="914400" marR="0" lvl="1" indent="-406400" algn="l" rtl="0">
@@ -5956,16 +5916,16 @@
                 <a:schemeClr val="dk1"/>
               </a:buClr>
               <a:buSzPts val="2800"/>
-              <a:buFont typeface="Arial" panose="020B0604020202090204"/>
+              <a:buFont typeface="Arial" panose="020B0604020202020204"/>
               <a:buChar char="–"/>
               <a:defRPr sz="2800" b="0" i="0" u="none" strike="noStrike" cap="none">
                 <a:solidFill>
                   <a:schemeClr val="dk1"/>
                 </a:solidFill>
-                <a:latin typeface="Arial" panose="020B0604020202090204"/>
-                <a:ea typeface="Arial" panose="020B0604020202090204"/>
-                <a:cs typeface="Arial" panose="020B0604020202090204"/>
-                <a:sym typeface="Arial" panose="020B0604020202090204"/>
+                <a:latin typeface="Arial" panose="020B0604020202020204"/>
+                <a:ea typeface="Arial" panose="020B0604020202020204"/>
+                <a:cs typeface="Arial" panose="020B0604020202020204"/>
+                <a:sym typeface="Arial" panose="020B0604020202020204"/>
               </a:defRPr>
             </a:lvl2pPr>
             <a:lvl3pPr marL="1371600" marR="0" lvl="2" indent="-381000" algn="l" rtl="0">
@@ -5979,16 +5939,16 @@
                 <a:schemeClr val="dk1"/>
               </a:buClr>
               <a:buSzPts val="2400"/>
-              <a:buFont typeface="Arial" panose="020B0604020202090204"/>
+              <a:buFont typeface="Arial" panose="020B0604020202020204"/>
               <a:buChar char="•"/>
               <a:defRPr sz="2400" b="0" i="0" u="none" strike="noStrike" cap="none">
                 <a:solidFill>
                   <a:schemeClr val="dk1"/>
                 </a:solidFill>
-                <a:latin typeface="Arial" panose="020B0604020202090204"/>
-                <a:ea typeface="Arial" panose="020B0604020202090204"/>
-                <a:cs typeface="Arial" panose="020B0604020202090204"/>
-                <a:sym typeface="Arial" panose="020B0604020202090204"/>
+                <a:latin typeface="Arial" panose="020B0604020202020204"/>
+                <a:ea typeface="Arial" panose="020B0604020202020204"/>
+                <a:cs typeface="Arial" panose="020B0604020202020204"/>
+                <a:sym typeface="Arial" panose="020B0604020202020204"/>
               </a:defRPr>
             </a:lvl3pPr>
             <a:lvl4pPr marL="1828800" marR="0" lvl="3" indent="-355600" algn="l" rtl="0">
@@ -6002,16 +5962,16 @@
                 <a:schemeClr val="dk1"/>
               </a:buClr>
               <a:buSzPts val="2000"/>
-              <a:buFont typeface="Arial" panose="020B0604020202090204"/>
+              <a:buFont typeface="Arial" panose="020B0604020202020204"/>
               <a:buChar char="–"/>
               <a:defRPr sz="2000" b="0" i="0" u="none" strike="noStrike" cap="none">
                 <a:solidFill>
                   <a:schemeClr val="dk1"/>
                 </a:solidFill>
-                <a:latin typeface="Arial" panose="020B0604020202090204"/>
-                <a:ea typeface="Arial" panose="020B0604020202090204"/>
-                <a:cs typeface="Arial" panose="020B0604020202090204"/>
-                <a:sym typeface="Arial" panose="020B0604020202090204"/>
+                <a:latin typeface="Arial" panose="020B0604020202020204"/>
+                <a:ea typeface="Arial" panose="020B0604020202020204"/>
+                <a:cs typeface="Arial" panose="020B0604020202020204"/>
+                <a:sym typeface="Arial" panose="020B0604020202020204"/>
               </a:defRPr>
             </a:lvl4pPr>
             <a:lvl5pPr marL="2286000" marR="0" lvl="4" indent="-355600" algn="l" rtl="0">
@@ -6025,16 +5985,16 @@
                 <a:schemeClr val="dk1"/>
               </a:buClr>
               <a:buSzPts val="2000"/>
-              <a:buFont typeface="Arial" panose="020B0604020202090204"/>
+              <a:buFont typeface="Arial" panose="020B0604020202020204"/>
               <a:buChar char="»"/>
               <a:defRPr sz="2000" b="0" i="0" u="none" strike="noStrike" cap="none">
                 <a:solidFill>
                   <a:schemeClr val="dk1"/>
                 </a:solidFill>
-                <a:latin typeface="Arial" panose="020B0604020202090204"/>
-                <a:ea typeface="Arial" panose="020B0604020202090204"/>
-                <a:cs typeface="Arial" panose="020B0604020202090204"/>
-                <a:sym typeface="Arial" panose="020B0604020202090204"/>
+                <a:latin typeface="Arial" panose="020B0604020202020204"/>
+                <a:ea typeface="Arial" panose="020B0604020202020204"/>
+                <a:cs typeface="Arial" panose="020B0604020202020204"/>
+                <a:sym typeface="Arial" panose="020B0604020202020204"/>
               </a:defRPr>
             </a:lvl5pPr>
             <a:lvl6pPr marL="2743200" marR="0" lvl="5" indent="-355600" algn="l" rtl="0">
@@ -6048,16 +6008,16 @@
                 <a:schemeClr val="dk1"/>
               </a:buClr>
               <a:buSzPts val="2000"/>
-              <a:buFont typeface="Arial" panose="020B0604020202090204"/>
+              <a:buFont typeface="Arial" panose="020B0604020202020204"/>
               <a:buChar char="»"/>
               <a:defRPr sz="2000" b="0" i="0" u="none" strike="noStrike" cap="none">
                 <a:solidFill>
                   <a:schemeClr val="dk1"/>
                 </a:solidFill>
-                <a:latin typeface="Arial" panose="020B0604020202090204"/>
-                <a:ea typeface="Arial" panose="020B0604020202090204"/>
-                <a:cs typeface="Arial" panose="020B0604020202090204"/>
-                <a:sym typeface="Arial" panose="020B0604020202090204"/>
+                <a:latin typeface="Arial" panose="020B0604020202020204"/>
+                <a:ea typeface="Arial" panose="020B0604020202020204"/>
+                <a:cs typeface="Arial" panose="020B0604020202020204"/>
+                <a:sym typeface="Arial" panose="020B0604020202020204"/>
               </a:defRPr>
             </a:lvl6pPr>
             <a:lvl7pPr marL="3200400" marR="0" lvl="6" indent="-355600" algn="l" rtl="0">
@@ -6071,16 +6031,16 @@
                 <a:schemeClr val="dk1"/>
               </a:buClr>
               <a:buSzPts val="2000"/>
-              <a:buFont typeface="Arial" panose="020B0604020202090204"/>
+              <a:buFont typeface="Arial" panose="020B0604020202020204"/>
               <a:buChar char="»"/>
               <a:defRPr sz="2000" b="0" i="0" u="none" strike="noStrike" cap="none">
                 <a:solidFill>
                   <a:schemeClr val="dk1"/>
                 </a:solidFill>
-                <a:latin typeface="Arial" panose="020B0604020202090204"/>
-                <a:ea typeface="Arial" panose="020B0604020202090204"/>
-                <a:cs typeface="Arial" panose="020B0604020202090204"/>
-                <a:sym typeface="Arial" panose="020B0604020202090204"/>
+                <a:latin typeface="Arial" panose="020B0604020202020204"/>
+                <a:ea typeface="Arial" panose="020B0604020202020204"/>
+                <a:cs typeface="Arial" panose="020B0604020202020204"/>
+                <a:sym typeface="Arial" panose="020B0604020202020204"/>
               </a:defRPr>
             </a:lvl7pPr>
             <a:lvl8pPr marL="3657600" marR="0" lvl="7" indent="-355600" algn="l" rtl="0">
@@ -6094,16 +6054,16 @@
                 <a:schemeClr val="dk1"/>
               </a:buClr>
               <a:buSzPts val="2000"/>
-              <a:buFont typeface="Arial" panose="020B0604020202090204"/>
+              <a:buFont typeface="Arial" panose="020B0604020202020204"/>
               <a:buChar char="»"/>
               <a:defRPr sz="2000" b="0" i="0" u="none" strike="noStrike" cap="none">
                 <a:solidFill>
                   <a:schemeClr val="dk1"/>
                 </a:solidFill>
-                <a:latin typeface="Arial" panose="020B0604020202090204"/>
-                <a:ea typeface="Arial" panose="020B0604020202090204"/>
-                <a:cs typeface="Arial" panose="020B0604020202090204"/>
-                <a:sym typeface="Arial" panose="020B0604020202090204"/>
+                <a:latin typeface="Arial" panose="020B0604020202020204"/>
+                <a:ea typeface="Arial" panose="020B0604020202020204"/>
+                <a:cs typeface="Arial" panose="020B0604020202020204"/>
+                <a:sym typeface="Arial" panose="020B0604020202020204"/>
               </a:defRPr>
             </a:lvl8pPr>
             <a:lvl9pPr marL="4114800" marR="0" lvl="8" indent="-355600" algn="l" rtl="0">
@@ -6117,22 +6077,20 @@
                 <a:schemeClr val="dk1"/>
               </a:buClr>
               <a:buSzPts val="2000"/>
-              <a:buFont typeface="Arial" panose="020B0604020202090204"/>
+              <a:buFont typeface="Arial" panose="020B0604020202020204"/>
               <a:buChar char="»"/>
               <a:defRPr sz="2000" b="0" i="0" u="none" strike="noStrike" cap="none">
                 <a:solidFill>
                   <a:schemeClr val="dk1"/>
                 </a:solidFill>
-                <a:latin typeface="Arial" panose="020B0604020202090204"/>
-                <a:ea typeface="Arial" panose="020B0604020202090204"/>
-                <a:cs typeface="Arial" panose="020B0604020202090204"/>
-                <a:sym typeface="Arial" panose="020B0604020202090204"/>
+                <a:latin typeface="Arial" panose="020B0604020202020204"/>
+                <a:ea typeface="Arial" panose="020B0604020202020204"/>
+                <a:cs typeface="Arial" panose="020B0604020202020204"/>
+                <a:sym typeface="Arial" panose="020B0604020202020204"/>
               </a:defRPr>
             </a:lvl9pPr>
           </a:lstStyle>
-          <a:p>
-            <a:endParaRPr/>
-          </a:p>
+          <a:p/>
         </p:txBody>
       </p:sp>
     </p:spTree>
@@ -6144,7 +6102,7 @@
 </file>
 
 <file path=ppt/slideLayouts/slideLayout3.xml><?xml version="1.0" encoding="utf-8"?>
-<p:sldLayout xmlns:a="http://schemas.openxmlformats.org/drawingml/2006/main" xmlns:r="http://schemas.openxmlformats.org/officeDocument/2006/relationships" xmlns:p="http://schemas.openxmlformats.org/presentationml/2006/main" matchingName="Title and 4 Content" type="fourObj">
+<p:sldLayout xmlns:a="http://schemas.openxmlformats.org/drawingml/2006/main" xmlns:r="http://schemas.openxmlformats.org/officeDocument/2006/relationships" xmlns:p="http://schemas.openxmlformats.org/presentationml/2006/main" type="fourObj" matchingName="Title and 4 Content">
   <p:cSld name="FOUR_OBJECTS">
     <p:spTree>
       <p:nvGrpSpPr>
@@ -6201,10 +6159,10 @@
                 <a:solidFill>
                   <a:schemeClr val="dk2"/>
                 </a:solidFill>
-                <a:latin typeface="Arial" panose="020B0604020202090204"/>
-                <a:ea typeface="Arial" panose="020B0604020202090204"/>
-                <a:cs typeface="Arial" panose="020B0604020202090204"/>
-                <a:sym typeface="Arial" panose="020B0604020202090204"/>
+                <a:latin typeface="Arial" panose="020B0604020202020204"/>
+                <a:ea typeface="Arial" panose="020B0604020202020204"/>
+                <a:cs typeface="Arial" panose="020B0604020202020204"/>
+                <a:sym typeface="Arial" panose="020B0604020202020204"/>
               </a:defRPr>
             </a:lvl1pPr>
             <a:lvl2pPr marL="0" marR="0" lvl="1" indent="0" algn="ctr" rtl="0">
@@ -6220,10 +6178,10 @@
                 <a:solidFill>
                   <a:schemeClr val="dk2"/>
                 </a:solidFill>
-                <a:latin typeface="Arial" panose="020B0604020202090204"/>
-                <a:ea typeface="Arial" panose="020B0604020202090204"/>
-                <a:cs typeface="Arial" panose="020B0604020202090204"/>
-                <a:sym typeface="Arial" panose="020B0604020202090204"/>
+                <a:latin typeface="Arial" panose="020B0604020202020204"/>
+                <a:ea typeface="Arial" panose="020B0604020202020204"/>
+                <a:cs typeface="Arial" panose="020B0604020202020204"/>
+                <a:sym typeface="Arial" panose="020B0604020202020204"/>
               </a:defRPr>
             </a:lvl2pPr>
             <a:lvl3pPr marL="0" marR="0" lvl="2" indent="0" algn="ctr" rtl="0">
@@ -6239,10 +6197,10 @@
                 <a:solidFill>
                   <a:schemeClr val="dk2"/>
                 </a:solidFill>
-                <a:latin typeface="Arial" panose="020B0604020202090204"/>
-                <a:ea typeface="Arial" panose="020B0604020202090204"/>
-                <a:cs typeface="Arial" panose="020B0604020202090204"/>
-                <a:sym typeface="Arial" panose="020B0604020202090204"/>
+                <a:latin typeface="Arial" panose="020B0604020202020204"/>
+                <a:ea typeface="Arial" panose="020B0604020202020204"/>
+                <a:cs typeface="Arial" panose="020B0604020202020204"/>
+                <a:sym typeface="Arial" panose="020B0604020202020204"/>
               </a:defRPr>
             </a:lvl3pPr>
             <a:lvl4pPr marL="0" marR="0" lvl="3" indent="0" algn="ctr" rtl="0">
@@ -6258,10 +6216,10 @@
                 <a:solidFill>
                   <a:schemeClr val="dk2"/>
                 </a:solidFill>
-                <a:latin typeface="Arial" panose="020B0604020202090204"/>
-                <a:ea typeface="Arial" panose="020B0604020202090204"/>
-                <a:cs typeface="Arial" panose="020B0604020202090204"/>
-                <a:sym typeface="Arial" panose="020B0604020202090204"/>
+                <a:latin typeface="Arial" panose="020B0604020202020204"/>
+                <a:ea typeface="Arial" panose="020B0604020202020204"/>
+                <a:cs typeface="Arial" panose="020B0604020202020204"/>
+                <a:sym typeface="Arial" panose="020B0604020202020204"/>
               </a:defRPr>
             </a:lvl4pPr>
             <a:lvl5pPr marL="0" marR="0" lvl="4" indent="0" algn="ctr" rtl="0">
@@ -6277,10 +6235,10 @@
                 <a:solidFill>
                   <a:schemeClr val="dk2"/>
                 </a:solidFill>
-                <a:latin typeface="Arial" panose="020B0604020202090204"/>
-                <a:ea typeface="Arial" panose="020B0604020202090204"/>
-                <a:cs typeface="Arial" panose="020B0604020202090204"/>
-                <a:sym typeface="Arial" panose="020B0604020202090204"/>
+                <a:latin typeface="Arial" panose="020B0604020202020204"/>
+                <a:ea typeface="Arial" panose="020B0604020202020204"/>
+                <a:cs typeface="Arial" panose="020B0604020202020204"/>
+                <a:sym typeface="Arial" panose="020B0604020202020204"/>
               </a:defRPr>
             </a:lvl5pPr>
             <a:lvl6pPr marL="457200" marR="0" lvl="5" indent="0" algn="ctr" rtl="0">
@@ -6296,10 +6254,10 @@
                 <a:solidFill>
                   <a:schemeClr val="dk2"/>
                 </a:solidFill>
-                <a:latin typeface="Arial" panose="020B0604020202090204"/>
-                <a:ea typeface="Arial" panose="020B0604020202090204"/>
-                <a:cs typeface="Arial" panose="020B0604020202090204"/>
-                <a:sym typeface="Arial" panose="020B0604020202090204"/>
+                <a:latin typeface="Arial" panose="020B0604020202020204"/>
+                <a:ea typeface="Arial" panose="020B0604020202020204"/>
+                <a:cs typeface="Arial" panose="020B0604020202020204"/>
+                <a:sym typeface="Arial" panose="020B0604020202020204"/>
               </a:defRPr>
             </a:lvl6pPr>
             <a:lvl7pPr marL="914400" marR="0" lvl="6" indent="0" algn="ctr" rtl="0">
@@ -6315,10 +6273,10 @@
                 <a:solidFill>
                   <a:schemeClr val="dk2"/>
                 </a:solidFill>
-                <a:latin typeface="Arial" panose="020B0604020202090204"/>
-                <a:ea typeface="Arial" panose="020B0604020202090204"/>
-                <a:cs typeface="Arial" panose="020B0604020202090204"/>
-                <a:sym typeface="Arial" panose="020B0604020202090204"/>
+                <a:latin typeface="Arial" panose="020B0604020202020204"/>
+                <a:ea typeface="Arial" panose="020B0604020202020204"/>
+                <a:cs typeface="Arial" panose="020B0604020202020204"/>
+                <a:sym typeface="Arial" panose="020B0604020202020204"/>
               </a:defRPr>
             </a:lvl7pPr>
             <a:lvl8pPr marL="1371600" marR="0" lvl="7" indent="0" algn="ctr" rtl="0">
@@ -6334,10 +6292,10 @@
                 <a:solidFill>
                   <a:schemeClr val="dk2"/>
                 </a:solidFill>
-                <a:latin typeface="Arial" panose="020B0604020202090204"/>
-                <a:ea typeface="Arial" panose="020B0604020202090204"/>
-                <a:cs typeface="Arial" panose="020B0604020202090204"/>
-                <a:sym typeface="Arial" panose="020B0604020202090204"/>
+                <a:latin typeface="Arial" panose="020B0604020202020204"/>
+                <a:ea typeface="Arial" panose="020B0604020202020204"/>
+                <a:cs typeface="Arial" panose="020B0604020202020204"/>
+                <a:sym typeface="Arial" panose="020B0604020202020204"/>
               </a:defRPr>
             </a:lvl8pPr>
             <a:lvl9pPr marL="1828800" marR="0" lvl="8" indent="0" algn="ctr" rtl="0">
@@ -6353,16 +6311,14 @@
                 <a:solidFill>
                   <a:schemeClr val="dk2"/>
                 </a:solidFill>
-                <a:latin typeface="Arial" panose="020B0604020202090204"/>
-                <a:ea typeface="Arial" panose="020B0604020202090204"/>
-                <a:cs typeface="Arial" panose="020B0604020202090204"/>
-                <a:sym typeface="Arial" panose="020B0604020202090204"/>
+                <a:latin typeface="Arial" panose="020B0604020202020204"/>
+                <a:ea typeface="Arial" panose="020B0604020202020204"/>
+                <a:cs typeface="Arial" panose="020B0604020202020204"/>
+                <a:sym typeface="Arial" panose="020B0604020202020204"/>
               </a:defRPr>
             </a:lvl9pPr>
           </a:lstStyle>
-          <a:p>
-            <a:endParaRPr/>
-          </a:p>
+          <a:p/>
         </p:txBody>
       </p:sp>
       <p:sp>
@@ -6404,16 +6360,16 @@
                 <a:schemeClr val="dk1"/>
               </a:buClr>
               <a:buSzPts val="3200"/>
-              <a:buFont typeface="Arial" panose="020B0604020202090204"/>
+              <a:buFont typeface="Arial" panose="020B0604020202020204"/>
               <a:buChar char="•"/>
               <a:defRPr sz="3200" b="0" i="0" u="none" strike="noStrike" cap="none">
                 <a:solidFill>
                   <a:schemeClr val="dk1"/>
                 </a:solidFill>
-                <a:latin typeface="Arial" panose="020B0604020202090204"/>
-                <a:ea typeface="Arial" panose="020B0604020202090204"/>
-                <a:cs typeface="Arial" panose="020B0604020202090204"/>
-                <a:sym typeface="Arial" panose="020B0604020202090204"/>
+                <a:latin typeface="Arial" panose="020B0604020202020204"/>
+                <a:ea typeface="Arial" panose="020B0604020202020204"/>
+                <a:cs typeface="Arial" panose="020B0604020202020204"/>
+                <a:sym typeface="Arial" panose="020B0604020202020204"/>
               </a:defRPr>
             </a:lvl1pPr>
             <a:lvl2pPr marL="914400" marR="0" lvl="1" indent="-406400" algn="l" rtl="0">
@@ -6427,16 +6383,16 @@
                 <a:schemeClr val="dk1"/>
               </a:buClr>
               <a:buSzPts val="2800"/>
-              <a:buFont typeface="Arial" panose="020B0604020202090204"/>
+              <a:buFont typeface="Arial" panose="020B0604020202020204"/>
               <a:buChar char="–"/>
               <a:defRPr sz="2800" b="0" i="0" u="none" strike="noStrike" cap="none">
                 <a:solidFill>
                   <a:schemeClr val="dk1"/>
                 </a:solidFill>
-                <a:latin typeface="Arial" panose="020B0604020202090204"/>
-                <a:ea typeface="Arial" panose="020B0604020202090204"/>
-                <a:cs typeface="Arial" panose="020B0604020202090204"/>
-                <a:sym typeface="Arial" panose="020B0604020202090204"/>
+                <a:latin typeface="Arial" panose="020B0604020202020204"/>
+                <a:ea typeface="Arial" panose="020B0604020202020204"/>
+                <a:cs typeface="Arial" panose="020B0604020202020204"/>
+                <a:sym typeface="Arial" panose="020B0604020202020204"/>
               </a:defRPr>
             </a:lvl2pPr>
             <a:lvl3pPr marL="1371600" marR="0" lvl="2" indent="-381000" algn="l" rtl="0">
@@ -6450,16 +6406,16 @@
                 <a:schemeClr val="dk1"/>
               </a:buClr>
               <a:buSzPts val="2400"/>
-              <a:buFont typeface="Arial" panose="020B0604020202090204"/>
+              <a:buFont typeface="Arial" panose="020B0604020202020204"/>
               <a:buChar char="•"/>
               <a:defRPr sz="2400" b="0" i="0" u="none" strike="noStrike" cap="none">
                 <a:solidFill>
                   <a:schemeClr val="dk1"/>
                 </a:solidFill>
-                <a:latin typeface="Arial" panose="020B0604020202090204"/>
-                <a:ea typeface="Arial" panose="020B0604020202090204"/>
-                <a:cs typeface="Arial" panose="020B0604020202090204"/>
-                <a:sym typeface="Arial" panose="020B0604020202090204"/>
+                <a:latin typeface="Arial" panose="020B0604020202020204"/>
+                <a:ea typeface="Arial" panose="020B0604020202020204"/>
+                <a:cs typeface="Arial" panose="020B0604020202020204"/>
+                <a:sym typeface="Arial" panose="020B0604020202020204"/>
               </a:defRPr>
             </a:lvl3pPr>
             <a:lvl4pPr marL="1828800" marR="0" lvl="3" indent="-355600" algn="l" rtl="0">
@@ -6473,16 +6429,16 @@
                 <a:schemeClr val="dk1"/>
               </a:buClr>
               <a:buSzPts val="2000"/>
-              <a:buFont typeface="Arial" panose="020B0604020202090204"/>
+              <a:buFont typeface="Arial" panose="020B0604020202020204"/>
               <a:buChar char="–"/>
               <a:defRPr sz="2000" b="0" i="0" u="none" strike="noStrike" cap="none">
                 <a:solidFill>
                   <a:schemeClr val="dk1"/>
                 </a:solidFill>
-                <a:latin typeface="Arial" panose="020B0604020202090204"/>
-                <a:ea typeface="Arial" panose="020B0604020202090204"/>
-                <a:cs typeface="Arial" panose="020B0604020202090204"/>
-                <a:sym typeface="Arial" panose="020B0604020202090204"/>
+                <a:latin typeface="Arial" panose="020B0604020202020204"/>
+                <a:ea typeface="Arial" panose="020B0604020202020204"/>
+                <a:cs typeface="Arial" panose="020B0604020202020204"/>
+                <a:sym typeface="Arial" panose="020B0604020202020204"/>
               </a:defRPr>
             </a:lvl4pPr>
             <a:lvl5pPr marL="2286000" marR="0" lvl="4" indent="-355600" algn="l" rtl="0">
@@ -6496,16 +6452,16 @@
                 <a:schemeClr val="dk1"/>
               </a:buClr>
               <a:buSzPts val="2000"/>
-              <a:buFont typeface="Arial" panose="020B0604020202090204"/>
+              <a:buFont typeface="Arial" panose="020B0604020202020204"/>
               <a:buChar char="»"/>
               <a:defRPr sz="2000" b="0" i="0" u="none" strike="noStrike" cap="none">
                 <a:solidFill>
                   <a:schemeClr val="dk1"/>
                 </a:solidFill>
-                <a:latin typeface="Arial" panose="020B0604020202090204"/>
-                <a:ea typeface="Arial" panose="020B0604020202090204"/>
-                <a:cs typeface="Arial" panose="020B0604020202090204"/>
-                <a:sym typeface="Arial" panose="020B0604020202090204"/>
+                <a:latin typeface="Arial" panose="020B0604020202020204"/>
+                <a:ea typeface="Arial" panose="020B0604020202020204"/>
+                <a:cs typeface="Arial" panose="020B0604020202020204"/>
+                <a:sym typeface="Arial" panose="020B0604020202020204"/>
               </a:defRPr>
             </a:lvl5pPr>
             <a:lvl6pPr marL="2743200" marR="0" lvl="5" indent="-355600" algn="l" rtl="0">
@@ -6519,16 +6475,16 @@
                 <a:schemeClr val="dk1"/>
               </a:buClr>
               <a:buSzPts val="2000"/>
-              <a:buFont typeface="Arial" panose="020B0604020202090204"/>
+              <a:buFont typeface="Arial" panose="020B0604020202020204"/>
               <a:buChar char="»"/>
               <a:defRPr sz="2000" b="0" i="0" u="none" strike="noStrike" cap="none">
                 <a:solidFill>
                   <a:schemeClr val="dk1"/>
                 </a:solidFill>
-                <a:latin typeface="Arial" panose="020B0604020202090204"/>
-                <a:ea typeface="Arial" panose="020B0604020202090204"/>
-                <a:cs typeface="Arial" panose="020B0604020202090204"/>
-                <a:sym typeface="Arial" panose="020B0604020202090204"/>
+                <a:latin typeface="Arial" panose="020B0604020202020204"/>
+                <a:ea typeface="Arial" panose="020B0604020202020204"/>
+                <a:cs typeface="Arial" panose="020B0604020202020204"/>
+                <a:sym typeface="Arial" panose="020B0604020202020204"/>
               </a:defRPr>
             </a:lvl6pPr>
             <a:lvl7pPr marL="3200400" marR="0" lvl="6" indent="-355600" algn="l" rtl="0">
@@ -6542,16 +6498,16 @@
                 <a:schemeClr val="dk1"/>
               </a:buClr>
               <a:buSzPts val="2000"/>
-              <a:buFont typeface="Arial" panose="020B0604020202090204"/>
+              <a:buFont typeface="Arial" panose="020B0604020202020204"/>
               <a:buChar char="»"/>
               <a:defRPr sz="2000" b="0" i="0" u="none" strike="noStrike" cap="none">
                 <a:solidFill>
                   <a:schemeClr val="dk1"/>
                 </a:solidFill>
-                <a:latin typeface="Arial" panose="020B0604020202090204"/>
-                <a:ea typeface="Arial" panose="020B0604020202090204"/>
-                <a:cs typeface="Arial" panose="020B0604020202090204"/>
-                <a:sym typeface="Arial" panose="020B0604020202090204"/>
+                <a:latin typeface="Arial" panose="020B0604020202020204"/>
+                <a:ea typeface="Arial" panose="020B0604020202020204"/>
+                <a:cs typeface="Arial" panose="020B0604020202020204"/>
+                <a:sym typeface="Arial" panose="020B0604020202020204"/>
               </a:defRPr>
             </a:lvl7pPr>
             <a:lvl8pPr marL="3657600" marR="0" lvl="7" indent="-355600" algn="l" rtl="0">
@@ -6565,16 +6521,16 @@
                 <a:schemeClr val="dk1"/>
               </a:buClr>
               <a:buSzPts val="2000"/>
-              <a:buFont typeface="Arial" panose="020B0604020202090204"/>
+              <a:buFont typeface="Arial" panose="020B0604020202020204"/>
               <a:buChar char="»"/>
               <a:defRPr sz="2000" b="0" i="0" u="none" strike="noStrike" cap="none">
                 <a:solidFill>
                   <a:schemeClr val="dk1"/>
                 </a:solidFill>
-                <a:latin typeface="Arial" panose="020B0604020202090204"/>
-                <a:ea typeface="Arial" panose="020B0604020202090204"/>
-                <a:cs typeface="Arial" panose="020B0604020202090204"/>
-                <a:sym typeface="Arial" panose="020B0604020202090204"/>
+                <a:latin typeface="Arial" panose="020B0604020202020204"/>
+                <a:ea typeface="Arial" panose="020B0604020202020204"/>
+                <a:cs typeface="Arial" panose="020B0604020202020204"/>
+                <a:sym typeface="Arial" panose="020B0604020202020204"/>
               </a:defRPr>
             </a:lvl8pPr>
             <a:lvl9pPr marL="4114800" marR="0" lvl="8" indent="-355600" algn="l" rtl="0">
@@ -6588,22 +6544,20 @@
                 <a:schemeClr val="dk1"/>
               </a:buClr>
               <a:buSzPts val="2000"/>
-              <a:buFont typeface="Arial" panose="020B0604020202090204"/>
+              <a:buFont typeface="Arial" panose="020B0604020202020204"/>
               <a:buChar char="»"/>
               <a:defRPr sz="2000" b="0" i="0" u="none" strike="noStrike" cap="none">
                 <a:solidFill>
                   <a:schemeClr val="dk1"/>
                 </a:solidFill>
-                <a:latin typeface="Arial" panose="020B0604020202090204"/>
-                <a:ea typeface="Arial" panose="020B0604020202090204"/>
-                <a:cs typeface="Arial" panose="020B0604020202090204"/>
-                <a:sym typeface="Arial" panose="020B0604020202090204"/>
+                <a:latin typeface="Arial" panose="020B0604020202020204"/>
+                <a:ea typeface="Arial" panose="020B0604020202020204"/>
+                <a:cs typeface="Arial" panose="020B0604020202020204"/>
+                <a:sym typeface="Arial" panose="020B0604020202020204"/>
               </a:defRPr>
             </a:lvl9pPr>
           </a:lstStyle>
-          <a:p>
-            <a:endParaRPr/>
-          </a:p>
+          <a:p/>
         </p:txBody>
       </p:sp>
       <p:sp>
@@ -6645,16 +6599,16 @@
                 <a:schemeClr val="dk1"/>
               </a:buClr>
               <a:buSzPts val="3200"/>
-              <a:buFont typeface="Arial" panose="020B0604020202090204"/>
+              <a:buFont typeface="Arial" panose="020B0604020202020204"/>
               <a:buChar char="•"/>
               <a:defRPr sz="3200" b="0" i="0" u="none" strike="noStrike" cap="none">
                 <a:solidFill>
                   <a:schemeClr val="dk1"/>
                 </a:solidFill>
-                <a:latin typeface="Arial" panose="020B0604020202090204"/>
-                <a:ea typeface="Arial" panose="020B0604020202090204"/>
-                <a:cs typeface="Arial" panose="020B0604020202090204"/>
-                <a:sym typeface="Arial" panose="020B0604020202090204"/>
+                <a:latin typeface="Arial" panose="020B0604020202020204"/>
+                <a:ea typeface="Arial" panose="020B0604020202020204"/>
+                <a:cs typeface="Arial" panose="020B0604020202020204"/>
+                <a:sym typeface="Arial" panose="020B0604020202020204"/>
               </a:defRPr>
             </a:lvl1pPr>
             <a:lvl2pPr marL="914400" marR="0" lvl="1" indent="-406400" algn="l" rtl="0">
@@ -6668,16 +6622,16 @@
                 <a:schemeClr val="dk1"/>
               </a:buClr>
               <a:buSzPts val="2800"/>
-              <a:buFont typeface="Arial" panose="020B0604020202090204"/>
+              <a:buFont typeface="Arial" panose="020B0604020202020204"/>
               <a:buChar char="–"/>
               <a:defRPr sz="2800" b="0" i="0" u="none" strike="noStrike" cap="none">
                 <a:solidFill>
                   <a:schemeClr val="dk1"/>
                 </a:solidFill>
-                <a:latin typeface="Arial" panose="020B0604020202090204"/>
-                <a:ea typeface="Arial" panose="020B0604020202090204"/>
-                <a:cs typeface="Arial" panose="020B0604020202090204"/>
-                <a:sym typeface="Arial" panose="020B0604020202090204"/>
+                <a:latin typeface="Arial" panose="020B0604020202020204"/>
+                <a:ea typeface="Arial" panose="020B0604020202020204"/>
+                <a:cs typeface="Arial" panose="020B0604020202020204"/>
+                <a:sym typeface="Arial" panose="020B0604020202020204"/>
               </a:defRPr>
             </a:lvl2pPr>
             <a:lvl3pPr marL="1371600" marR="0" lvl="2" indent="-381000" algn="l" rtl="0">
@@ -6691,16 +6645,16 @@
                 <a:schemeClr val="dk1"/>
               </a:buClr>
               <a:buSzPts val="2400"/>
-              <a:buFont typeface="Arial" panose="020B0604020202090204"/>
+              <a:buFont typeface="Arial" panose="020B0604020202020204"/>
               <a:buChar char="•"/>
               <a:defRPr sz="2400" b="0" i="0" u="none" strike="noStrike" cap="none">
                 <a:solidFill>
                   <a:schemeClr val="dk1"/>
                 </a:solidFill>
-                <a:latin typeface="Arial" panose="020B0604020202090204"/>
-                <a:ea typeface="Arial" panose="020B0604020202090204"/>
-                <a:cs typeface="Arial" panose="020B0604020202090204"/>
-                <a:sym typeface="Arial" panose="020B0604020202090204"/>
+                <a:latin typeface="Arial" panose="020B0604020202020204"/>
+                <a:ea typeface="Arial" panose="020B0604020202020204"/>
+                <a:cs typeface="Arial" panose="020B0604020202020204"/>
+                <a:sym typeface="Arial" panose="020B0604020202020204"/>
               </a:defRPr>
             </a:lvl3pPr>
             <a:lvl4pPr marL="1828800" marR="0" lvl="3" indent="-355600" algn="l" rtl="0">
@@ -6714,16 +6668,16 @@
                 <a:schemeClr val="dk1"/>
               </a:buClr>
               <a:buSzPts val="2000"/>
-              <a:buFont typeface="Arial" panose="020B0604020202090204"/>
+              <a:buFont typeface="Arial" panose="020B0604020202020204"/>
               <a:buChar char="–"/>
               <a:defRPr sz="2000" b="0" i="0" u="none" strike="noStrike" cap="none">
                 <a:solidFill>
                   <a:schemeClr val="dk1"/>
                 </a:solidFill>
-                <a:latin typeface="Arial" panose="020B0604020202090204"/>
-                <a:ea typeface="Arial" panose="020B0604020202090204"/>
-                <a:cs typeface="Arial" panose="020B0604020202090204"/>
-                <a:sym typeface="Arial" panose="020B0604020202090204"/>
+                <a:latin typeface="Arial" panose="020B0604020202020204"/>
+                <a:ea typeface="Arial" panose="020B0604020202020204"/>
+                <a:cs typeface="Arial" panose="020B0604020202020204"/>
+                <a:sym typeface="Arial" panose="020B0604020202020204"/>
               </a:defRPr>
             </a:lvl4pPr>
             <a:lvl5pPr marL="2286000" marR="0" lvl="4" indent="-355600" algn="l" rtl="0">
@@ -6737,16 +6691,16 @@
                 <a:schemeClr val="dk1"/>
               </a:buClr>
               <a:buSzPts val="2000"/>
-              <a:buFont typeface="Arial" panose="020B0604020202090204"/>
+              <a:buFont typeface="Arial" panose="020B0604020202020204"/>
               <a:buChar char="»"/>
               <a:defRPr sz="2000" b="0" i="0" u="none" strike="noStrike" cap="none">
                 <a:solidFill>
                   <a:schemeClr val="dk1"/>
                 </a:solidFill>
-                <a:latin typeface="Arial" panose="020B0604020202090204"/>
-                <a:ea typeface="Arial" panose="020B0604020202090204"/>
-                <a:cs typeface="Arial" panose="020B0604020202090204"/>
-                <a:sym typeface="Arial" panose="020B0604020202090204"/>
+                <a:latin typeface="Arial" panose="020B0604020202020204"/>
+                <a:ea typeface="Arial" panose="020B0604020202020204"/>
+                <a:cs typeface="Arial" panose="020B0604020202020204"/>
+                <a:sym typeface="Arial" panose="020B0604020202020204"/>
               </a:defRPr>
             </a:lvl5pPr>
             <a:lvl6pPr marL="2743200" marR="0" lvl="5" indent="-355600" algn="l" rtl="0">
@@ -6760,16 +6714,16 @@
                 <a:schemeClr val="dk1"/>
               </a:buClr>
               <a:buSzPts val="2000"/>
-              <a:buFont typeface="Arial" panose="020B0604020202090204"/>
+              <a:buFont typeface="Arial" panose="020B0604020202020204"/>
               <a:buChar char="»"/>
               <a:defRPr sz="2000" b="0" i="0" u="none" strike="noStrike" cap="none">
                 <a:solidFill>
                   <a:schemeClr val="dk1"/>
                 </a:solidFill>
-                <a:latin typeface="Arial" panose="020B0604020202090204"/>
-                <a:ea typeface="Arial" panose="020B0604020202090204"/>
-                <a:cs typeface="Arial" panose="020B0604020202090204"/>
-                <a:sym typeface="Arial" panose="020B0604020202090204"/>
+                <a:latin typeface="Arial" panose="020B0604020202020204"/>
+                <a:ea typeface="Arial" panose="020B0604020202020204"/>
+                <a:cs typeface="Arial" panose="020B0604020202020204"/>
+                <a:sym typeface="Arial" panose="020B0604020202020204"/>
               </a:defRPr>
             </a:lvl6pPr>
             <a:lvl7pPr marL="3200400" marR="0" lvl="6" indent="-355600" algn="l" rtl="0">
@@ -6783,16 +6737,16 @@
                 <a:schemeClr val="dk1"/>
               </a:buClr>
               <a:buSzPts val="2000"/>
-              <a:buFont typeface="Arial" panose="020B0604020202090204"/>
+              <a:buFont typeface="Arial" panose="020B0604020202020204"/>
               <a:buChar char="»"/>
               <a:defRPr sz="2000" b="0" i="0" u="none" strike="noStrike" cap="none">
                 <a:solidFill>
                   <a:schemeClr val="dk1"/>
                 </a:solidFill>
-                <a:latin typeface="Arial" panose="020B0604020202090204"/>
-                <a:ea typeface="Arial" panose="020B0604020202090204"/>
-                <a:cs typeface="Arial" panose="020B0604020202090204"/>
-                <a:sym typeface="Arial" panose="020B0604020202090204"/>
+                <a:latin typeface="Arial" panose="020B0604020202020204"/>
+                <a:ea typeface="Arial" panose="020B0604020202020204"/>
+                <a:cs typeface="Arial" panose="020B0604020202020204"/>
+                <a:sym typeface="Arial" panose="020B0604020202020204"/>
               </a:defRPr>
             </a:lvl7pPr>
             <a:lvl8pPr marL="3657600" marR="0" lvl="7" indent="-355600" algn="l" rtl="0">
@@ -6806,16 +6760,16 @@
                 <a:schemeClr val="dk1"/>
               </a:buClr>
               <a:buSzPts val="2000"/>
-              <a:buFont typeface="Arial" panose="020B0604020202090204"/>
+              <a:buFont typeface="Arial" panose="020B0604020202020204"/>
               <a:buChar char="»"/>
               <a:defRPr sz="2000" b="0" i="0" u="none" strike="noStrike" cap="none">
                 <a:solidFill>
                   <a:schemeClr val="dk1"/>
                 </a:solidFill>
-                <a:latin typeface="Arial" panose="020B0604020202090204"/>
-                <a:ea typeface="Arial" panose="020B0604020202090204"/>
-                <a:cs typeface="Arial" panose="020B0604020202090204"/>
-                <a:sym typeface="Arial" panose="020B0604020202090204"/>
+                <a:latin typeface="Arial" panose="020B0604020202020204"/>
+                <a:ea typeface="Arial" panose="020B0604020202020204"/>
+                <a:cs typeface="Arial" panose="020B0604020202020204"/>
+                <a:sym typeface="Arial" panose="020B0604020202020204"/>
               </a:defRPr>
             </a:lvl8pPr>
             <a:lvl9pPr marL="4114800" marR="0" lvl="8" indent="-355600" algn="l" rtl="0">
@@ -6829,22 +6783,20 @@
                 <a:schemeClr val="dk1"/>
               </a:buClr>
               <a:buSzPts val="2000"/>
-              <a:buFont typeface="Arial" panose="020B0604020202090204"/>
+              <a:buFont typeface="Arial" panose="020B0604020202020204"/>
               <a:buChar char="»"/>
               <a:defRPr sz="2000" b="0" i="0" u="none" strike="noStrike" cap="none">
                 <a:solidFill>
                   <a:schemeClr val="dk1"/>
                 </a:solidFill>
-                <a:latin typeface="Arial" panose="020B0604020202090204"/>
-                <a:ea typeface="Arial" panose="020B0604020202090204"/>
-                <a:cs typeface="Arial" panose="020B0604020202090204"/>
-                <a:sym typeface="Arial" panose="020B0604020202090204"/>
+                <a:latin typeface="Arial" panose="020B0604020202020204"/>
+                <a:ea typeface="Arial" panose="020B0604020202020204"/>
+                <a:cs typeface="Arial" panose="020B0604020202020204"/>
+                <a:sym typeface="Arial" panose="020B0604020202020204"/>
               </a:defRPr>
             </a:lvl9pPr>
           </a:lstStyle>
-          <a:p>
-            <a:endParaRPr/>
-          </a:p>
+          <a:p/>
         </p:txBody>
       </p:sp>
       <p:sp>
@@ -6886,16 +6838,16 @@
                 <a:schemeClr val="dk1"/>
               </a:buClr>
               <a:buSzPts val="3200"/>
-              <a:buFont typeface="Arial" panose="020B0604020202090204"/>
+              <a:buFont typeface="Arial" panose="020B0604020202020204"/>
               <a:buChar char="•"/>
               <a:defRPr sz="3200" b="0" i="0" u="none" strike="noStrike" cap="none">
                 <a:solidFill>
                   <a:schemeClr val="dk1"/>
                 </a:solidFill>
-                <a:latin typeface="Arial" panose="020B0604020202090204"/>
-                <a:ea typeface="Arial" panose="020B0604020202090204"/>
-                <a:cs typeface="Arial" panose="020B0604020202090204"/>
-                <a:sym typeface="Arial" panose="020B0604020202090204"/>
+                <a:latin typeface="Arial" panose="020B0604020202020204"/>
+                <a:ea typeface="Arial" panose="020B0604020202020204"/>
+                <a:cs typeface="Arial" panose="020B0604020202020204"/>
+                <a:sym typeface="Arial" panose="020B0604020202020204"/>
               </a:defRPr>
             </a:lvl1pPr>
             <a:lvl2pPr marL="914400" marR="0" lvl="1" indent="-406400" algn="l" rtl="0">
@@ -6909,16 +6861,16 @@
                 <a:schemeClr val="dk1"/>
               </a:buClr>
               <a:buSzPts val="2800"/>
-              <a:buFont typeface="Arial" panose="020B0604020202090204"/>
+              <a:buFont typeface="Arial" panose="020B0604020202020204"/>
               <a:buChar char="–"/>
               <a:defRPr sz="2800" b="0" i="0" u="none" strike="noStrike" cap="none">
                 <a:solidFill>
                   <a:schemeClr val="dk1"/>
                 </a:solidFill>
-                <a:latin typeface="Arial" panose="020B0604020202090204"/>
-                <a:ea typeface="Arial" panose="020B0604020202090204"/>
-                <a:cs typeface="Arial" panose="020B0604020202090204"/>
-                <a:sym typeface="Arial" panose="020B0604020202090204"/>
+                <a:latin typeface="Arial" panose="020B0604020202020204"/>
+                <a:ea typeface="Arial" panose="020B0604020202020204"/>
+                <a:cs typeface="Arial" panose="020B0604020202020204"/>
+                <a:sym typeface="Arial" panose="020B0604020202020204"/>
               </a:defRPr>
             </a:lvl2pPr>
             <a:lvl3pPr marL="1371600" marR="0" lvl="2" indent="-381000" algn="l" rtl="0">
@@ -6932,16 +6884,16 @@
                 <a:schemeClr val="dk1"/>
               </a:buClr>
               <a:buSzPts val="2400"/>
-              <a:buFont typeface="Arial" panose="020B0604020202090204"/>
+              <a:buFont typeface="Arial" panose="020B0604020202020204"/>
               <a:buChar char="•"/>
               <a:defRPr sz="2400" b="0" i="0" u="none" strike="noStrike" cap="none">
                 <a:solidFill>
                   <a:schemeClr val="dk1"/>
                 </a:solidFill>
-                <a:latin typeface="Arial" panose="020B0604020202090204"/>
-                <a:ea typeface="Arial" panose="020B0604020202090204"/>
-                <a:cs typeface="Arial" panose="020B0604020202090204"/>
-                <a:sym typeface="Arial" panose="020B0604020202090204"/>
+                <a:latin typeface="Arial" panose="020B0604020202020204"/>
+                <a:ea typeface="Arial" panose="020B0604020202020204"/>
+                <a:cs typeface="Arial" panose="020B0604020202020204"/>
+                <a:sym typeface="Arial" panose="020B0604020202020204"/>
               </a:defRPr>
             </a:lvl3pPr>
             <a:lvl4pPr marL="1828800" marR="0" lvl="3" indent="-355600" algn="l" rtl="0">
@@ -6955,16 +6907,16 @@
                 <a:schemeClr val="dk1"/>
               </a:buClr>
               <a:buSzPts val="2000"/>
-              <a:buFont typeface="Arial" panose="020B0604020202090204"/>
+              <a:buFont typeface="Arial" panose="020B0604020202020204"/>
               <a:buChar char="–"/>
               <a:defRPr sz="2000" b="0" i="0" u="none" strike="noStrike" cap="none">
                 <a:solidFill>
                   <a:schemeClr val="dk1"/>
                 </a:solidFill>
-                <a:latin typeface="Arial" panose="020B0604020202090204"/>
-                <a:ea typeface="Arial" panose="020B0604020202090204"/>
-                <a:cs typeface="Arial" panose="020B0604020202090204"/>
-                <a:sym typeface="Arial" panose="020B0604020202090204"/>
+                <a:latin typeface="Arial" panose="020B0604020202020204"/>
+                <a:ea typeface="Arial" panose="020B0604020202020204"/>
+                <a:cs typeface="Arial" panose="020B0604020202020204"/>
+                <a:sym typeface="Arial" panose="020B0604020202020204"/>
               </a:defRPr>
             </a:lvl4pPr>
             <a:lvl5pPr marL="2286000" marR="0" lvl="4" indent="-355600" algn="l" rtl="0">
@@ -6978,16 +6930,16 @@
                 <a:schemeClr val="dk1"/>
               </a:buClr>
               <a:buSzPts val="2000"/>
-              <a:buFont typeface="Arial" panose="020B0604020202090204"/>
+              <a:buFont typeface="Arial" panose="020B0604020202020204"/>
               <a:buChar char="»"/>
               <a:defRPr sz="2000" b="0" i="0" u="none" strike="noStrike" cap="none">
                 <a:solidFill>
                   <a:schemeClr val="dk1"/>
                 </a:solidFill>
-                <a:latin typeface="Arial" panose="020B0604020202090204"/>
-                <a:ea typeface="Arial" panose="020B0604020202090204"/>
-                <a:cs typeface="Arial" panose="020B0604020202090204"/>
-                <a:sym typeface="Arial" panose="020B0604020202090204"/>
+                <a:latin typeface="Arial" panose="020B0604020202020204"/>
+                <a:ea typeface="Arial" panose="020B0604020202020204"/>
+                <a:cs typeface="Arial" panose="020B0604020202020204"/>
+                <a:sym typeface="Arial" panose="020B0604020202020204"/>
               </a:defRPr>
             </a:lvl5pPr>
             <a:lvl6pPr marL="2743200" marR="0" lvl="5" indent="-355600" algn="l" rtl="0">
@@ -7001,16 +6953,16 @@
                 <a:schemeClr val="dk1"/>
               </a:buClr>
               <a:buSzPts val="2000"/>
-              <a:buFont typeface="Arial" panose="020B0604020202090204"/>
+              <a:buFont typeface="Arial" panose="020B0604020202020204"/>
               <a:buChar char="»"/>
               <a:defRPr sz="2000" b="0" i="0" u="none" strike="noStrike" cap="none">
                 <a:solidFill>
                   <a:schemeClr val="dk1"/>
                 </a:solidFill>
-                <a:latin typeface="Arial" panose="020B0604020202090204"/>
-                <a:ea typeface="Arial" panose="020B0604020202090204"/>
-                <a:cs typeface="Arial" panose="020B0604020202090204"/>
-                <a:sym typeface="Arial" panose="020B0604020202090204"/>
+                <a:latin typeface="Arial" panose="020B0604020202020204"/>
+                <a:ea typeface="Arial" panose="020B0604020202020204"/>
+                <a:cs typeface="Arial" panose="020B0604020202020204"/>
+                <a:sym typeface="Arial" panose="020B0604020202020204"/>
               </a:defRPr>
             </a:lvl6pPr>
             <a:lvl7pPr marL="3200400" marR="0" lvl="6" indent="-355600" algn="l" rtl="0">
@@ -7024,16 +6976,16 @@
                 <a:schemeClr val="dk1"/>
               </a:buClr>
               <a:buSzPts val="2000"/>
-              <a:buFont typeface="Arial" panose="020B0604020202090204"/>
+              <a:buFont typeface="Arial" panose="020B0604020202020204"/>
               <a:buChar char="»"/>
               <a:defRPr sz="2000" b="0" i="0" u="none" strike="noStrike" cap="none">
                 <a:solidFill>
                   <a:schemeClr val="dk1"/>
                 </a:solidFill>
-                <a:latin typeface="Arial" panose="020B0604020202090204"/>
-                <a:ea typeface="Arial" panose="020B0604020202090204"/>
-                <a:cs typeface="Arial" panose="020B0604020202090204"/>
-                <a:sym typeface="Arial" panose="020B0604020202090204"/>
+                <a:latin typeface="Arial" panose="020B0604020202020204"/>
+                <a:ea typeface="Arial" panose="020B0604020202020204"/>
+                <a:cs typeface="Arial" panose="020B0604020202020204"/>
+                <a:sym typeface="Arial" panose="020B0604020202020204"/>
               </a:defRPr>
             </a:lvl7pPr>
             <a:lvl8pPr marL="3657600" marR="0" lvl="7" indent="-355600" algn="l" rtl="0">
@@ -7047,16 +6999,16 @@
                 <a:schemeClr val="dk1"/>
               </a:buClr>
               <a:buSzPts val="2000"/>
-              <a:buFont typeface="Arial" panose="020B0604020202090204"/>
+              <a:buFont typeface="Arial" panose="020B0604020202020204"/>
               <a:buChar char="»"/>
               <a:defRPr sz="2000" b="0" i="0" u="none" strike="noStrike" cap="none">
                 <a:solidFill>
                   <a:schemeClr val="dk1"/>
                 </a:solidFill>
-                <a:latin typeface="Arial" panose="020B0604020202090204"/>
-                <a:ea typeface="Arial" panose="020B0604020202090204"/>
-                <a:cs typeface="Arial" panose="020B0604020202090204"/>
-                <a:sym typeface="Arial" panose="020B0604020202090204"/>
+                <a:latin typeface="Arial" panose="020B0604020202020204"/>
+                <a:ea typeface="Arial" panose="020B0604020202020204"/>
+                <a:cs typeface="Arial" panose="020B0604020202020204"/>
+                <a:sym typeface="Arial" panose="020B0604020202020204"/>
               </a:defRPr>
             </a:lvl8pPr>
             <a:lvl9pPr marL="4114800" marR="0" lvl="8" indent="-355600" algn="l" rtl="0">
@@ -7070,22 +7022,20 @@
                 <a:schemeClr val="dk1"/>
               </a:buClr>
               <a:buSzPts val="2000"/>
-              <a:buFont typeface="Arial" panose="020B0604020202090204"/>
+              <a:buFont typeface="Arial" panose="020B0604020202020204"/>
               <a:buChar char="»"/>
               <a:defRPr sz="2000" b="0" i="0" u="none" strike="noStrike" cap="none">
                 <a:solidFill>
                   <a:schemeClr val="dk1"/>
                 </a:solidFill>
-                <a:latin typeface="Arial" panose="020B0604020202090204"/>
-                <a:ea typeface="Arial" panose="020B0604020202090204"/>
-                <a:cs typeface="Arial" panose="020B0604020202090204"/>
-                <a:sym typeface="Arial" panose="020B0604020202090204"/>
+                <a:latin typeface="Arial" panose="020B0604020202020204"/>
+                <a:ea typeface="Arial" panose="020B0604020202020204"/>
+                <a:cs typeface="Arial" panose="020B0604020202020204"/>
+                <a:sym typeface="Arial" panose="020B0604020202020204"/>
               </a:defRPr>
             </a:lvl9pPr>
           </a:lstStyle>
-          <a:p>
-            <a:endParaRPr/>
-          </a:p>
+          <a:p/>
         </p:txBody>
       </p:sp>
       <p:sp>
@@ -7127,16 +7077,16 @@
                 <a:schemeClr val="dk1"/>
               </a:buClr>
               <a:buSzPts val="3200"/>
-              <a:buFont typeface="Arial" panose="020B0604020202090204"/>
+              <a:buFont typeface="Arial" panose="020B0604020202020204"/>
               <a:buChar char="•"/>
               <a:defRPr sz="3200" b="0" i="0" u="none" strike="noStrike" cap="none">
                 <a:solidFill>
                   <a:schemeClr val="dk1"/>
                 </a:solidFill>
-                <a:latin typeface="Arial" panose="020B0604020202090204"/>
-                <a:ea typeface="Arial" panose="020B0604020202090204"/>
-                <a:cs typeface="Arial" panose="020B0604020202090204"/>
-                <a:sym typeface="Arial" panose="020B0604020202090204"/>
+                <a:latin typeface="Arial" panose="020B0604020202020204"/>
+                <a:ea typeface="Arial" panose="020B0604020202020204"/>
+                <a:cs typeface="Arial" panose="020B0604020202020204"/>
+                <a:sym typeface="Arial" panose="020B0604020202020204"/>
               </a:defRPr>
             </a:lvl1pPr>
             <a:lvl2pPr marL="914400" marR="0" lvl="1" indent="-406400" algn="l" rtl="0">
@@ -7150,16 +7100,16 @@
                 <a:schemeClr val="dk1"/>
               </a:buClr>
               <a:buSzPts val="2800"/>
-              <a:buFont typeface="Arial" panose="020B0604020202090204"/>
+              <a:buFont typeface="Arial" panose="020B0604020202020204"/>
               <a:buChar char="–"/>
               <a:defRPr sz="2800" b="0" i="0" u="none" strike="noStrike" cap="none">
                 <a:solidFill>
                   <a:schemeClr val="dk1"/>
                 </a:solidFill>
-                <a:latin typeface="Arial" panose="020B0604020202090204"/>
-                <a:ea typeface="Arial" panose="020B0604020202090204"/>
-                <a:cs typeface="Arial" panose="020B0604020202090204"/>
-                <a:sym typeface="Arial" panose="020B0604020202090204"/>
+                <a:latin typeface="Arial" panose="020B0604020202020204"/>
+                <a:ea typeface="Arial" panose="020B0604020202020204"/>
+                <a:cs typeface="Arial" panose="020B0604020202020204"/>
+                <a:sym typeface="Arial" panose="020B0604020202020204"/>
               </a:defRPr>
             </a:lvl2pPr>
             <a:lvl3pPr marL="1371600" marR="0" lvl="2" indent="-381000" algn="l" rtl="0">
@@ -7173,16 +7123,16 @@
                 <a:schemeClr val="dk1"/>
               </a:buClr>
               <a:buSzPts val="2400"/>
-              <a:buFont typeface="Arial" panose="020B0604020202090204"/>
+              <a:buFont typeface="Arial" panose="020B0604020202020204"/>
               <a:buChar char="•"/>
               <a:defRPr sz="2400" b="0" i="0" u="none" strike="noStrike" cap="none">
                 <a:solidFill>
                   <a:schemeClr val="dk1"/>
                 </a:solidFill>
-                <a:latin typeface="Arial" panose="020B0604020202090204"/>
-                <a:ea typeface="Arial" panose="020B0604020202090204"/>
-                <a:cs typeface="Arial" panose="020B0604020202090204"/>
-                <a:sym typeface="Arial" panose="020B0604020202090204"/>
+                <a:latin typeface="Arial" panose="020B0604020202020204"/>
+                <a:ea typeface="Arial" panose="020B0604020202020204"/>
+                <a:cs typeface="Arial" panose="020B0604020202020204"/>
+                <a:sym typeface="Arial" panose="020B0604020202020204"/>
               </a:defRPr>
             </a:lvl3pPr>
             <a:lvl4pPr marL="1828800" marR="0" lvl="3" indent="-355600" algn="l" rtl="0">
@@ -7196,16 +7146,16 @@
                 <a:schemeClr val="dk1"/>
               </a:buClr>
               <a:buSzPts val="2000"/>
-              <a:buFont typeface="Arial" panose="020B0604020202090204"/>
+              <a:buFont typeface="Arial" panose="020B0604020202020204"/>
               <a:buChar char="–"/>
               <a:defRPr sz="2000" b="0" i="0" u="none" strike="noStrike" cap="none">
                 <a:solidFill>
                   <a:schemeClr val="dk1"/>
                 </a:solidFill>
-                <a:latin typeface="Arial" panose="020B0604020202090204"/>
-                <a:ea typeface="Arial" panose="020B0604020202090204"/>
-                <a:cs typeface="Arial" panose="020B0604020202090204"/>
-                <a:sym typeface="Arial" panose="020B0604020202090204"/>
+                <a:latin typeface="Arial" panose="020B0604020202020204"/>
+                <a:ea typeface="Arial" panose="020B0604020202020204"/>
+                <a:cs typeface="Arial" panose="020B0604020202020204"/>
+                <a:sym typeface="Arial" panose="020B0604020202020204"/>
               </a:defRPr>
             </a:lvl4pPr>
             <a:lvl5pPr marL="2286000" marR="0" lvl="4" indent="-355600" algn="l" rtl="0">
@@ -7219,16 +7169,16 @@
                 <a:schemeClr val="dk1"/>
               </a:buClr>
               <a:buSzPts val="2000"/>
-              <a:buFont typeface="Arial" panose="020B0604020202090204"/>
+              <a:buFont typeface="Arial" panose="020B0604020202020204"/>
               <a:buChar char="»"/>
               <a:defRPr sz="2000" b="0" i="0" u="none" strike="noStrike" cap="none">
                 <a:solidFill>
                   <a:schemeClr val="dk1"/>
                 </a:solidFill>
-                <a:latin typeface="Arial" panose="020B0604020202090204"/>
-                <a:ea typeface="Arial" panose="020B0604020202090204"/>
-                <a:cs typeface="Arial" panose="020B0604020202090204"/>
-                <a:sym typeface="Arial" panose="020B0604020202090204"/>
+                <a:latin typeface="Arial" panose="020B0604020202020204"/>
+                <a:ea typeface="Arial" panose="020B0604020202020204"/>
+                <a:cs typeface="Arial" panose="020B0604020202020204"/>
+                <a:sym typeface="Arial" panose="020B0604020202020204"/>
               </a:defRPr>
             </a:lvl5pPr>
             <a:lvl6pPr marL="2743200" marR="0" lvl="5" indent="-355600" algn="l" rtl="0">
@@ -7242,16 +7192,16 @@
                 <a:schemeClr val="dk1"/>
               </a:buClr>
               <a:buSzPts val="2000"/>
-              <a:buFont typeface="Arial" panose="020B0604020202090204"/>
+              <a:buFont typeface="Arial" panose="020B0604020202020204"/>
               <a:buChar char="»"/>
               <a:defRPr sz="2000" b="0" i="0" u="none" strike="noStrike" cap="none">
                 <a:solidFill>
                   <a:schemeClr val="dk1"/>
                 </a:solidFill>
-                <a:latin typeface="Arial" panose="020B0604020202090204"/>
-                <a:ea typeface="Arial" panose="020B0604020202090204"/>
-                <a:cs typeface="Arial" panose="020B0604020202090204"/>
-                <a:sym typeface="Arial" panose="020B0604020202090204"/>
+                <a:latin typeface="Arial" panose="020B0604020202020204"/>
+                <a:ea typeface="Arial" panose="020B0604020202020204"/>
+                <a:cs typeface="Arial" panose="020B0604020202020204"/>
+                <a:sym typeface="Arial" panose="020B0604020202020204"/>
               </a:defRPr>
             </a:lvl6pPr>
             <a:lvl7pPr marL="3200400" marR="0" lvl="6" indent="-355600" algn="l" rtl="0">
@@ -7265,16 +7215,16 @@
                 <a:schemeClr val="dk1"/>
               </a:buClr>
               <a:buSzPts val="2000"/>
-              <a:buFont typeface="Arial" panose="020B0604020202090204"/>
+              <a:buFont typeface="Arial" panose="020B0604020202020204"/>
               <a:buChar char="»"/>
               <a:defRPr sz="2000" b="0" i="0" u="none" strike="noStrike" cap="none">
                 <a:solidFill>
                   <a:schemeClr val="dk1"/>
                 </a:solidFill>
-                <a:latin typeface="Arial" panose="020B0604020202090204"/>
-                <a:ea typeface="Arial" panose="020B0604020202090204"/>
-                <a:cs typeface="Arial" panose="020B0604020202090204"/>
-                <a:sym typeface="Arial" panose="020B0604020202090204"/>
+                <a:latin typeface="Arial" panose="020B0604020202020204"/>
+                <a:ea typeface="Arial" panose="020B0604020202020204"/>
+                <a:cs typeface="Arial" panose="020B0604020202020204"/>
+                <a:sym typeface="Arial" panose="020B0604020202020204"/>
               </a:defRPr>
             </a:lvl7pPr>
             <a:lvl8pPr marL="3657600" marR="0" lvl="7" indent="-355600" algn="l" rtl="0">
@@ -7288,16 +7238,16 @@
                 <a:schemeClr val="dk1"/>
               </a:buClr>
               <a:buSzPts val="2000"/>
-              <a:buFont typeface="Arial" panose="020B0604020202090204"/>
+              <a:buFont typeface="Arial" panose="020B0604020202020204"/>
               <a:buChar char="»"/>
               <a:defRPr sz="2000" b="0" i="0" u="none" strike="noStrike" cap="none">
                 <a:solidFill>
                   <a:schemeClr val="dk1"/>
                 </a:solidFill>
-                <a:latin typeface="Arial" panose="020B0604020202090204"/>
-                <a:ea typeface="Arial" panose="020B0604020202090204"/>
-                <a:cs typeface="Arial" panose="020B0604020202090204"/>
-                <a:sym typeface="Arial" panose="020B0604020202090204"/>
+                <a:latin typeface="Arial" panose="020B0604020202020204"/>
+                <a:ea typeface="Arial" panose="020B0604020202020204"/>
+                <a:cs typeface="Arial" panose="020B0604020202020204"/>
+                <a:sym typeface="Arial" panose="020B0604020202020204"/>
               </a:defRPr>
             </a:lvl8pPr>
             <a:lvl9pPr marL="4114800" marR="0" lvl="8" indent="-355600" algn="l" rtl="0">
@@ -7311,22 +7261,20 @@
                 <a:schemeClr val="dk1"/>
               </a:buClr>
               <a:buSzPts val="2000"/>
-              <a:buFont typeface="Arial" panose="020B0604020202090204"/>
+              <a:buFont typeface="Arial" panose="020B0604020202020204"/>
               <a:buChar char="»"/>
               <a:defRPr sz="2000" b="0" i="0" u="none" strike="noStrike" cap="none">
                 <a:solidFill>
                   <a:schemeClr val="dk1"/>
                 </a:solidFill>
-                <a:latin typeface="Arial" panose="020B0604020202090204"/>
-                <a:ea typeface="Arial" panose="020B0604020202090204"/>
-                <a:cs typeface="Arial" panose="020B0604020202090204"/>
-                <a:sym typeface="Arial" panose="020B0604020202090204"/>
+                <a:latin typeface="Arial" panose="020B0604020202020204"/>
+                <a:ea typeface="Arial" panose="020B0604020202020204"/>
+                <a:cs typeface="Arial" panose="020B0604020202020204"/>
+                <a:sym typeface="Arial" panose="020B0604020202020204"/>
               </a:defRPr>
             </a:lvl9pPr>
           </a:lstStyle>
-          <a:p>
-            <a:endParaRPr/>
-          </a:p>
+          <a:p/>
         </p:txBody>
       </p:sp>
     </p:spTree>
@@ -7338,7 +7286,7 @@
 </file>
 
 <file path=ppt/slideLayouts/slideLayout4.xml><?xml version="1.0" encoding="utf-8"?>
-<p:sldLayout xmlns:a="http://schemas.openxmlformats.org/drawingml/2006/main" xmlns:r="http://schemas.openxmlformats.org/officeDocument/2006/relationships" xmlns:p="http://schemas.openxmlformats.org/presentationml/2006/main" matchingName="Title and Table" type="tbl">
+<p:sldLayout xmlns:a="http://schemas.openxmlformats.org/drawingml/2006/main" xmlns:r="http://schemas.openxmlformats.org/officeDocument/2006/relationships" xmlns:p="http://schemas.openxmlformats.org/presentationml/2006/main" type="tbl" matchingName="Title and Table">
   <p:cSld name="TABLE">
     <p:spTree>
       <p:nvGrpSpPr>
@@ -7395,10 +7343,10 @@
                 <a:solidFill>
                   <a:schemeClr val="dk2"/>
                 </a:solidFill>
-                <a:latin typeface="Arial" panose="020B0604020202090204"/>
-                <a:ea typeface="Arial" panose="020B0604020202090204"/>
-                <a:cs typeface="Arial" panose="020B0604020202090204"/>
-                <a:sym typeface="Arial" panose="020B0604020202090204"/>
+                <a:latin typeface="Arial" panose="020B0604020202020204"/>
+                <a:ea typeface="Arial" panose="020B0604020202020204"/>
+                <a:cs typeface="Arial" panose="020B0604020202020204"/>
+                <a:sym typeface="Arial" panose="020B0604020202020204"/>
               </a:defRPr>
             </a:lvl1pPr>
             <a:lvl2pPr marL="0" marR="0" lvl="1" indent="0" algn="ctr" rtl="0">
@@ -7414,10 +7362,10 @@
                 <a:solidFill>
                   <a:schemeClr val="dk2"/>
                 </a:solidFill>
-                <a:latin typeface="Arial" panose="020B0604020202090204"/>
-                <a:ea typeface="Arial" panose="020B0604020202090204"/>
-                <a:cs typeface="Arial" panose="020B0604020202090204"/>
-                <a:sym typeface="Arial" panose="020B0604020202090204"/>
+                <a:latin typeface="Arial" panose="020B0604020202020204"/>
+                <a:ea typeface="Arial" panose="020B0604020202020204"/>
+                <a:cs typeface="Arial" panose="020B0604020202020204"/>
+                <a:sym typeface="Arial" panose="020B0604020202020204"/>
               </a:defRPr>
             </a:lvl2pPr>
             <a:lvl3pPr marL="0" marR="0" lvl="2" indent="0" algn="ctr" rtl="0">
@@ -7433,10 +7381,10 @@
                 <a:solidFill>
                   <a:schemeClr val="dk2"/>
                 </a:solidFill>
-                <a:latin typeface="Arial" panose="020B0604020202090204"/>
-                <a:ea typeface="Arial" panose="020B0604020202090204"/>
-                <a:cs typeface="Arial" panose="020B0604020202090204"/>
-                <a:sym typeface="Arial" panose="020B0604020202090204"/>
+                <a:latin typeface="Arial" panose="020B0604020202020204"/>
+                <a:ea typeface="Arial" panose="020B0604020202020204"/>
+                <a:cs typeface="Arial" panose="020B0604020202020204"/>
+                <a:sym typeface="Arial" panose="020B0604020202020204"/>
               </a:defRPr>
             </a:lvl3pPr>
             <a:lvl4pPr marL="0" marR="0" lvl="3" indent="0" algn="ctr" rtl="0">
@@ -7452,10 +7400,10 @@
                 <a:solidFill>
                   <a:schemeClr val="dk2"/>
                 </a:solidFill>
-                <a:latin typeface="Arial" panose="020B0604020202090204"/>
-                <a:ea typeface="Arial" panose="020B0604020202090204"/>
-                <a:cs typeface="Arial" panose="020B0604020202090204"/>
-                <a:sym typeface="Arial" panose="020B0604020202090204"/>
+                <a:latin typeface="Arial" panose="020B0604020202020204"/>
+                <a:ea typeface="Arial" panose="020B0604020202020204"/>
+                <a:cs typeface="Arial" panose="020B0604020202020204"/>
+                <a:sym typeface="Arial" panose="020B0604020202020204"/>
               </a:defRPr>
             </a:lvl4pPr>
             <a:lvl5pPr marL="0" marR="0" lvl="4" indent="0" algn="ctr" rtl="0">
@@ -7471,10 +7419,10 @@
                 <a:solidFill>
                   <a:schemeClr val="dk2"/>
                 </a:solidFill>
-                <a:latin typeface="Arial" panose="020B0604020202090204"/>
-                <a:ea typeface="Arial" panose="020B0604020202090204"/>
-                <a:cs typeface="Arial" panose="020B0604020202090204"/>
-                <a:sym typeface="Arial" panose="020B0604020202090204"/>
+                <a:latin typeface="Arial" panose="020B0604020202020204"/>
+                <a:ea typeface="Arial" panose="020B0604020202020204"/>
+                <a:cs typeface="Arial" panose="020B0604020202020204"/>
+                <a:sym typeface="Arial" panose="020B0604020202020204"/>
               </a:defRPr>
             </a:lvl5pPr>
             <a:lvl6pPr marL="457200" marR="0" lvl="5" indent="0" algn="ctr" rtl="0">
@@ -7490,10 +7438,10 @@
                 <a:solidFill>
                   <a:schemeClr val="dk2"/>
                 </a:solidFill>
-                <a:latin typeface="Arial" panose="020B0604020202090204"/>
-                <a:ea typeface="Arial" panose="020B0604020202090204"/>
-                <a:cs typeface="Arial" panose="020B0604020202090204"/>
-                <a:sym typeface="Arial" panose="020B0604020202090204"/>
+                <a:latin typeface="Arial" panose="020B0604020202020204"/>
+                <a:ea typeface="Arial" panose="020B0604020202020204"/>
+                <a:cs typeface="Arial" panose="020B0604020202020204"/>
+                <a:sym typeface="Arial" panose="020B0604020202020204"/>
               </a:defRPr>
             </a:lvl6pPr>
             <a:lvl7pPr marL="914400" marR="0" lvl="6" indent="0" algn="ctr" rtl="0">
@@ -7509,10 +7457,10 @@
                 <a:solidFill>
                   <a:schemeClr val="dk2"/>
                 </a:solidFill>
-                <a:latin typeface="Arial" panose="020B0604020202090204"/>
-                <a:ea typeface="Arial" panose="020B0604020202090204"/>
-                <a:cs typeface="Arial" panose="020B0604020202090204"/>
-                <a:sym typeface="Arial" panose="020B0604020202090204"/>
+                <a:latin typeface="Arial" panose="020B0604020202020204"/>
+                <a:ea typeface="Arial" panose="020B0604020202020204"/>
+                <a:cs typeface="Arial" panose="020B0604020202020204"/>
+                <a:sym typeface="Arial" panose="020B0604020202020204"/>
               </a:defRPr>
             </a:lvl7pPr>
             <a:lvl8pPr marL="1371600" marR="0" lvl="7" indent="0" algn="ctr" rtl="0">
@@ -7528,10 +7476,10 @@
                 <a:solidFill>
                   <a:schemeClr val="dk2"/>
                 </a:solidFill>
-                <a:latin typeface="Arial" panose="020B0604020202090204"/>
-                <a:ea typeface="Arial" panose="020B0604020202090204"/>
-                <a:cs typeface="Arial" panose="020B0604020202090204"/>
-                <a:sym typeface="Arial" panose="020B0604020202090204"/>
+                <a:latin typeface="Arial" panose="020B0604020202020204"/>
+                <a:ea typeface="Arial" panose="020B0604020202020204"/>
+                <a:cs typeface="Arial" panose="020B0604020202020204"/>
+                <a:sym typeface="Arial" panose="020B0604020202020204"/>
               </a:defRPr>
             </a:lvl8pPr>
             <a:lvl9pPr marL="1828800" marR="0" lvl="8" indent="0" algn="ctr" rtl="0">
@@ -7547,16 +7495,14 @@
                 <a:solidFill>
                   <a:schemeClr val="dk2"/>
                 </a:solidFill>
-                <a:latin typeface="Arial" panose="020B0604020202090204"/>
-                <a:ea typeface="Arial" panose="020B0604020202090204"/>
-                <a:cs typeface="Arial" panose="020B0604020202090204"/>
-                <a:sym typeface="Arial" panose="020B0604020202090204"/>
+                <a:latin typeface="Arial" panose="020B0604020202020204"/>
+                <a:ea typeface="Arial" panose="020B0604020202020204"/>
+                <a:cs typeface="Arial" panose="020B0604020202020204"/>
+                <a:sym typeface="Arial" panose="020B0604020202020204"/>
               </a:defRPr>
             </a:lvl9pPr>
           </a:lstStyle>
-          <a:p>
-            <a:endParaRPr/>
-          </a:p>
+          <a:p/>
         </p:txBody>
       </p:sp>
     </p:spTree>
@@ -7568,7 +7514,7 @@
 </file>
 
 <file path=ppt/slideLayouts/slideLayout5.xml><?xml version="1.0" encoding="utf-8"?>
-<p:sldLayout xmlns:a="http://schemas.openxmlformats.org/drawingml/2006/main" xmlns:r="http://schemas.openxmlformats.org/officeDocument/2006/relationships" xmlns:p="http://schemas.openxmlformats.org/presentationml/2006/main" matchingName="Vertical Title and Text" type="vertTitleAndTx">
+<p:sldLayout xmlns:a="http://schemas.openxmlformats.org/drawingml/2006/main" xmlns:r="http://schemas.openxmlformats.org/officeDocument/2006/relationships" xmlns:p="http://schemas.openxmlformats.org/presentationml/2006/main" type="vertTitleAndTx" matchingName="Vertical Title and Text">
   <p:cSld name="VERTICAL_TITLE_AND_VERTICAL_TEXT">
     <p:spTree>
       <p:nvGrpSpPr>
@@ -7625,10 +7571,10 @@
                 <a:solidFill>
                   <a:schemeClr val="dk2"/>
                 </a:solidFill>
-                <a:latin typeface="Arial" panose="020B0604020202090204"/>
-                <a:ea typeface="Arial" panose="020B0604020202090204"/>
-                <a:cs typeface="Arial" panose="020B0604020202090204"/>
-                <a:sym typeface="Arial" panose="020B0604020202090204"/>
+                <a:latin typeface="Arial" panose="020B0604020202020204"/>
+                <a:ea typeface="Arial" panose="020B0604020202020204"/>
+                <a:cs typeface="Arial" panose="020B0604020202020204"/>
+                <a:sym typeface="Arial" panose="020B0604020202020204"/>
               </a:defRPr>
             </a:lvl1pPr>
             <a:lvl2pPr marL="0" marR="0" lvl="1" indent="0" algn="ctr" rtl="0">
@@ -7644,10 +7590,10 @@
                 <a:solidFill>
                   <a:schemeClr val="dk2"/>
                 </a:solidFill>
-                <a:latin typeface="Arial" panose="020B0604020202090204"/>
-                <a:ea typeface="Arial" panose="020B0604020202090204"/>
-                <a:cs typeface="Arial" panose="020B0604020202090204"/>
-                <a:sym typeface="Arial" panose="020B0604020202090204"/>
+                <a:latin typeface="Arial" panose="020B0604020202020204"/>
+                <a:ea typeface="Arial" panose="020B0604020202020204"/>
+                <a:cs typeface="Arial" panose="020B0604020202020204"/>
+                <a:sym typeface="Arial" panose="020B0604020202020204"/>
               </a:defRPr>
             </a:lvl2pPr>
             <a:lvl3pPr marL="0" marR="0" lvl="2" indent="0" algn="ctr" rtl="0">
@@ -7663,10 +7609,10 @@
                 <a:solidFill>
                   <a:schemeClr val="dk2"/>
                 </a:solidFill>
-                <a:latin typeface="Arial" panose="020B0604020202090204"/>
-                <a:ea typeface="Arial" panose="020B0604020202090204"/>
-                <a:cs typeface="Arial" panose="020B0604020202090204"/>
-                <a:sym typeface="Arial" panose="020B0604020202090204"/>
+                <a:latin typeface="Arial" panose="020B0604020202020204"/>
+                <a:ea typeface="Arial" panose="020B0604020202020204"/>
+                <a:cs typeface="Arial" panose="020B0604020202020204"/>
+                <a:sym typeface="Arial" panose="020B0604020202020204"/>
               </a:defRPr>
             </a:lvl3pPr>
             <a:lvl4pPr marL="0" marR="0" lvl="3" indent="0" algn="ctr" rtl="0">
@@ -7682,10 +7628,10 @@
                 <a:solidFill>
                   <a:schemeClr val="dk2"/>
                 </a:solidFill>
-                <a:latin typeface="Arial" panose="020B0604020202090204"/>
-                <a:ea typeface="Arial" panose="020B0604020202090204"/>
-                <a:cs typeface="Arial" panose="020B0604020202090204"/>
-                <a:sym typeface="Arial" panose="020B0604020202090204"/>
+                <a:latin typeface="Arial" panose="020B0604020202020204"/>
+                <a:ea typeface="Arial" panose="020B0604020202020204"/>
+                <a:cs typeface="Arial" panose="020B0604020202020204"/>
+                <a:sym typeface="Arial" panose="020B0604020202020204"/>
               </a:defRPr>
             </a:lvl4pPr>
             <a:lvl5pPr marL="0" marR="0" lvl="4" indent="0" algn="ctr" rtl="0">
@@ -7701,10 +7647,10 @@
                 <a:solidFill>
                   <a:schemeClr val="dk2"/>
                 </a:solidFill>
-                <a:latin typeface="Arial" panose="020B0604020202090204"/>
-                <a:ea typeface="Arial" panose="020B0604020202090204"/>
-                <a:cs typeface="Arial" panose="020B0604020202090204"/>
-                <a:sym typeface="Arial" panose="020B0604020202090204"/>
+                <a:latin typeface="Arial" panose="020B0604020202020204"/>
+                <a:ea typeface="Arial" panose="020B0604020202020204"/>
+                <a:cs typeface="Arial" panose="020B0604020202020204"/>
+                <a:sym typeface="Arial" panose="020B0604020202020204"/>
               </a:defRPr>
             </a:lvl5pPr>
             <a:lvl6pPr marL="457200" marR="0" lvl="5" indent="0" algn="ctr" rtl="0">
@@ -7720,10 +7666,10 @@
                 <a:solidFill>
                   <a:schemeClr val="dk2"/>
                 </a:solidFill>
-                <a:latin typeface="Arial" panose="020B0604020202090204"/>
-                <a:ea typeface="Arial" panose="020B0604020202090204"/>
-                <a:cs typeface="Arial" panose="020B0604020202090204"/>
-                <a:sym typeface="Arial" panose="020B0604020202090204"/>
+                <a:latin typeface="Arial" panose="020B0604020202020204"/>
+                <a:ea typeface="Arial" panose="020B0604020202020204"/>
+                <a:cs typeface="Arial" panose="020B0604020202020204"/>
+                <a:sym typeface="Arial" panose="020B0604020202020204"/>
               </a:defRPr>
             </a:lvl6pPr>
             <a:lvl7pPr marL="914400" marR="0" lvl="6" indent="0" algn="ctr" rtl="0">
@@ -7739,10 +7685,10 @@
                 <a:solidFill>
                   <a:schemeClr val="dk2"/>
                 </a:solidFill>
-                <a:latin typeface="Arial" panose="020B0604020202090204"/>
-                <a:ea typeface="Arial" panose="020B0604020202090204"/>
-                <a:cs typeface="Arial" panose="020B0604020202090204"/>
-                <a:sym typeface="Arial" panose="020B0604020202090204"/>
+                <a:latin typeface="Arial" panose="020B0604020202020204"/>
+                <a:ea typeface="Arial" panose="020B0604020202020204"/>
+                <a:cs typeface="Arial" panose="020B0604020202020204"/>
+                <a:sym typeface="Arial" panose="020B0604020202020204"/>
               </a:defRPr>
             </a:lvl7pPr>
             <a:lvl8pPr marL="1371600" marR="0" lvl="7" indent="0" algn="ctr" rtl="0">
@@ -7758,10 +7704,10 @@
                 <a:solidFill>
                   <a:schemeClr val="dk2"/>
                 </a:solidFill>
-                <a:latin typeface="Arial" panose="020B0604020202090204"/>
-                <a:ea typeface="Arial" panose="020B0604020202090204"/>
-                <a:cs typeface="Arial" panose="020B0604020202090204"/>
-                <a:sym typeface="Arial" panose="020B0604020202090204"/>
+                <a:latin typeface="Arial" panose="020B0604020202020204"/>
+                <a:ea typeface="Arial" panose="020B0604020202020204"/>
+                <a:cs typeface="Arial" panose="020B0604020202020204"/>
+                <a:sym typeface="Arial" panose="020B0604020202020204"/>
               </a:defRPr>
             </a:lvl8pPr>
             <a:lvl9pPr marL="1828800" marR="0" lvl="8" indent="0" algn="ctr" rtl="0">
@@ -7777,16 +7723,14 @@
                 <a:solidFill>
                   <a:schemeClr val="dk2"/>
                 </a:solidFill>
-                <a:latin typeface="Arial" panose="020B0604020202090204"/>
-                <a:ea typeface="Arial" panose="020B0604020202090204"/>
-                <a:cs typeface="Arial" panose="020B0604020202090204"/>
-                <a:sym typeface="Arial" panose="020B0604020202090204"/>
+                <a:latin typeface="Arial" panose="020B0604020202020204"/>
+                <a:ea typeface="Arial" panose="020B0604020202020204"/>
+                <a:cs typeface="Arial" panose="020B0604020202020204"/>
+                <a:sym typeface="Arial" panose="020B0604020202020204"/>
               </a:defRPr>
             </a:lvl9pPr>
           </a:lstStyle>
-          <a:p>
-            <a:endParaRPr/>
-          </a:p>
+          <a:p/>
         </p:txBody>
       </p:sp>
       <p:sp>
@@ -7828,16 +7772,16 @@
                 <a:schemeClr val="dk1"/>
               </a:buClr>
               <a:buSzPts val="3200"/>
-              <a:buFont typeface="Arial" panose="020B0604020202090204"/>
+              <a:buFont typeface="Arial" panose="020B0604020202020204"/>
               <a:buChar char="•"/>
               <a:defRPr sz="3200" b="0" i="0" u="none" strike="noStrike" cap="none">
                 <a:solidFill>
                   <a:schemeClr val="dk1"/>
                 </a:solidFill>
-                <a:latin typeface="Arial" panose="020B0604020202090204"/>
-                <a:ea typeface="Arial" panose="020B0604020202090204"/>
-                <a:cs typeface="Arial" panose="020B0604020202090204"/>
-                <a:sym typeface="Arial" panose="020B0604020202090204"/>
+                <a:latin typeface="Arial" panose="020B0604020202020204"/>
+                <a:ea typeface="Arial" panose="020B0604020202020204"/>
+                <a:cs typeface="Arial" panose="020B0604020202020204"/>
+                <a:sym typeface="Arial" panose="020B0604020202020204"/>
               </a:defRPr>
             </a:lvl1pPr>
             <a:lvl2pPr marL="914400" marR="0" lvl="1" indent="-406400" algn="l" rtl="0">
@@ -7851,16 +7795,16 @@
                 <a:schemeClr val="dk1"/>
               </a:buClr>
               <a:buSzPts val="2800"/>
-              <a:buFont typeface="Arial" panose="020B0604020202090204"/>
+              <a:buFont typeface="Arial" panose="020B0604020202020204"/>
               <a:buChar char="–"/>
               <a:defRPr sz="2800" b="0" i="0" u="none" strike="noStrike" cap="none">
                 <a:solidFill>
                   <a:schemeClr val="dk1"/>
                 </a:solidFill>
-                <a:latin typeface="Arial" panose="020B0604020202090204"/>
-                <a:ea typeface="Arial" panose="020B0604020202090204"/>
-                <a:cs typeface="Arial" panose="020B0604020202090204"/>
-                <a:sym typeface="Arial" panose="020B0604020202090204"/>
+                <a:latin typeface="Arial" panose="020B0604020202020204"/>
+                <a:ea typeface="Arial" panose="020B0604020202020204"/>
+                <a:cs typeface="Arial" panose="020B0604020202020204"/>
+                <a:sym typeface="Arial" panose="020B0604020202020204"/>
               </a:defRPr>
             </a:lvl2pPr>
             <a:lvl3pPr marL="1371600" marR="0" lvl="2" indent="-381000" algn="l" rtl="0">
@@ -7874,16 +7818,16 @@
                 <a:schemeClr val="dk1"/>
               </a:buClr>
               <a:buSzPts val="2400"/>
-              <a:buFont typeface="Arial" panose="020B0604020202090204"/>
+              <a:buFont typeface="Arial" panose="020B0604020202020204"/>
               <a:buChar char="•"/>
               <a:defRPr sz="2400" b="0" i="0" u="none" strike="noStrike" cap="none">
                 <a:solidFill>
                   <a:schemeClr val="dk1"/>
                 </a:solidFill>
-                <a:latin typeface="Arial" panose="020B0604020202090204"/>
-                <a:ea typeface="Arial" panose="020B0604020202090204"/>
-                <a:cs typeface="Arial" panose="020B0604020202090204"/>
-                <a:sym typeface="Arial" panose="020B0604020202090204"/>
+                <a:latin typeface="Arial" panose="020B0604020202020204"/>
+                <a:ea typeface="Arial" panose="020B0604020202020204"/>
+                <a:cs typeface="Arial" panose="020B0604020202020204"/>
+                <a:sym typeface="Arial" panose="020B0604020202020204"/>
               </a:defRPr>
             </a:lvl3pPr>
             <a:lvl4pPr marL="1828800" marR="0" lvl="3" indent="-355600" algn="l" rtl="0">
@@ -7897,16 +7841,16 @@
                 <a:schemeClr val="dk1"/>
               </a:buClr>
               <a:buSzPts val="2000"/>
-              <a:buFont typeface="Arial" panose="020B0604020202090204"/>
+              <a:buFont typeface="Arial" panose="020B0604020202020204"/>
               <a:buChar char="–"/>
               <a:defRPr sz="2000" b="0" i="0" u="none" strike="noStrike" cap="none">
                 <a:solidFill>
                   <a:schemeClr val="dk1"/>
                 </a:solidFill>
-                <a:latin typeface="Arial" panose="020B0604020202090204"/>
-                <a:ea typeface="Arial" panose="020B0604020202090204"/>
-                <a:cs typeface="Arial" panose="020B0604020202090204"/>
-                <a:sym typeface="Arial" panose="020B0604020202090204"/>
+                <a:latin typeface="Arial" panose="020B0604020202020204"/>
+                <a:ea typeface="Arial" panose="020B0604020202020204"/>
+                <a:cs typeface="Arial" panose="020B0604020202020204"/>
+                <a:sym typeface="Arial" panose="020B0604020202020204"/>
               </a:defRPr>
             </a:lvl4pPr>
             <a:lvl5pPr marL="2286000" marR="0" lvl="4" indent="-355600" algn="l" rtl="0">
@@ -7920,16 +7864,16 @@
                 <a:schemeClr val="dk1"/>
               </a:buClr>
               <a:buSzPts val="2000"/>
-              <a:buFont typeface="Arial" panose="020B0604020202090204"/>
+              <a:buFont typeface="Arial" panose="020B0604020202020204"/>
               <a:buChar char="»"/>
               <a:defRPr sz="2000" b="0" i="0" u="none" strike="noStrike" cap="none">
                 <a:solidFill>
                   <a:schemeClr val="dk1"/>
                 </a:solidFill>
-                <a:latin typeface="Arial" panose="020B0604020202090204"/>
-                <a:ea typeface="Arial" panose="020B0604020202090204"/>
-                <a:cs typeface="Arial" panose="020B0604020202090204"/>
-                <a:sym typeface="Arial" panose="020B0604020202090204"/>
+                <a:latin typeface="Arial" panose="020B0604020202020204"/>
+                <a:ea typeface="Arial" panose="020B0604020202020204"/>
+                <a:cs typeface="Arial" panose="020B0604020202020204"/>
+                <a:sym typeface="Arial" panose="020B0604020202020204"/>
               </a:defRPr>
             </a:lvl5pPr>
             <a:lvl6pPr marL="2743200" marR="0" lvl="5" indent="-355600" algn="l" rtl="0">
@@ -7943,16 +7887,16 @@
                 <a:schemeClr val="dk1"/>
               </a:buClr>
               <a:buSzPts val="2000"/>
-              <a:buFont typeface="Arial" panose="020B0604020202090204"/>
+              <a:buFont typeface="Arial" panose="020B0604020202020204"/>
               <a:buChar char="»"/>
               <a:defRPr sz="2000" b="0" i="0" u="none" strike="noStrike" cap="none">
                 <a:solidFill>
                   <a:schemeClr val="dk1"/>
                 </a:solidFill>
-                <a:latin typeface="Arial" panose="020B0604020202090204"/>
-                <a:ea typeface="Arial" panose="020B0604020202090204"/>
-                <a:cs typeface="Arial" panose="020B0604020202090204"/>
-                <a:sym typeface="Arial" panose="020B0604020202090204"/>
+                <a:latin typeface="Arial" panose="020B0604020202020204"/>
+                <a:ea typeface="Arial" panose="020B0604020202020204"/>
+                <a:cs typeface="Arial" panose="020B0604020202020204"/>
+                <a:sym typeface="Arial" panose="020B0604020202020204"/>
               </a:defRPr>
             </a:lvl6pPr>
             <a:lvl7pPr marL="3200400" marR="0" lvl="6" indent="-355600" algn="l" rtl="0">
@@ -7966,16 +7910,16 @@
                 <a:schemeClr val="dk1"/>
               </a:buClr>
               <a:buSzPts val="2000"/>
-              <a:buFont typeface="Arial" panose="020B0604020202090204"/>
+              <a:buFont typeface="Arial" panose="020B0604020202020204"/>
               <a:buChar char="»"/>
               <a:defRPr sz="2000" b="0" i="0" u="none" strike="noStrike" cap="none">
                 <a:solidFill>
                   <a:schemeClr val="dk1"/>
                 </a:solidFill>
-                <a:latin typeface="Arial" panose="020B0604020202090204"/>
-                <a:ea typeface="Arial" panose="020B0604020202090204"/>
-                <a:cs typeface="Arial" panose="020B0604020202090204"/>
-                <a:sym typeface="Arial" panose="020B0604020202090204"/>
+                <a:latin typeface="Arial" panose="020B0604020202020204"/>
+                <a:ea typeface="Arial" panose="020B0604020202020204"/>
+                <a:cs typeface="Arial" panose="020B0604020202020204"/>
+                <a:sym typeface="Arial" panose="020B0604020202020204"/>
               </a:defRPr>
             </a:lvl7pPr>
             <a:lvl8pPr marL="3657600" marR="0" lvl="7" indent="-355600" algn="l" rtl="0">
@@ -7989,16 +7933,16 @@
                 <a:schemeClr val="dk1"/>
               </a:buClr>
               <a:buSzPts val="2000"/>
-              <a:buFont typeface="Arial" panose="020B0604020202090204"/>
+              <a:buFont typeface="Arial" panose="020B0604020202020204"/>
               <a:buChar char="»"/>
               <a:defRPr sz="2000" b="0" i="0" u="none" strike="noStrike" cap="none">
                 <a:solidFill>
                   <a:schemeClr val="dk1"/>
                 </a:solidFill>
-                <a:latin typeface="Arial" panose="020B0604020202090204"/>
-                <a:ea typeface="Arial" panose="020B0604020202090204"/>
-                <a:cs typeface="Arial" panose="020B0604020202090204"/>
-                <a:sym typeface="Arial" panose="020B0604020202090204"/>
+                <a:latin typeface="Arial" panose="020B0604020202020204"/>
+                <a:ea typeface="Arial" panose="020B0604020202020204"/>
+                <a:cs typeface="Arial" panose="020B0604020202020204"/>
+                <a:sym typeface="Arial" panose="020B0604020202020204"/>
               </a:defRPr>
             </a:lvl8pPr>
             <a:lvl9pPr marL="4114800" marR="0" lvl="8" indent="-355600" algn="l" rtl="0">
@@ -8012,22 +7956,20 @@
                 <a:schemeClr val="dk1"/>
               </a:buClr>
               <a:buSzPts val="2000"/>
-              <a:buFont typeface="Arial" panose="020B0604020202090204"/>
+              <a:buFont typeface="Arial" panose="020B0604020202020204"/>
               <a:buChar char="»"/>
               <a:defRPr sz="2000" b="0" i="0" u="none" strike="noStrike" cap="none">
                 <a:solidFill>
                   <a:schemeClr val="dk1"/>
                 </a:solidFill>
-                <a:latin typeface="Arial" panose="020B0604020202090204"/>
-                <a:ea typeface="Arial" panose="020B0604020202090204"/>
-                <a:cs typeface="Arial" panose="020B0604020202090204"/>
-                <a:sym typeface="Arial" panose="020B0604020202090204"/>
+                <a:latin typeface="Arial" panose="020B0604020202020204"/>
+                <a:ea typeface="Arial" panose="020B0604020202020204"/>
+                <a:cs typeface="Arial" panose="020B0604020202020204"/>
+                <a:sym typeface="Arial" panose="020B0604020202020204"/>
               </a:defRPr>
             </a:lvl9pPr>
           </a:lstStyle>
-          <a:p>
-            <a:endParaRPr/>
-          </a:p>
+          <a:p/>
         </p:txBody>
       </p:sp>
     </p:spTree>
@@ -8039,7 +7981,7 @@
 </file>
 
 <file path=ppt/slideLayouts/slideLayout6.xml><?xml version="1.0" encoding="utf-8"?>
-<p:sldLayout xmlns:a="http://schemas.openxmlformats.org/drawingml/2006/main" xmlns:r="http://schemas.openxmlformats.org/officeDocument/2006/relationships" xmlns:p="http://schemas.openxmlformats.org/presentationml/2006/main" matchingName="Title and Vertical Text" type="vertTx">
+<p:sldLayout xmlns:a="http://schemas.openxmlformats.org/drawingml/2006/main" xmlns:r="http://schemas.openxmlformats.org/officeDocument/2006/relationships" xmlns:p="http://schemas.openxmlformats.org/presentationml/2006/main" type="vertTx" matchingName="Title and Vertical Text">
   <p:cSld name="VERTICAL_TEXT">
     <p:spTree>
       <p:nvGrpSpPr>
@@ -8096,10 +8038,10 @@
                 <a:solidFill>
                   <a:schemeClr val="dk2"/>
                 </a:solidFill>
-                <a:latin typeface="Arial" panose="020B0604020202090204"/>
-                <a:ea typeface="Arial" panose="020B0604020202090204"/>
-                <a:cs typeface="Arial" panose="020B0604020202090204"/>
-                <a:sym typeface="Arial" panose="020B0604020202090204"/>
+                <a:latin typeface="Arial" panose="020B0604020202020204"/>
+                <a:ea typeface="Arial" panose="020B0604020202020204"/>
+                <a:cs typeface="Arial" panose="020B0604020202020204"/>
+                <a:sym typeface="Arial" panose="020B0604020202020204"/>
               </a:defRPr>
             </a:lvl1pPr>
             <a:lvl2pPr marL="0" marR="0" lvl="1" indent="0" algn="ctr" rtl="0">
@@ -8115,10 +8057,10 @@
                 <a:solidFill>
                   <a:schemeClr val="dk2"/>
                 </a:solidFill>
-                <a:latin typeface="Arial" panose="020B0604020202090204"/>
-                <a:ea typeface="Arial" panose="020B0604020202090204"/>
-                <a:cs typeface="Arial" panose="020B0604020202090204"/>
-                <a:sym typeface="Arial" panose="020B0604020202090204"/>
+                <a:latin typeface="Arial" panose="020B0604020202020204"/>
+                <a:ea typeface="Arial" panose="020B0604020202020204"/>
+                <a:cs typeface="Arial" panose="020B0604020202020204"/>
+                <a:sym typeface="Arial" panose="020B0604020202020204"/>
               </a:defRPr>
             </a:lvl2pPr>
             <a:lvl3pPr marL="0" marR="0" lvl="2" indent="0" algn="ctr" rtl="0">
@@ -8134,10 +8076,10 @@
                 <a:solidFill>
                   <a:schemeClr val="dk2"/>
                 </a:solidFill>
-                <a:latin typeface="Arial" panose="020B0604020202090204"/>
-                <a:ea typeface="Arial" panose="020B0604020202090204"/>
-                <a:cs typeface="Arial" panose="020B0604020202090204"/>
-                <a:sym typeface="Arial" panose="020B0604020202090204"/>
+                <a:latin typeface="Arial" panose="020B0604020202020204"/>
+                <a:ea typeface="Arial" panose="020B0604020202020204"/>
+                <a:cs typeface="Arial" panose="020B0604020202020204"/>
+                <a:sym typeface="Arial" panose="020B0604020202020204"/>
               </a:defRPr>
             </a:lvl3pPr>
             <a:lvl4pPr marL="0" marR="0" lvl="3" indent="0" algn="ctr" rtl="0">
@@ -8153,10 +8095,10 @@
                 <a:solidFill>
                   <a:schemeClr val="dk2"/>
                 </a:solidFill>
-                <a:latin typeface="Arial" panose="020B0604020202090204"/>
-                <a:ea typeface="Arial" panose="020B0604020202090204"/>
-                <a:cs typeface="Arial" panose="020B0604020202090204"/>
-                <a:sym typeface="Arial" panose="020B0604020202090204"/>
+                <a:latin typeface="Arial" panose="020B0604020202020204"/>
+                <a:ea typeface="Arial" panose="020B0604020202020204"/>
+                <a:cs typeface="Arial" panose="020B0604020202020204"/>
+                <a:sym typeface="Arial" panose="020B0604020202020204"/>
               </a:defRPr>
             </a:lvl4pPr>
             <a:lvl5pPr marL="0" marR="0" lvl="4" indent="0" algn="ctr" rtl="0">
@@ -8172,10 +8114,10 @@
                 <a:solidFill>
                   <a:schemeClr val="dk2"/>
                 </a:solidFill>
-                <a:latin typeface="Arial" panose="020B0604020202090204"/>
-                <a:ea typeface="Arial" panose="020B0604020202090204"/>
-                <a:cs typeface="Arial" panose="020B0604020202090204"/>
-                <a:sym typeface="Arial" panose="020B0604020202090204"/>
+                <a:latin typeface="Arial" panose="020B0604020202020204"/>
+                <a:ea typeface="Arial" panose="020B0604020202020204"/>
+                <a:cs typeface="Arial" panose="020B0604020202020204"/>
+                <a:sym typeface="Arial" panose="020B0604020202020204"/>
               </a:defRPr>
             </a:lvl5pPr>
             <a:lvl6pPr marL="457200" marR="0" lvl="5" indent="0" algn="ctr" rtl="0">
@@ -8191,10 +8133,10 @@
                 <a:solidFill>
                   <a:schemeClr val="dk2"/>
                 </a:solidFill>
-                <a:latin typeface="Arial" panose="020B0604020202090204"/>
-                <a:ea typeface="Arial" panose="020B0604020202090204"/>
-                <a:cs typeface="Arial" panose="020B0604020202090204"/>
-                <a:sym typeface="Arial" panose="020B0604020202090204"/>
+                <a:latin typeface="Arial" panose="020B0604020202020204"/>
+                <a:ea typeface="Arial" panose="020B0604020202020204"/>
+                <a:cs typeface="Arial" panose="020B0604020202020204"/>
+                <a:sym typeface="Arial" panose="020B0604020202020204"/>
               </a:defRPr>
             </a:lvl6pPr>
             <a:lvl7pPr marL="914400" marR="0" lvl="6" indent="0" algn="ctr" rtl="0">
@@ -8210,10 +8152,10 @@
                 <a:solidFill>
                   <a:schemeClr val="dk2"/>
                 </a:solidFill>
-                <a:latin typeface="Arial" panose="020B0604020202090204"/>
-                <a:ea typeface="Arial" panose="020B0604020202090204"/>
-                <a:cs typeface="Arial" panose="020B0604020202090204"/>
-                <a:sym typeface="Arial" panose="020B0604020202090204"/>
+                <a:latin typeface="Arial" panose="020B0604020202020204"/>
+                <a:ea typeface="Arial" panose="020B0604020202020204"/>
+                <a:cs typeface="Arial" panose="020B0604020202020204"/>
+                <a:sym typeface="Arial" panose="020B0604020202020204"/>
               </a:defRPr>
             </a:lvl7pPr>
             <a:lvl8pPr marL="1371600" marR="0" lvl="7" indent="0" algn="ctr" rtl="0">
@@ -8229,10 +8171,10 @@
                 <a:solidFill>
                   <a:schemeClr val="dk2"/>
                 </a:solidFill>
-                <a:latin typeface="Arial" panose="020B0604020202090204"/>
-                <a:ea typeface="Arial" panose="020B0604020202090204"/>
-                <a:cs typeface="Arial" panose="020B0604020202090204"/>
-                <a:sym typeface="Arial" panose="020B0604020202090204"/>
+                <a:latin typeface="Arial" panose="020B0604020202020204"/>
+                <a:ea typeface="Arial" panose="020B0604020202020204"/>
+                <a:cs typeface="Arial" panose="020B0604020202020204"/>
+                <a:sym typeface="Arial" panose="020B0604020202020204"/>
               </a:defRPr>
             </a:lvl8pPr>
             <a:lvl9pPr marL="1828800" marR="0" lvl="8" indent="0" algn="ctr" rtl="0">
@@ -8248,16 +8190,14 @@
                 <a:solidFill>
                   <a:schemeClr val="dk2"/>
                 </a:solidFill>
-                <a:latin typeface="Arial" panose="020B0604020202090204"/>
-                <a:ea typeface="Arial" panose="020B0604020202090204"/>
-                <a:cs typeface="Arial" panose="020B0604020202090204"/>
-                <a:sym typeface="Arial" panose="020B0604020202090204"/>
+                <a:latin typeface="Arial" panose="020B0604020202020204"/>
+                <a:ea typeface="Arial" panose="020B0604020202020204"/>
+                <a:cs typeface="Arial" panose="020B0604020202020204"/>
+                <a:sym typeface="Arial" panose="020B0604020202020204"/>
               </a:defRPr>
             </a:lvl9pPr>
           </a:lstStyle>
-          <a:p>
-            <a:endParaRPr/>
-          </a:p>
+          <a:p/>
         </p:txBody>
       </p:sp>
       <p:sp>
@@ -8299,16 +8239,16 @@
                 <a:schemeClr val="dk1"/>
               </a:buClr>
               <a:buSzPts val="3200"/>
-              <a:buFont typeface="Arial" panose="020B0604020202090204"/>
+              <a:buFont typeface="Arial" panose="020B0604020202020204"/>
               <a:buChar char="•"/>
               <a:defRPr sz="3200" b="0" i="0" u="none" strike="noStrike" cap="none">
                 <a:solidFill>
                   <a:schemeClr val="dk1"/>
                 </a:solidFill>
-                <a:latin typeface="Arial" panose="020B0604020202090204"/>
-                <a:ea typeface="Arial" panose="020B0604020202090204"/>
-                <a:cs typeface="Arial" panose="020B0604020202090204"/>
-                <a:sym typeface="Arial" panose="020B0604020202090204"/>
+                <a:latin typeface="Arial" panose="020B0604020202020204"/>
+                <a:ea typeface="Arial" panose="020B0604020202020204"/>
+                <a:cs typeface="Arial" panose="020B0604020202020204"/>
+                <a:sym typeface="Arial" panose="020B0604020202020204"/>
               </a:defRPr>
             </a:lvl1pPr>
             <a:lvl2pPr marL="914400" marR="0" lvl="1" indent="-406400" algn="l" rtl="0">
@@ -8322,16 +8262,16 @@
                 <a:schemeClr val="dk1"/>
               </a:buClr>
               <a:buSzPts val="2800"/>
-              <a:buFont typeface="Arial" panose="020B0604020202090204"/>
+              <a:buFont typeface="Arial" panose="020B0604020202020204"/>
               <a:buChar char="–"/>
               <a:defRPr sz="2800" b="0" i="0" u="none" strike="noStrike" cap="none">
                 <a:solidFill>
                   <a:schemeClr val="dk1"/>
                 </a:solidFill>
-                <a:latin typeface="Arial" panose="020B0604020202090204"/>
-                <a:ea typeface="Arial" panose="020B0604020202090204"/>
-                <a:cs typeface="Arial" panose="020B0604020202090204"/>
-                <a:sym typeface="Arial" panose="020B0604020202090204"/>
+                <a:latin typeface="Arial" panose="020B0604020202020204"/>
+                <a:ea typeface="Arial" panose="020B0604020202020204"/>
+                <a:cs typeface="Arial" panose="020B0604020202020204"/>
+                <a:sym typeface="Arial" panose="020B0604020202020204"/>
               </a:defRPr>
             </a:lvl2pPr>
             <a:lvl3pPr marL="1371600" marR="0" lvl="2" indent="-381000" algn="l" rtl="0">
@@ -8345,16 +8285,16 @@
                 <a:schemeClr val="dk1"/>
               </a:buClr>
               <a:buSzPts val="2400"/>
-              <a:buFont typeface="Arial" panose="020B0604020202090204"/>
+              <a:buFont typeface="Arial" panose="020B0604020202020204"/>
               <a:buChar char="•"/>
               <a:defRPr sz="2400" b="0" i="0" u="none" strike="noStrike" cap="none">
                 <a:solidFill>
                   <a:schemeClr val="dk1"/>
                 </a:solidFill>
-                <a:latin typeface="Arial" panose="020B0604020202090204"/>
-                <a:ea typeface="Arial" panose="020B0604020202090204"/>
-                <a:cs typeface="Arial" panose="020B0604020202090204"/>
-                <a:sym typeface="Arial" panose="020B0604020202090204"/>
+                <a:latin typeface="Arial" panose="020B0604020202020204"/>
+                <a:ea typeface="Arial" panose="020B0604020202020204"/>
+                <a:cs typeface="Arial" panose="020B0604020202020204"/>
+                <a:sym typeface="Arial" panose="020B0604020202020204"/>
               </a:defRPr>
             </a:lvl3pPr>
             <a:lvl4pPr marL="1828800" marR="0" lvl="3" indent="-355600" algn="l" rtl="0">
@@ -8368,16 +8308,16 @@
                 <a:schemeClr val="dk1"/>
               </a:buClr>
               <a:buSzPts val="2000"/>
-              <a:buFont typeface="Arial" panose="020B0604020202090204"/>
+              <a:buFont typeface="Arial" panose="020B0604020202020204"/>
               <a:buChar char="–"/>
               <a:defRPr sz="2000" b="0" i="0" u="none" strike="noStrike" cap="none">
                 <a:solidFill>
                   <a:schemeClr val="dk1"/>
                 </a:solidFill>
-                <a:latin typeface="Arial" panose="020B0604020202090204"/>
-                <a:ea typeface="Arial" panose="020B0604020202090204"/>
-                <a:cs typeface="Arial" panose="020B0604020202090204"/>
-                <a:sym typeface="Arial" panose="020B0604020202090204"/>
+                <a:latin typeface="Arial" panose="020B0604020202020204"/>
+                <a:ea typeface="Arial" panose="020B0604020202020204"/>
+                <a:cs typeface="Arial" panose="020B0604020202020204"/>
+                <a:sym typeface="Arial" panose="020B0604020202020204"/>
               </a:defRPr>
             </a:lvl4pPr>
             <a:lvl5pPr marL="2286000" marR="0" lvl="4" indent="-355600" algn="l" rtl="0">
@@ -8391,16 +8331,16 @@
                 <a:schemeClr val="dk1"/>
               </a:buClr>
               <a:buSzPts val="2000"/>
-              <a:buFont typeface="Arial" panose="020B0604020202090204"/>
+              <a:buFont typeface="Arial" panose="020B0604020202020204"/>
               <a:buChar char="»"/>
               <a:defRPr sz="2000" b="0" i="0" u="none" strike="noStrike" cap="none">
                 <a:solidFill>
                   <a:schemeClr val="dk1"/>
                 </a:solidFill>
-                <a:latin typeface="Arial" panose="020B0604020202090204"/>
-                <a:ea typeface="Arial" panose="020B0604020202090204"/>
-                <a:cs typeface="Arial" panose="020B0604020202090204"/>
-                <a:sym typeface="Arial" panose="020B0604020202090204"/>
+                <a:latin typeface="Arial" panose="020B0604020202020204"/>
+                <a:ea typeface="Arial" panose="020B0604020202020204"/>
+                <a:cs typeface="Arial" panose="020B0604020202020204"/>
+                <a:sym typeface="Arial" panose="020B0604020202020204"/>
               </a:defRPr>
             </a:lvl5pPr>
             <a:lvl6pPr marL="2743200" marR="0" lvl="5" indent="-355600" algn="l" rtl="0">
@@ -8414,16 +8354,16 @@
                 <a:schemeClr val="dk1"/>
               </a:buClr>
               <a:buSzPts val="2000"/>
-              <a:buFont typeface="Arial" panose="020B0604020202090204"/>
+              <a:buFont typeface="Arial" panose="020B0604020202020204"/>
               <a:buChar char="»"/>
               <a:defRPr sz="2000" b="0" i="0" u="none" strike="noStrike" cap="none">
                 <a:solidFill>
                   <a:schemeClr val="dk1"/>
                 </a:solidFill>
-                <a:latin typeface="Arial" panose="020B0604020202090204"/>
-                <a:ea typeface="Arial" panose="020B0604020202090204"/>
-                <a:cs typeface="Arial" panose="020B0604020202090204"/>
-                <a:sym typeface="Arial" panose="020B0604020202090204"/>
+                <a:latin typeface="Arial" panose="020B0604020202020204"/>
+                <a:ea typeface="Arial" panose="020B0604020202020204"/>
+                <a:cs typeface="Arial" panose="020B0604020202020204"/>
+                <a:sym typeface="Arial" panose="020B0604020202020204"/>
               </a:defRPr>
             </a:lvl6pPr>
             <a:lvl7pPr marL="3200400" marR="0" lvl="6" indent="-355600" algn="l" rtl="0">
@@ -8437,16 +8377,16 @@
                 <a:schemeClr val="dk1"/>
               </a:buClr>
               <a:buSzPts val="2000"/>
-              <a:buFont typeface="Arial" panose="020B0604020202090204"/>
+              <a:buFont typeface="Arial" panose="020B0604020202020204"/>
               <a:buChar char="»"/>
               <a:defRPr sz="2000" b="0" i="0" u="none" strike="noStrike" cap="none">
                 <a:solidFill>
                   <a:schemeClr val="dk1"/>
                 </a:solidFill>
-                <a:latin typeface="Arial" panose="020B0604020202090204"/>
-                <a:ea typeface="Arial" panose="020B0604020202090204"/>
-                <a:cs typeface="Arial" panose="020B0604020202090204"/>
-                <a:sym typeface="Arial" panose="020B0604020202090204"/>
+                <a:latin typeface="Arial" panose="020B0604020202020204"/>
+                <a:ea typeface="Arial" panose="020B0604020202020204"/>
+                <a:cs typeface="Arial" panose="020B0604020202020204"/>
+                <a:sym typeface="Arial" panose="020B0604020202020204"/>
               </a:defRPr>
             </a:lvl7pPr>
             <a:lvl8pPr marL="3657600" marR="0" lvl="7" indent="-355600" algn="l" rtl="0">
@@ -8460,16 +8400,16 @@
                 <a:schemeClr val="dk1"/>
               </a:buClr>
               <a:buSzPts val="2000"/>
-              <a:buFont typeface="Arial" panose="020B0604020202090204"/>
+              <a:buFont typeface="Arial" panose="020B0604020202020204"/>
               <a:buChar char="»"/>
               <a:defRPr sz="2000" b="0" i="0" u="none" strike="noStrike" cap="none">
                 <a:solidFill>
                   <a:schemeClr val="dk1"/>
                 </a:solidFill>
-                <a:latin typeface="Arial" panose="020B0604020202090204"/>
-                <a:ea typeface="Arial" panose="020B0604020202090204"/>
-                <a:cs typeface="Arial" panose="020B0604020202090204"/>
-                <a:sym typeface="Arial" panose="020B0604020202090204"/>
+                <a:latin typeface="Arial" panose="020B0604020202020204"/>
+                <a:ea typeface="Arial" panose="020B0604020202020204"/>
+                <a:cs typeface="Arial" panose="020B0604020202020204"/>
+                <a:sym typeface="Arial" panose="020B0604020202020204"/>
               </a:defRPr>
             </a:lvl8pPr>
             <a:lvl9pPr marL="4114800" marR="0" lvl="8" indent="-355600" algn="l" rtl="0">
@@ -8483,22 +8423,20 @@
                 <a:schemeClr val="dk1"/>
               </a:buClr>
               <a:buSzPts val="2000"/>
-              <a:buFont typeface="Arial" panose="020B0604020202090204"/>
+              <a:buFont typeface="Arial" panose="020B0604020202020204"/>
               <a:buChar char="»"/>
               <a:defRPr sz="2000" b="0" i="0" u="none" strike="noStrike" cap="none">
                 <a:solidFill>
                   <a:schemeClr val="dk1"/>
                 </a:solidFill>
-                <a:latin typeface="Arial" panose="020B0604020202090204"/>
-                <a:ea typeface="Arial" panose="020B0604020202090204"/>
-                <a:cs typeface="Arial" panose="020B0604020202090204"/>
-                <a:sym typeface="Arial" panose="020B0604020202090204"/>
+                <a:latin typeface="Arial" panose="020B0604020202020204"/>
+                <a:ea typeface="Arial" panose="020B0604020202020204"/>
+                <a:cs typeface="Arial" panose="020B0604020202020204"/>
+                <a:sym typeface="Arial" panose="020B0604020202020204"/>
               </a:defRPr>
             </a:lvl9pPr>
           </a:lstStyle>
-          <a:p>
-            <a:endParaRPr/>
-          </a:p>
+          <a:p/>
         </p:txBody>
       </p:sp>
     </p:spTree>
@@ -8510,7 +8448,7 @@
 </file>
 
 <file path=ppt/slideLayouts/slideLayout7.xml><?xml version="1.0" encoding="utf-8"?>
-<p:sldLayout xmlns:a="http://schemas.openxmlformats.org/drawingml/2006/main" xmlns:r="http://schemas.openxmlformats.org/officeDocument/2006/relationships" xmlns:p="http://schemas.openxmlformats.org/presentationml/2006/main" matchingName="Picture with Caption" type="picTx">
+<p:sldLayout xmlns:a="http://schemas.openxmlformats.org/drawingml/2006/main" xmlns:r="http://schemas.openxmlformats.org/officeDocument/2006/relationships" xmlns:p="http://schemas.openxmlformats.org/presentationml/2006/main" type="picTx" matchingName="Picture with Caption">
   <p:cSld name="PICTURE_WITH_CAPTION_TEXT">
     <p:spTree>
       <p:nvGrpSpPr>
@@ -8567,10 +8505,10 @@
                 <a:solidFill>
                   <a:schemeClr val="dk2"/>
                 </a:solidFill>
-                <a:latin typeface="Arial" panose="020B0604020202090204"/>
-                <a:ea typeface="Arial" panose="020B0604020202090204"/>
-                <a:cs typeface="Arial" panose="020B0604020202090204"/>
-                <a:sym typeface="Arial" panose="020B0604020202090204"/>
+                <a:latin typeface="Arial" panose="020B0604020202020204"/>
+                <a:ea typeface="Arial" panose="020B0604020202020204"/>
+                <a:cs typeface="Arial" panose="020B0604020202020204"/>
+                <a:sym typeface="Arial" panose="020B0604020202020204"/>
               </a:defRPr>
             </a:lvl1pPr>
             <a:lvl2pPr marL="0" marR="0" lvl="1" indent="0" algn="ctr" rtl="0">
@@ -8586,10 +8524,10 @@
                 <a:solidFill>
                   <a:schemeClr val="dk2"/>
                 </a:solidFill>
-                <a:latin typeface="Arial" panose="020B0604020202090204"/>
-                <a:ea typeface="Arial" panose="020B0604020202090204"/>
-                <a:cs typeface="Arial" panose="020B0604020202090204"/>
-                <a:sym typeface="Arial" panose="020B0604020202090204"/>
+                <a:latin typeface="Arial" panose="020B0604020202020204"/>
+                <a:ea typeface="Arial" panose="020B0604020202020204"/>
+                <a:cs typeface="Arial" panose="020B0604020202020204"/>
+                <a:sym typeface="Arial" panose="020B0604020202020204"/>
               </a:defRPr>
             </a:lvl2pPr>
             <a:lvl3pPr marL="0" marR="0" lvl="2" indent="0" algn="ctr" rtl="0">
@@ -8605,10 +8543,10 @@
                 <a:solidFill>
                   <a:schemeClr val="dk2"/>
                 </a:solidFill>
-                <a:latin typeface="Arial" panose="020B0604020202090204"/>
-                <a:ea typeface="Arial" panose="020B0604020202090204"/>
-                <a:cs typeface="Arial" panose="020B0604020202090204"/>
-                <a:sym typeface="Arial" panose="020B0604020202090204"/>
+                <a:latin typeface="Arial" panose="020B0604020202020204"/>
+                <a:ea typeface="Arial" panose="020B0604020202020204"/>
+                <a:cs typeface="Arial" panose="020B0604020202020204"/>
+                <a:sym typeface="Arial" panose="020B0604020202020204"/>
               </a:defRPr>
             </a:lvl3pPr>
             <a:lvl4pPr marL="0" marR="0" lvl="3" indent="0" algn="ctr" rtl="0">
@@ -8624,10 +8562,10 @@
                 <a:solidFill>
                   <a:schemeClr val="dk2"/>
                 </a:solidFill>
-                <a:latin typeface="Arial" panose="020B0604020202090204"/>
-                <a:ea typeface="Arial" panose="020B0604020202090204"/>
-                <a:cs typeface="Arial" panose="020B0604020202090204"/>
-                <a:sym typeface="Arial" panose="020B0604020202090204"/>
+                <a:latin typeface="Arial" panose="020B0604020202020204"/>
+                <a:ea typeface="Arial" panose="020B0604020202020204"/>
+                <a:cs typeface="Arial" panose="020B0604020202020204"/>
+                <a:sym typeface="Arial" panose="020B0604020202020204"/>
               </a:defRPr>
             </a:lvl4pPr>
             <a:lvl5pPr marL="0" marR="0" lvl="4" indent="0" algn="ctr" rtl="0">
@@ -8643,10 +8581,10 @@
                 <a:solidFill>
                   <a:schemeClr val="dk2"/>
                 </a:solidFill>
-                <a:latin typeface="Arial" panose="020B0604020202090204"/>
-                <a:ea typeface="Arial" panose="020B0604020202090204"/>
-                <a:cs typeface="Arial" panose="020B0604020202090204"/>
-                <a:sym typeface="Arial" panose="020B0604020202090204"/>
+                <a:latin typeface="Arial" panose="020B0604020202020204"/>
+                <a:ea typeface="Arial" panose="020B0604020202020204"/>
+                <a:cs typeface="Arial" panose="020B0604020202020204"/>
+                <a:sym typeface="Arial" panose="020B0604020202020204"/>
               </a:defRPr>
             </a:lvl5pPr>
             <a:lvl6pPr marL="457200" marR="0" lvl="5" indent="0" algn="ctr" rtl="0">
@@ -8662,10 +8600,10 @@
                 <a:solidFill>
                   <a:schemeClr val="dk2"/>
                 </a:solidFill>
-                <a:latin typeface="Arial" panose="020B0604020202090204"/>
-                <a:ea typeface="Arial" panose="020B0604020202090204"/>
-                <a:cs typeface="Arial" panose="020B0604020202090204"/>
-                <a:sym typeface="Arial" panose="020B0604020202090204"/>
+                <a:latin typeface="Arial" panose="020B0604020202020204"/>
+                <a:ea typeface="Arial" panose="020B0604020202020204"/>
+                <a:cs typeface="Arial" panose="020B0604020202020204"/>
+                <a:sym typeface="Arial" panose="020B0604020202020204"/>
               </a:defRPr>
             </a:lvl6pPr>
             <a:lvl7pPr marL="914400" marR="0" lvl="6" indent="0" algn="ctr" rtl="0">
@@ -8681,10 +8619,10 @@
                 <a:solidFill>
                   <a:schemeClr val="dk2"/>
                 </a:solidFill>
-                <a:latin typeface="Arial" panose="020B0604020202090204"/>
-                <a:ea typeface="Arial" panose="020B0604020202090204"/>
-                <a:cs typeface="Arial" panose="020B0604020202090204"/>
-                <a:sym typeface="Arial" panose="020B0604020202090204"/>
+                <a:latin typeface="Arial" panose="020B0604020202020204"/>
+                <a:ea typeface="Arial" panose="020B0604020202020204"/>
+                <a:cs typeface="Arial" panose="020B0604020202020204"/>
+                <a:sym typeface="Arial" panose="020B0604020202020204"/>
               </a:defRPr>
             </a:lvl7pPr>
             <a:lvl8pPr marL="1371600" marR="0" lvl="7" indent="0" algn="ctr" rtl="0">
@@ -8700,10 +8638,10 @@
                 <a:solidFill>
                   <a:schemeClr val="dk2"/>
                 </a:solidFill>
-                <a:latin typeface="Arial" panose="020B0604020202090204"/>
-                <a:ea typeface="Arial" panose="020B0604020202090204"/>
-                <a:cs typeface="Arial" panose="020B0604020202090204"/>
-                <a:sym typeface="Arial" panose="020B0604020202090204"/>
+                <a:latin typeface="Arial" panose="020B0604020202020204"/>
+                <a:ea typeface="Arial" panose="020B0604020202020204"/>
+                <a:cs typeface="Arial" panose="020B0604020202020204"/>
+                <a:sym typeface="Arial" panose="020B0604020202020204"/>
               </a:defRPr>
             </a:lvl8pPr>
             <a:lvl9pPr marL="1828800" marR="0" lvl="8" indent="0" algn="ctr" rtl="0">
@@ -8719,16 +8657,14 @@
                 <a:solidFill>
                   <a:schemeClr val="dk2"/>
                 </a:solidFill>
-                <a:latin typeface="Arial" panose="020B0604020202090204"/>
-                <a:ea typeface="Arial" panose="020B0604020202090204"/>
-                <a:cs typeface="Arial" panose="020B0604020202090204"/>
-                <a:sym typeface="Arial" panose="020B0604020202090204"/>
+                <a:latin typeface="Arial" panose="020B0604020202020204"/>
+                <a:ea typeface="Arial" panose="020B0604020202020204"/>
+                <a:cs typeface="Arial" panose="020B0604020202020204"/>
+                <a:sym typeface="Arial" panose="020B0604020202020204"/>
               </a:defRPr>
             </a:lvl9pPr>
           </a:lstStyle>
-          <a:p>
-            <a:endParaRPr/>
-          </a:p>
+          <a:p/>
         </p:txBody>
       </p:sp>
       <p:sp>
@@ -8770,16 +8706,16 @@
                 <a:schemeClr val="dk1"/>
               </a:buClr>
               <a:buSzPts val="1400"/>
-              <a:buFont typeface="Arial" panose="020B0604020202090204"/>
+              <a:buFont typeface="Arial" panose="020B0604020202020204"/>
               <a:buNone/>
               <a:defRPr sz="3200" b="0" i="0" u="none" strike="noStrike" cap="none">
                 <a:solidFill>
                   <a:schemeClr val="dk1"/>
                 </a:solidFill>
-                <a:latin typeface="Arial" panose="020B0604020202090204"/>
-                <a:ea typeface="Arial" panose="020B0604020202090204"/>
-                <a:cs typeface="Arial" panose="020B0604020202090204"/>
-                <a:sym typeface="Arial" panose="020B0604020202090204"/>
+                <a:latin typeface="Arial" panose="020B0604020202020204"/>
+                <a:ea typeface="Arial" panose="020B0604020202020204"/>
+                <a:cs typeface="Arial" panose="020B0604020202020204"/>
+                <a:sym typeface="Arial" panose="020B0604020202020204"/>
               </a:defRPr>
             </a:lvl1pPr>
             <a:lvl2pPr marL="457200" marR="0" lvl="1" indent="0" algn="l" rtl="0">
@@ -8793,16 +8729,16 @@
                 <a:schemeClr val="dk1"/>
               </a:buClr>
               <a:buSzPts val="1400"/>
-              <a:buFont typeface="Arial" panose="020B0604020202090204"/>
+              <a:buFont typeface="Arial" panose="020B0604020202020204"/>
               <a:buNone/>
               <a:defRPr sz="2800" b="0" i="0" u="none" strike="noStrike" cap="none">
                 <a:solidFill>
                   <a:schemeClr val="dk1"/>
                 </a:solidFill>
-                <a:latin typeface="Arial" panose="020B0604020202090204"/>
-                <a:ea typeface="Arial" panose="020B0604020202090204"/>
-                <a:cs typeface="Arial" panose="020B0604020202090204"/>
-                <a:sym typeface="Arial" panose="020B0604020202090204"/>
+                <a:latin typeface="Arial" panose="020B0604020202020204"/>
+                <a:ea typeface="Arial" panose="020B0604020202020204"/>
+                <a:cs typeface="Arial" panose="020B0604020202020204"/>
+                <a:sym typeface="Arial" panose="020B0604020202020204"/>
               </a:defRPr>
             </a:lvl2pPr>
             <a:lvl3pPr marL="914400" marR="0" lvl="2" indent="0" algn="l" rtl="0">
@@ -8816,16 +8752,16 @@
                 <a:schemeClr val="dk1"/>
               </a:buClr>
               <a:buSzPts val="1400"/>
-              <a:buFont typeface="Arial" panose="020B0604020202090204"/>
+              <a:buFont typeface="Arial" panose="020B0604020202020204"/>
               <a:buNone/>
               <a:defRPr sz="2400" b="0" i="0" u="none" strike="noStrike" cap="none">
                 <a:solidFill>
                   <a:schemeClr val="dk1"/>
                 </a:solidFill>
-                <a:latin typeface="Arial" panose="020B0604020202090204"/>
-                <a:ea typeface="Arial" panose="020B0604020202090204"/>
-                <a:cs typeface="Arial" panose="020B0604020202090204"/>
-                <a:sym typeface="Arial" panose="020B0604020202090204"/>
+                <a:latin typeface="Arial" panose="020B0604020202020204"/>
+                <a:ea typeface="Arial" panose="020B0604020202020204"/>
+                <a:cs typeface="Arial" panose="020B0604020202020204"/>
+                <a:sym typeface="Arial" panose="020B0604020202020204"/>
               </a:defRPr>
             </a:lvl3pPr>
             <a:lvl4pPr marL="1371600" marR="0" lvl="3" indent="0" algn="l" rtl="0">
@@ -8839,16 +8775,16 @@
                 <a:schemeClr val="dk1"/>
               </a:buClr>
               <a:buSzPts val="1400"/>
-              <a:buFont typeface="Arial" panose="020B0604020202090204"/>
+              <a:buFont typeface="Arial" panose="020B0604020202020204"/>
               <a:buNone/>
               <a:defRPr sz="2000" b="0" i="0" u="none" strike="noStrike" cap="none">
                 <a:solidFill>
                   <a:schemeClr val="dk1"/>
                 </a:solidFill>
-                <a:latin typeface="Arial" panose="020B0604020202090204"/>
-                <a:ea typeface="Arial" panose="020B0604020202090204"/>
-                <a:cs typeface="Arial" panose="020B0604020202090204"/>
-                <a:sym typeface="Arial" panose="020B0604020202090204"/>
+                <a:latin typeface="Arial" panose="020B0604020202020204"/>
+                <a:ea typeface="Arial" panose="020B0604020202020204"/>
+                <a:cs typeface="Arial" panose="020B0604020202020204"/>
+                <a:sym typeface="Arial" panose="020B0604020202020204"/>
               </a:defRPr>
             </a:lvl4pPr>
             <a:lvl5pPr marL="1828800" marR="0" lvl="4" indent="0" algn="l" rtl="0">
@@ -8862,16 +8798,16 @@
                 <a:schemeClr val="dk1"/>
               </a:buClr>
               <a:buSzPts val="1400"/>
-              <a:buFont typeface="Arial" panose="020B0604020202090204"/>
+              <a:buFont typeface="Arial" panose="020B0604020202020204"/>
               <a:buNone/>
               <a:defRPr sz="2000" b="0" i="0" u="none" strike="noStrike" cap="none">
                 <a:solidFill>
                   <a:schemeClr val="dk1"/>
                 </a:solidFill>
-                <a:latin typeface="Arial" panose="020B0604020202090204"/>
-                <a:ea typeface="Arial" panose="020B0604020202090204"/>
-                <a:cs typeface="Arial" panose="020B0604020202090204"/>
-                <a:sym typeface="Arial" panose="020B0604020202090204"/>
+                <a:latin typeface="Arial" panose="020B0604020202020204"/>
+                <a:ea typeface="Arial" panose="020B0604020202020204"/>
+                <a:cs typeface="Arial" panose="020B0604020202020204"/>
+                <a:sym typeface="Arial" panose="020B0604020202020204"/>
               </a:defRPr>
             </a:lvl5pPr>
             <a:lvl6pPr marL="2286000" marR="0" lvl="5" indent="0" algn="l" rtl="0">
@@ -8885,16 +8821,16 @@
                 <a:schemeClr val="dk1"/>
               </a:buClr>
               <a:buSzPts val="1400"/>
-              <a:buFont typeface="Arial" panose="020B0604020202090204"/>
+              <a:buFont typeface="Arial" panose="020B0604020202020204"/>
               <a:buNone/>
               <a:defRPr sz="2000" b="0" i="0" u="none" strike="noStrike" cap="none">
                 <a:solidFill>
                   <a:schemeClr val="dk1"/>
                 </a:solidFill>
-                <a:latin typeface="Arial" panose="020B0604020202090204"/>
-                <a:ea typeface="Arial" panose="020B0604020202090204"/>
-                <a:cs typeface="Arial" panose="020B0604020202090204"/>
-                <a:sym typeface="Arial" panose="020B0604020202090204"/>
+                <a:latin typeface="Arial" panose="020B0604020202020204"/>
+                <a:ea typeface="Arial" panose="020B0604020202020204"/>
+                <a:cs typeface="Arial" panose="020B0604020202020204"/>
+                <a:sym typeface="Arial" panose="020B0604020202020204"/>
               </a:defRPr>
             </a:lvl6pPr>
             <a:lvl7pPr marL="2743200" marR="0" lvl="6" indent="0" algn="l" rtl="0">
@@ -8908,16 +8844,16 @@
                 <a:schemeClr val="dk1"/>
               </a:buClr>
               <a:buSzPts val="1400"/>
-              <a:buFont typeface="Arial" panose="020B0604020202090204"/>
+              <a:buFont typeface="Arial" panose="020B0604020202020204"/>
               <a:buNone/>
               <a:defRPr sz="2000" b="0" i="0" u="none" strike="noStrike" cap="none">
                 <a:solidFill>
                   <a:schemeClr val="dk1"/>
                 </a:solidFill>
-                <a:latin typeface="Arial" panose="020B0604020202090204"/>
-                <a:ea typeface="Arial" panose="020B0604020202090204"/>
-                <a:cs typeface="Arial" panose="020B0604020202090204"/>
-                <a:sym typeface="Arial" panose="020B0604020202090204"/>
+                <a:latin typeface="Arial" panose="020B0604020202020204"/>
+                <a:ea typeface="Arial" panose="020B0604020202020204"/>
+                <a:cs typeface="Arial" panose="020B0604020202020204"/>
+                <a:sym typeface="Arial" panose="020B0604020202020204"/>
               </a:defRPr>
             </a:lvl7pPr>
             <a:lvl8pPr marL="3200400" marR="0" lvl="7" indent="0" algn="l" rtl="0">
@@ -8931,16 +8867,16 @@
                 <a:schemeClr val="dk1"/>
               </a:buClr>
               <a:buSzPts val="1400"/>
-              <a:buFont typeface="Arial" panose="020B0604020202090204"/>
+              <a:buFont typeface="Arial" panose="020B0604020202020204"/>
               <a:buNone/>
               <a:defRPr sz="2000" b="0" i="0" u="none" strike="noStrike" cap="none">
                 <a:solidFill>
                   <a:schemeClr val="dk1"/>
                 </a:solidFill>
-                <a:latin typeface="Arial" panose="020B0604020202090204"/>
-                <a:ea typeface="Arial" panose="020B0604020202090204"/>
-                <a:cs typeface="Arial" panose="020B0604020202090204"/>
-                <a:sym typeface="Arial" panose="020B0604020202090204"/>
+                <a:latin typeface="Arial" panose="020B0604020202020204"/>
+                <a:ea typeface="Arial" panose="020B0604020202020204"/>
+                <a:cs typeface="Arial" panose="020B0604020202020204"/>
+                <a:sym typeface="Arial" panose="020B0604020202020204"/>
               </a:defRPr>
             </a:lvl8pPr>
             <a:lvl9pPr marL="3657600" marR="0" lvl="8" indent="0" algn="l" rtl="0">
@@ -8954,22 +8890,20 @@
                 <a:schemeClr val="dk1"/>
               </a:buClr>
               <a:buSzPts val="1400"/>
-              <a:buFont typeface="Arial" panose="020B0604020202090204"/>
+              <a:buFont typeface="Arial" panose="020B0604020202020204"/>
               <a:buNone/>
               <a:defRPr sz="2000" b="0" i="0" u="none" strike="noStrike" cap="none">
                 <a:solidFill>
                   <a:schemeClr val="dk1"/>
                 </a:solidFill>
-                <a:latin typeface="Arial" panose="020B0604020202090204"/>
-                <a:ea typeface="Arial" panose="020B0604020202090204"/>
-                <a:cs typeface="Arial" panose="020B0604020202090204"/>
-                <a:sym typeface="Arial" panose="020B0604020202090204"/>
+                <a:latin typeface="Arial" panose="020B0604020202020204"/>
+                <a:ea typeface="Arial" panose="020B0604020202020204"/>
+                <a:cs typeface="Arial" panose="020B0604020202020204"/>
+                <a:sym typeface="Arial" panose="020B0604020202020204"/>
               </a:defRPr>
             </a:lvl9pPr>
           </a:lstStyle>
-          <a:p>
-            <a:endParaRPr/>
-          </a:p>
+          <a:p/>
         </p:txBody>
       </p:sp>
       <p:sp>
@@ -9011,16 +8945,16 @@
                 <a:schemeClr val="dk1"/>
               </a:buClr>
               <a:buSzPts val="1400"/>
-              <a:buFont typeface="Arial" panose="020B0604020202090204"/>
+              <a:buFont typeface="Arial" panose="020B0604020202020204"/>
               <a:buNone/>
               <a:defRPr sz="1400" b="0" i="0" u="none" strike="noStrike" cap="none">
                 <a:solidFill>
                   <a:schemeClr val="dk1"/>
                 </a:solidFill>
-                <a:latin typeface="Arial" panose="020B0604020202090204"/>
-                <a:ea typeface="Arial" panose="020B0604020202090204"/>
-                <a:cs typeface="Arial" panose="020B0604020202090204"/>
-                <a:sym typeface="Arial" panose="020B0604020202090204"/>
+                <a:latin typeface="Arial" panose="020B0604020202020204"/>
+                <a:ea typeface="Arial" panose="020B0604020202020204"/>
+                <a:cs typeface="Arial" panose="020B0604020202020204"/>
+                <a:sym typeface="Arial" panose="020B0604020202020204"/>
               </a:defRPr>
             </a:lvl1pPr>
             <a:lvl2pPr marL="914400" marR="0" lvl="1" indent="-228600" algn="l" rtl="0">
@@ -9034,16 +8968,16 @@
                 <a:schemeClr val="dk1"/>
               </a:buClr>
               <a:buSzPts val="1400"/>
-              <a:buFont typeface="Arial" panose="020B0604020202090204"/>
+              <a:buFont typeface="Arial" panose="020B0604020202020204"/>
               <a:buNone/>
               <a:defRPr sz="1200" b="0" i="0" u="none" strike="noStrike" cap="none">
                 <a:solidFill>
                   <a:schemeClr val="dk1"/>
                 </a:solidFill>
-                <a:latin typeface="Arial" panose="020B0604020202090204"/>
-                <a:ea typeface="Arial" panose="020B0604020202090204"/>
-                <a:cs typeface="Arial" panose="020B0604020202090204"/>
-                <a:sym typeface="Arial" panose="020B0604020202090204"/>
+                <a:latin typeface="Arial" panose="020B0604020202020204"/>
+                <a:ea typeface="Arial" panose="020B0604020202020204"/>
+                <a:cs typeface="Arial" panose="020B0604020202020204"/>
+                <a:sym typeface="Arial" panose="020B0604020202020204"/>
               </a:defRPr>
             </a:lvl2pPr>
             <a:lvl3pPr marL="1371600" marR="0" lvl="2" indent="-228600" algn="l" rtl="0">
@@ -9057,16 +8991,16 @@
                 <a:schemeClr val="dk1"/>
               </a:buClr>
               <a:buSzPts val="1400"/>
-              <a:buFont typeface="Arial" panose="020B0604020202090204"/>
+              <a:buFont typeface="Arial" panose="020B0604020202020204"/>
               <a:buNone/>
               <a:defRPr sz="1000" b="0" i="0" u="none" strike="noStrike" cap="none">
                 <a:solidFill>
                   <a:schemeClr val="dk1"/>
                 </a:solidFill>
-                <a:latin typeface="Arial" panose="020B0604020202090204"/>
-                <a:ea typeface="Arial" panose="020B0604020202090204"/>
-                <a:cs typeface="Arial" panose="020B0604020202090204"/>
-                <a:sym typeface="Arial" panose="020B0604020202090204"/>
+                <a:latin typeface="Arial" panose="020B0604020202020204"/>
+                <a:ea typeface="Arial" panose="020B0604020202020204"/>
+                <a:cs typeface="Arial" panose="020B0604020202020204"/>
+                <a:sym typeface="Arial" panose="020B0604020202020204"/>
               </a:defRPr>
             </a:lvl3pPr>
             <a:lvl4pPr marL="1828800" marR="0" lvl="3" indent="-228600" algn="l" rtl="0">
@@ -9080,16 +9014,16 @@
                 <a:schemeClr val="dk1"/>
               </a:buClr>
               <a:buSzPts val="1400"/>
-              <a:buFont typeface="Arial" panose="020B0604020202090204"/>
+              <a:buFont typeface="Arial" panose="020B0604020202020204"/>
               <a:buNone/>
               <a:defRPr sz="900" b="0" i="0" u="none" strike="noStrike" cap="none">
                 <a:solidFill>
                   <a:schemeClr val="dk1"/>
                 </a:solidFill>
-                <a:latin typeface="Arial" panose="020B0604020202090204"/>
-                <a:ea typeface="Arial" panose="020B0604020202090204"/>
-                <a:cs typeface="Arial" panose="020B0604020202090204"/>
-                <a:sym typeface="Arial" panose="020B0604020202090204"/>
+                <a:latin typeface="Arial" panose="020B0604020202020204"/>
+                <a:ea typeface="Arial" panose="020B0604020202020204"/>
+                <a:cs typeface="Arial" panose="020B0604020202020204"/>
+                <a:sym typeface="Arial" panose="020B0604020202020204"/>
               </a:defRPr>
             </a:lvl4pPr>
             <a:lvl5pPr marL="2286000" marR="0" lvl="4" indent="-228600" algn="l" rtl="0">
@@ -9103,16 +9037,16 @@
                 <a:schemeClr val="dk1"/>
               </a:buClr>
               <a:buSzPts val="1400"/>
-              <a:buFont typeface="Arial" panose="020B0604020202090204"/>
+              <a:buFont typeface="Arial" panose="020B0604020202020204"/>
               <a:buNone/>
               <a:defRPr sz="900" b="0" i="0" u="none" strike="noStrike" cap="none">
                 <a:solidFill>
                   <a:schemeClr val="dk1"/>
                 </a:solidFill>
-                <a:latin typeface="Arial" panose="020B0604020202090204"/>
-                <a:ea typeface="Arial" panose="020B0604020202090204"/>
-                <a:cs typeface="Arial" panose="020B0604020202090204"/>
-                <a:sym typeface="Arial" panose="020B0604020202090204"/>
+                <a:latin typeface="Arial" panose="020B0604020202020204"/>
+                <a:ea typeface="Arial" panose="020B0604020202020204"/>
+                <a:cs typeface="Arial" panose="020B0604020202020204"/>
+                <a:sym typeface="Arial" panose="020B0604020202020204"/>
               </a:defRPr>
             </a:lvl5pPr>
             <a:lvl6pPr marL="2743200" marR="0" lvl="5" indent="-228600" algn="l" rtl="0">
@@ -9126,16 +9060,16 @@
                 <a:schemeClr val="dk1"/>
               </a:buClr>
               <a:buSzPts val="1400"/>
-              <a:buFont typeface="Arial" panose="020B0604020202090204"/>
+              <a:buFont typeface="Arial" panose="020B0604020202020204"/>
               <a:buNone/>
               <a:defRPr sz="900" b="0" i="0" u="none" strike="noStrike" cap="none">
                 <a:solidFill>
                   <a:schemeClr val="dk1"/>
                 </a:solidFill>
-                <a:latin typeface="Arial" panose="020B0604020202090204"/>
-                <a:ea typeface="Arial" panose="020B0604020202090204"/>
-                <a:cs typeface="Arial" panose="020B0604020202090204"/>
-                <a:sym typeface="Arial" panose="020B0604020202090204"/>
+                <a:latin typeface="Arial" panose="020B0604020202020204"/>
+                <a:ea typeface="Arial" panose="020B0604020202020204"/>
+                <a:cs typeface="Arial" panose="020B0604020202020204"/>
+                <a:sym typeface="Arial" panose="020B0604020202020204"/>
               </a:defRPr>
             </a:lvl6pPr>
             <a:lvl7pPr marL="3200400" marR="0" lvl="6" indent="-228600" algn="l" rtl="0">
@@ -9149,16 +9083,16 @@
                 <a:schemeClr val="dk1"/>
               </a:buClr>
               <a:buSzPts val="1400"/>
-              <a:buFont typeface="Arial" panose="020B0604020202090204"/>
+              <a:buFont typeface="Arial" panose="020B0604020202020204"/>
               <a:buNone/>
               <a:defRPr sz="900" b="0" i="0" u="none" strike="noStrike" cap="none">
                 <a:solidFill>
                   <a:schemeClr val="dk1"/>
                 </a:solidFill>
-                <a:latin typeface="Arial" panose="020B0604020202090204"/>
-                <a:ea typeface="Arial" panose="020B0604020202090204"/>
-                <a:cs typeface="Arial" panose="020B0604020202090204"/>
-                <a:sym typeface="Arial" panose="020B0604020202090204"/>
+                <a:latin typeface="Arial" panose="020B0604020202020204"/>
+                <a:ea typeface="Arial" panose="020B0604020202020204"/>
+                <a:cs typeface="Arial" panose="020B0604020202020204"/>
+                <a:sym typeface="Arial" panose="020B0604020202020204"/>
               </a:defRPr>
             </a:lvl7pPr>
             <a:lvl8pPr marL="3657600" marR="0" lvl="7" indent="-228600" algn="l" rtl="0">
@@ -9172,16 +9106,16 @@
                 <a:schemeClr val="dk1"/>
               </a:buClr>
               <a:buSzPts val="1400"/>
-              <a:buFont typeface="Arial" panose="020B0604020202090204"/>
+              <a:buFont typeface="Arial" panose="020B0604020202020204"/>
               <a:buNone/>
               <a:defRPr sz="900" b="0" i="0" u="none" strike="noStrike" cap="none">
                 <a:solidFill>
                   <a:schemeClr val="dk1"/>
                 </a:solidFill>
-                <a:latin typeface="Arial" panose="020B0604020202090204"/>
-                <a:ea typeface="Arial" panose="020B0604020202090204"/>
-                <a:cs typeface="Arial" panose="020B0604020202090204"/>
-                <a:sym typeface="Arial" panose="020B0604020202090204"/>
+                <a:latin typeface="Arial" panose="020B0604020202020204"/>
+                <a:ea typeface="Arial" panose="020B0604020202020204"/>
+                <a:cs typeface="Arial" panose="020B0604020202020204"/>
+                <a:sym typeface="Arial" panose="020B0604020202020204"/>
               </a:defRPr>
             </a:lvl8pPr>
             <a:lvl9pPr marL="4114800" marR="0" lvl="8" indent="-228600" algn="l" rtl="0">
@@ -9195,22 +9129,20 @@
                 <a:schemeClr val="dk1"/>
               </a:buClr>
               <a:buSzPts val="1400"/>
-              <a:buFont typeface="Arial" panose="020B0604020202090204"/>
+              <a:buFont typeface="Arial" panose="020B0604020202020204"/>
               <a:buNone/>
               <a:defRPr sz="900" b="0" i="0" u="none" strike="noStrike" cap="none">
                 <a:solidFill>
                   <a:schemeClr val="dk1"/>
                 </a:solidFill>
-                <a:latin typeface="Arial" panose="020B0604020202090204"/>
-                <a:ea typeface="Arial" panose="020B0604020202090204"/>
-                <a:cs typeface="Arial" panose="020B0604020202090204"/>
-                <a:sym typeface="Arial" panose="020B0604020202090204"/>
+                <a:latin typeface="Arial" panose="020B0604020202020204"/>
+                <a:ea typeface="Arial" panose="020B0604020202020204"/>
+                <a:cs typeface="Arial" panose="020B0604020202020204"/>
+                <a:sym typeface="Arial" panose="020B0604020202020204"/>
               </a:defRPr>
             </a:lvl9pPr>
           </a:lstStyle>
-          <a:p>
-            <a:endParaRPr/>
-          </a:p>
+          <a:p/>
         </p:txBody>
       </p:sp>
     </p:spTree>
@@ -9222,7 +9154,7 @@
 </file>
 
 <file path=ppt/slideLayouts/slideLayout8.xml><?xml version="1.0" encoding="utf-8"?>
-<p:sldLayout xmlns:a="http://schemas.openxmlformats.org/drawingml/2006/main" xmlns:r="http://schemas.openxmlformats.org/officeDocument/2006/relationships" xmlns:p="http://schemas.openxmlformats.org/presentationml/2006/main" matchingName="Content with Caption" type="objTx">
+<p:sldLayout xmlns:a="http://schemas.openxmlformats.org/drawingml/2006/main" xmlns:r="http://schemas.openxmlformats.org/officeDocument/2006/relationships" xmlns:p="http://schemas.openxmlformats.org/presentationml/2006/main" type="objTx" matchingName="Content with Caption">
   <p:cSld name="OBJECT_WITH_CAPTION_TEXT">
     <p:spTree>
       <p:nvGrpSpPr>
@@ -9279,10 +9211,10 @@
                 <a:solidFill>
                   <a:schemeClr val="dk2"/>
                 </a:solidFill>
-                <a:latin typeface="Arial" panose="020B0604020202090204"/>
-                <a:ea typeface="Arial" panose="020B0604020202090204"/>
-                <a:cs typeface="Arial" panose="020B0604020202090204"/>
-                <a:sym typeface="Arial" panose="020B0604020202090204"/>
+                <a:latin typeface="Arial" panose="020B0604020202020204"/>
+                <a:ea typeface="Arial" panose="020B0604020202020204"/>
+                <a:cs typeface="Arial" panose="020B0604020202020204"/>
+                <a:sym typeface="Arial" panose="020B0604020202020204"/>
               </a:defRPr>
             </a:lvl1pPr>
             <a:lvl2pPr marL="0" marR="0" lvl="1" indent="0" algn="ctr" rtl="0">
@@ -9298,10 +9230,10 @@
                 <a:solidFill>
                   <a:schemeClr val="dk2"/>
                 </a:solidFill>
-                <a:latin typeface="Arial" panose="020B0604020202090204"/>
-                <a:ea typeface="Arial" panose="020B0604020202090204"/>
-                <a:cs typeface="Arial" panose="020B0604020202090204"/>
-                <a:sym typeface="Arial" panose="020B0604020202090204"/>
+                <a:latin typeface="Arial" panose="020B0604020202020204"/>
+                <a:ea typeface="Arial" panose="020B0604020202020204"/>
+                <a:cs typeface="Arial" panose="020B0604020202020204"/>
+                <a:sym typeface="Arial" panose="020B0604020202020204"/>
               </a:defRPr>
             </a:lvl2pPr>
             <a:lvl3pPr marL="0" marR="0" lvl="2" indent="0" algn="ctr" rtl="0">
@@ -9317,10 +9249,10 @@
                 <a:solidFill>
                   <a:schemeClr val="dk2"/>
                 </a:solidFill>
-                <a:latin typeface="Arial" panose="020B0604020202090204"/>
-                <a:ea typeface="Arial" panose="020B0604020202090204"/>
-                <a:cs typeface="Arial" panose="020B0604020202090204"/>
-                <a:sym typeface="Arial" panose="020B0604020202090204"/>
+                <a:latin typeface="Arial" panose="020B0604020202020204"/>
+                <a:ea typeface="Arial" panose="020B0604020202020204"/>
+                <a:cs typeface="Arial" panose="020B0604020202020204"/>
+                <a:sym typeface="Arial" panose="020B0604020202020204"/>
               </a:defRPr>
             </a:lvl3pPr>
             <a:lvl4pPr marL="0" marR="0" lvl="3" indent="0" algn="ctr" rtl="0">
@@ -9336,10 +9268,10 @@
                 <a:solidFill>
                   <a:schemeClr val="dk2"/>
                 </a:solidFill>
-                <a:latin typeface="Arial" panose="020B0604020202090204"/>
-                <a:ea typeface="Arial" panose="020B0604020202090204"/>
-                <a:cs typeface="Arial" panose="020B0604020202090204"/>
-                <a:sym typeface="Arial" panose="020B0604020202090204"/>
+                <a:latin typeface="Arial" panose="020B0604020202020204"/>
+                <a:ea typeface="Arial" panose="020B0604020202020204"/>
+                <a:cs typeface="Arial" panose="020B0604020202020204"/>
+                <a:sym typeface="Arial" panose="020B0604020202020204"/>
               </a:defRPr>
             </a:lvl4pPr>
             <a:lvl5pPr marL="0" marR="0" lvl="4" indent="0" algn="ctr" rtl="0">
@@ -9355,10 +9287,10 @@
                 <a:solidFill>
                   <a:schemeClr val="dk2"/>
                 </a:solidFill>
-                <a:latin typeface="Arial" panose="020B0604020202090204"/>
-                <a:ea typeface="Arial" panose="020B0604020202090204"/>
-                <a:cs typeface="Arial" panose="020B0604020202090204"/>
-                <a:sym typeface="Arial" panose="020B0604020202090204"/>
+                <a:latin typeface="Arial" panose="020B0604020202020204"/>
+                <a:ea typeface="Arial" panose="020B0604020202020204"/>
+                <a:cs typeface="Arial" panose="020B0604020202020204"/>
+                <a:sym typeface="Arial" panose="020B0604020202020204"/>
               </a:defRPr>
             </a:lvl5pPr>
             <a:lvl6pPr marL="457200" marR="0" lvl="5" indent="0" algn="ctr" rtl="0">
@@ -9374,10 +9306,10 @@
                 <a:solidFill>
                   <a:schemeClr val="dk2"/>
                 </a:solidFill>
-                <a:latin typeface="Arial" panose="020B0604020202090204"/>
-                <a:ea typeface="Arial" panose="020B0604020202090204"/>
-                <a:cs typeface="Arial" panose="020B0604020202090204"/>
-                <a:sym typeface="Arial" panose="020B0604020202090204"/>
+                <a:latin typeface="Arial" panose="020B0604020202020204"/>
+                <a:ea typeface="Arial" panose="020B0604020202020204"/>
+                <a:cs typeface="Arial" panose="020B0604020202020204"/>
+                <a:sym typeface="Arial" panose="020B0604020202020204"/>
               </a:defRPr>
             </a:lvl6pPr>
             <a:lvl7pPr marL="914400" marR="0" lvl="6" indent="0" algn="ctr" rtl="0">
@@ -9393,10 +9325,10 @@
                 <a:solidFill>
                   <a:schemeClr val="dk2"/>
                 </a:solidFill>
-                <a:latin typeface="Arial" panose="020B0604020202090204"/>
-                <a:ea typeface="Arial" panose="020B0604020202090204"/>
-                <a:cs typeface="Arial" panose="020B0604020202090204"/>
-                <a:sym typeface="Arial" panose="020B0604020202090204"/>
+                <a:latin typeface="Arial" panose="020B0604020202020204"/>
+                <a:ea typeface="Arial" panose="020B0604020202020204"/>
+                <a:cs typeface="Arial" panose="020B0604020202020204"/>
+                <a:sym typeface="Arial" panose="020B0604020202020204"/>
               </a:defRPr>
             </a:lvl7pPr>
             <a:lvl8pPr marL="1371600" marR="0" lvl="7" indent="0" algn="ctr" rtl="0">
@@ -9412,10 +9344,10 @@
                 <a:solidFill>
                   <a:schemeClr val="dk2"/>
                 </a:solidFill>
-                <a:latin typeface="Arial" panose="020B0604020202090204"/>
-                <a:ea typeface="Arial" panose="020B0604020202090204"/>
-                <a:cs typeface="Arial" panose="020B0604020202090204"/>
-                <a:sym typeface="Arial" panose="020B0604020202090204"/>
+                <a:latin typeface="Arial" panose="020B0604020202020204"/>
+                <a:ea typeface="Arial" panose="020B0604020202020204"/>
+                <a:cs typeface="Arial" panose="020B0604020202020204"/>
+                <a:sym typeface="Arial" panose="020B0604020202020204"/>
               </a:defRPr>
             </a:lvl8pPr>
             <a:lvl9pPr marL="1828800" marR="0" lvl="8" indent="0" algn="ctr" rtl="0">
@@ -9431,16 +9363,14 @@
                 <a:solidFill>
                   <a:schemeClr val="dk2"/>
                 </a:solidFill>
-                <a:latin typeface="Arial" panose="020B0604020202090204"/>
-                <a:ea typeface="Arial" panose="020B0604020202090204"/>
-                <a:cs typeface="Arial" panose="020B0604020202090204"/>
-                <a:sym typeface="Arial" panose="020B0604020202090204"/>
+                <a:latin typeface="Arial" panose="020B0604020202020204"/>
+                <a:ea typeface="Arial" panose="020B0604020202020204"/>
+                <a:cs typeface="Arial" panose="020B0604020202020204"/>
+                <a:sym typeface="Arial" panose="020B0604020202020204"/>
               </a:defRPr>
             </a:lvl9pPr>
           </a:lstStyle>
-          <a:p>
-            <a:endParaRPr/>
-          </a:p>
+          <a:p/>
         </p:txBody>
       </p:sp>
       <p:sp>
@@ -9482,16 +9412,16 @@
                 <a:schemeClr val="dk1"/>
               </a:buClr>
               <a:buSzPts val="3200"/>
-              <a:buFont typeface="Arial" panose="020B0604020202090204"/>
+              <a:buFont typeface="Arial" panose="020B0604020202020204"/>
               <a:buChar char="•"/>
               <a:defRPr sz="3200" b="0" i="0" u="none" strike="noStrike" cap="none">
                 <a:solidFill>
                   <a:schemeClr val="dk1"/>
                 </a:solidFill>
-                <a:latin typeface="Arial" panose="020B0604020202090204"/>
-                <a:ea typeface="Arial" panose="020B0604020202090204"/>
-                <a:cs typeface="Arial" panose="020B0604020202090204"/>
-                <a:sym typeface="Arial" panose="020B0604020202090204"/>
+                <a:latin typeface="Arial" panose="020B0604020202020204"/>
+                <a:ea typeface="Arial" panose="020B0604020202020204"/>
+                <a:cs typeface="Arial" panose="020B0604020202020204"/>
+                <a:sym typeface="Arial" panose="020B0604020202020204"/>
               </a:defRPr>
             </a:lvl1pPr>
             <a:lvl2pPr marL="914400" marR="0" lvl="1" indent="-406400" algn="l" rtl="0">
@@ -9505,16 +9435,16 @@
                 <a:schemeClr val="dk1"/>
               </a:buClr>
               <a:buSzPts val="2800"/>
-              <a:buFont typeface="Arial" panose="020B0604020202090204"/>
+              <a:buFont typeface="Arial" panose="020B0604020202020204"/>
               <a:buChar char="–"/>
               <a:defRPr sz="2800" b="0" i="0" u="none" strike="noStrike" cap="none">
                 <a:solidFill>
                   <a:schemeClr val="dk1"/>
                 </a:solidFill>
-                <a:latin typeface="Arial" panose="020B0604020202090204"/>
-                <a:ea typeface="Arial" panose="020B0604020202090204"/>
-                <a:cs typeface="Arial" panose="020B0604020202090204"/>
-                <a:sym typeface="Arial" panose="020B0604020202090204"/>
+                <a:latin typeface="Arial" panose="020B0604020202020204"/>
+                <a:ea typeface="Arial" panose="020B0604020202020204"/>
+                <a:cs typeface="Arial" panose="020B0604020202020204"/>
+                <a:sym typeface="Arial" panose="020B0604020202020204"/>
               </a:defRPr>
             </a:lvl2pPr>
             <a:lvl3pPr marL="1371600" marR="0" lvl="2" indent="-381000" algn="l" rtl="0">
@@ -9528,16 +9458,16 @@
                 <a:schemeClr val="dk1"/>
               </a:buClr>
               <a:buSzPts val="2400"/>
-              <a:buFont typeface="Arial" panose="020B0604020202090204"/>
+              <a:buFont typeface="Arial" panose="020B0604020202020204"/>
               <a:buChar char="•"/>
               <a:defRPr sz="2400" b="0" i="0" u="none" strike="noStrike" cap="none">
                 <a:solidFill>
                   <a:schemeClr val="dk1"/>
                 </a:solidFill>
-                <a:latin typeface="Arial" panose="020B0604020202090204"/>
-                <a:ea typeface="Arial" panose="020B0604020202090204"/>
-                <a:cs typeface="Arial" panose="020B0604020202090204"/>
-                <a:sym typeface="Arial" panose="020B0604020202090204"/>
+                <a:latin typeface="Arial" panose="020B0604020202020204"/>
+                <a:ea typeface="Arial" panose="020B0604020202020204"/>
+                <a:cs typeface="Arial" panose="020B0604020202020204"/>
+                <a:sym typeface="Arial" panose="020B0604020202020204"/>
               </a:defRPr>
             </a:lvl3pPr>
             <a:lvl4pPr marL="1828800" marR="0" lvl="3" indent="-355600" algn="l" rtl="0">
@@ -9551,16 +9481,16 @@
                 <a:schemeClr val="dk1"/>
               </a:buClr>
               <a:buSzPts val="2000"/>
-              <a:buFont typeface="Arial" panose="020B0604020202090204"/>
+              <a:buFont typeface="Arial" panose="020B0604020202020204"/>
               <a:buChar char="–"/>
               <a:defRPr sz="2000" b="0" i="0" u="none" strike="noStrike" cap="none">
                 <a:solidFill>
                   <a:schemeClr val="dk1"/>
                 </a:solidFill>
-                <a:latin typeface="Arial" panose="020B0604020202090204"/>
-                <a:ea typeface="Arial" panose="020B0604020202090204"/>
-                <a:cs typeface="Arial" panose="020B0604020202090204"/>
-                <a:sym typeface="Arial" panose="020B0604020202090204"/>
+                <a:latin typeface="Arial" panose="020B0604020202020204"/>
+                <a:ea typeface="Arial" panose="020B0604020202020204"/>
+                <a:cs typeface="Arial" panose="020B0604020202020204"/>
+                <a:sym typeface="Arial" panose="020B0604020202020204"/>
               </a:defRPr>
             </a:lvl4pPr>
             <a:lvl5pPr marL="2286000" marR="0" lvl="4" indent="-355600" algn="l" rtl="0">
@@ -9574,16 +9504,16 @@
                 <a:schemeClr val="dk1"/>
               </a:buClr>
               <a:buSzPts val="2000"/>
-              <a:buFont typeface="Arial" panose="020B0604020202090204"/>
+              <a:buFont typeface="Arial" panose="020B0604020202020204"/>
               <a:buChar char="»"/>
               <a:defRPr sz="2000" b="0" i="0" u="none" strike="noStrike" cap="none">
                 <a:solidFill>
                   <a:schemeClr val="dk1"/>
                 </a:solidFill>
-                <a:latin typeface="Arial" panose="020B0604020202090204"/>
-                <a:ea typeface="Arial" panose="020B0604020202090204"/>
-                <a:cs typeface="Arial" panose="020B0604020202090204"/>
-                <a:sym typeface="Arial" panose="020B0604020202090204"/>
+                <a:latin typeface="Arial" panose="020B0604020202020204"/>
+                <a:ea typeface="Arial" panose="020B0604020202020204"/>
+                <a:cs typeface="Arial" panose="020B0604020202020204"/>
+                <a:sym typeface="Arial" panose="020B0604020202020204"/>
               </a:defRPr>
             </a:lvl5pPr>
             <a:lvl6pPr marL="2743200" marR="0" lvl="5" indent="-355600" algn="l" rtl="0">
@@ -9597,16 +9527,16 @@
                 <a:schemeClr val="dk1"/>
               </a:buClr>
               <a:buSzPts val="2000"/>
-              <a:buFont typeface="Arial" panose="020B0604020202090204"/>
+              <a:buFont typeface="Arial" panose="020B0604020202020204"/>
               <a:buChar char="»"/>
               <a:defRPr sz="2000" b="0" i="0" u="none" strike="noStrike" cap="none">
                 <a:solidFill>
                   <a:schemeClr val="dk1"/>
                 </a:solidFill>
-                <a:latin typeface="Arial" panose="020B0604020202090204"/>
-                <a:ea typeface="Arial" panose="020B0604020202090204"/>
-                <a:cs typeface="Arial" panose="020B0604020202090204"/>
-                <a:sym typeface="Arial" panose="020B0604020202090204"/>
+                <a:latin typeface="Arial" panose="020B0604020202020204"/>
+                <a:ea typeface="Arial" panose="020B0604020202020204"/>
+                <a:cs typeface="Arial" panose="020B0604020202020204"/>
+                <a:sym typeface="Arial" panose="020B0604020202020204"/>
               </a:defRPr>
             </a:lvl6pPr>
             <a:lvl7pPr marL="3200400" marR="0" lvl="6" indent="-355600" algn="l" rtl="0">
@@ -9620,16 +9550,16 @@
                 <a:schemeClr val="dk1"/>
               </a:buClr>
               <a:buSzPts val="2000"/>
-              <a:buFont typeface="Arial" panose="020B0604020202090204"/>
+              <a:buFont typeface="Arial" panose="020B0604020202020204"/>
               <a:buChar char="»"/>
               <a:defRPr sz="2000" b="0" i="0" u="none" strike="noStrike" cap="none">
                 <a:solidFill>
                   <a:schemeClr val="dk1"/>
                 </a:solidFill>
-                <a:latin typeface="Arial" panose="020B0604020202090204"/>
-                <a:ea typeface="Arial" panose="020B0604020202090204"/>
-                <a:cs typeface="Arial" panose="020B0604020202090204"/>
-                <a:sym typeface="Arial" panose="020B0604020202090204"/>
+                <a:latin typeface="Arial" panose="020B0604020202020204"/>
+                <a:ea typeface="Arial" panose="020B0604020202020204"/>
+                <a:cs typeface="Arial" panose="020B0604020202020204"/>
+                <a:sym typeface="Arial" panose="020B0604020202020204"/>
               </a:defRPr>
             </a:lvl7pPr>
             <a:lvl8pPr marL="3657600" marR="0" lvl="7" indent="-355600" algn="l" rtl="0">
@@ -9643,16 +9573,16 @@
                 <a:schemeClr val="dk1"/>
               </a:buClr>
               <a:buSzPts val="2000"/>
-              <a:buFont typeface="Arial" panose="020B0604020202090204"/>
+              <a:buFont typeface="Arial" panose="020B0604020202020204"/>
               <a:buChar char="»"/>
               <a:defRPr sz="2000" b="0" i="0" u="none" strike="noStrike" cap="none">
                 <a:solidFill>
                   <a:schemeClr val="dk1"/>
                 </a:solidFill>
-                <a:latin typeface="Arial" panose="020B0604020202090204"/>
-                <a:ea typeface="Arial" panose="020B0604020202090204"/>
-                <a:cs typeface="Arial" panose="020B0604020202090204"/>
-                <a:sym typeface="Arial" panose="020B0604020202090204"/>
+                <a:latin typeface="Arial" panose="020B0604020202020204"/>
+                <a:ea typeface="Arial" panose="020B0604020202020204"/>
+                <a:cs typeface="Arial" panose="020B0604020202020204"/>
+                <a:sym typeface="Arial" panose="020B0604020202020204"/>
               </a:defRPr>
             </a:lvl8pPr>
             <a:lvl9pPr marL="4114800" marR="0" lvl="8" indent="-355600" algn="l" rtl="0">
@@ -9666,22 +9596,20 @@
                 <a:schemeClr val="dk1"/>
               </a:buClr>
               <a:buSzPts val="2000"/>
-              <a:buFont typeface="Arial" panose="020B0604020202090204"/>
+              <a:buFont typeface="Arial" panose="020B0604020202020204"/>
               <a:buChar char="»"/>
               <a:defRPr sz="2000" b="0" i="0" u="none" strike="noStrike" cap="none">
                 <a:solidFill>
                   <a:schemeClr val="dk1"/>
                 </a:solidFill>
-                <a:latin typeface="Arial" panose="020B0604020202090204"/>
-                <a:ea typeface="Arial" panose="020B0604020202090204"/>
-                <a:cs typeface="Arial" panose="020B0604020202090204"/>
-                <a:sym typeface="Arial" panose="020B0604020202090204"/>
+                <a:latin typeface="Arial" panose="020B0604020202020204"/>
+                <a:ea typeface="Arial" panose="020B0604020202020204"/>
+                <a:cs typeface="Arial" panose="020B0604020202020204"/>
+                <a:sym typeface="Arial" panose="020B0604020202020204"/>
               </a:defRPr>
             </a:lvl9pPr>
           </a:lstStyle>
-          <a:p>
-            <a:endParaRPr/>
-          </a:p>
+          <a:p/>
         </p:txBody>
       </p:sp>
       <p:sp>
@@ -9723,16 +9651,16 @@
                 <a:schemeClr val="dk1"/>
               </a:buClr>
               <a:buSzPts val="1400"/>
-              <a:buFont typeface="Arial" panose="020B0604020202090204"/>
+              <a:buFont typeface="Arial" panose="020B0604020202020204"/>
               <a:buNone/>
               <a:defRPr sz="1400" b="0" i="0" u="none" strike="noStrike" cap="none">
                 <a:solidFill>
                   <a:schemeClr val="dk1"/>
                 </a:solidFill>
-                <a:latin typeface="Arial" panose="020B0604020202090204"/>
-                <a:ea typeface="Arial" panose="020B0604020202090204"/>
-                <a:cs typeface="Arial" panose="020B0604020202090204"/>
-                <a:sym typeface="Arial" panose="020B0604020202090204"/>
+                <a:latin typeface="Arial" panose="020B0604020202020204"/>
+                <a:ea typeface="Arial" panose="020B0604020202020204"/>
+                <a:cs typeface="Arial" panose="020B0604020202020204"/>
+                <a:sym typeface="Arial" panose="020B0604020202020204"/>
               </a:defRPr>
             </a:lvl1pPr>
             <a:lvl2pPr marL="914400" marR="0" lvl="1" indent="-228600" algn="l" rtl="0">
@@ -9746,16 +9674,16 @@
                 <a:schemeClr val="dk1"/>
               </a:buClr>
               <a:buSzPts val="1400"/>
-              <a:buFont typeface="Arial" panose="020B0604020202090204"/>
+              <a:buFont typeface="Arial" panose="020B0604020202020204"/>
               <a:buNone/>
               <a:defRPr sz="1200" b="0" i="0" u="none" strike="noStrike" cap="none">
                 <a:solidFill>
                   <a:schemeClr val="dk1"/>
                 </a:solidFill>
-                <a:latin typeface="Arial" panose="020B0604020202090204"/>
-                <a:ea typeface="Arial" panose="020B0604020202090204"/>
-                <a:cs typeface="Arial" panose="020B0604020202090204"/>
-                <a:sym typeface="Arial" panose="020B0604020202090204"/>
+                <a:latin typeface="Arial" panose="020B0604020202020204"/>
+                <a:ea typeface="Arial" panose="020B0604020202020204"/>
+                <a:cs typeface="Arial" panose="020B0604020202020204"/>
+                <a:sym typeface="Arial" panose="020B0604020202020204"/>
               </a:defRPr>
             </a:lvl2pPr>
             <a:lvl3pPr marL="1371600" marR="0" lvl="2" indent="-228600" algn="l" rtl="0">
@@ -9769,16 +9697,16 @@
                 <a:schemeClr val="dk1"/>
               </a:buClr>
               <a:buSzPts val="1400"/>
-              <a:buFont typeface="Arial" panose="020B0604020202090204"/>
+              <a:buFont typeface="Arial" panose="020B0604020202020204"/>
               <a:buNone/>
               <a:defRPr sz="1000" b="0" i="0" u="none" strike="noStrike" cap="none">
                 <a:solidFill>
                   <a:schemeClr val="dk1"/>
                 </a:solidFill>
-                <a:latin typeface="Arial" panose="020B0604020202090204"/>
-                <a:ea typeface="Arial" panose="020B0604020202090204"/>
-                <a:cs typeface="Arial" panose="020B0604020202090204"/>
-                <a:sym typeface="Arial" panose="020B0604020202090204"/>
+                <a:latin typeface="Arial" panose="020B0604020202020204"/>
+                <a:ea typeface="Arial" panose="020B0604020202020204"/>
+                <a:cs typeface="Arial" panose="020B0604020202020204"/>
+                <a:sym typeface="Arial" panose="020B0604020202020204"/>
               </a:defRPr>
             </a:lvl3pPr>
             <a:lvl4pPr marL="1828800" marR="0" lvl="3" indent="-228600" algn="l" rtl="0">
@@ -9792,16 +9720,16 @@
                 <a:schemeClr val="dk1"/>
               </a:buClr>
               <a:buSzPts val="1400"/>
-              <a:buFont typeface="Arial" panose="020B0604020202090204"/>
+              <a:buFont typeface="Arial" panose="020B0604020202020204"/>
               <a:buNone/>
               <a:defRPr sz="900" b="0" i="0" u="none" strike="noStrike" cap="none">
                 <a:solidFill>
                   <a:schemeClr val="dk1"/>
                 </a:solidFill>
-                <a:latin typeface="Arial" panose="020B0604020202090204"/>
-                <a:ea typeface="Arial" panose="020B0604020202090204"/>
-                <a:cs typeface="Arial" panose="020B0604020202090204"/>
-                <a:sym typeface="Arial" panose="020B0604020202090204"/>
+                <a:latin typeface="Arial" panose="020B0604020202020204"/>
+                <a:ea typeface="Arial" panose="020B0604020202020204"/>
+                <a:cs typeface="Arial" panose="020B0604020202020204"/>
+                <a:sym typeface="Arial" panose="020B0604020202020204"/>
               </a:defRPr>
             </a:lvl4pPr>
             <a:lvl5pPr marL="2286000" marR="0" lvl="4" indent="-228600" algn="l" rtl="0">
@@ -9815,16 +9743,16 @@
                 <a:schemeClr val="dk1"/>
               </a:buClr>
               <a:buSzPts val="1400"/>
-              <a:buFont typeface="Arial" panose="020B0604020202090204"/>
+              <a:buFont typeface="Arial" panose="020B0604020202020204"/>
               <a:buNone/>
               <a:defRPr sz="900" b="0" i="0" u="none" strike="noStrike" cap="none">
                 <a:solidFill>
                   <a:schemeClr val="dk1"/>
                 </a:solidFill>
-                <a:latin typeface="Arial" panose="020B0604020202090204"/>
-                <a:ea typeface="Arial" panose="020B0604020202090204"/>
-                <a:cs typeface="Arial" panose="020B0604020202090204"/>
-                <a:sym typeface="Arial" panose="020B0604020202090204"/>
+                <a:latin typeface="Arial" panose="020B0604020202020204"/>
+                <a:ea typeface="Arial" panose="020B0604020202020204"/>
+                <a:cs typeface="Arial" panose="020B0604020202020204"/>
+                <a:sym typeface="Arial" panose="020B0604020202020204"/>
               </a:defRPr>
             </a:lvl5pPr>
             <a:lvl6pPr marL="2743200" marR="0" lvl="5" indent="-228600" algn="l" rtl="0">
@@ -9838,16 +9766,16 @@
                 <a:schemeClr val="dk1"/>
               </a:buClr>
               <a:buSzPts val="1400"/>
-              <a:buFont typeface="Arial" panose="020B0604020202090204"/>
+              <a:buFont typeface="Arial" panose="020B0604020202020204"/>
               <a:buNone/>
               <a:defRPr sz="900" b="0" i="0" u="none" strike="noStrike" cap="none">
                 <a:solidFill>
                   <a:schemeClr val="dk1"/>
                 </a:solidFill>
-                <a:latin typeface="Arial" panose="020B0604020202090204"/>
-                <a:ea typeface="Arial" panose="020B0604020202090204"/>
-                <a:cs typeface="Arial" panose="020B0604020202090204"/>
-                <a:sym typeface="Arial" panose="020B0604020202090204"/>
+                <a:latin typeface="Arial" panose="020B0604020202020204"/>
+                <a:ea typeface="Arial" panose="020B0604020202020204"/>
+                <a:cs typeface="Arial" panose="020B0604020202020204"/>
+                <a:sym typeface="Arial" panose="020B0604020202020204"/>
               </a:defRPr>
             </a:lvl6pPr>
             <a:lvl7pPr marL="3200400" marR="0" lvl="6" indent="-228600" algn="l" rtl="0">
@@ -9861,16 +9789,16 @@
                 <a:schemeClr val="dk1"/>
               </a:buClr>
               <a:buSzPts val="1400"/>
-              <a:buFont typeface="Arial" panose="020B0604020202090204"/>
+              <a:buFont typeface="Arial" panose="020B0604020202020204"/>
               <a:buNone/>
               <a:defRPr sz="900" b="0" i="0" u="none" strike="noStrike" cap="none">
                 <a:solidFill>
                   <a:schemeClr val="dk1"/>
                 </a:solidFill>
-                <a:latin typeface="Arial" panose="020B0604020202090204"/>
-                <a:ea typeface="Arial" panose="020B0604020202090204"/>
-                <a:cs typeface="Arial" panose="020B0604020202090204"/>
-                <a:sym typeface="Arial" panose="020B0604020202090204"/>
+                <a:latin typeface="Arial" panose="020B0604020202020204"/>
+                <a:ea typeface="Arial" panose="020B0604020202020204"/>
+                <a:cs typeface="Arial" panose="020B0604020202020204"/>
+                <a:sym typeface="Arial" panose="020B0604020202020204"/>
               </a:defRPr>
             </a:lvl7pPr>
             <a:lvl8pPr marL="3657600" marR="0" lvl="7" indent="-228600" algn="l" rtl="0">
@@ -9884,16 +9812,16 @@
                 <a:schemeClr val="dk1"/>
               </a:buClr>
               <a:buSzPts val="1400"/>
-              <a:buFont typeface="Arial" panose="020B0604020202090204"/>
+              <a:buFont typeface="Arial" panose="020B0604020202020204"/>
               <a:buNone/>
               <a:defRPr sz="900" b="0" i="0" u="none" strike="noStrike" cap="none">
                 <a:solidFill>
                   <a:schemeClr val="dk1"/>
                 </a:solidFill>
-                <a:latin typeface="Arial" panose="020B0604020202090204"/>
-                <a:ea typeface="Arial" panose="020B0604020202090204"/>
-                <a:cs typeface="Arial" panose="020B0604020202090204"/>
-                <a:sym typeface="Arial" panose="020B0604020202090204"/>
+                <a:latin typeface="Arial" panose="020B0604020202020204"/>
+                <a:ea typeface="Arial" panose="020B0604020202020204"/>
+                <a:cs typeface="Arial" panose="020B0604020202020204"/>
+                <a:sym typeface="Arial" panose="020B0604020202020204"/>
               </a:defRPr>
             </a:lvl8pPr>
             <a:lvl9pPr marL="4114800" marR="0" lvl="8" indent="-228600" algn="l" rtl="0">
@@ -9907,22 +9835,20 @@
                 <a:schemeClr val="dk1"/>
               </a:buClr>
               <a:buSzPts val="1400"/>
-              <a:buFont typeface="Arial" panose="020B0604020202090204"/>
+              <a:buFont typeface="Arial" panose="020B0604020202020204"/>
               <a:buNone/>
               <a:defRPr sz="900" b="0" i="0" u="none" strike="noStrike" cap="none">
                 <a:solidFill>
                   <a:schemeClr val="dk1"/>
                 </a:solidFill>
-                <a:latin typeface="Arial" panose="020B0604020202090204"/>
-                <a:ea typeface="Arial" panose="020B0604020202090204"/>
-                <a:cs typeface="Arial" panose="020B0604020202090204"/>
-                <a:sym typeface="Arial" panose="020B0604020202090204"/>
+                <a:latin typeface="Arial" panose="020B0604020202020204"/>
+                <a:ea typeface="Arial" panose="020B0604020202020204"/>
+                <a:cs typeface="Arial" panose="020B0604020202020204"/>
+                <a:sym typeface="Arial" panose="020B0604020202020204"/>
               </a:defRPr>
             </a:lvl9pPr>
           </a:lstStyle>
-          <a:p>
-            <a:endParaRPr/>
-          </a:p>
+          <a:p/>
         </p:txBody>
       </p:sp>
     </p:spTree>
@@ -9934,7 +9860,7 @@
 </file>
 
 <file path=ppt/slideLayouts/slideLayout9.xml><?xml version="1.0" encoding="utf-8"?>
-<p:sldLayout xmlns:a="http://schemas.openxmlformats.org/drawingml/2006/main" xmlns:r="http://schemas.openxmlformats.org/officeDocument/2006/relationships" xmlns:p="http://schemas.openxmlformats.org/presentationml/2006/main" matchingName="Blank" type="blank">
+<p:sldLayout xmlns:a="http://schemas.openxmlformats.org/drawingml/2006/main" xmlns:r="http://schemas.openxmlformats.org/officeDocument/2006/relationships" xmlns:p="http://schemas.openxmlformats.org/presentationml/2006/main" type="blank" matchingName="Blank">
   <p:cSld name="BLANK">
     <p:spTree>
       <p:nvGrpSpPr>
@@ -10026,10 +9952,10 @@
               <a:solidFill>
                 <a:schemeClr val="dk1"/>
               </a:solidFill>
-              <a:latin typeface="Arial" panose="020B0604020202090204"/>
-              <a:ea typeface="Arial" panose="020B0604020202090204"/>
-              <a:cs typeface="Arial" panose="020B0604020202090204"/>
-              <a:sym typeface="Arial" panose="020B0604020202090204"/>
+              <a:latin typeface="Arial" panose="020B0604020202020204"/>
+              <a:ea typeface="Arial" panose="020B0604020202020204"/>
+              <a:cs typeface="Arial" panose="020B0604020202020204"/>
+              <a:sym typeface="Arial" panose="020B0604020202020204"/>
             </a:endParaRPr>
           </a:p>
         </p:txBody>
@@ -10041,7 +9967,7 @@
           <p:nvPr/>
         </p:nvPicPr>
         <p:blipFill rotWithShape="1">
-          <a:blip r:embed="rId17"/>
+          <a:blip r:embed="rId16"/>
           <a:srcRect/>
           <a:stretch>
             <a:fillRect/>
@@ -10108,15 +10034,15 @@
         <a:buClr>
           <a:srgbClr val="000000"/>
         </a:buClr>
-        <a:buFont typeface="Arial" panose="020B0604020202090204"/>
+        <a:buFont typeface="Arial" panose="020B0604020202020204"/>
         <a:defRPr sz="1400" b="0" i="0" u="none" strike="noStrike" cap="none">
           <a:solidFill>
             <a:srgbClr val="000000"/>
           </a:solidFill>
-          <a:latin typeface="Arial" panose="020B0604020202090204"/>
-          <a:ea typeface="Arial" panose="020B0604020202090204"/>
-          <a:cs typeface="Arial" panose="020B0604020202090204"/>
-          <a:sym typeface="Arial" panose="020B0604020202090204"/>
+          <a:latin typeface="Arial" panose="020B0604020202020204"/>
+          <a:ea typeface="Arial" panose="020B0604020202020204"/>
+          <a:cs typeface="Arial" panose="020B0604020202020204"/>
+          <a:sym typeface="Arial" panose="020B0604020202020204"/>
         </a:defRPr>
       </a:lvl1pPr>
       <a:lvl2pPr marR="0" lvl="1" algn="l" rtl="0">
@@ -10132,15 +10058,15 @@
         <a:buClr>
           <a:srgbClr val="000000"/>
         </a:buClr>
-        <a:buFont typeface="Arial" panose="020B0604020202090204"/>
+        <a:buFont typeface="Arial" panose="020B0604020202020204"/>
         <a:defRPr sz="1400" b="0" i="0" u="none" strike="noStrike" cap="none">
           <a:solidFill>
             <a:srgbClr val="000000"/>
           </a:solidFill>
-          <a:latin typeface="Arial" panose="020B0604020202090204"/>
-          <a:ea typeface="Arial" panose="020B0604020202090204"/>
-          <a:cs typeface="Arial" panose="020B0604020202090204"/>
-          <a:sym typeface="Arial" panose="020B0604020202090204"/>
+          <a:latin typeface="Arial" panose="020B0604020202020204"/>
+          <a:ea typeface="Arial" panose="020B0604020202020204"/>
+          <a:cs typeface="Arial" panose="020B0604020202020204"/>
+          <a:sym typeface="Arial" panose="020B0604020202020204"/>
         </a:defRPr>
       </a:lvl2pPr>
       <a:lvl3pPr marR="0" lvl="2" algn="l" rtl="0">
@@ -10156,15 +10082,15 @@
         <a:buClr>
           <a:srgbClr val="000000"/>
         </a:buClr>
-        <a:buFont typeface="Arial" panose="020B0604020202090204"/>
+        <a:buFont typeface="Arial" panose="020B0604020202020204"/>
         <a:defRPr sz="1400" b="0" i="0" u="none" strike="noStrike" cap="none">
           <a:solidFill>
             <a:srgbClr val="000000"/>
           </a:solidFill>
-          <a:latin typeface="Arial" panose="020B0604020202090204"/>
-          <a:ea typeface="Arial" panose="020B0604020202090204"/>
-          <a:cs typeface="Arial" panose="020B0604020202090204"/>
-          <a:sym typeface="Arial" panose="020B0604020202090204"/>
+          <a:latin typeface="Arial" panose="020B0604020202020204"/>
+          <a:ea typeface="Arial" panose="020B0604020202020204"/>
+          <a:cs typeface="Arial" panose="020B0604020202020204"/>
+          <a:sym typeface="Arial" panose="020B0604020202020204"/>
         </a:defRPr>
       </a:lvl3pPr>
       <a:lvl4pPr marR="0" lvl="3" algn="l" rtl="0">
@@ -10180,15 +10106,15 @@
         <a:buClr>
           <a:srgbClr val="000000"/>
         </a:buClr>
-        <a:buFont typeface="Arial" panose="020B0604020202090204"/>
+        <a:buFont typeface="Arial" panose="020B0604020202020204"/>
         <a:defRPr sz="1400" b="0" i="0" u="none" strike="noStrike" cap="none">
           <a:solidFill>
             <a:srgbClr val="000000"/>
           </a:solidFill>
-          <a:latin typeface="Arial" panose="020B0604020202090204"/>
-          <a:ea typeface="Arial" panose="020B0604020202090204"/>
-          <a:cs typeface="Arial" panose="020B0604020202090204"/>
-          <a:sym typeface="Arial" panose="020B0604020202090204"/>
+          <a:latin typeface="Arial" panose="020B0604020202020204"/>
+          <a:ea typeface="Arial" panose="020B0604020202020204"/>
+          <a:cs typeface="Arial" panose="020B0604020202020204"/>
+          <a:sym typeface="Arial" panose="020B0604020202020204"/>
         </a:defRPr>
       </a:lvl4pPr>
       <a:lvl5pPr marR="0" lvl="4" algn="l" rtl="0">
@@ -10204,15 +10130,15 @@
         <a:buClr>
           <a:srgbClr val="000000"/>
         </a:buClr>
-        <a:buFont typeface="Arial" panose="020B0604020202090204"/>
+        <a:buFont typeface="Arial" panose="020B0604020202020204"/>
         <a:defRPr sz="1400" b="0" i="0" u="none" strike="noStrike" cap="none">
           <a:solidFill>
             <a:srgbClr val="000000"/>
           </a:solidFill>
-          <a:latin typeface="Arial" panose="020B0604020202090204"/>
-          <a:ea typeface="Arial" panose="020B0604020202090204"/>
-          <a:cs typeface="Arial" panose="020B0604020202090204"/>
-          <a:sym typeface="Arial" panose="020B0604020202090204"/>
+          <a:latin typeface="Arial" panose="020B0604020202020204"/>
+          <a:ea typeface="Arial" panose="020B0604020202020204"/>
+          <a:cs typeface="Arial" panose="020B0604020202020204"/>
+          <a:sym typeface="Arial" panose="020B0604020202020204"/>
         </a:defRPr>
       </a:lvl5pPr>
       <a:lvl6pPr marR="0" lvl="5" algn="l" rtl="0">
@@ -10228,15 +10154,15 @@
         <a:buClr>
           <a:srgbClr val="000000"/>
         </a:buClr>
-        <a:buFont typeface="Arial" panose="020B0604020202090204"/>
+        <a:buFont typeface="Arial" panose="020B0604020202020204"/>
         <a:defRPr sz="1400" b="0" i="0" u="none" strike="noStrike" cap="none">
           <a:solidFill>
             <a:srgbClr val="000000"/>
           </a:solidFill>
-          <a:latin typeface="Arial" panose="020B0604020202090204"/>
-          <a:ea typeface="Arial" panose="020B0604020202090204"/>
-          <a:cs typeface="Arial" panose="020B0604020202090204"/>
-          <a:sym typeface="Arial" panose="020B0604020202090204"/>
+          <a:latin typeface="Arial" panose="020B0604020202020204"/>
+          <a:ea typeface="Arial" panose="020B0604020202020204"/>
+          <a:cs typeface="Arial" panose="020B0604020202020204"/>
+          <a:sym typeface="Arial" panose="020B0604020202020204"/>
         </a:defRPr>
       </a:lvl6pPr>
       <a:lvl7pPr marR="0" lvl="6" algn="l" rtl="0">
@@ -10252,15 +10178,15 @@
         <a:buClr>
           <a:srgbClr val="000000"/>
         </a:buClr>
-        <a:buFont typeface="Arial" panose="020B0604020202090204"/>
+        <a:buFont typeface="Arial" panose="020B0604020202020204"/>
         <a:defRPr sz="1400" b="0" i="0" u="none" strike="noStrike" cap="none">
           <a:solidFill>
             <a:srgbClr val="000000"/>
           </a:solidFill>
-          <a:latin typeface="Arial" panose="020B0604020202090204"/>
-          <a:ea typeface="Arial" panose="020B0604020202090204"/>
-          <a:cs typeface="Arial" panose="020B0604020202090204"/>
-          <a:sym typeface="Arial" panose="020B0604020202090204"/>
+          <a:latin typeface="Arial" panose="020B0604020202020204"/>
+          <a:ea typeface="Arial" panose="020B0604020202020204"/>
+          <a:cs typeface="Arial" panose="020B0604020202020204"/>
+          <a:sym typeface="Arial" panose="020B0604020202020204"/>
         </a:defRPr>
       </a:lvl7pPr>
       <a:lvl8pPr marR="0" lvl="7" algn="l" rtl="0">
@@ -10276,15 +10202,15 @@
         <a:buClr>
           <a:srgbClr val="000000"/>
         </a:buClr>
-        <a:buFont typeface="Arial" panose="020B0604020202090204"/>
+        <a:buFont typeface="Arial" panose="020B0604020202020204"/>
         <a:defRPr sz="1400" b="0" i="0" u="none" strike="noStrike" cap="none">
           <a:solidFill>
             <a:srgbClr val="000000"/>
           </a:solidFill>
-          <a:latin typeface="Arial" panose="020B0604020202090204"/>
-          <a:ea typeface="Arial" panose="020B0604020202090204"/>
-          <a:cs typeface="Arial" panose="020B0604020202090204"/>
-          <a:sym typeface="Arial" panose="020B0604020202090204"/>
+          <a:latin typeface="Arial" panose="020B0604020202020204"/>
+          <a:ea typeface="Arial" panose="020B0604020202020204"/>
+          <a:cs typeface="Arial" panose="020B0604020202020204"/>
+          <a:sym typeface="Arial" panose="020B0604020202020204"/>
         </a:defRPr>
       </a:lvl8pPr>
       <a:lvl9pPr marR="0" lvl="8" algn="l" rtl="0">
@@ -10300,15 +10226,15 @@
         <a:buClr>
           <a:srgbClr val="000000"/>
         </a:buClr>
-        <a:buFont typeface="Arial" panose="020B0604020202090204"/>
+        <a:buFont typeface="Arial" panose="020B0604020202020204"/>
         <a:defRPr sz="1400" b="0" i="0" u="none" strike="noStrike" cap="none">
           <a:solidFill>
             <a:srgbClr val="000000"/>
           </a:solidFill>
-          <a:latin typeface="Arial" panose="020B0604020202090204"/>
-          <a:ea typeface="Arial" panose="020B0604020202090204"/>
-          <a:cs typeface="Arial" panose="020B0604020202090204"/>
-          <a:sym typeface="Arial" panose="020B0604020202090204"/>
+          <a:latin typeface="Arial" panose="020B0604020202020204"/>
+          <a:ea typeface="Arial" panose="020B0604020202020204"/>
+          <a:cs typeface="Arial" panose="020B0604020202020204"/>
+          <a:sym typeface="Arial" panose="020B0604020202020204"/>
         </a:defRPr>
       </a:lvl9pPr>
     </p:titleStyle>
@@ -10337,15 +10263,15 @@
         <a:buClr>
           <a:srgbClr val="000000"/>
         </a:buClr>
-        <a:buFont typeface="Arial" panose="020B0604020202090204"/>
+        <a:buFont typeface="Arial" panose="020B0604020202020204"/>
         <a:defRPr sz="1400" b="0" i="0" u="none" strike="noStrike" cap="none">
           <a:solidFill>
             <a:srgbClr val="000000"/>
           </a:solidFill>
-          <a:latin typeface="Arial" panose="020B0604020202090204"/>
-          <a:ea typeface="Arial" panose="020B0604020202090204"/>
-          <a:cs typeface="Arial" panose="020B0604020202090204"/>
-          <a:sym typeface="Arial" panose="020B0604020202090204"/>
+          <a:latin typeface="Arial" panose="020B0604020202020204"/>
+          <a:ea typeface="Arial" panose="020B0604020202020204"/>
+          <a:cs typeface="Arial" panose="020B0604020202020204"/>
+          <a:sym typeface="Arial" panose="020B0604020202020204"/>
         </a:defRPr>
       </a:lvl1pPr>
       <a:lvl2pPr marR="0" lvl="1" algn="l" rtl="0">
@@ -10361,15 +10287,15 @@
         <a:buClr>
           <a:srgbClr val="000000"/>
         </a:buClr>
-        <a:buFont typeface="Arial" panose="020B0604020202090204"/>
+        <a:buFont typeface="Arial" panose="020B0604020202020204"/>
         <a:defRPr sz="1400" b="0" i="0" u="none" strike="noStrike" cap="none">
           <a:solidFill>
             <a:srgbClr val="000000"/>
           </a:solidFill>
-          <a:latin typeface="Arial" panose="020B0604020202090204"/>
-          <a:ea typeface="Arial" panose="020B0604020202090204"/>
-          <a:cs typeface="Arial" panose="020B0604020202090204"/>
-          <a:sym typeface="Arial" panose="020B0604020202090204"/>
+          <a:latin typeface="Arial" panose="020B0604020202020204"/>
+          <a:ea typeface="Arial" panose="020B0604020202020204"/>
+          <a:cs typeface="Arial" panose="020B0604020202020204"/>
+          <a:sym typeface="Arial" panose="020B0604020202020204"/>
         </a:defRPr>
       </a:lvl2pPr>
       <a:lvl3pPr marR="0" lvl="2" algn="l" rtl="0">
@@ -10385,15 +10311,15 @@
         <a:buClr>
           <a:srgbClr val="000000"/>
         </a:buClr>
-        <a:buFont typeface="Arial" panose="020B0604020202090204"/>
+        <a:buFont typeface="Arial" panose="020B0604020202020204"/>
         <a:defRPr sz="1400" b="0" i="0" u="none" strike="noStrike" cap="none">
           <a:solidFill>
             <a:srgbClr val="000000"/>
           </a:solidFill>
-          <a:latin typeface="Arial" panose="020B0604020202090204"/>
-          <a:ea typeface="Arial" panose="020B0604020202090204"/>
-          <a:cs typeface="Arial" panose="020B0604020202090204"/>
-          <a:sym typeface="Arial" panose="020B0604020202090204"/>
+          <a:latin typeface="Arial" panose="020B0604020202020204"/>
+          <a:ea typeface="Arial" panose="020B0604020202020204"/>
+          <a:cs typeface="Arial" panose="020B0604020202020204"/>
+          <a:sym typeface="Arial" panose="020B0604020202020204"/>
         </a:defRPr>
       </a:lvl3pPr>
       <a:lvl4pPr marR="0" lvl="3" algn="l" rtl="0">
@@ -10409,15 +10335,15 @@
         <a:buClr>
           <a:srgbClr val="000000"/>
         </a:buClr>
-        <a:buFont typeface="Arial" panose="020B0604020202090204"/>
+        <a:buFont typeface="Arial" panose="020B0604020202020204"/>
         <a:defRPr sz="1400" b="0" i="0" u="none" strike="noStrike" cap="none">
           <a:solidFill>
             <a:srgbClr val="000000"/>
           </a:solidFill>
-          <a:latin typeface="Arial" panose="020B0604020202090204"/>
-          <a:ea typeface="Arial" panose="020B0604020202090204"/>
-          <a:cs typeface="Arial" panose="020B0604020202090204"/>
-          <a:sym typeface="Arial" panose="020B0604020202090204"/>
+          <a:latin typeface="Arial" panose="020B0604020202020204"/>
+          <a:ea typeface="Arial" panose="020B0604020202020204"/>
+          <a:cs typeface="Arial" panose="020B0604020202020204"/>
+          <a:sym typeface="Arial" panose="020B0604020202020204"/>
         </a:defRPr>
       </a:lvl4pPr>
       <a:lvl5pPr marR="0" lvl="4" algn="l" rtl="0">
@@ -10433,15 +10359,15 @@
         <a:buClr>
           <a:srgbClr val="000000"/>
         </a:buClr>
-        <a:buFont typeface="Arial" panose="020B0604020202090204"/>
+        <a:buFont typeface="Arial" panose="020B0604020202020204"/>
         <a:defRPr sz="1400" b="0" i="0" u="none" strike="noStrike" cap="none">
           <a:solidFill>
             <a:srgbClr val="000000"/>
           </a:solidFill>
-          <a:latin typeface="Arial" panose="020B0604020202090204"/>
-          <a:ea typeface="Arial" panose="020B0604020202090204"/>
-          <a:cs typeface="Arial" panose="020B0604020202090204"/>
-          <a:sym typeface="Arial" panose="020B0604020202090204"/>
+          <a:latin typeface="Arial" panose="020B0604020202020204"/>
+          <a:ea typeface="Arial" panose="020B0604020202020204"/>
+          <a:cs typeface="Arial" panose="020B0604020202020204"/>
+          <a:sym typeface="Arial" panose="020B0604020202020204"/>
         </a:defRPr>
       </a:lvl5pPr>
       <a:lvl6pPr marR="0" lvl="5" algn="l" rtl="0">
@@ -10457,15 +10383,15 @@
         <a:buClr>
           <a:srgbClr val="000000"/>
         </a:buClr>
-        <a:buFont typeface="Arial" panose="020B0604020202090204"/>
+        <a:buFont typeface="Arial" panose="020B0604020202020204"/>
         <a:defRPr sz="1400" b="0" i="0" u="none" strike="noStrike" cap="none">
           <a:solidFill>
             <a:srgbClr val="000000"/>
           </a:solidFill>
-          <a:latin typeface="Arial" panose="020B0604020202090204"/>
-          <a:ea typeface="Arial" panose="020B0604020202090204"/>
-          <a:cs typeface="Arial" panose="020B0604020202090204"/>
-          <a:sym typeface="Arial" panose="020B0604020202090204"/>
+          <a:latin typeface="Arial" panose="020B0604020202020204"/>
+          <a:ea typeface="Arial" panose="020B0604020202020204"/>
+          <a:cs typeface="Arial" panose="020B0604020202020204"/>
+          <a:sym typeface="Arial" panose="020B0604020202020204"/>
         </a:defRPr>
       </a:lvl6pPr>
       <a:lvl7pPr marR="0" lvl="6" algn="l" rtl="0">
@@ -10481,15 +10407,15 @@
         <a:buClr>
           <a:srgbClr val="000000"/>
         </a:buClr>
-        <a:buFont typeface="Arial" panose="020B0604020202090204"/>
+        <a:buFont typeface="Arial" panose="020B0604020202020204"/>
         <a:defRPr sz="1400" b="0" i="0" u="none" strike="noStrike" cap="none">
           <a:solidFill>
             <a:srgbClr val="000000"/>
           </a:solidFill>
-          <a:latin typeface="Arial" panose="020B0604020202090204"/>
-          <a:ea typeface="Arial" panose="020B0604020202090204"/>
-          <a:cs typeface="Arial" panose="020B0604020202090204"/>
-          <a:sym typeface="Arial" panose="020B0604020202090204"/>
+          <a:latin typeface="Arial" panose="020B0604020202020204"/>
+          <a:ea typeface="Arial" panose="020B0604020202020204"/>
+          <a:cs typeface="Arial" panose="020B0604020202020204"/>
+          <a:sym typeface="Arial" panose="020B0604020202020204"/>
         </a:defRPr>
       </a:lvl7pPr>
       <a:lvl8pPr marR="0" lvl="7" algn="l" rtl="0">
@@ -10505,15 +10431,15 @@
         <a:buClr>
           <a:srgbClr val="000000"/>
         </a:buClr>
-        <a:buFont typeface="Arial" panose="020B0604020202090204"/>
+        <a:buFont typeface="Arial" panose="020B0604020202020204"/>
         <a:defRPr sz="1400" b="0" i="0" u="none" strike="noStrike" cap="none">
           <a:solidFill>
             <a:srgbClr val="000000"/>
           </a:solidFill>
-          <a:latin typeface="Arial" panose="020B0604020202090204"/>
-          <a:ea typeface="Arial" panose="020B0604020202090204"/>
-          <a:cs typeface="Arial" panose="020B0604020202090204"/>
-          <a:sym typeface="Arial" panose="020B0604020202090204"/>
+          <a:latin typeface="Arial" panose="020B0604020202020204"/>
+          <a:ea typeface="Arial" panose="020B0604020202020204"/>
+          <a:cs typeface="Arial" panose="020B0604020202020204"/>
+          <a:sym typeface="Arial" panose="020B0604020202020204"/>
         </a:defRPr>
       </a:lvl8pPr>
       <a:lvl9pPr marR="0" lvl="8" algn="l" rtl="0">
@@ -10529,15 +10455,15 @@
         <a:buClr>
           <a:srgbClr val="000000"/>
         </a:buClr>
-        <a:buFont typeface="Arial" panose="020B0604020202090204"/>
+        <a:buFont typeface="Arial" panose="020B0604020202020204"/>
         <a:defRPr sz="1400" b="0" i="0" u="none" strike="noStrike" cap="none">
           <a:solidFill>
             <a:srgbClr val="000000"/>
           </a:solidFill>
-          <a:latin typeface="Arial" panose="020B0604020202090204"/>
-          <a:ea typeface="Arial" panose="020B0604020202090204"/>
-          <a:cs typeface="Arial" panose="020B0604020202090204"/>
-          <a:sym typeface="Arial" panose="020B0604020202090204"/>
+          <a:latin typeface="Arial" panose="020B0604020202020204"/>
+          <a:ea typeface="Arial" panose="020B0604020202020204"/>
+          <a:cs typeface="Arial" panose="020B0604020202020204"/>
+          <a:sym typeface="Arial" panose="020B0604020202020204"/>
         </a:defRPr>
       </a:lvl9pPr>
     </p:bodyStyle>
@@ -10566,15 +10492,15 @@
         <a:buClr>
           <a:srgbClr val="000000"/>
         </a:buClr>
-        <a:buFont typeface="Arial" panose="020B0604020202090204"/>
+        <a:buFont typeface="Arial" panose="020B0604020202020204"/>
         <a:defRPr sz="1400" b="0" i="0" u="none" strike="noStrike" cap="none">
           <a:solidFill>
             <a:srgbClr val="000000"/>
           </a:solidFill>
-          <a:latin typeface="Arial" panose="020B0604020202090204"/>
-          <a:ea typeface="Arial" panose="020B0604020202090204"/>
-          <a:cs typeface="Arial" panose="020B0604020202090204"/>
-          <a:sym typeface="Arial" panose="020B0604020202090204"/>
+          <a:latin typeface="Arial" panose="020B0604020202020204"/>
+          <a:ea typeface="Arial" panose="020B0604020202020204"/>
+          <a:cs typeface="Arial" panose="020B0604020202020204"/>
+          <a:sym typeface="Arial" panose="020B0604020202020204"/>
         </a:defRPr>
       </a:lvl1pPr>
       <a:lvl2pPr marR="0" lvl="1" algn="l" rtl="0">
@@ -10590,15 +10516,15 @@
         <a:buClr>
           <a:srgbClr val="000000"/>
         </a:buClr>
-        <a:buFont typeface="Arial" panose="020B0604020202090204"/>
+        <a:buFont typeface="Arial" panose="020B0604020202020204"/>
         <a:defRPr sz="1400" b="0" i="0" u="none" strike="noStrike" cap="none">
           <a:solidFill>
             <a:srgbClr val="000000"/>
           </a:solidFill>
-          <a:latin typeface="Arial" panose="020B0604020202090204"/>
-          <a:ea typeface="Arial" panose="020B0604020202090204"/>
-          <a:cs typeface="Arial" panose="020B0604020202090204"/>
-          <a:sym typeface="Arial" panose="020B0604020202090204"/>
+          <a:latin typeface="Arial" panose="020B0604020202020204"/>
+          <a:ea typeface="Arial" panose="020B0604020202020204"/>
+          <a:cs typeface="Arial" panose="020B0604020202020204"/>
+          <a:sym typeface="Arial" panose="020B0604020202020204"/>
         </a:defRPr>
       </a:lvl2pPr>
       <a:lvl3pPr marR="0" lvl="2" algn="l" rtl="0">
@@ -10614,15 +10540,15 @@
         <a:buClr>
           <a:srgbClr val="000000"/>
         </a:buClr>
-        <a:buFont typeface="Arial" panose="020B0604020202090204"/>
+        <a:buFont typeface="Arial" panose="020B0604020202020204"/>
         <a:defRPr sz="1400" b="0" i="0" u="none" strike="noStrike" cap="none">
           <a:solidFill>
             <a:srgbClr val="000000"/>
           </a:solidFill>
-          <a:latin typeface="Arial" panose="020B0604020202090204"/>
-          <a:ea typeface="Arial" panose="020B0604020202090204"/>
-          <a:cs typeface="Arial" panose="020B0604020202090204"/>
-          <a:sym typeface="Arial" panose="020B0604020202090204"/>
+          <a:latin typeface="Arial" panose="020B0604020202020204"/>
+          <a:ea typeface="Arial" panose="020B0604020202020204"/>
+          <a:cs typeface="Arial" panose="020B0604020202020204"/>
+          <a:sym typeface="Arial" panose="020B0604020202020204"/>
         </a:defRPr>
       </a:lvl3pPr>
       <a:lvl4pPr marR="0" lvl="3" algn="l" rtl="0">
@@ -10638,15 +10564,15 @@
         <a:buClr>
           <a:srgbClr val="000000"/>
         </a:buClr>
-        <a:buFont typeface="Arial" panose="020B0604020202090204"/>
+        <a:buFont typeface="Arial" panose="020B0604020202020204"/>
         <a:defRPr sz="1400" b="0" i="0" u="none" strike="noStrike" cap="none">
           <a:solidFill>
             <a:srgbClr val="000000"/>
           </a:solidFill>
-          <a:latin typeface="Arial" panose="020B0604020202090204"/>
-          <a:ea typeface="Arial" panose="020B0604020202090204"/>
-          <a:cs typeface="Arial" panose="020B0604020202090204"/>
-          <a:sym typeface="Arial" panose="020B0604020202090204"/>
+          <a:latin typeface="Arial" panose="020B0604020202020204"/>
+          <a:ea typeface="Arial" panose="020B0604020202020204"/>
+          <a:cs typeface="Arial" panose="020B0604020202020204"/>
+          <a:sym typeface="Arial" panose="020B0604020202020204"/>
         </a:defRPr>
       </a:lvl4pPr>
       <a:lvl5pPr marR="0" lvl="4" algn="l" rtl="0">
@@ -10662,15 +10588,15 @@
         <a:buClr>
           <a:srgbClr val="000000"/>
         </a:buClr>
-        <a:buFont typeface="Arial" panose="020B0604020202090204"/>
+        <a:buFont typeface="Arial" panose="020B0604020202020204"/>
         <a:defRPr sz="1400" b="0" i="0" u="none" strike="noStrike" cap="none">
           <a:solidFill>
             <a:srgbClr val="000000"/>
           </a:solidFill>
-          <a:latin typeface="Arial" panose="020B0604020202090204"/>
-          <a:ea typeface="Arial" panose="020B0604020202090204"/>
-          <a:cs typeface="Arial" panose="020B0604020202090204"/>
-          <a:sym typeface="Arial" panose="020B0604020202090204"/>
+          <a:latin typeface="Arial" panose="020B0604020202020204"/>
+          <a:ea typeface="Arial" panose="020B0604020202020204"/>
+          <a:cs typeface="Arial" panose="020B0604020202020204"/>
+          <a:sym typeface="Arial" panose="020B0604020202020204"/>
         </a:defRPr>
       </a:lvl5pPr>
       <a:lvl6pPr marR="0" lvl="5" algn="l" rtl="0">
@@ -10686,15 +10612,15 @@
         <a:buClr>
           <a:srgbClr val="000000"/>
         </a:buClr>
-        <a:buFont typeface="Arial" panose="020B0604020202090204"/>
+        <a:buFont typeface="Arial" panose="020B0604020202020204"/>
         <a:defRPr sz="1400" b="0" i="0" u="none" strike="noStrike" cap="none">
           <a:solidFill>
             <a:srgbClr val="000000"/>
           </a:solidFill>
-          <a:latin typeface="Arial" panose="020B0604020202090204"/>
-          <a:ea typeface="Arial" panose="020B0604020202090204"/>
-          <a:cs typeface="Arial" panose="020B0604020202090204"/>
-          <a:sym typeface="Arial" panose="020B0604020202090204"/>
+          <a:latin typeface="Arial" panose="020B0604020202020204"/>
+          <a:ea typeface="Arial" panose="020B0604020202020204"/>
+          <a:cs typeface="Arial" panose="020B0604020202020204"/>
+          <a:sym typeface="Arial" panose="020B0604020202020204"/>
         </a:defRPr>
       </a:lvl6pPr>
       <a:lvl7pPr marR="0" lvl="6" algn="l" rtl="0">
@@ -10710,15 +10636,15 @@
         <a:buClr>
           <a:srgbClr val="000000"/>
         </a:buClr>
-        <a:buFont typeface="Arial" panose="020B0604020202090204"/>
+        <a:buFont typeface="Arial" panose="020B0604020202020204"/>
         <a:defRPr sz="1400" b="0" i="0" u="none" strike="noStrike" cap="none">
           <a:solidFill>
             <a:srgbClr val="000000"/>
           </a:solidFill>
-          <a:latin typeface="Arial" panose="020B0604020202090204"/>
-          <a:ea typeface="Arial" panose="020B0604020202090204"/>
-          <a:cs typeface="Arial" panose="020B0604020202090204"/>
-          <a:sym typeface="Arial" panose="020B0604020202090204"/>
+          <a:latin typeface="Arial" panose="020B0604020202020204"/>
+          <a:ea typeface="Arial" panose="020B0604020202020204"/>
+          <a:cs typeface="Arial" panose="020B0604020202020204"/>
+          <a:sym typeface="Arial" panose="020B0604020202020204"/>
         </a:defRPr>
       </a:lvl7pPr>
       <a:lvl8pPr marR="0" lvl="7" algn="l" rtl="0">
@@ -10734,15 +10660,15 @@
         <a:buClr>
           <a:srgbClr val="000000"/>
         </a:buClr>
-        <a:buFont typeface="Arial" panose="020B0604020202090204"/>
+        <a:buFont typeface="Arial" panose="020B0604020202020204"/>
         <a:defRPr sz="1400" b="0" i="0" u="none" strike="noStrike" cap="none">
           <a:solidFill>
             <a:srgbClr val="000000"/>
           </a:solidFill>
-          <a:latin typeface="Arial" panose="020B0604020202090204"/>
-          <a:ea typeface="Arial" panose="020B0604020202090204"/>
-          <a:cs typeface="Arial" panose="020B0604020202090204"/>
-          <a:sym typeface="Arial" panose="020B0604020202090204"/>
+          <a:latin typeface="Arial" panose="020B0604020202020204"/>
+          <a:ea typeface="Arial" panose="020B0604020202020204"/>
+          <a:cs typeface="Arial" panose="020B0604020202020204"/>
+          <a:sym typeface="Arial" panose="020B0604020202020204"/>
         </a:defRPr>
       </a:lvl8pPr>
       <a:lvl9pPr marR="0" lvl="8" algn="l" rtl="0">
@@ -10758,15 +10684,15 @@
         <a:buClr>
           <a:srgbClr val="000000"/>
         </a:buClr>
-        <a:buFont typeface="Arial" panose="020B0604020202090204"/>
+        <a:buFont typeface="Arial" panose="020B0604020202020204"/>
         <a:defRPr sz="1400" b="0" i="0" u="none" strike="noStrike" cap="none">
           <a:solidFill>
             <a:srgbClr val="000000"/>
           </a:solidFill>
-          <a:latin typeface="Arial" panose="020B0604020202090204"/>
-          <a:ea typeface="Arial" panose="020B0604020202090204"/>
-          <a:cs typeface="Arial" panose="020B0604020202090204"/>
-          <a:sym typeface="Arial" panose="020B0604020202090204"/>
+          <a:latin typeface="Arial" panose="020B0604020202020204"/>
+          <a:ea typeface="Arial" panose="020B0604020202020204"/>
+          <a:cs typeface="Arial" panose="020B0604020202020204"/>
+          <a:sym typeface="Arial" panose="020B0604020202020204"/>
         </a:defRPr>
       </a:lvl9pPr>
     </p:otherStyle>
@@ -10874,6 +10800,7 @@
               <a:rPr lang="en-US" altLang="zh-CN" sz="1800" dirty="0"/>
               <a:t>A web service for exchanging second-hand books</a:t>
             </a:r>
+            <a:endParaRPr lang="en-US" altLang="zh-CN" sz="1800" dirty="0"/>
           </a:p>
         </p:txBody>
       </p:sp>
@@ -10885,8 +10812,8 @@
         </p:nvSpPr>
         <p:spPr>
           <a:xfrm>
-            <a:off x="35776" y="2637393"/>
-            <a:ext cx="6096912" cy="369332"/>
+            <a:off x="1190625" y="3209290"/>
+            <a:ext cx="6511290" cy="1968500"/>
           </a:xfrm>
           <a:prstGeom prst="rect">
             <a:avLst/>
@@ -10899,11 +10826,122 @@
           </a:bodyPr>
           <a:lstStyle/>
           <a:p>
+            <a:pPr algn="ctr"/>
             <a:r>
               <a:rPr lang="en-US" altLang="zh-CN" sz="1800" dirty="0"/>
               <a:t>Motivation &amp; Main Functions:</a:t>
             </a:r>
+            <a:endParaRPr lang="en-US" altLang="zh-CN" sz="1800" dirty="0"/>
+          </a:p>
+          <a:p>
+            <a:pPr marL="285750" indent="-285750" algn="ctr">
+              <a:buFont typeface="Arial" panose="020B0604020202020204" pitchFamily="34" charset="0"/>
+              <a:buChar char="•"/>
+            </a:pPr>
+            <a:r>
+              <a:rPr lang="en-US" altLang="zh-CN" sz="1800" dirty="0"/>
+              <a:t>A platform encourages people to exchange books</a:t>
+            </a:r>
+            <a:endParaRPr lang="en-US" altLang="zh-CN" sz="1800" dirty="0"/>
+          </a:p>
+          <a:p>
+            <a:pPr marL="285750" indent="-285750" algn="ctr">
+              <a:buFont typeface="Arial" panose="020B0604020202020204" pitchFamily="34" charset="0"/>
+              <a:buChar char="•"/>
+            </a:pPr>
+            <a:r>
+              <a:rPr lang="en-US" altLang="zh-CN" sz="1800" dirty="0"/>
+              <a:t>Save money to buy new books</a:t>
+            </a:r>
+            <a:endParaRPr lang="en-US" altLang="zh-CN" sz="1800" dirty="0"/>
+          </a:p>
+          <a:p>
+            <a:pPr marL="285750" indent="-285750" algn="ctr">
+              <a:buFont typeface="Arial" panose="020B0604020202020204" pitchFamily="34" charset="0"/>
+              <a:buChar char="•"/>
+            </a:pPr>
+            <a:r>
+              <a:rPr lang="en-US" altLang="zh-CN" sz="1800" dirty="0"/>
+              <a:t>The more books you donate, the more books you can request from others</a:t>
+            </a:r>
+            <a:endParaRPr lang="en-US" altLang="zh-CN" sz="1800" dirty="0"/>
+          </a:p>
+          <a:p>
+            <a:pPr marL="285750" indent="-285750" algn="ctr">
+              <a:buFont typeface="Arial" panose="020B0604020202020204" pitchFamily="34" charset="0"/>
+              <a:buChar char="•"/>
+            </a:pPr>
+            <a:r>
+              <a:rPr lang="en-US" altLang="zh-CN" sz="1800" dirty="0"/>
+              <a:t>Welcome users with similar interets to contact each other</a:t>
+            </a:r>
+            <a:endParaRPr lang="en-US" altLang="zh-CN" sz="1800" dirty="0"/>
+          </a:p>
+          <a:p>
+            <a:pPr algn="ctr"/>
             <a:endParaRPr lang="zh-CN" altLang="en-US" dirty="0"/>
+          </a:p>
+        </p:txBody>
+      </p:sp>
+      <p:sp>
+        <p:nvSpPr>
+          <p:cNvPr id="4" name="文本框 3"/>
+          <p:cNvSpPr txBox="1"/>
+          <p:nvPr/>
+        </p:nvSpPr>
+        <p:spPr>
+          <a:xfrm>
+            <a:off x="1832610" y="1494155"/>
+            <a:ext cx="5454650" cy="1168400"/>
+          </a:xfrm>
+          <a:prstGeom prst="rect">
+            <a:avLst/>
+          </a:prstGeom>
+          <a:noFill/>
+        </p:spPr>
+        <p:txBody>
+          <a:bodyPr wrap="square" rtlCol="0">
+            <a:spAutoFit/>
+          </a:bodyPr>
+          <a:p>
+            <a:pPr algn="ctr"/>
+            <a:r>
+              <a:rPr lang="en-US" altLang="zh-CN">
+                <a:sym typeface="+mn-ea"/>
+              </a:rPr>
+              <a:t>Dantong Zhu</a:t>
+            </a:r>
+            <a:endParaRPr lang="en-US" altLang="zh-CN">
+              <a:sym typeface="+mn-ea"/>
+            </a:endParaRPr>
+          </a:p>
+          <a:p>
+            <a:pPr algn="ctr"/>
+            <a:r>
+              <a:rPr lang="en-US" altLang="zh-CN"/>
+              <a:t>Tianhang Cui </a:t>
+            </a:r>
+            <a:endParaRPr lang="en-US" altLang="zh-CN"/>
+          </a:p>
+          <a:p>
+            <a:pPr algn="ctr"/>
+            <a:r>
+              <a:rPr lang="en-US" altLang="zh-CN"/>
+              <a:t>Anni Chen ac4779</a:t>
+            </a:r>
+            <a:endParaRPr lang="en-US" altLang="zh-CN"/>
+          </a:p>
+          <a:p>
+            <a:pPr algn="ctr"/>
+            <a:r>
+              <a:rPr lang="en-US" altLang="zh-CN"/>
+              <a:t>Zhengrui Chen</a:t>
+            </a:r>
+            <a:endParaRPr lang="en-US" altLang="zh-CN"/>
+          </a:p>
+          <a:p>
+            <a:pPr algn="ctr"/>
+            <a:endParaRPr lang="en-US" altLang="zh-CN"/>
           </a:p>
         </p:txBody>
       </p:sp>
@@ -10962,6 +11000,30 @@
           </a:p>
         </p:txBody>
       </p:sp>
+      <p:pic>
+        <p:nvPicPr>
+          <p:cNvPr id="2" name="图片 1" descr="StructureDiagram.drawio"/>
+          <p:cNvPicPr>
+            <a:picLocks noChangeAspect="1"/>
+          </p:cNvPicPr>
+          <p:nvPr/>
+        </p:nvPicPr>
+        <p:blipFill>
+          <a:blip r:embed="rId1"/>
+          <a:stretch>
+            <a:fillRect/>
+          </a:stretch>
+        </p:blipFill>
+        <p:spPr>
+          <a:xfrm>
+            <a:off x="643255" y="1304290"/>
+            <a:ext cx="7640320" cy="4842510"/>
+          </a:xfrm>
+          <a:prstGeom prst="rect">
+            <a:avLst/>
+          </a:prstGeom>
+        </p:spPr>
+      </p:pic>
     </p:spTree>
   </p:cSld>
   <p:clrMapOvr>
@@ -11043,6 +11105,7 @@
               <a:rPr lang="en-US" altLang="zh-CN" dirty="0"/>
               <a:t>Login/Registration Panel</a:t>
             </a:r>
+            <a:endParaRPr lang="en-US" altLang="zh-CN" dirty="0"/>
           </a:p>
           <a:p>
             <a:r>
@@ -11055,20 +11118,14 @@
       </p:sp>
       <p:pic>
         <p:nvPicPr>
-          <p:cNvPr id="7" name="图片 6">
-            <a:extLst>
-              <a:ext uri="{FF2B5EF4-FFF2-40B4-BE49-F238E27FC236}">
-                <a16:creationId xmlns:a16="http://schemas.microsoft.com/office/drawing/2014/main" id="{87441717-A242-4DAD-6205-405864642023}"/>
-              </a:ext>
-            </a:extLst>
-          </p:cNvPr>
+          <p:cNvPr id="7" name="图片 6"/>
           <p:cNvPicPr>
             <a:picLocks noChangeAspect="1"/>
           </p:cNvPicPr>
           <p:nvPr/>
         </p:nvPicPr>
         <p:blipFill>
-          <a:blip r:embed="rId2"/>
+          <a:blip r:embed="rId1"/>
           <a:stretch>
             <a:fillRect/>
           </a:stretch>
@@ -11085,20 +11142,14 @@
       </p:pic>
       <p:pic>
         <p:nvPicPr>
-          <p:cNvPr id="8" name="图片 7">
-            <a:extLst>
-              <a:ext uri="{FF2B5EF4-FFF2-40B4-BE49-F238E27FC236}">
-                <a16:creationId xmlns:a16="http://schemas.microsoft.com/office/drawing/2014/main" id="{C33F2BB6-6644-087B-3B61-FA80CFA990AE}"/>
-              </a:ext>
-            </a:extLst>
-          </p:cNvPr>
+          <p:cNvPr id="8" name="图片 7"/>
           <p:cNvPicPr>
             <a:picLocks noChangeAspect="1"/>
           </p:cNvPicPr>
           <p:nvPr/>
         </p:nvPicPr>
         <p:blipFill>
-          <a:blip r:embed="rId3"/>
+          <a:blip r:embed="rId2"/>
           <a:stretch>
             <a:fillRect/>
           </a:stretch>
@@ -11115,16 +11166,8 @@
       </p:pic>
       <p:cxnSp>
         <p:nvCxnSpPr>
-          <p:cNvPr id="10" name="直接箭头连接符 9">
-            <a:extLst>
-              <a:ext uri="{FF2B5EF4-FFF2-40B4-BE49-F238E27FC236}">
-                <a16:creationId xmlns:a16="http://schemas.microsoft.com/office/drawing/2014/main" id="{5EB98E03-4E72-7712-B102-92CCD172E649}"/>
-              </a:ext>
-            </a:extLst>
-          </p:cNvPr>
-          <p:cNvCxnSpPr>
-            <a:cxnSpLocks/>
-          </p:cNvCxnSpPr>
+          <p:cNvPr id="10" name="直接箭头连接符 9"/>
+          <p:cNvCxnSpPr/>
           <p:nvPr/>
         </p:nvCxnSpPr>
         <p:spPr>
@@ -11280,7 +11323,7 @@
           <a:lstStyle/>
           <a:p>
             <a:pPr marL="285750" indent="-285750">
-              <a:buFont typeface="Arial" panose="020B0604020202090204" pitchFamily="34" charset="0"/>
+              <a:buFont typeface="Arial" panose="020B0604020202020204" pitchFamily="34" charset="0"/>
               <a:buChar char="•"/>
             </a:pPr>
             <a:r>
@@ -11291,10 +11334,15 @@
               </a:rPr>
               <a:t>Using API Gateway to pass the photos directly to a S3 bucket</a:t>
             </a:r>
+            <a:endParaRPr lang="en-US" altLang="zh-CN" sz="1200" dirty="0">
+              <a:solidFill>
+                <a:schemeClr val="bg1"/>
+              </a:solidFill>
+            </a:endParaRPr>
           </a:p>
           <a:p>
             <a:pPr marL="285750" indent="-285750">
-              <a:buFont typeface="Arial" panose="020B0604020202090204" pitchFamily="34" charset="0"/>
+              <a:buFont typeface="Arial" panose="020B0604020202020204" pitchFamily="34" charset="0"/>
               <a:buChar char="•"/>
             </a:pPr>
             <a:r>
@@ -11305,10 +11353,15 @@
               </a:rPr>
               <a:t>Using a Lambda Function to add the donation information to DynamoDB and OpenSearch.</a:t>
             </a:r>
+            <a:endParaRPr lang="en-US" altLang="zh-CN" sz="1200" dirty="0">
+              <a:solidFill>
+                <a:schemeClr val="bg1"/>
+              </a:solidFill>
+            </a:endParaRPr>
           </a:p>
           <a:p>
             <a:pPr marL="285750" indent="-285750">
-              <a:buFont typeface="Arial" panose="020B0604020202090204" pitchFamily="34" charset="0"/>
+              <a:buFont typeface="Arial" panose="020B0604020202020204" pitchFamily="34" charset="0"/>
               <a:buChar char="•"/>
             </a:pPr>
             <a:r>
@@ -11352,7 +11405,7 @@
           <p:nvPr/>
         </p:nvPicPr>
         <p:blipFill>
-          <a:blip r:embed="rId2">
+          <a:blip r:embed="rId1">
             <a:extLst>
               <a:ext uri="{28A0092B-C50C-407E-A947-70E740481C1C}">
                 <a14:useLocalDpi xmlns:a14="http://schemas.microsoft.com/office/drawing/2010/main" val="0"/>
@@ -11415,20 +11468,14 @@
       </p:sp>
       <p:pic>
         <p:nvPicPr>
-          <p:cNvPr id="30" name="图片 29">
-            <a:extLst>
-              <a:ext uri="{FF2B5EF4-FFF2-40B4-BE49-F238E27FC236}">
-                <a16:creationId xmlns:a16="http://schemas.microsoft.com/office/drawing/2014/main" id="{4FABEA6C-C938-3961-9113-791788608C0B}"/>
-              </a:ext>
-            </a:extLst>
-          </p:cNvPr>
+          <p:cNvPr id="30" name="图片 29"/>
           <p:cNvPicPr>
             <a:picLocks noChangeAspect="1"/>
           </p:cNvPicPr>
           <p:nvPr/>
         </p:nvPicPr>
         <p:blipFill>
-          <a:blip r:embed="rId3"/>
+          <a:blip r:embed="rId2"/>
           <a:stretch>
             <a:fillRect/>
           </a:stretch>
@@ -11600,7 +11647,7 @@
           </p:nvPr>
         </p:nvPicPr>
         <p:blipFill>
-          <a:blip r:embed="rId3"/>
+          <a:blip r:embed="rId2"/>
           <a:srcRect l="4856" t="2435" b="12329"/>
           <a:stretch>
             <a:fillRect/>
@@ -11639,51 +11686,54 @@
           <a:lstStyle/>
           <a:p>
             <a:pPr marL="285750" indent="-285750">
-              <a:buFont typeface="Arial" panose="020B0604020202090204" pitchFamily="34" charset="0"/>
+              <a:buFont typeface="Arial" panose="020B0604020202020204" pitchFamily="34" charset="0"/>
               <a:buChar char="•"/>
             </a:pPr>
             <a:r>
               <a:rPr lang="en-US" altLang="zh-CN" sz="1200"/>
               <a:t>Determine whether the user has enough credits to make request</a:t>
             </a:r>
+            <a:endParaRPr lang="en-US" altLang="zh-CN" sz="1200"/>
           </a:p>
           <a:p>
             <a:pPr marL="285750" indent="-285750">
-              <a:buFont typeface="Arial" panose="020B0604020202090204" pitchFamily="34" charset="0"/>
+              <a:buFont typeface="Arial" panose="020B0604020202020204" pitchFamily="34" charset="0"/>
               <a:buChar char="•"/>
             </a:pPr>
             <a:endParaRPr lang="en-US" altLang="zh-CN" sz="1200"/>
           </a:p>
           <a:p>
             <a:pPr marL="285750" indent="-285750">
-              <a:buFont typeface="Arial" panose="020B0604020202090204" pitchFamily="34" charset="0"/>
+              <a:buFont typeface="Arial" panose="020B0604020202020204" pitchFamily="34" charset="0"/>
               <a:buChar char="•"/>
             </a:pPr>
             <a:r>
               <a:rPr lang="en-US" altLang="zh-CN" sz="1200"/>
               <a:t>Once successful requested, update user history (add book_id)</a:t>
             </a:r>
+            <a:endParaRPr lang="en-US" altLang="zh-CN" sz="1200"/>
           </a:p>
           <a:p>
             <a:pPr marL="285750" indent="-285750">
-              <a:buFont typeface="Arial" panose="020B0604020202090204" pitchFamily="34" charset="0"/>
+              <a:buFont typeface="Arial" panose="020B0604020202020204" pitchFamily="34" charset="0"/>
               <a:buChar char="•"/>
             </a:pPr>
             <a:endParaRPr lang="en-US" altLang="zh-CN" sz="1200"/>
           </a:p>
           <a:p>
             <a:pPr marL="285750" indent="-285750">
-              <a:buFont typeface="Arial" panose="020B0604020202090204" pitchFamily="34" charset="0"/>
+              <a:buFont typeface="Arial" panose="020B0604020202020204" pitchFamily="34" charset="0"/>
               <a:buChar char="•"/>
             </a:pPr>
             <a:r>
               <a:rPr lang="en-US" altLang="zh-CN" sz="1200"/>
               <a:t>Update book information to set status=’unavailable’, so it will no longer be searched</a:t>
             </a:r>
+            <a:endParaRPr lang="en-US" altLang="zh-CN" sz="1200"/>
           </a:p>
           <a:p>
             <a:pPr marL="285750" indent="-285750">
-              <a:buFont typeface="Arial" panose="020B0604020202090204" pitchFamily="34" charset="0"/>
+              <a:buFont typeface="Arial" panose="020B0604020202020204" pitchFamily="34" charset="0"/>
               <a:buChar char="•"/>
             </a:pPr>
             <a:endParaRPr lang="en-US" altLang="zh-CN" sz="1200"/>
@@ -11692,20 +11742,14 @@
       </p:sp>
       <p:pic>
         <p:nvPicPr>
-          <p:cNvPr id="13" name="图片 12">
-            <a:extLst>
-              <a:ext uri="{FF2B5EF4-FFF2-40B4-BE49-F238E27FC236}">
-                <a16:creationId xmlns:a16="http://schemas.microsoft.com/office/drawing/2014/main" id="{53390A31-C398-C0CA-D3E7-DBDEB0529CE3}"/>
-              </a:ext>
-            </a:extLst>
-          </p:cNvPr>
+          <p:cNvPr id="13" name="图片 12"/>
           <p:cNvPicPr>
             <a:picLocks noChangeAspect="1"/>
           </p:cNvPicPr>
           <p:nvPr/>
         </p:nvPicPr>
         <p:blipFill>
-          <a:blip r:embed="rId4"/>
+          <a:blip r:embed="rId3"/>
           <a:stretch>
             <a:fillRect/>
           </a:stretch>
@@ -11722,16 +11766,8 @@
       </p:pic>
       <p:cxnSp>
         <p:nvCxnSpPr>
-          <p:cNvPr id="15" name="直接箭头连接符 14">
-            <a:extLst>
-              <a:ext uri="{FF2B5EF4-FFF2-40B4-BE49-F238E27FC236}">
-                <a16:creationId xmlns:a16="http://schemas.microsoft.com/office/drawing/2014/main" id="{2628BB6B-EA1C-C96D-0DB9-BC823B4835CC}"/>
-              </a:ext>
-            </a:extLst>
-          </p:cNvPr>
-          <p:cNvCxnSpPr>
-            <a:cxnSpLocks/>
-          </p:cNvCxnSpPr>
+          <p:cNvPr id="15" name="直接箭头连接符 14"/>
+          <p:cNvCxnSpPr/>
           <p:nvPr/>
         </p:nvCxnSpPr>
         <p:spPr>
@@ -11763,13 +11799,7 @@
       </p:cxnSp>
       <p:sp>
         <p:nvSpPr>
-          <p:cNvPr id="18" name="文本框 17">
-            <a:extLst>
-              <a:ext uri="{FF2B5EF4-FFF2-40B4-BE49-F238E27FC236}">
-                <a16:creationId xmlns:a16="http://schemas.microsoft.com/office/drawing/2014/main" id="{13FBED31-0808-E034-32CC-3E3CDACF9ABD}"/>
-              </a:ext>
-            </a:extLst>
-          </p:cNvPr>
+          <p:cNvPr id="18" name="文本框 17"/>
           <p:cNvSpPr txBox="1"/>
           <p:nvPr/>
         </p:nvSpPr>
@@ -11798,11 +11828,6 @@
         </p:txBody>
       </p:sp>
     </p:spTree>
-    <p:extLst>
-      <p:ext uri="{BB962C8B-B14F-4D97-AF65-F5344CB8AC3E}">
-        <p14:creationId xmlns:p14="http://schemas.microsoft.com/office/powerpoint/2010/main" val="2976690921"/>
-      </p:ext>
-    </p:extLst>
   </p:cSld>
   <p:clrMapOvr>
     <a:masterClrMapping/>
@@ -11968,7 +11993,7 @@
           <a:lstStyle/>
           <a:p>
             <a:pPr marL="285750" indent="-285750">
-              <a:buFont typeface="Arial" panose="020B0604020202090204" pitchFamily="34" charset="0"/>
+              <a:buFont typeface="Arial" panose="020B0604020202020204" pitchFamily="34" charset="0"/>
               <a:buChar char="•"/>
             </a:pPr>
             <a:r>
@@ -11980,10 +12005,16 @@
               </a:rPr>
               <a:t>Using API Gateway to pass the query infomation from frontend input to lambda function</a:t>
             </a:r>
+            <a:endParaRPr lang="en-US" altLang="zh-CN" sz="1200" dirty="0">
+              <a:solidFill>
+                <a:schemeClr val="bg1"/>
+              </a:solidFill>
+              <a:sym typeface="+mn-ea"/>
+            </a:endParaRPr>
           </a:p>
           <a:p>
             <a:pPr marL="285750" indent="-285750">
-              <a:buFont typeface="Arial" panose="020B0604020202090204" pitchFamily="34" charset="0"/>
+              <a:buFont typeface="Arial" panose="020B0604020202020204" pitchFamily="34" charset="0"/>
               <a:buChar char="•"/>
             </a:pPr>
             <a:endParaRPr lang="en-US" altLang="zh-CN" sz="1200" dirty="0">
@@ -11995,7 +12026,7 @@
           </a:p>
           <a:p>
             <a:pPr marL="285750" indent="-285750">
-              <a:buFont typeface="Arial" panose="020B0604020202090204" pitchFamily="34" charset="0"/>
+              <a:buFont typeface="Arial" panose="020B0604020202020204" pitchFamily="34" charset="0"/>
               <a:buChar char="•"/>
             </a:pPr>
             <a:r>
@@ -12007,10 +12038,16 @@
               </a:rPr>
               <a:t>Using a lambda function to query corrsponding available donation books ftom DynamoDB through OpenSearch.</a:t>
             </a:r>
+            <a:endParaRPr lang="en-US" altLang="zh-CN" sz="1200" dirty="0">
+              <a:solidFill>
+                <a:schemeClr val="bg1"/>
+              </a:solidFill>
+              <a:sym typeface="+mn-ea"/>
+            </a:endParaRPr>
           </a:p>
           <a:p>
             <a:pPr marL="285750" indent="-285750">
-              <a:buFont typeface="Arial" panose="020B0604020202090204" pitchFamily="34" charset="0"/>
+              <a:buFont typeface="Arial" panose="020B0604020202020204" pitchFamily="34" charset="0"/>
               <a:buChar char="•"/>
             </a:pPr>
             <a:endParaRPr lang="en-US" altLang="zh-CN" sz="1200" dirty="0">
@@ -12022,7 +12059,7 @@
           </a:p>
           <a:p>
             <a:pPr marL="285750" indent="-285750">
-              <a:buFont typeface="Arial" panose="020B0604020202090204" pitchFamily="34" charset="0"/>
+              <a:buFont typeface="Arial" panose="020B0604020202020204" pitchFamily="34" charset="0"/>
               <a:buChar char="•"/>
             </a:pPr>
             <a:r>
@@ -12034,10 +12071,16 @@
               </a:rPr>
               <a:t>The lambda function also automatically get the book cover by using Open Library API and upload pic from S3</a:t>
             </a:r>
+            <a:endParaRPr lang="en-US" altLang="zh-CN" sz="1200" dirty="0">
+              <a:solidFill>
+                <a:schemeClr val="bg1"/>
+              </a:solidFill>
+              <a:sym typeface="+mn-ea"/>
+            </a:endParaRPr>
           </a:p>
           <a:p>
             <a:pPr marL="285750" indent="-285750">
-              <a:buFont typeface="Arial" panose="020B0604020202090204" pitchFamily="34" charset="0"/>
+              <a:buFont typeface="Arial" panose="020B0604020202020204" pitchFamily="34" charset="0"/>
               <a:buChar char="•"/>
             </a:pPr>
             <a:endParaRPr lang="en-US" sz="1200">
@@ -12048,7 +12091,7 @@
           </a:p>
           <a:p>
             <a:pPr marL="285750" indent="-285750">
-              <a:buFont typeface="Arial" panose="020B0604020202090204" pitchFamily="34" charset="0"/>
+              <a:buFont typeface="Arial" panose="020B0604020202020204" pitchFamily="34" charset="0"/>
               <a:buChar char="•"/>
             </a:pPr>
             <a:r>
@@ -12059,6 +12102,11 @@
               </a:rPr>
               <a:t>Frontend get the response from the image and display it under the search bar</a:t>
             </a:r>
+            <a:endParaRPr lang="en-US" sz="1200">
+              <a:solidFill>
+                <a:schemeClr val="bg1"/>
+              </a:solidFill>
+            </a:endParaRPr>
           </a:p>
         </p:txBody>
       </p:sp>
@@ -12071,7 +12119,7 @@
           <p:nvPr/>
         </p:nvPicPr>
         <p:blipFill>
-          <a:blip r:embed="rId2"/>
+          <a:blip r:embed="rId1"/>
           <a:stretch>
             <a:fillRect/>
           </a:stretch>
@@ -12088,22 +12136,18 @@
       </p:pic>
       <p:pic>
         <p:nvPicPr>
-          <p:cNvPr id="12" name="图片 11">
-            <a:extLst>
-              <a:ext uri="{FF2B5EF4-FFF2-40B4-BE49-F238E27FC236}">
-                <a16:creationId xmlns:a16="http://schemas.microsoft.com/office/drawing/2014/main" id="{AF1C9211-3772-481C-4C43-F55B59139FA6}"/>
-              </a:ext>
-            </a:extLst>
-          </p:cNvPr>
+          <p:cNvPr id="12" name="图片 11"/>
           <p:cNvPicPr>
             <a:picLocks noChangeAspect="1"/>
           </p:cNvPicPr>
           <p:nvPr/>
         </p:nvPicPr>
         <p:blipFill rotWithShape="1">
-          <a:blip r:embed="rId3"/>
+          <a:blip r:embed="rId2"/>
           <a:srcRect t="2754"/>
-          <a:stretch/>
+          <a:stretch>
+            <a:fillRect/>
+          </a:stretch>
         </p:blipFill>
         <p:spPr>
           <a:xfrm>
@@ -12117,20 +12161,14 @@
       </p:pic>
       <p:pic>
         <p:nvPicPr>
-          <p:cNvPr id="14" name="图片 13">
-            <a:extLst>
-              <a:ext uri="{FF2B5EF4-FFF2-40B4-BE49-F238E27FC236}">
-                <a16:creationId xmlns:a16="http://schemas.microsoft.com/office/drawing/2014/main" id="{1D710171-8C8D-2E1A-E063-B05598510E6C}"/>
-              </a:ext>
-            </a:extLst>
-          </p:cNvPr>
+          <p:cNvPr id="14" name="图片 13"/>
           <p:cNvPicPr>
             <a:picLocks noChangeAspect="1"/>
           </p:cNvPicPr>
           <p:nvPr/>
         </p:nvPicPr>
         <p:blipFill>
-          <a:blip r:embed="rId4"/>
+          <a:blip r:embed="rId3"/>
           <a:stretch>
             <a:fillRect/>
           </a:stretch>
@@ -12210,13 +12248,7 @@
       </p:sp>
       <p:sp>
         <p:nvSpPr>
-          <p:cNvPr id="7" name="Rectangle: Rounded Corners 3">
-            <a:extLst>
-              <a:ext uri="{FF2B5EF4-FFF2-40B4-BE49-F238E27FC236}">
-                <a16:creationId xmlns:a16="http://schemas.microsoft.com/office/drawing/2014/main" id="{E4A89171-A0DD-83F7-BF5E-17A305A5462C}"/>
-              </a:ext>
-            </a:extLst>
-          </p:cNvPr>
+          <p:cNvPr id="7" name="Rectangle: Rounded Corners 3"/>
           <p:cNvSpPr/>
           <p:nvPr/>
         </p:nvSpPr>
@@ -12264,20 +12296,14 @@
       </p:sp>
       <p:pic>
         <p:nvPicPr>
-          <p:cNvPr id="6" name="图片 5">
-            <a:extLst>
-              <a:ext uri="{FF2B5EF4-FFF2-40B4-BE49-F238E27FC236}">
-                <a16:creationId xmlns:a16="http://schemas.microsoft.com/office/drawing/2014/main" id="{737C12BB-DF57-D9E1-595D-C9BEE53DCCC1}"/>
-              </a:ext>
-            </a:extLst>
-          </p:cNvPr>
+          <p:cNvPr id="6" name="图片 5"/>
           <p:cNvPicPr>
             <a:picLocks noChangeAspect="1"/>
           </p:cNvPicPr>
           <p:nvPr/>
         </p:nvPicPr>
         <p:blipFill>
-          <a:blip r:embed="rId2"/>
+          <a:blip r:embed="rId1"/>
           <a:stretch>
             <a:fillRect/>
           </a:stretch>
@@ -12294,20 +12320,14 @@
       </p:pic>
       <p:pic>
         <p:nvPicPr>
-          <p:cNvPr id="8" name="图片 7">
-            <a:extLst>
-              <a:ext uri="{FF2B5EF4-FFF2-40B4-BE49-F238E27FC236}">
-                <a16:creationId xmlns:a16="http://schemas.microsoft.com/office/drawing/2014/main" id="{25929370-08A1-3E25-33DC-E4133F854CEB}"/>
-              </a:ext>
-            </a:extLst>
-          </p:cNvPr>
+          <p:cNvPr id="8" name="图片 7"/>
           <p:cNvPicPr>
             <a:picLocks noChangeAspect="1"/>
           </p:cNvPicPr>
           <p:nvPr/>
         </p:nvPicPr>
         <p:blipFill>
-          <a:blip r:embed="rId3"/>
+          <a:blip r:embed="rId2"/>
           <a:stretch>
             <a:fillRect/>
           </a:stretch>
@@ -12324,20 +12344,14 @@
       </p:pic>
       <p:pic>
         <p:nvPicPr>
-          <p:cNvPr id="10" name="图片 9">
-            <a:extLst>
-              <a:ext uri="{FF2B5EF4-FFF2-40B4-BE49-F238E27FC236}">
-                <a16:creationId xmlns:a16="http://schemas.microsoft.com/office/drawing/2014/main" id="{F9F3F020-78AF-2CE4-A7FA-7C5E27974375}"/>
-              </a:ext>
-            </a:extLst>
-          </p:cNvPr>
+          <p:cNvPr id="10" name="图片 9"/>
           <p:cNvPicPr>
             <a:picLocks noChangeAspect="1"/>
           </p:cNvPicPr>
           <p:nvPr/>
         </p:nvPicPr>
         <p:blipFill>
-          <a:blip r:embed="rId4"/>
+          <a:blip r:embed="rId3"/>
           <a:stretch>
             <a:fillRect/>
           </a:stretch>
@@ -12354,13 +12368,7 @@
       </p:pic>
       <p:sp>
         <p:nvSpPr>
-          <p:cNvPr id="12" name="文本框 11">
-            <a:extLst>
-              <a:ext uri="{FF2B5EF4-FFF2-40B4-BE49-F238E27FC236}">
-                <a16:creationId xmlns:a16="http://schemas.microsoft.com/office/drawing/2014/main" id="{DAEDF5BF-3A45-2658-A1B4-1AA19EA52A6D}"/>
-              </a:ext>
-            </a:extLst>
-          </p:cNvPr>
+          <p:cNvPr id="12" name="文本框 11"/>
           <p:cNvSpPr txBox="1"/>
           <p:nvPr/>
         </p:nvSpPr>
@@ -12543,12 +12551,14 @@
               <a:rPr lang="en-US" altLang="zh-CN" dirty="0"/>
               <a:t>Although we can link user’s account and their information directly in Cognito (which is convenient and good for keeping user’s information secure!), we decided to use DynamoDB to store the users’ non-sensitive information, rather than storing them in Cognito.</a:t>
             </a:r>
+            <a:endParaRPr lang="en-US" altLang="zh-CN" dirty="0"/>
           </a:p>
           <a:p>
             <a:r>
               <a:rPr lang="en-US" altLang="zh-CN" sz="1400" dirty="0"/>
               <a:t>-   The attributes stored in Cognito has to be key-value(string) pair, not good for complicated data structures.</a:t>
             </a:r>
+            <a:endParaRPr lang="en-US" altLang="zh-CN" sz="1400" dirty="0"/>
           </a:p>
           <a:p>
             <a:pPr marL="285750" indent="-285750">
@@ -12559,6 +12569,7 @@
               <a:rPr lang="en-US" altLang="zh-CN" sz="1400" dirty="0"/>
               <a:t>We need to store many users’ requested/donate books, this list could be large and Cognito is not scalable as the DynamoDB.</a:t>
             </a:r>
+            <a:endParaRPr lang="en-US" altLang="zh-CN" sz="1400" dirty="0"/>
           </a:p>
           <a:p>
             <a:pPr marL="285750" indent="-285750">
@@ -12569,6 +12580,7 @@
               <a:rPr lang="en-US" altLang="zh-CN" sz="1400" dirty="0"/>
               <a:t>The DynamoDB can handle query much more efficient than Cognito</a:t>
             </a:r>
+            <a:endParaRPr lang="en-US" altLang="zh-CN" sz="1400" dirty="0"/>
           </a:p>
           <a:p>
             <a:pPr marL="285750" indent="-285750">
@@ -12579,6 +12591,7 @@
               <a:rPr lang="en-US" altLang="zh-CN" sz="1400" dirty="0"/>
               <a:t>We realized this is the pattern often done in the industry after searching the online information</a:t>
             </a:r>
+            <a:endParaRPr lang="en-US" altLang="zh-CN" sz="1400" dirty="0"/>
           </a:p>
         </p:txBody>
       </p:sp>
@@ -12591,8 +12604,14 @@
 </file>
 
 <file path=ppt/tags/tag1.xml><?xml version="1.0" encoding="utf-8"?>
-<p:tagLst xmlns:a="http://schemas.openxmlformats.org/drawingml/2006/main" xmlns:r="http://schemas.openxmlformats.org/officeDocument/2006/relationships" xmlns:p="http://schemas.openxmlformats.org/presentationml/2006/main">
+<p:tagLst xmlns:p="http://schemas.openxmlformats.org/presentationml/2006/main">
   <p:tag name="KSO_WM_UNIT_PLACING_PICTURE_USER_VIEWPORT" val="{&quot;height&quot;:6853,&quot;width&quot;:7396}"/>
+</p:tagLst>
+</file>
+
+<file path=ppt/tags/tag2.xml><?xml version="1.0" encoding="utf-8"?>
+<p:tagLst xmlns:p="http://schemas.openxmlformats.org/presentationml/2006/main">
+  <p:tag name="COMMONDATA" val="eyJoZGlkIjoiMjAxNWI3YzFlYzE0N2ZkYzBlN2VjYmRmNTNiMjJjYmUifQ=="/>
 </p:tagLst>
 </file>
 
@@ -12872,8 +12891,6 @@
       </a:bgFillStyleLst>
     </a:fmtScheme>
   </a:themeElements>
-  <a:objectDefaults/>
-  <a:extraClrSchemeLst/>
   <a:extLst>
     <a:ext uri="{05A4C25C-085E-4340-85A3-A5531E510DB2}">
       <thm15:themeFamily xmlns:thm15="http://schemas.microsoft.com/office/thememl/2012/main" name="Office Theme" id="{62F939B6-93AF-4DB8-9C6B-D6C7DFDC589F}" vid="{4A3C46E8-61CC-4603-A589-7422A47A8E4A}"/>
@@ -13158,8 +13175,6 @@
       </a:bgFillStyleLst>
     </a:fmtScheme>
   </a:themeElements>
-  <a:objectDefaults/>
-  <a:extraClrSchemeLst/>
   <a:extLst>
     <a:ext uri="{05A4C25C-085E-4340-85A3-A5531E510DB2}">
       <thm15:themeFamily xmlns:thm15="http://schemas.microsoft.com/office/thememl/2012/main" name="Office Theme" id="{62F939B6-93AF-4DB8-9C6B-D6C7DFDC589F}" vid="{4A3C46E8-61CC-4603-A589-7422A47A8E4A}"/>

--- a/presentation-book-exchange.pptx
+++ b/presentation-book-exchange.pptx
@@ -9,28 +9,26 @@
   </p:notesMasterIdLst>
   <p:sldIdLst>
     <p:sldId id="256" r:id="rId3"/>
-    <p:sldId id="261" r:id="rId5"/>
-    <p:sldId id="262" r:id="rId6"/>
-    <p:sldId id="263" r:id="rId7"/>
-    <p:sldId id="268" r:id="rId8"/>
-    <p:sldId id="264" r:id="rId9"/>
-    <p:sldId id="265" r:id="rId10"/>
-    <p:sldId id="267" r:id="rId11"/>
+    <p:sldId id="272" r:id="rId5"/>
+    <p:sldId id="274" r:id="rId6"/>
+    <p:sldId id="261" r:id="rId7"/>
+    <p:sldId id="262" r:id="rId8"/>
+    <p:sldId id="263" r:id="rId9"/>
+    <p:sldId id="268" r:id="rId10"/>
+    <p:sldId id="264" r:id="rId11"/>
+    <p:sldId id="265" r:id="rId12"/>
+    <p:sldId id="267" r:id="rId13"/>
   </p:sldIdLst>
   <p:sldSz cx="9144000" cy="6858000" type="screen4x3"/>
   <p:notesSz cx="7010400" cy="9296400"/>
   <p:embeddedFontLst>
     <p:embeddedFont>
-      <p:font typeface="SimSun" panose="02010600030101010101" pitchFamily="2" charset="-122"/>
-      <p:regular r:id="rId15"/>
-    </p:embeddedFont>
-    <p:embeddedFont>
       <p:font typeface="Arial Black" panose="020B0A04020102020204" pitchFamily="34" charset="0"/>
-      <p:bold r:id="rId16"/>
+      <p:bold r:id="rId17"/>
     </p:embeddedFont>
   </p:embeddedFontLst>
   <p:custDataLst>
-    <p:tags r:id="rId17"/>
+    <p:tags r:id="rId18"/>
   </p:custDataLst>
   <p:defaultTextStyle>
     <a:defPPr marR="0" lvl="0" algn="l" rtl="0">
@@ -10740,18 +10738,6 @@
           <a:lstStyle/>
           <a:p>
             <a:r>
-              <a:rPr lang="en-US" altLang="zh-CN" b="1" dirty="0">
-                <a:effectLst>
-                  <a:outerShdw blurRad="38100" dist="38100" dir="2700000" algn="tl">
-                    <a:srgbClr val="000000">
-                      <a:alpha val="43137"/>
-                    </a:srgbClr>
-                  </a:outerShdw>
-                </a:effectLst>
-              </a:rPr>
-              <a:t>Book </a:t>
-            </a:r>
-            <a:r>
               <a:rPr lang="en-US" altLang="zh-CN" b="1" i="1" dirty="0">
                 <a:effectLst>
                   <a:outerShdw blurRad="38100" dist="38100" dir="2700000" algn="tl">
@@ -10761,7 +10747,7 @@
                   </a:outerShdw>
                 </a:effectLst>
               </a:rPr>
-              <a:t>Exchange</a:t>
+              <a:t>Book Exchange</a:t>
             </a:r>
             <a:endParaRPr lang="zh-CN" altLang="en-US" b="1" i="1" dirty="0">
               <a:effectLst>
@@ -10787,7 +10773,7 @@
         </p:nvSpPr>
         <p:spPr>
           <a:xfrm>
-            <a:off x="-301" y="834480"/>
+            <a:off x="-301" y="882105"/>
             <a:ext cx="9144000" cy="564779"/>
           </a:xfrm>
         </p:spPr>
@@ -10795,91 +10781,22 @@
           <a:bodyPr/>
           <a:lstStyle/>
           <a:p>
-            <a:pPr algn="ctr"/>
+            <a:pPr marL="25400" indent="0" algn="ctr">
+              <a:buNone/>
+            </a:pPr>
             <a:r>
-              <a:rPr lang="en-US" altLang="zh-CN" sz="1800" dirty="0"/>
+              <a:rPr lang="en-US" altLang="zh-CN" sz="1800" i="1" dirty="0">
+                <a:solidFill>
+                  <a:schemeClr val="tx2"/>
+                </a:solidFill>
+              </a:rPr>
               <a:t>A web service for exchanging second-hand books</a:t>
             </a:r>
-            <a:endParaRPr lang="en-US" altLang="zh-CN" sz="1800" dirty="0"/>
-          </a:p>
-        </p:txBody>
-      </p:sp>
-      <p:sp>
-        <p:nvSpPr>
-          <p:cNvPr id="5" name="TextBox 4"/>
-          <p:cNvSpPr txBox="1"/>
-          <p:nvPr/>
-        </p:nvSpPr>
-        <p:spPr>
-          <a:xfrm>
-            <a:off x="1190625" y="3209290"/>
-            <a:ext cx="6511290" cy="1968500"/>
-          </a:xfrm>
-          <a:prstGeom prst="rect">
-            <a:avLst/>
-          </a:prstGeom>
-          <a:noFill/>
-        </p:spPr>
-        <p:txBody>
-          <a:bodyPr wrap="square">
-            <a:spAutoFit/>
-          </a:bodyPr>
-          <a:lstStyle/>
-          <a:p>
-            <a:pPr algn="ctr"/>
-            <a:r>
-              <a:rPr lang="en-US" altLang="zh-CN" sz="1800" dirty="0"/>
-              <a:t>Motivation &amp; Main Functions:</a:t>
-            </a:r>
-            <a:endParaRPr lang="en-US" altLang="zh-CN" sz="1800" dirty="0"/>
-          </a:p>
-          <a:p>
-            <a:pPr marL="285750" indent="-285750" algn="ctr">
-              <a:buFont typeface="Arial" panose="020B0604020202020204" pitchFamily="34" charset="0"/>
-              <a:buChar char="•"/>
-            </a:pPr>
-            <a:r>
-              <a:rPr lang="en-US" altLang="zh-CN" sz="1800" dirty="0"/>
-              <a:t>A platform encourages people to exchange books</a:t>
-            </a:r>
-            <a:endParaRPr lang="en-US" altLang="zh-CN" sz="1800" dirty="0"/>
-          </a:p>
-          <a:p>
-            <a:pPr marL="285750" indent="-285750" algn="ctr">
-              <a:buFont typeface="Arial" panose="020B0604020202020204" pitchFamily="34" charset="0"/>
-              <a:buChar char="•"/>
-            </a:pPr>
-            <a:r>
-              <a:rPr lang="en-US" altLang="zh-CN" sz="1800" dirty="0"/>
-              <a:t>Save money to buy new books</a:t>
-            </a:r>
-            <a:endParaRPr lang="en-US" altLang="zh-CN" sz="1800" dirty="0"/>
-          </a:p>
-          <a:p>
-            <a:pPr marL="285750" indent="-285750" algn="ctr">
-              <a:buFont typeface="Arial" panose="020B0604020202020204" pitchFamily="34" charset="0"/>
-              <a:buChar char="•"/>
-            </a:pPr>
-            <a:r>
-              <a:rPr lang="en-US" altLang="zh-CN" sz="1800" dirty="0"/>
-              <a:t>The more books you donate, the more books you can request from others</a:t>
-            </a:r>
-            <a:endParaRPr lang="en-US" altLang="zh-CN" sz="1800" dirty="0"/>
-          </a:p>
-          <a:p>
-            <a:pPr marL="285750" indent="-285750" algn="ctr">
-              <a:buFont typeface="Arial" panose="020B0604020202020204" pitchFamily="34" charset="0"/>
-              <a:buChar char="•"/>
-            </a:pPr>
-            <a:r>
-              <a:rPr lang="en-US" altLang="zh-CN" sz="1800" dirty="0"/>
-              <a:t>Welcome users with similar interets to contact each other</a:t>
-            </a:r>
-            <a:endParaRPr lang="en-US" altLang="zh-CN" sz="1800" dirty="0"/>
-          </a:p>
-          <a:p>
-            <a:pPr algn="ctr"/>
-            <a:endParaRPr lang="zh-CN" altLang="en-US" dirty="0"/>
+            <a:endParaRPr lang="en-US" altLang="zh-CN" sz="1800" i="1" dirty="0">
+              <a:solidFill>
+                <a:schemeClr val="tx2"/>
+              </a:solidFill>
+            </a:endParaRPr>
           </a:p>
         </p:txBody>
       </p:sp>
@@ -10891,8 +10808,8 @@
         </p:nvSpPr>
         <p:spPr>
           <a:xfrm>
-            <a:off x="1832610" y="1494155"/>
-            <a:ext cx="5454650" cy="1168400"/>
+            <a:off x="0" y="5749925"/>
+            <a:ext cx="9144635" cy="306705"/>
           </a:xfrm>
           <a:prstGeom prst="rect">
             <a:avLst/>
@@ -10909,39 +10826,181 @@
               <a:rPr lang="en-US" altLang="zh-CN">
                 <a:sym typeface="+mn-ea"/>
               </a:rPr>
-              <a:t>Dantong Zhu</a:t>
+              <a:t>Group member: Dantong Zhu(dz2451), </a:t>
             </a:r>
-            <a:endParaRPr lang="en-US" altLang="zh-CN">
-              <a:sym typeface="+mn-ea"/>
-            </a:endParaRPr>
-          </a:p>
-          <a:p>
-            <a:pPr algn="ctr"/>
             <a:r>
               <a:rPr lang="en-US" altLang="zh-CN"/>
-              <a:t>Tianhang Cui </a:t>
+              <a:t>Tianhang Cui(tc3158), Anni Chen(ac4779), Zhenrui Chen(zc2569)</a:t>
             </a:r>
             <a:endParaRPr lang="en-US" altLang="zh-CN"/>
           </a:p>
+        </p:txBody>
+      </p:sp>
+      <p:pic>
+        <p:nvPicPr>
+          <p:cNvPr id="8" name="Picture 7"/>
+          <p:cNvPicPr>
+            <a:picLocks noChangeAspect="1"/>
+          </p:cNvPicPr>
+          <p:nvPr/>
+        </p:nvPicPr>
+        <p:blipFill>
+          <a:blip r:embed="rId1"/>
+          <a:stretch>
+            <a:fillRect/>
+          </a:stretch>
+        </p:blipFill>
+        <p:spPr>
+          <a:xfrm>
+            <a:off x="1800225" y="1285875"/>
+            <a:ext cx="5755005" cy="4381500"/>
+          </a:xfrm>
+          <a:prstGeom prst="rect">
+            <a:avLst/>
+          </a:prstGeom>
+        </p:spPr>
+      </p:pic>
+    </p:spTree>
+  </p:cSld>
+  <p:clrMapOvr>
+    <a:masterClrMapping/>
+  </p:clrMapOvr>
+</p:sld>
+</file>
+
+<file path=ppt/slides/slide10.xml><?xml version="1.0" encoding="utf-8"?>
+<p:sld xmlns:a="http://schemas.openxmlformats.org/drawingml/2006/main" xmlns:r="http://schemas.openxmlformats.org/officeDocument/2006/relationships" xmlns:p="http://schemas.openxmlformats.org/presentationml/2006/main">
+  <p:cSld>
+    <p:spTree>
+      <p:nvGrpSpPr>
+        <p:cNvPr id="1" name=""/>
+        <p:cNvGrpSpPr/>
+        <p:nvPr/>
+      </p:nvGrpSpPr>
+      <p:grpSpPr>
+        <a:xfrm>
+          <a:off x="0" y="0"/>
+          <a:ext cx="0" cy="0"/>
+          <a:chOff x="0" y="0"/>
+          <a:chExt cx="0" cy="0"/>
+        </a:xfrm>
+      </p:grpSpPr>
+      <p:sp>
+        <p:nvSpPr>
+          <p:cNvPr id="4" name="Title 1"/>
+          <p:cNvSpPr>
+            <a:spLocks noGrp="1"/>
+          </p:cNvSpPr>
+          <p:nvPr>
+            <p:ph type="ctrTitle"/>
+          </p:nvPr>
+        </p:nvSpPr>
+        <p:spPr>
+          <a:xfrm>
+            <a:off x="35678" y="44153"/>
+            <a:ext cx="9144000" cy="947357"/>
+          </a:xfrm>
+        </p:spPr>
+        <p:txBody>
+          <a:bodyPr>
+            <a:normAutofit/>
+          </a:bodyPr>
+          <a:lstStyle/>
           <a:p>
-            <a:pPr algn="ctr"/>
             <a:r>
-              <a:rPr lang="en-US" altLang="zh-CN"/>
-              <a:t>Anni Chen ac4779</a:t>
+              <a:rPr lang="en-US" altLang="zh-CN" sz="4000" dirty="0"/>
+              <a:t>Some Design Choice</a:t>
             </a:r>
-            <a:endParaRPr lang="en-US" altLang="zh-CN"/>
+            <a:endParaRPr lang="zh-CN" altLang="en-US" sz="4000" dirty="0"/>
+          </a:p>
+        </p:txBody>
+      </p:sp>
+      <p:sp>
+        <p:nvSpPr>
+          <p:cNvPr id="5" name="TextBox 2"/>
+          <p:cNvSpPr txBox="1"/>
+          <p:nvPr/>
+        </p:nvSpPr>
+        <p:spPr>
+          <a:xfrm>
+            <a:off x="301625" y="1412875"/>
+            <a:ext cx="8540115" cy="2799715"/>
+          </a:xfrm>
+          <a:prstGeom prst="rect">
+            <a:avLst/>
+          </a:prstGeom>
+          <a:noFill/>
+        </p:spPr>
+        <p:txBody>
+          <a:bodyPr wrap="square" rtlCol="0">
+            <a:spAutoFit/>
+          </a:bodyPr>
+          <a:lstStyle/>
+          <a:p>
+            <a:r>
+              <a:rPr lang="en-US" altLang="zh-CN" sz="1600" dirty="0"/>
+              <a:t>Although we can link user’s account and their information directly in Cognito (which is convenient and good for keeping user’s information secure!), we decided to use</a:t>
+            </a:r>
+            <a:r>
+              <a:rPr lang="en-US" altLang="zh-CN" sz="1600" b="1" i="1" dirty="0"/>
+              <a:t> DynamoDB</a:t>
+            </a:r>
+            <a:r>
+              <a:rPr lang="en-US" altLang="zh-CN" sz="1600" dirty="0"/>
+              <a:t> to store the users’ non-sensitive information, rather than storing them in</a:t>
+            </a:r>
+            <a:r>
+              <a:rPr lang="en-US" altLang="zh-CN" sz="1600" b="1" i="1" dirty="0"/>
+              <a:t> Cognito</a:t>
+            </a:r>
+            <a:r>
+              <a:rPr lang="en-US" altLang="zh-CN" sz="1600" dirty="0"/>
+              <a:t>.</a:t>
+            </a:r>
+            <a:endParaRPr lang="en-US" altLang="zh-CN" sz="1600" dirty="0"/>
           </a:p>
           <a:p>
-            <a:pPr algn="ctr"/>
-            <a:r>
-              <a:rPr lang="en-US" altLang="zh-CN"/>
-              <a:t>Zhengrui Chen</a:t>
-            </a:r>
-            <a:endParaRPr lang="en-US" altLang="zh-CN"/>
+            <a:endParaRPr lang="en-US" altLang="zh-CN" sz="1600" dirty="0"/>
           </a:p>
           <a:p>
-            <a:pPr algn="ctr"/>
-            <a:endParaRPr lang="en-US" altLang="zh-CN"/>
+            <a:r>
+              <a:rPr lang="en-US" altLang="zh-CN" sz="1600" dirty="0"/>
+              <a:t>-   The attributes stored in Cognito has to be key-value(string) pair, not good for complicated data structures.</a:t>
+            </a:r>
+            <a:endParaRPr lang="en-US" altLang="zh-CN" sz="1600" dirty="0"/>
+          </a:p>
+          <a:p>
+            <a:pPr marL="285750" indent="-285750">
+              <a:buFontTx/>
+              <a:buChar char="-"/>
+            </a:pPr>
+            <a:r>
+              <a:rPr lang="en-US" altLang="zh-CN" sz="1600" dirty="0"/>
+              <a:t>We need to store many users’ requested/donate books, this list could be large and Cognito is not scalable as the DynamoDB.</a:t>
+            </a:r>
+            <a:endParaRPr lang="en-US" altLang="zh-CN" sz="1600" dirty="0"/>
+          </a:p>
+          <a:p>
+            <a:pPr marL="285750" indent="-285750">
+              <a:buFontTx/>
+              <a:buChar char="-"/>
+            </a:pPr>
+            <a:r>
+              <a:rPr lang="en-US" altLang="zh-CN" sz="1600" dirty="0"/>
+              <a:t>The DynamoDB can handle query much more efficient than Cognito</a:t>
+            </a:r>
+            <a:endParaRPr lang="en-US" altLang="zh-CN" sz="1600" dirty="0"/>
+          </a:p>
+          <a:p>
+            <a:pPr marL="285750" indent="-285750">
+              <a:buFontTx/>
+              <a:buChar char="-"/>
+            </a:pPr>
+            <a:r>
+              <a:rPr lang="en-US" altLang="zh-CN" sz="1600" dirty="0"/>
+              <a:t>We realized this is the pattern often done in the industry after searching the online information</a:t>
+            </a:r>
+            <a:endParaRPr lang="en-US" altLang="zh-CN" sz="1600" dirty="0"/>
           </a:p>
         </p:txBody>
       </p:sp>
@@ -10954,6 +11013,200 @@
 </file>
 
 <file path=ppt/slides/slide2.xml><?xml version="1.0" encoding="utf-8"?>
+<p:sld xmlns:a="http://schemas.openxmlformats.org/drawingml/2006/main" xmlns:r="http://schemas.openxmlformats.org/officeDocument/2006/relationships" xmlns:p="http://schemas.openxmlformats.org/presentationml/2006/main">
+  <p:cSld>
+    <p:spTree>
+      <p:nvGrpSpPr>
+        <p:cNvPr id="1" name=""/>
+        <p:cNvGrpSpPr/>
+        <p:nvPr/>
+      </p:nvGrpSpPr>
+      <p:grpSpPr/>
+      <p:sp>
+        <p:nvSpPr>
+          <p:cNvPr id="2" name="Title 1"/>
+          <p:cNvSpPr>
+            <a:spLocks noGrp="1"/>
+          </p:cNvSpPr>
+          <p:nvPr>
+            <p:ph type="title"/>
+          </p:nvPr>
+        </p:nvSpPr>
+        <p:spPr>
+          <a:xfrm>
+            <a:off x="0" y="0"/>
+            <a:ext cx="9144000" cy="857885"/>
+          </a:xfrm>
+        </p:spPr>
+        <p:txBody>
+          <a:bodyPr/>
+          <a:p>
+            <a:r>
+              <a:rPr lang="en-US"/>
+              <a:t>Contents</a:t>
+            </a:r>
+            <a:endParaRPr lang="en-US"/>
+          </a:p>
+        </p:txBody>
+      </p:sp>
+      <p:sp>
+        <p:nvSpPr>
+          <p:cNvPr id="5" name="Text Placeholder 4"/>
+          <p:cNvSpPr>
+            <a:spLocks noGrp="1"/>
+          </p:cNvSpPr>
+          <p:nvPr>
+            <p:ph type="body" idx="1"/>
+          </p:nvPr>
+        </p:nvSpPr>
+        <p:spPr>
+          <a:xfrm>
+            <a:off x="1256665" y="1756410"/>
+            <a:ext cx="6658610" cy="3128645"/>
+          </a:xfrm>
+        </p:spPr>
+        <p:txBody>
+          <a:bodyPr/>
+          <a:p>
+            <a:r>
+              <a:rPr lang="en-US"/>
+              <a:t>Motivation</a:t>
+            </a:r>
+            <a:endParaRPr lang="en-US"/>
+          </a:p>
+          <a:p>
+            <a:r>
+              <a:rPr lang="en-US"/>
+              <a:t>Structure </a:t>
+            </a:r>
+            <a:r>
+              <a:rPr lang="en-US"/>
+              <a:t>Overview</a:t>
+            </a:r>
+            <a:endParaRPr lang="en-US"/>
+          </a:p>
+          <a:p>
+            <a:r>
+              <a:rPr lang="en-US"/>
+              <a:t>Implementation </a:t>
+            </a:r>
+            <a:r>
+              <a:rPr lang="en-US"/>
+              <a:t>Details</a:t>
+            </a:r>
+            <a:endParaRPr lang="en-US"/>
+          </a:p>
+          <a:p>
+            <a:r>
+              <a:rPr lang="en-US"/>
+              <a:t>Some Design Choices</a:t>
+            </a:r>
+            <a:endParaRPr lang="en-US"/>
+          </a:p>
+        </p:txBody>
+      </p:sp>
+    </p:spTree>
+  </p:cSld>
+  <p:clrMapOvr>
+    <a:masterClrMapping/>
+  </p:clrMapOvr>
+</p:sld>
+</file>
+
+<file path=ppt/slides/slide3.xml><?xml version="1.0" encoding="utf-8"?>
+<p:sld xmlns:a="http://schemas.openxmlformats.org/drawingml/2006/main" xmlns:r="http://schemas.openxmlformats.org/officeDocument/2006/relationships" xmlns:p="http://schemas.openxmlformats.org/presentationml/2006/main">
+  <p:cSld>
+    <p:spTree>
+      <p:nvGrpSpPr>
+        <p:cNvPr id="1" name=""/>
+        <p:cNvGrpSpPr/>
+        <p:nvPr/>
+      </p:nvGrpSpPr>
+      <p:grpSpPr/>
+      <p:sp>
+        <p:nvSpPr>
+          <p:cNvPr id="2" name="Title 1"/>
+          <p:cNvSpPr>
+            <a:spLocks noGrp="1"/>
+          </p:cNvSpPr>
+          <p:nvPr>
+            <p:ph type="title"/>
+          </p:nvPr>
+        </p:nvSpPr>
+        <p:spPr>
+          <a:xfrm>
+            <a:off x="0" y="0"/>
+            <a:ext cx="9144635" cy="2999740"/>
+          </a:xfrm>
+        </p:spPr>
+        <p:txBody>
+          <a:bodyPr/>
+          <a:p>
+            <a:r>
+              <a:rPr lang="en-US"/>
+              <a:t>Motivation</a:t>
+            </a:r>
+            <a:endParaRPr lang="en-US"/>
+          </a:p>
+        </p:txBody>
+      </p:sp>
+      <p:sp>
+        <p:nvSpPr>
+          <p:cNvPr id="3" name="Text Placeholder 2"/>
+          <p:cNvSpPr>
+            <a:spLocks noGrp="1"/>
+          </p:cNvSpPr>
+          <p:nvPr>
+            <p:ph type="body" idx="1"/>
+          </p:nvPr>
+        </p:nvSpPr>
+        <p:spPr>
+          <a:xfrm>
+            <a:off x="749300" y="1736090"/>
+            <a:ext cx="7646670" cy="3900805"/>
+          </a:xfrm>
+        </p:spPr>
+        <p:txBody>
+          <a:bodyPr/>
+          <a:p>
+            <a:r>
+              <a:rPr lang="en-US" sz="2000"/>
+              <a:t>A platform encourages people to exchange books</a:t>
+            </a:r>
+            <a:endParaRPr lang="en-US" sz="2000"/>
+          </a:p>
+          <a:p>
+            <a:r>
+              <a:rPr lang="en-US" sz="2000"/>
+              <a:t>Save money to buy new books</a:t>
+            </a:r>
+            <a:endParaRPr lang="en-US" sz="2000"/>
+          </a:p>
+          <a:p>
+            <a:r>
+              <a:rPr lang="en-US" sz="2000"/>
+              <a:t>The more books you donate, the more books you can request from others</a:t>
+            </a:r>
+            <a:endParaRPr lang="en-US" sz="2000"/>
+          </a:p>
+          <a:p>
+            <a:r>
+              <a:rPr lang="en-US" sz="2000"/>
+              <a:t>Welcome users with similar interests to contact each other</a:t>
+            </a:r>
+            <a:endParaRPr lang="en-US" sz="2000"/>
+          </a:p>
+        </p:txBody>
+      </p:sp>
+    </p:spTree>
+  </p:cSld>
+  <p:clrMapOvr>
+    <a:masterClrMapping/>
+  </p:clrMapOvr>
+</p:sld>
+</file>
+
+<file path=ppt/slides/slide4.xml><?xml version="1.0" encoding="utf-8"?>
 <p:sld xmlns:a="http://schemas.openxmlformats.org/drawingml/2006/main" xmlns:r="http://schemas.openxmlformats.org/officeDocument/2006/relationships" xmlns:p="http://schemas.openxmlformats.org/presentationml/2006/main">
   <p:cSld>
     <p:spTree>
@@ -11032,7 +11285,7 @@
 </p:sld>
 </file>
 
-<file path=ppt/slides/slide3.xml><?xml version="1.0" encoding="utf-8"?>
+<file path=ppt/slides/slide5.xml><?xml version="1.0" encoding="utf-8"?>
 <p:sld xmlns:a="http://schemas.openxmlformats.org/drawingml/2006/main" xmlns:r="http://schemas.openxmlformats.org/officeDocument/2006/relationships" xmlns:p="http://schemas.openxmlformats.org/presentationml/2006/main">
   <p:cSld>
     <p:spTree>
@@ -11061,8 +11314,8 @@
         </p:nvSpPr>
         <p:spPr>
           <a:xfrm>
-            <a:off x="-36830" y="-27304"/>
-            <a:ext cx="9144000" cy="1023908"/>
+            <a:off x="0" y="-6985"/>
+            <a:ext cx="9144000" cy="866775"/>
           </a:xfrm>
         </p:spPr>
         <p:txBody>
@@ -11073,7 +11326,7 @@
           <a:p>
             <a:r>
               <a:rPr lang="en-US" altLang="zh-CN" sz="4000" dirty="0"/>
-              <a:t>Login</a:t>
+              <a:t>Implementation Details</a:t>
             </a:r>
             <a:endParaRPr lang="zh-CN" altLang="en-US" sz="4000" dirty="0"/>
           </a:p>
@@ -11087,8 +11340,8 @@
         </p:nvSpPr>
         <p:spPr>
           <a:xfrm>
-            <a:off x="232" y="908833"/>
-            <a:ext cx="9669643" cy="646331"/>
+            <a:off x="0" y="908685"/>
+            <a:ext cx="3630930" cy="737235"/>
           </a:xfrm>
           <a:prstGeom prst="rect">
             <a:avLst/>
@@ -11156,7 +11409,7 @@
         </p:blipFill>
         <p:spPr>
           <a:xfrm>
-            <a:off x="423721" y="1555164"/>
+            <a:off x="420546" y="1645969"/>
             <a:ext cx="2529253" cy="4513688"/>
           </a:xfrm>
           <a:prstGeom prst="rect">
@@ -11197,6 +11450,44 @@
           </a:fontRef>
         </p:style>
       </p:cxnSp>
+      <p:sp>
+        <p:nvSpPr>
+          <p:cNvPr id="3" name="Text Box 2"/>
+          <p:cNvSpPr txBox="1"/>
+          <p:nvPr/>
+        </p:nvSpPr>
+        <p:spPr>
+          <a:xfrm>
+            <a:off x="5351780" y="946150"/>
+            <a:ext cx="3632200" cy="460375"/>
+          </a:xfrm>
+          <a:prstGeom prst="rect">
+            <a:avLst/>
+          </a:prstGeom>
+          <a:noFill/>
+        </p:spPr>
+        <p:txBody>
+          <a:bodyPr wrap="square" rtlCol="0">
+            <a:spAutoFit/>
+          </a:bodyPr>
+          <a:p>
+            <a:pPr algn="ctr"/>
+            <a:r>
+              <a:rPr lang="en-US" sz="2400" b="1" i="1">
+                <a:solidFill>
+                  <a:schemeClr val="tx2"/>
+                </a:solidFill>
+              </a:rPr>
+              <a:t>Login</a:t>
+            </a:r>
+            <a:endParaRPr lang="en-US" sz="2400" b="1" i="1">
+              <a:solidFill>
+                <a:schemeClr val="tx2"/>
+              </a:solidFill>
+            </a:endParaRPr>
+          </a:p>
+        </p:txBody>
+      </p:sp>
     </p:spTree>
   </p:cSld>
   <p:clrMapOvr>
@@ -11205,7 +11496,7 @@
 </p:sld>
 </file>
 
-<file path=ppt/slides/slide4.xml><?xml version="1.0" encoding="utf-8"?>
+<file path=ppt/slides/slide6.xml><?xml version="1.0" encoding="utf-8"?>
 <p:sld xmlns:a="http://schemas.openxmlformats.org/drawingml/2006/main" xmlns:r="http://schemas.openxmlformats.org/officeDocument/2006/relationships" xmlns:p="http://schemas.openxmlformats.org/presentationml/2006/main">
   <p:cSld>
     <p:spTree>
@@ -11234,8 +11525,8 @@
         </p:nvSpPr>
         <p:spPr>
           <a:xfrm>
-            <a:off x="-36161" y="0"/>
-            <a:ext cx="9144000" cy="947357"/>
+            <a:off x="-635" y="0"/>
+            <a:ext cx="9145270" cy="865505"/>
           </a:xfrm>
         </p:spPr>
         <p:txBody>
@@ -11246,7 +11537,7 @@
           <a:p>
             <a:r>
               <a:rPr lang="en-US" altLang="zh-CN" sz="4000" dirty="0"/>
-              <a:t>Donate a second-hand book</a:t>
+              <a:t>Implementation Details</a:t>
             </a:r>
             <a:endParaRPr lang="zh-CN" altLang="en-US" sz="4000" dirty="0"/>
           </a:p>
@@ -11260,7 +11551,7 @@
         </p:nvSpPr>
         <p:spPr>
           <a:xfrm>
-            <a:off x="117475" y="1257935"/>
+            <a:off x="120015" y="954405"/>
             <a:ext cx="4105910" cy="5340350"/>
           </a:xfrm>
           <a:prstGeom prst="roundRect">
@@ -11308,8 +11599,8 @@
         </p:nvSpPr>
         <p:spPr>
           <a:xfrm>
-            <a:off x="193675" y="4869180"/>
-            <a:ext cx="3958590" cy="1568450"/>
+            <a:off x="193675" y="4242435"/>
+            <a:ext cx="3958590" cy="1938020"/>
           </a:xfrm>
           <a:prstGeom prst="rect">
             <a:avLst/>
@@ -11345,6 +11636,17 @@
               <a:buFont typeface="Arial" panose="020B0604020202020204" pitchFamily="34" charset="0"/>
               <a:buChar char="•"/>
             </a:pPr>
+            <a:endParaRPr lang="en-US" altLang="zh-CN" sz="1200" dirty="0">
+              <a:solidFill>
+                <a:schemeClr val="bg1"/>
+              </a:solidFill>
+            </a:endParaRPr>
+          </a:p>
+          <a:p>
+            <a:pPr marL="285750" indent="-285750">
+              <a:buFont typeface="Arial" panose="020B0604020202020204" pitchFamily="34" charset="0"/>
+              <a:buChar char="•"/>
+            </a:pPr>
             <a:r>
               <a:rPr lang="en-US" altLang="zh-CN" sz="1200" dirty="0">
                 <a:solidFill>
@@ -11353,6 +11655,17 @@
               </a:rPr>
               <a:t>Using a Lambda Function to add the donation information to DynamoDB and OpenSearch.</a:t>
             </a:r>
+            <a:endParaRPr lang="en-US" altLang="zh-CN" sz="1200" dirty="0">
+              <a:solidFill>
+                <a:schemeClr val="bg1"/>
+              </a:solidFill>
+            </a:endParaRPr>
+          </a:p>
+          <a:p>
+            <a:pPr marL="285750" indent="-285750">
+              <a:buFont typeface="Arial" panose="020B0604020202020204" pitchFamily="34" charset="0"/>
+              <a:buChar char="•"/>
+            </a:pPr>
             <a:endParaRPr lang="en-US" altLang="zh-CN" sz="1200" dirty="0">
               <a:solidFill>
                 <a:schemeClr val="bg1"/>
@@ -11418,7 +11731,7 @@
         </p:blipFill>
         <p:spPr>
           <a:xfrm>
-            <a:off x="612462" y="1719376"/>
+            <a:off x="688662" y="1053896"/>
             <a:ext cx="2968417" cy="3096309"/>
           </a:xfrm>
           <a:prstGeom prst="rect">
@@ -11426,46 +11739,6 @@
           </a:prstGeom>
         </p:spPr>
       </p:pic>
-      <p:sp>
-        <p:nvSpPr>
-          <p:cNvPr id="9" name="TextBox 6"/>
-          <p:cNvSpPr txBox="1"/>
-          <p:nvPr/>
-        </p:nvSpPr>
-        <p:spPr>
-          <a:xfrm>
-            <a:off x="1475584" y="1258173"/>
-            <a:ext cx="1394415" cy="461665"/>
-          </a:xfrm>
-          <a:prstGeom prst="rect">
-            <a:avLst/>
-          </a:prstGeom>
-          <a:noFill/>
-        </p:spPr>
-        <p:txBody>
-          <a:bodyPr wrap="square" rtlCol="0">
-            <a:spAutoFit/>
-          </a:bodyPr>
-          <a:lstStyle/>
-          <a:p>
-            <a:r>
-              <a:rPr lang="en-US" altLang="zh-CN" sz="2400" dirty="0">
-                <a:solidFill>
-                  <a:schemeClr val="bg1"/>
-                </a:solidFill>
-                <a:latin typeface="Arial Black" panose="020B0A04020102020204" pitchFamily="34" charset="0"/>
-              </a:rPr>
-              <a:t>Donate</a:t>
-            </a:r>
-            <a:endParaRPr lang="zh-CN" altLang="en-US" sz="2400" dirty="0">
-              <a:solidFill>
-                <a:schemeClr val="bg1"/>
-              </a:solidFill>
-              <a:latin typeface="Arial Black" panose="020B0A04020102020204" pitchFamily="34" charset="0"/>
-            </a:endParaRPr>
-          </a:p>
-        </p:txBody>
-      </p:sp>
       <p:pic>
         <p:nvPicPr>
           <p:cNvPr id="30" name="图片 29"/>
@@ -11482,7 +11755,7 @@
         </p:blipFill>
         <p:spPr>
           <a:xfrm>
-            <a:off x="4444001" y="1495953"/>
+            <a:off x="4410346" y="1719473"/>
             <a:ext cx="4571436" cy="4955326"/>
           </a:xfrm>
           <a:prstGeom prst="rect">
@@ -11490,6 +11763,44 @@
           </a:prstGeom>
         </p:spPr>
       </p:pic>
+      <p:sp>
+        <p:nvSpPr>
+          <p:cNvPr id="3" name="Text Box 2"/>
+          <p:cNvSpPr txBox="1"/>
+          <p:nvPr/>
+        </p:nvSpPr>
+        <p:spPr>
+          <a:xfrm>
+            <a:off x="4410710" y="946150"/>
+            <a:ext cx="4573270" cy="460375"/>
+          </a:xfrm>
+          <a:prstGeom prst="rect">
+            <a:avLst/>
+          </a:prstGeom>
+          <a:noFill/>
+        </p:spPr>
+        <p:txBody>
+          <a:bodyPr wrap="square" rtlCol="0">
+            <a:spAutoFit/>
+          </a:bodyPr>
+          <a:p>
+            <a:pPr algn="ctr"/>
+            <a:r>
+              <a:rPr lang="en-US" sz="2400" b="1" i="1">
+                <a:solidFill>
+                  <a:schemeClr val="tx2"/>
+                </a:solidFill>
+              </a:rPr>
+              <a:t>Donate a second-hand book</a:t>
+            </a:r>
+            <a:endParaRPr lang="en-US" sz="2400" b="1" i="1">
+              <a:solidFill>
+                <a:schemeClr val="tx2"/>
+              </a:solidFill>
+            </a:endParaRPr>
+          </a:p>
+        </p:txBody>
+      </p:sp>
     </p:spTree>
   </p:cSld>
   <p:clrMapOvr>
@@ -11498,7 +11809,7 @@
 </p:sld>
 </file>
 
-<file path=ppt/slides/slide5.xml><?xml version="1.0" encoding="utf-8"?>
+<file path=ppt/slides/slide7.xml><?xml version="1.0" encoding="utf-8"?>
 <p:sld xmlns:a="http://schemas.openxmlformats.org/drawingml/2006/main" xmlns:r="http://schemas.openxmlformats.org/officeDocument/2006/relationships" xmlns:p="http://schemas.openxmlformats.org/presentationml/2006/main">
   <p:cSld>
     <p:spTree>
@@ -11527,8 +11838,8 @@
         </p:nvSpPr>
         <p:spPr>
           <a:xfrm>
-            <a:off x="-36161" y="0"/>
-            <a:ext cx="9144000" cy="947357"/>
+            <a:off x="0" y="0"/>
+            <a:ext cx="9144000" cy="850900"/>
           </a:xfrm>
         </p:spPr>
         <p:txBody>
@@ -11539,7 +11850,7 @@
           <a:p>
             <a:r>
               <a:rPr lang="en-US" altLang="zh-CN" sz="4000" dirty="0"/>
-              <a:t>Request a second-hand book</a:t>
+              <a:t>Implementation Details</a:t>
             </a:r>
             <a:endParaRPr lang="zh-CN" altLang="en-US" sz="4000" dirty="0"/>
           </a:p>
@@ -11553,8 +11864,8 @@
         </p:nvSpPr>
         <p:spPr>
           <a:xfrm>
-            <a:off x="4525310" y="1212215"/>
-            <a:ext cx="4255770" cy="5386070"/>
+            <a:off x="112395" y="946150"/>
+            <a:ext cx="4255770" cy="5330825"/>
           </a:xfrm>
           <a:prstGeom prst="roundRect">
             <a:avLst/>
@@ -11593,46 +11904,6 @@
           </a:p>
         </p:txBody>
       </p:sp>
-      <p:sp>
-        <p:nvSpPr>
-          <p:cNvPr id="3" name="TextBox 8"/>
-          <p:cNvSpPr txBox="1"/>
-          <p:nvPr/>
-        </p:nvSpPr>
-        <p:spPr>
-          <a:xfrm>
-            <a:off x="5239685" y="1257935"/>
-            <a:ext cx="2826385" cy="460375"/>
-          </a:xfrm>
-          <a:prstGeom prst="rect">
-            <a:avLst/>
-          </a:prstGeom>
-          <a:noFill/>
-        </p:spPr>
-        <p:txBody>
-          <a:bodyPr wrap="square" rtlCol="0">
-            <a:spAutoFit/>
-          </a:bodyPr>
-          <a:lstStyle/>
-          <a:p>
-            <a:r>
-              <a:rPr lang="en-US" altLang="zh-CN" sz="2400" dirty="0">
-                <a:solidFill>
-                  <a:schemeClr val="bg1"/>
-                </a:solidFill>
-                <a:latin typeface="Arial Black" panose="020B0A04020102020204" pitchFamily="34" charset="0"/>
-              </a:rPr>
-              <a:t>Request-Anni</a:t>
-            </a:r>
-            <a:endParaRPr lang="zh-CN" altLang="en-US" sz="2400" dirty="0">
-              <a:solidFill>
-                <a:schemeClr val="bg1"/>
-              </a:solidFill>
-              <a:latin typeface="Arial Black" panose="020B0A04020102020204" pitchFamily="34" charset="0"/>
-            </a:endParaRPr>
-          </a:p>
-        </p:txBody>
-      </p:sp>
       <p:pic>
         <p:nvPicPr>
           <p:cNvPr id="5" name="内容占位符 4"/>
@@ -11655,8 +11926,8 @@
         </p:blipFill>
         <p:spPr>
           <a:xfrm>
-            <a:off x="5101255" y="1916430"/>
-            <a:ext cx="2998470" cy="2489200"/>
+            <a:off x="626745" y="1195070"/>
+            <a:ext cx="3227705" cy="2679065"/>
           </a:xfrm>
           <a:prstGeom prst="rect">
             <a:avLst/>
@@ -11671,7 +11942,7 @@
         </p:nvSpPr>
         <p:spPr>
           <a:xfrm>
-            <a:off x="4678980" y="4509135"/>
+            <a:off x="267000" y="4107815"/>
             <a:ext cx="3948430" cy="1753235"/>
           </a:xfrm>
           <a:prstGeom prst="rect">
@@ -11690,17 +11961,35 @@
               <a:buChar char="•"/>
             </a:pPr>
             <a:r>
-              <a:rPr lang="en-US" altLang="zh-CN" sz="1200"/>
+              <a:rPr lang="en-US" altLang="zh-CN" sz="1200">
+                <a:solidFill>
+                  <a:schemeClr val="accent1"/>
+                </a:solidFill>
+                <a:latin typeface="+mj-lt"/>
+                <a:cs typeface="+mj-lt"/>
+              </a:rPr>
               <a:t>Determine whether the user has enough credits to make request</a:t>
             </a:r>
-            <a:endParaRPr lang="en-US" altLang="zh-CN" sz="1200"/>
+            <a:endParaRPr lang="en-US" altLang="zh-CN" sz="1200">
+              <a:solidFill>
+                <a:schemeClr val="accent1"/>
+              </a:solidFill>
+              <a:latin typeface="+mj-lt"/>
+              <a:cs typeface="+mj-lt"/>
+            </a:endParaRPr>
           </a:p>
           <a:p>
             <a:pPr marL="285750" indent="-285750">
               <a:buFont typeface="Arial" panose="020B0604020202020204" pitchFamily="34" charset="0"/>
               <a:buChar char="•"/>
             </a:pPr>
-            <a:endParaRPr lang="en-US" altLang="zh-CN" sz="1200"/>
+            <a:endParaRPr lang="en-US" altLang="zh-CN" sz="1200">
+              <a:solidFill>
+                <a:schemeClr val="accent1"/>
+              </a:solidFill>
+              <a:latin typeface="+mj-lt"/>
+              <a:cs typeface="+mj-lt"/>
+            </a:endParaRPr>
           </a:p>
           <a:p>
             <a:pPr marL="285750" indent="-285750">
@@ -11708,17 +11997,35 @@
               <a:buChar char="•"/>
             </a:pPr>
             <a:r>
-              <a:rPr lang="en-US" altLang="zh-CN" sz="1200"/>
+              <a:rPr lang="en-US" altLang="zh-CN" sz="1200">
+                <a:solidFill>
+                  <a:schemeClr val="accent1"/>
+                </a:solidFill>
+                <a:latin typeface="+mj-lt"/>
+                <a:cs typeface="+mj-lt"/>
+              </a:rPr>
               <a:t>Once successful requested, update user history (add book_id)</a:t>
             </a:r>
-            <a:endParaRPr lang="en-US" altLang="zh-CN" sz="1200"/>
+            <a:endParaRPr lang="en-US" altLang="zh-CN" sz="1200">
+              <a:solidFill>
+                <a:schemeClr val="accent1"/>
+              </a:solidFill>
+              <a:latin typeface="+mj-lt"/>
+              <a:cs typeface="+mj-lt"/>
+            </a:endParaRPr>
           </a:p>
           <a:p>
             <a:pPr marL="285750" indent="-285750">
               <a:buFont typeface="Arial" panose="020B0604020202020204" pitchFamily="34" charset="0"/>
               <a:buChar char="•"/>
             </a:pPr>
-            <a:endParaRPr lang="en-US" altLang="zh-CN" sz="1200"/>
+            <a:endParaRPr lang="en-US" altLang="zh-CN" sz="1200">
+              <a:solidFill>
+                <a:schemeClr val="accent1"/>
+              </a:solidFill>
+              <a:latin typeface="+mj-lt"/>
+              <a:cs typeface="+mj-lt"/>
+            </a:endParaRPr>
           </a:p>
           <a:p>
             <a:pPr marL="285750" indent="-285750">
@@ -11726,23 +12033,79 @@
               <a:buChar char="•"/>
             </a:pPr>
             <a:r>
-              <a:rPr lang="en-US" altLang="zh-CN" sz="1200"/>
+              <a:rPr lang="en-US" altLang="zh-CN" sz="1200">
+                <a:solidFill>
+                  <a:schemeClr val="accent1"/>
+                </a:solidFill>
+                <a:latin typeface="+mj-lt"/>
+                <a:cs typeface="+mj-lt"/>
+              </a:rPr>
               <a:t>Update book information to set status=’unavailable’, so it will no longer be searched</a:t>
             </a:r>
-            <a:endParaRPr lang="en-US" altLang="zh-CN" sz="1200"/>
+            <a:endParaRPr lang="en-US" altLang="zh-CN" sz="1200">
+              <a:solidFill>
+                <a:schemeClr val="accent1"/>
+              </a:solidFill>
+              <a:latin typeface="+mj-lt"/>
+              <a:cs typeface="+mj-lt"/>
+            </a:endParaRPr>
           </a:p>
           <a:p>
             <a:pPr marL="285750" indent="-285750">
               <a:buFont typeface="Arial" panose="020B0604020202020204" pitchFamily="34" charset="0"/>
               <a:buChar char="•"/>
             </a:pPr>
-            <a:endParaRPr lang="en-US" altLang="zh-CN" sz="1200"/>
+            <a:endParaRPr lang="en-US" altLang="zh-CN" sz="1200">
+              <a:solidFill>
+                <a:schemeClr val="accent1"/>
+              </a:solidFill>
+              <a:latin typeface="+mj-lt"/>
+              <a:cs typeface="+mj-lt"/>
+            </a:endParaRPr>
+          </a:p>
+        </p:txBody>
+      </p:sp>
+      <p:sp>
+        <p:nvSpPr>
+          <p:cNvPr id="6" name="Text Box 5"/>
+          <p:cNvSpPr txBox="1"/>
+          <p:nvPr/>
+        </p:nvSpPr>
+        <p:spPr>
+          <a:xfrm>
+            <a:off x="4543425" y="946150"/>
+            <a:ext cx="4440555" cy="460375"/>
+          </a:xfrm>
+          <a:prstGeom prst="rect">
+            <a:avLst/>
+          </a:prstGeom>
+          <a:noFill/>
+        </p:spPr>
+        <p:txBody>
+          <a:bodyPr wrap="square" rtlCol="0">
+            <a:spAutoFit/>
+          </a:bodyPr>
+          <a:p>
+            <a:pPr algn="ctr"/>
+            <a:r>
+              <a:rPr lang="en-US" sz="2400" b="1" i="1">
+                <a:solidFill>
+                  <a:schemeClr val="tx2"/>
+                </a:solidFill>
+              </a:rPr>
+              <a:t>Request a second-hand book</a:t>
+            </a:r>
+            <a:endParaRPr lang="en-US" sz="2400" b="1" i="1">
+              <a:solidFill>
+                <a:schemeClr val="tx2"/>
+              </a:solidFill>
+            </a:endParaRPr>
           </a:p>
         </p:txBody>
       </p:sp>
       <p:pic>
         <p:nvPicPr>
-          <p:cNvPr id="13" name="图片 12"/>
+          <p:cNvPr id="7" name="图片 12"/>
           <p:cNvPicPr>
             <a:picLocks noChangeAspect="1"/>
           </p:cNvPicPr>
@@ -11756,7 +12119,7 @@
         </p:blipFill>
         <p:spPr>
           <a:xfrm>
-            <a:off x="0" y="2366681"/>
+            <a:off x="4484370" y="2383826"/>
             <a:ext cx="4499603" cy="2237591"/>
           </a:xfrm>
           <a:prstGeom prst="rect">
@@ -11766,13 +12129,13 @@
       </p:pic>
       <p:cxnSp>
         <p:nvCxnSpPr>
-          <p:cNvPr id="15" name="直接箭头连接符 14"/>
+          <p:cNvPr id="8" name="直接箭头连接符 14"/>
           <p:cNvCxnSpPr/>
           <p:nvPr/>
         </p:nvCxnSpPr>
         <p:spPr>
           <a:xfrm flipV="1">
-            <a:off x="3711388" y="4509135"/>
+            <a:off x="8195758" y="4526280"/>
             <a:ext cx="236668" cy="478716"/>
           </a:xfrm>
           <a:prstGeom prst="straightConnector1">
@@ -11799,13 +12162,13 @@
       </p:cxnSp>
       <p:sp>
         <p:nvSpPr>
-          <p:cNvPr id="18" name="文本框 17"/>
+          <p:cNvPr id="9" name="文本框 17"/>
           <p:cNvSpPr txBox="1"/>
           <p:nvPr/>
         </p:nvSpPr>
         <p:spPr>
           <a:xfrm>
-            <a:off x="2350546" y="5124142"/>
+            <a:off x="6834916" y="5141287"/>
             <a:ext cx="1710466" cy="523220"/>
           </a:xfrm>
           <a:prstGeom prst="rect">
@@ -11817,7 +12180,6 @@
           <a:bodyPr wrap="square" rtlCol="0">
             <a:spAutoFit/>
           </a:bodyPr>
-          <a:lstStyle/>
           <a:p>
             <a:r>
               <a:rPr lang="en-US" altLang="zh-CN" dirty="0"/>
@@ -11835,7 +12197,7 @@
 </p:sld>
 </file>
 
-<file path=ppt/slides/slide6.xml><?xml version="1.0" encoding="utf-8"?>
+<file path=ppt/slides/slide8.xml><?xml version="1.0" encoding="utf-8"?>
 <p:sld xmlns:a="http://schemas.openxmlformats.org/drawingml/2006/main" xmlns:r="http://schemas.openxmlformats.org/officeDocument/2006/relationships" xmlns:p="http://schemas.openxmlformats.org/presentationml/2006/main">
   <p:cSld>
     <p:spTree>
@@ -11864,8 +12226,8 @@
         </p:nvSpPr>
         <p:spPr>
           <a:xfrm>
-            <a:off x="-36195" y="-27305"/>
-            <a:ext cx="9144000" cy="947357"/>
+            <a:off x="0" y="0"/>
+            <a:ext cx="9144000" cy="855345"/>
           </a:xfrm>
         </p:spPr>
         <p:txBody>
@@ -11876,7 +12238,7 @@
           <a:p>
             <a:r>
               <a:rPr lang="en-US" altLang="zh-CN" sz="4000" dirty="0"/>
-              <a:t>Search for a donated book</a:t>
+              <a:t>Implementation Details</a:t>
             </a:r>
             <a:endParaRPr lang="zh-CN" altLang="en-US" sz="4000" dirty="0"/>
           </a:p>
@@ -11890,7 +12252,7 @@
         </p:nvSpPr>
         <p:spPr>
           <a:xfrm>
-            <a:off x="-53975" y="1239520"/>
+            <a:off x="114300" y="920115"/>
             <a:ext cx="4221480" cy="5375910"/>
           </a:xfrm>
           <a:prstGeom prst="roundRect">
@@ -11938,7 +12300,7 @@
         </p:nvSpPr>
         <p:spPr>
           <a:xfrm>
-            <a:off x="612140" y="1181100"/>
+            <a:off x="648970" y="920115"/>
             <a:ext cx="3152140" cy="460375"/>
           </a:xfrm>
           <a:prstGeom prst="rect">
@@ -11952,6 +12314,7 @@
           </a:bodyPr>
           <a:lstStyle/>
           <a:p>
+            <a:pPr algn="ctr"/>
             <a:r>
               <a:rPr lang="en-US" altLang="zh-CN" sz="2400" dirty="0">
                 <a:solidFill>
@@ -11978,8 +12341,8 @@
         </p:nvSpPr>
         <p:spPr>
           <a:xfrm>
-            <a:off x="2254250" y="1537970"/>
-            <a:ext cx="1809750" cy="5077460"/>
+            <a:off x="2446020" y="1380490"/>
+            <a:ext cx="1889760" cy="4707890"/>
           </a:xfrm>
           <a:prstGeom prst="rect">
             <a:avLst/>
@@ -12001,6 +12364,8 @@
                 <a:solidFill>
                   <a:schemeClr val="bg1"/>
                 </a:solidFill>
+                <a:latin typeface="Arial" panose="020B0604020202020204" pitchFamily="34" charset="0"/>
+                <a:cs typeface="Arial" panose="020B0604020202020204" pitchFamily="34" charset="0"/>
                 <a:sym typeface="+mn-ea"/>
               </a:rPr>
               <a:t>Using API Gateway to pass the query infomation from frontend input to lambda function</a:t>
@@ -12009,6 +12374,8 @@
               <a:solidFill>
                 <a:schemeClr val="bg1"/>
               </a:solidFill>
+              <a:latin typeface="Arial" panose="020B0604020202020204" pitchFamily="34" charset="0"/>
+              <a:cs typeface="Arial" panose="020B0604020202020204" pitchFamily="34" charset="0"/>
               <a:sym typeface="+mn-ea"/>
             </a:endParaRPr>
           </a:p>
@@ -12021,6 +12388,8 @@
               <a:solidFill>
                 <a:schemeClr val="bg1"/>
               </a:solidFill>
+              <a:latin typeface="Arial" panose="020B0604020202020204" pitchFamily="34" charset="0"/>
+              <a:cs typeface="Arial" panose="020B0604020202020204" pitchFamily="34" charset="0"/>
               <a:sym typeface="+mn-ea"/>
             </a:endParaRPr>
           </a:p>
@@ -12034,6 +12403,8 @@
                 <a:solidFill>
                   <a:schemeClr val="bg1"/>
                 </a:solidFill>
+                <a:latin typeface="Arial" panose="020B0604020202020204" pitchFamily="34" charset="0"/>
+                <a:cs typeface="Arial" panose="020B0604020202020204" pitchFamily="34" charset="0"/>
                 <a:sym typeface="+mn-ea"/>
               </a:rPr>
               <a:t>Using a lambda function to query corrsponding available donation books ftom DynamoDB through OpenSearch.</a:t>
@@ -12042,6 +12413,8 @@
               <a:solidFill>
                 <a:schemeClr val="bg1"/>
               </a:solidFill>
+              <a:latin typeface="Arial" panose="020B0604020202020204" pitchFamily="34" charset="0"/>
+              <a:cs typeface="Arial" panose="020B0604020202020204" pitchFamily="34" charset="0"/>
               <a:sym typeface="+mn-ea"/>
             </a:endParaRPr>
           </a:p>
@@ -12054,6 +12427,8 @@
               <a:solidFill>
                 <a:schemeClr val="bg1"/>
               </a:solidFill>
+              <a:latin typeface="Arial" panose="020B0604020202020204" pitchFamily="34" charset="0"/>
+              <a:cs typeface="Arial" panose="020B0604020202020204" pitchFamily="34" charset="0"/>
               <a:sym typeface="+mn-ea"/>
             </a:endParaRPr>
           </a:p>
@@ -12067,6 +12442,8 @@
                 <a:solidFill>
                   <a:schemeClr val="bg1"/>
                 </a:solidFill>
+                <a:latin typeface="Arial" panose="020B0604020202020204" pitchFamily="34" charset="0"/>
+                <a:cs typeface="Arial" panose="020B0604020202020204" pitchFamily="34" charset="0"/>
                 <a:sym typeface="+mn-ea"/>
               </a:rPr>
               <a:t>The lambda function also automatically get the book cover by using Open Library API and upload pic from S3</a:t>
@@ -12075,6 +12452,8 @@
               <a:solidFill>
                 <a:schemeClr val="bg1"/>
               </a:solidFill>
+              <a:latin typeface="Arial" panose="020B0604020202020204" pitchFamily="34" charset="0"/>
+              <a:cs typeface="Arial" panose="020B0604020202020204" pitchFamily="34" charset="0"/>
               <a:sym typeface="+mn-ea"/>
             </a:endParaRPr>
           </a:p>
@@ -12087,6 +12466,8 @@
               <a:solidFill>
                 <a:schemeClr val="bg1"/>
               </a:solidFill>
+              <a:latin typeface="Arial" panose="020B0604020202020204" pitchFamily="34" charset="0"/>
+              <a:cs typeface="Arial" panose="020B0604020202020204" pitchFamily="34" charset="0"/>
             </a:endParaRPr>
           </a:p>
           <a:p>
@@ -12099,6 +12480,8 @@
                 <a:solidFill>
                   <a:schemeClr val="bg1"/>
                 </a:solidFill>
+                <a:latin typeface="Arial" panose="020B0604020202020204" pitchFamily="34" charset="0"/>
+                <a:cs typeface="Arial" panose="020B0604020202020204" pitchFamily="34" charset="0"/>
               </a:rPr>
               <a:t>Frontend get the response from the image and display it under the search bar</a:t>
             </a:r>
@@ -12106,6 +12489,8 @@
               <a:solidFill>
                 <a:schemeClr val="bg1"/>
               </a:solidFill>
+              <a:latin typeface="Arial" panose="020B0604020202020204" pitchFamily="34" charset="0"/>
+              <a:cs typeface="Arial" panose="020B0604020202020204" pitchFamily="34" charset="0"/>
             </a:endParaRPr>
           </a:p>
         </p:txBody>
@@ -12126,7 +12511,7 @@
         </p:blipFill>
         <p:spPr>
           <a:xfrm>
-            <a:off x="35560" y="1816735"/>
+            <a:off x="227330" y="1497330"/>
             <a:ext cx="2218690" cy="4221480"/>
           </a:xfrm>
           <a:prstGeom prst="rect">
@@ -12151,7 +12536,7 @@
         </p:blipFill>
         <p:spPr>
           <a:xfrm>
-            <a:off x="4430395" y="1239520"/>
+            <a:off x="4485005" y="1497330"/>
             <a:ext cx="4555366" cy="2894619"/>
           </a:xfrm>
           <a:prstGeom prst="rect">
@@ -12175,7 +12560,7 @@
         </p:blipFill>
         <p:spPr>
           <a:xfrm>
-            <a:off x="4472940" y="4173966"/>
+            <a:off x="4497070" y="4391771"/>
             <a:ext cx="4531231" cy="2092429"/>
           </a:xfrm>
           <a:prstGeom prst="rect">
@@ -12183,6 +12568,44 @@
           </a:prstGeom>
         </p:spPr>
       </p:pic>
+      <p:sp>
+        <p:nvSpPr>
+          <p:cNvPr id="6" name="Text Box 5"/>
+          <p:cNvSpPr txBox="1"/>
+          <p:nvPr/>
+        </p:nvSpPr>
+        <p:spPr>
+          <a:xfrm>
+            <a:off x="4543425" y="946150"/>
+            <a:ext cx="4440555" cy="460375"/>
+          </a:xfrm>
+          <a:prstGeom prst="rect">
+            <a:avLst/>
+          </a:prstGeom>
+          <a:noFill/>
+        </p:spPr>
+        <p:txBody>
+          <a:bodyPr wrap="square" rtlCol="0">
+            <a:spAutoFit/>
+          </a:bodyPr>
+          <a:p>
+            <a:pPr algn="ctr"/>
+            <a:r>
+              <a:rPr lang="en-US" sz="2400" b="1" i="1">
+                <a:solidFill>
+                  <a:schemeClr val="tx2"/>
+                </a:solidFill>
+              </a:rPr>
+              <a:t>Search for a donated book</a:t>
+            </a:r>
+            <a:endParaRPr lang="en-US" sz="2400" b="1" i="1">
+              <a:solidFill>
+                <a:schemeClr val="tx2"/>
+              </a:solidFill>
+            </a:endParaRPr>
+          </a:p>
+        </p:txBody>
+      </p:sp>
     </p:spTree>
   </p:cSld>
   <p:clrMapOvr>
@@ -12191,7 +12614,7 @@
 </p:sld>
 </file>
 
-<file path=ppt/slides/slide7.xml><?xml version="1.0" encoding="utf-8"?>
+<file path=ppt/slides/slide9.xml><?xml version="1.0" encoding="utf-8"?>
 <p:sld xmlns:a="http://schemas.openxmlformats.org/drawingml/2006/main" xmlns:r="http://schemas.openxmlformats.org/officeDocument/2006/relationships" xmlns:p="http://schemas.openxmlformats.org/presentationml/2006/main">
   <p:cSld>
     <p:spTree>
@@ -12220,8 +12643,8 @@
         </p:nvSpPr>
         <p:spPr>
           <a:xfrm>
-            <a:off x="118" y="-297"/>
-            <a:ext cx="9144000" cy="947357"/>
+            <a:off x="0" y="0"/>
+            <a:ext cx="9144000" cy="855980"/>
           </a:xfrm>
         </p:spPr>
         <p:txBody>
@@ -12231,18 +12654,10 @@
           <a:lstStyle/>
           <a:p>
             <a:r>
-              <a:rPr lang="en-US" altLang="zh-CN" sz="4000" dirty="0"/>
-              <a:t>Show user’s</a:t>
+              <a:rPr lang="en-US" sz="4000" dirty="0"/>
+              <a:t>Implementation Details</a:t>
             </a:r>
-            <a:r>
-              <a:rPr lang="zh-CN" altLang="en-US" sz="4000" dirty="0"/>
-              <a:t> </a:t>
-            </a:r>
-            <a:r>
-              <a:rPr lang="en-US" altLang="zh-CN" sz="4000" dirty="0"/>
-              <a:t>info &amp; add to favorite list</a:t>
-            </a:r>
-            <a:endParaRPr lang="zh-CN" altLang="en-US" sz="4000" dirty="0"/>
+            <a:endParaRPr lang="en-US" sz="4000" dirty="0"/>
           </a:p>
         </p:txBody>
       </p:sp>
@@ -12254,7 +12669,7 @@
         </p:nvSpPr>
         <p:spPr>
           <a:xfrm>
-            <a:off x="176642" y="947060"/>
+            <a:off x="112507" y="946425"/>
             <a:ext cx="4105910" cy="5340350"/>
           </a:xfrm>
           <a:prstGeom prst="roundRect">
@@ -12310,8 +12725,8 @@
         </p:blipFill>
         <p:spPr>
           <a:xfrm>
-            <a:off x="325920" y="1390403"/>
-            <a:ext cx="3856156" cy="2353259"/>
+            <a:off x="325755" y="1240155"/>
+            <a:ext cx="3679190" cy="2245360"/>
           </a:xfrm>
           <a:prstGeom prst="rect">
             <a:avLst/>
@@ -12334,8 +12749,8 @@
         </p:blipFill>
         <p:spPr>
           <a:xfrm>
-            <a:off x="4862456" y="1151276"/>
-            <a:ext cx="3845859" cy="2710619"/>
+            <a:off x="4858385" y="1901825"/>
+            <a:ext cx="3670935" cy="2587625"/>
           </a:xfrm>
           <a:prstGeom prst="rect">
             <a:avLst/>
@@ -12358,7 +12773,7 @@
         </p:blipFill>
         <p:spPr>
           <a:xfrm>
-            <a:off x="4459076" y="3903882"/>
+            <a:off x="4474951" y="4489352"/>
             <a:ext cx="4577616" cy="2276386"/>
           </a:xfrm>
           <a:prstGeom prst="rect">
@@ -12374,8 +12789,8 @@
         </p:nvSpPr>
         <p:spPr>
           <a:xfrm>
-            <a:off x="-242016" y="3814403"/>
-            <a:ext cx="4572000" cy="2231380"/>
+            <a:off x="-311785" y="3615055"/>
+            <a:ext cx="4594225" cy="2368550"/>
           </a:xfrm>
           <a:prstGeom prst="rect">
             <a:avLst/>
@@ -12399,17 +12814,23 @@
               <a:buChar char="•"/>
             </a:pPr>
             <a:r>
-              <a:rPr lang="en-US" altLang="zh-CN" sz="1100" b="0" i="0" u="none" strike="noStrike" dirty="0">
-                <a:solidFill>
-                  <a:srgbClr val="000000"/>
+              <a:rPr lang="en-US" altLang="zh-CN" sz="1200" b="0" i="0" u="none" strike="noStrike" dirty="0">
+                <a:solidFill>
+                  <a:schemeClr val="accent1"/>
                 </a:solidFill>
                 <a:effectLst/>
-                <a:latin typeface="Times New Roman" panose="02020603050405020304" pitchFamily="18" charset="0"/>
+                <a:latin typeface="Arial" panose="020B0604020202020204" pitchFamily="34" charset="0"/>
+                <a:cs typeface="Arial" panose="020B0604020202020204" pitchFamily="34" charset="0"/>
               </a:rPr>
               <a:t>Every time the user selects a book they like, the system firstly will store this book’s id in Dynamo DB(user information) corresponding to the user. </a:t>
             </a:r>
-            <a:endParaRPr lang="en-US" altLang="zh-CN" sz="1100" b="0" dirty="0">
+            <a:endParaRPr lang="en-US" altLang="zh-CN" sz="1200" b="0" dirty="0">
+              <a:solidFill>
+                <a:schemeClr val="accent1"/>
+              </a:solidFill>
               <a:effectLst/>
+              <a:latin typeface="Arial" panose="020B0604020202020204" pitchFamily="34" charset="0"/>
+              <a:cs typeface="Arial" panose="020B0604020202020204" pitchFamily="34" charset="0"/>
             </a:endParaRPr>
           </a:p>
           <a:p>
@@ -12424,23 +12845,33 @@
               <a:buChar char="•"/>
             </a:pPr>
             <a:r>
-              <a:rPr lang="en-US" altLang="zh-CN" sz="1100" b="0" i="0" u="none" strike="noStrike" dirty="0">
-                <a:solidFill>
-                  <a:srgbClr val="000000"/>
+              <a:rPr lang="en-US" altLang="zh-CN" sz="1200" b="0" i="0" u="none" strike="noStrike" dirty="0">
+                <a:solidFill>
+                  <a:schemeClr val="accent1"/>
                 </a:solidFill>
                 <a:effectLst/>
-                <a:latin typeface="Times New Roman" panose="02020603050405020304" pitchFamily="18" charset="0"/>
+                <a:latin typeface="Arial" panose="020B0604020202020204" pitchFamily="34" charset="0"/>
+                <a:cs typeface="Arial" panose="020B0604020202020204" pitchFamily="34" charset="0"/>
               </a:rPr>
               <a:t>When the user jumps to the favorite list page and want more information about these books, the system will search it in the DynamoDB(book info) by </a:t>
             </a:r>
             <a:r>
-              <a:rPr lang="en-US" altLang="zh-CN" sz="1100" dirty="0">
-                <a:latin typeface="Times New Roman" panose="02020603050405020304" pitchFamily="18" charset="0"/>
+              <a:rPr lang="en-US" altLang="zh-CN" sz="1200" dirty="0">
+                <a:solidFill>
+                  <a:schemeClr val="accent1"/>
+                </a:solidFill>
+                <a:latin typeface="Arial" panose="020B0604020202020204" pitchFamily="34" charset="0"/>
+                <a:cs typeface="Arial" panose="020B0604020202020204" pitchFamily="34" charset="0"/>
               </a:rPr>
               <a:t>id</a:t>
             </a:r>
-            <a:endParaRPr lang="en-US" altLang="zh-CN" sz="1100" b="0" dirty="0">
+            <a:endParaRPr lang="en-US" altLang="zh-CN" sz="1200" b="0" dirty="0">
+              <a:solidFill>
+                <a:schemeClr val="accent1"/>
+              </a:solidFill>
               <a:effectLst/>
+              <a:latin typeface="Arial" panose="020B0604020202020204" pitchFamily="34" charset="0"/>
+              <a:cs typeface="Arial" panose="020B0604020202020204" pitchFamily="34" charset="0"/>
             </a:endParaRPr>
           </a:p>
           <a:p>
@@ -12455,86 +12886,37 @@
               <a:buChar char="•"/>
             </a:pPr>
             <a:r>
-              <a:rPr lang="en-US" altLang="zh-CN" sz="1100" b="0" i="0" u="none" strike="noStrike" dirty="0">
-                <a:solidFill>
-                  <a:srgbClr val="000000"/>
+              <a:rPr lang="en-US" altLang="zh-CN" sz="1200" b="0" i="0" u="none" strike="noStrike" dirty="0">
+                <a:solidFill>
+                  <a:schemeClr val="accent1"/>
                 </a:solidFill>
                 <a:effectLst/>
-                <a:latin typeface="Times New Roman" panose="02020603050405020304" pitchFamily="18" charset="0"/>
+                <a:latin typeface="Arial" panose="020B0604020202020204" pitchFamily="34" charset="0"/>
+                <a:cs typeface="Arial" panose="020B0604020202020204" pitchFamily="34" charset="0"/>
               </a:rPr>
               <a:t>When the user chooses to add a book to their favorite list, the count of favorite’ for that book will increase by 1 and the book is removed when the user double click</a:t>
             </a:r>
-            <a:endParaRPr lang="en-US" altLang="zh-CN" sz="1100" b="0" dirty="0">
+            <a:endParaRPr lang="en-US" altLang="zh-CN" sz="1200" b="0" i="0" u="none" strike="noStrike" dirty="0">
+              <a:solidFill>
+                <a:schemeClr val="accent1"/>
+              </a:solidFill>
               <a:effectLst/>
+              <a:latin typeface="Arial" panose="020B0604020202020204" pitchFamily="34" charset="0"/>
+              <a:cs typeface="Arial" panose="020B0604020202020204" pitchFamily="34" charset="0"/>
             </a:endParaRPr>
-          </a:p>
-        </p:txBody>
-      </p:sp>
-    </p:spTree>
-  </p:cSld>
-  <p:clrMapOvr>
-    <a:masterClrMapping/>
-  </p:clrMapOvr>
-</p:sld>
-</file>
-
-<file path=ppt/slides/slide8.xml><?xml version="1.0" encoding="utf-8"?>
-<p:sld xmlns:a="http://schemas.openxmlformats.org/drawingml/2006/main" xmlns:r="http://schemas.openxmlformats.org/officeDocument/2006/relationships" xmlns:p="http://schemas.openxmlformats.org/presentationml/2006/main">
-  <p:cSld>
-    <p:spTree>
-      <p:nvGrpSpPr>
-        <p:cNvPr id="1" name=""/>
-        <p:cNvGrpSpPr/>
-        <p:nvPr/>
-      </p:nvGrpSpPr>
-      <p:grpSpPr>
-        <a:xfrm>
-          <a:off x="0" y="0"/>
-          <a:ext cx="0" cy="0"/>
-          <a:chOff x="0" y="0"/>
-          <a:chExt cx="0" cy="0"/>
-        </a:xfrm>
-      </p:grpSpPr>
-      <p:sp>
-        <p:nvSpPr>
-          <p:cNvPr id="4" name="Title 1"/>
-          <p:cNvSpPr>
-            <a:spLocks noGrp="1"/>
-          </p:cNvSpPr>
-          <p:nvPr>
-            <p:ph type="ctrTitle"/>
-          </p:nvPr>
-        </p:nvSpPr>
-        <p:spPr>
-          <a:xfrm>
-            <a:off x="35678" y="44153"/>
-            <a:ext cx="9144000" cy="947357"/>
-          </a:xfrm>
-        </p:spPr>
-        <p:txBody>
-          <a:bodyPr>
-            <a:normAutofit/>
-          </a:bodyPr>
-          <a:lstStyle/>
-          <a:p>
-            <a:r>
-              <a:rPr lang="en-US" altLang="zh-CN" sz="4000" dirty="0"/>
-              <a:t>Some Design Choice</a:t>
-            </a:r>
-            <a:endParaRPr lang="zh-CN" altLang="en-US" sz="4000" dirty="0"/>
           </a:p>
         </p:txBody>
       </p:sp>
       <p:sp>
         <p:nvSpPr>
-          <p:cNvPr id="5" name="TextBox 2"/>
+          <p:cNvPr id="2" name="Text Box 1"/>
           <p:cNvSpPr txBox="1"/>
           <p:nvPr/>
         </p:nvSpPr>
         <p:spPr>
           <a:xfrm>
-            <a:off x="301625" y="1412875"/>
-            <a:ext cx="8540115" cy="2030095"/>
+            <a:off x="4543425" y="946150"/>
+            <a:ext cx="4440555" cy="829945"/>
           </a:xfrm>
           <a:prstGeom prst="rect">
             <a:avLst/>
@@ -12545,53 +12927,21 @@
           <a:bodyPr wrap="square" rtlCol="0">
             <a:spAutoFit/>
           </a:bodyPr>
-          <a:lstStyle/>
           <a:p>
+            <a:pPr algn="ctr"/>
             <a:r>
-              <a:rPr lang="en-US" altLang="zh-CN" dirty="0"/>
-              <a:t>Although we can link user’s account and their information directly in Cognito (which is convenient and good for keeping user’s information secure!), we decided to use DynamoDB to store the users’ non-sensitive information, rather than storing them in Cognito.</a:t>
+              <a:rPr lang="en-US" sz="2400" b="1" i="1">
+                <a:solidFill>
+                  <a:schemeClr val="tx2"/>
+                </a:solidFill>
+              </a:rPr>
+              <a:t>Show user’s info &amp; add to favorite list</a:t>
             </a:r>
-            <a:endParaRPr lang="en-US" altLang="zh-CN" dirty="0"/>
-          </a:p>
-          <a:p>
-            <a:r>
-              <a:rPr lang="en-US" altLang="zh-CN" sz="1400" dirty="0"/>
-              <a:t>-   The attributes stored in Cognito has to be key-value(string) pair, not good for complicated data structures.</a:t>
-            </a:r>
-            <a:endParaRPr lang="en-US" altLang="zh-CN" sz="1400" dirty="0"/>
-          </a:p>
-          <a:p>
-            <a:pPr marL="285750" indent="-285750">
-              <a:buFontTx/>
-              <a:buChar char="-"/>
-            </a:pPr>
-            <a:r>
-              <a:rPr lang="en-US" altLang="zh-CN" sz="1400" dirty="0"/>
-              <a:t>We need to store many users’ requested/donate books, this list could be large and Cognito is not scalable as the DynamoDB.</a:t>
-            </a:r>
-            <a:endParaRPr lang="en-US" altLang="zh-CN" sz="1400" dirty="0"/>
-          </a:p>
-          <a:p>
-            <a:pPr marL="285750" indent="-285750">
-              <a:buFontTx/>
-              <a:buChar char="-"/>
-            </a:pPr>
-            <a:r>
-              <a:rPr lang="en-US" altLang="zh-CN" sz="1400" dirty="0"/>
-              <a:t>The DynamoDB can handle query much more efficient than Cognito</a:t>
-            </a:r>
-            <a:endParaRPr lang="en-US" altLang="zh-CN" sz="1400" dirty="0"/>
-          </a:p>
-          <a:p>
-            <a:pPr marL="285750" indent="-285750">
-              <a:buFontTx/>
-              <a:buChar char="-"/>
-            </a:pPr>
-            <a:r>
-              <a:rPr lang="en-US" altLang="zh-CN" sz="1400" dirty="0"/>
-              <a:t>We realized this is the pattern often done in the industry after searching the online information</a:t>
-            </a:r>
-            <a:endParaRPr lang="en-US" altLang="zh-CN" sz="1400" dirty="0"/>
+            <a:endParaRPr lang="en-US" sz="2400" b="1" i="1">
+              <a:solidFill>
+                <a:schemeClr val="tx2"/>
+              </a:solidFill>
+            </a:endParaRPr>
           </a:p>
         </p:txBody>
       </p:sp>

--- a/presentation-book-exchange.pptx
+++ b/presentation-book-exchange.pptx
@@ -5,30 +5,30 @@
     <p:sldMasterId id="2147483648" r:id="rId1"/>
   </p:sldMasterIdLst>
   <p:notesMasterIdLst>
-    <p:notesMasterId r:id="rId4"/>
+    <p:notesMasterId r:id="rId12"/>
   </p:notesMasterIdLst>
   <p:sldIdLst>
-    <p:sldId id="256" r:id="rId3"/>
-    <p:sldId id="272" r:id="rId5"/>
-    <p:sldId id="274" r:id="rId6"/>
-    <p:sldId id="261" r:id="rId7"/>
-    <p:sldId id="262" r:id="rId8"/>
-    <p:sldId id="263" r:id="rId9"/>
-    <p:sldId id="268" r:id="rId10"/>
-    <p:sldId id="264" r:id="rId11"/>
-    <p:sldId id="265" r:id="rId12"/>
-    <p:sldId id="267" r:id="rId13"/>
+    <p:sldId id="256" r:id="rId2"/>
+    <p:sldId id="272" r:id="rId3"/>
+    <p:sldId id="274" r:id="rId4"/>
+    <p:sldId id="261" r:id="rId5"/>
+    <p:sldId id="262" r:id="rId6"/>
+    <p:sldId id="263" r:id="rId7"/>
+    <p:sldId id="268" r:id="rId8"/>
+    <p:sldId id="264" r:id="rId9"/>
+    <p:sldId id="265" r:id="rId10"/>
+    <p:sldId id="267" r:id="rId11"/>
   </p:sldIdLst>
   <p:sldSz cx="9144000" cy="6858000" type="screen4x3"/>
   <p:notesSz cx="7010400" cy="9296400"/>
   <p:embeddedFontLst>
     <p:embeddedFont>
       <p:font typeface="Arial Black" panose="020B0A04020102020204" pitchFamily="34" charset="0"/>
-      <p:bold r:id="rId17"/>
+      <p:bold r:id="rId13"/>
     </p:embeddedFont>
   </p:embeddedFontLst>
   <p:custDataLst>
-    <p:tags r:id="rId18"/>
+    <p:tags r:id="rId14"/>
   </p:custDataLst>
   <p:defaultTextStyle>
     <a:defPPr marR="0" lvl="0" algn="l" rtl="0">
@@ -259,6 +259,11 @@
       </a:defRPr>
     </a:lvl9pPr>
   </p:defaultTextStyle>
+  <p:extLst>
+    <p:ext uri="{EFAFB233-063F-42B5-8137-9DF3F51BA10A}">
+      <p15:sldGuideLst xmlns:p15="http://schemas.microsoft.com/office/powerpoint/2012/main"/>
+    </p:ext>
+  </p:extLst>
 </p:presentation>
 </file>
 
@@ -514,7 +519,9 @@
               </a:defRPr>
             </a:lvl9pPr>
           </a:lstStyle>
-          <a:p/>
+          <a:p>
+            <a:endParaRPr/>
+          </a:p>
         </p:txBody>
       </p:sp>
       <p:sp>
@@ -744,7 +751,9 @@
               </a:defRPr>
             </a:lvl9pPr>
           </a:lstStyle>
-          <a:p/>
+          <a:p>
+            <a:endParaRPr/>
+          </a:p>
         </p:txBody>
       </p:sp>
       <p:sp>
@@ -926,7 +935,9 @@
               <a:defRPr sz="1800" b="0" i="0" u="none" strike="noStrike" cap="none"/>
             </a:lvl9pPr>
           </a:lstStyle>
-          <a:p/>
+          <a:p>
+            <a:endParaRPr/>
+          </a:p>
         </p:txBody>
       </p:sp>
       <p:sp>
@@ -1156,7 +1167,9 @@
               </a:defRPr>
             </a:lvl9pPr>
           </a:lstStyle>
-          <a:p/>
+          <a:p>
+            <a:endParaRPr/>
+          </a:p>
         </p:txBody>
       </p:sp>
       <p:sp>
@@ -1214,6 +1227,7 @@
                 <a:cs typeface="Arial" panose="020B0604020202020204"/>
                 <a:sym typeface="Arial" panose="020B0604020202020204"/>
               </a:rPr>
+              <a:t>‹#›</a:t>
             </a:fld>
             <a:endParaRPr lang="en-US" sz="1200" b="0" i="0" u="none" strike="noStrike" cap="none">
               <a:solidFill>
@@ -1463,7 +1477,7 @@
 </file>
 
 <file path=ppt/notesSlides/notesSlide1.xml><?xml version="1.0" encoding="utf-8"?>
-<p:notes xmlns:a="http://schemas.openxmlformats.org/drawingml/2006/main" xmlns:r="http://schemas.openxmlformats.org/officeDocument/2006/relationships" xmlns:p="http://schemas.openxmlformats.org/presentationml/2006/main" showMasterPhAnim="0" showMasterSp="0">
+<p:notes xmlns:a="http://schemas.openxmlformats.org/drawingml/2006/main" xmlns:r="http://schemas.openxmlformats.org/officeDocument/2006/relationships" xmlns:p="http://schemas.openxmlformats.org/presentationml/2006/main" showMasterSp="0" showMasterPhAnim="0">
   <p:cSld>
     <p:spTree>
       <p:nvGrpSpPr>
@@ -1491,8 +1505,8 @@
         </p:nvSpPr>
         <p:spPr>
           <a:xfrm>
-            <a:off x="1181100" y="696912"/>
-            <a:ext cx="4648200" cy="3486300"/>
+            <a:off x="1181100" y="696913"/>
+            <a:ext cx="4648200" cy="3486150"/>
           </a:xfrm>
           <a:custGeom>
             <a:avLst/>
@@ -1554,6 +1568,7 @@
               </a:spcAft>
               <a:buNone/>
             </a:pPr>
+            <a:endParaRPr/>
           </a:p>
         </p:txBody>
       </p:sp>
@@ -1597,6 +1612,7 @@
             </a:pPr>
             <a:fld id="{00000000-1234-1234-1234-123412341234}" type="slidenum">
               <a:rPr lang="en-US"/>
+              <a:t>1</a:t>
             </a:fld>
             <a:endParaRPr sz="1400"/>
           </a:p>
@@ -1611,7 +1627,7 @@
 </file>
 
 <file path=ppt/slideLayouts/slideLayout1.xml><?xml version="1.0" encoding="utf-8"?>
-<p:sldLayout xmlns:a="http://schemas.openxmlformats.org/drawingml/2006/main" xmlns:r="http://schemas.openxmlformats.org/officeDocument/2006/relationships" xmlns:p="http://schemas.openxmlformats.org/presentationml/2006/main" type="objOnly" matchingName="Content">
+<p:sldLayout xmlns:a="http://schemas.openxmlformats.org/drawingml/2006/main" xmlns:r="http://schemas.openxmlformats.org/officeDocument/2006/relationships" xmlns:p="http://schemas.openxmlformats.org/presentationml/2006/main" matchingName="Content" type="objOnly">
   <p:cSld name="OBJECT_ONLY">
     <p:spTree>
       <p:nvGrpSpPr>
@@ -1863,7 +1879,9 @@
               </a:defRPr>
             </a:lvl9pPr>
           </a:lstStyle>
-          <a:p/>
+          <a:p>
+            <a:endParaRPr/>
+          </a:p>
         </p:txBody>
       </p:sp>
     </p:spTree>
@@ -1875,7 +1893,7 @@
 </file>
 
 <file path=ppt/slideLayouts/slideLayout10.xml><?xml version="1.0" encoding="utf-8"?>
-<p:sldLayout xmlns:a="http://schemas.openxmlformats.org/drawingml/2006/main" xmlns:r="http://schemas.openxmlformats.org/officeDocument/2006/relationships" xmlns:p="http://schemas.openxmlformats.org/presentationml/2006/main" type="titleOnly" matchingName="Title Only">
+<p:sldLayout xmlns:a="http://schemas.openxmlformats.org/drawingml/2006/main" xmlns:r="http://schemas.openxmlformats.org/officeDocument/2006/relationships" xmlns:p="http://schemas.openxmlformats.org/presentationml/2006/main" matchingName="Title Only" type="titleOnly">
   <p:cSld name="TITLE_ONLY">
     <p:spTree>
       <p:nvGrpSpPr>
@@ -2091,7 +2109,9 @@
               </a:defRPr>
             </a:lvl9pPr>
           </a:lstStyle>
-          <a:p/>
+          <a:p>
+            <a:endParaRPr/>
+          </a:p>
         </p:txBody>
       </p:sp>
     </p:spTree>
@@ -2103,7 +2123,7 @@
 </file>
 
 <file path=ppt/slideLayouts/slideLayout11.xml><?xml version="1.0" encoding="utf-8"?>
-<p:sldLayout xmlns:a="http://schemas.openxmlformats.org/drawingml/2006/main" xmlns:r="http://schemas.openxmlformats.org/officeDocument/2006/relationships" xmlns:p="http://schemas.openxmlformats.org/presentationml/2006/main" type="twoTxTwoObj" matchingName="Comparison">
+<p:sldLayout xmlns:a="http://schemas.openxmlformats.org/drawingml/2006/main" xmlns:r="http://schemas.openxmlformats.org/officeDocument/2006/relationships" xmlns:p="http://schemas.openxmlformats.org/presentationml/2006/main" matchingName="Comparison" type="twoTxTwoObj">
   <p:cSld name="TWO_OBJECTS_WITH_TEXT">
     <p:spTree>
       <p:nvGrpSpPr>
@@ -2319,7 +2339,9 @@
               </a:defRPr>
             </a:lvl9pPr>
           </a:lstStyle>
-          <a:p/>
+          <a:p>
+            <a:endParaRPr/>
+          </a:p>
         </p:txBody>
       </p:sp>
       <p:sp>
@@ -2558,7 +2580,9 @@
               </a:defRPr>
             </a:lvl9pPr>
           </a:lstStyle>
-          <a:p/>
+          <a:p>
+            <a:endParaRPr/>
+          </a:p>
         </p:txBody>
       </p:sp>
       <p:sp>
@@ -2797,7 +2821,9 @@
               </a:defRPr>
             </a:lvl9pPr>
           </a:lstStyle>
-          <a:p/>
+          <a:p>
+            <a:endParaRPr/>
+          </a:p>
         </p:txBody>
       </p:sp>
       <p:sp>
@@ -3036,7 +3062,9 @@
               </a:defRPr>
             </a:lvl9pPr>
           </a:lstStyle>
-          <a:p/>
+          <a:p>
+            <a:endParaRPr/>
+          </a:p>
         </p:txBody>
       </p:sp>
       <p:sp>
@@ -3275,7 +3303,9 @@
               </a:defRPr>
             </a:lvl9pPr>
           </a:lstStyle>
-          <a:p/>
+          <a:p>
+            <a:endParaRPr/>
+          </a:p>
         </p:txBody>
       </p:sp>
     </p:spTree>
@@ -3287,7 +3317,7 @@
 </file>
 
 <file path=ppt/slideLayouts/slideLayout12.xml><?xml version="1.0" encoding="utf-8"?>
-<p:sldLayout xmlns:a="http://schemas.openxmlformats.org/drawingml/2006/main" xmlns:r="http://schemas.openxmlformats.org/officeDocument/2006/relationships" xmlns:p="http://schemas.openxmlformats.org/presentationml/2006/main" type="twoObj" matchingName="Two Content">
+<p:sldLayout xmlns:a="http://schemas.openxmlformats.org/drawingml/2006/main" xmlns:r="http://schemas.openxmlformats.org/officeDocument/2006/relationships" xmlns:p="http://schemas.openxmlformats.org/presentationml/2006/main" matchingName="Two Content" type="twoObj">
   <p:cSld name="TWO_OBJECTS">
     <p:spTree>
       <p:nvGrpSpPr>
@@ -3503,7 +3533,9 @@
               </a:defRPr>
             </a:lvl9pPr>
           </a:lstStyle>
-          <a:p/>
+          <a:p>
+            <a:endParaRPr/>
+          </a:p>
         </p:txBody>
       </p:sp>
       <p:sp>
@@ -3742,7 +3774,9 @@
               </a:defRPr>
             </a:lvl9pPr>
           </a:lstStyle>
-          <a:p/>
+          <a:p>
+            <a:endParaRPr/>
+          </a:p>
         </p:txBody>
       </p:sp>
       <p:sp>
@@ -3981,7 +4015,9 @@
               </a:defRPr>
             </a:lvl9pPr>
           </a:lstStyle>
-          <a:p/>
+          <a:p>
+            <a:endParaRPr/>
+          </a:p>
         </p:txBody>
       </p:sp>
     </p:spTree>
@@ -3993,7 +4029,7 @@
 </file>
 
 <file path=ppt/slideLayouts/slideLayout13.xml><?xml version="1.0" encoding="utf-8"?>
-<p:sldLayout xmlns:a="http://schemas.openxmlformats.org/drawingml/2006/main" xmlns:r="http://schemas.openxmlformats.org/officeDocument/2006/relationships" xmlns:p="http://schemas.openxmlformats.org/presentationml/2006/main" type="secHead" matchingName="Section Header">
+<p:sldLayout xmlns:a="http://schemas.openxmlformats.org/drawingml/2006/main" xmlns:r="http://schemas.openxmlformats.org/officeDocument/2006/relationships" xmlns:p="http://schemas.openxmlformats.org/presentationml/2006/main" matchingName="Section Header" type="secHead">
   <p:cSld name="SECTION_HEADER">
     <p:spTree>
       <p:nvGrpSpPr>
@@ -4209,7 +4245,9 @@
               </a:defRPr>
             </a:lvl9pPr>
           </a:lstStyle>
-          <a:p/>
+          <a:p>
+            <a:endParaRPr/>
+          </a:p>
         </p:txBody>
       </p:sp>
       <p:sp>
@@ -4448,7 +4486,9 @@
               </a:defRPr>
             </a:lvl9pPr>
           </a:lstStyle>
-          <a:p/>
+          <a:p>
+            <a:endParaRPr/>
+          </a:p>
         </p:txBody>
       </p:sp>
     </p:spTree>
@@ -4460,7 +4500,7 @@
 </file>
 
 <file path=ppt/slideLayouts/slideLayout14.xml><?xml version="1.0" encoding="utf-8"?>
-<p:sldLayout xmlns:a="http://schemas.openxmlformats.org/drawingml/2006/main" xmlns:r="http://schemas.openxmlformats.org/officeDocument/2006/relationships" xmlns:p="http://schemas.openxmlformats.org/presentationml/2006/main" type="obj" matchingName="Title and Content">
+<p:sldLayout xmlns:a="http://schemas.openxmlformats.org/drawingml/2006/main" xmlns:r="http://schemas.openxmlformats.org/officeDocument/2006/relationships" xmlns:p="http://schemas.openxmlformats.org/presentationml/2006/main" matchingName="Title and Content" type="obj">
   <p:cSld name="OBJECT">
     <p:spTree>
       <p:nvGrpSpPr>
@@ -4676,7 +4716,9 @@
               </a:defRPr>
             </a:lvl9pPr>
           </a:lstStyle>
-          <a:p/>
+          <a:p>
+            <a:endParaRPr/>
+          </a:p>
         </p:txBody>
       </p:sp>
       <p:sp>
@@ -4915,7 +4957,9 @@
               </a:defRPr>
             </a:lvl9pPr>
           </a:lstStyle>
-          <a:p/>
+          <a:p>
+            <a:endParaRPr/>
+          </a:p>
         </p:txBody>
       </p:sp>
     </p:spTree>
@@ -4927,7 +4971,7 @@
 </file>
 
 <file path=ppt/slideLayouts/slideLayout15.xml><?xml version="1.0" encoding="utf-8"?>
-<p:sldLayout xmlns:a="http://schemas.openxmlformats.org/drawingml/2006/main" xmlns:r="http://schemas.openxmlformats.org/officeDocument/2006/relationships" xmlns:p="http://schemas.openxmlformats.org/presentationml/2006/main" type="title" matchingName="Title Slide">
+<p:sldLayout xmlns:a="http://schemas.openxmlformats.org/drawingml/2006/main" xmlns:r="http://schemas.openxmlformats.org/officeDocument/2006/relationships" xmlns:p="http://schemas.openxmlformats.org/presentationml/2006/main" matchingName="Title Slide" type="title">
   <p:cSld name="TITLE">
     <p:spTree>
       <p:nvGrpSpPr>
@@ -5143,7 +5187,9 @@
               </a:defRPr>
             </a:lvl9pPr>
           </a:lstStyle>
-          <a:p/>
+          <a:p>
+            <a:endParaRPr/>
+          </a:p>
         </p:txBody>
       </p:sp>
       <p:sp>
@@ -5382,7 +5428,9 @@
               </a:defRPr>
             </a:lvl9pPr>
           </a:lstStyle>
-          <a:p/>
+          <a:p>
+            <a:endParaRPr/>
+          </a:p>
         </p:txBody>
       </p:sp>
     </p:spTree>
@@ -5394,7 +5442,7 @@
 </file>
 
 <file path=ppt/slideLayouts/slideLayout2.xml><?xml version="1.0" encoding="utf-8"?>
-<p:sldLayout xmlns:a="http://schemas.openxmlformats.org/drawingml/2006/main" xmlns:r="http://schemas.openxmlformats.org/officeDocument/2006/relationships" xmlns:p="http://schemas.openxmlformats.org/presentationml/2006/main" type="txAndObj" matchingName="Title, Text, and Content">
+<p:sldLayout xmlns:a="http://schemas.openxmlformats.org/drawingml/2006/main" xmlns:r="http://schemas.openxmlformats.org/officeDocument/2006/relationships" xmlns:p="http://schemas.openxmlformats.org/presentationml/2006/main" matchingName="Title, Text, and Content" type="txAndObj">
   <p:cSld name="TEXT_AND_OBJECT">
     <p:spTree>
       <p:nvGrpSpPr>
@@ -5610,7 +5658,9 @@
               </a:defRPr>
             </a:lvl9pPr>
           </a:lstStyle>
-          <a:p/>
+          <a:p>
+            <a:endParaRPr/>
+          </a:p>
         </p:txBody>
       </p:sp>
       <p:sp>
@@ -5849,7 +5899,9 @@
               </a:defRPr>
             </a:lvl9pPr>
           </a:lstStyle>
-          <a:p/>
+          <a:p>
+            <a:endParaRPr/>
+          </a:p>
         </p:txBody>
       </p:sp>
       <p:sp>
@@ -6088,7 +6140,9 @@
               </a:defRPr>
             </a:lvl9pPr>
           </a:lstStyle>
-          <a:p/>
+          <a:p>
+            <a:endParaRPr/>
+          </a:p>
         </p:txBody>
       </p:sp>
     </p:spTree>
@@ -6100,7 +6154,7 @@
 </file>
 
 <file path=ppt/slideLayouts/slideLayout3.xml><?xml version="1.0" encoding="utf-8"?>
-<p:sldLayout xmlns:a="http://schemas.openxmlformats.org/drawingml/2006/main" xmlns:r="http://schemas.openxmlformats.org/officeDocument/2006/relationships" xmlns:p="http://schemas.openxmlformats.org/presentationml/2006/main" type="fourObj" matchingName="Title and 4 Content">
+<p:sldLayout xmlns:a="http://schemas.openxmlformats.org/drawingml/2006/main" xmlns:r="http://schemas.openxmlformats.org/officeDocument/2006/relationships" xmlns:p="http://schemas.openxmlformats.org/presentationml/2006/main" matchingName="Title and 4 Content" type="fourObj">
   <p:cSld name="FOUR_OBJECTS">
     <p:spTree>
       <p:nvGrpSpPr>
@@ -6316,7 +6370,9 @@
               </a:defRPr>
             </a:lvl9pPr>
           </a:lstStyle>
-          <a:p/>
+          <a:p>
+            <a:endParaRPr/>
+          </a:p>
         </p:txBody>
       </p:sp>
       <p:sp>
@@ -6555,7 +6611,9 @@
               </a:defRPr>
             </a:lvl9pPr>
           </a:lstStyle>
-          <a:p/>
+          <a:p>
+            <a:endParaRPr/>
+          </a:p>
         </p:txBody>
       </p:sp>
       <p:sp>
@@ -6794,7 +6852,9 @@
               </a:defRPr>
             </a:lvl9pPr>
           </a:lstStyle>
-          <a:p/>
+          <a:p>
+            <a:endParaRPr/>
+          </a:p>
         </p:txBody>
       </p:sp>
       <p:sp>
@@ -7033,7 +7093,9 @@
               </a:defRPr>
             </a:lvl9pPr>
           </a:lstStyle>
-          <a:p/>
+          <a:p>
+            <a:endParaRPr/>
+          </a:p>
         </p:txBody>
       </p:sp>
       <p:sp>
@@ -7272,7 +7334,9 @@
               </a:defRPr>
             </a:lvl9pPr>
           </a:lstStyle>
-          <a:p/>
+          <a:p>
+            <a:endParaRPr/>
+          </a:p>
         </p:txBody>
       </p:sp>
     </p:spTree>
@@ -7284,7 +7348,7 @@
 </file>
 
 <file path=ppt/slideLayouts/slideLayout4.xml><?xml version="1.0" encoding="utf-8"?>
-<p:sldLayout xmlns:a="http://schemas.openxmlformats.org/drawingml/2006/main" xmlns:r="http://schemas.openxmlformats.org/officeDocument/2006/relationships" xmlns:p="http://schemas.openxmlformats.org/presentationml/2006/main" type="tbl" matchingName="Title and Table">
+<p:sldLayout xmlns:a="http://schemas.openxmlformats.org/drawingml/2006/main" xmlns:r="http://schemas.openxmlformats.org/officeDocument/2006/relationships" xmlns:p="http://schemas.openxmlformats.org/presentationml/2006/main" matchingName="Title and Table" type="tbl">
   <p:cSld name="TABLE">
     <p:spTree>
       <p:nvGrpSpPr>
@@ -7500,7 +7564,9 @@
               </a:defRPr>
             </a:lvl9pPr>
           </a:lstStyle>
-          <a:p/>
+          <a:p>
+            <a:endParaRPr/>
+          </a:p>
         </p:txBody>
       </p:sp>
     </p:spTree>
@@ -7512,7 +7578,7 @@
 </file>
 
 <file path=ppt/slideLayouts/slideLayout5.xml><?xml version="1.0" encoding="utf-8"?>
-<p:sldLayout xmlns:a="http://schemas.openxmlformats.org/drawingml/2006/main" xmlns:r="http://schemas.openxmlformats.org/officeDocument/2006/relationships" xmlns:p="http://schemas.openxmlformats.org/presentationml/2006/main" type="vertTitleAndTx" matchingName="Vertical Title and Text">
+<p:sldLayout xmlns:a="http://schemas.openxmlformats.org/drawingml/2006/main" xmlns:r="http://schemas.openxmlformats.org/officeDocument/2006/relationships" xmlns:p="http://schemas.openxmlformats.org/presentationml/2006/main" matchingName="Vertical Title and Text" type="vertTitleAndTx">
   <p:cSld name="VERTICAL_TITLE_AND_VERTICAL_TEXT">
     <p:spTree>
       <p:nvGrpSpPr>
@@ -7728,7 +7794,9 @@
               </a:defRPr>
             </a:lvl9pPr>
           </a:lstStyle>
-          <a:p/>
+          <a:p>
+            <a:endParaRPr/>
+          </a:p>
         </p:txBody>
       </p:sp>
       <p:sp>
@@ -7967,7 +8035,9 @@
               </a:defRPr>
             </a:lvl9pPr>
           </a:lstStyle>
-          <a:p/>
+          <a:p>
+            <a:endParaRPr/>
+          </a:p>
         </p:txBody>
       </p:sp>
     </p:spTree>
@@ -7979,7 +8049,7 @@
 </file>
 
 <file path=ppt/slideLayouts/slideLayout6.xml><?xml version="1.0" encoding="utf-8"?>
-<p:sldLayout xmlns:a="http://schemas.openxmlformats.org/drawingml/2006/main" xmlns:r="http://schemas.openxmlformats.org/officeDocument/2006/relationships" xmlns:p="http://schemas.openxmlformats.org/presentationml/2006/main" type="vertTx" matchingName="Title and Vertical Text">
+<p:sldLayout xmlns:a="http://schemas.openxmlformats.org/drawingml/2006/main" xmlns:r="http://schemas.openxmlformats.org/officeDocument/2006/relationships" xmlns:p="http://schemas.openxmlformats.org/presentationml/2006/main" matchingName="Title and Vertical Text" type="vertTx">
   <p:cSld name="VERTICAL_TEXT">
     <p:spTree>
       <p:nvGrpSpPr>
@@ -8195,7 +8265,9 @@
               </a:defRPr>
             </a:lvl9pPr>
           </a:lstStyle>
-          <a:p/>
+          <a:p>
+            <a:endParaRPr/>
+          </a:p>
         </p:txBody>
       </p:sp>
       <p:sp>
@@ -8434,7 +8506,9 @@
               </a:defRPr>
             </a:lvl9pPr>
           </a:lstStyle>
-          <a:p/>
+          <a:p>
+            <a:endParaRPr/>
+          </a:p>
         </p:txBody>
       </p:sp>
     </p:spTree>
@@ -8446,7 +8520,7 @@
 </file>
 
 <file path=ppt/slideLayouts/slideLayout7.xml><?xml version="1.0" encoding="utf-8"?>
-<p:sldLayout xmlns:a="http://schemas.openxmlformats.org/drawingml/2006/main" xmlns:r="http://schemas.openxmlformats.org/officeDocument/2006/relationships" xmlns:p="http://schemas.openxmlformats.org/presentationml/2006/main" type="picTx" matchingName="Picture with Caption">
+<p:sldLayout xmlns:a="http://schemas.openxmlformats.org/drawingml/2006/main" xmlns:r="http://schemas.openxmlformats.org/officeDocument/2006/relationships" xmlns:p="http://schemas.openxmlformats.org/presentationml/2006/main" matchingName="Picture with Caption" type="picTx">
   <p:cSld name="PICTURE_WITH_CAPTION_TEXT">
     <p:spTree>
       <p:nvGrpSpPr>
@@ -8662,7 +8736,9 @@
               </a:defRPr>
             </a:lvl9pPr>
           </a:lstStyle>
-          <a:p/>
+          <a:p>
+            <a:endParaRPr/>
+          </a:p>
         </p:txBody>
       </p:sp>
       <p:sp>
@@ -8901,7 +8977,9 @@
               </a:defRPr>
             </a:lvl9pPr>
           </a:lstStyle>
-          <a:p/>
+          <a:p>
+            <a:endParaRPr/>
+          </a:p>
         </p:txBody>
       </p:sp>
       <p:sp>
@@ -9140,7 +9218,9 @@
               </a:defRPr>
             </a:lvl9pPr>
           </a:lstStyle>
-          <a:p/>
+          <a:p>
+            <a:endParaRPr/>
+          </a:p>
         </p:txBody>
       </p:sp>
     </p:spTree>
@@ -9152,7 +9232,7 @@
 </file>
 
 <file path=ppt/slideLayouts/slideLayout8.xml><?xml version="1.0" encoding="utf-8"?>
-<p:sldLayout xmlns:a="http://schemas.openxmlformats.org/drawingml/2006/main" xmlns:r="http://schemas.openxmlformats.org/officeDocument/2006/relationships" xmlns:p="http://schemas.openxmlformats.org/presentationml/2006/main" type="objTx" matchingName="Content with Caption">
+<p:sldLayout xmlns:a="http://schemas.openxmlformats.org/drawingml/2006/main" xmlns:r="http://schemas.openxmlformats.org/officeDocument/2006/relationships" xmlns:p="http://schemas.openxmlformats.org/presentationml/2006/main" matchingName="Content with Caption" type="objTx">
   <p:cSld name="OBJECT_WITH_CAPTION_TEXT">
     <p:spTree>
       <p:nvGrpSpPr>
@@ -9368,7 +9448,9 @@
               </a:defRPr>
             </a:lvl9pPr>
           </a:lstStyle>
-          <a:p/>
+          <a:p>
+            <a:endParaRPr/>
+          </a:p>
         </p:txBody>
       </p:sp>
       <p:sp>
@@ -9607,7 +9689,9 @@
               </a:defRPr>
             </a:lvl9pPr>
           </a:lstStyle>
-          <a:p/>
+          <a:p>
+            <a:endParaRPr/>
+          </a:p>
         </p:txBody>
       </p:sp>
       <p:sp>
@@ -9846,7 +9930,9 @@
               </a:defRPr>
             </a:lvl9pPr>
           </a:lstStyle>
-          <a:p/>
+          <a:p>
+            <a:endParaRPr/>
+          </a:p>
         </p:txBody>
       </p:sp>
     </p:spTree>
@@ -9858,7 +9944,7 @@
 </file>
 
 <file path=ppt/slideLayouts/slideLayout9.xml><?xml version="1.0" encoding="utf-8"?>
-<p:sldLayout xmlns:a="http://schemas.openxmlformats.org/drawingml/2006/main" xmlns:r="http://schemas.openxmlformats.org/officeDocument/2006/relationships" xmlns:p="http://schemas.openxmlformats.org/presentationml/2006/main" type="blank" matchingName="Blank">
+<p:sldLayout xmlns:a="http://schemas.openxmlformats.org/drawingml/2006/main" xmlns:r="http://schemas.openxmlformats.org/officeDocument/2006/relationships" xmlns:p="http://schemas.openxmlformats.org/presentationml/2006/main" matchingName="Blank" type="blank">
   <p:cSld name="BLANK">
     <p:spTree>
       <p:nvGrpSpPr>
@@ -9965,7 +10051,7 @@
           <p:nvPr/>
         </p:nvPicPr>
         <p:blipFill rotWithShape="1">
-          <a:blip r:embed="rId16"/>
+          <a:blip r:embed="rId17"/>
           <a:srcRect/>
           <a:stretch>
             <a:fillRect/>
@@ -10792,11 +10878,6 @@
               </a:rPr>
               <a:t>A web service for exchanging second-hand books</a:t>
             </a:r>
-            <a:endParaRPr lang="en-US" altLang="zh-CN" sz="1800" i="1" dirty="0">
-              <a:solidFill>
-                <a:schemeClr val="tx2"/>
-              </a:solidFill>
-            </a:endParaRPr>
           </a:p>
         </p:txBody>
       </p:sp>
@@ -10820,6 +10901,7 @@
           <a:bodyPr wrap="square" rtlCol="0">
             <a:spAutoFit/>
           </a:bodyPr>
+          <a:lstStyle/>
           <a:p>
             <a:pPr algn="ctr"/>
             <a:r>
@@ -10832,28 +10914,32 @@
               <a:rPr lang="en-US" altLang="zh-CN"/>
               <a:t>Tianhang Cui(tc3158), Anni Chen(ac4779), Zhenrui Chen(zc2569)</a:t>
             </a:r>
-            <a:endParaRPr lang="en-US" altLang="zh-CN"/>
           </a:p>
         </p:txBody>
       </p:sp>
       <p:pic>
         <p:nvPicPr>
-          <p:cNvPr id="8" name="Picture 7"/>
+          <p:cNvPr id="6" name="图片 5">
+            <a:extLst>
+              <a:ext uri="{FF2B5EF4-FFF2-40B4-BE49-F238E27FC236}">
+                <a16:creationId xmlns:a16="http://schemas.microsoft.com/office/drawing/2014/main" id="{4302B9AE-F63F-BB74-CDC8-B32E69B74D2F}"/>
+              </a:ext>
+            </a:extLst>
+          </p:cNvPr>
           <p:cNvPicPr>
             <a:picLocks noChangeAspect="1"/>
           </p:cNvPicPr>
           <p:nvPr/>
         </p:nvPicPr>
-        <p:blipFill>
-          <a:blip r:embed="rId1"/>
-          <a:stretch>
-            <a:fillRect/>
-          </a:stretch>
+        <p:blipFill rotWithShape="1">
+          <a:blip r:embed="rId3"/>
+          <a:srcRect b="7738"/>
+          <a:stretch/>
         </p:blipFill>
         <p:spPr>
           <a:xfrm>
-            <a:off x="1800225" y="1285875"/>
-            <a:ext cx="5755005" cy="4381500"/>
+            <a:off x="1361306" y="1310810"/>
+            <a:ext cx="6099123" cy="4364583"/>
           </a:xfrm>
           <a:prstGeom prst="rect">
             <a:avLst/>
@@ -10957,7 +11043,6 @@
               <a:rPr lang="en-US" altLang="zh-CN" sz="1600" dirty="0"/>
               <a:t>.</a:t>
             </a:r>
-            <a:endParaRPr lang="en-US" altLang="zh-CN" sz="1600" dirty="0"/>
           </a:p>
           <a:p>
             <a:endParaRPr lang="en-US" altLang="zh-CN" sz="1600" dirty="0"/>
@@ -10967,7 +11052,6 @@
               <a:rPr lang="en-US" altLang="zh-CN" sz="1600" dirty="0"/>
               <a:t>-   The attributes stored in Cognito has to be key-value(string) pair, not good for complicated data structures.</a:t>
             </a:r>
-            <a:endParaRPr lang="en-US" altLang="zh-CN" sz="1600" dirty="0"/>
           </a:p>
           <a:p>
             <a:pPr marL="285750" indent="-285750">
@@ -10978,7 +11062,6 @@
               <a:rPr lang="en-US" altLang="zh-CN" sz="1600" dirty="0"/>
               <a:t>We need to store many users’ requested/donate books, this list could be large and Cognito is not scalable as the DynamoDB.</a:t>
             </a:r>
-            <a:endParaRPr lang="en-US" altLang="zh-CN" sz="1600" dirty="0"/>
           </a:p>
           <a:p>
             <a:pPr marL="285750" indent="-285750">
@@ -10989,7 +11072,6 @@
               <a:rPr lang="en-US" altLang="zh-CN" sz="1600" dirty="0"/>
               <a:t>The DynamoDB can handle query much more efficient than Cognito</a:t>
             </a:r>
-            <a:endParaRPr lang="en-US" altLang="zh-CN" sz="1600" dirty="0"/>
           </a:p>
           <a:p>
             <a:pPr marL="285750" indent="-285750">
@@ -11000,7 +11082,6 @@
               <a:rPr lang="en-US" altLang="zh-CN" sz="1600" dirty="0"/>
               <a:t>We realized this is the pattern often done in the industry after searching the online information</a:t>
             </a:r>
-            <a:endParaRPr lang="en-US" altLang="zh-CN" sz="1600" dirty="0"/>
           </a:p>
         </p:txBody>
       </p:sp>
@@ -11021,7 +11102,14 @@
         <p:cNvGrpSpPr/>
         <p:nvPr/>
       </p:nvGrpSpPr>
-      <p:grpSpPr/>
+      <p:grpSpPr>
+        <a:xfrm>
+          <a:off x="0" y="0"/>
+          <a:ext cx="0" cy="0"/>
+          <a:chOff x="0" y="0"/>
+          <a:chExt cx="0" cy="0"/>
+        </a:xfrm>
+      </p:grpSpPr>
       <p:sp>
         <p:nvSpPr>
           <p:cNvPr id="2" name="Title 1"/>
@@ -11040,12 +11128,12 @@
         </p:spPr>
         <p:txBody>
           <a:bodyPr/>
+          <a:lstStyle/>
           <a:p>
             <a:r>
               <a:rPr lang="en-US"/>
               <a:t>Contents</a:t>
             </a:r>
-            <a:endParaRPr lang="en-US"/>
           </a:p>
         </p:txBody>
       </p:sp>
@@ -11067,41 +11155,30 @@
         </p:spPr>
         <p:txBody>
           <a:bodyPr/>
+          <a:lstStyle/>
           <a:p>
             <a:r>
               <a:rPr lang="en-US"/>
               <a:t>Motivation</a:t>
             </a:r>
-            <a:endParaRPr lang="en-US"/>
           </a:p>
           <a:p>
             <a:r>
               <a:rPr lang="en-US"/>
-              <a:t>Structure </a:t>
+              <a:t>Structure Overview</a:t>
             </a:r>
-            <a:r>
-              <a:rPr lang="en-US"/>
-              <a:t>Overview</a:t>
-            </a:r>
-            <a:endParaRPr lang="en-US"/>
           </a:p>
           <a:p>
             <a:r>
               <a:rPr lang="en-US"/>
-              <a:t>Implementation </a:t>
+              <a:t>Implementation Details</a:t>
             </a:r>
-            <a:r>
-              <a:rPr lang="en-US"/>
-              <a:t>Details</a:t>
-            </a:r>
-            <a:endParaRPr lang="en-US"/>
           </a:p>
           <a:p>
             <a:r>
               <a:rPr lang="en-US"/>
               <a:t>Some Design Choices</a:t>
             </a:r>
-            <a:endParaRPr lang="en-US"/>
           </a:p>
         </p:txBody>
       </p:sp>
@@ -11122,7 +11199,14 @@
         <p:cNvGrpSpPr/>
         <p:nvPr/>
       </p:nvGrpSpPr>
-      <p:grpSpPr/>
+      <p:grpSpPr>
+        <a:xfrm>
+          <a:off x="0" y="0"/>
+          <a:ext cx="0" cy="0"/>
+          <a:chOff x="0" y="0"/>
+          <a:chExt cx="0" cy="0"/>
+        </a:xfrm>
+      </p:grpSpPr>
       <p:sp>
         <p:nvSpPr>
           <p:cNvPr id="2" name="Title 1"/>
@@ -11141,12 +11225,12 @@
         </p:spPr>
         <p:txBody>
           <a:bodyPr/>
+          <a:lstStyle/>
           <a:p>
             <a:r>
               <a:rPr lang="en-US"/>
               <a:t>Motivation</a:t>
             </a:r>
-            <a:endParaRPr lang="en-US"/>
           </a:p>
         </p:txBody>
       </p:sp>
@@ -11168,33 +11252,30 @@
         </p:spPr>
         <p:txBody>
           <a:bodyPr/>
+          <a:lstStyle/>
           <a:p>
             <a:r>
               <a:rPr lang="en-US" sz="2000"/>
               <a:t>A platform encourages people to exchange books</a:t>
             </a:r>
-            <a:endParaRPr lang="en-US" sz="2000"/>
           </a:p>
           <a:p>
             <a:r>
               <a:rPr lang="en-US" sz="2000"/>
               <a:t>Save money to buy new books</a:t>
             </a:r>
-            <a:endParaRPr lang="en-US" sz="2000"/>
           </a:p>
           <a:p>
             <a:r>
               <a:rPr lang="en-US" sz="2000"/>
               <a:t>The more books you donate, the more books you can request from others</a:t>
             </a:r>
-            <a:endParaRPr lang="en-US" sz="2000"/>
           </a:p>
           <a:p>
             <a:r>
               <a:rPr lang="en-US" sz="2000"/>
               <a:t>Welcome users with similar interests to contact each other</a:t>
             </a:r>
-            <a:endParaRPr lang="en-US" sz="2000"/>
           </a:p>
         </p:txBody>
       </p:sp>
@@ -11262,7 +11343,7 @@
           <p:nvPr/>
         </p:nvPicPr>
         <p:blipFill>
-          <a:blip r:embed="rId1"/>
+          <a:blip r:embed="rId2"/>
           <a:stretch>
             <a:fillRect/>
           </a:stretch>
@@ -11358,7 +11439,6 @@
               <a:rPr lang="en-US" altLang="zh-CN" dirty="0"/>
               <a:t>Login/Registration Panel</a:t>
             </a:r>
-            <a:endParaRPr lang="en-US" altLang="zh-CN" dirty="0"/>
           </a:p>
           <a:p>
             <a:r>
@@ -11369,30 +11449,6 @@
           </a:p>
         </p:txBody>
       </p:sp>
-      <p:pic>
-        <p:nvPicPr>
-          <p:cNvPr id="7" name="图片 6"/>
-          <p:cNvPicPr>
-            <a:picLocks noChangeAspect="1"/>
-          </p:cNvPicPr>
-          <p:nvPr/>
-        </p:nvPicPr>
-        <p:blipFill>
-          <a:blip r:embed="rId1"/>
-          <a:stretch>
-            <a:fillRect/>
-          </a:stretch>
-        </p:blipFill>
-        <p:spPr>
-          <a:xfrm>
-            <a:off x="3575152" y="1555164"/>
-            <a:ext cx="5472545" cy="5127314"/>
-          </a:xfrm>
-          <a:prstGeom prst="rect">
-            <a:avLst/>
-          </a:prstGeom>
-        </p:spPr>
-      </p:pic>
       <p:pic>
         <p:nvPicPr>
           <p:cNvPr id="8" name="图片 7"/>
@@ -11470,6 +11526,7 @@
           <a:bodyPr wrap="square" rtlCol="0">
             <a:spAutoFit/>
           </a:bodyPr>
+          <a:lstStyle/>
           <a:p>
             <a:pPr algn="ctr"/>
             <a:r>
@@ -11480,14 +11537,38 @@
               </a:rPr>
               <a:t>Login</a:t>
             </a:r>
-            <a:endParaRPr lang="en-US" sz="2400" b="1" i="1">
-              <a:solidFill>
-                <a:schemeClr val="tx2"/>
-              </a:solidFill>
-            </a:endParaRPr>
           </a:p>
         </p:txBody>
       </p:sp>
+      <p:pic>
+        <p:nvPicPr>
+          <p:cNvPr id="11" name="图片 10">
+            <a:extLst>
+              <a:ext uri="{FF2B5EF4-FFF2-40B4-BE49-F238E27FC236}">
+                <a16:creationId xmlns:a16="http://schemas.microsoft.com/office/drawing/2014/main" id="{B9CDDFA5-D4B7-F36F-61D7-12F58209EEA7}"/>
+              </a:ext>
+            </a:extLst>
+          </p:cNvPr>
+          <p:cNvPicPr>
+            <a:picLocks noChangeAspect="1"/>
+          </p:cNvPicPr>
+          <p:nvPr/>
+        </p:nvPicPr>
+        <p:blipFill rotWithShape="1">
+          <a:blip r:embed="rId3"/>
+          <a:srcRect b="7738"/>
+          <a:stretch/>
+        </p:blipFill>
+        <p:spPr>
+          <a:xfrm>
+            <a:off x="3574714" y="1732280"/>
+            <a:ext cx="5404785" cy="3867709"/>
+          </a:xfrm>
+          <a:prstGeom prst="rect">
+            <a:avLst/>
+          </a:prstGeom>
+        </p:spPr>
+      </p:pic>
     </p:spTree>
   </p:cSld>
   <p:clrMapOvr>
@@ -11625,11 +11706,6 @@
               </a:rPr>
               <a:t>Using API Gateway to pass the photos directly to a S3 bucket</a:t>
             </a:r>
-            <a:endParaRPr lang="en-US" altLang="zh-CN" sz="1200" dirty="0">
-              <a:solidFill>
-                <a:schemeClr val="bg1"/>
-              </a:solidFill>
-            </a:endParaRPr>
           </a:p>
           <a:p>
             <a:pPr marL="285750" indent="-285750">
@@ -11655,11 +11731,6 @@
               </a:rPr>
               <a:t>Using a Lambda Function to add the donation information to DynamoDB and OpenSearch.</a:t>
             </a:r>
-            <a:endParaRPr lang="en-US" altLang="zh-CN" sz="1200" dirty="0">
-              <a:solidFill>
-                <a:schemeClr val="bg1"/>
-              </a:solidFill>
-            </a:endParaRPr>
           </a:p>
           <a:p>
             <a:pPr marL="285750" indent="-285750">
@@ -11718,7 +11789,7 @@
           <p:nvPr/>
         </p:nvPicPr>
         <p:blipFill>
-          <a:blip r:embed="rId1">
+          <a:blip r:embed="rId2">
             <a:extLst>
               <a:ext uri="{28A0092B-C50C-407E-A947-70E740481C1C}">
                 <a14:useLocalDpi xmlns:a14="http://schemas.microsoft.com/office/drawing/2010/main" val="0"/>
@@ -11748,7 +11819,7 @@
           <p:nvPr/>
         </p:nvPicPr>
         <p:blipFill>
-          <a:blip r:embed="rId2"/>
+          <a:blip r:embed="rId3"/>
           <a:stretch>
             <a:fillRect/>
           </a:stretch>
@@ -11783,6 +11854,7 @@
           <a:bodyPr wrap="square" rtlCol="0">
             <a:spAutoFit/>
           </a:bodyPr>
+          <a:lstStyle/>
           <a:p>
             <a:pPr algn="ctr"/>
             <a:r>
@@ -11793,11 +11865,6 @@
               </a:rPr>
               <a:t>Donate a second-hand book</a:t>
             </a:r>
-            <a:endParaRPr lang="en-US" sz="2400" b="1" i="1">
-              <a:solidFill>
-                <a:schemeClr val="tx2"/>
-              </a:solidFill>
-            </a:endParaRPr>
           </a:p>
         </p:txBody>
       </p:sp>
@@ -11918,7 +11985,7 @@
           </p:nvPr>
         </p:nvPicPr>
         <p:blipFill>
-          <a:blip r:embed="rId2"/>
+          <a:blip r:embed="rId3"/>
           <a:srcRect l="4856" t="2435" b="12329"/>
           <a:stretch>
             <a:fillRect/>
@@ -11970,13 +12037,6 @@
               </a:rPr>
               <a:t>Determine whether the user has enough credits to make request</a:t>
             </a:r>
-            <a:endParaRPr lang="en-US" altLang="zh-CN" sz="1200">
-              <a:solidFill>
-                <a:schemeClr val="accent1"/>
-              </a:solidFill>
-              <a:latin typeface="+mj-lt"/>
-              <a:cs typeface="+mj-lt"/>
-            </a:endParaRPr>
           </a:p>
           <a:p>
             <a:pPr marL="285750" indent="-285750">
@@ -12006,13 +12066,6 @@
               </a:rPr>
               <a:t>Once successful requested, update user history (add book_id)</a:t>
             </a:r>
-            <a:endParaRPr lang="en-US" altLang="zh-CN" sz="1200">
-              <a:solidFill>
-                <a:schemeClr val="accent1"/>
-              </a:solidFill>
-              <a:latin typeface="+mj-lt"/>
-              <a:cs typeface="+mj-lt"/>
-            </a:endParaRPr>
           </a:p>
           <a:p>
             <a:pPr marL="285750" indent="-285750">
@@ -12042,13 +12095,6 @@
               </a:rPr>
               <a:t>Update book information to set status=’unavailable’, so it will no longer be searched</a:t>
             </a:r>
-            <a:endParaRPr lang="en-US" altLang="zh-CN" sz="1200">
-              <a:solidFill>
-                <a:schemeClr val="accent1"/>
-              </a:solidFill>
-              <a:latin typeface="+mj-lt"/>
-              <a:cs typeface="+mj-lt"/>
-            </a:endParaRPr>
           </a:p>
           <a:p>
             <a:pPr marL="285750" indent="-285750">
@@ -12085,6 +12131,7 @@
           <a:bodyPr wrap="square" rtlCol="0">
             <a:spAutoFit/>
           </a:bodyPr>
+          <a:lstStyle/>
           <a:p>
             <a:pPr algn="ctr"/>
             <a:r>
@@ -12095,11 +12142,6 @@
               </a:rPr>
               <a:t>Request a second-hand book</a:t>
             </a:r>
-            <a:endParaRPr lang="en-US" sz="2400" b="1" i="1">
-              <a:solidFill>
-                <a:schemeClr val="tx2"/>
-              </a:solidFill>
-            </a:endParaRPr>
           </a:p>
         </p:txBody>
       </p:sp>
@@ -12112,7 +12154,7 @@
           <p:nvPr/>
         </p:nvPicPr>
         <p:blipFill>
-          <a:blip r:embed="rId3"/>
+          <a:blip r:embed="rId4"/>
           <a:stretch>
             <a:fillRect/>
           </a:stretch>
@@ -12180,6 +12222,7 @@
           <a:bodyPr wrap="square" rtlCol="0">
             <a:spAutoFit/>
           </a:bodyPr>
+          <a:lstStyle/>
           <a:p>
             <a:r>
               <a:rPr lang="en-US" altLang="zh-CN" dirty="0"/>
@@ -12370,14 +12413,6 @@
               </a:rPr>
               <a:t>Using API Gateway to pass the query infomation from frontend input to lambda function</a:t>
             </a:r>
-            <a:endParaRPr lang="en-US" altLang="zh-CN" sz="1200" dirty="0">
-              <a:solidFill>
-                <a:schemeClr val="bg1"/>
-              </a:solidFill>
-              <a:latin typeface="Arial" panose="020B0604020202020204" pitchFamily="34" charset="0"/>
-              <a:cs typeface="Arial" panose="020B0604020202020204" pitchFamily="34" charset="0"/>
-              <a:sym typeface="+mn-ea"/>
-            </a:endParaRPr>
           </a:p>
           <a:p>
             <a:pPr marL="285750" indent="-285750">
@@ -12409,14 +12444,6 @@
               </a:rPr>
               <a:t>Using a lambda function to query corrsponding available donation books ftom DynamoDB through OpenSearch.</a:t>
             </a:r>
-            <a:endParaRPr lang="en-US" altLang="zh-CN" sz="1200" dirty="0">
-              <a:solidFill>
-                <a:schemeClr val="bg1"/>
-              </a:solidFill>
-              <a:latin typeface="Arial" panose="020B0604020202020204" pitchFamily="34" charset="0"/>
-              <a:cs typeface="Arial" panose="020B0604020202020204" pitchFamily="34" charset="0"/>
-              <a:sym typeface="+mn-ea"/>
-            </a:endParaRPr>
           </a:p>
           <a:p>
             <a:pPr marL="285750" indent="-285750">
@@ -12448,14 +12475,6 @@
               </a:rPr>
               <a:t>The lambda function also automatically get the book cover by using Open Library API and upload pic from S3</a:t>
             </a:r>
-            <a:endParaRPr lang="en-US" altLang="zh-CN" sz="1200" dirty="0">
-              <a:solidFill>
-                <a:schemeClr val="bg1"/>
-              </a:solidFill>
-              <a:latin typeface="Arial" panose="020B0604020202020204" pitchFamily="34" charset="0"/>
-              <a:cs typeface="Arial" panose="020B0604020202020204" pitchFamily="34" charset="0"/>
-              <a:sym typeface="+mn-ea"/>
-            </a:endParaRPr>
           </a:p>
           <a:p>
             <a:pPr marL="285750" indent="-285750">
@@ -12485,13 +12504,6 @@
               </a:rPr>
               <a:t>Frontend get the response from the image and display it under the search bar</a:t>
             </a:r>
-            <a:endParaRPr lang="en-US" sz="1200">
-              <a:solidFill>
-                <a:schemeClr val="bg1"/>
-              </a:solidFill>
-              <a:latin typeface="Arial" panose="020B0604020202020204" pitchFamily="34" charset="0"/>
-              <a:cs typeface="Arial" panose="020B0604020202020204" pitchFamily="34" charset="0"/>
-            </a:endParaRPr>
           </a:p>
         </p:txBody>
       </p:sp>
@@ -12504,7 +12516,7 @@
           <p:nvPr/>
         </p:nvPicPr>
         <p:blipFill>
-          <a:blip r:embed="rId1"/>
+          <a:blip r:embed="rId2"/>
           <a:stretch>
             <a:fillRect/>
           </a:stretch>
@@ -12528,7 +12540,7 @@
           <p:nvPr/>
         </p:nvPicPr>
         <p:blipFill rotWithShape="1">
-          <a:blip r:embed="rId2"/>
+          <a:blip r:embed="rId3"/>
           <a:srcRect t="2754"/>
           <a:stretch>
             <a:fillRect/>
@@ -12553,7 +12565,7 @@
           <p:nvPr/>
         </p:nvPicPr>
         <p:blipFill>
-          <a:blip r:embed="rId3"/>
+          <a:blip r:embed="rId4"/>
           <a:stretch>
             <a:fillRect/>
           </a:stretch>
@@ -12588,6 +12600,7 @@
           <a:bodyPr wrap="square" rtlCol="0">
             <a:spAutoFit/>
           </a:bodyPr>
+          <a:lstStyle/>
           <a:p>
             <a:pPr algn="ctr"/>
             <a:r>
@@ -12598,11 +12611,6 @@
               </a:rPr>
               <a:t>Search for a donated book</a:t>
             </a:r>
-            <a:endParaRPr lang="en-US" sz="2400" b="1" i="1">
-              <a:solidFill>
-                <a:schemeClr val="tx2"/>
-              </a:solidFill>
-            </a:endParaRPr>
           </a:p>
         </p:txBody>
       </p:sp>
@@ -12657,7 +12665,6 @@
               <a:rPr lang="en-US" sz="4000" dirty="0"/>
               <a:t>Implementation Details</a:t>
             </a:r>
-            <a:endParaRPr lang="en-US" sz="4000" dirty="0"/>
           </a:p>
         </p:txBody>
       </p:sp>
@@ -12718,7 +12725,7 @@
           <p:nvPr/>
         </p:nvPicPr>
         <p:blipFill>
-          <a:blip r:embed="rId1"/>
+          <a:blip r:embed="rId2"/>
           <a:stretch>
             <a:fillRect/>
           </a:stretch>
@@ -12742,7 +12749,7 @@
           <p:nvPr/>
         </p:nvPicPr>
         <p:blipFill>
-          <a:blip r:embed="rId2"/>
+          <a:blip r:embed="rId3"/>
           <a:stretch>
             <a:fillRect/>
           </a:stretch>
@@ -12766,7 +12773,7 @@
           <p:nvPr/>
         </p:nvPicPr>
         <p:blipFill>
-          <a:blip r:embed="rId3"/>
+          <a:blip r:embed="rId4"/>
           <a:stretch>
             <a:fillRect/>
           </a:stretch>
@@ -12896,14 +12903,6 @@
               </a:rPr>
               <a:t>When the user chooses to add a book to their favorite list, the count of favorite’ for that book will increase by 1 and the book is removed when the user double click</a:t>
             </a:r>
-            <a:endParaRPr lang="en-US" altLang="zh-CN" sz="1200" b="0" i="0" u="none" strike="noStrike" dirty="0">
-              <a:solidFill>
-                <a:schemeClr val="accent1"/>
-              </a:solidFill>
-              <a:effectLst/>
-              <a:latin typeface="Arial" panose="020B0604020202020204" pitchFamily="34" charset="0"/>
-              <a:cs typeface="Arial" panose="020B0604020202020204" pitchFamily="34" charset="0"/>
-            </a:endParaRPr>
           </a:p>
         </p:txBody>
       </p:sp>
@@ -12927,6 +12926,7 @@
           <a:bodyPr wrap="square" rtlCol="0">
             <a:spAutoFit/>
           </a:bodyPr>
+          <a:lstStyle/>
           <a:p>
             <a:pPr algn="ctr"/>
             <a:r>
@@ -12937,11 +12937,6 @@
               </a:rPr>
               <a:t>Show user’s info &amp; add to favorite list</a:t>
             </a:r>
-            <a:endParaRPr lang="en-US" sz="2400" b="1" i="1">
-              <a:solidFill>
-                <a:schemeClr val="tx2"/>
-              </a:solidFill>
-            </a:endParaRPr>
           </a:p>
         </p:txBody>
       </p:sp>
@@ -12954,14 +12949,14 @@
 </file>
 
 <file path=ppt/tags/tag1.xml><?xml version="1.0" encoding="utf-8"?>
-<p:tagLst xmlns:p="http://schemas.openxmlformats.org/presentationml/2006/main">
-  <p:tag name="KSO_WM_UNIT_PLACING_PICTURE_USER_VIEWPORT" val="{&quot;height&quot;:6853,&quot;width&quot;:7396}"/>
+<p:tagLst xmlns:a="http://schemas.openxmlformats.org/drawingml/2006/main" xmlns:r="http://schemas.openxmlformats.org/officeDocument/2006/relationships" xmlns:p="http://schemas.openxmlformats.org/presentationml/2006/main">
+  <p:tag name="COMMONDATA" val="eyJoZGlkIjoiMjAxNWI3YzFlYzE0N2ZkYzBlN2VjYmRmNTNiMjJjYmUifQ=="/>
 </p:tagLst>
 </file>
 
 <file path=ppt/tags/tag2.xml><?xml version="1.0" encoding="utf-8"?>
-<p:tagLst xmlns:p="http://schemas.openxmlformats.org/presentationml/2006/main">
-  <p:tag name="COMMONDATA" val="eyJoZGlkIjoiMjAxNWI3YzFlYzE0N2ZkYzBlN2VjYmRmNTNiMjJjYmUifQ=="/>
+<p:tagLst xmlns:a="http://schemas.openxmlformats.org/drawingml/2006/main" xmlns:r="http://schemas.openxmlformats.org/officeDocument/2006/relationships" xmlns:p="http://schemas.openxmlformats.org/presentationml/2006/main">
+  <p:tag name="KSO_WM_UNIT_PLACING_PICTURE_USER_VIEWPORT" val="{&quot;height&quot;:6853,&quot;width&quot;:7396}"/>
 </p:tagLst>
 </file>
 
@@ -13241,6 +13236,8 @@
       </a:bgFillStyleLst>
     </a:fmtScheme>
   </a:themeElements>
+  <a:objectDefaults/>
+  <a:extraClrSchemeLst/>
   <a:extLst>
     <a:ext uri="{05A4C25C-085E-4340-85A3-A5531E510DB2}">
       <thm15:themeFamily xmlns:thm15="http://schemas.microsoft.com/office/thememl/2012/main" name="Office Theme" id="{62F939B6-93AF-4DB8-9C6B-D6C7DFDC589F}" vid="{4A3C46E8-61CC-4603-A589-7422A47A8E4A}"/>
@@ -13525,6 +13522,8 @@
       </a:bgFillStyleLst>
     </a:fmtScheme>
   </a:themeElements>
+  <a:objectDefaults/>
+  <a:extraClrSchemeLst/>
   <a:extLst>
     <a:ext uri="{05A4C25C-085E-4340-85A3-A5531E510DB2}">
       <thm15:themeFamily xmlns:thm15="http://schemas.microsoft.com/office/thememl/2012/main" name="Office Theme" id="{62F939B6-93AF-4DB8-9C6B-D6C7DFDC589F}" vid="{4A3C46E8-61CC-4603-A589-7422A47A8E4A}"/>

--- a/presentation-book-exchange.pptx
+++ b/presentation-book-exchange.pptx
@@ -7761,10 +7761,10 @@
       </p:sp>
       <p:pic>
         <p:nvPicPr>
-          <p:cNvPr id="5" name="Picture 4">
+          <p:cNvPr id="3" name="Picture 2">
             <a:extLst>
               <a:ext uri="{FF2B5EF4-FFF2-40B4-BE49-F238E27FC236}">
-                <a16:creationId xmlns:a16="http://schemas.microsoft.com/office/drawing/2014/main" id="{76C652D2-0987-B21A-B2E3-AB57BFE49C8F}"/>
+                <a16:creationId xmlns:a16="http://schemas.microsoft.com/office/drawing/2014/main" id="{A78FF75D-F908-471D-FC38-067FEEEBCAAC}"/>
               </a:ext>
             </a:extLst>
           </p:cNvPr>
@@ -7781,8 +7781,8 @@
         </p:blipFill>
         <p:spPr>
           <a:xfrm>
-            <a:off x="2131729" y="794044"/>
-            <a:ext cx="7231053" cy="5718598"/>
+            <a:off x="2558076" y="754632"/>
+            <a:ext cx="7023490" cy="5811006"/>
           </a:xfrm>
           <a:prstGeom prst="rect">
             <a:avLst/>
@@ -8386,30 +8386,6 @@
           </a:p>
         </p:txBody>
       </p:sp>
-      <p:pic>
-        <p:nvPicPr>
-          <p:cNvPr id="11" name="Picture 10" descr="SearchService.drawio"/>
-          <p:cNvPicPr>
-            <a:picLocks noChangeAspect="1"/>
-          </p:cNvPicPr>
-          <p:nvPr/>
-        </p:nvPicPr>
-        <p:blipFill>
-          <a:blip r:embed="rId3"/>
-          <a:stretch>
-            <a:fillRect/>
-          </a:stretch>
-        </p:blipFill>
-        <p:spPr>
-          <a:xfrm>
-            <a:off x="817421" y="1623695"/>
-            <a:ext cx="2709541" cy="4221480"/>
-          </a:xfrm>
-          <a:prstGeom prst="rect">
-            <a:avLst/>
-          </a:prstGeom>
-        </p:spPr>
-      </p:pic>
       <p:sp>
         <p:nvSpPr>
           <p:cNvPr id="6" name="Text Box 5"/>
@@ -8467,7 +8443,7 @@
           <p:nvPr/>
         </p:nvPicPr>
         <p:blipFill>
-          <a:blip r:embed="rId4"/>
+          <a:blip r:embed="rId3"/>
           <a:stretch>
             <a:fillRect/>
           </a:stretch>
@@ -8529,6 +8505,36 @@
           </a:fontRef>
         </p:style>
       </p:cxnSp>
+      <p:pic>
+        <p:nvPicPr>
+          <p:cNvPr id="7" name="Picture 6">
+            <a:extLst>
+              <a:ext uri="{FF2B5EF4-FFF2-40B4-BE49-F238E27FC236}">
+                <a16:creationId xmlns:a16="http://schemas.microsoft.com/office/drawing/2014/main" id="{A5D370A5-A07F-0D9B-8987-7A48F42E0169}"/>
+              </a:ext>
+            </a:extLst>
+          </p:cNvPr>
+          <p:cNvPicPr>
+            <a:picLocks noChangeAspect="1"/>
+          </p:cNvPicPr>
+          <p:nvPr/>
+        </p:nvPicPr>
+        <p:blipFill>
+          <a:blip r:embed="rId4"/>
+          <a:stretch>
+            <a:fillRect/>
+          </a:stretch>
+        </p:blipFill>
+        <p:spPr>
+          <a:xfrm>
+            <a:off x="703618" y="1502093"/>
+            <a:ext cx="2700469" cy="4177216"/>
+          </a:xfrm>
+          <a:prstGeom prst="rect">
+            <a:avLst/>
+          </a:prstGeom>
+        </p:spPr>
+      </p:pic>
     </p:spTree>
   </p:cSld>
   <p:clrMapOvr>

--- a/presentation-book-exchange.pptx
+++ b/presentation-book-exchange.pptx
@@ -9874,7 +9874,7 @@
                   </a:schemeClr>
                 </a:solidFill>
               </a:rPr>
-              <a:t>Given the current expected number of users (~10000 users in total) too large, it seems okay to get all the books fulfilled the search request and then filter out those unavailable.</a:t>
+              <a:t>Given the current expected number of users (~10000 users in total) is not too large, it seems okay to get all the books fulfilled the search request and then filter out those unavailable.</a:t>
             </a:r>
           </a:p>
           <a:p>

--- a/presentation-book-exchange.pptx
+++ b/presentation-book-exchange.pptx
@@ -1693,7 +1693,7 @@
           <a:p>
             <a:fld id="{C764DE79-268F-4C1A-8933-263129D2AF90}" type="datetimeFigureOut">
               <a:rPr lang="en-US" smtClean="0"/>
-              <a:t>5/10/2022</a:t>
+              <a:t>5/12/2022</a:t>
             </a:fld>
             <a:endParaRPr lang="en-US" dirty="0"/>
           </a:p>
@@ -1974,7 +1974,7 @@
           <a:p>
             <a:fld id="{C764DE79-268F-4C1A-8933-263129D2AF90}" type="datetimeFigureOut">
               <a:rPr lang="en-US" smtClean="0"/>
-              <a:t>5/10/2022</a:t>
+              <a:t>5/12/2022</a:t>
             </a:fld>
             <a:endParaRPr lang="en-US" dirty="0"/>
           </a:p>
@@ -2167,7 +2167,7 @@
           <a:p>
             <a:fld id="{C764DE79-268F-4C1A-8933-263129D2AF90}" type="datetimeFigureOut">
               <a:rPr lang="en-US" smtClean="0"/>
-              <a:t>5/10/2022</a:t>
+              <a:t>5/12/2022</a:t>
             </a:fld>
             <a:endParaRPr lang="en-US" dirty="0"/>
           </a:p>
@@ -2429,7 +2429,7 @@
           <a:p>
             <a:fld id="{C764DE79-268F-4C1A-8933-263129D2AF90}" type="datetimeFigureOut">
               <a:rPr lang="en-US" smtClean="0"/>
-              <a:t>5/10/2022</a:t>
+              <a:t>5/12/2022</a:t>
             </a:fld>
             <a:endParaRPr lang="en-US" dirty="0"/>
           </a:p>
@@ -2856,7 +2856,7 @@
           <a:p>
             <a:fld id="{C764DE79-268F-4C1A-8933-263129D2AF90}" type="datetimeFigureOut">
               <a:rPr lang="en-US" smtClean="0"/>
-              <a:t>5/10/2022</a:t>
+              <a:t>5/12/2022</a:t>
             </a:fld>
             <a:endParaRPr lang="en-US" dirty="0"/>
           </a:p>
@@ -3403,7 +3403,7 @@
           <a:p>
             <a:fld id="{C764DE79-268F-4C1A-8933-263129D2AF90}" type="datetimeFigureOut">
               <a:rPr lang="en-US" smtClean="0"/>
-              <a:t>5/10/2022</a:t>
+              <a:t>5/12/2022</a:t>
             </a:fld>
             <a:endParaRPr lang="en-US" dirty="0"/>
           </a:p>
@@ -4235,7 +4235,7 @@
           <a:p>
             <a:fld id="{C764DE79-268F-4C1A-8933-263129D2AF90}" type="datetimeFigureOut">
               <a:rPr lang="en-US" smtClean="0"/>
-              <a:t>5/10/2022</a:t>
+              <a:t>5/12/2022</a:t>
             </a:fld>
             <a:endParaRPr lang="en-US" dirty="0"/>
           </a:p>
@@ -4406,7 +4406,7 @@
           <a:p>
             <a:fld id="{C764DE79-268F-4C1A-8933-263129D2AF90}" type="datetimeFigureOut">
               <a:rPr lang="en-US" smtClean="0"/>
-              <a:t>5/10/2022</a:t>
+              <a:t>5/12/2022</a:t>
             </a:fld>
             <a:endParaRPr lang="en-US" dirty="0"/>
           </a:p>
@@ -4586,7 +4586,7 @@
           <a:p>
             <a:fld id="{C764DE79-268F-4C1A-8933-263129D2AF90}" type="datetimeFigureOut">
               <a:rPr lang="en-US" smtClean="0"/>
-              <a:t>5/10/2022</a:t>
+              <a:t>5/12/2022</a:t>
             </a:fld>
             <a:endParaRPr lang="en-US" dirty="0"/>
           </a:p>
@@ -4756,7 +4756,7 @@
           <a:p>
             <a:fld id="{C764DE79-268F-4C1A-8933-263129D2AF90}" type="datetimeFigureOut">
               <a:rPr lang="en-US" smtClean="0"/>
-              <a:t>5/10/2022</a:t>
+              <a:t>5/12/2022</a:t>
             </a:fld>
             <a:endParaRPr lang="en-US" dirty="0"/>
           </a:p>
@@ -5013,7 +5013,7 @@
           <a:p>
             <a:fld id="{C764DE79-268F-4C1A-8933-263129D2AF90}" type="datetimeFigureOut">
               <a:rPr lang="en-US" smtClean="0"/>
-              <a:t>5/10/2022</a:t>
+              <a:t>5/12/2022</a:t>
             </a:fld>
             <a:endParaRPr lang="en-US" dirty="0"/>
           </a:p>
@@ -5245,7 +5245,7 @@
           <a:p>
             <a:fld id="{C764DE79-268F-4C1A-8933-263129D2AF90}" type="datetimeFigureOut">
               <a:rPr lang="en-US" smtClean="0"/>
-              <a:t>5/10/2022</a:t>
+              <a:t>5/12/2022</a:t>
             </a:fld>
             <a:endParaRPr lang="en-US" dirty="0"/>
           </a:p>
@@ -5638,7 +5638,7 @@
           <a:p>
             <a:fld id="{C764DE79-268F-4C1A-8933-263129D2AF90}" type="datetimeFigureOut">
               <a:rPr lang="en-US" smtClean="0"/>
-              <a:t>5/10/2022</a:t>
+              <a:t>5/12/2022</a:t>
             </a:fld>
             <a:endParaRPr lang="en-US" dirty="0"/>
           </a:p>
@@ -5756,7 +5756,7 @@
           <a:p>
             <a:fld id="{C764DE79-268F-4C1A-8933-263129D2AF90}" type="datetimeFigureOut">
               <a:rPr lang="en-US" smtClean="0"/>
-              <a:t>5/10/2022</a:t>
+              <a:t>5/12/2022</a:t>
             </a:fld>
             <a:endParaRPr lang="en-US" dirty="0"/>
           </a:p>
@@ -5851,7 +5851,7 @@
           <a:p>
             <a:fld id="{C764DE79-268F-4C1A-8933-263129D2AF90}" type="datetimeFigureOut">
               <a:rPr lang="en-US" smtClean="0"/>
-              <a:t>5/10/2022</a:t>
+              <a:t>5/12/2022</a:t>
             </a:fld>
             <a:endParaRPr lang="en-US" dirty="0"/>
           </a:p>
@@ -6124,7 +6124,7 @@
           <a:p>
             <a:fld id="{C764DE79-268F-4C1A-8933-263129D2AF90}" type="datetimeFigureOut">
               <a:rPr lang="en-US" smtClean="0"/>
-              <a:t>5/10/2022</a:t>
+              <a:t>5/12/2022</a:t>
             </a:fld>
             <a:endParaRPr lang="en-US" dirty="0"/>
           </a:p>
@@ -6405,7 +6405,7 @@
           <a:p>
             <a:fld id="{C764DE79-268F-4C1A-8933-263129D2AF90}" type="datetimeFigureOut">
               <a:rPr lang="en-US" smtClean="0"/>
-              <a:t>5/10/2022</a:t>
+              <a:t>5/12/2022</a:t>
             </a:fld>
             <a:endParaRPr lang="en-US" dirty="0"/>
           </a:p>
@@ -6646,7 +6646,7 @@
           <a:p>
             <a:fld id="{C764DE79-268F-4C1A-8933-263129D2AF90}" type="datetimeFigureOut">
               <a:rPr lang="en-US" smtClean="0"/>
-              <a:t>5/10/2022</a:t>
+              <a:t>5/12/2022</a:t>
             </a:fld>
             <a:endParaRPr lang="en-US" dirty="0"/>
           </a:p>
@@ -9810,7 +9810,7 @@
           <a:p>
             <a:r>
               <a:rPr lang="en-US" altLang="zh-CN" sz="2400" dirty="0"/>
-              <a:t>We does not use OpenSearch to store the availability of the book (i.e. already rent/available for request)</a:t>
+              <a:t>We do not use OpenSearch to store the availability of the book (i.e. already rent/available for request)</a:t>
             </a:r>
           </a:p>
           <a:p>

--- a/presentation-book-exchange.pptx
+++ b/presentation-book-exchange.pptx
@@ -13,8 +13,8 @@
     <p:sldId id="262" r:id="rId4"/>
     <p:sldId id="264" r:id="rId5"/>
     <p:sldId id="263" r:id="rId6"/>
-    <p:sldId id="268" r:id="rId7"/>
-    <p:sldId id="265" r:id="rId8"/>
+    <p:sldId id="265" r:id="rId7"/>
+    <p:sldId id="268" r:id="rId8"/>
     <p:sldId id="267" r:id="rId9"/>
   </p:sldIdLst>
   <p:sldSz cx="12192000" cy="6858000"/>
@@ -1693,7 +1693,7 @@
           <a:p>
             <a:fld id="{C764DE79-268F-4C1A-8933-263129D2AF90}" type="datetimeFigureOut">
               <a:rPr lang="en-US" smtClean="0"/>
-              <a:t>5/12/2022</a:t>
+              <a:t>5/14/2022</a:t>
             </a:fld>
             <a:endParaRPr lang="en-US" dirty="0"/>
           </a:p>
@@ -1974,7 +1974,7 @@
           <a:p>
             <a:fld id="{C764DE79-268F-4C1A-8933-263129D2AF90}" type="datetimeFigureOut">
               <a:rPr lang="en-US" smtClean="0"/>
-              <a:t>5/12/2022</a:t>
+              <a:t>5/14/2022</a:t>
             </a:fld>
             <a:endParaRPr lang="en-US" dirty="0"/>
           </a:p>
@@ -2167,7 +2167,7 @@
           <a:p>
             <a:fld id="{C764DE79-268F-4C1A-8933-263129D2AF90}" type="datetimeFigureOut">
               <a:rPr lang="en-US" smtClean="0"/>
-              <a:t>5/12/2022</a:t>
+              <a:t>5/14/2022</a:t>
             </a:fld>
             <a:endParaRPr lang="en-US" dirty="0"/>
           </a:p>
@@ -2429,7 +2429,7 @@
           <a:p>
             <a:fld id="{C764DE79-268F-4C1A-8933-263129D2AF90}" type="datetimeFigureOut">
               <a:rPr lang="en-US" smtClean="0"/>
-              <a:t>5/12/2022</a:t>
+              <a:t>5/14/2022</a:t>
             </a:fld>
             <a:endParaRPr lang="en-US" dirty="0"/>
           </a:p>
@@ -2856,7 +2856,7 @@
           <a:p>
             <a:fld id="{C764DE79-268F-4C1A-8933-263129D2AF90}" type="datetimeFigureOut">
               <a:rPr lang="en-US" smtClean="0"/>
-              <a:t>5/12/2022</a:t>
+              <a:t>5/14/2022</a:t>
             </a:fld>
             <a:endParaRPr lang="en-US" dirty="0"/>
           </a:p>
@@ -3403,7 +3403,7 @@
           <a:p>
             <a:fld id="{C764DE79-268F-4C1A-8933-263129D2AF90}" type="datetimeFigureOut">
               <a:rPr lang="en-US" smtClean="0"/>
-              <a:t>5/12/2022</a:t>
+              <a:t>5/14/2022</a:t>
             </a:fld>
             <a:endParaRPr lang="en-US" dirty="0"/>
           </a:p>
@@ -4235,7 +4235,7 @@
           <a:p>
             <a:fld id="{C764DE79-268F-4C1A-8933-263129D2AF90}" type="datetimeFigureOut">
               <a:rPr lang="en-US" smtClean="0"/>
-              <a:t>5/12/2022</a:t>
+              <a:t>5/14/2022</a:t>
             </a:fld>
             <a:endParaRPr lang="en-US" dirty="0"/>
           </a:p>
@@ -4406,7 +4406,7 @@
           <a:p>
             <a:fld id="{C764DE79-268F-4C1A-8933-263129D2AF90}" type="datetimeFigureOut">
               <a:rPr lang="en-US" smtClean="0"/>
-              <a:t>5/12/2022</a:t>
+              <a:t>5/14/2022</a:t>
             </a:fld>
             <a:endParaRPr lang="en-US" dirty="0"/>
           </a:p>
@@ -4586,7 +4586,7 @@
           <a:p>
             <a:fld id="{C764DE79-268F-4C1A-8933-263129D2AF90}" type="datetimeFigureOut">
               <a:rPr lang="en-US" smtClean="0"/>
-              <a:t>5/12/2022</a:t>
+              <a:t>5/14/2022</a:t>
             </a:fld>
             <a:endParaRPr lang="en-US" dirty="0"/>
           </a:p>
@@ -4756,7 +4756,7 @@
           <a:p>
             <a:fld id="{C764DE79-268F-4C1A-8933-263129D2AF90}" type="datetimeFigureOut">
               <a:rPr lang="en-US" smtClean="0"/>
-              <a:t>5/12/2022</a:t>
+              <a:t>5/14/2022</a:t>
             </a:fld>
             <a:endParaRPr lang="en-US" dirty="0"/>
           </a:p>
@@ -5013,7 +5013,7 @@
           <a:p>
             <a:fld id="{C764DE79-268F-4C1A-8933-263129D2AF90}" type="datetimeFigureOut">
               <a:rPr lang="en-US" smtClean="0"/>
-              <a:t>5/12/2022</a:t>
+              <a:t>5/14/2022</a:t>
             </a:fld>
             <a:endParaRPr lang="en-US" dirty="0"/>
           </a:p>
@@ -5245,7 +5245,7 @@
           <a:p>
             <a:fld id="{C764DE79-268F-4C1A-8933-263129D2AF90}" type="datetimeFigureOut">
               <a:rPr lang="en-US" smtClean="0"/>
-              <a:t>5/12/2022</a:t>
+              <a:t>5/14/2022</a:t>
             </a:fld>
             <a:endParaRPr lang="en-US" dirty="0"/>
           </a:p>
@@ -5638,7 +5638,7 @@
           <a:p>
             <a:fld id="{C764DE79-268F-4C1A-8933-263129D2AF90}" type="datetimeFigureOut">
               <a:rPr lang="en-US" smtClean="0"/>
-              <a:t>5/12/2022</a:t>
+              <a:t>5/14/2022</a:t>
             </a:fld>
             <a:endParaRPr lang="en-US" dirty="0"/>
           </a:p>
@@ -5756,7 +5756,7 @@
           <a:p>
             <a:fld id="{C764DE79-268F-4C1A-8933-263129D2AF90}" type="datetimeFigureOut">
               <a:rPr lang="en-US" smtClean="0"/>
-              <a:t>5/12/2022</a:t>
+              <a:t>5/14/2022</a:t>
             </a:fld>
             <a:endParaRPr lang="en-US" dirty="0"/>
           </a:p>
@@ -5851,7 +5851,7 @@
           <a:p>
             <a:fld id="{C764DE79-268F-4C1A-8933-263129D2AF90}" type="datetimeFigureOut">
               <a:rPr lang="en-US" smtClean="0"/>
-              <a:t>5/12/2022</a:t>
+              <a:t>5/14/2022</a:t>
             </a:fld>
             <a:endParaRPr lang="en-US" dirty="0"/>
           </a:p>
@@ -6124,7 +6124,7 @@
           <a:p>
             <a:fld id="{C764DE79-268F-4C1A-8933-263129D2AF90}" type="datetimeFigureOut">
               <a:rPr lang="en-US" smtClean="0"/>
-              <a:t>5/12/2022</a:t>
+              <a:t>5/14/2022</a:t>
             </a:fld>
             <a:endParaRPr lang="en-US" dirty="0"/>
           </a:p>
@@ -6405,7 +6405,7 @@
           <a:p>
             <a:fld id="{C764DE79-268F-4C1A-8933-263129D2AF90}" type="datetimeFigureOut">
               <a:rPr lang="en-US" smtClean="0"/>
-              <a:t>5/12/2022</a:t>
+              <a:t>5/14/2022</a:t>
             </a:fld>
             <a:endParaRPr lang="en-US" dirty="0"/>
           </a:p>
@@ -6646,7 +6646,7 @@
           <a:p>
             <a:fld id="{C764DE79-268F-4C1A-8933-263129D2AF90}" type="datetimeFigureOut">
               <a:rPr lang="en-US" smtClean="0"/>
-              <a:t>5/12/2022</a:t>
+              <a:t>5/14/2022</a:t>
             </a:fld>
             <a:endParaRPr lang="en-US" dirty="0"/>
           </a:p>
@@ -7761,10 +7761,10 @@
       </p:sp>
       <p:pic>
         <p:nvPicPr>
-          <p:cNvPr id="3" name="Picture 2">
+          <p:cNvPr id="6" name="Picture 5">
             <a:extLst>
               <a:ext uri="{FF2B5EF4-FFF2-40B4-BE49-F238E27FC236}">
-                <a16:creationId xmlns:a16="http://schemas.microsoft.com/office/drawing/2014/main" id="{A78FF75D-F908-471D-FC38-067FEEEBCAAC}"/>
+                <a16:creationId xmlns:a16="http://schemas.microsoft.com/office/drawing/2014/main" id="{EF496672-8690-A800-DD59-967CFCA78B50}"/>
               </a:ext>
             </a:extLst>
           </p:cNvPr>
@@ -7781,8 +7781,8 @@
         </p:blipFill>
         <p:spPr>
           <a:xfrm>
-            <a:off x="2558076" y="754632"/>
-            <a:ext cx="7023490" cy="5811006"/>
+            <a:off x="717087" y="854274"/>
+            <a:ext cx="5450626" cy="5604122"/>
           </a:xfrm>
           <a:prstGeom prst="rect">
             <a:avLst/>
@@ -7799,6 +7799,508 @@
           </a:effectLst>
         </p:spPr>
       </p:pic>
+      <p:sp>
+        <p:nvSpPr>
+          <p:cNvPr id="7" name="TextBox 6">
+            <a:extLst>
+              <a:ext uri="{FF2B5EF4-FFF2-40B4-BE49-F238E27FC236}">
+                <a16:creationId xmlns:a16="http://schemas.microsoft.com/office/drawing/2014/main" id="{4B42FB90-EB5C-DF06-C733-E32284A7F222}"/>
+              </a:ext>
+            </a:extLst>
+          </p:cNvPr>
+          <p:cNvSpPr txBox="1"/>
+          <p:nvPr/>
+        </p:nvSpPr>
+        <p:spPr>
+          <a:xfrm>
+            <a:off x="6630769" y="596824"/>
+            <a:ext cx="4457015" cy="6001643"/>
+          </a:xfrm>
+          <a:prstGeom prst="rect">
+            <a:avLst/>
+          </a:prstGeom>
+          <a:noFill/>
+        </p:spPr>
+        <p:txBody>
+          <a:bodyPr wrap="square" rtlCol="0">
+            <a:spAutoFit/>
+          </a:bodyPr>
+          <a:lstStyle/>
+          <a:p>
+            <a:pPr lvl="0"/>
+            <a:r>
+              <a:rPr lang="en-US" altLang="zh-CN" sz="1200" b="1" dirty="0">
+                <a:effectLst/>
+                <a:latin typeface="Times New Roman" panose="02020603050405020304" pitchFamily="18" charset="0"/>
+                <a:ea typeface="SimSun" panose="02010600030101010101" pitchFamily="2" charset="-122"/>
+                <a:cs typeface="SimSun" panose="02010600030101010101" pitchFamily="2" charset="-122"/>
+              </a:rPr>
+              <a:t>POST /donation/</a:t>
+            </a:r>
+          </a:p>
+          <a:p>
+            <a:pPr lvl="0"/>
+            <a:r>
+              <a:rPr lang="en-US" altLang="zh-CN" sz="1200" dirty="0">
+                <a:effectLst/>
+                <a:latin typeface="Times New Roman" panose="02020603050405020304" pitchFamily="18" charset="0"/>
+                <a:ea typeface="SimSun" panose="02010600030101010101" pitchFamily="2" charset="-122"/>
+                <a:cs typeface="SimSun" panose="02010600030101010101" pitchFamily="2" charset="-122"/>
+              </a:rPr>
+              <a:t>Body param: </a:t>
+            </a:r>
+            <a:r>
+              <a:rPr lang="en-US" altLang="zh-CN" sz="1200" dirty="0" err="1">
+                <a:effectLst/>
+                <a:latin typeface="Times New Roman" panose="02020603050405020304" pitchFamily="18" charset="0"/>
+                <a:ea typeface="SimSun" panose="02010600030101010101" pitchFamily="2" charset="-122"/>
+                <a:cs typeface="SimSun" panose="02010600030101010101" pitchFamily="2" charset="-122"/>
+              </a:rPr>
+              <a:t>donation_id</a:t>
+            </a:r>
+            <a:r>
+              <a:rPr lang="en-US" altLang="zh-CN" sz="1200" dirty="0">
+                <a:effectLst/>
+                <a:latin typeface="Times New Roman" panose="02020603050405020304" pitchFamily="18" charset="0"/>
+                <a:ea typeface="SimSun" panose="02010600030101010101" pitchFamily="2" charset="-122"/>
+                <a:cs typeface="SimSun" panose="02010600030101010101" pitchFamily="2" charset="-122"/>
+              </a:rPr>
+              <a:t>, </a:t>
+            </a:r>
+            <a:r>
+              <a:rPr lang="en-US" altLang="zh-CN" sz="1200" dirty="0" err="1">
+                <a:effectLst/>
+                <a:latin typeface="Times New Roman" panose="02020603050405020304" pitchFamily="18" charset="0"/>
+                <a:ea typeface="SimSun" panose="02010600030101010101" pitchFamily="2" charset="-122"/>
+                <a:cs typeface="SimSun" panose="02010600030101010101" pitchFamily="2" charset="-122"/>
+              </a:rPr>
+              <a:t>book_name</a:t>
+            </a:r>
+            <a:r>
+              <a:rPr lang="en-US" altLang="zh-CN" sz="1200" dirty="0">
+                <a:effectLst/>
+                <a:latin typeface="Times New Roman" panose="02020603050405020304" pitchFamily="18" charset="0"/>
+                <a:ea typeface="SimSun" panose="02010600030101010101" pitchFamily="2" charset="-122"/>
+                <a:cs typeface="SimSun" panose="02010600030101010101" pitchFamily="2" charset="-122"/>
+              </a:rPr>
+              <a:t>, user, condition, </a:t>
+            </a:r>
+            <a:r>
+              <a:rPr lang="en-US" altLang="zh-CN" sz="1200" dirty="0" err="1">
+                <a:effectLst/>
+                <a:latin typeface="Times New Roman" panose="02020603050405020304" pitchFamily="18" charset="0"/>
+                <a:ea typeface="SimSun" panose="02010600030101010101" pitchFamily="2" charset="-122"/>
+                <a:cs typeface="SimSun" panose="02010600030101010101" pitchFamily="2" charset="-122"/>
+              </a:rPr>
+              <a:t>photos_links</a:t>
+            </a:r>
+            <a:r>
+              <a:rPr lang="en-US" altLang="zh-CN" sz="1200" dirty="0">
+                <a:effectLst/>
+                <a:latin typeface="Times New Roman" panose="02020603050405020304" pitchFamily="18" charset="0"/>
+                <a:ea typeface="SimSun" panose="02010600030101010101" pitchFamily="2" charset="-122"/>
+                <a:cs typeface="SimSun" panose="02010600030101010101" pitchFamily="2" charset="-122"/>
+              </a:rPr>
+              <a:t>, credit.</a:t>
+            </a:r>
+          </a:p>
+          <a:p>
+            <a:pPr lvl="0"/>
+            <a:r>
+              <a:rPr lang="en-US" altLang="zh-CN" sz="1200" dirty="0">
+                <a:effectLst/>
+                <a:latin typeface="Times New Roman" panose="02020603050405020304" pitchFamily="18" charset="0"/>
+                <a:ea typeface="SimSun" panose="02010600030101010101" pitchFamily="2" charset="-122"/>
+                <a:cs typeface="SimSun" panose="02010600030101010101" pitchFamily="2" charset="-122"/>
+              </a:rPr>
+              <a:t>Description: make a donation of a used-book, and add the corresponding information to the DynamoDB and OpenSearch</a:t>
+            </a:r>
+          </a:p>
+          <a:p>
+            <a:pPr lvl="0"/>
+            <a:endParaRPr lang="en-US" altLang="zh-CN" sz="1200" dirty="0">
+              <a:effectLst/>
+              <a:latin typeface="Times New Roman" panose="02020603050405020304" pitchFamily="18" charset="0"/>
+              <a:ea typeface="SimSun" panose="02010600030101010101" pitchFamily="2" charset="-122"/>
+              <a:cs typeface="SimSun" panose="02010600030101010101" pitchFamily="2" charset="-122"/>
+            </a:endParaRPr>
+          </a:p>
+          <a:p>
+            <a:pPr lvl="0"/>
+            <a:r>
+              <a:rPr lang="en-US" altLang="zh-CN" sz="1200" b="1" dirty="0">
+                <a:effectLst/>
+                <a:latin typeface="Times New Roman" panose="02020603050405020304" pitchFamily="18" charset="0"/>
+                <a:ea typeface="SimSun" panose="02010600030101010101" pitchFamily="2" charset="-122"/>
+                <a:cs typeface="SimSun" panose="02010600030101010101" pitchFamily="2" charset="-122"/>
+              </a:rPr>
+              <a:t>POST /donation/photos/</a:t>
+            </a:r>
+          </a:p>
+          <a:p>
+            <a:pPr lvl="0"/>
+            <a:r>
+              <a:rPr lang="en-US" altLang="zh-CN" sz="1200" dirty="0">
+                <a:effectLst/>
+                <a:latin typeface="Times New Roman" panose="02020603050405020304" pitchFamily="18" charset="0"/>
+                <a:ea typeface="SimSun" panose="02010600030101010101" pitchFamily="2" charset="-122"/>
+                <a:cs typeface="SimSun" panose="02010600030101010101" pitchFamily="2" charset="-122"/>
+              </a:rPr>
+              <a:t>Body param: photos</a:t>
+            </a:r>
+          </a:p>
+          <a:p>
+            <a:pPr lvl="0"/>
+            <a:r>
+              <a:rPr lang="en-US" altLang="zh-CN" sz="1200" dirty="0">
+                <a:effectLst/>
+                <a:latin typeface="Times New Roman" panose="02020603050405020304" pitchFamily="18" charset="0"/>
+                <a:ea typeface="SimSun" panose="02010600030101010101" pitchFamily="2" charset="-122"/>
+                <a:cs typeface="SimSun" panose="02010600030101010101" pitchFamily="2" charset="-122"/>
+              </a:rPr>
+              <a:t>Description: upload a photo for a donated book</a:t>
+            </a:r>
+          </a:p>
+          <a:p>
+            <a:pPr lvl="0"/>
+            <a:endParaRPr lang="en-US" altLang="zh-CN" sz="1200" dirty="0">
+              <a:effectLst/>
+              <a:latin typeface="Times New Roman" panose="02020603050405020304" pitchFamily="18" charset="0"/>
+              <a:ea typeface="SimSun" panose="02010600030101010101" pitchFamily="2" charset="-122"/>
+              <a:cs typeface="SimSun" panose="02010600030101010101" pitchFamily="2" charset="-122"/>
+            </a:endParaRPr>
+          </a:p>
+          <a:p>
+            <a:pPr lvl="0"/>
+            <a:r>
+              <a:rPr lang="en-US" altLang="zh-CN" sz="1200" b="1" dirty="0">
+                <a:effectLst/>
+                <a:latin typeface="Times New Roman" panose="02020603050405020304" pitchFamily="18" charset="0"/>
+                <a:ea typeface="SimSun" panose="02010600030101010101" pitchFamily="2" charset="-122"/>
+                <a:cs typeface="SimSun" panose="02010600030101010101" pitchFamily="2" charset="-122"/>
+              </a:rPr>
+              <a:t>GET /user-info/</a:t>
+            </a:r>
+          </a:p>
+          <a:p>
+            <a:pPr lvl="0"/>
+            <a:r>
+              <a:rPr lang="en-US" altLang="zh-CN" sz="1200" dirty="0">
+                <a:effectLst/>
+                <a:latin typeface="Times New Roman" panose="02020603050405020304" pitchFamily="18" charset="0"/>
+                <a:ea typeface="SimSun" panose="02010600030101010101" pitchFamily="2" charset="-122"/>
+                <a:cs typeface="SimSun" panose="02010600030101010101" pitchFamily="2" charset="-122"/>
+              </a:rPr>
+              <a:t>Query param: </a:t>
+            </a:r>
+            <a:r>
+              <a:rPr lang="en-US" altLang="zh-CN" sz="1200" dirty="0" err="1">
+                <a:effectLst/>
+                <a:latin typeface="Times New Roman" panose="02020603050405020304" pitchFamily="18" charset="0"/>
+                <a:ea typeface="SimSun" panose="02010600030101010101" pitchFamily="2" charset="-122"/>
+                <a:cs typeface="SimSun" panose="02010600030101010101" pitchFamily="2" charset="-122"/>
+              </a:rPr>
+              <a:t>user_id</a:t>
+            </a:r>
+            <a:endParaRPr lang="en-US" altLang="zh-CN" sz="1200" dirty="0">
+              <a:effectLst/>
+              <a:latin typeface="Times New Roman" panose="02020603050405020304" pitchFamily="18" charset="0"/>
+              <a:ea typeface="SimSun" panose="02010600030101010101" pitchFamily="2" charset="-122"/>
+              <a:cs typeface="SimSun" panose="02010600030101010101" pitchFamily="2" charset="-122"/>
+            </a:endParaRPr>
+          </a:p>
+          <a:p>
+            <a:pPr lvl="0"/>
+            <a:r>
+              <a:rPr lang="en-US" altLang="zh-CN" sz="1200" dirty="0">
+                <a:effectLst/>
+                <a:latin typeface="Times New Roman" panose="02020603050405020304" pitchFamily="18" charset="0"/>
+                <a:ea typeface="SimSun" panose="02010600030101010101" pitchFamily="2" charset="-122"/>
+                <a:cs typeface="SimSun" panose="02010600030101010101" pitchFamily="2" charset="-122"/>
+              </a:rPr>
+              <a:t>Description: get the user information stored in the DynamoDB user information table</a:t>
+            </a:r>
+          </a:p>
+          <a:p>
+            <a:pPr lvl="0"/>
+            <a:endParaRPr lang="en-US" altLang="zh-CN" sz="1200" dirty="0">
+              <a:effectLst/>
+              <a:latin typeface="Times New Roman" panose="02020603050405020304" pitchFamily="18" charset="0"/>
+              <a:ea typeface="SimSun" panose="02010600030101010101" pitchFamily="2" charset="-122"/>
+              <a:cs typeface="SimSun" panose="02010600030101010101" pitchFamily="2" charset="-122"/>
+            </a:endParaRPr>
+          </a:p>
+          <a:p>
+            <a:pPr lvl="0"/>
+            <a:r>
+              <a:rPr lang="en-US" altLang="zh-CN" sz="1200" b="1" dirty="0">
+                <a:effectLst/>
+                <a:latin typeface="Times New Roman" panose="02020603050405020304" pitchFamily="18" charset="0"/>
+                <a:ea typeface="SimSun" panose="02010600030101010101" pitchFamily="2" charset="-122"/>
+                <a:cs typeface="SimSun" panose="02010600030101010101" pitchFamily="2" charset="-122"/>
+              </a:rPr>
+              <a:t>GET /message/</a:t>
+            </a:r>
+          </a:p>
+          <a:p>
+            <a:pPr lvl="0"/>
+            <a:r>
+              <a:rPr lang="en-US" altLang="zh-CN" sz="1200" dirty="0">
+                <a:effectLst/>
+                <a:latin typeface="Times New Roman" panose="02020603050405020304" pitchFamily="18" charset="0"/>
+                <a:ea typeface="SimSun" panose="02010600030101010101" pitchFamily="2" charset="-122"/>
+                <a:cs typeface="SimSun" panose="02010600030101010101" pitchFamily="2" charset="-122"/>
+              </a:rPr>
+              <a:t>Query param: </a:t>
+            </a:r>
+            <a:r>
+              <a:rPr lang="en-US" altLang="zh-CN" sz="1200" dirty="0" err="1">
+                <a:effectLst/>
+                <a:latin typeface="Times New Roman" panose="02020603050405020304" pitchFamily="18" charset="0"/>
+                <a:ea typeface="SimSun" panose="02010600030101010101" pitchFamily="2" charset="-122"/>
+                <a:cs typeface="SimSun" panose="02010600030101010101" pitchFamily="2" charset="-122"/>
+              </a:rPr>
+              <a:t>user_id</a:t>
+            </a:r>
+            <a:endParaRPr lang="en-US" altLang="zh-CN" sz="1200" dirty="0">
+              <a:effectLst/>
+              <a:latin typeface="Times New Roman" panose="02020603050405020304" pitchFamily="18" charset="0"/>
+              <a:ea typeface="SimSun" panose="02010600030101010101" pitchFamily="2" charset="-122"/>
+              <a:cs typeface="SimSun" panose="02010600030101010101" pitchFamily="2" charset="-122"/>
+            </a:endParaRPr>
+          </a:p>
+          <a:p>
+            <a:pPr lvl="0"/>
+            <a:r>
+              <a:rPr lang="en-US" altLang="zh-CN" sz="1200" dirty="0">
+                <a:effectLst/>
+                <a:latin typeface="Times New Roman" panose="02020603050405020304" pitchFamily="18" charset="0"/>
+                <a:ea typeface="SimSun" panose="02010600030101010101" pitchFamily="2" charset="-122"/>
+                <a:cs typeface="SimSun" panose="02010600030101010101" pitchFamily="2" charset="-122"/>
+              </a:rPr>
+              <a:t>Description: get the all messages received for a user</a:t>
+            </a:r>
+          </a:p>
+          <a:p>
+            <a:pPr lvl="0"/>
+            <a:endParaRPr lang="en-US" altLang="zh-CN" sz="1200" dirty="0">
+              <a:effectLst/>
+              <a:latin typeface="Times New Roman" panose="02020603050405020304" pitchFamily="18" charset="0"/>
+              <a:ea typeface="SimSun" panose="02010600030101010101" pitchFamily="2" charset="-122"/>
+              <a:cs typeface="SimSun" panose="02010600030101010101" pitchFamily="2" charset="-122"/>
+            </a:endParaRPr>
+          </a:p>
+          <a:p>
+            <a:pPr lvl="0"/>
+            <a:r>
+              <a:rPr lang="en-US" altLang="zh-CN" sz="1200" b="1" dirty="0">
+                <a:effectLst/>
+                <a:latin typeface="Times New Roman" panose="02020603050405020304" pitchFamily="18" charset="0"/>
+                <a:ea typeface="SimSun" panose="02010600030101010101" pitchFamily="2" charset="-122"/>
+                <a:cs typeface="SimSun" panose="02010600030101010101" pitchFamily="2" charset="-122"/>
+              </a:rPr>
+              <a:t>POST /message/</a:t>
+            </a:r>
+          </a:p>
+          <a:p>
+            <a:pPr lvl="0"/>
+            <a:r>
+              <a:rPr lang="en-US" altLang="zh-CN" sz="1200" dirty="0">
+                <a:effectLst/>
+                <a:latin typeface="Times New Roman" panose="02020603050405020304" pitchFamily="18" charset="0"/>
+                <a:ea typeface="SimSun" panose="02010600030101010101" pitchFamily="2" charset="-122"/>
+                <a:cs typeface="SimSun" panose="02010600030101010101" pitchFamily="2" charset="-122"/>
+              </a:rPr>
+              <a:t>Body param: sender, recipient, content</a:t>
+            </a:r>
+          </a:p>
+          <a:p>
+            <a:pPr lvl="0"/>
+            <a:r>
+              <a:rPr lang="en-US" altLang="zh-CN" sz="1200" dirty="0">
+                <a:effectLst/>
+                <a:latin typeface="Times New Roman" panose="02020603050405020304" pitchFamily="18" charset="0"/>
+                <a:ea typeface="SimSun" panose="02010600030101010101" pitchFamily="2" charset="-122"/>
+                <a:cs typeface="SimSun" panose="02010600030101010101" pitchFamily="2" charset="-122"/>
+              </a:rPr>
+              <a:t>Description: send the message with the given content to the given recipient, by the given sender.</a:t>
+            </a:r>
+          </a:p>
+          <a:p>
+            <a:pPr lvl="0"/>
+            <a:endParaRPr lang="en-US" altLang="zh-CN" sz="1200" dirty="0">
+              <a:effectLst/>
+              <a:latin typeface="Times New Roman" panose="02020603050405020304" pitchFamily="18" charset="0"/>
+              <a:ea typeface="SimSun" panose="02010600030101010101" pitchFamily="2" charset="-122"/>
+              <a:cs typeface="SimSun" panose="02010600030101010101" pitchFamily="2" charset="-122"/>
+            </a:endParaRPr>
+          </a:p>
+          <a:p>
+            <a:pPr lvl="0"/>
+            <a:r>
+              <a:rPr lang="en-US" altLang="zh-CN" sz="1200" b="1" dirty="0">
+                <a:effectLst/>
+                <a:latin typeface="Times New Roman" panose="02020603050405020304" pitchFamily="18" charset="0"/>
+                <a:ea typeface="SimSun" panose="02010600030101010101" pitchFamily="2" charset="-122"/>
+                <a:cs typeface="SimSun" panose="02010600030101010101" pitchFamily="2" charset="-122"/>
+              </a:rPr>
+              <a:t>POST /request/</a:t>
+            </a:r>
+          </a:p>
+          <a:p>
+            <a:pPr lvl="0"/>
+            <a:r>
+              <a:rPr lang="en-US" altLang="zh-CN" sz="1200" dirty="0">
+                <a:effectLst/>
+                <a:latin typeface="Times New Roman" panose="02020603050405020304" pitchFamily="18" charset="0"/>
+                <a:ea typeface="SimSun" panose="02010600030101010101" pitchFamily="2" charset="-122"/>
+                <a:cs typeface="SimSun" panose="02010600030101010101" pitchFamily="2" charset="-122"/>
+              </a:rPr>
+              <a:t>Body param: </a:t>
+            </a:r>
+            <a:r>
+              <a:rPr lang="en-US" altLang="zh-CN" sz="1200" dirty="0" err="1">
+                <a:effectLst/>
+                <a:latin typeface="Times New Roman" panose="02020603050405020304" pitchFamily="18" charset="0"/>
+                <a:ea typeface="SimSun" panose="02010600030101010101" pitchFamily="2" charset="-122"/>
+                <a:cs typeface="SimSun" panose="02010600030101010101" pitchFamily="2" charset="-122"/>
+              </a:rPr>
+              <a:t>user_id</a:t>
+            </a:r>
+            <a:r>
+              <a:rPr lang="en-US" altLang="zh-CN" sz="1200" dirty="0">
+                <a:effectLst/>
+                <a:latin typeface="Times New Roman" panose="02020603050405020304" pitchFamily="18" charset="0"/>
+                <a:ea typeface="SimSun" panose="02010600030101010101" pitchFamily="2" charset="-122"/>
+                <a:cs typeface="SimSun" panose="02010600030101010101" pitchFamily="2" charset="-122"/>
+              </a:rPr>
+              <a:t>, </a:t>
+            </a:r>
+            <a:r>
+              <a:rPr lang="en-US" altLang="zh-CN" sz="1200" dirty="0" err="1">
+                <a:effectLst/>
+                <a:latin typeface="Times New Roman" panose="02020603050405020304" pitchFamily="18" charset="0"/>
+                <a:ea typeface="SimSun" panose="02010600030101010101" pitchFamily="2" charset="-122"/>
+                <a:cs typeface="SimSun" panose="02010600030101010101" pitchFamily="2" charset="-122"/>
+              </a:rPr>
+              <a:t>book_name</a:t>
+            </a:r>
+            <a:endParaRPr lang="en-US" altLang="zh-CN" sz="1200" dirty="0">
+              <a:effectLst/>
+              <a:latin typeface="Times New Roman" panose="02020603050405020304" pitchFamily="18" charset="0"/>
+              <a:ea typeface="SimSun" panose="02010600030101010101" pitchFamily="2" charset="-122"/>
+              <a:cs typeface="SimSun" panose="02010600030101010101" pitchFamily="2" charset="-122"/>
+            </a:endParaRPr>
+          </a:p>
+          <a:p>
+            <a:pPr lvl="0"/>
+            <a:r>
+              <a:rPr lang="en-US" altLang="zh-CN" sz="1200" dirty="0">
+                <a:latin typeface="Times New Roman" panose="02020603050405020304" pitchFamily="18" charset="0"/>
+                <a:ea typeface="SimSun" panose="02010600030101010101" pitchFamily="2" charset="-122"/>
+                <a:cs typeface="SimSun" panose="02010600030101010101" pitchFamily="2" charset="-122"/>
+              </a:rPr>
+              <a:t>Description: Send a request for an used book posted.</a:t>
+            </a:r>
+          </a:p>
+          <a:p>
+            <a:pPr lvl="0"/>
+            <a:endParaRPr lang="en-US" altLang="zh-CN" sz="1200" dirty="0">
+              <a:effectLst/>
+              <a:latin typeface="Times New Roman" panose="02020603050405020304" pitchFamily="18" charset="0"/>
+              <a:ea typeface="SimSun" panose="02010600030101010101" pitchFamily="2" charset="-122"/>
+              <a:cs typeface="SimSun" panose="02010600030101010101" pitchFamily="2" charset="-122"/>
+            </a:endParaRPr>
+          </a:p>
+          <a:p>
+            <a:pPr lvl="0"/>
+            <a:r>
+              <a:rPr lang="en-US" altLang="zh-CN" sz="1200" b="1" dirty="0">
+                <a:effectLst/>
+                <a:latin typeface="Times New Roman" panose="02020603050405020304" pitchFamily="18" charset="0"/>
+                <a:ea typeface="SimSun" panose="02010600030101010101" pitchFamily="2" charset="-122"/>
+                <a:cs typeface="SimSun" panose="02010600030101010101" pitchFamily="2" charset="-122"/>
+              </a:rPr>
+              <a:t>GET /search/</a:t>
+            </a:r>
+          </a:p>
+          <a:p>
+            <a:pPr lvl="0"/>
+            <a:r>
+              <a:rPr lang="en-US" altLang="zh-CN" sz="1200" dirty="0">
+                <a:effectLst/>
+                <a:latin typeface="Times New Roman" panose="02020603050405020304" pitchFamily="18" charset="0"/>
+                <a:ea typeface="SimSun" panose="02010600030101010101" pitchFamily="2" charset="-122"/>
+                <a:cs typeface="SimSun" panose="02010600030101010101" pitchFamily="2" charset="-122"/>
+              </a:rPr>
+              <a:t>Description: get the donated books’ information based on the input </a:t>
+            </a:r>
+            <a:r>
+              <a:rPr lang="en-US" altLang="zh-CN" sz="1200" dirty="0" err="1">
+                <a:effectLst/>
+                <a:latin typeface="Times New Roman" panose="02020603050405020304" pitchFamily="18" charset="0"/>
+                <a:ea typeface="SimSun" panose="02010600030101010101" pitchFamily="2" charset="-122"/>
+                <a:cs typeface="SimSun" panose="02010600030101010101" pitchFamily="2" charset="-122"/>
+              </a:rPr>
+              <a:t>book_name</a:t>
+            </a:r>
+            <a:endParaRPr lang="en-US" altLang="zh-CN" sz="1200" dirty="0">
+              <a:effectLst/>
+              <a:latin typeface="Times New Roman" panose="02020603050405020304" pitchFamily="18" charset="0"/>
+              <a:ea typeface="SimSun" panose="02010600030101010101" pitchFamily="2" charset="-122"/>
+              <a:cs typeface="SimSun" panose="02010600030101010101" pitchFamily="2" charset="-122"/>
+            </a:endParaRPr>
+          </a:p>
+          <a:p>
+            <a:pPr lvl="0"/>
+            <a:r>
+              <a:rPr lang="en-US" altLang="zh-CN" sz="1200" dirty="0">
+                <a:effectLst/>
+                <a:latin typeface="Times New Roman" panose="02020603050405020304" pitchFamily="18" charset="0"/>
+                <a:ea typeface="SimSun" panose="02010600030101010101" pitchFamily="2" charset="-122"/>
+                <a:cs typeface="SimSun" panose="02010600030101010101" pitchFamily="2" charset="-122"/>
+              </a:rPr>
+              <a:t>Query param: </a:t>
+            </a:r>
+            <a:r>
+              <a:rPr lang="en-US" altLang="zh-CN" sz="1200" dirty="0" err="1">
+                <a:effectLst/>
+                <a:latin typeface="Times New Roman" panose="02020603050405020304" pitchFamily="18" charset="0"/>
+                <a:ea typeface="SimSun" panose="02010600030101010101" pitchFamily="2" charset="-122"/>
+                <a:cs typeface="SimSun" panose="02010600030101010101" pitchFamily="2" charset="-122"/>
+              </a:rPr>
+              <a:t>book_name</a:t>
+            </a:r>
+            <a:r>
+              <a:rPr lang="en-US" altLang="zh-CN" sz="1200" dirty="0">
+                <a:effectLst/>
+                <a:latin typeface="Times New Roman" panose="02020603050405020304" pitchFamily="18" charset="0"/>
+                <a:ea typeface="SimSun" panose="02010600030101010101" pitchFamily="2" charset="-122"/>
+                <a:cs typeface="SimSun" panose="02010600030101010101" pitchFamily="2" charset="-122"/>
+              </a:rPr>
+              <a:t>, genres(optional), </a:t>
+            </a:r>
+            <a:r>
+              <a:rPr lang="en-US" altLang="zh-CN" sz="1200" dirty="0" err="1">
+                <a:effectLst/>
+                <a:latin typeface="Times New Roman" panose="02020603050405020304" pitchFamily="18" charset="0"/>
+                <a:ea typeface="SimSun" panose="02010600030101010101" pitchFamily="2" charset="-122"/>
+                <a:cs typeface="SimSun" panose="02010600030101010101" pitchFamily="2" charset="-122"/>
+              </a:rPr>
+              <a:t>min_condition</a:t>
+            </a:r>
+            <a:r>
+              <a:rPr lang="en-US" altLang="zh-CN" sz="1200" dirty="0">
+                <a:effectLst/>
+                <a:latin typeface="Times New Roman" panose="02020603050405020304" pitchFamily="18" charset="0"/>
+                <a:ea typeface="SimSun" panose="02010600030101010101" pitchFamily="2" charset="-122"/>
+                <a:cs typeface="SimSun" panose="02010600030101010101" pitchFamily="2" charset="-122"/>
+              </a:rPr>
+              <a:t>(optional)</a:t>
+            </a:r>
+          </a:p>
+        </p:txBody>
+      </p:sp>
     </p:spTree>
   </p:cSld>
   <p:clrMapOvr>
@@ -7862,7 +8364,7 @@
         </p:nvSpPr>
         <p:spPr>
           <a:xfrm>
-            <a:off x="631805" y="1692703"/>
+            <a:off x="106162" y="856565"/>
             <a:ext cx="3630930" cy="369332"/>
           </a:xfrm>
           <a:prstGeom prst="rect">
@@ -7883,30 +8385,6 @@
           </a:p>
         </p:txBody>
       </p:sp>
-      <p:pic>
-        <p:nvPicPr>
-          <p:cNvPr id="8" name="图片 7"/>
-          <p:cNvPicPr>
-            <a:picLocks noChangeAspect="1"/>
-          </p:cNvPicPr>
-          <p:nvPr/>
-        </p:nvPicPr>
-        <p:blipFill>
-          <a:blip r:embed="rId2"/>
-          <a:stretch>
-            <a:fillRect/>
-          </a:stretch>
-        </p:blipFill>
-        <p:spPr>
-          <a:xfrm>
-            <a:off x="778645" y="2318852"/>
-            <a:ext cx="2212763" cy="3948882"/>
-          </a:xfrm>
-          <a:prstGeom prst="rect">
-            <a:avLst/>
-          </a:prstGeom>
-        </p:spPr>
-      </p:pic>
       <p:pic>
         <p:nvPicPr>
           <p:cNvPr id="11" name="图片 10">
@@ -7922,7 +8400,7 @@
           <p:nvPr/>
         </p:nvPicPr>
         <p:blipFill rotWithShape="1">
-          <a:blip r:embed="rId3"/>
+          <a:blip r:embed="rId2"/>
           <a:srcRect b="7738"/>
           <a:stretch/>
         </p:blipFill>
@@ -7945,9 +8423,9 @@
           <p:nvPr/>
         </p:nvCxnSpPr>
         <p:spPr>
-          <a:xfrm flipH="1">
-            <a:off x="2580515" y="1954735"/>
-            <a:ext cx="2686867" cy="889442"/>
+          <a:xfrm flipH="1" flipV="1">
+            <a:off x="2441786" y="1916052"/>
+            <a:ext cx="2825596" cy="38683"/>
           </a:xfrm>
           <a:prstGeom prst="straightConnector1">
             <a:avLst/>
@@ -8144,6 +8622,107 @@
           </a:p>
         </p:txBody>
       </p:sp>
+      <p:pic>
+        <p:nvPicPr>
+          <p:cNvPr id="3" name="Picture 2">
+            <a:extLst>
+              <a:ext uri="{FF2B5EF4-FFF2-40B4-BE49-F238E27FC236}">
+                <a16:creationId xmlns:a16="http://schemas.microsoft.com/office/drawing/2014/main" id="{6EC231CA-48BC-3BF4-0D58-47835A12F769}"/>
+              </a:ext>
+            </a:extLst>
+          </p:cNvPr>
+          <p:cNvPicPr>
+            <a:picLocks noChangeAspect="1"/>
+          </p:cNvPicPr>
+          <p:nvPr/>
+        </p:nvPicPr>
+        <p:blipFill>
+          <a:blip r:embed="rId3"/>
+          <a:stretch>
+            <a:fillRect/>
+          </a:stretch>
+        </p:blipFill>
+        <p:spPr>
+          <a:xfrm>
+            <a:off x="557578" y="1536019"/>
+            <a:ext cx="1816259" cy="2325737"/>
+          </a:xfrm>
+          <a:prstGeom prst="rect">
+            <a:avLst/>
+          </a:prstGeom>
+        </p:spPr>
+      </p:pic>
+      <p:pic>
+        <p:nvPicPr>
+          <p:cNvPr id="16" name="Picture 15">
+            <a:extLst>
+              <a:ext uri="{FF2B5EF4-FFF2-40B4-BE49-F238E27FC236}">
+                <a16:creationId xmlns:a16="http://schemas.microsoft.com/office/drawing/2014/main" id="{E8FE1AF0-F234-6829-5F91-3D46D833023B}"/>
+              </a:ext>
+            </a:extLst>
+          </p:cNvPr>
+          <p:cNvPicPr>
+            <a:picLocks noChangeAspect="1"/>
+          </p:cNvPicPr>
+          <p:nvPr/>
+        </p:nvPicPr>
+        <p:blipFill>
+          <a:blip r:embed="rId4"/>
+          <a:stretch>
+            <a:fillRect/>
+          </a:stretch>
+        </p:blipFill>
+        <p:spPr>
+          <a:xfrm>
+            <a:off x="458332" y="4401240"/>
+            <a:ext cx="2014750" cy="2103001"/>
+          </a:xfrm>
+          <a:prstGeom prst="rect">
+            <a:avLst/>
+          </a:prstGeom>
+        </p:spPr>
+      </p:pic>
+      <p:cxnSp>
+        <p:nvCxnSpPr>
+          <p:cNvPr id="18" name="直接箭头连接符 9">
+            <a:extLst>
+              <a:ext uri="{FF2B5EF4-FFF2-40B4-BE49-F238E27FC236}">
+                <a16:creationId xmlns:a16="http://schemas.microsoft.com/office/drawing/2014/main" id="{E27C1204-9BE0-913D-52C0-53CFAEB7CB46}"/>
+              </a:ext>
+            </a:extLst>
+          </p:cNvPr>
+          <p:cNvCxnSpPr>
+            <a:cxnSpLocks/>
+          </p:cNvCxnSpPr>
+          <p:nvPr/>
+        </p:nvCxnSpPr>
+        <p:spPr>
+          <a:xfrm flipH="1">
+            <a:off x="1306043" y="3429000"/>
+            <a:ext cx="40917" cy="1079087"/>
+          </a:xfrm>
+          <a:prstGeom prst="straightConnector1">
+            <a:avLst/>
+          </a:prstGeom>
+          <a:ln w="76200">
+            <a:tailEnd type="triangle"/>
+          </a:ln>
+        </p:spPr>
+        <p:style>
+          <a:lnRef idx="1">
+            <a:schemeClr val="accent1"/>
+          </a:lnRef>
+          <a:fillRef idx="0">
+            <a:schemeClr val="accent1"/>
+          </a:fillRef>
+          <a:effectRef idx="0">
+            <a:schemeClr val="accent1"/>
+          </a:effectRef>
+          <a:fontRef idx="minor">
+            <a:schemeClr val="tx1"/>
+          </a:fontRef>
+        </p:style>
+      </p:cxnSp>
     </p:spTree>
   </p:cSld>
   <p:clrMapOvr>
@@ -8191,8 +8770,8 @@
         </p:blipFill>
         <p:spPr>
           <a:xfrm>
-            <a:off x="6437504" y="920115"/>
-            <a:ext cx="5315060" cy="2896670"/>
+            <a:off x="6406924" y="903449"/>
+            <a:ext cx="5345640" cy="2913336"/>
           </a:xfrm>
           <a:prstGeom prst="rect">
             <a:avLst/>
@@ -8568,7 +9147,7 @@
         </p:nvSpPr>
         <p:spPr>
           <a:xfrm>
-            <a:off x="207901" y="1021723"/>
+            <a:off x="754278" y="956992"/>
             <a:ext cx="4706297" cy="5648348"/>
           </a:xfrm>
           <a:prstGeom prst="roundRect">
@@ -8616,7 +9195,7 @@
         </p:nvSpPr>
         <p:spPr>
           <a:xfrm>
-            <a:off x="410587" y="4573413"/>
+            <a:off x="956964" y="4508682"/>
             <a:ext cx="4195071" cy="1938992"/>
           </a:xfrm>
           <a:prstGeom prst="rect">
@@ -8706,7 +9285,7 @@
         </p:blipFill>
         <p:spPr>
           <a:xfrm>
-            <a:off x="1043426" y="1575312"/>
+            <a:off x="1589803" y="1510581"/>
             <a:ext cx="2798267" cy="2918828"/>
           </a:xfrm>
           <a:prstGeom prst="rect">
@@ -8714,46 +9293,6 @@
           </a:prstGeom>
         </p:spPr>
       </p:pic>
-      <p:pic>
-        <p:nvPicPr>
-          <p:cNvPr id="5" name="Picture 4">
-            <a:extLst>
-              <a:ext uri="{FF2B5EF4-FFF2-40B4-BE49-F238E27FC236}">
-                <a16:creationId xmlns:a16="http://schemas.microsoft.com/office/drawing/2014/main" id="{07992D32-E55A-A401-59B8-DAFB23F916E4}"/>
-              </a:ext>
-            </a:extLst>
-          </p:cNvPr>
-          <p:cNvPicPr>
-            <a:picLocks noChangeAspect="1"/>
-          </p:cNvPicPr>
-          <p:nvPr/>
-        </p:nvPicPr>
-        <p:blipFill>
-          <a:blip r:embed="rId3"/>
-          <a:stretch>
-            <a:fillRect/>
-          </a:stretch>
-        </p:blipFill>
-        <p:spPr>
-          <a:xfrm>
-            <a:off x="5444390" y="1610017"/>
-            <a:ext cx="5241074" cy="3637966"/>
-          </a:xfrm>
-          <a:prstGeom prst="rect">
-            <a:avLst/>
-          </a:prstGeom>
-          <a:ln>
-            <a:noFill/>
-          </a:ln>
-          <a:effectLst>
-            <a:outerShdw blurRad="292100" dist="139700" dir="2700000" algn="tl" rotWithShape="0">
-              <a:srgbClr val="333333">
-                <a:alpha val="65000"/>
-              </a:srgbClr>
-            </a:outerShdw>
-          </a:effectLst>
-        </p:spPr>
-      </p:pic>
       <p:sp>
         <p:nvSpPr>
           <p:cNvPr id="12" name="Title 11">
@@ -8784,48 +9323,9 @@
           <a:p>
             <a:r>
               <a:rPr lang="en-US" altLang="zh-CN" sz="4000" dirty="0"/>
-              <a:t>Donate a second-hand book</a:t>
+              <a:t>Donate&amp; Request a second-hand book</a:t>
             </a:r>
             <a:endParaRPr lang="zh-CN" altLang="en-US" sz="4000" dirty="0"/>
-          </a:p>
-        </p:txBody>
-      </p:sp>
-      <p:sp>
-        <p:nvSpPr>
-          <p:cNvPr id="13" name="TextBox 12">
-            <a:extLst>
-              <a:ext uri="{FF2B5EF4-FFF2-40B4-BE49-F238E27FC236}">
-                <a16:creationId xmlns:a16="http://schemas.microsoft.com/office/drawing/2014/main" id="{022C4A19-132C-7547-8CAB-46F4A9FBD732}"/>
-              </a:ext>
-            </a:extLst>
-          </p:cNvPr>
-          <p:cNvSpPr txBox="1"/>
-          <p:nvPr/>
-        </p:nvSpPr>
-        <p:spPr>
-          <a:xfrm>
-            <a:off x="5444390" y="5589075"/>
-            <a:ext cx="5660304" cy="923330"/>
-          </a:xfrm>
-          <a:prstGeom prst="rect">
-            <a:avLst/>
-          </a:prstGeom>
-          <a:noFill/>
-        </p:spPr>
-        <p:txBody>
-          <a:bodyPr wrap="square" rtlCol="0">
-            <a:spAutoFit/>
-          </a:bodyPr>
-          <a:lstStyle/>
-          <a:p>
-            <a:r>
-              <a:rPr lang="en-US" altLang="zh-CN" dirty="0"/>
-              <a:t>Donation Panel: The user can only donate a book when they have logged in.</a:t>
-            </a:r>
-            <a:endParaRPr lang="zh-CN" altLang="en-US" dirty="0"/>
-          </a:p>
-          <a:p>
-            <a:endParaRPr lang="zh-CN" altLang="en-US" dirty="0"/>
           </a:p>
         </p:txBody>
       </p:sp>
@@ -8843,7 +9343,7 @@
         </p:nvSpPr>
         <p:spPr>
           <a:xfrm>
-            <a:off x="222281" y="1068330"/>
+            <a:off x="887148" y="1003599"/>
             <a:ext cx="4440555" cy="460375"/>
           </a:xfrm>
           <a:prstGeom prst="rect">
@@ -8860,58 +9360,27 @@
             <a:pPr algn="ctr"/>
             <a:r>
               <a:rPr lang="en-US" sz="2400" b="1" i="1" dirty="0"/>
-              <a:t>Implementation</a:t>
-            </a:r>
-            <a:r>
-              <a:rPr lang="en-US" sz="2400" b="1" i="1" dirty="0">
-                <a:solidFill>
-                  <a:schemeClr val="tx2"/>
-                </a:solidFill>
-              </a:rPr>
-              <a:t> </a:t>
-            </a:r>
-            <a:r>
-              <a:rPr lang="en-US" sz="2400" b="1" i="1" dirty="0"/>
-              <a:t>Detail</a:t>
-            </a:r>
-          </a:p>
-        </p:txBody>
-      </p:sp>
-    </p:spTree>
-  </p:cSld>
-  <p:clrMapOvr>
-    <a:masterClrMapping/>
-  </p:clrMapOvr>
-</p:sld>
-</file>
-
-<file path=ppt/slides/slide6.xml><?xml version="1.0" encoding="utf-8"?>
-<p:sld xmlns:a="http://schemas.openxmlformats.org/drawingml/2006/main" xmlns:r="http://schemas.openxmlformats.org/officeDocument/2006/relationships" xmlns:p="http://schemas.openxmlformats.org/presentationml/2006/main">
-  <p:cSld>
-    <p:spTree>
-      <p:nvGrpSpPr>
-        <p:cNvPr id="1" name=""/>
-        <p:cNvGrpSpPr/>
-        <p:nvPr/>
-      </p:nvGrpSpPr>
-      <p:grpSpPr>
-        <a:xfrm>
-          <a:off x="0" y="0"/>
-          <a:ext cx="0" cy="0"/>
-          <a:chOff x="0" y="0"/>
-          <a:chExt cx="0" cy="0"/>
-        </a:xfrm>
-      </p:grpSpPr>
-      <p:sp>
-        <p:nvSpPr>
-          <p:cNvPr id="2" name="Rectangle: Rounded Corners 7"/>
+              <a:t>Donate</a:t>
+            </a:r>
+          </a:p>
+        </p:txBody>
+      </p:sp>
+      <p:sp>
+        <p:nvSpPr>
+          <p:cNvPr id="16" name="Rectangle: Rounded Corners 7">
+            <a:extLst>
+              <a:ext uri="{FF2B5EF4-FFF2-40B4-BE49-F238E27FC236}">
+                <a16:creationId xmlns:a16="http://schemas.microsoft.com/office/drawing/2014/main" id="{AFD33075-3176-21A6-0311-23B02AF9D7F2}"/>
+              </a:ext>
+            </a:extLst>
+          </p:cNvPr>
           <p:cNvSpPr/>
           <p:nvPr/>
         </p:nvSpPr>
         <p:spPr>
           <a:xfrm>
-            <a:off x="558731" y="1176340"/>
-            <a:ext cx="4255770" cy="5330825"/>
+            <a:off x="6433886" y="956992"/>
+            <a:ext cx="4785307" cy="5752592"/>
           </a:xfrm>
           <a:prstGeom prst="roundRect">
             <a:avLst/>
@@ -8952,42 +9421,19 @@
       </p:sp>
       <p:sp>
         <p:nvSpPr>
-          <p:cNvPr id="4" name="Title 1"/>
-          <p:cNvSpPr>
-            <a:spLocks noGrp="1"/>
-          </p:cNvSpPr>
-          <p:nvPr>
-            <p:ph type="title"/>
-          </p:nvPr>
+          <p:cNvPr id="17" name="文本框 9">
+            <a:extLst>
+              <a:ext uri="{FF2B5EF4-FFF2-40B4-BE49-F238E27FC236}">
+                <a16:creationId xmlns:a16="http://schemas.microsoft.com/office/drawing/2014/main" id="{44EB95AA-A537-A694-F2BF-82F3DEAFB25B}"/>
+              </a:ext>
+            </a:extLst>
+          </p:cNvPr>
+          <p:cNvSpPr txBox="1"/>
+          <p:nvPr/>
         </p:nvSpPr>
         <p:spPr>
           <a:xfrm>
-            <a:off x="1524000" y="0"/>
-            <a:ext cx="9144000" cy="850900"/>
-          </a:xfrm>
-        </p:spPr>
-        <p:txBody>
-          <a:bodyPr>
-            <a:normAutofit/>
-          </a:bodyPr>
-          <a:lstStyle/>
-          <a:p>
-            <a:r>
-              <a:rPr lang="en-US" altLang="zh-CN" sz="4000" dirty="0"/>
-              <a:t>Request a second-hand book</a:t>
-            </a:r>
-          </a:p>
-        </p:txBody>
-      </p:sp>
-      <p:sp>
-        <p:nvSpPr>
-          <p:cNvPr id="10" name="文本框 9"/>
-          <p:cNvSpPr txBox="1"/>
-          <p:nvPr/>
-        </p:nvSpPr>
-        <p:spPr>
-          <a:xfrm>
-            <a:off x="712401" y="4621420"/>
+            <a:off x="6716253" y="4631640"/>
             <a:ext cx="3948430" cy="1753235"/>
           </a:xfrm>
           <a:prstGeom prst="rect">
@@ -9090,97 +9536,10 @@
       </p:sp>
       <p:pic>
         <p:nvPicPr>
-          <p:cNvPr id="7" name="图片 12"/>
-          <p:cNvPicPr>
-            <a:picLocks noChangeAspect="1"/>
-          </p:cNvPicPr>
-          <p:nvPr/>
-        </p:nvPicPr>
-        <p:blipFill>
-          <a:blip r:embed="rId2"/>
-          <a:stretch>
-            <a:fillRect/>
-          </a:stretch>
-        </p:blipFill>
-        <p:spPr>
-          <a:xfrm>
-            <a:off x="6008373" y="2383829"/>
-            <a:ext cx="4499603" cy="2237591"/>
-          </a:xfrm>
-          <a:prstGeom prst="rect">
-            <a:avLst/>
-          </a:prstGeom>
-        </p:spPr>
-      </p:pic>
-      <p:cxnSp>
-        <p:nvCxnSpPr>
-          <p:cNvPr id="8" name="直接箭头连接符 14"/>
-          <p:cNvCxnSpPr/>
-          <p:nvPr/>
-        </p:nvCxnSpPr>
-        <p:spPr>
-          <a:xfrm flipV="1">
-            <a:off x="9719758" y="4526280"/>
-            <a:ext cx="236668" cy="478716"/>
-          </a:xfrm>
-          <a:prstGeom prst="straightConnector1">
-            <a:avLst/>
-          </a:prstGeom>
-          <a:ln>
-            <a:tailEnd type="triangle"/>
-          </a:ln>
-        </p:spPr>
-        <p:style>
-          <a:lnRef idx="2">
-            <a:schemeClr val="accent2"/>
-          </a:lnRef>
-          <a:fillRef idx="0">
-            <a:schemeClr val="accent2"/>
-          </a:fillRef>
-          <a:effectRef idx="1">
-            <a:schemeClr val="accent2"/>
-          </a:effectRef>
-          <a:fontRef idx="minor">
-            <a:schemeClr val="tx1"/>
-          </a:fontRef>
-        </p:style>
-      </p:cxnSp>
-      <p:sp>
-        <p:nvSpPr>
-          <p:cNvPr id="9" name="文本框 17"/>
-          <p:cNvSpPr txBox="1"/>
-          <p:nvPr/>
-        </p:nvSpPr>
-        <p:spPr>
-          <a:xfrm>
-            <a:off x="8358916" y="5141287"/>
-            <a:ext cx="1710466" cy="523220"/>
-          </a:xfrm>
-          <a:prstGeom prst="rect">
-            <a:avLst/>
-          </a:prstGeom>
-          <a:noFill/>
-        </p:spPr>
-        <p:txBody>
-          <a:bodyPr wrap="square" rtlCol="0">
-            <a:spAutoFit/>
-          </a:bodyPr>
-          <a:lstStyle/>
-          <a:p>
-            <a:r>
-              <a:rPr lang="en-US" altLang="zh-CN" dirty="0"/>
-              <a:t>Click to request the book you want!</a:t>
-            </a:r>
-            <a:endParaRPr lang="zh-CN" altLang="en-US" dirty="0"/>
-          </a:p>
-        </p:txBody>
-      </p:sp>
-      <p:pic>
-        <p:nvPicPr>
-          <p:cNvPr id="13" name="Picture 12">
+          <p:cNvPr id="18" name="Picture 17">
             <a:extLst>
               <a:ext uri="{FF2B5EF4-FFF2-40B4-BE49-F238E27FC236}">
-                <a16:creationId xmlns:a16="http://schemas.microsoft.com/office/drawing/2014/main" id="{00FBDFA2-7A1F-56C0-3DF0-7DBDDB2A07FB}"/>
+                <a16:creationId xmlns:a16="http://schemas.microsoft.com/office/drawing/2014/main" id="{251E7FA8-F61F-2388-0423-DC07E15DFAAE}"/>
               </a:ext>
             </a:extLst>
           </p:cNvPr>
@@ -9197,7 +9556,7 @@
         </p:blipFill>
         <p:spPr>
           <a:xfrm>
-            <a:off x="1013359" y="1771481"/>
+            <a:off x="7153282" y="1632108"/>
             <a:ext cx="3346513" cy="2754799"/>
           </a:xfrm>
           <a:prstGeom prst="rect">
@@ -9207,10 +9566,10 @@
       </p:pic>
       <p:sp>
         <p:nvSpPr>
-          <p:cNvPr id="14" name="Text Box 5">
+          <p:cNvPr id="19" name="Text Box 5">
             <a:extLst>
               <a:ext uri="{FF2B5EF4-FFF2-40B4-BE49-F238E27FC236}">
-                <a16:creationId xmlns:a16="http://schemas.microsoft.com/office/drawing/2014/main" id="{84BD3699-36D8-A5C1-7B83-97FA1669E795}"/>
+                <a16:creationId xmlns:a16="http://schemas.microsoft.com/office/drawing/2014/main" id="{E5E456A0-4A99-F8E8-94FD-E99F076C6443}"/>
               </a:ext>
             </a:extLst>
           </p:cNvPr>
@@ -9219,7 +9578,7 @@
         </p:nvSpPr>
         <p:spPr>
           <a:xfrm>
-            <a:off x="512884" y="1215853"/>
+            <a:off x="6606260" y="1064363"/>
             <a:ext cx="4440555" cy="460375"/>
           </a:xfrm>
           <a:prstGeom prst="rect">
@@ -9236,19 +9595,7 @@
             <a:pPr algn="ctr"/>
             <a:r>
               <a:rPr lang="en-US" sz="2400" b="1" i="1" dirty="0"/>
-              <a:t>Implementation</a:t>
-            </a:r>
-            <a:r>
-              <a:rPr lang="en-US" sz="2400" b="1" i="1" dirty="0">
-                <a:solidFill>
-                  <a:schemeClr val="tx2"/>
-                </a:solidFill>
-              </a:rPr>
-              <a:t> </a:t>
-            </a:r>
-            <a:r>
-              <a:rPr lang="en-US" sz="2400" b="1" i="1" dirty="0"/>
-              <a:t>Detail</a:t>
+              <a:t>Request</a:t>
             </a:r>
           </a:p>
         </p:txBody>
@@ -9261,7 +9608,7 @@
 </p:sld>
 </file>
 
-<file path=ppt/slides/slide7.xml><?xml version="1.0" encoding="utf-8"?>
+<file path=ppt/slides/slide6.xml><?xml version="1.0" encoding="utf-8"?>
 <p:sld xmlns:a="http://schemas.openxmlformats.org/drawingml/2006/main" xmlns:r="http://schemas.openxmlformats.org/officeDocument/2006/relationships" xmlns:p="http://schemas.openxmlformats.org/presentationml/2006/main">
   <p:cSld>
     <p:spTree>
@@ -9280,43 +9627,14 @@
       </p:grpSpPr>
       <p:sp>
         <p:nvSpPr>
-          <p:cNvPr id="4" name="Title 1"/>
-          <p:cNvSpPr>
-            <a:spLocks noGrp="1"/>
-          </p:cNvSpPr>
-          <p:nvPr>
-            <p:ph type="title"/>
-          </p:nvPr>
-        </p:nvSpPr>
-        <p:spPr>
-          <a:xfrm>
-            <a:off x="1523999" y="0"/>
-            <a:ext cx="10284663" cy="855980"/>
-          </a:xfrm>
-        </p:spPr>
-        <p:txBody>
-          <a:bodyPr>
-            <a:normAutofit/>
-          </a:bodyPr>
-          <a:lstStyle/>
-          <a:p>
-            <a:r>
-              <a:rPr lang="en-US" sz="4000" dirty="0"/>
-              <a:t>Show user’s info &amp; add to favorite list</a:t>
-            </a:r>
-          </a:p>
-        </p:txBody>
-      </p:sp>
-      <p:sp>
-        <p:nvSpPr>
           <p:cNvPr id="7" name="Rectangle: Rounded Corners 3"/>
           <p:cNvSpPr/>
           <p:nvPr/>
         </p:nvSpPr>
         <p:spPr>
           <a:xfrm>
-            <a:off x="1019427" y="944879"/>
-            <a:ext cx="4747463" cy="5371773"/>
+            <a:off x="519422" y="803940"/>
+            <a:ext cx="4994356" cy="5710467"/>
           </a:xfrm>
           <a:prstGeom prst="roundRect">
             <a:avLst/>
@@ -9371,7 +9689,7 @@
         </p:blipFill>
         <p:spPr>
           <a:xfrm>
-            <a:off x="1381728" y="1454700"/>
+            <a:off x="1315274" y="1201453"/>
             <a:ext cx="3679190" cy="2245360"/>
           </a:xfrm>
           <a:prstGeom prst="rect">
@@ -9379,30 +9697,6 @@
           </a:prstGeom>
         </p:spPr>
       </p:pic>
-      <p:pic>
-        <p:nvPicPr>
-          <p:cNvPr id="8" name="图片 7"/>
-          <p:cNvPicPr>
-            <a:picLocks noChangeAspect="1"/>
-          </p:cNvPicPr>
-          <p:nvPr/>
-        </p:nvPicPr>
-        <p:blipFill>
-          <a:blip r:embed="rId3"/>
-          <a:stretch>
-            <a:fillRect/>
-          </a:stretch>
-        </p:blipFill>
-        <p:spPr>
-          <a:xfrm>
-            <a:off x="6039812" y="941705"/>
-            <a:ext cx="5062014" cy="3568190"/>
-          </a:xfrm>
-          <a:prstGeom prst="rect">
-            <a:avLst/>
-          </a:prstGeom>
-        </p:spPr>
-      </p:pic>
       <p:sp>
         <p:nvSpPr>
           <p:cNvPr id="12" name="文本框 11"/>
@@ -9411,8 +9705,8 @@
         </p:nvSpPr>
         <p:spPr>
           <a:xfrm>
-            <a:off x="690317" y="3862073"/>
-            <a:ext cx="5062013" cy="2368550"/>
+            <a:off x="359330" y="3520985"/>
+            <a:ext cx="5062013" cy="2062103"/>
           </a:xfrm>
           <a:prstGeom prst="rect">
             <a:avLst/>
@@ -9425,15 +9719,13 @@
           </a:bodyPr>
           <a:lstStyle/>
           <a:p>
-            <a:pPr marL="742950" indent="-285750">
+            <a:pPr marL="457200">
               <a:spcBef>
-                <a:spcPts val="1200"/>
+                <a:spcPts val="600"/>
               </a:spcBef>
               <a:spcAft>
-                <a:spcPts val="1200"/>
+                <a:spcPts val="600"/>
               </a:spcAft>
-              <a:buFont typeface="Arial" panose="020B0604020202020204" pitchFamily="34" charset="0"/>
-              <a:buChar char="•"/>
             </a:pPr>
             <a:r>
               <a:rPr lang="en-US" altLang="zh-CN" sz="1200" dirty="0">
@@ -9444,15 +9736,13 @@
             </a:r>
           </a:p>
           <a:p>
-            <a:pPr marL="742950" indent="-285750">
+            <a:pPr marL="457200">
               <a:spcBef>
-                <a:spcPts val="1200"/>
+                <a:spcPts val="600"/>
               </a:spcBef>
               <a:spcAft>
-                <a:spcPts val="1200"/>
+                <a:spcPts val="600"/>
               </a:spcAft>
-              <a:buFont typeface="Arial" panose="020B0604020202020204" pitchFamily="34" charset="0"/>
-              <a:buChar char="•"/>
             </a:pPr>
             <a:r>
               <a:rPr lang="en-US" altLang="zh-CN" sz="1200" dirty="0">
@@ -9463,15 +9753,13 @@
             </a:r>
           </a:p>
           <a:p>
-            <a:pPr marL="742950" indent="-285750">
+            <a:pPr marL="457200">
               <a:spcBef>
-                <a:spcPts val="1200"/>
+                <a:spcPts val="600"/>
               </a:spcBef>
               <a:spcAft>
-                <a:spcPts val="1200"/>
+                <a:spcPts val="600"/>
               </a:spcAft>
-              <a:buFont typeface="Arial" panose="020B0604020202020204" pitchFamily="34" charset="0"/>
-              <a:buChar char="•"/>
             </a:pPr>
             <a:r>
               <a:rPr lang="en-US" altLang="zh-CN" sz="1200" dirty="0">
@@ -9497,8 +9785,8 @@
         </p:nvSpPr>
         <p:spPr>
           <a:xfrm>
-            <a:off x="1001045" y="994325"/>
-            <a:ext cx="4440555" cy="460375"/>
+            <a:off x="811893" y="786207"/>
+            <a:ext cx="4440555" cy="369332"/>
           </a:xfrm>
           <a:prstGeom prst="rect">
             <a:avLst/>
@@ -9513,60 +9801,18 @@
           <a:p>
             <a:pPr algn="ctr"/>
             <a:r>
-              <a:rPr lang="en-US" sz="2400" b="1" i="1" dirty="0"/>
-              <a:t>Implementation</a:t>
-            </a:r>
-            <a:r>
-              <a:rPr lang="en-US" sz="2400" b="1" i="1" dirty="0">
-                <a:solidFill>
-                  <a:schemeClr val="tx2"/>
-                </a:solidFill>
-              </a:rPr>
-              <a:t> </a:t>
-            </a:r>
-            <a:r>
-              <a:rPr lang="en-US" sz="2400" b="1" i="1" dirty="0"/>
-              <a:t>Detail</a:t>
-            </a:r>
-          </a:p>
-        </p:txBody>
-      </p:sp>
-      <p:pic>
-        <p:nvPicPr>
-          <p:cNvPr id="13" name="Picture 12">
+              <a:rPr lang="en-US" b="1" i="1" dirty="0"/>
+              <a:t>Show user’s info &amp; add to favorite list</a:t>
+            </a:r>
+          </a:p>
+        </p:txBody>
+      </p:sp>
+      <p:sp>
+        <p:nvSpPr>
+          <p:cNvPr id="15" name="TextBox 14">
             <a:extLst>
               <a:ext uri="{FF2B5EF4-FFF2-40B4-BE49-F238E27FC236}">
-                <a16:creationId xmlns:a16="http://schemas.microsoft.com/office/drawing/2014/main" id="{B8994A55-C93C-5820-CB0E-8F5153DB616A}"/>
-              </a:ext>
-            </a:extLst>
-          </p:cNvPr>
-          <p:cNvPicPr>
-            <a:picLocks noChangeAspect="1"/>
-          </p:cNvPicPr>
-          <p:nvPr/>
-        </p:nvPicPr>
-        <p:blipFill>
-          <a:blip r:embed="rId4"/>
-          <a:stretch>
-            <a:fillRect/>
-          </a:stretch>
-        </p:blipFill>
-        <p:spPr>
-          <a:xfrm>
-            <a:off x="6081440" y="4891422"/>
-            <a:ext cx="3835260" cy="1700563"/>
-          </a:xfrm>
-          <a:prstGeom prst="rect">
-            <a:avLst/>
-          </a:prstGeom>
-        </p:spPr>
-      </p:pic>
-      <p:sp>
-        <p:nvSpPr>
-          <p:cNvPr id="14" name="TextBox 13">
-            <a:extLst>
-              <a:ext uri="{FF2B5EF4-FFF2-40B4-BE49-F238E27FC236}">
-                <a16:creationId xmlns:a16="http://schemas.microsoft.com/office/drawing/2014/main" id="{97E511F0-A46C-B9FE-5B82-18F3BFFDA1BB}"/>
+                <a16:creationId xmlns:a16="http://schemas.microsoft.com/office/drawing/2014/main" id="{2B527FE5-1EC1-0EFA-12C0-C887EF27B22E}"/>
               </a:ext>
             </a:extLst>
           </p:cNvPr>
@@ -9575,8 +9821,8 @@
         </p:nvSpPr>
         <p:spPr>
           <a:xfrm>
-            <a:off x="9992456" y="5670321"/>
-            <a:ext cx="2360233" cy="646331"/>
+            <a:off x="860261" y="5510567"/>
+            <a:ext cx="6096912" cy="830997"/>
           </a:xfrm>
           <a:prstGeom prst="rect">
             <a:avLst/>
@@ -9584,61 +9830,707 @@
           <a:noFill/>
         </p:spPr>
         <p:txBody>
-          <a:bodyPr wrap="square" rtlCol="0">
+          <a:bodyPr wrap="square">
             <a:spAutoFit/>
           </a:bodyPr>
           <a:lstStyle/>
           <a:p>
             <a:r>
-              <a:rPr lang="en-US" altLang="zh-CN" dirty="0"/>
-              <a:t>You can add a book to your list here!</a:t>
-            </a:r>
-            <a:endParaRPr lang="zh-CN" altLang="en-US" dirty="0"/>
-          </a:p>
-        </p:txBody>
-      </p:sp>
-      <p:cxnSp>
-        <p:nvCxnSpPr>
-          <p:cNvPr id="16" name="Connector: Elbow 15">
+              <a:rPr lang="en-US" altLang="zh-CN" sz="1200" dirty="0"/>
+              <a:t>Associated API:</a:t>
+            </a:r>
+          </a:p>
+          <a:p>
+            <a:r>
+              <a:rPr lang="zh-CN" altLang="en-US" sz="1200" dirty="0"/>
+              <a:t>POST /request/</a:t>
+            </a:r>
+            <a:endParaRPr lang="en-US" altLang="zh-CN" sz="1200" dirty="0"/>
+          </a:p>
+          <a:p>
+            <a:r>
+              <a:rPr lang="zh-CN" altLang="en-US" sz="1200" dirty="0"/>
+              <a:t>Body param: user_id, book_name</a:t>
+            </a:r>
+            <a:endParaRPr lang="en-US" altLang="zh-CN" sz="1200" dirty="0"/>
+          </a:p>
+          <a:p>
+            <a:r>
+              <a:rPr lang="zh-CN" altLang="en-US" sz="1200" dirty="0"/>
+              <a:t>Description</a:t>
+            </a:r>
+            <a:r>
+              <a:rPr lang="en-US" altLang="zh-CN" sz="1200" dirty="0"/>
+              <a:t>: </a:t>
+            </a:r>
+            <a:r>
+              <a:rPr lang="zh-CN" altLang="en-US" sz="1200" dirty="0"/>
+              <a:t>Send a request for an used book posted.</a:t>
+            </a:r>
+          </a:p>
+        </p:txBody>
+      </p:sp>
+      <p:sp>
+        <p:nvSpPr>
+          <p:cNvPr id="5" name="Title 4">
             <a:extLst>
               <a:ext uri="{FF2B5EF4-FFF2-40B4-BE49-F238E27FC236}">
-                <a16:creationId xmlns:a16="http://schemas.microsoft.com/office/drawing/2014/main" id="{6D6AF615-BF76-CDB9-4F85-C7C9317A4C43}"/>
+                <a16:creationId xmlns:a16="http://schemas.microsoft.com/office/drawing/2014/main" id="{021730E6-A7ED-E351-1733-A70C6ECD08CD}"/>
               </a:ext>
             </a:extLst>
           </p:cNvPr>
-          <p:cNvCxnSpPr>
-            <a:cxnSpLocks/>
-            <a:stCxn id="14" idx="0"/>
-          </p:cNvCxnSpPr>
+          <p:cNvSpPr>
+            <a:spLocks noGrp="1"/>
+          </p:cNvSpPr>
+          <p:nvPr>
+            <p:ph type="title"/>
+          </p:nvPr>
+        </p:nvSpPr>
+        <p:spPr>
+          <a:xfrm>
+            <a:off x="657510" y="-124110"/>
+            <a:ext cx="10515600" cy="1325563"/>
+          </a:xfrm>
+        </p:spPr>
+        <p:txBody>
+          <a:bodyPr>
+            <a:normAutofit/>
+          </a:bodyPr>
+          <a:lstStyle/>
+          <a:p>
+            <a:r>
+              <a:rPr lang="en-US" altLang="zh-CN" sz="4000" dirty="0"/>
+              <a:t>Other Functions</a:t>
+            </a:r>
+            <a:endParaRPr lang="zh-CN" altLang="en-US" sz="4000" dirty="0"/>
+          </a:p>
+        </p:txBody>
+      </p:sp>
+      <p:sp>
+        <p:nvSpPr>
+          <p:cNvPr id="19" name="Rectangle: Rounded Corners 3">
+            <a:extLst>
+              <a:ext uri="{FF2B5EF4-FFF2-40B4-BE49-F238E27FC236}">
+                <a16:creationId xmlns:a16="http://schemas.microsoft.com/office/drawing/2014/main" id="{A750EA8F-748D-CEFD-496C-A15691DA562E}"/>
+              </a:ext>
+            </a:extLst>
+          </p:cNvPr>
+          <p:cNvSpPr/>
           <p:nvPr/>
-        </p:nvCxnSpPr>
+        </p:nvSpPr>
         <p:spPr>
-          <a:xfrm rot="16200000" flipV="1">
-            <a:off x="10363031" y="4860778"/>
-            <a:ext cx="252470" cy="1366615"/>
+          <a:xfrm>
+            <a:off x="6095996" y="184752"/>
+            <a:ext cx="5707909" cy="2696241"/>
           </a:xfrm>
-          <a:prstGeom prst="bentConnector2">
+          <a:prstGeom prst="roundRect">
             <a:avLst/>
           </a:prstGeom>
-          <a:ln w="57150">
-            <a:tailEnd type="triangle"/>
+          <a:solidFill>
+            <a:schemeClr val="accent1">
+              <a:lumMod val="75000"/>
+            </a:schemeClr>
+          </a:solidFill>
+          <a:ln>
+            <a:noFill/>
           </a:ln>
         </p:spPr>
         <p:style>
           <a:lnRef idx="2">
-            <a:schemeClr val="accent6"/>
+            <a:schemeClr val="accent1">
+              <a:shade val="50000"/>
+            </a:schemeClr>
           </a:lnRef>
-          <a:fillRef idx="0">
-            <a:schemeClr val="accent6"/>
+          <a:fillRef idx="1">
+            <a:schemeClr val="accent1"/>
           </a:fillRef>
-          <a:effectRef idx="1">
-            <a:schemeClr val="accent6"/>
+          <a:effectRef idx="0">
+            <a:schemeClr val="accent1"/>
           </a:effectRef>
           <a:fontRef idx="minor">
-            <a:schemeClr val="tx1"/>
+            <a:schemeClr val="lt1"/>
           </a:fontRef>
         </p:style>
-      </p:cxnSp>
+        <p:txBody>
+          <a:bodyPr rtlCol="0" anchor="ctr"/>
+          <a:lstStyle/>
+          <a:p>
+            <a:pPr algn="ctr"/>
+            <a:endParaRPr lang="zh-CN" altLang="en-US" dirty="0"/>
+          </a:p>
+        </p:txBody>
+      </p:sp>
+      <p:sp>
+        <p:nvSpPr>
+          <p:cNvPr id="18" name="TextBox 17">
+            <a:extLst>
+              <a:ext uri="{FF2B5EF4-FFF2-40B4-BE49-F238E27FC236}">
+                <a16:creationId xmlns:a16="http://schemas.microsoft.com/office/drawing/2014/main" id="{6BBC885B-AEB3-3882-54F7-1D8F25124322}"/>
+              </a:ext>
+            </a:extLst>
+          </p:cNvPr>
+          <p:cNvSpPr txBox="1"/>
+          <p:nvPr/>
+        </p:nvSpPr>
+        <p:spPr>
+          <a:xfrm>
+            <a:off x="6537686" y="659428"/>
+            <a:ext cx="4862859" cy="1938992"/>
+          </a:xfrm>
+          <a:prstGeom prst="rect">
+            <a:avLst/>
+          </a:prstGeom>
+          <a:noFill/>
+        </p:spPr>
+        <p:txBody>
+          <a:bodyPr wrap="square">
+            <a:spAutoFit/>
+          </a:bodyPr>
+          <a:lstStyle/>
+          <a:p>
+            <a:r>
+              <a:rPr lang="en-US" altLang="zh-CN" b="0" i="0" dirty="0">
+                <a:effectLst/>
+                <a:latin typeface="Arial" panose="020B0604020202020204" pitchFamily="34" charset="0"/>
+              </a:rPr>
+              <a:t>We use AWS Cognito to handle user management.</a:t>
+            </a:r>
+          </a:p>
+          <a:p>
+            <a:r>
+              <a:rPr lang="en-US" altLang="zh-CN" sz="1200" b="0" i="0" dirty="0">
+                <a:effectLst/>
+                <a:latin typeface="Arial" panose="020B0604020202020204" pitchFamily="34" charset="0"/>
+              </a:rPr>
+              <a:t>When the user first register an account, the AWS Cognito will call a post-registration lambda function named "User Information Initializer", this lambda function will initialized the User information table to have empty list for </a:t>
+            </a:r>
+            <a:r>
+              <a:rPr lang="en-US" altLang="zh-CN" sz="1200" b="0" i="0" dirty="0" err="1">
+                <a:effectLst/>
+                <a:latin typeface="Arial" panose="020B0604020202020204" pitchFamily="34" charset="0"/>
+              </a:rPr>
+              <a:t>request_history</a:t>
+            </a:r>
+            <a:r>
+              <a:rPr lang="en-US" altLang="zh-CN" sz="1200" b="0" i="0" dirty="0">
+                <a:effectLst/>
+                <a:latin typeface="Arial" panose="020B0604020202020204" pitchFamily="34" charset="0"/>
+              </a:rPr>
+              <a:t>, </a:t>
+            </a:r>
+            <a:r>
+              <a:rPr lang="en-US" altLang="zh-CN" sz="1200" b="0" i="0" dirty="0" err="1">
+                <a:effectLst/>
+                <a:latin typeface="Arial" panose="020B0604020202020204" pitchFamily="34" charset="0"/>
+              </a:rPr>
+              <a:t>donation_history</a:t>
+            </a:r>
+            <a:r>
+              <a:rPr lang="en-US" altLang="zh-CN" sz="1200" b="0" i="0" dirty="0">
+                <a:effectLst/>
+                <a:latin typeface="Arial" panose="020B0604020202020204" pitchFamily="34" charset="0"/>
+              </a:rPr>
+              <a:t> ,.etc.</a:t>
+            </a:r>
+            <a:br>
+              <a:rPr lang="en-US" altLang="zh-CN" sz="1200" dirty="0"/>
+            </a:br>
+            <a:r>
+              <a:rPr lang="en-US" altLang="zh-CN" sz="1200" b="0" i="0" dirty="0">
+                <a:effectLst/>
+                <a:latin typeface="Arial" panose="020B0604020202020204" pitchFamily="34" charset="0"/>
+              </a:rPr>
+              <a:t>When the user have logged in, the AWS Cognito will handle</a:t>
+            </a:r>
+            <a:br>
+              <a:rPr lang="en-US" altLang="zh-CN" sz="1200" dirty="0"/>
+            </a:br>
+            <a:r>
+              <a:rPr lang="en-US" altLang="zh-CN" sz="1200" b="0" i="0" dirty="0">
+                <a:effectLst/>
+                <a:latin typeface="Arial" panose="020B0604020202020204" pitchFamily="34" charset="0"/>
+              </a:rPr>
+              <a:t>the process for validating the user and retrieving some the user’s personal information such as email.</a:t>
+            </a:r>
+            <a:endParaRPr lang="zh-CN" altLang="en-US" sz="1200" dirty="0"/>
+          </a:p>
+        </p:txBody>
+      </p:sp>
+      <p:sp>
+        <p:nvSpPr>
+          <p:cNvPr id="21" name="TextBox 20">
+            <a:extLst>
+              <a:ext uri="{FF2B5EF4-FFF2-40B4-BE49-F238E27FC236}">
+                <a16:creationId xmlns:a16="http://schemas.microsoft.com/office/drawing/2014/main" id="{002BF8EE-1E73-B879-CB52-D1C98DDCA5B7}"/>
+              </a:ext>
+            </a:extLst>
+          </p:cNvPr>
+          <p:cNvSpPr txBox="1"/>
+          <p:nvPr/>
+        </p:nvSpPr>
+        <p:spPr>
+          <a:xfrm>
+            <a:off x="7844309" y="169993"/>
+            <a:ext cx="3164898" cy="369332"/>
+          </a:xfrm>
+          <a:prstGeom prst="rect">
+            <a:avLst/>
+          </a:prstGeom>
+          <a:noFill/>
+        </p:spPr>
+        <p:txBody>
+          <a:bodyPr wrap="square">
+            <a:spAutoFit/>
+          </a:bodyPr>
+          <a:lstStyle>
+            <a:defPPr>
+              <a:defRPr lang="en-US"/>
+            </a:defPPr>
+            <a:lvl1pPr>
+              <a:defRPr b="1" i="1"/>
+            </a:lvl1pPr>
+          </a:lstStyle>
+          <a:p>
+            <a:r>
+              <a:rPr lang="en-US" altLang="zh-CN" dirty="0"/>
+              <a:t>User Registration and Login</a:t>
+            </a:r>
+            <a:endParaRPr lang="zh-CN" altLang="en-US" dirty="0"/>
+          </a:p>
+        </p:txBody>
+      </p:sp>
+      <p:sp>
+        <p:nvSpPr>
+          <p:cNvPr id="25" name="Rectangle: Rounded Corners 3">
+            <a:extLst>
+              <a:ext uri="{FF2B5EF4-FFF2-40B4-BE49-F238E27FC236}">
+                <a16:creationId xmlns:a16="http://schemas.microsoft.com/office/drawing/2014/main" id="{4511F938-B5C7-11C7-C00C-6319E6672836}"/>
+              </a:ext>
+            </a:extLst>
+          </p:cNvPr>
+          <p:cNvSpPr/>
+          <p:nvPr/>
+        </p:nvSpPr>
+        <p:spPr>
+          <a:xfrm>
+            <a:off x="6058227" y="3090954"/>
+            <a:ext cx="5783451" cy="3423453"/>
+          </a:xfrm>
+          <a:prstGeom prst="roundRect">
+            <a:avLst/>
+          </a:prstGeom>
+          <a:solidFill>
+            <a:schemeClr val="accent1">
+              <a:lumMod val="75000"/>
+            </a:schemeClr>
+          </a:solidFill>
+          <a:ln>
+            <a:noFill/>
+          </a:ln>
+        </p:spPr>
+        <p:style>
+          <a:lnRef idx="2">
+            <a:schemeClr val="accent1">
+              <a:shade val="50000"/>
+            </a:schemeClr>
+          </a:lnRef>
+          <a:fillRef idx="1">
+            <a:schemeClr val="accent1"/>
+          </a:fillRef>
+          <a:effectRef idx="0">
+            <a:schemeClr val="accent1"/>
+          </a:effectRef>
+          <a:fontRef idx="minor">
+            <a:schemeClr val="lt1"/>
+          </a:fontRef>
+        </p:style>
+        <p:txBody>
+          <a:bodyPr rtlCol="0" anchor="ctr"/>
+          <a:lstStyle/>
+          <a:p>
+            <a:pPr algn="ctr"/>
+            <a:endParaRPr lang="zh-CN" altLang="en-US" dirty="0"/>
+          </a:p>
+        </p:txBody>
+      </p:sp>
+      <p:sp>
+        <p:nvSpPr>
+          <p:cNvPr id="24" name="TextBox 23">
+            <a:extLst>
+              <a:ext uri="{FF2B5EF4-FFF2-40B4-BE49-F238E27FC236}">
+                <a16:creationId xmlns:a16="http://schemas.microsoft.com/office/drawing/2014/main" id="{8937466D-E679-C2ED-1FD5-2AD2EFC0A875}"/>
+              </a:ext>
+            </a:extLst>
+          </p:cNvPr>
+          <p:cNvSpPr txBox="1"/>
+          <p:nvPr/>
+        </p:nvSpPr>
+        <p:spPr>
+          <a:xfrm>
+            <a:off x="6301392" y="4001606"/>
+            <a:ext cx="5297119" cy="2123658"/>
+          </a:xfrm>
+          <a:prstGeom prst="rect">
+            <a:avLst/>
+          </a:prstGeom>
+          <a:noFill/>
+        </p:spPr>
+        <p:txBody>
+          <a:bodyPr wrap="square">
+            <a:spAutoFit/>
+          </a:bodyPr>
+          <a:lstStyle/>
+          <a:p>
+            <a:r>
+              <a:rPr lang="en-US" altLang="zh-CN" sz="1200" b="0" i="0" dirty="0">
+                <a:effectLst/>
+                <a:latin typeface="Arial" panose="020B0604020202020204" pitchFamily="34" charset="0"/>
+              </a:rPr>
+              <a:t>After the front-end send the GET /message/ request through</a:t>
+            </a:r>
+            <a:br>
+              <a:rPr lang="en-US" altLang="zh-CN" sz="1200" dirty="0"/>
+            </a:br>
+            <a:r>
+              <a:rPr lang="en-US" altLang="zh-CN" sz="1200" b="0" i="0" dirty="0">
+                <a:effectLst/>
+                <a:latin typeface="Arial" panose="020B0604020202020204" pitchFamily="34" charset="0"/>
+              </a:rPr>
+              <a:t>the API, it will wake a lambda function named ’Message Manager’.</a:t>
+            </a:r>
+            <a:br>
+              <a:rPr lang="en-US" altLang="zh-CN" sz="1200" dirty="0"/>
+            </a:br>
+            <a:r>
+              <a:rPr lang="en-US" altLang="zh-CN" sz="1200" b="0" i="0" dirty="0">
+                <a:effectLst/>
+                <a:latin typeface="Arial" panose="020B0604020202020204" pitchFamily="34" charset="0"/>
+              </a:rPr>
+              <a:t>• If the request is a GET request, it will read the user’s message list from the DynamoDB table named ’Messages’, and return it to the front-end as an API response.</a:t>
+            </a:r>
+            <a:br>
+              <a:rPr lang="en-US" altLang="zh-CN" sz="1200" dirty="0"/>
+            </a:br>
+            <a:r>
+              <a:rPr lang="en-US" altLang="zh-CN" sz="1200" b="0" i="0" dirty="0">
+                <a:effectLst/>
+                <a:latin typeface="Arial" panose="020B0604020202020204" pitchFamily="34" charset="0"/>
+              </a:rPr>
+              <a:t>• If the request is a POST request, it will append the new message to message list of the receiver in the DynamoDB table, along with the sender information. After that, it will access the user’s email address through AWS Cognito and then use AWS Simple Email Service to send an email(containing the message content) to the email</a:t>
+            </a:r>
+            <a:br>
+              <a:rPr lang="en-US" altLang="zh-CN" sz="1200" dirty="0"/>
+            </a:br>
+            <a:r>
+              <a:rPr lang="en-US" altLang="zh-CN" sz="1200" b="0" i="0" dirty="0">
+                <a:effectLst/>
+                <a:latin typeface="Arial" panose="020B0604020202020204" pitchFamily="34" charset="0"/>
+              </a:rPr>
+              <a:t>address.</a:t>
+            </a:r>
+            <a:endParaRPr lang="zh-CN" altLang="en-US" sz="1200" dirty="0"/>
+          </a:p>
+        </p:txBody>
+      </p:sp>
+      <p:sp>
+        <p:nvSpPr>
+          <p:cNvPr id="27" name="TextBox 26">
+            <a:extLst>
+              <a:ext uri="{FF2B5EF4-FFF2-40B4-BE49-F238E27FC236}">
+                <a16:creationId xmlns:a16="http://schemas.microsoft.com/office/drawing/2014/main" id="{5765D05C-7E34-A946-D277-38C9298AEDDB}"/>
+              </a:ext>
+            </a:extLst>
+          </p:cNvPr>
+          <p:cNvSpPr txBox="1"/>
+          <p:nvPr/>
+        </p:nvSpPr>
+        <p:spPr>
+          <a:xfrm>
+            <a:off x="6437759" y="3336319"/>
+            <a:ext cx="6096912" cy="369332"/>
+          </a:xfrm>
+          <a:prstGeom prst="rect">
+            <a:avLst/>
+          </a:prstGeom>
+          <a:noFill/>
+        </p:spPr>
+        <p:txBody>
+          <a:bodyPr wrap="square">
+            <a:spAutoFit/>
+          </a:bodyPr>
+          <a:lstStyle/>
+          <a:p>
+            <a:r>
+              <a:rPr lang="zh-CN" altLang="en-US" dirty="0"/>
+              <a:t>Send and Receive Messages</a:t>
+            </a:r>
+          </a:p>
+        </p:txBody>
+      </p:sp>
+    </p:spTree>
+  </p:cSld>
+  <p:clrMapOvr>
+    <a:masterClrMapping/>
+  </p:clrMapOvr>
+</p:sld>
+</file>
+
+<file path=ppt/slides/slide7.xml><?xml version="1.0" encoding="utf-8"?>
+<p:sld xmlns:a="http://schemas.openxmlformats.org/drawingml/2006/main" xmlns:r="http://schemas.openxmlformats.org/officeDocument/2006/relationships" xmlns:p="http://schemas.openxmlformats.org/presentationml/2006/main">
+  <p:cSld>
+    <p:spTree>
+      <p:nvGrpSpPr>
+        <p:cNvPr id="1" name=""/>
+        <p:cNvGrpSpPr/>
+        <p:nvPr/>
+      </p:nvGrpSpPr>
+      <p:grpSpPr>
+        <a:xfrm>
+          <a:off x="0" y="0"/>
+          <a:ext cx="0" cy="0"/>
+          <a:chOff x="0" y="0"/>
+          <a:chExt cx="0" cy="0"/>
+        </a:xfrm>
+      </p:grpSpPr>
+      <p:sp>
+        <p:nvSpPr>
+          <p:cNvPr id="4" name="Title 1"/>
+          <p:cNvSpPr>
+            <a:spLocks noGrp="1"/>
+          </p:cNvSpPr>
+          <p:nvPr>
+            <p:ph type="title"/>
+          </p:nvPr>
+        </p:nvSpPr>
+        <p:spPr>
+          <a:xfrm>
+            <a:off x="1009308" y="69303"/>
+            <a:ext cx="9144000" cy="850900"/>
+          </a:xfrm>
+        </p:spPr>
+        <p:txBody>
+          <a:bodyPr>
+            <a:normAutofit/>
+          </a:bodyPr>
+          <a:lstStyle/>
+          <a:p>
+            <a:r>
+              <a:rPr lang="en-US" altLang="zh-CN" sz="4000" dirty="0"/>
+              <a:t>Some interesting subtleties</a:t>
+            </a:r>
+          </a:p>
+        </p:txBody>
+      </p:sp>
+      <p:sp>
+        <p:nvSpPr>
+          <p:cNvPr id="11" name="TextBox 10">
+            <a:extLst>
+              <a:ext uri="{FF2B5EF4-FFF2-40B4-BE49-F238E27FC236}">
+                <a16:creationId xmlns:a16="http://schemas.microsoft.com/office/drawing/2014/main" id="{FF924C0D-3426-3569-6E59-1B9FD7A09B0F}"/>
+              </a:ext>
+            </a:extLst>
+          </p:cNvPr>
+          <p:cNvSpPr txBox="1"/>
+          <p:nvPr/>
+        </p:nvSpPr>
+        <p:spPr>
+          <a:xfrm>
+            <a:off x="750136" y="799743"/>
+            <a:ext cx="10074826" cy="5847755"/>
+          </a:xfrm>
+          <a:prstGeom prst="rect">
+            <a:avLst/>
+          </a:prstGeom>
+          <a:noFill/>
+        </p:spPr>
+        <p:txBody>
+          <a:bodyPr wrap="square">
+            <a:spAutoFit/>
+          </a:bodyPr>
+          <a:lstStyle/>
+          <a:p>
+            <a:r>
+              <a:rPr lang="en-US" altLang="zh-CN" sz="2000" dirty="0"/>
+              <a:t>At first, we want to build this application for everyone on the internet and provide an way for them to exchanging books, but then we realized that would bring a lot of troubles which needs very careful plans and decisions. </a:t>
+            </a:r>
+          </a:p>
+          <a:p>
+            <a:r>
+              <a:rPr lang="en-US" altLang="zh-CN" sz="1400" dirty="0">
+                <a:solidFill>
+                  <a:schemeClr val="tx1">
+                    <a:lumMod val="85000"/>
+                  </a:schemeClr>
+                </a:solidFill>
+              </a:rPr>
+              <a:t>If the target users are all the people on the internet, then the problem of sending the books from one person to another would be a problem. There are a lot of problem:</a:t>
+            </a:r>
+          </a:p>
+          <a:p>
+            <a:pPr marL="285750" indent="-285750">
+              <a:buFont typeface="Arial" panose="020B0604020202020204" pitchFamily="34" charset="0"/>
+              <a:buChar char="•"/>
+            </a:pPr>
+            <a:r>
+              <a:rPr lang="en-US" altLang="zh-CN" sz="1400" dirty="0">
+                <a:solidFill>
+                  <a:schemeClr val="tx1">
+                    <a:lumMod val="85000"/>
+                  </a:schemeClr>
+                </a:solidFill>
+              </a:rPr>
+              <a:t>Should we let them use mail to exchange their books?</a:t>
+            </a:r>
+          </a:p>
+          <a:p>
+            <a:pPr marL="285750" indent="-285750">
+              <a:buFont typeface="Arial" panose="020B0604020202020204" pitchFamily="34" charset="0"/>
+              <a:buChar char="•"/>
+            </a:pPr>
+            <a:r>
+              <a:rPr lang="en-US" altLang="zh-CN" sz="1400" dirty="0">
+                <a:solidFill>
+                  <a:schemeClr val="tx1">
+                    <a:lumMod val="85000"/>
+                  </a:schemeClr>
+                </a:solidFill>
+              </a:rPr>
+              <a:t>Who should pay for the ship cost? </a:t>
+            </a:r>
+          </a:p>
+          <a:p>
+            <a:pPr marL="285750" indent="-285750">
+              <a:buFont typeface="Arial" panose="020B0604020202020204" pitchFamily="34" charset="0"/>
+              <a:buChar char="•"/>
+            </a:pPr>
+            <a:r>
+              <a:rPr lang="en-US" altLang="zh-CN" sz="1400" dirty="0">
+                <a:solidFill>
+                  <a:schemeClr val="tx1">
+                    <a:lumMod val="85000"/>
+                  </a:schemeClr>
+                </a:solidFill>
+              </a:rPr>
+              <a:t>How can we decrease the malicious behaviors? </a:t>
+            </a:r>
+          </a:p>
+          <a:p>
+            <a:pPr marL="285750" indent="-285750">
+              <a:buFont typeface="Arial" panose="020B0604020202020204" pitchFamily="34" charset="0"/>
+              <a:buChar char="•"/>
+            </a:pPr>
+            <a:r>
+              <a:rPr lang="en-US" altLang="zh-CN" sz="1400" dirty="0">
+                <a:solidFill>
+                  <a:schemeClr val="tx1">
+                    <a:lumMod val="85000"/>
+                  </a:schemeClr>
+                </a:solidFill>
+              </a:rPr>
+              <a:t>How can we make sure every request is for real need? </a:t>
+            </a:r>
+          </a:p>
+          <a:p>
+            <a:r>
+              <a:rPr lang="en-US" altLang="zh-CN" sz="1400" dirty="0">
+                <a:solidFill>
+                  <a:schemeClr val="tx1">
+                    <a:lumMod val="85000"/>
+                  </a:schemeClr>
+                </a:solidFill>
+              </a:rPr>
+              <a:t>As such design would need to ask more professional people and it is really relevant to our course material, we decided to put our focus on the students in Columbia University, as most of them would have the opportunity to meet in campus and we can efficiently limits the number of accounts everyone can have, to decrease the possibility of malicious use.</a:t>
+            </a:r>
+          </a:p>
+          <a:p>
+            <a:endParaRPr lang="en-US" altLang="zh-CN" sz="1200" dirty="0">
+              <a:latin typeface="Arial" panose="020B0604020202020204" pitchFamily="34" charset="0"/>
+              <a:cs typeface="Arial" panose="020B0604020202020204" pitchFamily="34" charset="0"/>
+            </a:endParaRPr>
+          </a:p>
+          <a:p>
+            <a:r>
+              <a:rPr lang="en-US" altLang="zh-CN" sz="2000" dirty="0"/>
+              <a:t>We want to auto-generate the cover photos based on the user’s input book name at first. However, we then realized that the user may not strictly input the book name and the API we used for book cover does not the covers for have all the books, so we decided to let the image shown for each book to be:</a:t>
+            </a:r>
+          </a:p>
+          <a:p>
+            <a:pPr marL="285750" indent="-285750">
+              <a:buFont typeface="Arial" panose="020B0604020202020204" pitchFamily="34" charset="0"/>
+              <a:buChar char="•"/>
+            </a:pPr>
+            <a:r>
+              <a:rPr lang="en-US" altLang="zh-CN" sz="1600" dirty="0">
+                <a:solidFill>
+                  <a:schemeClr val="tx1">
+                    <a:lumMod val="85000"/>
+                  </a:schemeClr>
+                </a:solidFill>
+              </a:rPr>
+              <a:t>If the donator uploaded a photo, then the image would just be the photo uploaded. This can be a cover picture gotten from Internet, or it is the photos of the real book.</a:t>
+            </a:r>
+          </a:p>
+          <a:p>
+            <a:pPr marL="285750" indent="-285750">
+              <a:buFont typeface="Arial" panose="020B0604020202020204" pitchFamily="34" charset="0"/>
+              <a:buChar char="•"/>
+            </a:pPr>
+            <a:r>
+              <a:rPr lang="en-US" altLang="zh-CN" sz="1600" dirty="0">
+                <a:solidFill>
+                  <a:schemeClr val="tx1">
+                    <a:lumMod val="85000"/>
+                  </a:schemeClr>
+                </a:solidFill>
+              </a:rPr>
+              <a:t>If the donator does not uploaded any photos, then we will use </a:t>
+            </a:r>
+            <a:r>
+              <a:rPr lang="en-US" altLang="zh-CN" sz="1600" dirty="0" err="1">
+                <a:solidFill>
+                  <a:schemeClr val="tx1">
+                    <a:lumMod val="85000"/>
+                  </a:schemeClr>
+                </a:solidFill>
+              </a:rPr>
+              <a:t>OpenLibrary</a:t>
+            </a:r>
+            <a:r>
+              <a:rPr lang="en-US" altLang="zh-CN" sz="1600" dirty="0">
+                <a:solidFill>
+                  <a:schemeClr val="tx1">
+                    <a:lumMod val="85000"/>
+                  </a:schemeClr>
+                </a:solidFill>
+              </a:rPr>
+              <a:t> API to search for the photo based on the donator’s input book name</a:t>
+            </a:r>
+          </a:p>
+          <a:p>
+            <a:pPr marL="285750" indent="-285750">
+              <a:buFont typeface="Arial" panose="020B0604020202020204" pitchFamily="34" charset="0"/>
+              <a:buChar char="•"/>
+            </a:pPr>
+            <a:r>
+              <a:rPr lang="en-US" altLang="zh-CN" sz="1600" dirty="0">
+                <a:solidFill>
+                  <a:schemeClr val="tx1">
+                    <a:lumMod val="85000"/>
+                  </a:schemeClr>
+                </a:solidFill>
+              </a:rPr>
+              <a:t>If the donator did not upload any photos and we cannot get the image from API, we would shown an image indicates "The image is not available</a:t>
+            </a:r>
+            <a:endParaRPr lang="zh-CN" altLang="en-US" sz="1600" dirty="0">
+              <a:solidFill>
+                <a:schemeClr val="tx1">
+                  <a:lumMod val="85000"/>
+                </a:schemeClr>
+              </a:solidFill>
+            </a:endParaRPr>
+          </a:p>
+        </p:txBody>
+      </p:sp>
     </p:spTree>
   </p:cSld>
   <p:clrMapOvr>

--- a/presentation-book-exchange.pptx
+++ b/presentation-book-exchange.pptx
@@ -9,8 +9,8 @@
   </p:notesMasterIdLst>
   <p:sldIdLst>
     <p:sldId id="256" r:id="rId2"/>
-    <p:sldId id="261" r:id="rId3"/>
-    <p:sldId id="262" r:id="rId4"/>
+    <p:sldId id="262" r:id="rId3"/>
+    <p:sldId id="261" r:id="rId4"/>
     <p:sldId id="264" r:id="rId5"/>
     <p:sldId id="263" r:id="rId6"/>
     <p:sldId id="265" r:id="rId7"/>
@@ -1439,7 +1439,19 @@
               </a:spcAft>
               <a:buNone/>
             </a:pPr>
-            <a:endParaRPr/>
+            <a:r>
+              <a:rPr lang="en-US" dirty="0"/>
+              <a:t>Welcome, Today I will introduce to you a cloud application named Book Exchange, this is a platform that is used to </a:t>
+            </a:r>
+            <a:r>
+              <a:rPr lang="en-US" dirty="0" err="1"/>
+              <a:t>exchang</a:t>
+            </a:r>
+            <a:r>
+              <a:rPr lang="en-US" dirty="0"/>
+              <a:t> the used book among users. What motivated us to design such an application is we noticed there are many people especially students often need to buy new books, and they are willing to give their used books aways. Currently we limits our users to be only the Columbia University students, and I will explain why we made such a decision later.</a:t>
+            </a:r>
+            <a:endParaRPr dirty="0"/>
           </a:p>
         </p:txBody>
       </p:sp>
@@ -1490,6 +1502,919 @@
         </p:txBody>
       </p:sp>
     </p:spTree>
+  </p:cSld>
+  <p:clrMapOvr>
+    <a:masterClrMapping/>
+  </p:clrMapOvr>
+</p:notes>
+</file>
+
+<file path=ppt/notesSlides/notesSlide2.xml><?xml version="1.0" encoding="utf-8"?>
+<p:notes xmlns:a="http://schemas.openxmlformats.org/drawingml/2006/main" xmlns:r="http://schemas.openxmlformats.org/officeDocument/2006/relationships" xmlns:p="http://schemas.openxmlformats.org/presentationml/2006/main">
+  <p:cSld>
+    <p:spTree>
+      <p:nvGrpSpPr>
+        <p:cNvPr id="1" name=""/>
+        <p:cNvGrpSpPr/>
+        <p:nvPr/>
+      </p:nvGrpSpPr>
+      <p:grpSpPr>
+        <a:xfrm>
+          <a:off x="0" y="0"/>
+          <a:ext cx="0" cy="0"/>
+          <a:chOff x="0" y="0"/>
+          <a:chExt cx="0" cy="0"/>
+        </a:xfrm>
+      </p:grpSpPr>
+      <p:sp>
+        <p:nvSpPr>
+          <p:cNvPr id="2" name="Slide Image Placeholder 1"/>
+          <p:cNvSpPr>
+            <a:spLocks noGrp="1" noRot="1" noChangeAspect="1"/>
+          </p:cNvSpPr>
+          <p:nvPr>
+            <p:ph type="sldImg"/>
+          </p:nvPr>
+        </p:nvSpPr>
+        <p:spPr/>
+      </p:sp>
+      <p:sp>
+        <p:nvSpPr>
+          <p:cNvPr id="3" name="Notes Placeholder 2"/>
+          <p:cNvSpPr>
+            <a:spLocks noGrp="1"/>
+          </p:cNvSpPr>
+          <p:nvPr>
+            <p:ph type="body" idx="1"/>
+          </p:nvPr>
+        </p:nvSpPr>
+        <p:spPr/>
+        <p:txBody>
+          <a:bodyPr/>
+          <a:lstStyle/>
+          <a:p>
+            <a:r>
+              <a:rPr lang="en-US" altLang="zh-CN" dirty="0"/>
+              <a:t>Here is what our front-end looks like, it would be helpful be familiarize with these main parts here for understand the whole structure </a:t>
+            </a:r>
+            <a:endParaRPr lang="zh-CN" altLang="en-US" dirty="0"/>
+          </a:p>
+        </p:txBody>
+      </p:sp>
+      <p:sp>
+        <p:nvSpPr>
+          <p:cNvPr id="4" name="Slide Number Placeholder 3"/>
+          <p:cNvSpPr>
+            <a:spLocks noGrp="1"/>
+          </p:cNvSpPr>
+          <p:nvPr>
+            <p:ph type="sldNum" idx="12"/>
+          </p:nvPr>
+        </p:nvSpPr>
+        <p:spPr/>
+        <p:txBody>
+          <a:bodyPr/>
+          <a:lstStyle/>
+          <a:p>
+            <a:pPr marL="0" marR="0" lvl="0" indent="0" algn="r" rtl="0">
+              <a:lnSpc>
+                <a:spcPct val="100000"/>
+              </a:lnSpc>
+              <a:spcBef>
+                <a:spcPts val="0"/>
+              </a:spcBef>
+              <a:spcAft>
+                <a:spcPts val="0"/>
+              </a:spcAft>
+              <a:buClr>
+                <a:srgbClr val="000000"/>
+              </a:buClr>
+              <a:buFont typeface="Arial" panose="020B0604020202020204"/>
+              <a:buNone/>
+            </a:pPr>
+            <a:fld id="{00000000-1234-1234-1234-123412341234}" type="slidenum">
+              <a:rPr lang="en-US" sz="1200" b="0" i="0" u="none" strike="noStrike" cap="none" smtClean="0">
+                <a:solidFill>
+                  <a:srgbClr val="000000"/>
+                </a:solidFill>
+                <a:latin typeface="Arial" panose="020B0604020202020204"/>
+                <a:ea typeface="Arial" panose="020B0604020202020204"/>
+                <a:cs typeface="Arial" panose="020B0604020202020204"/>
+                <a:sym typeface="Arial" panose="020B0604020202020204"/>
+              </a:rPr>
+              <a:t>2</a:t>
+            </a:fld>
+            <a:endParaRPr lang="en-US" sz="1200" b="0" i="0" u="none" strike="noStrike" cap="none">
+              <a:solidFill>
+                <a:srgbClr val="000000"/>
+              </a:solidFill>
+              <a:latin typeface="Arial" panose="020B0604020202020204"/>
+              <a:ea typeface="Arial" panose="020B0604020202020204"/>
+              <a:cs typeface="Arial" panose="020B0604020202020204"/>
+              <a:sym typeface="Arial" panose="020B0604020202020204"/>
+            </a:endParaRPr>
+          </a:p>
+        </p:txBody>
+      </p:sp>
+    </p:spTree>
+    <p:extLst>
+      <p:ext uri="{BB962C8B-B14F-4D97-AF65-F5344CB8AC3E}">
+        <p14:creationId xmlns:p14="http://schemas.microsoft.com/office/powerpoint/2010/main" val="151013322"/>
+      </p:ext>
+    </p:extLst>
+  </p:cSld>
+  <p:clrMapOvr>
+    <a:masterClrMapping/>
+  </p:clrMapOvr>
+</p:notes>
+</file>
+
+<file path=ppt/notesSlides/notesSlide3.xml><?xml version="1.0" encoding="utf-8"?>
+<p:notes xmlns:a="http://schemas.openxmlformats.org/drawingml/2006/main" xmlns:r="http://schemas.openxmlformats.org/officeDocument/2006/relationships" xmlns:p="http://schemas.openxmlformats.org/presentationml/2006/main">
+  <p:cSld>
+    <p:spTree>
+      <p:nvGrpSpPr>
+        <p:cNvPr id="1" name=""/>
+        <p:cNvGrpSpPr/>
+        <p:nvPr/>
+      </p:nvGrpSpPr>
+      <p:grpSpPr>
+        <a:xfrm>
+          <a:off x="0" y="0"/>
+          <a:ext cx="0" cy="0"/>
+          <a:chOff x="0" y="0"/>
+          <a:chExt cx="0" cy="0"/>
+        </a:xfrm>
+      </p:grpSpPr>
+      <p:sp>
+        <p:nvSpPr>
+          <p:cNvPr id="2" name="Slide Image Placeholder 1"/>
+          <p:cNvSpPr>
+            <a:spLocks noGrp="1" noRot="1" noChangeAspect="1"/>
+          </p:cNvSpPr>
+          <p:nvPr>
+            <p:ph type="sldImg"/>
+          </p:nvPr>
+        </p:nvSpPr>
+        <p:spPr/>
+      </p:sp>
+      <p:sp>
+        <p:nvSpPr>
+          <p:cNvPr id="3" name="Notes Placeholder 2"/>
+          <p:cNvSpPr>
+            <a:spLocks noGrp="1"/>
+          </p:cNvSpPr>
+          <p:nvPr>
+            <p:ph type="body" idx="1"/>
+          </p:nvPr>
+        </p:nvSpPr>
+        <p:spPr/>
+        <p:txBody>
+          <a:bodyPr/>
+          <a:lstStyle/>
+          <a:p>
+            <a:r>
+              <a:rPr lang="en-US" altLang="zh-CN" dirty="0"/>
+              <a:t>Here is</a:t>
+            </a:r>
+            <a:r>
+              <a:rPr lang="zh-CN" altLang="en-US" dirty="0"/>
+              <a:t> </a:t>
+            </a:r>
+            <a:r>
+              <a:rPr lang="en-US" altLang="zh-CN" dirty="0"/>
+              <a:t>our basic structure</a:t>
+            </a:r>
+            <a:r>
+              <a:rPr lang="zh-CN" altLang="en-US" dirty="0"/>
+              <a:t>， </a:t>
+            </a:r>
+            <a:r>
+              <a:rPr lang="en-US" altLang="zh-CN" dirty="0"/>
+              <a:t>as you may noticed there are 6 main paths in the structure ,and I will explain them in detail in the next few pages.</a:t>
+            </a:r>
+          </a:p>
+        </p:txBody>
+      </p:sp>
+      <p:sp>
+        <p:nvSpPr>
+          <p:cNvPr id="4" name="Slide Number Placeholder 3"/>
+          <p:cNvSpPr>
+            <a:spLocks noGrp="1"/>
+          </p:cNvSpPr>
+          <p:nvPr>
+            <p:ph type="sldNum" idx="12"/>
+          </p:nvPr>
+        </p:nvSpPr>
+        <p:spPr/>
+        <p:txBody>
+          <a:bodyPr/>
+          <a:lstStyle/>
+          <a:p>
+            <a:pPr marL="0" marR="0" lvl="0" indent="0" algn="r" rtl="0">
+              <a:lnSpc>
+                <a:spcPct val="100000"/>
+              </a:lnSpc>
+              <a:spcBef>
+                <a:spcPts val="0"/>
+              </a:spcBef>
+              <a:spcAft>
+                <a:spcPts val="0"/>
+              </a:spcAft>
+              <a:buClr>
+                <a:srgbClr val="000000"/>
+              </a:buClr>
+              <a:buFont typeface="Arial" panose="020B0604020202020204"/>
+              <a:buNone/>
+            </a:pPr>
+            <a:fld id="{00000000-1234-1234-1234-123412341234}" type="slidenum">
+              <a:rPr lang="en-US" sz="1200" b="0" i="0" u="none" strike="noStrike" cap="none" smtClean="0">
+                <a:solidFill>
+                  <a:srgbClr val="000000"/>
+                </a:solidFill>
+                <a:latin typeface="Arial" panose="020B0604020202020204"/>
+                <a:ea typeface="Arial" panose="020B0604020202020204"/>
+                <a:cs typeface="Arial" panose="020B0604020202020204"/>
+                <a:sym typeface="Arial" panose="020B0604020202020204"/>
+              </a:rPr>
+              <a:t>3</a:t>
+            </a:fld>
+            <a:endParaRPr lang="en-US" sz="1200" b="0" i="0" u="none" strike="noStrike" cap="none">
+              <a:solidFill>
+                <a:srgbClr val="000000"/>
+              </a:solidFill>
+              <a:latin typeface="Arial" panose="020B0604020202020204"/>
+              <a:ea typeface="Arial" panose="020B0604020202020204"/>
+              <a:cs typeface="Arial" panose="020B0604020202020204"/>
+              <a:sym typeface="Arial" panose="020B0604020202020204"/>
+            </a:endParaRPr>
+          </a:p>
+        </p:txBody>
+      </p:sp>
+    </p:spTree>
+    <p:extLst>
+      <p:ext uri="{BB962C8B-B14F-4D97-AF65-F5344CB8AC3E}">
+        <p14:creationId xmlns:p14="http://schemas.microsoft.com/office/powerpoint/2010/main" val="3230175722"/>
+      </p:ext>
+    </p:extLst>
+  </p:cSld>
+  <p:clrMapOvr>
+    <a:masterClrMapping/>
+  </p:clrMapOvr>
+</p:notes>
+</file>
+
+<file path=ppt/notesSlides/notesSlide4.xml><?xml version="1.0" encoding="utf-8"?>
+<p:notes xmlns:a="http://schemas.openxmlformats.org/drawingml/2006/main" xmlns:r="http://schemas.openxmlformats.org/officeDocument/2006/relationships" xmlns:p="http://schemas.openxmlformats.org/presentationml/2006/main">
+  <p:cSld>
+    <p:spTree>
+      <p:nvGrpSpPr>
+        <p:cNvPr id="1" name=""/>
+        <p:cNvGrpSpPr/>
+        <p:nvPr/>
+      </p:nvGrpSpPr>
+      <p:grpSpPr>
+        <a:xfrm>
+          <a:off x="0" y="0"/>
+          <a:ext cx="0" cy="0"/>
+          <a:chOff x="0" y="0"/>
+          <a:chExt cx="0" cy="0"/>
+        </a:xfrm>
+      </p:grpSpPr>
+      <p:sp>
+        <p:nvSpPr>
+          <p:cNvPr id="2" name="Slide Image Placeholder 1"/>
+          <p:cNvSpPr>
+            <a:spLocks noGrp="1" noRot="1" noChangeAspect="1"/>
+          </p:cNvSpPr>
+          <p:nvPr>
+            <p:ph type="sldImg"/>
+          </p:nvPr>
+        </p:nvSpPr>
+        <p:spPr/>
+      </p:sp>
+      <p:sp>
+        <p:nvSpPr>
+          <p:cNvPr id="3" name="Notes Placeholder 2"/>
+          <p:cNvSpPr>
+            <a:spLocks noGrp="1"/>
+          </p:cNvSpPr>
+          <p:nvPr>
+            <p:ph type="body" idx="1"/>
+          </p:nvPr>
+        </p:nvSpPr>
+        <p:spPr/>
+        <p:txBody>
+          <a:bodyPr/>
+          <a:lstStyle/>
+          <a:p>
+            <a:r>
+              <a:rPr lang="en-US" altLang="zh-CN" dirty="0"/>
+              <a:t>This is one of our main function for searching for all the books can be requested. It is a simple structure that we use </a:t>
+            </a:r>
+            <a:r>
+              <a:rPr lang="en-US" altLang="zh-CN" dirty="0" err="1"/>
+              <a:t>opensearch</a:t>
+            </a:r>
+            <a:r>
+              <a:rPr lang="en-US" altLang="zh-CN" dirty="0"/>
+              <a:t> and DynamoDB to get the books which match the input from the search bar. , we called these books can be requested as available donation as they are donated by a students for others to request.</a:t>
+            </a:r>
+            <a:endParaRPr lang="zh-CN" altLang="en-US" dirty="0"/>
+          </a:p>
+        </p:txBody>
+      </p:sp>
+      <p:sp>
+        <p:nvSpPr>
+          <p:cNvPr id="4" name="Slide Number Placeholder 3"/>
+          <p:cNvSpPr>
+            <a:spLocks noGrp="1"/>
+          </p:cNvSpPr>
+          <p:nvPr>
+            <p:ph type="sldNum" idx="12"/>
+          </p:nvPr>
+        </p:nvSpPr>
+        <p:spPr/>
+        <p:txBody>
+          <a:bodyPr/>
+          <a:lstStyle/>
+          <a:p>
+            <a:pPr marL="0" marR="0" lvl="0" indent="0" algn="r" rtl="0">
+              <a:lnSpc>
+                <a:spcPct val="100000"/>
+              </a:lnSpc>
+              <a:spcBef>
+                <a:spcPts val="0"/>
+              </a:spcBef>
+              <a:spcAft>
+                <a:spcPts val="0"/>
+              </a:spcAft>
+              <a:buClr>
+                <a:srgbClr val="000000"/>
+              </a:buClr>
+              <a:buFont typeface="Arial" panose="020B0604020202020204"/>
+              <a:buNone/>
+            </a:pPr>
+            <a:fld id="{00000000-1234-1234-1234-123412341234}" type="slidenum">
+              <a:rPr lang="en-US" sz="1200" b="0" i="0" u="none" strike="noStrike" cap="none" smtClean="0">
+                <a:solidFill>
+                  <a:srgbClr val="000000"/>
+                </a:solidFill>
+                <a:latin typeface="Arial" panose="020B0604020202020204"/>
+                <a:ea typeface="Arial" panose="020B0604020202020204"/>
+                <a:cs typeface="Arial" panose="020B0604020202020204"/>
+                <a:sym typeface="Arial" panose="020B0604020202020204"/>
+              </a:rPr>
+              <a:t>4</a:t>
+            </a:fld>
+            <a:endParaRPr lang="en-US" sz="1200" b="0" i="0" u="none" strike="noStrike" cap="none">
+              <a:solidFill>
+                <a:srgbClr val="000000"/>
+              </a:solidFill>
+              <a:latin typeface="Arial" panose="020B0604020202020204"/>
+              <a:ea typeface="Arial" panose="020B0604020202020204"/>
+              <a:cs typeface="Arial" panose="020B0604020202020204"/>
+              <a:sym typeface="Arial" panose="020B0604020202020204"/>
+            </a:endParaRPr>
+          </a:p>
+        </p:txBody>
+      </p:sp>
+    </p:spTree>
+    <p:extLst>
+      <p:ext uri="{BB962C8B-B14F-4D97-AF65-F5344CB8AC3E}">
+        <p14:creationId xmlns:p14="http://schemas.microsoft.com/office/powerpoint/2010/main" val="2827554534"/>
+      </p:ext>
+    </p:extLst>
+  </p:cSld>
+  <p:clrMapOvr>
+    <a:masterClrMapping/>
+  </p:clrMapOvr>
+</p:notes>
+</file>
+
+<file path=ppt/notesSlides/notesSlide5.xml><?xml version="1.0" encoding="utf-8"?>
+<p:notes xmlns:a="http://schemas.openxmlformats.org/drawingml/2006/main" xmlns:r="http://schemas.openxmlformats.org/officeDocument/2006/relationships" xmlns:p="http://schemas.openxmlformats.org/presentationml/2006/main">
+  <p:cSld>
+    <p:spTree>
+      <p:nvGrpSpPr>
+        <p:cNvPr id="1" name=""/>
+        <p:cNvGrpSpPr/>
+        <p:nvPr/>
+      </p:nvGrpSpPr>
+      <p:grpSpPr>
+        <a:xfrm>
+          <a:off x="0" y="0"/>
+          <a:ext cx="0" cy="0"/>
+          <a:chOff x="0" y="0"/>
+          <a:chExt cx="0" cy="0"/>
+        </a:xfrm>
+      </p:grpSpPr>
+      <p:sp>
+        <p:nvSpPr>
+          <p:cNvPr id="2" name="Slide Image Placeholder 1"/>
+          <p:cNvSpPr>
+            <a:spLocks noGrp="1" noRot="1" noChangeAspect="1"/>
+          </p:cNvSpPr>
+          <p:nvPr>
+            <p:ph type="sldImg"/>
+          </p:nvPr>
+        </p:nvSpPr>
+        <p:spPr/>
+      </p:sp>
+      <p:sp>
+        <p:nvSpPr>
+          <p:cNvPr id="3" name="Notes Placeholder 2"/>
+          <p:cNvSpPr>
+            <a:spLocks noGrp="1"/>
+          </p:cNvSpPr>
+          <p:nvPr>
+            <p:ph type="body" idx="1"/>
+          </p:nvPr>
+        </p:nvSpPr>
+        <p:spPr/>
+        <p:txBody>
+          <a:bodyPr/>
+          <a:lstStyle/>
+          <a:p>
+            <a:r>
+              <a:rPr lang="en-US" altLang="zh-CN" dirty="0"/>
+              <a:t>Making donation and request are other 2 main functions in our application. For the donation part, we used a lambda function, every time there is a request sent from the API Gateway, the lambda function will use Open Library API to generate the genres, and the donation information will be added to the DynamoDB and OpenSearch, and . It will also store the photos the S3 bucket if the user choose to upload one. The donator can gain credits after some one requested it.</a:t>
+            </a:r>
+          </a:p>
+          <a:p>
+            <a:r>
+              <a:rPr lang="en-US" altLang="zh-CN" dirty="0"/>
+              <a:t>For the request side, it is much simpler than the donation, it will simplify modify the data for the user as their credits may be changed and then set the book to be unavailable.</a:t>
+            </a:r>
+            <a:endParaRPr lang="zh-CN" altLang="en-US" dirty="0"/>
+          </a:p>
+        </p:txBody>
+      </p:sp>
+      <p:sp>
+        <p:nvSpPr>
+          <p:cNvPr id="4" name="Slide Number Placeholder 3"/>
+          <p:cNvSpPr>
+            <a:spLocks noGrp="1"/>
+          </p:cNvSpPr>
+          <p:nvPr>
+            <p:ph type="sldNum" idx="12"/>
+          </p:nvPr>
+        </p:nvSpPr>
+        <p:spPr/>
+        <p:txBody>
+          <a:bodyPr/>
+          <a:lstStyle/>
+          <a:p>
+            <a:pPr marL="0" marR="0" lvl="0" indent="0" algn="r" rtl="0">
+              <a:lnSpc>
+                <a:spcPct val="100000"/>
+              </a:lnSpc>
+              <a:spcBef>
+                <a:spcPts val="0"/>
+              </a:spcBef>
+              <a:spcAft>
+                <a:spcPts val="0"/>
+              </a:spcAft>
+              <a:buClr>
+                <a:srgbClr val="000000"/>
+              </a:buClr>
+              <a:buFont typeface="Arial" panose="020B0604020202020204"/>
+              <a:buNone/>
+            </a:pPr>
+            <a:fld id="{00000000-1234-1234-1234-123412341234}" type="slidenum">
+              <a:rPr lang="en-US" sz="1200" b="0" i="0" u="none" strike="noStrike" cap="none" smtClean="0">
+                <a:solidFill>
+                  <a:srgbClr val="000000"/>
+                </a:solidFill>
+                <a:latin typeface="Arial" panose="020B0604020202020204"/>
+                <a:ea typeface="Arial" panose="020B0604020202020204"/>
+                <a:cs typeface="Arial" panose="020B0604020202020204"/>
+                <a:sym typeface="Arial" panose="020B0604020202020204"/>
+              </a:rPr>
+              <a:t>5</a:t>
+            </a:fld>
+            <a:endParaRPr lang="en-US" sz="1200" b="0" i="0" u="none" strike="noStrike" cap="none">
+              <a:solidFill>
+                <a:srgbClr val="000000"/>
+              </a:solidFill>
+              <a:latin typeface="Arial" panose="020B0604020202020204"/>
+              <a:ea typeface="Arial" panose="020B0604020202020204"/>
+              <a:cs typeface="Arial" panose="020B0604020202020204"/>
+              <a:sym typeface="Arial" panose="020B0604020202020204"/>
+            </a:endParaRPr>
+          </a:p>
+        </p:txBody>
+      </p:sp>
+    </p:spTree>
+    <p:extLst>
+      <p:ext uri="{BB962C8B-B14F-4D97-AF65-F5344CB8AC3E}">
+        <p14:creationId xmlns:p14="http://schemas.microsoft.com/office/powerpoint/2010/main" val="3726089592"/>
+      </p:ext>
+    </p:extLst>
+  </p:cSld>
+  <p:clrMapOvr>
+    <a:masterClrMapping/>
+  </p:clrMapOvr>
+</p:notes>
+</file>
+
+<file path=ppt/notesSlides/notesSlide6.xml><?xml version="1.0" encoding="utf-8"?>
+<p:notes xmlns:a="http://schemas.openxmlformats.org/drawingml/2006/main" xmlns:r="http://schemas.openxmlformats.org/officeDocument/2006/relationships" xmlns:p="http://schemas.openxmlformats.org/presentationml/2006/main">
+  <p:cSld>
+    <p:spTree>
+      <p:nvGrpSpPr>
+        <p:cNvPr id="1" name=""/>
+        <p:cNvGrpSpPr/>
+        <p:nvPr/>
+      </p:nvGrpSpPr>
+      <p:grpSpPr>
+        <a:xfrm>
+          <a:off x="0" y="0"/>
+          <a:ext cx="0" cy="0"/>
+          <a:chOff x="0" y="0"/>
+          <a:chExt cx="0" cy="0"/>
+        </a:xfrm>
+      </p:grpSpPr>
+      <p:sp>
+        <p:nvSpPr>
+          <p:cNvPr id="2" name="Slide Image Placeholder 1"/>
+          <p:cNvSpPr>
+            <a:spLocks noGrp="1" noRot="1" noChangeAspect="1"/>
+          </p:cNvSpPr>
+          <p:nvPr>
+            <p:ph type="sldImg"/>
+          </p:nvPr>
+        </p:nvSpPr>
+        <p:spPr/>
+      </p:sp>
+      <p:sp>
+        <p:nvSpPr>
+          <p:cNvPr id="3" name="Notes Placeholder 2"/>
+          <p:cNvSpPr>
+            <a:spLocks noGrp="1"/>
+          </p:cNvSpPr>
+          <p:nvPr>
+            <p:ph type="body" idx="1"/>
+          </p:nvPr>
+        </p:nvSpPr>
+        <p:spPr/>
+        <p:txBody>
+          <a:bodyPr/>
+          <a:lstStyle/>
+          <a:p>
+            <a:r>
+              <a:rPr lang="en-US" altLang="zh-CN" dirty="0"/>
+              <a:t>There are some other functions of our application that I will </a:t>
+            </a:r>
+            <a:r>
+              <a:rPr lang="en-US" altLang="zh-CN" dirty="0" err="1"/>
+              <a:t>brefily</a:t>
+            </a:r>
+            <a:r>
+              <a:rPr lang="en-US" altLang="zh-CN" dirty="0"/>
+              <a:t> mention here. The user can add a book to their </a:t>
+            </a:r>
+            <a:r>
+              <a:rPr lang="en-US" altLang="zh-CN" dirty="0" err="1"/>
+              <a:t>favoutie</a:t>
+            </a:r>
+            <a:r>
+              <a:rPr lang="en-US" altLang="zh-CN" dirty="0"/>
+              <a:t> list and show their donation or request history. We also allows the user to send messages between each other. And We used Cognito to handle the registration, verification and login process, this is necessary as we want to make sure every user is a Columbia student. </a:t>
+            </a:r>
+            <a:endParaRPr lang="zh-CN" altLang="en-US" dirty="0"/>
+          </a:p>
+        </p:txBody>
+      </p:sp>
+      <p:sp>
+        <p:nvSpPr>
+          <p:cNvPr id="4" name="Slide Number Placeholder 3"/>
+          <p:cNvSpPr>
+            <a:spLocks noGrp="1"/>
+          </p:cNvSpPr>
+          <p:nvPr>
+            <p:ph type="sldNum" idx="12"/>
+          </p:nvPr>
+        </p:nvSpPr>
+        <p:spPr/>
+        <p:txBody>
+          <a:bodyPr/>
+          <a:lstStyle/>
+          <a:p>
+            <a:pPr marL="0" marR="0" lvl="0" indent="0" algn="r" rtl="0">
+              <a:lnSpc>
+                <a:spcPct val="100000"/>
+              </a:lnSpc>
+              <a:spcBef>
+                <a:spcPts val="0"/>
+              </a:spcBef>
+              <a:spcAft>
+                <a:spcPts val="0"/>
+              </a:spcAft>
+              <a:buClr>
+                <a:srgbClr val="000000"/>
+              </a:buClr>
+              <a:buFont typeface="Arial" panose="020B0604020202020204"/>
+              <a:buNone/>
+            </a:pPr>
+            <a:fld id="{00000000-1234-1234-1234-123412341234}" type="slidenum">
+              <a:rPr lang="en-US" sz="1200" b="0" i="0" u="none" strike="noStrike" cap="none" smtClean="0">
+                <a:solidFill>
+                  <a:srgbClr val="000000"/>
+                </a:solidFill>
+                <a:latin typeface="Arial" panose="020B0604020202020204"/>
+                <a:ea typeface="Arial" panose="020B0604020202020204"/>
+                <a:cs typeface="Arial" panose="020B0604020202020204"/>
+                <a:sym typeface="Arial" panose="020B0604020202020204"/>
+              </a:rPr>
+              <a:t>6</a:t>
+            </a:fld>
+            <a:endParaRPr lang="en-US" sz="1200" b="0" i="0" u="none" strike="noStrike" cap="none">
+              <a:solidFill>
+                <a:srgbClr val="000000"/>
+              </a:solidFill>
+              <a:latin typeface="Arial" panose="020B0604020202020204"/>
+              <a:ea typeface="Arial" panose="020B0604020202020204"/>
+              <a:cs typeface="Arial" panose="020B0604020202020204"/>
+              <a:sym typeface="Arial" panose="020B0604020202020204"/>
+            </a:endParaRPr>
+          </a:p>
+        </p:txBody>
+      </p:sp>
+    </p:spTree>
+    <p:extLst>
+      <p:ext uri="{BB962C8B-B14F-4D97-AF65-F5344CB8AC3E}">
+        <p14:creationId xmlns:p14="http://schemas.microsoft.com/office/powerpoint/2010/main" val="654348121"/>
+      </p:ext>
+    </p:extLst>
+  </p:cSld>
+  <p:clrMapOvr>
+    <a:masterClrMapping/>
+  </p:clrMapOvr>
+</p:notes>
+</file>
+
+<file path=ppt/notesSlides/notesSlide7.xml><?xml version="1.0" encoding="utf-8"?>
+<p:notes xmlns:a="http://schemas.openxmlformats.org/drawingml/2006/main" xmlns:r="http://schemas.openxmlformats.org/officeDocument/2006/relationships" xmlns:p="http://schemas.openxmlformats.org/presentationml/2006/main">
+  <p:cSld>
+    <p:spTree>
+      <p:nvGrpSpPr>
+        <p:cNvPr id="1" name=""/>
+        <p:cNvGrpSpPr/>
+        <p:nvPr/>
+      </p:nvGrpSpPr>
+      <p:grpSpPr>
+        <a:xfrm>
+          <a:off x="0" y="0"/>
+          <a:ext cx="0" cy="0"/>
+          <a:chOff x="0" y="0"/>
+          <a:chExt cx="0" cy="0"/>
+        </a:xfrm>
+      </p:grpSpPr>
+      <p:sp>
+        <p:nvSpPr>
+          <p:cNvPr id="2" name="Slide Image Placeholder 1"/>
+          <p:cNvSpPr>
+            <a:spLocks noGrp="1" noRot="1" noChangeAspect="1"/>
+          </p:cNvSpPr>
+          <p:nvPr>
+            <p:ph type="sldImg"/>
+          </p:nvPr>
+        </p:nvSpPr>
+        <p:spPr/>
+      </p:sp>
+      <p:sp>
+        <p:nvSpPr>
+          <p:cNvPr id="3" name="Notes Placeholder 2"/>
+          <p:cNvSpPr>
+            <a:spLocks noGrp="1"/>
+          </p:cNvSpPr>
+          <p:nvPr>
+            <p:ph type="body" idx="1"/>
+          </p:nvPr>
+        </p:nvSpPr>
+        <p:spPr/>
+        <p:txBody>
+          <a:bodyPr/>
+          <a:lstStyle/>
+          <a:p>
+            <a:r>
+              <a:rPr lang="en-US" altLang="zh-CN" dirty="0"/>
+              <a:t>There are some interesting subtleties related to our design. First, as I mentioned, our application is only used for Columbia university students for now, but this is not what we want at the very first stage. We noticed that allowing any people to register is hard for users to send their books as they may live very far from each other and it will also lead to a large possibility of malicious uses.</a:t>
+            </a:r>
+          </a:p>
+          <a:p>
+            <a:r>
+              <a:rPr lang="en-US" altLang="zh-CN" dirty="0"/>
+              <a:t>Second, for the donation part, we decided to let user to upload a photo, which can be used to show how the books looks like, if the user does not upload one , we will generate one from the </a:t>
+            </a:r>
+            <a:r>
+              <a:rPr lang="en-US" altLang="zh-CN" dirty="0" err="1"/>
+              <a:t>Api</a:t>
+            </a:r>
+            <a:r>
+              <a:rPr lang="en-US" altLang="zh-CN" dirty="0"/>
+              <a:t>. We let the user’s uploaded photo to be the primary way of showing books because we realized the API we can find is not that reliable and it does not contains all the books we may need.</a:t>
+            </a:r>
+            <a:endParaRPr lang="zh-CN" altLang="en-US" dirty="0"/>
+          </a:p>
+        </p:txBody>
+      </p:sp>
+      <p:sp>
+        <p:nvSpPr>
+          <p:cNvPr id="4" name="Slide Number Placeholder 3"/>
+          <p:cNvSpPr>
+            <a:spLocks noGrp="1"/>
+          </p:cNvSpPr>
+          <p:nvPr>
+            <p:ph type="sldNum" idx="12"/>
+          </p:nvPr>
+        </p:nvSpPr>
+        <p:spPr/>
+        <p:txBody>
+          <a:bodyPr/>
+          <a:lstStyle/>
+          <a:p>
+            <a:pPr marL="0" marR="0" lvl="0" indent="0" algn="r" rtl="0">
+              <a:lnSpc>
+                <a:spcPct val="100000"/>
+              </a:lnSpc>
+              <a:spcBef>
+                <a:spcPts val="0"/>
+              </a:spcBef>
+              <a:spcAft>
+                <a:spcPts val="0"/>
+              </a:spcAft>
+              <a:buClr>
+                <a:srgbClr val="000000"/>
+              </a:buClr>
+              <a:buFont typeface="Arial" panose="020B0604020202020204"/>
+              <a:buNone/>
+            </a:pPr>
+            <a:fld id="{00000000-1234-1234-1234-123412341234}" type="slidenum">
+              <a:rPr lang="en-US" sz="1200" b="0" i="0" u="none" strike="noStrike" cap="none" smtClean="0">
+                <a:solidFill>
+                  <a:srgbClr val="000000"/>
+                </a:solidFill>
+                <a:latin typeface="Arial" panose="020B0604020202020204"/>
+                <a:ea typeface="Arial" panose="020B0604020202020204"/>
+                <a:cs typeface="Arial" panose="020B0604020202020204"/>
+                <a:sym typeface="Arial" panose="020B0604020202020204"/>
+              </a:rPr>
+              <a:t>7</a:t>
+            </a:fld>
+            <a:endParaRPr lang="en-US" sz="1200" b="0" i="0" u="none" strike="noStrike" cap="none">
+              <a:solidFill>
+                <a:srgbClr val="000000"/>
+              </a:solidFill>
+              <a:latin typeface="Arial" panose="020B0604020202020204"/>
+              <a:ea typeface="Arial" panose="020B0604020202020204"/>
+              <a:cs typeface="Arial" panose="020B0604020202020204"/>
+              <a:sym typeface="Arial" panose="020B0604020202020204"/>
+            </a:endParaRPr>
+          </a:p>
+        </p:txBody>
+      </p:sp>
+    </p:spTree>
+    <p:extLst>
+      <p:ext uri="{BB962C8B-B14F-4D97-AF65-F5344CB8AC3E}">
+        <p14:creationId xmlns:p14="http://schemas.microsoft.com/office/powerpoint/2010/main" val="67200124"/>
+      </p:ext>
+    </p:extLst>
+  </p:cSld>
+  <p:clrMapOvr>
+    <a:masterClrMapping/>
+  </p:clrMapOvr>
+</p:notes>
+</file>
+
+<file path=ppt/notesSlides/notesSlide8.xml><?xml version="1.0" encoding="utf-8"?>
+<p:notes xmlns:a="http://schemas.openxmlformats.org/drawingml/2006/main" xmlns:r="http://schemas.openxmlformats.org/officeDocument/2006/relationships" xmlns:p="http://schemas.openxmlformats.org/presentationml/2006/main">
+  <p:cSld>
+    <p:spTree>
+      <p:nvGrpSpPr>
+        <p:cNvPr id="1" name=""/>
+        <p:cNvGrpSpPr/>
+        <p:nvPr/>
+      </p:nvGrpSpPr>
+      <p:grpSpPr>
+        <a:xfrm>
+          <a:off x="0" y="0"/>
+          <a:ext cx="0" cy="0"/>
+          <a:chOff x="0" y="0"/>
+          <a:chExt cx="0" cy="0"/>
+        </a:xfrm>
+      </p:grpSpPr>
+      <p:sp>
+        <p:nvSpPr>
+          <p:cNvPr id="2" name="Slide Image Placeholder 1"/>
+          <p:cNvSpPr>
+            <a:spLocks noGrp="1" noRot="1" noChangeAspect="1"/>
+          </p:cNvSpPr>
+          <p:nvPr>
+            <p:ph type="sldImg"/>
+          </p:nvPr>
+        </p:nvSpPr>
+        <p:spPr/>
+      </p:sp>
+      <p:sp>
+        <p:nvSpPr>
+          <p:cNvPr id="3" name="Notes Placeholder 2"/>
+          <p:cNvSpPr>
+            <a:spLocks noGrp="1"/>
+          </p:cNvSpPr>
+          <p:nvPr>
+            <p:ph type="body" idx="1"/>
+          </p:nvPr>
+        </p:nvSpPr>
+        <p:spPr/>
+        <p:txBody>
+          <a:bodyPr/>
+          <a:lstStyle/>
+          <a:p>
+            <a:r>
+              <a:rPr lang="en-US" altLang="zh-CN" dirty="0"/>
+              <a:t>We used DynamoDB and </a:t>
+            </a:r>
+            <a:r>
+              <a:rPr lang="en-US" altLang="zh-CN" dirty="0" err="1"/>
+              <a:t>Congito</a:t>
+            </a:r>
+            <a:r>
+              <a:rPr lang="en-US" altLang="zh-CN" dirty="0"/>
+              <a:t> to store the user information, but not only using Cognito, this is because the attributes in Cognito has to be key-value pair, which is not good for storing complicated structure as we need.</a:t>
+            </a:r>
+          </a:p>
+          <a:p>
+            <a:r>
+              <a:rPr lang="en-US" altLang="zh-CN" dirty="0"/>
+              <a:t>We did not use OpenSearch to store the availability of the book as we may need to change them when we request, given the current expected number of users , it seems fine if we just filter them after we get all the books with name we need.</a:t>
+            </a:r>
+            <a:endParaRPr lang="zh-CN" altLang="en-US" dirty="0"/>
+          </a:p>
+        </p:txBody>
+      </p:sp>
+      <p:sp>
+        <p:nvSpPr>
+          <p:cNvPr id="4" name="Slide Number Placeholder 3"/>
+          <p:cNvSpPr>
+            <a:spLocks noGrp="1"/>
+          </p:cNvSpPr>
+          <p:nvPr>
+            <p:ph type="sldNum" idx="12"/>
+          </p:nvPr>
+        </p:nvSpPr>
+        <p:spPr/>
+        <p:txBody>
+          <a:bodyPr/>
+          <a:lstStyle/>
+          <a:p>
+            <a:pPr marL="0" marR="0" lvl="0" indent="0" algn="r" rtl="0">
+              <a:lnSpc>
+                <a:spcPct val="100000"/>
+              </a:lnSpc>
+              <a:spcBef>
+                <a:spcPts val="0"/>
+              </a:spcBef>
+              <a:spcAft>
+                <a:spcPts val="0"/>
+              </a:spcAft>
+              <a:buClr>
+                <a:srgbClr val="000000"/>
+              </a:buClr>
+              <a:buFont typeface="Arial" panose="020B0604020202020204"/>
+              <a:buNone/>
+            </a:pPr>
+            <a:fld id="{00000000-1234-1234-1234-123412341234}" type="slidenum">
+              <a:rPr lang="en-US" sz="1200" b="0" i="0" u="none" strike="noStrike" cap="none" smtClean="0">
+                <a:solidFill>
+                  <a:srgbClr val="000000"/>
+                </a:solidFill>
+                <a:latin typeface="Arial" panose="020B0604020202020204"/>
+                <a:ea typeface="Arial" panose="020B0604020202020204"/>
+                <a:cs typeface="Arial" panose="020B0604020202020204"/>
+                <a:sym typeface="Arial" panose="020B0604020202020204"/>
+              </a:rPr>
+              <a:t>8</a:t>
+            </a:fld>
+            <a:endParaRPr lang="en-US" sz="1200" b="0" i="0" u="none" strike="noStrike" cap="none">
+              <a:solidFill>
+                <a:srgbClr val="000000"/>
+              </a:solidFill>
+              <a:latin typeface="Arial" panose="020B0604020202020204"/>
+              <a:ea typeface="Arial" panose="020B0604020202020204"/>
+              <a:cs typeface="Arial" panose="020B0604020202020204"/>
+              <a:sym typeface="Arial" panose="020B0604020202020204"/>
+            </a:endParaRPr>
+          </a:p>
+        </p:txBody>
+      </p:sp>
+    </p:spTree>
+    <p:extLst>
+      <p:ext uri="{BB962C8B-B14F-4D97-AF65-F5344CB8AC3E}">
+        <p14:creationId xmlns:p14="http://schemas.microsoft.com/office/powerpoint/2010/main" val="68302127"/>
+      </p:ext>
+    </p:extLst>
   </p:cSld>
   <p:clrMapOvr>
     <a:masterClrMapping/>
@@ -7394,7 +8319,7 @@
         </p:nvSpPr>
         <p:spPr>
           <a:xfrm>
-            <a:off x="7629349" y="1736093"/>
+            <a:off x="7589592" y="1929196"/>
             <a:ext cx="4218581" cy="3900805"/>
           </a:xfrm>
           <a:prstGeom prst="rect">
@@ -7403,7 +8328,7 @@
         </p:spPr>
         <p:txBody>
           <a:bodyPr vert="horz" lIns="91440" tIns="45720" rIns="91440" bIns="45720" rtlCol="0" anchor="ctr">
-            <a:normAutofit/>
+            <a:normAutofit fontScale="85000" lnSpcReduction="10000"/>
           </a:bodyPr>
           <a:lstStyle>
             <a:lvl1pPr marL="285750" indent="-285750" algn="l" defTabSz="457200" rtl="0" eaLnBrk="1" latinLnBrk="0" hangingPunct="1">
@@ -7663,7 +8588,19 @@
                   </a:schemeClr>
                 </a:solidFill>
               </a:rPr>
-              <a:t>A platform encourages people to exchange books</a:t>
+              <a:t>Many people prefer to have cheap, used books rather than the new paper books, this is especially the case for students’ textbook</a:t>
+            </a:r>
+          </a:p>
+          <a:p>
+            <a:r>
+              <a:rPr lang="en-US" dirty="0">
+                <a:solidFill>
+                  <a:schemeClr val="tx1">
+                    <a:lumMod val="85000"/>
+                  </a:schemeClr>
+                </a:solidFill>
+              </a:rPr>
+              <a:t>A platform encourages Columbia University students to exchange books</a:t>
             </a:r>
           </a:p>
           <a:p>
@@ -7741,603 +8678,6 @@
         </p:nvSpPr>
         <p:spPr>
           <a:xfrm>
-            <a:off x="1415415" y="0"/>
-            <a:ext cx="9144000" cy="794044"/>
-          </a:xfrm>
-        </p:spPr>
-        <p:txBody>
-          <a:bodyPr>
-            <a:noAutofit/>
-          </a:bodyPr>
-          <a:lstStyle/>
-          <a:p>
-            <a:r>
-              <a:rPr lang="en-US" altLang="zh-CN" sz="4000" dirty="0"/>
-              <a:t>Structure Overview</a:t>
-            </a:r>
-            <a:endParaRPr lang="zh-CN" altLang="en-US" sz="4000" dirty="0"/>
-          </a:p>
-        </p:txBody>
-      </p:sp>
-      <p:pic>
-        <p:nvPicPr>
-          <p:cNvPr id="6" name="Picture 5">
-            <a:extLst>
-              <a:ext uri="{FF2B5EF4-FFF2-40B4-BE49-F238E27FC236}">
-                <a16:creationId xmlns:a16="http://schemas.microsoft.com/office/drawing/2014/main" id="{EF496672-8690-A800-DD59-967CFCA78B50}"/>
-              </a:ext>
-            </a:extLst>
-          </p:cNvPr>
-          <p:cNvPicPr>
-            <a:picLocks noChangeAspect="1"/>
-          </p:cNvPicPr>
-          <p:nvPr/>
-        </p:nvPicPr>
-        <p:blipFill>
-          <a:blip r:embed="rId2"/>
-          <a:stretch>
-            <a:fillRect/>
-          </a:stretch>
-        </p:blipFill>
-        <p:spPr>
-          <a:xfrm>
-            <a:off x="717087" y="854274"/>
-            <a:ext cx="5450626" cy="5604122"/>
-          </a:xfrm>
-          <a:prstGeom prst="rect">
-            <a:avLst/>
-          </a:prstGeom>
-          <a:ln>
-            <a:noFill/>
-          </a:ln>
-          <a:effectLst>
-            <a:outerShdw blurRad="292100" dist="139700" dir="2700000" algn="tl" rotWithShape="0">
-              <a:srgbClr val="333333">
-                <a:alpha val="65000"/>
-              </a:srgbClr>
-            </a:outerShdw>
-          </a:effectLst>
-        </p:spPr>
-      </p:pic>
-      <p:sp>
-        <p:nvSpPr>
-          <p:cNvPr id="7" name="TextBox 6">
-            <a:extLst>
-              <a:ext uri="{FF2B5EF4-FFF2-40B4-BE49-F238E27FC236}">
-                <a16:creationId xmlns:a16="http://schemas.microsoft.com/office/drawing/2014/main" id="{4B42FB90-EB5C-DF06-C733-E32284A7F222}"/>
-              </a:ext>
-            </a:extLst>
-          </p:cNvPr>
-          <p:cNvSpPr txBox="1"/>
-          <p:nvPr/>
-        </p:nvSpPr>
-        <p:spPr>
-          <a:xfrm>
-            <a:off x="6630769" y="596824"/>
-            <a:ext cx="4457015" cy="6001643"/>
-          </a:xfrm>
-          <a:prstGeom prst="rect">
-            <a:avLst/>
-          </a:prstGeom>
-          <a:noFill/>
-        </p:spPr>
-        <p:txBody>
-          <a:bodyPr wrap="square" rtlCol="0">
-            <a:spAutoFit/>
-          </a:bodyPr>
-          <a:lstStyle/>
-          <a:p>
-            <a:pPr lvl="0"/>
-            <a:r>
-              <a:rPr lang="en-US" altLang="zh-CN" sz="1200" b="1" dirty="0">
-                <a:effectLst/>
-                <a:latin typeface="Times New Roman" panose="02020603050405020304" pitchFamily="18" charset="0"/>
-                <a:ea typeface="SimSun" panose="02010600030101010101" pitchFamily="2" charset="-122"/>
-                <a:cs typeface="SimSun" panose="02010600030101010101" pitchFamily="2" charset="-122"/>
-              </a:rPr>
-              <a:t>POST /donation/</a:t>
-            </a:r>
-          </a:p>
-          <a:p>
-            <a:pPr lvl="0"/>
-            <a:r>
-              <a:rPr lang="en-US" altLang="zh-CN" sz="1200" dirty="0">
-                <a:effectLst/>
-                <a:latin typeface="Times New Roman" panose="02020603050405020304" pitchFamily="18" charset="0"/>
-                <a:ea typeface="SimSun" panose="02010600030101010101" pitchFamily="2" charset="-122"/>
-                <a:cs typeface="SimSun" panose="02010600030101010101" pitchFamily="2" charset="-122"/>
-              </a:rPr>
-              <a:t>Body param: </a:t>
-            </a:r>
-            <a:r>
-              <a:rPr lang="en-US" altLang="zh-CN" sz="1200" dirty="0" err="1">
-                <a:effectLst/>
-                <a:latin typeface="Times New Roman" panose="02020603050405020304" pitchFamily="18" charset="0"/>
-                <a:ea typeface="SimSun" panose="02010600030101010101" pitchFamily="2" charset="-122"/>
-                <a:cs typeface="SimSun" panose="02010600030101010101" pitchFamily="2" charset="-122"/>
-              </a:rPr>
-              <a:t>donation_id</a:t>
-            </a:r>
-            <a:r>
-              <a:rPr lang="en-US" altLang="zh-CN" sz="1200" dirty="0">
-                <a:effectLst/>
-                <a:latin typeface="Times New Roman" panose="02020603050405020304" pitchFamily="18" charset="0"/>
-                <a:ea typeface="SimSun" panose="02010600030101010101" pitchFamily="2" charset="-122"/>
-                <a:cs typeface="SimSun" panose="02010600030101010101" pitchFamily="2" charset="-122"/>
-              </a:rPr>
-              <a:t>, </a:t>
-            </a:r>
-            <a:r>
-              <a:rPr lang="en-US" altLang="zh-CN" sz="1200" dirty="0" err="1">
-                <a:effectLst/>
-                <a:latin typeface="Times New Roman" panose="02020603050405020304" pitchFamily="18" charset="0"/>
-                <a:ea typeface="SimSun" panose="02010600030101010101" pitchFamily="2" charset="-122"/>
-                <a:cs typeface="SimSun" panose="02010600030101010101" pitchFamily="2" charset="-122"/>
-              </a:rPr>
-              <a:t>book_name</a:t>
-            </a:r>
-            <a:r>
-              <a:rPr lang="en-US" altLang="zh-CN" sz="1200" dirty="0">
-                <a:effectLst/>
-                <a:latin typeface="Times New Roman" panose="02020603050405020304" pitchFamily="18" charset="0"/>
-                <a:ea typeface="SimSun" panose="02010600030101010101" pitchFamily="2" charset="-122"/>
-                <a:cs typeface="SimSun" panose="02010600030101010101" pitchFamily="2" charset="-122"/>
-              </a:rPr>
-              <a:t>, user, condition, </a:t>
-            </a:r>
-            <a:r>
-              <a:rPr lang="en-US" altLang="zh-CN" sz="1200" dirty="0" err="1">
-                <a:effectLst/>
-                <a:latin typeface="Times New Roman" panose="02020603050405020304" pitchFamily="18" charset="0"/>
-                <a:ea typeface="SimSun" panose="02010600030101010101" pitchFamily="2" charset="-122"/>
-                <a:cs typeface="SimSun" panose="02010600030101010101" pitchFamily="2" charset="-122"/>
-              </a:rPr>
-              <a:t>photos_links</a:t>
-            </a:r>
-            <a:r>
-              <a:rPr lang="en-US" altLang="zh-CN" sz="1200" dirty="0">
-                <a:effectLst/>
-                <a:latin typeface="Times New Roman" panose="02020603050405020304" pitchFamily="18" charset="0"/>
-                <a:ea typeface="SimSun" panose="02010600030101010101" pitchFamily="2" charset="-122"/>
-                <a:cs typeface="SimSun" panose="02010600030101010101" pitchFamily="2" charset="-122"/>
-              </a:rPr>
-              <a:t>, credit.</a:t>
-            </a:r>
-          </a:p>
-          <a:p>
-            <a:pPr lvl="0"/>
-            <a:r>
-              <a:rPr lang="en-US" altLang="zh-CN" sz="1200" dirty="0">
-                <a:effectLst/>
-                <a:latin typeface="Times New Roman" panose="02020603050405020304" pitchFamily="18" charset="0"/>
-                <a:ea typeface="SimSun" panose="02010600030101010101" pitchFamily="2" charset="-122"/>
-                <a:cs typeface="SimSun" panose="02010600030101010101" pitchFamily="2" charset="-122"/>
-              </a:rPr>
-              <a:t>Description: make a donation of a used-book, and add the corresponding information to the DynamoDB and OpenSearch</a:t>
-            </a:r>
-          </a:p>
-          <a:p>
-            <a:pPr lvl="0"/>
-            <a:endParaRPr lang="en-US" altLang="zh-CN" sz="1200" dirty="0">
-              <a:effectLst/>
-              <a:latin typeface="Times New Roman" panose="02020603050405020304" pitchFamily="18" charset="0"/>
-              <a:ea typeface="SimSun" panose="02010600030101010101" pitchFamily="2" charset="-122"/>
-              <a:cs typeface="SimSun" panose="02010600030101010101" pitchFamily="2" charset="-122"/>
-            </a:endParaRPr>
-          </a:p>
-          <a:p>
-            <a:pPr lvl="0"/>
-            <a:r>
-              <a:rPr lang="en-US" altLang="zh-CN" sz="1200" b="1" dirty="0">
-                <a:effectLst/>
-                <a:latin typeface="Times New Roman" panose="02020603050405020304" pitchFamily="18" charset="0"/>
-                <a:ea typeface="SimSun" panose="02010600030101010101" pitchFamily="2" charset="-122"/>
-                <a:cs typeface="SimSun" panose="02010600030101010101" pitchFamily="2" charset="-122"/>
-              </a:rPr>
-              <a:t>POST /donation/photos/</a:t>
-            </a:r>
-          </a:p>
-          <a:p>
-            <a:pPr lvl="0"/>
-            <a:r>
-              <a:rPr lang="en-US" altLang="zh-CN" sz="1200" dirty="0">
-                <a:effectLst/>
-                <a:latin typeface="Times New Roman" panose="02020603050405020304" pitchFamily="18" charset="0"/>
-                <a:ea typeface="SimSun" panose="02010600030101010101" pitchFamily="2" charset="-122"/>
-                <a:cs typeface="SimSun" panose="02010600030101010101" pitchFamily="2" charset="-122"/>
-              </a:rPr>
-              <a:t>Body param: photos</a:t>
-            </a:r>
-          </a:p>
-          <a:p>
-            <a:pPr lvl="0"/>
-            <a:r>
-              <a:rPr lang="en-US" altLang="zh-CN" sz="1200" dirty="0">
-                <a:effectLst/>
-                <a:latin typeface="Times New Roman" panose="02020603050405020304" pitchFamily="18" charset="0"/>
-                <a:ea typeface="SimSun" panose="02010600030101010101" pitchFamily="2" charset="-122"/>
-                <a:cs typeface="SimSun" panose="02010600030101010101" pitchFamily="2" charset="-122"/>
-              </a:rPr>
-              <a:t>Description: upload a photo for a donated book</a:t>
-            </a:r>
-          </a:p>
-          <a:p>
-            <a:pPr lvl="0"/>
-            <a:endParaRPr lang="en-US" altLang="zh-CN" sz="1200" dirty="0">
-              <a:effectLst/>
-              <a:latin typeface="Times New Roman" panose="02020603050405020304" pitchFamily="18" charset="0"/>
-              <a:ea typeface="SimSun" panose="02010600030101010101" pitchFamily="2" charset="-122"/>
-              <a:cs typeface="SimSun" panose="02010600030101010101" pitchFamily="2" charset="-122"/>
-            </a:endParaRPr>
-          </a:p>
-          <a:p>
-            <a:pPr lvl="0"/>
-            <a:r>
-              <a:rPr lang="en-US" altLang="zh-CN" sz="1200" b="1" dirty="0">
-                <a:effectLst/>
-                <a:latin typeface="Times New Roman" panose="02020603050405020304" pitchFamily="18" charset="0"/>
-                <a:ea typeface="SimSun" panose="02010600030101010101" pitchFamily="2" charset="-122"/>
-                <a:cs typeface="SimSun" panose="02010600030101010101" pitchFamily="2" charset="-122"/>
-              </a:rPr>
-              <a:t>GET /user-info/</a:t>
-            </a:r>
-          </a:p>
-          <a:p>
-            <a:pPr lvl="0"/>
-            <a:r>
-              <a:rPr lang="en-US" altLang="zh-CN" sz="1200" dirty="0">
-                <a:effectLst/>
-                <a:latin typeface="Times New Roman" panose="02020603050405020304" pitchFamily="18" charset="0"/>
-                <a:ea typeface="SimSun" panose="02010600030101010101" pitchFamily="2" charset="-122"/>
-                <a:cs typeface="SimSun" panose="02010600030101010101" pitchFamily="2" charset="-122"/>
-              </a:rPr>
-              <a:t>Query param: </a:t>
-            </a:r>
-            <a:r>
-              <a:rPr lang="en-US" altLang="zh-CN" sz="1200" dirty="0" err="1">
-                <a:effectLst/>
-                <a:latin typeface="Times New Roman" panose="02020603050405020304" pitchFamily="18" charset="0"/>
-                <a:ea typeface="SimSun" panose="02010600030101010101" pitchFamily="2" charset="-122"/>
-                <a:cs typeface="SimSun" panose="02010600030101010101" pitchFamily="2" charset="-122"/>
-              </a:rPr>
-              <a:t>user_id</a:t>
-            </a:r>
-            <a:endParaRPr lang="en-US" altLang="zh-CN" sz="1200" dirty="0">
-              <a:effectLst/>
-              <a:latin typeface="Times New Roman" panose="02020603050405020304" pitchFamily="18" charset="0"/>
-              <a:ea typeface="SimSun" panose="02010600030101010101" pitchFamily="2" charset="-122"/>
-              <a:cs typeface="SimSun" panose="02010600030101010101" pitchFamily="2" charset="-122"/>
-            </a:endParaRPr>
-          </a:p>
-          <a:p>
-            <a:pPr lvl="0"/>
-            <a:r>
-              <a:rPr lang="en-US" altLang="zh-CN" sz="1200" dirty="0">
-                <a:effectLst/>
-                <a:latin typeface="Times New Roman" panose="02020603050405020304" pitchFamily="18" charset="0"/>
-                <a:ea typeface="SimSun" panose="02010600030101010101" pitchFamily="2" charset="-122"/>
-                <a:cs typeface="SimSun" panose="02010600030101010101" pitchFamily="2" charset="-122"/>
-              </a:rPr>
-              <a:t>Description: get the user information stored in the DynamoDB user information table</a:t>
-            </a:r>
-          </a:p>
-          <a:p>
-            <a:pPr lvl="0"/>
-            <a:endParaRPr lang="en-US" altLang="zh-CN" sz="1200" dirty="0">
-              <a:effectLst/>
-              <a:latin typeface="Times New Roman" panose="02020603050405020304" pitchFamily="18" charset="0"/>
-              <a:ea typeface="SimSun" panose="02010600030101010101" pitchFamily="2" charset="-122"/>
-              <a:cs typeface="SimSun" panose="02010600030101010101" pitchFamily="2" charset="-122"/>
-            </a:endParaRPr>
-          </a:p>
-          <a:p>
-            <a:pPr lvl="0"/>
-            <a:r>
-              <a:rPr lang="en-US" altLang="zh-CN" sz="1200" b="1" dirty="0">
-                <a:effectLst/>
-                <a:latin typeface="Times New Roman" panose="02020603050405020304" pitchFamily="18" charset="0"/>
-                <a:ea typeface="SimSun" panose="02010600030101010101" pitchFamily="2" charset="-122"/>
-                <a:cs typeface="SimSun" panose="02010600030101010101" pitchFamily="2" charset="-122"/>
-              </a:rPr>
-              <a:t>GET /message/</a:t>
-            </a:r>
-          </a:p>
-          <a:p>
-            <a:pPr lvl="0"/>
-            <a:r>
-              <a:rPr lang="en-US" altLang="zh-CN" sz="1200" dirty="0">
-                <a:effectLst/>
-                <a:latin typeface="Times New Roman" panose="02020603050405020304" pitchFamily="18" charset="0"/>
-                <a:ea typeface="SimSun" panose="02010600030101010101" pitchFamily="2" charset="-122"/>
-                <a:cs typeface="SimSun" panose="02010600030101010101" pitchFamily="2" charset="-122"/>
-              </a:rPr>
-              <a:t>Query param: </a:t>
-            </a:r>
-            <a:r>
-              <a:rPr lang="en-US" altLang="zh-CN" sz="1200" dirty="0" err="1">
-                <a:effectLst/>
-                <a:latin typeface="Times New Roman" panose="02020603050405020304" pitchFamily="18" charset="0"/>
-                <a:ea typeface="SimSun" panose="02010600030101010101" pitchFamily="2" charset="-122"/>
-                <a:cs typeface="SimSun" panose="02010600030101010101" pitchFamily="2" charset="-122"/>
-              </a:rPr>
-              <a:t>user_id</a:t>
-            </a:r>
-            <a:endParaRPr lang="en-US" altLang="zh-CN" sz="1200" dirty="0">
-              <a:effectLst/>
-              <a:latin typeface="Times New Roman" panose="02020603050405020304" pitchFamily="18" charset="0"/>
-              <a:ea typeface="SimSun" panose="02010600030101010101" pitchFamily="2" charset="-122"/>
-              <a:cs typeface="SimSun" panose="02010600030101010101" pitchFamily="2" charset="-122"/>
-            </a:endParaRPr>
-          </a:p>
-          <a:p>
-            <a:pPr lvl="0"/>
-            <a:r>
-              <a:rPr lang="en-US" altLang="zh-CN" sz="1200" dirty="0">
-                <a:effectLst/>
-                <a:latin typeface="Times New Roman" panose="02020603050405020304" pitchFamily="18" charset="0"/>
-                <a:ea typeface="SimSun" panose="02010600030101010101" pitchFamily="2" charset="-122"/>
-                <a:cs typeface="SimSun" panose="02010600030101010101" pitchFamily="2" charset="-122"/>
-              </a:rPr>
-              <a:t>Description: get the all messages received for a user</a:t>
-            </a:r>
-          </a:p>
-          <a:p>
-            <a:pPr lvl="0"/>
-            <a:endParaRPr lang="en-US" altLang="zh-CN" sz="1200" dirty="0">
-              <a:effectLst/>
-              <a:latin typeface="Times New Roman" panose="02020603050405020304" pitchFamily="18" charset="0"/>
-              <a:ea typeface="SimSun" panose="02010600030101010101" pitchFamily="2" charset="-122"/>
-              <a:cs typeface="SimSun" panose="02010600030101010101" pitchFamily="2" charset="-122"/>
-            </a:endParaRPr>
-          </a:p>
-          <a:p>
-            <a:pPr lvl="0"/>
-            <a:r>
-              <a:rPr lang="en-US" altLang="zh-CN" sz="1200" b="1" dirty="0">
-                <a:effectLst/>
-                <a:latin typeface="Times New Roman" panose="02020603050405020304" pitchFamily="18" charset="0"/>
-                <a:ea typeface="SimSun" panose="02010600030101010101" pitchFamily="2" charset="-122"/>
-                <a:cs typeface="SimSun" panose="02010600030101010101" pitchFamily="2" charset="-122"/>
-              </a:rPr>
-              <a:t>POST /message/</a:t>
-            </a:r>
-          </a:p>
-          <a:p>
-            <a:pPr lvl="0"/>
-            <a:r>
-              <a:rPr lang="en-US" altLang="zh-CN" sz="1200" dirty="0">
-                <a:effectLst/>
-                <a:latin typeface="Times New Roman" panose="02020603050405020304" pitchFamily="18" charset="0"/>
-                <a:ea typeface="SimSun" panose="02010600030101010101" pitchFamily="2" charset="-122"/>
-                <a:cs typeface="SimSun" panose="02010600030101010101" pitchFamily="2" charset="-122"/>
-              </a:rPr>
-              <a:t>Body param: sender, recipient, content</a:t>
-            </a:r>
-          </a:p>
-          <a:p>
-            <a:pPr lvl="0"/>
-            <a:r>
-              <a:rPr lang="en-US" altLang="zh-CN" sz="1200" dirty="0">
-                <a:effectLst/>
-                <a:latin typeface="Times New Roman" panose="02020603050405020304" pitchFamily="18" charset="0"/>
-                <a:ea typeface="SimSun" panose="02010600030101010101" pitchFamily="2" charset="-122"/>
-                <a:cs typeface="SimSun" panose="02010600030101010101" pitchFamily="2" charset="-122"/>
-              </a:rPr>
-              <a:t>Description: send the message with the given content to the given recipient, by the given sender.</a:t>
-            </a:r>
-          </a:p>
-          <a:p>
-            <a:pPr lvl="0"/>
-            <a:endParaRPr lang="en-US" altLang="zh-CN" sz="1200" dirty="0">
-              <a:effectLst/>
-              <a:latin typeface="Times New Roman" panose="02020603050405020304" pitchFamily="18" charset="0"/>
-              <a:ea typeface="SimSun" panose="02010600030101010101" pitchFamily="2" charset="-122"/>
-              <a:cs typeface="SimSun" panose="02010600030101010101" pitchFamily="2" charset="-122"/>
-            </a:endParaRPr>
-          </a:p>
-          <a:p>
-            <a:pPr lvl="0"/>
-            <a:r>
-              <a:rPr lang="en-US" altLang="zh-CN" sz="1200" b="1" dirty="0">
-                <a:effectLst/>
-                <a:latin typeface="Times New Roman" panose="02020603050405020304" pitchFamily="18" charset="0"/>
-                <a:ea typeface="SimSun" panose="02010600030101010101" pitchFamily="2" charset="-122"/>
-                <a:cs typeface="SimSun" panose="02010600030101010101" pitchFamily="2" charset="-122"/>
-              </a:rPr>
-              <a:t>POST /request/</a:t>
-            </a:r>
-          </a:p>
-          <a:p>
-            <a:pPr lvl="0"/>
-            <a:r>
-              <a:rPr lang="en-US" altLang="zh-CN" sz="1200" dirty="0">
-                <a:effectLst/>
-                <a:latin typeface="Times New Roman" panose="02020603050405020304" pitchFamily="18" charset="0"/>
-                <a:ea typeface="SimSun" panose="02010600030101010101" pitchFamily="2" charset="-122"/>
-                <a:cs typeface="SimSun" panose="02010600030101010101" pitchFamily="2" charset="-122"/>
-              </a:rPr>
-              <a:t>Body param: </a:t>
-            </a:r>
-            <a:r>
-              <a:rPr lang="en-US" altLang="zh-CN" sz="1200" dirty="0" err="1">
-                <a:effectLst/>
-                <a:latin typeface="Times New Roman" panose="02020603050405020304" pitchFamily="18" charset="0"/>
-                <a:ea typeface="SimSun" panose="02010600030101010101" pitchFamily="2" charset="-122"/>
-                <a:cs typeface="SimSun" panose="02010600030101010101" pitchFamily="2" charset="-122"/>
-              </a:rPr>
-              <a:t>user_id</a:t>
-            </a:r>
-            <a:r>
-              <a:rPr lang="en-US" altLang="zh-CN" sz="1200" dirty="0">
-                <a:effectLst/>
-                <a:latin typeface="Times New Roman" panose="02020603050405020304" pitchFamily="18" charset="0"/>
-                <a:ea typeface="SimSun" panose="02010600030101010101" pitchFamily="2" charset="-122"/>
-                <a:cs typeface="SimSun" panose="02010600030101010101" pitchFamily="2" charset="-122"/>
-              </a:rPr>
-              <a:t>, </a:t>
-            </a:r>
-            <a:r>
-              <a:rPr lang="en-US" altLang="zh-CN" sz="1200" dirty="0" err="1">
-                <a:effectLst/>
-                <a:latin typeface="Times New Roman" panose="02020603050405020304" pitchFamily="18" charset="0"/>
-                <a:ea typeface="SimSun" panose="02010600030101010101" pitchFamily="2" charset="-122"/>
-                <a:cs typeface="SimSun" panose="02010600030101010101" pitchFamily="2" charset="-122"/>
-              </a:rPr>
-              <a:t>book_name</a:t>
-            </a:r>
-            <a:endParaRPr lang="en-US" altLang="zh-CN" sz="1200" dirty="0">
-              <a:effectLst/>
-              <a:latin typeface="Times New Roman" panose="02020603050405020304" pitchFamily="18" charset="0"/>
-              <a:ea typeface="SimSun" panose="02010600030101010101" pitchFamily="2" charset="-122"/>
-              <a:cs typeface="SimSun" panose="02010600030101010101" pitchFamily="2" charset="-122"/>
-            </a:endParaRPr>
-          </a:p>
-          <a:p>
-            <a:pPr lvl="0"/>
-            <a:r>
-              <a:rPr lang="en-US" altLang="zh-CN" sz="1200" dirty="0">
-                <a:latin typeface="Times New Roman" panose="02020603050405020304" pitchFamily="18" charset="0"/>
-                <a:ea typeface="SimSun" panose="02010600030101010101" pitchFamily="2" charset="-122"/>
-                <a:cs typeface="SimSun" panose="02010600030101010101" pitchFamily="2" charset="-122"/>
-              </a:rPr>
-              <a:t>Description: Send a request for an used book posted.</a:t>
-            </a:r>
-          </a:p>
-          <a:p>
-            <a:pPr lvl="0"/>
-            <a:endParaRPr lang="en-US" altLang="zh-CN" sz="1200" dirty="0">
-              <a:effectLst/>
-              <a:latin typeface="Times New Roman" panose="02020603050405020304" pitchFamily="18" charset="0"/>
-              <a:ea typeface="SimSun" panose="02010600030101010101" pitchFamily="2" charset="-122"/>
-              <a:cs typeface="SimSun" panose="02010600030101010101" pitchFamily="2" charset="-122"/>
-            </a:endParaRPr>
-          </a:p>
-          <a:p>
-            <a:pPr lvl="0"/>
-            <a:r>
-              <a:rPr lang="en-US" altLang="zh-CN" sz="1200" b="1" dirty="0">
-                <a:effectLst/>
-                <a:latin typeface="Times New Roman" panose="02020603050405020304" pitchFamily="18" charset="0"/>
-                <a:ea typeface="SimSun" panose="02010600030101010101" pitchFamily="2" charset="-122"/>
-                <a:cs typeface="SimSun" panose="02010600030101010101" pitchFamily="2" charset="-122"/>
-              </a:rPr>
-              <a:t>GET /search/</a:t>
-            </a:r>
-          </a:p>
-          <a:p>
-            <a:pPr lvl="0"/>
-            <a:r>
-              <a:rPr lang="en-US" altLang="zh-CN" sz="1200" dirty="0">
-                <a:effectLst/>
-                <a:latin typeface="Times New Roman" panose="02020603050405020304" pitchFamily="18" charset="0"/>
-                <a:ea typeface="SimSun" panose="02010600030101010101" pitchFamily="2" charset="-122"/>
-                <a:cs typeface="SimSun" panose="02010600030101010101" pitchFamily="2" charset="-122"/>
-              </a:rPr>
-              <a:t>Description: get the donated books’ information based on the input </a:t>
-            </a:r>
-            <a:r>
-              <a:rPr lang="en-US" altLang="zh-CN" sz="1200" dirty="0" err="1">
-                <a:effectLst/>
-                <a:latin typeface="Times New Roman" panose="02020603050405020304" pitchFamily="18" charset="0"/>
-                <a:ea typeface="SimSun" panose="02010600030101010101" pitchFamily="2" charset="-122"/>
-                <a:cs typeface="SimSun" panose="02010600030101010101" pitchFamily="2" charset="-122"/>
-              </a:rPr>
-              <a:t>book_name</a:t>
-            </a:r>
-            <a:endParaRPr lang="en-US" altLang="zh-CN" sz="1200" dirty="0">
-              <a:effectLst/>
-              <a:latin typeface="Times New Roman" panose="02020603050405020304" pitchFamily="18" charset="0"/>
-              <a:ea typeface="SimSun" panose="02010600030101010101" pitchFamily="2" charset="-122"/>
-              <a:cs typeface="SimSun" panose="02010600030101010101" pitchFamily="2" charset="-122"/>
-            </a:endParaRPr>
-          </a:p>
-          <a:p>
-            <a:pPr lvl="0"/>
-            <a:r>
-              <a:rPr lang="en-US" altLang="zh-CN" sz="1200" dirty="0">
-                <a:effectLst/>
-                <a:latin typeface="Times New Roman" panose="02020603050405020304" pitchFamily="18" charset="0"/>
-                <a:ea typeface="SimSun" panose="02010600030101010101" pitchFamily="2" charset="-122"/>
-                <a:cs typeface="SimSun" panose="02010600030101010101" pitchFamily="2" charset="-122"/>
-              </a:rPr>
-              <a:t>Query param: </a:t>
-            </a:r>
-            <a:r>
-              <a:rPr lang="en-US" altLang="zh-CN" sz="1200" dirty="0" err="1">
-                <a:effectLst/>
-                <a:latin typeface="Times New Roman" panose="02020603050405020304" pitchFamily="18" charset="0"/>
-                <a:ea typeface="SimSun" panose="02010600030101010101" pitchFamily="2" charset="-122"/>
-                <a:cs typeface="SimSun" panose="02010600030101010101" pitchFamily="2" charset="-122"/>
-              </a:rPr>
-              <a:t>book_name</a:t>
-            </a:r>
-            <a:r>
-              <a:rPr lang="en-US" altLang="zh-CN" sz="1200" dirty="0">
-                <a:effectLst/>
-                <a:latin typeface="Times New Roman" panose="02020603050405020304" pitchFamily="18" charset="0"/>
-                <a:ea typeface="SimSun" panose="02010600030101010101" pitchFamily="2" charset="-122"/>
-                <a:cs typeface="SimSun" panose="02010600030101010101" pitchFamily="2" charset="-122"/>
-              </a:rPr>
-              <a:t>, genres(optional), </a:t>
-            </a:r>
-            <a:r>
-              <a:rPr lang="en-US" altLang="zh-CN" sz="1200" dirty="0" err="1">
-                <a:effectLst/>
-                <a:latin typeface="Times New Roman" panose="02020603050405020304" pitchFamily="18" charset="0"/>
-                <a:ea typeface="SimSun" panose="02010600030101010101" pitchFamily="2" charset="-122"/>
-                <a:cs typeface="SimSun" panose="02010600030101010101" pitchFamily="2" charset="-122"/>
-              </a:rPr>
-              <a:t>min_condition</a:t>
-            </a:r>
-            <a:r>
-              <a:rPr lang="en-US" altLang="zh-CN" sz="1200" dirty="0">
-                <a:effectLst/>
-                <a:latin typeface="Times New Roman" panose="02020603050405020304" pitchFamily="18" charset="0"/>
-                <a:ea typeface="SimSun" panose="02010600030101010101" pitchFamily="2" charset="-122"/>
-                <a:cs typeface="SimSun" panose="02010600030101010101" pitchFamily="2" charset="-122"/>
-              </a:rPr>
-              <a:t>(optional)</a:t>
-            </a:r>
-          </a:p>
-        </p:txBody>
-      </p:sp>
-    </p:spTree>
-  </p:cSld>
-  <p:clrMapOvr>
-    <a:masterClrMapping/>
-  </p:clrMapOvr>
-</p:sld>
-</file>
-
-<file path=ppt/slides/slide3.xml><?xml version="1.0" encoding="utf-8"?>
-<p:sld xmlns:a="http://schemas.openxmlformats.org/drawingml/2006/main" xmlns:r="http://schemas.openxmlformats.org/officeDocument/2006/relationships" xmlns:p="http://schemas.openxmlformats.org/presentationml/2006/main">
-  <p:cSld>
-    <p:spTree>
-      <p:nvGrpSpPr>
-        <p:cNvPr id="1" name=""/>
-        <p:cNvGrpSpPr/>
-        <p:nvPr/>
-      </p:nvGrpSpPr>
-      <p:grpSpPr>
-        <a:xfrm>
-          <a:off x="0" y="0"/>
-          <a:ext cx="0" cy="0"/>
-          <a:chOff x="0" y="0"/>
-          <a:chExt cx="0" cy="0"/>
-        </a:xfrm>
-      </p:grpSpPr>
-      <p:sp>
-        <p:nvSpPr>
-          <p:cNvPr id="4" name="Title 1"/>
-          <p:cNvSpPr>
-            <a:spLocks noGrp="1"/>
-          </p:cNvSpPr>
-          <p:nvPr>
-            <p:ph type="title"/>
-          </p:nvPr>
-        </p:nvSpPr>
-        <p:spPr>
-          <a:xfrm>
             <a:off x="1524000" y="-6985"/>
             <a:ext cx="9144000" cy="866775"/>
           </a:xfrm>
@@ -8364,7 +8704,7 @@
         </p:nvSpPr>
         <p:spPr>
           <a:xfrm>
-            <a:off x="106162" y="856565"/>
+            <a:off x="458332" y="1018589"/>
             <a:ext cx="3630930" cy="369332"/>
           </a:xfrm>
           <a:prstGeom prst="rect">
@@ -8400,7 +8740,7 @@
           <p:nvPr/>
         </p:nvPicPr>
         <p:blipFill rotWithShape="1">
-          <a:blip r:embed="rId2"/>
+          <a:blip r:embed="rId3"/>
           <a:srcRect b="7738"/>
           <a:stretch/>
         </p:blipFill>
@@ -8637,7 +8977,7 @@
           <p:nvPr/>
         </p:nvPicPr>
         <p:blipFill>
-          <a:blip r:embed="rId3"/>
+          <a:blip r:embed="rId4"/>
           <a:stretch>
             <a:fillRect/>
           </a:stretch>
@@ -8667,7 +9007,7 @@
           <p:nvPr/>
         </p:nvPicPr>
         <p:blipFill>
-          <a:blip r:embed="rId4"/>
+          <a:blip r:embed="rId5"/>
           <a:stretch>
             <a:fillRect/>
           </a:stretch>
@@ -8731,6 +9071,603 @@
 </p:sld>
 </file>
 
+<file path=ppt/slides/slide3.xml><?xml version="1.0" encoding="utf-8"?>
+<p:sld xmlns:a="http://schemas.openxmlformats.org/drawingml/2006/main" xmlns:r="http://schemas.openxmlformats.org/officeDocument/2006/relationships" xmlns:p="http://schemas.openxmlformats.org/presentationml/2006/main">
+  <p:cSld>
+    <p:spTree>
+      <p:nvGrpSpPr>
+        <p:cNvPr id="1" name=""/>
+        <p:cNvGrpSpPr/>
+        <p:nvPr/>
+      </p:nvGrpSpPr>
+      <p:grpSpPr>
+        <a:xfrm>
+          <a:off x="0" y="0"/>
+          <a:ext cx="0" cy="0"/>
+          <a:chOff x="0" y="0"/>
+          <a:chExt cx="0" cy="0"/>
+        </a:xfrm>
+      </p:grpSpPr>
+      <p:sp>
+        <p:nvSpPr>
+          <p:cNvPr id="4" name="Title 1"/>
+          <p:cNvSpPr>
+            <a:spLocks noGrp="1"/>
+          </p:cNvSpPr>
+          <p:nvPr>
+            <p:ph type="title"/>
+          </p:nvPr>
+        </p:nvSpPr>
+        <p:spPr>
+          <a:xfrm>
+            <a:off x="1415415" y="0"/>
+            <a:ext cx="9144000" cy="794044"/>
+          </a:xfrm>
+        </p:spPr>
+        <p:txBody>
+          <a:bodyPr>
+            <a:noAutofit/>
+          </a:bodyPr>
+          <a:lstStyle/>
+          <a:p>
+            <a:r>
+              <a:rPr lang="en-US" altLang="zh-CN" sz="4000" dirty="0"/>
+              <a:t>Structure Overview</a:t>
+            </a:r>
+            <a:endParaRPr lang="zh-CN" altLang="en-US" sz="4000" dirty="0"/>
+          </a:p>
+        </p:txBody>
+      </p:sp>
+      <p:pic>
+        <p:nvPicPr>
+          <p:cNvPr id="6" name="Picture 5">
+            <a:extLst>
+              <a:ext uri="{FF2B5EF4-FFF2-40B4-BE49-F238E27FC236}">
+                <a16:creationId xmlns:a16="http://schemas.microsoft.com/office/drawing/2014/main" id="{EF496672-8690-A800-DD59-967CFCA78B50}"/>
+              </a:ext>
+            </a:extLst>
+          </p:cNvPr>
+          <p:cNvPicPr>
+            <a:picLocks noChangeAspect="1"/>
+          </p:cNvPicPr>
+          <p:nvPr/>
+        </p:nvPicPr>
+        <p:blipFill>
+          <a:blip r:embed="rId3"/>
+          <a:stretch>
+            <a:fillRect/>
+          </a:stretch>
+        </p:blipFill>
+        <p:spPr>
+          <a:xfrm>
+            <a:off x="717087" y="854274"/>
+            <a:ext cx="5450626" cy="5604122"/>
+          </a:xfrm>
+          <a:prstGeom prst="rect">
+            <a:avLst/>
+          </a:prstGeom>
+          <a:ln>
+            <a:noFill/>
+          </a:ln>
+          <a:effectLst>
+            <a:outerShdw blurRad="292100" dist="139700" dir="2700000" algn="tl" rotWithShape="0">
+              <a:srgbClr val="333333">
+                <a:alpha val="65000"/>
+              </a:srgbClr>
+            </a:outerShdw>
+          </a:effectLst>
+        </p:spPr>
+      </p:pic>
+      <p:sp>
+        <p:nvSpPr>
+          <p:cNvPr id="7" name="TextBox 6">
+            <a:extLst>
+              <a:ext uri="{FF2B5EF4-FFF2-40B4-BE49-F238E27FC236}">
+                <a16:creationId xmlns:a16="http://schemas.microsoft.com/office/drawing/2014/main" id="{4B42FB90-EB5C-DF06-C733-E32284A7F222}"/>
+              </a:ext>
+            </a:extLst>
+          </p:cNvPr>
+          <p:cNvSpPr txBox="1"/>
+          <p:nvPr/>
+        </p:nvSpPr>
+        <p:spPr>
+          <a:xfrm>
+            <a:off x="6630769" y="596824"/>
+            <a:ext cx="4457015" cy="6001643"/>
+          </a:xfrm>
+          <a:prstGeom prst="rect">
+            <a:avLst/>
+          </a:prstGeom>
+          <a:noFill/>
+        </p:spPr>
+        <p:txBody>
+          <a:bodyPr wrap="square" rtlCol="0">
+            <a:spAutoFit/>
+          </a:bodyPr>
+          <a:lstStyle/>
+          <a:p>
+            <a:pPr lvl="0"/>
+            <a:r>
+              <a:rPr lang="en-US" altLang="zh-CN" sz="1200" b="1" dirty="0">
+                <a:effectLst/>
+                <a:latin typeface="Times New Roman" panose="02020603050405020304" pitchFamily="18" charset="0"/>
+                <a:ea typeface="SimSun" panose="02010600030101010101" pitchFamily="2" charset="-122"/>
+                <a:cs typeface="SimSun" panose="02010600030101010101" pitchFamily="2" charset="-122"/>
+              </a:rPr>
+              <a:t>POST /donation/</a:t>
+            </a:r>
+          </a:p>
+          <a:p>
+            <a:pPr lvl="0"/>
+            <a:r>
+              <a:rPr lang="en-US" altLang="zh-CN" sz="1200" dirty="0">
+                <a:effectLst/>
+                <a:latin typeface="Times New Roman" panose="02020603050405020304" pitchFamily="18" charset="0"/>
+                <a:ea typeface="SimSun" panose="02010600030101010101" pitchFamily="2" charset="-122"/>
+                <a:cs typeface="SimSun" panose="02010600030101010101" pitchFamily="2" charset="-122"/>
+              </a:rPr>
+              <a:t>Body param: </a:t>
+            </a:r>
+            <a:r>
+              <a:rPr lang="en-US" altLang="zh-CN" sz="1200" dirty="0" err="1">
+                <a:effectLst/>
+                <a:latin typeface="Times New Roman" panose="02020603050405020304" pitchFamily="18" charset="0"/>
+                <a:ea typeface="SimSun" panose="02010600030101010101" pitchFamily="2" charset="-122"/>
+                <a:cs typeface="SimSun" panose="02010600030101010101" pitchFamily="2" charset="-122"/>
+              </a:rPr>
+              <a:t>donation_id</a:t>
+            </a:r>
+            <a:r>
+              <a:rPr lang="en-US" altLang="zh-CN" sz="1200" dirty="0">
+                <a:effectLst/>
+                <a:latin typeface="Times New Roman" panose="02020603050405020304" pitchFamily="18" charset="0"/>
+                <a:ea typeface="SimSun" panose="02010600030101010101" pitchFamily="2" charset="-122"/>
+                <a:cs typeface="SimSun" panose="02010600030101010101" pitchFamily="2" charset="-122"/>
+              </a:rPr>
+              <a:t>, </a:t>
+            </a:r>
+            <a:r>
+              <a:rPr lang="en-US" altLang="zh-CN" sz="1200" dirty="0" err="1">
+                <a:effectLst/>
+                <a:latin typeface="Times New Roman" panose="02020603050405020304" pitchFamily="18" charset="0"/>
+                <a:ea typeface="SimSun" panose="02010600030101010101" pitchFamily="2" charset="-122"/>
+                <a:cs typeface="SimSun" panose="02010600030101010101" pitchFamily="2" charset="-122"/>
+              </a:rPr>
+              <a:t>book_name</a:t>
+            </a:r>
+            <a:r>
+              <a:rPr lang="en-US" altLang="zh-CN" sz="1200" dirty="0">
+                <a:effectLst/>
+                <a:latin typeface="Times New Roman" panose="02020603050405020304" pitchFamily="18" charset="0"/>
+                <a:ea typeface="SimSun" panose="02010600030101010101" pitchFamily="2" charset="-122"/>
+                <a:cs typeface="SimSun" panose="02010600030101010101" pitchFamily="2" charset="-122"/>
+              </a:rPr>
+              <a:t>, user, condition, </a:t>
+            </a:r>
+            <a:r>
+              <a:rPr lang="en-US" altLang="zh-CN" sz="1200" dirty="0" err="1">
+                <a:effectLst/>
+                <a:latin typeface="Times New Roman" panose="02020603050405020304" pitchFamily="18" charset="0"/>
+                <a:ea typeface="SimSun" panose="02010600030101010101" pitchFamily="2" charset="-122"/>
+                <a:cs typeface="SimSun" panose="02010600030101010101" pitchFamily="2" charset="-122"/>
+              </a:rPr>
+              <a:t>photos_links</a:t>
+            </a:r>
+            <a:r>
+              <a:rPr lang="en-US" altLang="zh-CN" sz="1200" dirty="0">
+                <a:effectLst/>
+                <a:latin typeface="Times New Roman" panose="02020603050405020304" pitchFamily="18" charset="0"/>
+                <a:ea typeface="SimSun" panose="02010600030101010101" pitchFamily="2" charset="-122"/>
+                <a:cs typeface="SimSun" panose="02010600030101010101" pitchFamily="2" charset="-122"/>
+              </a:rPr>
+              <a:t>, credit.</a:t>
+            </a:r>
+          </a:p>
+          <a:p>
+            <a:pPr lvl="0"/>
+            <a:r>
+              <a:rPr lang="en-US" altLang="zh-CN" sz="1200" dirty="0">
+                <a:effectLst/>
+                <a:latin typeface="Times New Roman" panose="02020603050405020304" pitchFamily="18" charset="0"/>
+                <a:ea typeface="SimSun" panose="02010600030101010101" pitchFamily="2" charset="-122"/>
+                <a:cs typeface="SimSun" panose="02010600030101010101" pitchFamily="2" charset="-122"/>
+              </a:rPr>
+              <a:t>Description: make a donation of a used-book, and add the corresponding information to the DynamoDB and OpenSearch</a:t>
+            </a:r>
+          </a:p>
+          <a:p>
+            <a:pPr lvl="0"/>
+            <a:endParaRPr lang="en-US" altLang="zh-CN" sz="1200" dirty="0">
+              <a:effectLst/>
+              <a:latin typeface="Times New Roman" panose="02020603050405020304" pitchFamily="18" charset="0"/>
+              <a:ea typeface="SimSun" panose="02010600030101010101" pitchFamily="2" charset="-122"/>
+              <a:cs typeface="SimSun" panose="02010600030101010101" pitchFamily="2" charset="-122"/>
+            </a:endParaRPr>
+          </a:p>
+          <a:p>
+            <a:pPr lvl="0"/>
+            <a:r>
+              <a:rPr lang="en-US" altLang="zh-CN" sz="1200" b="1" dirty="0">
+                <a:effectLst/>
+                <a:latin typeface="Times New Roman" panose="02020603050405020304" pitchFamily="18" charset="0"/>
+                <a:ea typeface="SimSun" panose="02010600030101010101" pitchFamily="2" charset="-122"/>
+                <a:cs typeface="SimSun" panose="02010600030101010101" pitchFamily="2" charset="-122"/>
+              </a:rPr>
+              <a:t>POST /donation/photos/</a:t>
+            </a:r>
+          </a:p>
+          <a:p>
+            <a:pPr lvl="0"/>
+            <a:r>
+              <a:rPr lang="en-US" altLang="zh-CN" sz="1200" dirty="0">
+                <a:effectLst/>
+                <a:latin typeface="Times New Roman" panose="02020603050405020304" pitchFamily="18" charset="0"/>
+                <a:ea typeface="SimSun" panose="02010600030101010101" pitchFamily="2" charset="-122"/>
+                <a:cs typeface="SimSun" panose="02010600030101010101" pitchFamily="2" charset="-122"/>
+              </a:rPr>
+              <a:t>Body param: photos</a:t>
+            </a:r>
+          </a:p>
+          <a:p>
+            <a:pPr lvl="0"/>
+            <a:r>
+              <a:rPr lang="en-US" altLang="zh-CN" sz="1200" dirty="0">
+                <a:effectLst/>
+                <a:latin typeface="Times New Roman" panose="02020603050405020304" pitchFamily="18" charset="0"/>
+                <a:ea typeface="SimSun" panose="02010600030101010101" pitchFamily="2" charset="-122"/>
+                <a:cs typeface="SimSun" panose="02010600030101010101" pitchFamily="2" charset="-122"/>
+              </a:rPr>
+              <a:t>Description: upload a photo for a donated book</a:t>
+            </a:r>
+          </a:p>
+          <a:p>
+            <a:pPr lvl="0"/>
+            <a:endParaRPr lang="en-US" altLang="zh-CN" sz="1200" dirty="0">
+              <a:effectLst/>
+              <a:latin typeface="Times New Roman" panose="02020603050405020304" pitchFamily="18" charset="0"/>
+              <a:ea typeface="SimSun" panose="02010600030101010101" pitchFamily="2" charset="-122"/>
+              <a:cs typeface="SimSun" panose="02010600030101010101" pitchFamily="2" charset="-122"/>
+            </a:endParaRPr>
+          </a:p>
+          <a:p>
+            <a:pPr lvl="0"/>
+            <a:r>
+              <a:rPr lang="en-US" altLang="zh-CN" sz="1200" b="1" dirty="0">
+                <a:effectLst/>
+                <a:latin typeface="Times New Roman" panose="02020603050405020304" pitchFamily="18" charset="0"/>
+                <a:ea typeface="SimSun" panose="02010600030101010101" pitchFamily="2" charset="-122"/>
+                <a:cs typeface="SimSun" panose="02010600030101010101" pitchFamily="2" charset="-122"/>
+              </a:rPr>
+              <a:t>GET /user-info/</a:t>
+            </a:r>
+          </a:p>
+          <a:p>
+            <a:pPr lvl="0"/>
+            <a:r>
+              <a:rPr lang="en-US" altLang="zh-CN" sz="1200" dirty="0">
+                <a:effectLst/>
+                <a:latin typeface="Times New Roman" panose="02020603050405020304" pitchFamily="18" charset="0"/>
+                <a:ea typeface="SimSun" panose="02010600030101010101" pitchFamily="2" charset="-122"/>
+                <a:cs typeface="SimSun" panose="02010600030101010101" pitchFamily="2" charset="-122"/>
+              </a:rPr>
+              <a:t>Query param: </a:t>
+            </a:r>
+            <a:r>
+              <a:rPr lang="en-US" altLang="zh-CN" sz="1200" dirty="0" err="1">
+                <a:effectLst/>
+                <a:latin typeface="Times New Roman" panose="02020603050405020304" pitchFamily="18" charset="0"/>
+                <a:ea typeface="SimSun" panose="02010600030101010101" pitchFamily="2" charset="-122"/>
+                <a:cs typeface="SimSun" panose="02010600030101010101" pitchFamily="2" charset="-122"/>
+              </a:rPr>
+              <a:t>user_id</a:t>
+            </a:r>
+            <a:endParaRPr lang="en-US" altLang="zh-CN" sz="1200" dirty="0">
+              <a:effectLst/>
+              <a:latin typeface="Times New Roman" panose="02020603050405020304" pitchFamily="18" charset="0"/>
+              <a:ea typeface="SimSun" panose="02010600030101010101" pitchFamily="2" charset="-122"/>
+              <a:cs typeface="SimSun" panose="02010600030101010101" pitchFamily="2" charset="-122"/>
+            </a:endParaRPr>
+          </a:p>
+          <a:p>
+            <a:pPr lvl="0"/>
+            <a:r>
+              <a:rPr lang="en-US" altLang="zh-CN" sz="1200" dirty="0">
+                <a:effectLst/>
+                <a:latin typeface="Times New Roman" panose="02020603050405020304" pitchFamily="18" charset="0"/>
+                <a:ea typeface="SimSun" panose="02010600030101010101" pitchFamily="2" charset="-122"/>
+                <a:cs typeface="SimSun" panose="02010600030101010101" pitchFamily="2" charset="-122"/>
+              </a:rPr>
+              <a:t>Description: get the user information stored in the DynamoDB user information table</a:t>
+            </a:r>
+          </a:p>
+          <a:p>
+            <a:pPr lvl="0"/>
+            <a:endParaRPr lang="en-US" altLang="zh-CN" sz="1200" dirty="0">
+              <a:effectLst/>
+              <a:latin typeface="Times New Roman" panose="02020603050405020304" pitchFamily="18" charset="0"/>
+              <a:ea typeface="SimSun" panose="02010600030101010101" pitchFamily="2" charset="-122"/>
+              <a:cs typeface="SimSun" panose="02010600030101010101" pitchFamily="2" charset="-122"/>
+            </a:endParaRPr>
+          </a:p>
+          <a:p>
+            <a:pPr lvl="0"/>
+            <a:r>
+              <a:rPr lang="en-US" altLang="zh-CN" sz="1200" b="1" dirty="0">
+                <a:effectLst/>
+                <a:latin typeface="Times New Roman" panose="02020603050405020304" pitchFamily="18" charset="0"/>
+                <a:ea typeface="SimSun" panose="02010600030101010101" pitchFamily="2" charset="-122"/>
+                <a:cs typeface="SimSun" panose="02010600030101010101" pitchFamily="2" charset="-122"/>
+              </a:rPr>
+              <a:t>GET /message/</a:t>
+            </a:r>
+          </a:p>
+          <a:p>
+            <a:pPr lvl="0"/>
+            <a:r>
+              <a:rPr lang="en-US" altLang="zh-CN" sz="1200" dirty="0">
+                <a:effectLst/>
+                <a:latin typeface="Times New Roman" panose="02020603050405020304" pitchFamily="18" charset="0"/>
+                <a:ea typeface="SimSun" panose="02010600030101010101" pitchFamily="2" charset="-122"/>
+                <a:cs typeface="SimSun" panose="02010600030101010101" pitchFamily="2" charset="-122"/>
+              </a:rPr>
+              <a:t>Query param: </a:t>
+            </a:r>
+            <a:r>
+              <a:rPr lang="en-US" altLang="zh-CN" sz="1200" dirty="0" err="1">
+                <a:effectLst/>
+                <a:latin typeface="Times New Roman" panose="02020603050405020304" pitchFamily="18" charset="0"/>
+                <a:ea typeface="SimSun" panose="02010600030101010101" pitchFamily="2" charset="-122"/>
+                <a:cs typeface="SimSun" panose="02010600030101010101" pitchFamily="2" charset="-122"/>
+              </a:rPr>
+              <a:t>user_id</a:t>
+            </a:r>
+            <a:endParaRPr lang="en-US" altLang="zh-CN" sz="1200" dirty="0">
+              <a:effectLst/>
+              <a:latin typeface="Times New Roman" panose="02020603050405020304" pitchFamily="18" charset="0"/>
+              <a:ea typeface="SimSun" panose="02010600030101010101" pitchFamily="2" charset="-122"/>
+              <a:cs typeface="SimSun" panose="02010600030101010101" pitchFamily="2" charset="-122"/>
+            </a:endParaRPr>
+          </a:p>
+          <a:p>
+            <a:pPr lvl="0"/>
+            <a:r>
+              <a:rPr lang="en-US" altLang="zh-CN" sz="1200" dirty="0">
+                <a:effectLst/>
+                <a:latin typeface="Times New Roman" panose="02020603050405020304" pitchFamily="18" charset="0"/>
+                <a:ea typeface="SimSun" panose="02010600030101010101" pitchFamily="2" charset="-122"/>
+                <a:cs typeface="SimSun" panose="02010600030101010101" pitchFamily="2" charset="-122"/>
+              </a:rPr>
+              <a:t>Description: get the all messages received for a user</a:t>
+            </a:r>
+          </a:p>
+          <a:p>
+            <a:pPr lvl="0"/>
+            <a:endParaRPr lang="en-US" altLang="zh-CN" sz="1200" dirty="0">
+              <a:effectLst/>
+              <a:latin typeface="Times New Roman" panose="02020603050405020304" pitchFamily="18" charset="0"/>
+              <a:ea typeface="SimSun" panose="02010600030101010101" pitchFamily="2" charset="-122"/>
+              <a:cs typeface="SimSun" panose="02010600030101010101" pitchFamily="2" charset="-122"/>
+            </a:endParaRPr>
+          </a:p>
+          <a:p>
+            <a:pPr lvl="0"/>
+            <a:r>
+              <a:rPr lang="en-US" altLang="zh-CN" sz="1200" b="1" dirty="0">
+                <a:effectLst/>
+                <a:latin typeface="Times New Roman" panose="02020603050405020304" pitchFamily="18" charset="0"/>
+                <a:ea typeface="SimSun" panose="02010600030101010101" pitchFamily="2" charset="-122"/>
+                <a:cs typeface="SimSun" panose="02010600030101010101" pitchFamily="2" charset="-122"/>
+              </a:rPr>
+              <a:t>POST /message/</a:t>
+            </a:r>
+          </a:p>
+          <a:p>
+            <a:pPr lvl="0"/>
+            <a:r>
+              <a:rPr lang="en-US" altLang="zh-CN" sz="1200" dirty="0">
+                <a:effectLst/>
+                <a:latin typeface="Times New Roman" panose="02020603050405020304" pitchFamily="18" charset="0"/>
+                <a:ea typeface="SimSun" panose="02010600030101010101" pitchFamily="2" charset="-122"/>
+                <a:cs typeface="SimSun" panose="02010600030101010101" pitchFamily="2" charset="-122"/>
+              </a:rPr>
+              <a:t>Body param: sender, recipient, content</a:t>
+            </a:r>
+          </a:p>
+          <a:p>
+            <a:pPr lvl="0"/>
+            <a:r>
+              <a:rPr lang="en-US" altLang="zh-CN" sz="1200" dirty="0">
+                <a:effectLst/>
+                <a:latin typeface="Times New Roman" panose="02020603050405020304" pitchFamily="18" charset="0"/>
+                <a:ea typeface="SimSun" panose="02010600030101010101" pitchFamily="2" charset="-122"/>
+                <a:cs typeface="SimSun" panose="02010600030101010101" pitchFamily="2" charset="-122"/>
+              </a:rPr>
+              <a:t>Description: send the message with the given content to the given recipient, by the given sender.</a:t>
+            </a:r>
+          </a:p>
+          <a:p>
+            <a:pPr lvl="0"/>
+            <a:endParaRPr lang="en-US" altLang="zh-CN" sz="1200" dirty="0">
+              <a:effectLst/>
+              <a:latin typeface="Times New Roman" panose="02020603050405020304" pitchFamily="18" charset="0"/>
+              <a:ea typeface="SimSun" panose="02010600030101010101" pitchFamily="2" charset="-122"/>
+              <a:cs typeface="SimSun" panose="02010600030101010101" pitchFamily="2" charset="-122"/>
+            </a:endParaRPr>
+          </a:p>
+          <a:p>
+            <a:pPr lvl="0"/>
+            <a:r>
+              <a:rPr lang="en-US" altLang="zh-CN" sz="1200" b="1" dirty="0">
+                <a:effectLst/>
+                <a:latin typeface="Times New Roman" panose="02020603050405020304" pitchFamily="18" charset="0"/>
+                <a:ea typeface="SimSun" panose="02010600030101010101" pitchFamily="2" charset="-122"/>
+                <a:cs typeface="SimSun" panose="02010600030101010101" pitchFamily="2" charset="-122"/>
+              </a:rPr>
+              <a:t>POST /request/</a:t>
+            </a:r>
+          </a:p>
+          <a:p>
+            <a:pPr lvl="0"/>
+            <a:r>
+              <a:rPr lang="en-US" altLang="zh-CN" sz="1200" dirty="0">
+                <a:effectLst/>
+                <a:latin typeface="Times New Roman" panose="02020603050405020304" pitchFamily="18" charset="0"/>
+                <a:ea typeface="SimSun" panose="02010600030101010101" pitchFamily="2" charset="-122"/>
+                <a:cs typeface="SimSun" panose="02010600030101010101" pitchFamily="2" charset="-122"/>
+              </a:rPr>
+              <a:t>Body param: </a:t>
+            </a:r>
+            <a:r>
+              <a:rPr lang="en-US" altLang="zh-CN" sz="1200" dirty="0" err="1">
+                <a:effectLst/>
+                <a:latin typeface="Times New Roman" panose="02020603050405020304" pitchFamily="18" charset="0"/>
+                <a:ea typeface="SimSun" panose="02010600030101010101" pitchFamily="2" charset="-122"/>
+                <a:cs typeface="SimSun" panose="02010600030101010101" pitchFamily="2" charset="-122"/>
+              </a:rPr>
+              <a:t>user_id</a:t>
+            </a:r>
+            <a:r>
+              <a:rPr lang="en-US" altLang="zh-CN" sz="1200" dirty="0">
+                <a:effectLst/>
+                <a:latin typeface="Times New Roman" panose="02020603050405020304" pitchFamily="18" charset="0"/>
+                <a:ea typeface="SimSun" panose="02010600030101010101" pitchFamily="2" charset="-122"/>
+                <a:cs typeface="SimSun" panose="02010600030101010101" pitchFamily="2" charset="-122"/>
+              </a:rPr>
+              <a:t>, </a:t>
+            </a:r>
+            <a:r>
+              <a:rPr lang="en-US" altLang="zh-CN" sz="1200" dirty="0" err="1">
+                <a:effectLst/>
+                <a:latin typeface="Times New Roman" panose="02020603050405020304" pitchFamily="18" charset="0"/>
+                <a:ea typeface="SimSun" panose="02010600030101010101" pitchFamily="2" charset="-122"/>
+                <a:cs typeface="SimSun" panose="02010600030101010101" pitchFamily="2" charset="-122"/>
+              </a:rPr>
+              <a:t>book_name</a:t>
+            </a:r>
+            <a:endParaRPr lang="en-US" altLang="zh-CN" sz="1200" dirty="0">
+              <a:effectLst/>
+              <a:latin typeface="Times New Roman" panose="02020603050405020304" pitchFamily="18" charset="0"/>
+              <a:ea typeface="SimSun" panose="02010600030101010101" pitchFamily="2" charset="-122"/>
+              <a:cs typeface="SimSun" panose="02010600030101010101" pitchFamily="2" charset="-122"/>
+            </a:endParaRPr>
+          </a:p>
+          <a:p>
+            <a:pPr lvl="0"/>
+            <a:r>
+              <a:rPr lang="en-US" altLang="zh-CN" sz="1200" dirty="0">
+                <a:latin typeface="Times New Roman" panose="02020603050405020304" pitchFamily="18" charset="0"/>
+                <a:ea typeface="SimSun" panose="02010600030101010101" pitchFamily="2" charset="-122"/>
+                <a:cs typeface="SimSun" panose="02010600030101010101" pitchFamily="2" charset="-122"/>
+              </a:rPr>
+              <a:t>Description: Send a request for an used book posted.</a:t>
+            </a:r>
+          </a:p>
+          <a:p>
+            <a:pPr lvl="0"/>
+            <a:endParaRPr lang="en-US" altLang="zh-CN" sz="1200" dirty="0">
+              <a:effectLst/>
+              <a:latin typeface="Times New Roman" panose="02020603050405020304" pitchFamily="18" charset="0"/>
+              <a:ea typeface="SimSun" panose="02010600030101010101" pitchFamily="2" charset="-122"/>
+              <a:cs typeface="SimSun" panose="02010600030101010101" pitchFamily="2" charset="-122"/>
+            </a:endParaRPr>
+          </a:p>
+          <a:p>
+            <a:pPr lvl="0"/>
+            <a:r>
+              <a:rPr lang="en-US" altLang="zh-CN" sz="1200" b="1" dirty="0">
+                <a:effectLst/>
+                <a:latin typeface="Times New Roman" panose="02020603050405020304" pitchFamily="18" charset="0"/>
+                <a:ea typeface="SimSun" panose="02010600030101010101" pitchFamily="2" charset="-122"/>
+                <a:cs typeface="SimSun" panose="02010600030101010101" pitchFamily="2" charset="-122"/>
+              </a:rPr>
+              <a:t>GET /search/</a:t>
+            </a:r>
+          </a:p>
+          <a:p>
+            <a:pPr lvl="0"/>
+            <a:r>
+              <a:rPr lang="en-US" altLang="zh-CN" sz="1200" dirty="0">
+                <a:effectLst/>
+                <a:latin typeface="Times New Roman" panose="02020603050405020304" pitchFamily="18" charset="0"/>
+                <a:ea typeface="SimSun" panose="02010600030101010101" pitchFamily="2" charset="-122"/>
+                <a:cs typeface="SimSun" panose="02010600030101010101" pitchFamily="2" charset="-122"/>
+              </a:rPr>
+              <a:t>Description: get the donated books’ information based on the input </a:t>
+            </a:r>
+            <a:r>
+              <a:rPr lang="en-US" altLang="zh-CN" sz="1200" dirty="0" err="1">
+                <a:effectLst/>
+                <a:latin typeface="Times New Roman" panose="02020603050405020304" pitchFamily="18" charset="0"/>
+                <a:ea typeface="SimSun" panose="02010600030101010101" pitchFamily="2" charset="-122"/>
+                <a:cs typeface="SimSun" panose="02010600030101010101" pitchFamily="2" charset="-122"/>
+              </a:rPr>
+              <a:t>book_name</a:t>
+            </a:r>
+            <a:endParaRPr lang="en-US" altLang="zh-CN" sz="1200" dirty="0">
+              <a:effectLst/>
+              <a:latin typeface="Times New Roman" panose="02020603050405020304" pitchFamily="18" charset="0"/>
+              <a:ea typeface="SimSun" panose="02010600030101010101" pitchFamily="2" charset="-122"/>
+              <a:cs typeface="SimSun" panose="02010600030101010101" pitchFamily="2" charset="-122"/>
+            </a:endParaRPr>
+          </a:p>
+          <a:p>
+            <a:pPr lvl="0"/>
+            <a:r>
+              <a:rPr lang="en-US" altLang="zh-CN" sz="1200" dirty="0">
+                <a:effectLst/>
+                <a:latin typeface="Times New Roman" panose="02020603050405020304" pitchFamily="18" charset="0"/>
+                <a:ea typeface="SimSun" panose="02010600030101010101" pitchFamily="2" charset="-122"/>
+                <a:cs typeface="SimSun" panose="02010600030101010101" pitchFamily="2" charset="-122"/>
+              </a:rPr>
+              <a:t>Query param: </a:t>
+            </a:r>
+            <a:r>
+              <a:rPr lang="en-US" altLang="zh-CN" sz="1200" dirty="0" err="1">
+                <a:effectLst/>
+                <a:latin typeface="Times New Roman" panose="02020603050405020304" pitchFamily="18" charset="0"/>
+                <a:ea typeface="SimSun" panose="02010600030101010101" pitchFamily="2" charset="-122"/>
+                <a:cs typeface="SimSun" panose="02010600030101010101" pitchFamily="2" charset="-122"/>
+              </a:rPr>
+              <a:t>book_name</a:t>
+            </a:r>
+            <a:r>
+              <a:rPr lang="en-US" altLang="zh-CN" sz="1200" dirty="0">
+                <a:effectLst/>
+                <a:latin typeface="Times New Roman" panose="02020603050405020304" pitchFamily="18" charset="0"/>
+                <a:ea typeface="SimSun" panose="02010600030101010101" pitchFamily="2" charset="-122"/>
+                <a:cs typeface="SimSun" panose="02010600030101010101" pitchFamily="2" charset="-122"/>
+              </a:rPr>
+              <a:t>, genres(optional), </a:t>
+            </a:r>
+            <a:r>
+              <a:rPr lang="en-US" altLang="zh-CN" sz="1200" dirty="0" err="1">
+                <a:effectLst/>
+                <a:latin typeface="Times New Roman" panose="02020603050405020304" pitchFamily="18" charset="0"/>
+                <a:ea typeface="SimSun" panose="02010600030101010101" pitchFamily="2" charset="-122"/>
+                <a:cs typeface="SimSun" panose="02010600030101010101" pitchFamily="2" charset="-122"/>
+              </a:rPr>
+              <a:t>min_condition</a:t>
+            </a:r>
+            <a:r>
+              <a:rPr lang="en-US" altLang="zh-CN" sz="1200" dirty="0">
+                <a:effectLst/>
+                <a:latin typeface="Times New Roman" panose="02020603050405020304" pitchFamily="18" charset="0"/>
+                <a:ea typeface="SimSun" panose="02010600030101010101" pitchFamily="2" charset="-122"/>
+                <a:cs typeface="SimSun" panose="02010600030101010101" pitchFamily="2" charset="-122"/>
+              </a:rPr>
+              <a:t>(optional)</a:t>
+            </a:r>
+          </a:p>
+        </p:txBody>
+      </p:sp>
+    </p:spTree>
+  </p:cSld>
+  <p:clrMapOvr>
+    <a:masterClrMapping/>
+  </p:clrMapOvr>
+</p:sld>
+</file>
+
 <file path=ppt/slides/slide4.xml><?xml version="1.0" encoding="utf-8"?>
 <p:sld xmlns:a="http://schemas.openxmlformats.org/drawingml/2006/main" xmlns:r="http://schemas.openxmlformats.org/officeDocument/2006/relationships" xmlns:p="http://schemas.openxmlformats.org/presentationml/2006/main">
   <p:cSld>
@@ -8763,7 +9700,7 @@
           <p:nvPr/>
         </p:nvPicPr>
         <p:blipFill>
-          <a:blip r:embed="rId2"/>
+          <a:blip r:embed="rId3"/>
           <a:stretch>
             <a:fillRect/>
           </a:stretch>
@@ -9022,7 +9959,7 @@
           <p:nvPr/>
         </p:nvPicPr>
         <p:blipFill>
-          <a:blip r:embed="rId3"/>
+          <a:blip r:embed="rId4"/>
           <a:stretch>
             <a:fillRect/>
           </a:stretch>
@@ -9099,7 +10036,7 @@
           <p:nvPr/>
         </p:nvPicPr>
         <p:blipFill>
-          <a:blip r:embed="rId4"/>
+          <a:blip r:embed="rId5"/>
           <a:stretch>
             <a:fillRect/>
           </a:stretch>
@@ -9272,7 +10209,7 @@
           <p:nvPr/>
         </p:nvPicPr>
         <p:blipFill>
-          <a:blip r:embed="rId2">
+          <a:blip r:embed="rId3">
             <a:extLst>
               <a:ext uri="{28A0092B-C50C-407E-A947-70E740481C1C}">
                 <a14:useLocalDpi xmlns:a14="http://schemas.microsoft.com/office/drawing/2010/main" val="0"/>
@@ -9549,7 +10486,7 @@
           <p:nvPr/>
         </p:nvPicPr>
         <p:blipFill>
-          <a:blip r:embed="rId3"/>
+          <a:blip r:embed="rId4"/>
           <a:stretch>
             <a:fillRect/>
           </a:stretch>
@@ -9682,7 +10619,7 @@
           <p:nvPr/>
         </p:nvPicPr>
         <p:blipFill>
-          <a:blip r:embed="rId2"/>
+          <a:blip r:embed="rId3"/>
           <a:stretch>
             <a:fillRect/>
           </a:stretch>
